--- a/Chapter01-ABMGIS/Chapter1.pptx
+++ b/Chapter01-ABMGIS/Chapter1.pptx
@@ -4,8 +4,31 @@
   <p:sldMasterIdLst>
     <p:sldMasterId id="2147483648" r:id="rId1"/>
   </p:sldMasterIdLst>
+  <p:notesMasterIdLst>
+    <p:notesMasterId r:id="rId23"/>
+  </p:notesMasterIdLst>
   <p:sldIdLst>
     <p:sldId id="256" r:id="rId2"/>
+    <p:sldId id="271" r:id="rId3"/>
+    <p:sldId id="272" r:id="rId4"/>
+    <p:sldId id="257" r:id="rId5"/>
+    <p:sldId id="273" r:id="rId6"/>
+    <p:sldId id="274" r:id="rId7"/>
+    <p:sldId id="275" r:id="rId8"/>
+    <p:sldId id="276" r:id="rId9"/>
+    <p:sldId id="258" r:id="rId10"/>
+    <p:sldId id="259" r:id="rId11"/>
+    <p:sldId id="261" r:id="rId12"/>
+    <p:sldId id="262" r:id="rId13"/>
+    <p:sldId id="263" r:id="rId14"/>
+    <p:sldId id="264" r:id="rId15"/>
+    <p:sldId id="265" r:id="rId16"/>
+    <p:sldId id="266" r:id="rId17"/>
+    <p:sldId id="267" r:id="rId18"/>
+    <p:sldId id="268" r:id="rId19"/>
+    <p:sldId id="269" r:id="rId20"/>
+    <p:sldId id="270" r:id="rId21"/>
+    <p:sldId id="260" r:id="rId22"/>
   </p:sldIdLst>
   <p:sldSz cx="12192000" cy="6858000"/>
   <p:notesSz cx="6858000" cy="9144000"/>
@@ -104,7 +127,451 @@
       </a:defRPr>
     </a:lvl9pPr>
   </p:defaultTextStyle>
+  <p:extLst>
+    <p:ext uri="{EFAFB233-063F-42B5-8137-9DF3F51BA10A}">
+      <p15:sldGuideLst xmlns:p15="http://schemas.microsoft.com/office/powerpoint/2012/main"/>
+    </p:ext>
+  </p:extLst>
 </p:presentation>
+</file>
+
+<file path=ppt/notesMasters/notesMaster1.xml><?xml version="1.0" encoding="utf-8"?>
+<p:notesMaster xmlns:a="http://schemas.openxmlformats.org/drawingml/2006/main" xmlns:r="http://schemas.openxmlformats.org/officeDocument/2006/relationships" xmlns:p="http://schemas.openxmlformats.org/presentationml/2006/main">
+  <p:cSld>
+    <p:bg>
+      <p:bgRef idx="1001">
+        <a:schemeClr val="bg1"/>
+      </p:bgRef>
+    </p:bg>
+    <p:spTree>
+      <p:nvGrpSpPr>
+        <p:cNvPr id="1" name=""/>
+        <p:cNvGrpSpPr/>
+        <p:nvPr/>
+      </p:nvGrpSpPr>
+      <p:grpSpPr>
+        <a:xfrm>
+          <a:off x="0" y="0"/>
+          <a:ext cx="0" cy="0"/>
+          <a:chOff x="0" y="0"/>
+          <a:chExt cx="0" cy="0"/>
+        </a:xfrm>
+      </p:grpSpPr>
+      <p:sp>
+        <p:nvSpPr>
+          <p:cNvPr id="2" name="Header Placeholder 1"/>
+          <p:cNvSpPr>
+            <a:spLocks noGrp="1"/>
+          </p:cNvSpPr>
+          <p:nvPr>
+            <p:ph type="hdr" sz="quarter"/>
+          </p:nvPr>
+        </p:nvSpPr>
+        <p:spPr>
+          <a:xfrm>
+            <a:off x="0" y="0"/>
+            <a:ext cx="2971800" cy="458788"/>
+          </a:xfrm>
+          <a:prstGeom prst="rect">
+            <a:avLst/>
+          </a:prstGeom>
+        </p:spPr>
+        <p:txBody>
+          <a:bodyPr vert="horz" lIns="91440" tIns="45720" rIns="91440" bIns="45720" rtlCol="0"/>
+          <a:lstStyle>
+            <a:lvl1pPr algn="l">
+              <a:defRPr sz="1200"/>
+            </a:lvl1pPr>
+          </a:lstStyle>
+          <a:p>
+            <a:endParaRPr lang="en-US"/>
+          </a:p>
+        </p:txBody>
+      </p:sp>
+      <p:sp>
+        <p:nvSpPr>
+          <p:cNvPr id="3" name="Date Placeholder 2"/>
+          <p:cNvSpPr>
+            <a:spLocks noGrp="1"/>
+          </p:cNvSpPr>
+          <p:nvPr>
+            <p:ph type="dt" idx="1"/>
+          </p:nvPr>
+        </p:nvSpPr>
+        <p:spPr>
+          <a:xfrm>
+            <a:off x="3884613" y="0"/>
+            <a:ext cx="2971800" cy="458788"/>
+          </a:xfrm>
+          <a:prstGeom prst="rect">
+            <a:avLst/>
+          </a:prstGeom>
+        </p:spPr>
+        <p:txBody>
+          <a:bodyPr vert="horz" lIns="91440" tIns="45720" rIns="91440" bIns="45720" rtlCol="0"/>
+          <a:lstStyle>
+            <a:lvl1pPr algn="r">
+              <a:defRPr sz="1200"/>
+            </a:lvl1pPr>
+          </a:lstStyle>
+          <a:p>
+            <a:fld id="{BBBA8BB5-096B-E445-85A8-4DACD3562D41}" type="datetimeFigureOut">
+              <a:rPr lang="en-US" smtClean="0"/>
+              <a:t>7/16/18</a:t>
+            </a:fld>
+            <a:endParaRPr lang="en-US"/>
+          </a:p>
+        </p:txBody>
+      </p:sp>
+      <p:sp>
+        <p:nvSpPr>
+          <p:cNvPr id="4" name="Slide Image Placeholder 3"/>
+          <p:cNvSpPr>
+            <a:spLocks noGrp="1" noRot="1" noChangeAspect="1"/>
+          </p:cNvSpPr>
+          <p:nvPr>
+            <p:ph type="sldImg" idx="2"/>
+          </p:nvPr>
+        </p:nvSpPr>
+        <p:spPr>
+          <a:xfrm>
+            <a:off x="685800" y="1143000"/>
+            <a:ext cx="5486400" cy="3086100"/>
+          </a:xfrm>
+          <a:prstGeom prst="rect">
+            <a:avLst/>
+          </a:prstGeom>
+          <a:noFill/>
+          <a:ln w="12700">
+            <a:solidFill>
+              <a:prstClr val="black"/>
+            </a:solidFill>
+          </a:ln>
+        </p:spPr>
+        <p:txBody>
+          <a:bodyPr vert="horz" lIns="91440" tIns="45720" rIns="91440" bIns="45720" rtlCol="0" anchor="ctr"/>
+          <a:lstStyle/>
+          <a:p>
+            <a:endParaRPr lang="en-US"/>
+          </a:p>
+        </p:txBody>
+      </p:sp>
+      <p:sp>
+        <p:nvSpPr>
+          <p:cNvPr id="5" name="Notes Placeholder 4"/>
+          <p:cNvSpPr>
+            <a:spLocks noGrp="1"/>
+          </p:cNvSpPr>
+          <p:nvPr>
+            <p:ph type="body" sz="quarter" idx="3"/>
+          </p:nvPr>
+        </p:nvSpPr>
+        <p:spPr>
+          <a:xfrm>
+            <a:off x="685800" y="4400550"/>
+            <a:ext cx="5486400" cy="3600450"/>
+          </a:xfrm>
+          <a:prstGeom prst="rect">
+            <a:avLst/>
+          </a:prstGeom>
+        </p:spPr>
+        <p:txBody>
+          <a:bodyPr vert="horz" lIns="91440" tIns="45720" rIns="91440" bIns="45720" rtlCol="0"/>
+          <a:lstStyle/>
+          <a:p>
+            <a:pPr lvl="0"/>
+            <a:r>
+              <a:rPr lang="en-US"/>
+              <a:t>Edit Master text styles</a:t>
+            </a:r>
+          </a:p>
+          <a:p>
+            <a:pPr lvl="1"/>
+            <a:r>
+              <a:rPr lang="en-US"/>
+              <a:t>Second level</a:t>
+            </a:r>
+          </a:p>
+          <a:p>
+            <a:pPr lvl="2"/>
+            <a:r>
+              <a:rPr lang="en-US"/>
+              <a:t>Third level</a:t>
+            </a:r>
+          </a:p>
+          <a:p>
+            <a:pPr lvl="3"/>
+            <a:r>
+              <a:rPr lang="en-US"/>
+              <a:t>Fourth level</a:t>
+            </a:r>
+          </a:p>
+          <a:p>
+            <a:pPr lvl="4"/>
+            <a:r>
+              <a:rPr lang="en-US"/>
+              <a:t>Fifth level</a:t>
+            </a:r>
+          </a:p>
+        </p:txBody>
+      </p:sp>
+      <p:sp>
+        <p:nvSpPr>
+          <p:cNvPr id="6" name="Footer Placeholder 5"/>
+          <p:cNvSpPr>
+            <a:spLocks noGrp="1"/>
+          </p:cNvSpPr>
+          <p:nvPr>
+            <p:ph type="ftr" sz="quarter" idx="4"/>
+          </p:nvPr>
+        </p:nvSpPr>
+        <p:spPr>
+          <a:xfrm>
+            <a:off x="0" y="8685213"/>
+            <a:ext cx="2971800" cy="458787"/>
+          </a:xfrm>
+          <a:prstGeom prst="rect">
+            <a:avLst/>
+          </a:prstGeom>
+        </p:spPr>
+        <p:txBody>
+          <a:bodyPr vert="horz" lIns="91440" tIns="45720" rIns="91440" bIns="45720" rtlCol="0" anchor="b"/>
+          <a:lstStyle>
+            <a:lvl1pPr algn="l">
+              <a:defRPr sz="1200"/>
+            </a:lvl1pPr>
+          </a:lstStyle>
+          <a:p>
+            <a:endParaRPr lang="en-US"/>
+          </a:p>
+        </p:txBody>
+      </p:sp>
+      <p:sp>
+        <p:nvSpPr>
+          <p:cNvPr id="7" name="Slide Number Placeholder 6"/>
+          <p:cNvSpPr>
+            <a:spLocks noGrp="1"/>
+          </p:cNvSpPr>
+          <p:nvPr>
+            <p:ph type="sldNum" sz="quarter" idx="5"/>
+          </p:nvPr>
+        </p:nvSpPr>
+        <p:spPr>
+          <a:xfrm>
+            <a:off x="3884613" y="8685213"/>
+            <a:ext cx="2971800" cy="458787"/>
+          </a:xfrm>
+          <a:prstGeom prst="rect">
+            <a:avLst/>
+          </a:prstGeom>
+        </p:spPr>
+        <p:txBody>
+          <a:bodyPr vert="horz" lIns="91440" tIns="45720" rIns="91440" bIns="45720" rtlCol="0" anchor="b"/>
+          <a:lstStyle>
+            <a:lvl1pPr algn="r">
+              <a:defRPr sz="1200"/>
+            </a:lvl1pPr>
+          </a:lstStyle>
+          <a:p>
+            <a:fld id="{84AB11BC-0202-DE4D-9167-A0B0F1A6BEFB}" type="slidenum">
+              <a:rPr lang="en-US" smtClean="0"/>
+              <a:t>‹#›</a:t>
+            </a:fld>
+            <a:endParaRPr lang="en-US"/>
+          </a:p>
+        </p:txBody>
+      </p:sp>
+    </p:spTree>
+    <p:extLst>
+      <p:ext uri="{BB962C8B-B14F-4D97-AF65-F5344CB8AC3E}">
+        <p14:creationId xmlns:p14="http://schemas.microsoft.com/office/powerpoint/2010/main" val="3072761886"/>
+      </p:ext>
+    </p:extLst>
+  </p:cSld>
+  <p:clrMap bg1="lt1" tx1="dk1" bg2="lt2" tx2="dk2" accent1="accent1" accent2="accent2" accent3="accent3" accent4="accent4" accent5="accent5" accent6="accent6" hlink="hlink" folHlink="folHlink"/>
+  <p:notesStyle>
+    <a:lvl1pPr marL="0" algn="l" defTabSz="914400" rtl="0" eaLnBrk="1" latinLnBrk="0" hangingPunct="1">
+      <a:defRPr sz="1200" kern="1200">
+        <a:solidFill>
+          <a:schemeClr val="tx1"/>
+        </a:solidFill>
+        <a:latin typeface="+mn-lt"/>
+        <a:ea typeface="+mn-ea"/>
+        <a:cs typeface="+mn-cs"/>
+      </a:defRPr>
+    </a:lvl1pPr>
+    <a:lvl2pPr marL="457200" algn="l" defTabSz="914400" rtl="0" eaLnBrk="1" latinLnBrk="0" hangingPunct="1">
+      <a:defRPr sz="1200" kern="1200">
+        <a:solidFill>
+          <a:schemeClr val="tx1"/>
+        </a:solidFill>
+        <a:latin typeface="+mn-lt"/>
+        <a:ea typeface="+mn-ea"/>
+        <a:cs typeface="+mn-cs"/>
+      </a:defRPr>
+    </a:lvl2pPr>
+    <a:lvl3pPr marL="914400" algn="l" defTabSz="914400" rtl="0" eaLnBrk="1" latinLnBrk="0" hangingPunct="1">
+      <a:defRPr sz="1200" kern="1200">
+        <a:solidFill>
+          <a:schemeClr val="tx1"/>
+        </a:solidFill>
+        <a:latin typeface="+mn-lt"/>
+        <a:ea typeface="+mn-ea"/>
+        <a:cs typeface="+mn-cs"/>
+      </a:defRPr>
+    </a:lvl3pPr>
+    <a:lvl4pPr marL="1371600" algn="l" defTabSz="914400" rtl="0" eaLnBrk="1" latinLnBrk="0" hangingPunct="1">
+      <a:defRPr sz="1200" kern="1200">
+        <a:solidFill>
+          <a:schemeClr val="tx1"/>
+        </a:solidFill>
+        <a:latin typeface="+mn-lt"/>
+        <a:ea typeface="+mn-ea"/>
+        <a:cs typeface="+mn-cs"/>
+      </a:defRPr>
+    </a:lvl4pPr>
+    <a:lvl5pPr marL="1828800" algn="l" defTabSz="914400" rtl="0" eaLnBrk="1" latinLnBrk="0" hangingPunct="1">
+      <a:defRPr sz="1200" kern="1200">
+        <a:solidFill>
+          <a:schemeClr val="tx1"/>
+        </a:solidFill>
+        <a:latin typeface="+mn-lt"/>
+        <a:ea typeface="+mn-ea"/>
+        <a:cs typeface="+mn-cs"/>
+      </a:defRPr>
+    </a:lvl5pPr>
+    <a:lvl6pPr marL="2286000" algn="l" defTabSz="914400" rtl="0" eaLnBrk="1" latinLnBrk="0" hangingPunct="1">
+      <a:defRPr sz="1200" kern="1200">
+        <a:solidFill>
+          <a:schemeClr val="tx1"/>
+        </a:solidFill>
+        <a:latin typeface="+mn-lt"/>
+        <a:ea typeface="+mn-ea"/>
+        <a:cs typeface="+mn-cs"/>
+      </a:defRPr>
+    </a:lvl6pPr>
+    <a:lvl7pPr marL="2743200" algn="l" defTabSz="914400" rtl="0" eaLnBrk="1" latinLnBrk="0" hangingPunct="1">
+      <a:defRPr sz="1200" kern="1200">
+        <a:solidFill>
+          <a:schemeClr val="tx1"/>
+        </a:solidFill>
+        <a:latin typeface="+mn-lt"/>
+        <a:ea typeface="+mn-ea"/>
+        <a:cs typeface="+mn-cs"/>
+      </a:defRPr>
+    </a:lvl7pPr>
+    <a:lvl8pPr marL="3200400" algn="l" defTabSz="914400" rtl="0" eaLnBrk="1" latinLnBrk="0" hangingPunct="1">
+      <a:defRPr sz="1200" kern="1200">
+        <a:solidFill>
+          <a:schemeClr val="tx1"/>
+        </a:solidFill>
+        <a:latin typeface="+mn-lt"/>
+        <a:ea typeface="+mn-ea"/>
+        <a:cs typeface="+mn-cs"/>
+      </a:defRPr>
+    </a:lvl8pPr>
+    <a:lvl9pPr marL="3657600" algn="l" defTabSz="914400" rtl="0" eaLnBrk="1" latinLnBrk="0" hangingPunct="1">
+      <a:defRPr sz="1200" kern="1200">
+        <a:solidFill>
+          <a:schemeClr val="tx1"/>
+        </a:solidFill>
+        <a:latin typeface="+mn-lt"/>
+        <a:ea typeface="+mn-ea"/>
+        <a:cs typeface="+mn-cs"/>
+      </a:defRPr>
+    </a:lvl9pPr>
+  </p:notesStyle>
+</p:notesMaster>
+</file>
+
+<file path=ppt/notesSlides/notesSlide1.xml><?xml version="1.0" encoding="utf-8"?>
+<p:notes xmlns:a="http://schemas.openxmlformats.org/drawingml/2006/main" xmlns:r="http://schemas.openxmlformats.org/officeDocument/2006/relationships" xmlns:p="http://schemas.openxmlformats.org/presentationml/2006/main">
+  <p:cSld>
+    <p:spTree>
+      <p:nvGrpSpPr>
+        <p:cNvPr id="1" name=""/>
+        <p:cNvGrpSpPr/>
+        <p:nvPr/>
+      </p:nvGrpSpPr>
+      <p:grpSpPr>
+        <a:xfrm>
+          <a:off x="0" y="0"/>
+          <a:ext cx="0" cy="0"/>
+          <a:chOff x="0" y="0"/>
+          <a:chExt cx="0" cy="0"/>
+        </a:xfrm>
+      </p:grpSpPr>
+      <p:sp>
+        <p:nvSpPr>
+          <p:cNvPr id="2" name="Slide Image Placeholder 1"/>
+          <p:cNvSpPr>
+            <a:spLocks noGrp="1" noRot="1" noChangeAspect="1"/>
+          </p:cNvSpPr>
+          <p:nvPr>
+            <p:ph type="sldImg"/>
+          </p:nvPr>
+        </p:nvSpPr>
+        <p:spPr/>
+      </p:sp>
+      <p:sp>
+        <p:nvSpPr>
+          <p:cNvPr id="3" name="Notes Placeholder 2"/>
+          <p:cNvSpPr>
+            <a:spLocks noGrp="1"/>
+          </p:cNvSpPr>
+          <p:nvPr>
+            <p:ph type="body" idx="1"/>
+          </p:nvPr>
+        </p:nvSpPr>
+        <p:spPr/>
+        <p:txBody>
+          <a:bodyPr/>
+          <a:lstStyle/>
+          <a:p>
+            <a:r>
+              <a:rPr lang="en-US" dirty="0"/>
+              <a:t>The overarching aim of this chapter is to give the reader a contextual background and general overview of the major developments in geographical modelling for the simulation of the individual.  The reader is introduced to a discussion around the purpose of modelling as well how complexity theory has influenced the way that we view (and simulate) geographical systems.  We end the chapter by discussing the benefits of bringing together agent-based modelling and GIS.</a:t>
+            </a:r>
+          </a:p>
+          <a:p>
+            <a:endParaRPr lang="en-US" dirty="0"/>
+          </a:p>
+        </p:txBody>
+      </p:sp>
+      <p:sp>
+        <p:nvSpPr>
+          <p:cNvPr id="4" name="Slide Number Placeholder 3"/>
+          <p:cNvSpPr>
+            <a:spLocks noGrp="1"/>
+          </p:cNvSpPr>
+          <p:nvPr>
+            <p:ph type="sldNum" sz="quarter" idx="10"/>
+          </p:nvPr>
+        </p:nvSpPr>
+        <p:spPr/>
+        <p:txBody>
+          <a:bodyPr/>
+          <a:lstStyle/>
+          <a:p>
+            <a:fld id="{84AB11BC-0202-DE4D-9167-A0B0F1A6BEFB}" type="slidenum">
+              <a:rPr lang="en-US" smtClean="0"/>
+              <a:t>1</a:t>
+            </a:fld>
+            <a:endParaRPr lang="en-US"/>
+          </a:p>
+        </p:txBody>
+      </p:sp>
+    </p:spTree>
+    <p:extLst>
+      <p:ext uri="{BB962C8B-B14F-4D97-AF65-F5344CB8AC3E}">
+        <p14:creationId xmlns:p14="http://schemas.microsoft.com/office/powerpoint/2010/main" val="3275942144"/>
+      </p:ext>
+    </p:extLst>
+  </p:cSld>
+  <p:clrMapOvr>
+    <a:masterClrMapping/>
+  </p:clrMapOvr>
+</p:notes>
 </file>
 
 <file path=ppt/slideLayouts/slideLayout1.xml><?xml version="1.0" encoding="utf-8"?>
@@ -3342,7 +3809,10 @@
           <a:bodyPr/>
           <a:lstStyle/>
           <a:p>
-            <a:endParaRPr lang="en-US"/>
+            <a:r>
+              <a:rPr lang="en-US" dirty="0"/>
+              <a:t>Chapter 1</a:t>
+            </a:r>
           </a:p>
         </p:txBody>
       </p:sp>
@@ -3375,6 +3845,1705 @@
     <p:extLst>
       <p:ext uri="{BB962C8B-B14F-4D97-AF65-F5344CB8AC3E}">
         <p14:creationId xmlns:p14="http://schemas.microsoft.com/office/powerpoint/2010/main" val="27190754"/>
+      </p:ext>
+    </p:extLst>
+  </p:cSld>
+  <p:clrMapOvr>
+    <a:masterClrMapping/>
+  </p:clrMapOvr>
+</p:sld>
+</file>
+
+<file path=ppt/slides/slide10.xml><?xml version="1.0" encoding="utf-8"?>
+<p:sld xmlns:a="http://schemas.openxmlformats.org/drawingml/2006/main" xmlns:r="http://schemas.openxmlformats.org/officeDocument/2006/relationships" xmlns:p="http://schemas.openxmlformats.org/presentationml/2006/main">
+  <p:cSld>
+    <p:spTree>
+      <p:nvGrpSpPr>
+        <p:cNvPr id="1" name=""/>
+        <p:cNvGrpSpPr/>
+        <p:nvPr/>
+      </p:nvGrpSpPr>
+      <p:grpSpPr>
+        <a:xfrm>
+          <a:off x="0" y="0"/>
+          <a:ext cx="0" cy="0"/>
+          <a:chOff x="0" y="0"/>
+          <a:chExt cx="0" cy="0"/>
+        </a:xfrm>
+      </p:grpSpPr>
+      <p:sp>
+        <p:nvSpPr>
+          <p:cNvPr id="2" name="Title 1">
+            <a:extLst>
+              <a:ext uri="{FF2B5EF4-FFF2-40B4-BE49-F238E27FC236}">
+                <a16:creationId xmlns:a16="http://schemas.microsoft.com/office/drawing/2014/main" id="{44DBCF65-81D9-F543-ACE8-4FDCA4590571}"/>
+              </a:ext>
+            </a:extLst>
+          </p:cNvPr>
+          <p:cNvSpPr>
+            <a:spLocks noGrp="1"/>
+          </p:cNvSpPr>
+          <p:nvPr>
+            <p:ph type="title"/>
+          </p:nvPr>
+        </p:nvSpPr>
+        <p:spPr/>
+        <p:txBody>
+          <a:bodyPr/>
+          <a:lstStyle/>
+          <a:p>
+            <a:r>
+              <a:rPr lang="en-US" dirty="0"/>
+              <a:t>Chapter 2</a:t>
+            </a:r>
+          </a:p>
+        </p:txBody>
+      </p:sp>
+      <p:sp>
+        <p:nvSpPr>
+          <p:cNvPr id="3" name="Content Placeholder 2">
+            <a:extLst>
+              <a:ext uri="{FF2B5EF4-FFF2-40B4-BE49-F238E27FC236}">
+                <a16:creationId xmlns:a16="http://schemas.microsoft.com/office/drawing/2014/main" id="{1B381E9F-A42B-1547-86AB-7A6C55418943}"/>
+              </a:ext>
+            </a:extLst>
+          </p:cNvPr>
+          <p:cNvSpPr>
+            <a:spLocks noGrp="1"/>
+          </p:cNvSpPr>
+          <p:nvPr>
+            <p:ph idx="1"/>
+          </p:nvPr>
+        </p:nvSpPr>
+        <p:spPr/>
+        <p:txBody>
+          <a:bodyPr/>
+          <a:lstStyle/>
+          <a:p>
+            <a:endParaRPr lang="en-US"/>
+          </a:p>
+        </p:txBody>
+      </p:sp>
+    </p:spTree>
+    <p:extLst>
+      <p:ext uri="{BB962C8B-B14F-4D97-AF65-F5344CB8AC3E}">
+        <p14:creationId xmlns:p14="http://schemas.microsoft.com/office/powerpoint/2010/main" val="1070068504"/>
+      </p:ext>
+    </p:extLst>
+  </p:cSld>
+  <p:clrMapOvr>
+    <a:masterClrMapping/>
+  </p:clrMapOvr>
+</p:sld>
+</file>
+
+<file path=ppt/slides/slide11.xml><?xml version="1.0" encoding="utf-8"?>
+<p:sld xmlns:a="http://schemas.openxmlformats.org/drawingml/2006/main" xmlns:r="http://schemas.openxmlformats.org/officeDocument/2006/relationships" xmlns:p="http://schemas.openxmlformats.org/presentationml/2006/main">
+  <p:cSld>
+    <p:spTree>
+      <p:nvGrpSpPr>
+        <p:cNvPr id="1" name=""/>
+        <p:cNvGrpSpPr/>
+        <p:nvPr/>
+      </p:nvGrpSpPr>
+      <p:grpSpPr>
+        <a:xfrm>
+          <a:off x="0" y="0"/>
+          <a:ext cx="0" cy="0"/>
+          <a:chOff x="0" y="0"/>
+          <a:chExt cx="0" cy="0"/>
+        </a:xfrm>
+      </p:grpSpPr>
+      <p:sp>
+        <p:nvSpPr>
+          <p:cNvPr id="2" name="Title 1">
+            <a:extLst>
+              <a:ext uri="{FF2B5EF4-FFF2-40B4-BE49-F238E27FC236}">
+                <a16:creationId xmlns:a16="http://schemas.microsoft.com/office/drawing/2014/main" id="{44DBCF65-81D9-F543-ACE8-4FDCA4590571}"/>
+              </a:ext>
+            </a:extLst>
+          </p:cNvPr>
+          <p:cNvSpPr>
+            <a:spLocks noGrp="1"/>
+          </p:cNvSpPr>
+          <p:nvPr>
+            <p:ph type="title"/>
+          </p:nvPr>
+        </p:nvSpPr>
+        <p:spPr/>
+        <p:txBody>
+          <a:bodyPr/>
+          <a:lstStyle/>
+          <a:p>
+            <a:r>
+              <a:rPr lang="en-US" dirty="0"/>
+              <a:t>Chapter 3</a:t>
+            </a:r>
+          </a:p>
+        </p:txBody>
+      </p:sp>
+      <p:sp>
+        <p:nvSpPr>
+          <p:cNvPr id="3" name="Content Placeholder 2">
+            <a:extLst>
+              <a:ext uri="{FF2B5EF4-FFF2-40B4-BE49-F238E27FC236}">
+                <a16:creationId xmlns:a16="http://schemas.microsoft.com/office/drawing/2014/main" id="{1B381E9F-A42B-1547-86AB-7A6C55418943}"/>
+              </a:ext>
+            </a:extLst>
+          </p:cNvPr>
+          <p:cNvSpPr>
+            <a:spLocks noGrp="1"/>
+          </p:cNvSpPr>
+          <p:nvPr>
+            <p:ph idx="1"/>
+          </p:nvPr>
+        </p:nvSpPr>
+        <p:spPr/>
+        <p:txBody>
+          <a:bodyPr/>
+          <a:lstStyle/>
+          <a:p>
+            <a:endParaRPr lang="en-US"/>
+          </a:p>
+        </p:txBody>
+      </p:sp>
+    </p:spTree>
+    <p:extLst>
+      <p:ext uri="{BB962C8B-B14F-4D97-AF65-F5344CB8AC3E}">
+        <p14:creationId xmlns:p14="http://schemas.microsoft.com/office/powerpoint/2010/main" val="762753879"/>
+      </p:ext>
+    </p:extLst>
+  </p:cSld>
+  <p:clrMapOvr>
+    <a:masterClrMapping/>
+  </p:clrMapOvr>
+</p:sld>
+</file>
+
+<file path=ppt/slides/slide12.xml><?xml version="1.0" encoding="utf-8"?>
+<p:sld xmlns:a="http://schemas.openxmlformats.org/drawingml/2006/main" xmlns:r="http://schemas.openxmlformats.org/officeDocument/2006/relationships" xmlns:p="http://schemas.openxmlformats.org/presentationml/2006/main">
+  <p:cSld>
+    <p:spTree>
+      <p:nvGrpSpPr>
+        <p:cNvPr id="1" name=""/>
+        <p:cNvGrpSpPr/>
+        <p:nvPr/>
+      </p:nvGrpSpPr>
+      <p:grpSpPr>
+        <a:xfrm>
+          <a:off x="0" y="0"/>
+          <a:ext cx="0" cy="0"/>
+          <a:chOff x="0" y="0"/>
+          <a:chExt cx="0" cy="0"/>
+        </a:xfrm>
+      </p:grpSpPr>
+      <p:sp>
+        <p:nvSpPr>
+          <p:cNvPr id="2" name="Title 1">
+            <a:extLst>
+              <a:ext uri="{FF2B5EF4-FFF2-40B4-BE49-F238E27FC236}">
+                <a16:creationId xmlns:a16="http://schemas.microsoft.com/office/drawing/2014/main" id="{44DBCF65-81D9-F543-ACE8-4FDCA4590571}"/>
+              </a:ext>
+            </a:extLst>
+          </p:cNvPr>
+          <p:cNvSpPr>
+            <a:spLocks noGrp="1"/>
+          </p:cNvSpPr>
+          <p:nvPr>
+            <p:ph type="title"/>
+          </p:nvPr>
+        </p:nvSpPr>
+        <p:spPr/>
+        <p:txBody>
+          <a:bodyPr/>
+          <a:lstStyle/>
+          <a:p>
+            <a:r>
+              <a:rPr lang="en-US" dirty="0"/>
+              <a:t>Chapter 4</a:t>
+            </a:r>
+          </a:p>
+        </p:txBody>
+      </p:sp>
+      <p:sp>
+        <p:nvSpPr>
+          <p:cNvPr id="3" name="Content Placeholder 2">
+            <a:extLst>
+              <a:ext uri="{FF2B5EF4-FFF2-40B4-BE49-F238E27FC236}">
+                <a16:creationId xmlns:a16="http://schemas.microsoft.com/office/drawing/2014/main" id="{1B381E9F-A42B-1547-86AB-7A6C55418943}"/>
+              </a:ext>
+            </a:extLst>
+          </p:cNvPr>
+          <p:cNvSpPr>
+            <a:spLocks noGrp="1"/>
+          </p:cNvSpPr>
+          <p:nvPr>
+            <p:ph idx="1"/>
+          </p:nvPr>
+        </p:nvSpPr>
+        <p:spPr/>
+        <p:txBody>
+          <a:bodyPr/>
+          <a:lstStyle/>
+          <a:p>
+            <a:endParaRPr lang="en-US"/>
+          </a:p>
+        </p:txBody>
+      </p:sp>
+    </p:spTree>
+    <p:extLst>
+      <p:ext uri="{BB962C8B-B14F-4D97-AF65-F5344CB8AC3E}">
+        <p14:creationId xmlns:p14="http://schemas.microsoft.com/office/powerpoint/2010/main" val="2767816176"/>
+      </p:ext>
+    </p:extLst>
+  </p:cSld>
+  <p:clrMapOvr>
+    <a:masterClrMapping/>
+  </p:clrMapOvr>
+</p:sld>
+</file>
+
+<file path=ppt/slides/slide13.xml><?xml version="1.0" encoding="utf-8"?>
+<p:sld xmlns:a="http://schemas.openxmlformats.org/drawingml/2006/main" xmlns:r="http://schemas.openxmlformats.org/officeDocument/2006/relationships" xmlns:p="http://schemas.openxmlformats.org/presentationml/2006/main">
+  <p:cSld>
+    <p:spTree>
+      <p:nvGrpSpPr>
+        <p:cNvPr id="1" name=""/>
+        <p:cNvGrpSpPr/>
+        <p:nvPr/>
+      </p:nvGrpSpPr>
+      <p:grpSpPr>
+        <a:xfrm>
+          <a:off x="0" y="0"/>
+          <a:ext cx="0" cy="0"/>
+          <a:chOff x="0" y="0"/>
+          <a:chExt cx="0" cy="0"/>
+        </a:xfrm>
+      </p:grpSpPr>
+      <p:sp>
+        <p:nvSpPr>
+          <p:cNvPr id="2" name="Title 1">
+            <a:extLst>
+              <a:ext uri="{FF2B5EF4-FFF2-40B4-BE49-F238E27FC236}">
+                <a16:creationId xmlns:a16="http://schemas.microsoft.com/office/drawing/2014/main" id="{44DBCF65-81D9-F543-ACE8-4FDCA4590571}"/>
+              </a:ext>
+            </a:extLst>
+          </p:cNvPr>
+          <p:cNvSpPr>
+            <a:spLocks noGrp="1"/>
+          </p:cNvSpPr>
+          <p:nvPr>
+            <p:ph type="title"/>
+          </p:nvPr>
+        </p:nvSpPr>
+        <p:spPr/>
+        <p:txBody>
+          <a:bodyPr/>
+          <a:lstStyle/>
+          <a:p>
+            <a:r>
+              <a:rPr lang="en-US" dirty="0"/>
+              <a:t>Chapter 5</a:t>
+            </a:r>
+          </a:p>
+        </p:txBody>
+      </p:sp>
+      <p:sp>
+        <p:nvSpPr>
+          <p:cNvPr id="3" name="Content Placeholder 2">
+            <a:extLst>
+              <a:ext uri="{FF2B5EF4-FFF2-40B4-BE49-F238E27FC236}">
+                <a16:creationId xmlns:a16="http://schemas.microsoft.com/office/drawing/2014/main" id="{1B381E9F-A42B-1547-86AB-7A6C55418943}"/>
+              </a:ext>
+            </a:extLst>
+          </p:cNvPr>
+          <p:cNvSpPr>
+            <a:spLocks noGrp="1"/>
+          </p:cNvSpPr>
+          <p:nvPr>
+            <p:ph idx="1"/>
+          </p:nvPr>
+        </p:nvSpPr>
+        <p:spPr/>
+        <p:txBody>
+          <a:bodyPr/>
+          <a:lstStyle/>
+          <a:p>
+            <a:endParaRPr lang="en-US"/>
+          </a:p>
+        </p:txBody>
+      </p:sp>
+    </p:spTree>
+    <p:extLst>
+      <p:ext uri="{BB962C8B-B14F-4D97-AF65-F5344CB8AC3E}">
+        <p14:creationId xmlns:p14="http://schemas.microsoft.com/office/powerpoint/2010/main" val="2585265086"/>
+      </p:ext>
+    </p:extLst>
+  </p:cSld>
+  <p:clrMapOvr>
+    <a:masterClrMapping/>
+  </p:clrMapOvr>
+</p:sld>
+</file>
+
+<file path=ppt/slides/slide14.xml><?xml version="1.0" encoding="utf-8"?>
+<p:sld xmlns:a="http://schemas.openxmlformats.org/drawingml/2006/main" xmlns:r="http://schemas.openxmlformats.org/officeDocument/2006/relationships" xmlns:p="http://schemas.openxmlformats.org/presentationml/2006/main">
+  <p:cSld>
+    <p:spTree>
+      <p:nvGrpSpPr>
+        <p:cNvPr id="1" name=""/>
+        <p:cNvGrpSpPr/>
+        <p:nvPr/>
+      </p:nvGrpSpPr>
+      <p:grpSpPr>
+        <a:xfrm>
+          <a:off x="0" y="0"/>
+          <a:ext cx="0" cy="0"/>
+          <a:chOff x="0" y="0"/>
+          <a:chExt cx="0" cy="0"/>
+        </a:xfrm>
+      </p:grpSpPr>
+      <p:sp>
+        <p:nvSpPr>
+          <p:cNvPr id="2" name="Title 1">
+            <a:extLst>
+              <a:ext uri="{FF2B5EF4-FFF2-40B4-BE49-F238E27FC236}">
+                <a16:creationId xmlns:a16="http://schemas.microsoft.com/office/drawing/2014/main" id="{44DBCF65-81D9-F543-ACE8-4FDCA4590571}"/>
+              </a:ext>
+            </a:extLst>
+          </p:cNvPr>
+          <p:cNvSpPr>
+            <a:spLocks noGrp="1"/>
+          </p:cNvSpPr>
+          <p:nvPr>
+            <p:ph type="title"/>
+          </p:nvPr>
+        </p:nvSpPr>
+        <p:spPr/>
+        <p:txBody>
+          <a:bodyPr/>
+          <a:lstStyle/>
+          <a:p>
+            <a:r>
+              <a:rPr lang="en-US" dirty="0"/>
+              <a:t>Chapter 6</a:t>
+            </a:r>
+          </a:p>
+        </p:txBody>
+      </p:sp>
+      <p:sp>
+        <p:nvSpPr>
+          <p:cNvPr id="3" name="Content Placeholder 2">
+            <a:extLst>
+              <a:ext uri="{FF2B5EF4-FFF2-40B4-BE49-F238E27FC236}">
+                <a16:creationId xmlns:a16="http://schemas.microsoft.com/office/drawing/2014/main" id="{1B381E9F-A42B-1547-86AB-7A6C55418943}"/>
+              </a:ext>
+            </a:extLst>
+          </p:cNvPr>
+          <p:cNvSpPr>
+            <a:spLocks noGrp="1"/>
+          </p:cNvSpPr>
+          <p:nvPr>
+            <p:ph idx="1"/>
+          </p:nvPr>
+        </p:nvSpPr>
+        <p:spPr/>
+        <p:txBody>
+          <a:bodyPr/>
+          <a:lstStyle/>
+          <a:p>
+            <a:endParaRPr lang="en-US"/>
+          </a:p>
+        </p:txBody>
+      </p:sp>
+    </p:spTree>
+    <p:extLst>
+      <p:ext uri="{BB962C8B-B14F-4D97-AF65-F5344CB8AC3E}">
+        <p14:creationId xmlns:p14="http://schemas.microsoft.com/office/powerpoint/2010/main" val="1452595173"/>
+      </p:ext>
+    </p:extLst>
+  </p:cSld>
+  <p:clrMapOvr>
+    <a:masterClrMapping/>
+  </p:clrMapOvr>
+</p:sld>
+</file>
+
+<file path=ppt/slides/slide15.xml><?xml version="1.0" encoding="utf-8"?>
+<p:sld xmlns:a="http://schemas.openxmlformats.org/drawingml/2006/main" xmlns:r="http://schemas.openxmlformats.org/officeDocument/2006/relationships" xmlns:p="http://schemas.openxmlformats.org/presentationml/2006/main">
+  <p:cSld>
+    <p:spTree>
+      <p:nvGrpSpPr>
+        <p:cNvPr id="1" name=""/>
+        <p:cNvGrpSpPr/>
+        <p:nvPr/>
+      </p:nvGrpSpPr>
+      <p:grpSpPr>
+        <a:xfrm>
+          <a:off x="0" y="0"/>
+          <a:ext cx="0" cy="0"/>
+          <a:chOff x="0" y="0"/>
+          <a:chExt cx="0" cy="0"/>
+        </a:xfrm>
+      </p:grpSpPr>
+      <p:sp>
+        <p:nvSpPr>
+          <p:cNvPr id="2" name="Title 1">
+            <a:extLst>
+              <a:ext uri="{FF2B5EF4-FFF2-40B4-BE49-F238E27FC236}">
+                <a16:creationId xmlns:a16="http://schemas.microsoft.com/office/drawing/2014/main" id="{44DBCF65-81D9-F543-ACE8-4FDCA4590571}"/>
+              </a:ext>
+            </a:extLst>
+          </p:cNvPr>
+          <p:cNvSpPr>
+            <a:spLocks noGrp="1"/>
+          </p:cNvSpPr>
+          <p:nvPr>
+            <p:ph type="title"/>
+          </p:nvPr>
+        </p:nvSpPr>
+        <p:spPr/>
+        <p:txBody>
+          <a:bodyPr/>
+          <a:lstStyle/>
+          <a:p>
+            <a:r>
+              <a:rPr lang="en-US" dirty="0"/>
+              <a:t>Chapter 7</a:t>
+            </a:r>
+          </a:p>
+        </p:txBody>
+      </p:sp>
+      <p:sp>
+        <p:nvSpPr>
+          <p:cNvPr id="3" name="Content Placeholder 2">
+            <a:extLst>
+              <a:ext uri="{FF2B5EF4-FFF2-40B4-BE49-F238E27FC236}">
+                <a16:creationId xmlns:a16="http://schemas.microsoft.com/office/drawing/2014/main" id="{1B381E9F-A42B-1547-86AB-7A6C55418943}"/>
+              </a:ext>
+            </a:extLst>
+          </p:cNvPr>
+          <p:cNvSpPr>
+            <a:spLocks noGrp="1"/>
+          </p:cNvSpPr>
+          <p:nvPr>
+            <p:ph idx="1"/>
+          </p:nvPr>
+        </p:nvSpPr>
+        <p:spPr/>
+        <p:txBody>
+          <a:bodyPr/>
+          <a:lstStyle/>
+          <a:p>
+            <a:endParaRPr lang="en-US"/>
+          </a:p>
+        </p:txBody>
+      </p:sp>
+    </p:spTree>
+    <p:extLst>
+      <p:ext uri="{BB962C8B-B14F-4D97-AF65-F5344CB8AC3E}">
+        <p14:creationId xmlns:p14="http://schemas.microsoft.com/office/powerpoint/2010/main" val="1632113489"/>
+      </p:ext>
+    </p:extLst>
+  </p:cSld>
+  <p:clrMapOvr>
+    <a:masterClrMapping/>
+  </p:clrMapOvr>
+</p:sld>
+</file>
+
+<file path=ppt/slides/slide16.xml><?xml version="1.0" encoding="utf-8"?>
+<p:sld xmlns:a="http://schemas.openxmlformats.org/drawingml/2006/main" xmlns:r="http://schemas.openxmlformats.org/officeDocument/2006/relationships" xmlns:p="http://schemas.openxmlformats.org/presentationml/2006/main">
+  <p:cSld>
+    <p:spTree>
+      <p:nvGrpSpPr>
+        <p:cNvPr id="1" name=""/>
+        <p:cNvGrpSpPr/>
+        <p:nvPr/>
+      </p:nvGrpSpPr>
+      <p:grpSpPr>
+        <a:xfrm>
+          <a:off x="0" y="0"/>
+          <a:ext cx="0" cy="0"/>
+          <a:chOff x="0" y="0"/>
+          <a:chExt cx="0" cy="0"/>
+        </a:xfrm>
+      </p:grpSpPr>
+      <p:sp>
+        <p:nvSpPr>
+          <p:cNvPr id="2" name="Title 1">
+            <a:extLst>
+              <a:ext uri="{FF2B5EF4-FFF2-40B4-BE49-F238E27FC236}">
+                <a16:creationId xmlns:a16="http://schemas.microsoft.com/office/drawing/2014/main" id="{44DBCF65-81D9-F543-ACE8-4FDCA4590571}"/>
+              </a:ext>
+            </a:extLst>
+          </p:cNvPr>
+          <p:cNvSpPr>
+            <a:spLocks noGrp="1"/>
+          </p:cNvSpPr>
+          <p:nvPr>
+            <p:ph type="title"/>
+          </p:nvPr>
+        </p:nvSpPr>
+        <p:spPr/>
+        <p:txBody>
+          <a:bodyPr/>
+          <a:lstStyle/>
+          <a:p>
+            <a:r>
+              <a:rPr lang="en-US" dirty="0"/>
+              <a:t>Chapter 8</a:t>
+            </a:r>
+          </a:p>
+        </p:txBody>
+      </p:sp>
+      <p:sp>
+        <p:nvSpPr>
+          <p:cNvPr id="3" name="Content Placeholder 2">
+            <a:extLst>
+              <a:ext uri="{FF2B5EF4-FFF2-40B4-BE49-F238E27FC236}">
+                <a16:creationId xmlns:a16="http://schemas.microsoft.com/office/drawing/2014/main" id="{1B381E9F-A42B-1547-86AB-7A6C55418943}"/>
+              </a:ext>
+            </a:extLst>
+          </p:cNvPr>
+          <p:cNvSpPr>
+            <a:spLocks noGrp="1"/>
+          </p:cNvSpPr>
+          <p:nvPr>
+            <p:ph idx="1"/>
+          </p:nvPr>
+        </p:nvSpPr>
+        <p:spPr/>
+        <p:txBody>
+          <a:bodyPr/>
+          <a:lstStyle/>
+          <a:p>
+            <a:endParaRPr lang="en-US"/>
+          </a:p>
+        </p:txBody>
+      </p:sp>
+    </p:spTree>
+    <p:extLst>
+      <p:ext uri="{BB962C8B-B14F-4D97-AF65-F5344CB8AC3E}">
+        <p14:creationId xmlns:p14="http://schemas.microsoft.com/office/powerpoint/2010/main" val="461074598"/>
+      </p:ext>
+    </p:extLst>
+  </p:cSld>
+  <p:clrMapOvr>
+    <a:masterClrMapping/>
+  </p:clrMapOvr>
+</p:sld>
+</file>
+
+<file path=ppt/slides/slide17.xml><?xml version="1.0" encoding="utf-8"?>
+<p:sld xmlns:a="http://schemas.openxmlformats.org/drawingml/2006/main" xmlns:r="http://schemas.openxmlformats.org/officeDocument/2006/relationships" xmlns:p="http://schemas.openxmlformats.org/presentationml/2006/main">
+  <p:cSld>
+    <p:spTree>
+      <p:nvGrpSpPr>
+        <p:cNvPr id="1" name=""/>
+        <p:cNvGrpSpPr/>
+        <p:nvPr/>
+      </p:nvGrpSpPr>
+      <p:grpSpPr>
+        <a:xfrm>
+          <a:off x="0" y="0"/>
+          <a:ext cx="0" cy="0"/>
+          <a:chOff x="0" y="0"/>
+          <a:chExt cx="0" cy="0"/>
+        </a:xfrm>
+      </p:grpSpPr>
+      <p:sp>
+        <p:nvSpPr>
+          <p:cNvPr id="2" name="Title 1">
+            <a:extLst>
+              <a:ext uri="{FF2B5EF4-FFF2-40B4-BE49-F238E27FC236}">
+                <a16:creationId xmlns:a16="http://schemas.microsoft.com/office/drawing/2014/main" id="{44DBCF65-81D9-F543-ACE8-4FDCA4590571}"/>
+              </a:ext>
+            </a:extLst>
+          </p:cNvPr>
+          <p:cNvSpPr>
+            <a:spLocks noGrp="1"/>
+          </p:cNvSpPr>
+          <p:nvPr>
+            <p:ph type="title"/>
+          </p:nvPr>
+        </p:nvSpPr>
+        <p:spPr/>
+        <p:txBody>
+          <a:bodyPr/>
+          <a:lstStyle/>
+          <a:p>
+            <a:r>
+              <a:rPr lang="en-US" dirty="0"/>
+              <a:t>Chapter 9</a:t>
+            </a:r>
+          </a:p>
+        </p:txBody>
+      </p:sp>
+      <p:sp>
+        <p:nvSpPr>
+          <p:cNvPr id="3" name="Content Placeholder 2">
+            <a:extLst>
+              <a:ext uri="{FF2B5EF4-FFF2-40B4-BE49-F238E27FC236}">
+                <a16:creationId xmlns:a16="http://schemas.microsoft.com/office/drawing/2014/main" id="{1B381E9F-A42B-1547-86AB-7A6C55418943}"/>
+              </a:ext>
+            </a:extLst>
+          </p:cNvPr>
+          <p:cNvSpPr>
+            <a:spLocks noGrp="1"/>
+          </p:cNvSpPr>
+          <p:nvPr>
+            <p:ph idx="1"/>
+          </p:nvPr>
+        </p:nvSpPr>
+        <p:spPr/>
+        <p:txBody>
+          <a:bodyPr/>
+          <a:lstStyle/>
+          <a:p>
+            <a:endParaRPr lang="en-US"/>
+          </a:p>
+        </p:txBody>
+      </p:sp>
+    </p:spTree>
+    <p:extLst>
+      <p:ext uri="{BB962C8B-B14F-4D97-AF65-F5344CB8AC3E}">
+        <p14:creationId xmlns:p14="http://schemas.microsoft.com/office/powerpoint/2010/main" val="3036287095"/>
+      </p:ext>
+    </p:extLst>
+  </p:cSld>
+  <p:clrMapOvr>
+    <a:masterClrMapping/>
+  </p:clrMapOvr>
+</p:sld>
+</file>
+
+<file path=ppt/slides/slide18.xml><?xml version="1.0" encoding="utf-8"?>
+<p:sld xmlns:a="http://schemas.openxmlformats.org/drawingml/2006/main" xmlns:r="http://schemas.openxmlformats.org/officeDocument/2006/relationships" xmlns:p="http://schemas.openxmlformats.org/presentationml/2006/main">
+  <p:cSld>
+    <p:spTree>
+      <p:nvGrpSpPr>
+        <p:cNvPr id="1" name=""/>
+        <p:cNvGrpSpPr/>
+        <p:nvPr/>
+      </p:nvGrpSpPr>
+      <p:grpSpPr>
+        <a:xfrm>
+          <a:off x="0" y="0"/>
+          <a:ext cx="0" cy="0"/>
+          <a:chOff x="0" y="0"/>
+          <a:chExt cx="0" cy="0"/>
+        </a:xfrm>
+      </p:grpSpPr>
+      <p:sp>
+        <p:nvSpPr>
+          <p:cNvPr id="2" name="Title 1">
+            <a:extLst>
+              <a:ext uri="{FF2B5EF4-FFF2-40B4-BE49-F238E27FC236}">
+                <a16:creationId xmlns:a16="http://schemas.microsoft.com/office/drawing/2014/main" id="{44DBCF65-81D9-F543-ACE8-4FDCA4590571}"/>
+              </a:ext>
+            </a:extLst>
+          </p:cNvPr>
+          <p:cNvSpPr>
+            <a:spLocks noGrp="1"/>
+          </p:cNvSpPr>
+          <p:nvPr>
+            <p:ph type="title"/>
+          </p:nvPr>
+        </p:nvSpPr>
+        <p:spPr/>
+        <p:txBody>
+          <a:bodyPr/>
+          <a:lstStyle/>
+          <a:p>
+            <a:r>
+              <a:rPr lang="en-US" dirty="0"/>
+              <a:t>Chapter 10</a:t>
+            </a:r>
+          </a:p>
+        </p:txBody>
+      </p:sp>
+      <p:sp>
+        <p:nvSpPr>
+          <p:cNvPr id="3" name="Content Placeholder 2">
+            <a:extLst>
+              <a:ext uri="{FF2B5EF4-FFF2-40B4-BE49-F238E27FC236}">
+                <a16:creationId xmlns:a16="http://schemas.microsoft.com/office/drawing/2014/main" id="{1B381E9F-A42B-1547-86AB-7A6C55418943}"/>
+              </a:ext>
+            </a:extLst>
+          </p:cNvPr>
+          <p:cNvSpPr>
+            <a:spLocks noGrp="1"/>
+          </p:cNvSpPr>
+          <p:nvPr>
+            <p:ph idx="1"/>
+          </p:nvPr>
+        </p:nvSpPr>
+        <p:spPr/>
+        <p:txBody>
+          <a:bodyPr/>
+          <a:lstStyle/>
+          <a:p>
+            <a:endParaRPr lang="en-US"/>
+          </a:p>
+        </p:txBody>
+      </p:sp>
+    </p:spTree>
+    <p:extLst>
+      <p:ext uri="{BB962C8B-B14F-4D97-AF65-F5344CB8AC3E}">
+        <p14:creationId xmlns:p14="http://schemas.microsoft.com/office/powerpoint/2010/main" val="2713225905"/>
+      </p:ext>
+    </p:extLst>
+  </p:cSld>
+  <p:clrMapOvr>
+    <a:masterClrMapping/>
+  </p:clrMapOvr>
+</p:sld>
+</file>
+
+<file path=ppt/slides/slide19.xml><?xml version="1.0" encoding="utf-8"?>
+<p:sld xmlns:a="http://schemas.openxmlformats.org/drawingml/2006/main" xmlns:r="http://schemas.openxmlformats.org/officeDocument/2006/relationships" xmlns:p="http://schemas.openxmlformats.org/presentationml/2006/main">
+  <p:cSld>
+    <p:spTree>
+      <p:nvGrpSpPr>
+        <p:cNvPr id="1" name=""/>
+        <p:cNvGrpSpPr/>
+        <p:nvPr/>
+      </p:nvGrpSpPr>
+      <p:grpSpPr>
+        <a:xfrm>
+          <a:off x="0" y="0"/>
+          <a:ext cx="0" cy="0"/>
+          <a:chOff x="0" y="0"/>
+          <a:chExt cx="0" cy="0"/>
+        </a:xfrm>
+      </p:grpSpPr>
+      <p:sp>
+        <p:nvSpPr>
+          <p:cNvPr id="2" name="Title 1">
+            <a:extLst>
+              <a:ext uri="{FF2B5EF4-FFF2-40B4-BE49-F238E27FC236}">
+                <a16:creationId xmlns:a16="http://schemas.microsoft.com/office/drawing/2014/main" id="{44DBCF65-81D9-F543-ACE8-4FDCA4590571}"/>
+              </a:ext>
+            </a:extLst>
+          </p:cNvPr>
+          <p:cNvSpPr>
+            <a:spLocks noGrp="1"/>
+          </p:cNvSpPr>
+          <p:nvPr>
+            <p:ph type="title"/>
+          </p:nvPr>
+        </p:nvSpPr>
+        <p:spPr/>
+        <p:txBody>
+          <a:bodyPr/>
+          <a:lstStyle/>
+          <a:p>
+            <a:r>
+              <a:rPr lang="en-US" dirty="0"/>
+              <a:t>Chapter 11</a:t>
+            </a:r>
+          </a:p>
+        </p:txBody>
+      </p:sp>
+      <p:sp>
+        <p:nvSpPr>
+          <p:cNvPr id="3" name="Content Placeholder 2">
+            <a:extLst>
+              <a:ext uri="{FF2B5EF4-FFF2-40B4-BE49-F238E27FC236}">
+                <a16:creationId xmlns:a16="http://schemas.microsoft.com/office/drawing/2014/main" id="{1B381E9F-A42B-1547-86AB-7A6C55418943}"/>
+              </a:ext>
+            </a:extLst>
+          </p:cNvPr>
+          <p:cNvSpPr>
+            <a:spLocks noGrp="1"/>
+          </p:cNvSpPr>
+          <p:nvPr>
+            <p:ph idx="1"/>
+          </p:nvPr>
+        </p:nvSpPr>
+        <p:spPr/>
+        <p:txBody>
+          <a:bodyPr/>
+          <a:lstStyle/>
+          <a:p>
+            <a:endParaRPr lang="en-US"/>
+          </a:p>
+        </p:txBody>
+      </p:sp>
+    </p:spTree>
+    <p:extLst>
+      <p:ext uri="{BB962C8B-B14F-4D97-AF65-F5344CB8AC3E}">
+        <p14:creationId xmlns:p14="http://schemas.microsoft.com/office/powerpoint/2010/main" val="692908193"/>
+      </p:ext>
+    </p:extLst>
+  </p:cSld>
+  <p:clrMapOvr>
+    <a:masterClrMapping/>
+  </p:clrMapOvr>
+</p:sld>
+</file>
+
+<file path=ppt/slides/slide2.xml><?xml version="1.0" encoding="utf-8"?>
+<p:sld xmlns:a="http://schemas.openxmlformats.org/drawingml/2006/main" xmlns:r="http://schemas.openxmlformats.org/officeDocument/2006/relationships" xmlns:p="http://schemas.openxmlformats.org/presentationml/2006/main">
+  <p:cSld>
+    <p:spTree>
+      <p:nvGrpSpPr>
+        <p:cNvPr id="1" name=""/>
+        <p:cNvGrpSpPr/>
+        <p:nvPr/>
+      </p:nvGrpSpPr>
+      <p:grpSpPr>
+        <a:xfrm>
+          <a:off x="0" y="0"/>
+          <a:ext cx="0" cy="0"/>
+          <a:chOff x="0" y="0"/>
+          <a:chExt cx="0" cy="0"/>
+        </a:xfrm>
+      </p:grpSpPr>
+      <p:sp>
+        <p:nvSpPr>
+          <p:cNvPr id="2" name="Title 1">
+            <a:extLst>
+              <a:ext uri="{FF2B5EF4-FFF2-40B4-BE49-F238E27FC236}">
+                <a16:creationId xmlns:a16="http://schemas.microsoft.com/office/drawing/2014/main" id="{5F2C578F-1A2D-8044-826D-BBA63371DC46}"/>
+              </a:ext>
+            </a:extLst>
+          </p:cNvPr>
+          <p:cNvSpPr>
+            <a:spLocks noGrp="1"/>
+          </p:cNvSpPr>
+          <p:nvPr>
+            <p:ph type="title"/>
+          </p:nvPr>
+        </p:nvSpPr>
+        <p:spPr/>
+        <p:txBody>
+          <a:bodyPr/>
+          <a:lstStyle/>
+          <a:p>
+            <a:r>
+              <a:rPr lang="en-US" dirty="0"/>
+              <a:t>Introduction</a:t>
+            </a:r>
+          </a:p>
+        </p:txBody>
+      </p:sp>
+      <p:sp>
+        <p:nvSpPr>
+          <p:cNvPr id="3" name="Content Placeholder 2">
+            <a:extLst>
+              <a:ext uri="{FF2B5EF4-FFF2-40B4-BE49-F238E27FC236}">
+                <a16:creationId xmlns:a16="http://schemas.microsoft.com/office/drawing/2014/main" id="{50F900AC-8ACD-6646-9D46-F69F5E911AD1}"/>
+              </a:ext>
+            </a:extLst>
+          </p:cNvPr>
+          <p:cNvSpPr>
+            <a:spLocks noGrp="1"/>
+          </p:cNvSpPr>
+          <p:nvPr>
+            <p:ph idx="1"/>
+          </p:nvPr>
+        </p:nvSpPr>
+        <p:spPr/>
+        <p:txBody>
+          <a:bodyPr/>
+          <a:lstStyle/>
+          <a:p>
+            <a:endParaRPr lang="en-US"/>
+          </a:p>
+        </p:txBody>
+      </p:sp>
+    </p:spTree>
+    <p:extLst>
+      <p:ext uri="{BB962C8B-B14F-4D97-AF65-F5344CB8AC3E}">
+        <p14:creationId xmlns:p14="http://schemas.microsoft.com/office/powerpoint/2010/main" val="354395236"/>
+      </p:ext>
+    </p:extLst>
+  </p:cSld>
+  <p:clrMapOvr>
+    <a:masterClrMapping/>
+  </p:clrMapOvr>
+</p:sld>
+</file>
+
+<file path=ppt/slides/slide20.xml><?xml version="1.0" encoding="utf-8"?>
+<p:sld xmlns:a="http://schemas.openxmlformats.org/drawingml/2006/main" xmlns:r="http://schemas.openxmlformats.org/officeDocument/2006/relationships" xmlns:p="http://schemas.openxmlformats.org/presentationml/2006/main">
+  <p:cSld>
+    <p:spTree>
+      <p:nvGrpSpPr>
+        <p:cNvPr id="1" name=""/>
+        <p:cNvGrpSpPr/>
+        <p:nvPr/>
+      </p:nvGrpSpPr>
+      <p:grpSpPr>
+        <a:xfrm>
+          <a:off x="0" y="0"/>
+          <a:ext cx="0" cy="0"/>
+          <a:chOff x="0" y="0"/>
+          <a:chExt cx="0" cy="0"/>
+        </a:xfrm>
+      </p:grpSpPr>
+      <p:sp>
+        <p:nvSpPr>
+          <p:cNvPr id="2" name="Title 1">
+            <a:extLst>
+              <a:ext uri="{FF2B5EF4-FFF2-40B4-BE49-F238E27FC236}">
+                <a16:creationId xmlns:a16="http://schemas.microsoft.com/office/drawing/2014/main" id="{44DBCF65-81D9-F543-ACE8-4FDCA4590571}"/>
+              </a:ext>
+            </a:extLst>
+          </p:cNvPr>
+          <p:cNvSpPr>
+            <a:spLocks noGrp="1"/>
+          </p:cNvSpPr>
+          <p:nvPr>
+            <p:ph type="title"/>
+          </p:nvPr>
+        </p:nvSpPr>
+        <p:spPr/>
+        <p:txBody>
+          <a:bodyPr/>
+          <a:lstStyle/>
+          <a:p>
+            <a:r>
+              <a:rPr lang="en-US" dirty="0"/>
+              <a:t>Chapter 12</a:t>
+            </a:r>
+          </a:p>
+        </p:txBody>
+      </p:sp>
+      <p:sp>
+        <p:nvSpPr>
+          <p:cNvPr id="3" name="Content Placeholder 2">
+            <a:extLst>
+              <a:ext uri="{FF2B5EF4-FFF2-40B4-BE49-F238E27FC236}">
+                <a16:creationId xmlns:a16="http://schemas.microsoft.com/office/drawing/2014/main" id="{1B381E9F-A42B-1547-86AB-7A6C55418943}"/>
+              </a:ext>
+            </a:extLst>
+          </p:cNvPr>
+          <p:cNvSpPr>
+            <a:spLocks noGrp="1"/>
+          </p:cNvSpPr>
+          <p:nvPr>
+            <p:ph idx="1"/>
+          </p:nvPr>
+        </p:nvSpPr>
+        <p:spPr/>
+        <p:txBody>
+          <a:bodyPr/>
+          <a:lstStyle/>
+          <a:p>
+            <a:endParaRPr lang="en-US"/>
+          </a:p>
+        </p:txBody>
+      </p:sp>
+    </p:spTree>
+    <p:extLst>
+      <p:ext uri="{BB962C8B-B14F-4D97-AF65-F5344CB8AC3E}">
+        <p14:creationId xmlns:p14="http://schemas.microsoft.com/office/powerpoint/2010/main" val="3198986930"/>
+      </p:ext>
+    </p:extLst>
+  </p:cSld>
+  <p:clrMapOvr>
+    <a:masterClrMapping/>
+  </p:clrMapOvr>
+</p:sld>
+</file>
+
+<file path=ppt/slides/slide21.xml><?xml version="1.0" encoding="utf-8"?>
+<p:sld xmlns:a="http://schemas.openxmlformats.org/drawingml/2006/main" xmlns:r="http://schemas.openxmlformats.org/officeDocument/2006/relationships" xmlns:p="http://schemas.openxmlformats.org/presentationml/2006/main">
+  <p:cSld>
+    <p:spTree>
+      <p:nvGrpSpPr>
+        <p:cNvPr id="1" name=""/>
+        <p:cNvGrpSpPr/>
+        <p:nvPr/>
+      </p:nvGrpSpPr>
+      <p:grpSpPr>
+        <a:xfrm>
+          <a:off x="0" y="0"/>
+          <a:ext cx="0" cy="0"/>
+          <a:chOff x="0" y="0"/>
+          <a:chExt cx="0" cy="0"/>
+        </a:xfrm>
+      </p:grpSpPr>
+      <p:sp>
+        <p:nvSpPr>
+          <p:cNvPr id="2" name="Title 1">
+            <a:extLst>
+              <a:ext uri="{FF2B5EF4-FFF2-40B4-BE49-F238E27FC236}">
+                <a16:creationId xmlns:a16="http://schemas.microsoft.com/office/drawing/2014/main" id="{19131735-1B81-D649-9635-BD38E4007E88}"/>
+              </a:ext>
+            </a:extLst>
+          </p:cNvPr>
+          <p:cNvSpPr>
+            <a:spLocks noGrp="1"/>
+          </p:cNvSpPr>
+          <p:nvPr>
+            <p:ph type="title"/>
+          </p:nvPr>
+        </p:nvSpPr>
+        <p:spPr/>
+        <p:txBody>
+          <a:bodyPr/>
+          <a:lstStyle/>
+          <a:p>
+            <a:endParaRPr lang="en-US"/>
+          </a:p>
+        </p:txBody>
+      </p:sp>
+      <p:sp>
+        <p:nvSpPr>
+          <p:cNvPr id="3" name="Content Placeholder 2">
+            <a:extLst>
+              <a:ext uri="{FF2B5EF4-FFF2-40B4-BE49-F238E27FC236}">
+                <a16:creationId xmlns:a16="http://schemas.microsoft.com/office/drawing/2014/main" id="{557D32ED-3BC2-3347-9987-A90947B84F68}"/>
+              </a:ext>
+            </a:extLst>
+          </p:cNvPr>
+          <p:cNvSpPr>
+            <a:spLocks noGrp="1"/>
+          </p:cNvSpPr>
+          <p:nvPr>
+            <p:ph idx="1"/>
+          </p:nvPr>
+        </p:nvSpPr>
+        <p:spPr/>
+        <p:txBody>
+          <a:bodyPr/>
+          <a:lstStyle/>
+          <a:p>
+            <a:endParaRPr lang="en-US"/>
+          </a:p>
+        </p:txBody>
+      </p:sp>
+    </p:spTree>
+    <p:extLst>
+      <p:ext uri="{BB962C8B-B14F-4D97-AF65-F5344CB8AC3E}">
+        <p14:creationId xmlns:p14="http://schemas.microsoft.com/office/powerpoint/2010/main" val="411560374"/>
+      </p:ext>
+    </p:extLst>
+  </p:cSld>
+  <p:clrMapOvr>
+    <a:masterClrMapping/>
+  </p:clrMapOvr>
+</p:sld>
+</file>
+
+<file path=ppt/slides/slide3.xml><?xml version="1.0" encoding="utf-8"?>
+<p:sld xmlns:a="http://schemas.openxmlformats.org/drawingml/2006/main" xmlns:r="http://schemas.openxmlformats.org/officeDocument/2006/relationships" xmlns:p="http://schemas.openxmlformats.org/presentationml/2006/main">
+  <p:cSld>
+    <p:spTree>
+      <p:nvGrpSpPr>
+        <p:cNvPr id="1" name=""/>
+        <p:cNvGrpSpPr/>
+        <p:nvPr/>
+      </p:nvGrpSpPr>
+      <p:grpSpPr>
+        <a:xfrm>
+          <a:off x="0" y="0"/>
+          <a:ext cx="0" cy="0"/>
+          <a:chOff x="0" y="0"/>
+          <a:chExt cx="0" cy="0"/>
+        </a:xfrm>
+      </p:grpSpPr>
+      <p:sp>
+        <p:nvSpPr>
+          <p:cNvPr id="2" name="Title 1">
+            <a:extLst>
+              <a:ext uri="{FF2B5EF4-FFF2-40B4-BE49-F238E27FC236}">
+                <a16:creationId xmlns:a16="http://schemas.microsoft.com/office/drawing/2014/main" id="{ED77F3CF-0A3E-0442-BA3E-0CF01C14F79D}"/>
+              </a:ext>
+            </a:extLst>
+          </p:cNvPr>
+          <p:cNvSpPr>
+            <a:spLocks noGrp="1"/>
+          </p:cNvSpPr>
+          <p:nvPr>
+            <p:ph type="title"/>
+          </p:nvPr>
+        </p:nvSpPr>
+        <p:spPr/>
+        <p:txBody>
+          <a:bodyPr/>
+          <a:lstStyle/>
+          <a:p>
+            <a:r>
+              <a:rPr lang="en-US" dirty="0"/>
+              <a:t>Complexity and Geographical Systems</a:t>
+            </a:r>
+          </a:p>
+        </p:txBody>
+      </p:sp>
+      <p:sp>
+        <p:nvSpPr>
+          <p:cNvPr id="3" name="Content Placeholder 2">
+            <a:extLst>
+              <a:ext uri="{FF2B5EF4-FFF2-40B4-BE49-F238E27FC236}">
+                <a16:creationId xmlns:a16="http://schemas.microsoft.com/office/drawing/2014/main" id="{357C2B33-EF55-9C4E-B0B4-0770AB5DF337}"/>
+              </a:ext>
+            </a:extLst>
+          </p:cNvPr>
+          <p:cNvSpPr>
+            <a:spLocks noGrp="1"/>
+          </p:cNvSpPr>
+          <p:nvPr>
+            <p:ph idx="1"/>
+          </p:nvPr>
+        </p:nvSpPr>
+        <p:spPr/>
+        <p:txBody>
+          <a:bodyPr/>
+          <a:lstStyle/>
+          <a:p>
+            <a:endParaRPr lang="en-US"/>
+          </a:p>
+        </p:txBody>
+      </p:sp>
+    </p:spTree>
+    <p:extLst>
+      <p:ext uri="{BB962C8B-B14F-4D97-AF65-F5344CB8AC3E}">
+        <p14:creationId xmlns:p14="http://schemas.microsoft.com/office/powerpoint/2010/main" val="3977527919"/>
+      </p:ext>
+    </p:extLst>
+  </p:cSld>
+  <p:clrMapOvr>
+    <a:masterClrMapping/>
+  </p:clrMapOvr>
+</p:sld>
+</file>
+
+<file path=ppt/slides/slide4.xml><?xml version="1.0" encoding="utf-8"?>
+<p:sld xmlns:a="http://schemas.openxmlformats.org/drawingml/2006/main" xmlns:r="http://schemas.openxmlformats.org/officeDocument/2006/relationships" xmlns:p="http://schemas.openxmlformats.org/presentationml/2006/main">
+  <p:cSld>
+    <p:spTree>
+      <p:nvGrpSpPr>
+        <p:cNvPr id="1" name=""/>
+        <p:cNvGrpSpPr/>
+        <p:nvPr/>
+      </p:nvGrpSpPr>
+      <p:grpSpPr>
+        <a:xfrm>
+          <a:off x="0" y="0"/>
+          <a:ext cx="0" cy="0"/>
+          <a:chOff x="0" y="0"/>
+          <a:chExt cx="0" cy="0"/>
+        </a:xfrm>
+      </p:grpSpPr>
+      <p:sp>
+        <p:nvSpPr>
+          <p:cNvPr id="2" name="Title 1">
+            <a:extLst>
+              <a:ext uri="{FF2B5EF4-FFF2-40B4-BE49-F238E27FC236}">
+                <a16:creationId xmlns:a16="http://schemas.microsoft.com/office/drawing/2014/main" id="{78EA5195-474D-7749-B96E-8F6E771BE316}"/>
+              </a:ext>
+            </a:extLst>
+          </p:cNvPr>
+          <p:cNvSpPr>
+            <a:spLocks noGrp="1"/>
+          </p:cNvSpPr>
+          <p:nvPr>
+            <p:ph type="title"/>
+          </p:nvPr>
+        </p:nvSpPr>
+        <p:spPr/>
+        <p:txBody>
+          <a:bodyPr/>
+          <a:lstStyle/>
+          <a:p>
+            <a:r>
+              <a:rPr lang="en-US" dirty="0"/>
+              <a:t>Hierarchies and Interactions</a:t>
+            </a:r>
+          </a:p>
+        </p:txBody>
+      </p:sp>
+      <p:pic>
+        <p:nvPicPr>
+          <p:cNvPr id="5" name="Content Placeholder 4">
+            <a:extLst>
+              <a:ext uri="{FF2B5EF4-FFF2-40B4-BE49-F238E27FC236}">
+                <a16:creationId xmlns:a16="http://schemas.microsoft.com/office/drawing/2014/main" id="{F6E239E3-78F6-1646-A80B-044DE94E46C1}"/>
+              </a:ext>
+            </a:extLst>
+          </p:cNvPr>
+          <p:cNvPicPr>
+            <a:picLocks noGrp="1" noChangeAspect="1"/>
+          </p:cNvPicPr>
+          <p:nvPr>
+            <p:ph idx="1"/>
+          </p:nvPr>
+        </p:nvPicPr>
+        <p:blipFill>
+          <a:blip r:embed="rId2"/>
+          <a:stretch>
+            <a:fillRect/>
+          </a:stretch>
+        </p:blipFill>
+        <p:spPr>
+          <a:xfrm>
+            <a:off x="1545334" y="1385888"/>
+            <a:ext cx="9101332" cy="4523845"/>
+          </a:xfrm>
+        </p:spPr>
+      </p:pic>
+      <p:sp>
+        <p:nvSpPr>
+          <p:cNvPr id="6" name="TextBox 5">
+            <a:extLst>
+              <a:ext uri="{FF2B5EF4-FFF2-40B4-BE49-F238E27FC236}">
+                <a16:creationId xmlns:a16="http://schemas.microsoft.com/office/drawing/2014/main" id="{D8693116-0B76-FF4C-8A14-9B0ED549A46F}"/>
+              </a:ext>
+            </a:extLst>
+          </p:cNvPr>
+          <p:cNvSpPr txBox="1"/>
+          <p:nvPr/>
+        </p:nvSpPr>
+        <p:spPr>
+          <a:xfrm>
+            <a:off x="639179" y="6214533"/>
+            <a:ext cx="10511422" cy="646331"/>
+          </a:xfrm>
+          <a:prstGeom prst="rect">
+            <a:avLst/>
+          </a:prstGeom>
+          <a:noFill/>
+        </p:spPr>
+        <p:txBody>
+          <a:bodyPr wrap="square" rtlCol="0">
+            <a:spAutoFit/>
+          </a:bodyPr>
+          <a:lstStyle/>
+          <a:p>
+            <a:pPr algn="ctr"/>
+            <a:r>
+              <a:rPr lang="en-US" dirty="0"/>
+              <a:t>A simple hierarchical structure of a city composed of multiple neighborhoods which form a hierarchy at the more macro level but also have interactions (e.g. commuter flows) amongst each other.</a:t>
+            </a:r>
+          </a:p>
+        </p:txBody>
+      </p:sp>
+    </p:spTree>
+    <p:extLst>
+      <p:ext uri="{BB962C8B-B14F-4D97-AF65-F5344CB8AC3E}">
+        <p14:creationId xmlns:p14="http://schemas.microsoft.com/office/powerpoint/2010/main" val="2706271620"/>
+      </p:ext>
+    </p:extLst>
+  </p:cSld>
+  <p:clrMapOvr>
+    <a:masterClrMapping/>
+  </p:clrMapOvr>
+</p:sld>
+</file>
+
+<file path=ppt/slides/slide5.xml><?xml version="1.0" encoding="utf-8"?>
+<p:sld xmlns:a="http://schemas.openxmlformats.org/drawingml/2006/main" xmlns:r="http://schemas.openxmlformats.org/officeDocument/2006/relationships" xmlns:p="http://schemas.openxmlformats.org/presentationml/2006/main">
+  <p:cSld>
+    <p:spTree>
+      <p:nvGrpSpPr>
+        <p:cNvPr id="1" name=""/>
+        <p:cNvGrpSpPr/>
+        <p:nvPr/>
+      </p:nvGrpSpPr>
+      <p:grpSpPr>
+        <a:xfrm>
+          <a:off x="0" y="0"/>
+          <a:ext cx="0" cy="0"/>
+          <a:chOff x="0" y="0"/>
+          <a:chExt cx="0" cy="0"/>
+        </a:xfrm>
+      </p:grpSpPr>
+      <p:sp>
+        <p:nvSpPr>
+          <p:cNvPr id="2" name="Title 1">
+            <a:extLst>
+              <a:ext uri="{FF2B5EF4-FFF2-40B4-BE49-F238E27FC236}">
+                <a16:creationId xmlns:a16="http://schemas.microsoft.com/office/drawing/2014/main" id="{8377D8A1-F200-4F49-8BC0-320B95D62D2D}"/>
+              </a:ext>
+            </a:extLst>
+          </p:cNvPr>
+          <p:cNvSpPr>
+            <a:spLocks noGrp="1"/>
+          </p:cNvSpPr>
+          <p:nvPr>
+            <p:ph type="title"/>
+          </p:nvPr>
+        </p:nvSpPr>
+        <p:spPr/>
+        <p:txBody>
+          <a:bodyPr/>
+          <a:lstStyle/>
+          <a:p>
+            <a:r>
+              <a:rPr lang="en-US" dirty="0"/>
+              <a:t>Models</a:t>
+            </a:r>
+          </a:p>
+        </p:txBody>
+      </p:sp>
+      <p:sp>
+        <p:nvSpPr>
+          <p:cNvPr id="3" name="Content Placeholder 2">
+            <a:extLst>
+              <a:ext uri="{FF2B5EF4-FFF2-40B4-BE49-F238E27FC236}">
+                <a16:creationId xmlns:a16="http://schemas.microsoft.com/office/drawing/2014/main" id="{03A2E2E8-4E36-8243-80BD-0AB4B3725BC2}"/>
+              </a:ext>
+            </a:extLst>
+          </p:cNvPr>
+          <p:cNvSpPr>
+            <a:spLocks noGrp="1"/>
+          </p:cNvSpPr>
+          <p:nvPr>
+            <p:ph idx="1"/>
+          </p:nvPr>
+        </p:nvSpPr>
+        <p:spPr/>
+        <p:txBody>
+          <a:bodyPr/>
+          <a:lstStyle/>
+          <a:p>
+            <a:endParaRPr lang="en-US"/>
+          </a:p>
+        </p:txBody>
+      </p:sp>
+    </p:spTree>
+    <p:extLst>
+      <p:ext uri="{BB962C8B-B14F-4D97-AF65-F5344CB8AC3E}">
+        <p14:creationId xmlns:p14="http://schemas.microsoft.com/office/powerpoint/2010/main" val="423011969"/>
+      </p:ext>
+    </p:extLst>
+  </p:cSld>
+  <p:clrMapOvr>
+    <a:masterClrMapping/>
+  </p:clrMapOvr>
+</p:sld>
+</file>
+
+<file path=ppt/slides/slide6.xml><?xml version="1.0" encoding="utf-8"?>
+<p:sld xmlns:a="http://schemas.openxmlformats.org/drawingml/2006/main" xmlns:r="http://schemas.openxmlformats.org/officeDocument/2006/relationships" xmlns:p="http://schemas.openxmlformats.org/presentationml/2006/main">
+  <p:cSld>
+    <p:spTree>
+      <p:nvGrpSpPr>
+        <p:cNvPr id="1" name=""/>
+        <p:cNvGrpSpPr/>
+        <p:nvPr/>
+      </p:nvGrpSpPr>
+      <p:grpSpPr>
+        <a:xfrm>
+          <a:off x="0" y="0"/>
+          <a:ext cx="0" cy="0"/>
+          <a:chOff x="0" y="0"/>
+          <a:chExt cx="0" cy="0"/>
+        </a:xfrm>
+      </p:grpSpPr>
+      <p:sp>
+        <p:nvSpPr>
+          <p:cNvPr id="2" name="Title 1">
+            <a:extLst>
+              <a:ext uri="{FF2B5EF4-FFF2-40B4-BE49-F238E27FC236}">
+                <a16:creationId xmlns:a16="http://schemas.microsoft.com/office/drawing/2014/main" id="{00482221-EB08-0D43-8602-A8378C761137}"/>
+              </a:ext>
+            </a:extLst>
+          </p:cNvPr>
+          <p:cNvSpPr>
+            <a:spLocks noGrp="1"/>
+          </p:cNvSpPr>
+          <p:nvPr>
+            <p:ph type="title"/>
+          </p:nvPr>
+        </p:nvSpPr>
+        <p:spPr/>
+        <p:txBody>
+          <a:bodyPr/>
+          <a:lstStyle/>
+          <a:p>
+            <a:r>
+              <a:rPr lang="en-US" dirty="0"/>
+              <a:t>Data</a:t>
+            </a:r>
+          </a:p>
+        </p:txBody>
+      </p:sp>
+      <p:sp>
+        <p:nvSpPr>
+          <p:cNvPr id="3" name="Content Placeholder 2">
+            <a:extLst>
+              <a:ext uri="{FF2B5EF4-FFF2-40B4-BE49-F238E27FC236}">
+                <a16:creationId xmlns:a16="http://schemas.microsoft.com/office/drawing/2014/main" id="{9B9523B5-02E0-BC45-8ECF-CE43AC174AAF}"/>
+              </a:ext>
+            </a:extLst>
+          </p:cNvPr>
+          <p:cNvSpPr>
+            <a:spLocks noGrp="1"/>
+          </p:cNvSpPr>
+          <p:nvPr>
+            <p:ph idx="1"/>
+          </p:nvPr>
+        </p:nvSpPr>
+        <p:spPr/>
+        <p:txBody>
+          <a:bodyPr/>
+          <a:lstStyle/>
+          <a:p>
+            <a:endParaRPr lang="en-US"/>
+          </a:p>
+        </p:txBody>
+      </p:sp>
+    </p:spTree>
+    <p:extLst>
+      <p:ext uri="{BB962C8B-B14F-4D97-AF65-F5344CB8AC3E}">
+        <p14:creationId xmlns:p14="http://schemas.microsoft.com/office/powerpoint/2010/main" val="2981430234"/>
+      </p:ext>
+    </p:extLst>
+  </p:cSld>
+  <p:clrMapOvr>
+    <a:masterClrMapping/>
+  </p:clrMapOvr>
+</p:sld>
+</file>
+
+<file path=ppt/slides/slide7.xml><?xml version="1.0" encoding="utf-8"?>
+<p:sld xmlns:a="http://schemas.openxmlformats.org/drawingml/2006/main" xmlns:r="http://schemas.openxmlformats.org/officeDocument/2006/relationships" xmlns:p="http://schemas.openxmlformats.org/presentationml/2006/main">
+  <p:cSld>
+    <p:spTree>
+      <p:nvGrpSpPr>
+        <p:cNvPr id="1" name=""/>
+        <p:cNvGrpSpPr/>
+        <p:nvPr/>
+      </p:nvGrpSpPr>
+      <p:grpSpPr>
+        <a:xfrm>
+          <a:off x="0" y="0"/>
+          <a:ext cx="0" cy="0"/>
+          <a:chOff x="0" y="0"/>
+          <a:chExt cx="0" cy="0"/>
+        </a:xfrm>
+      </p:grpSpPr>
+      <p:sp>
+        <p:nvSpPr>
+          <p:cNvPr id="2" name="Title 1">
+            <a:extLst>
+              <a:ext uri="{FF2B5EF4-FFF2-40B4-BE49-F238E27FC236}">
+                <a16:creationId xmlns:a16="http://schemas.microsoft.com/office/drawing/2014/main" id="{2192C095-009A-A842-8819-9A741C44E152}"/>
+              </a:ext>
+            </a:extLst>
+          </p:cNvPr>
+          <p:cNvSpPr>
+            <a:spLocks noGrp="1"/>
+          </p:cNvSpPr>
+          <p:nvPr>
+            <p:ph type="title"/>
+          </p:nvPr>
+        </p:nvSpPr>
+        <p:spPr/>
+        <p:txBody>
+          <a:bodyPr/>
+          <a:lstStyle/>
+          <a:p>
+            <a:r>
+              <a:rPr lang="en-US" dirty="0"/>
+              <a:t>Individuals</a:t>
+            </a:r>
+          </a:p>
+        </p:txBody>
+      </p:sp>
+      <p:sp>
+        <p:nvSpPr>
+          <p:cNvPr id="3" name="Content Placeholder 2">
+            <a:extLst>
+              <a:ext uri="{FF2B5EF4-FFF2-40B4-BE49-F238E27FC236}">
+                <a16:creationId xmlns:a16="http://schemas.microsoft.com/office/drawing/2014/main" id="{DCE71009-9ECA-E944-A0EE-A693020701EA}"/>
+              </a:ext>
+            </a:extLst>
+          </p:cNvPr>
+          <p:cNvSpPr>
+            <a:spLocks noGrp="1"/>
+          </p:cNvSpPr>
+          <p:nvPr>
+            <p:ph idx="1"/>
+          </p:nvPr>
+        </p:nvSpPr>
+        <p:spPr/>
+        <p:txBody>
+          <a:bodyPr/>
+          <a:lstStyle/>
+          <a:p>
+            <a:endParaRPr lang="en-US"/>
+          </a:p>
+        </p:txBody>
+      </p:sp>
+    </p:spTree>
+    <p:extLst>
+      <p:ext uri="{BB962C8B-B14F-4D97-AF65-F5344CB8AC3E}">
+        <p14:creationId xmlns:p14="http://schemas.microsoft.com/office/powerpoint/2010/main" val="2920868267"/>
+      </p:ext>
+    </p:extLst>
+  </p:cSld>
+  <p:clrMapOvr>
+    <a:masterClrMapping/>
+  </p:clrMapOvr>
+</p:sld>
+</file>
+
+<file path=ppt/slides/slide8.xml><?xml version="1.0" encoding="utf-8"?>
+<p:sld xmlns:a="http://schemas.openxmlformats.org/drawingml/2006/main" xmlns:r="http://schemas.openxmlformats.org/officeDocument/2006/relationships" xmlns:p="http://schemas.openxmlformats.org/presentationml/2006/main">
+  <p:cSld>
+    <p:spTree>
+      <p:nvGrpSpPr>
+        <p:cNvPr id="1" name=""/>
+        <p:cNvGrpSpPr/>
+        <p:nvPr/>
+      </p:nvGrpSpPr>
+      <p:grpSpPr>
+        <a:xfrm>
+          <a:off x="0" y="0"/>
+          <a:ext cx="0" cy="0"/>
+          <a:chOff x="0" y="0"/>
+          <a:chExt cx="0" cy="0"/>
+        </a:xfrm>
+      </p:grpSpPr>
+      <p:sp>
+        <p:nvSpPr>
+          <p:cNvPr id="2" name="Title 1">
+            <a:extLst>
+              <a:ext uri="{FF2B5EF4-FFF2-40B4-BE49-F238E27FC236}">
+                <a16:creationId xmlns:a16="http://schemas.microsoft.com/office/drawing/2014/main" id="{FA54AEAF-BEFD-9C41-BCE5-2E0666D11E5A}"/>
+              </a:ext>
+            </a:extLst>
+          </p:cNvPr>
+          <p:cNvSpPr>
+            <a:spLocks noGrp="1"/>
+          </p:cNvSpPr>
+          <p:nvPr>
+            <p:ph type="title"/>
+          </p:nvPr>
+        </p:nvSpPr>
+        <p:spPr/>
+        <p:txBody>
+          <a:bodyPr>
+            <a:normAutofit/>
+          </a:bodyPr>
+          <a:lstStyle/>
+          <a:p>
+            <a:r>
+              <a:rPr lang="en-US" dirty="0"/>
+              <a:t>Agent-based Modelling and Geographical Information Systems</a:t>
+            </a:r>
+          </a:p>
+        </p:txBody>
+      </p:sp>
+      <p:sp>
+        <p:nvSpPr>
+          <p:cNvPr id="3" name="Content Placeholder 2">
+            <a:extLst>
+              <a:ext uri="{FF2B5EF4-FFF2-40B4-BE49-F238E27FC236}">
+                <a16:creationId xmlns:a16="http://schemas.microsoft.com/office/drawing/2014/main" id="{0D016066-F1D5-9248-94D3-8696D55A23AD}"/>
+              </a:ext>
+            </a:extLst>
+          </p:cNvPr>
+          <p:cNvSpPr>
+            <a:spLocks noGrp="1"/>
+          </p:cNvSpPr>
+          <p:nvPr>
+            <p:ph idx="1"/>
+          </p:nvPr>
+        </p:nvSpPr>
+        <p:spPr/>
+        <p:txBody>
+          <a:bodyPr/>
+          <a:lstStyle/>
+          <a:p>
+            <a:endParaRPr lang="en-US"/>
+          </a:p>
+        </p:txBody>
+      </p:sp>
+    </p:spTree>
+    <p:extLst>
+      <p:ext uri="{BB962C8B-B14F-4D97-AF65-F5344CB8AC3E}">
+        <p14:creationId xmlns:p14="http://schemas.microsoft.com/office/powerpoint/2010/main" val="1193397725"/>
+      </p:ext>
+    </p:extLst>
+  </p:cSld>
+  <p:clrMapOvr>
+    <a:masterClrMapping/>
+  </p:clrMapOvr>
+</p:sld>
+</file>
+
+<file path=ppt/slides/slide9.xml><?xml version="1.0" encoding="utf-8"?>
+<p:sld xmlns:a="http://schemas.openxmlformats.org/drawingml/2006/main" xmlns:r="http://schemas.openxmlformats.org/officeDocument/2006/relationships" xmlns:p="http://schemas.openxmlformats.org/presentationml/2006/main">
+  <p:cSld>
+    <p:spTree>
+      <p:nvGrpSpPr>
+        <p:cNvPr id="1" name=""/>
+        <p:cNvGrpSpPr/>
+        <p:nvPr/>
+      </p:nvGrpSpPr>
+      <p:grpSpPr>
+        <a:xfrm>
+          <a:off x="0" y="0"/>
+          <a:ext cx="0" cy="0"/>
+          <a:chOff x="0" y="0"/>
+          <a:chExt cx="0" cy="0"/>
+        </a:xfrm>
+      </p:grpSpPr>
+      <p:sp>
+        <p:nvSpPr>
+          <p:cNvPr id="2" name="Title 1">
+            <a:extLst>
+              <a:ext uri="{FF2B5EF4-FFF2-40B4-BE49-F238E27FC236}">
+                <a16:creationId xmlns:a16="http://schemas.microsoft.com/office/drawing/2014/main" id="{EFFCB8E3-A856-414A-99C3-2530A5D76BA5}"/>
+              </a:ext>
+            </a:extLst>
+          </p:cNvPr>
+          <p:cNvSpPr>
+            <a:spLocks noGrp="1"/>
+          </p:cNvSpPr>
+          <p:nvPr>
+            <p:ph type="title"/>
+          </p:nvPr>
+        </p:nvSpPr>
+        <p:spPr/>
+        <p:txBody>
+          <a:bodyPr/>
+          <a:lstStyle/>
+          <a:p>
+            <a:r>
+              <a:rPr lang="en-US" dirty="0"/>
+              <a:t>Book Outline</a:t>
+            </a:r>
+          </a:p>
+        </p:txBody>
+      </p:sp>
+      <p:sp>
+        <p:nvSpPr>
+          <p:cNvPr id="3" name="Content Placeholder 2">
+            <a:extLst>
+              <a:ext uri="{FF2B5EF4-FFF2-40B4-BE49-F238E27FC236}">
+                <a16:creationId xmlns:a16="http://schemas.microsoft.com/office/drawing/2014/main" id="{499C4B66-57FA-994D-8A41-B7303CD87180}"/>
+              </a:ext>
+            </a:extLst>
+          </p:cNvPr>
+          <p:cNvSpPr>
+            <a:spLocks noGrp="1"/>
+          </p:cNvSpPr>
+          <p:nvPr>
+            <p:ph idx="1"/>
+          </p:nvPr>
+        </p:nvSpPr>
+        <p:spPr/>
+        <p:txBody>
+          <a:bodyPr/>
+          <a:lstStyle/>
+          <a:p>
+            <a:endParaRPr lang="en-US"/>
+          </a:p>
+        </p:txBody>
+      </p:sp>
+    </p:spTree>
+    <p:extLst>
+      <p:ext uri="{BB962C8B-B14F-4D97-AF65-F5344CB8AC3E}">
+        <p14:creationId xmlns:p14="http://schemas.microsoft.com/office/powerpoint/2010/main" val="1131028588"/>
       </p:ext>
     </p:extLst>
   </p:cSld>
@@ -3677,4 +5846,299 @@
     </a:ext>
   </a:extLst>
 </a:theme>
+</file>
+
+<file path=ppt/theme/theme2.xml><?xml version="1.0" encoding="utf-8"?>
+<a:theme xmlns:a="http://schemas.openxmlformats.org/drawingml/2006/main" name="Office Theme">
+  <a:themeElements>
+    <a:clrScheme name="Office">
+      <a:dk1>
+        <a:sysClr val="windowText" lastClr="000000"/>
+      </a:dk1>
+      <a:lt1>
+        <a:sysClr val="window" lastClr="FFFFFF"/>
+      </a:lt1>
+      <a:dk2>
+        <a:srgbClr val="44546A"/>
+      </a:dk2>
+      <a:lt2>
+        <a:srgbClr val="E7E6E6"/>
+      </a:lt2>
+      <a:accent1>
+        <a:srgbClr val="4472C4"/>
+      </a:accent1>
+      <a:accent2>
+        <a:srgbClr val="ED7D31"/>
+      </a:accent2>
+      <a:accent3>
+        <a:srgbClr val="A5A5A5"/>
+      </a:accent3>
+      <a:accent4>
+        <a:srgbClr val="FFC000"/>
+      </a:accent4>
+      <a:accent5>
+        <a:srgbClr val="5B9BD5"/>
+      </a:accent5>
+      <a:accent6>
+        <a:srgbClr val="70AD47"/>
+      </a:accent6>
+      <a:hlink>
+        <a:srgbClr val="0563C1"/>
+      </a:hlink>
+      <a:folHlink>
+        <a:srgbClr val="954F72"/>
+      </a:folHlink>
+    </a:clrScheme>
+    <a:fontScheme name="Office">
+      <a:majorFont>
+        <a:latin typeface="Calibri Light" panose="020F0302020204030204"/>
+        <a:ea typeface=""/>
+        <a:cs typeface=""/>
+        <a:font script="Jpan" typeface="游ゴシック Light"/>
+        <a:font script="Hang" typeface="맑은 고딕"/>
+        <a:font script="Hans" typeface="等线 Light"/>
+        <a:font script="Hant" typeface="新細明體"/>
+        <a:font script="Arab" typeface="Times New Roman"/>
+        <a:font script="Hebr" typeface="Times New Roman"/>
+        <a:font script="Thai" typeface="Angsana New"/>
+        <a:font script="Ethi" typeface="Nyala"/>
+        <a:font script="Beng" typeface="Vrinda"/>
+        <a:font script="Gujr" typeface="Shruti"/>
+        <a:font script="Khmr" typeface="MoolBoran"/>
+        <a:font script="Knda" typeface="Tunga"/>
+        <a:font script="Guru" typeface="Raavi"/>
+        <a:font script="Cans" typeface="Euphemia"/>
+        <a:font script="Cher" typeface="Plantagenet Cherokee"/>
+        <a:font script="Yiii" typeface="Microsoft Yi Baiti"/>
+        <a:font script="Tibt" typeface="Microsoft Himalaya"/>
+        <a:font script="Thaa" typeface="MV Boli"/>
+        <a:font script="Deva" typeface="Mangal"/>
+        <a:font script="Telu" typeface="Gautami"/>
+        <a:font script="Taml" typeface="Latha"/>
+        <a:font script="Syrc" typeface="Estrangelo Edessa"/>
+        <a:font script="Orya" typeface="Kalinga"/>
+        <a:font script="Mlym" typeface="Kartika"/>
+        <a:font script="Laoo" typeface="DokChampa"/>
+        <a:font script="Sinh" typeface="Iskoola Pota"/>
+        <a:font script="Mong" typeface="Mongolian Baiti"/>
+        <a:font script="Viet" typeface="Times New Roman"/>
+        <a:font script="Uigh" typeface="Microsoft Uighur"/>
+        <a:font script="Geor" typeface="Sylfaen"/>
+        <a:font script="Armn" typeface="Arial"/>
+        <a:font script="Bugi" typeface="Leelawadee UI"/>
+        <a:font script="Bopo" typeface="Microsoft JhengHei"/>
+        <a:font script="Java" typeface="Javanese Text"/>
+        <a:font script="Lisu" typeface="Segoe UI"/>
+        <a:font script="Mymr" typeface="Myanmar Text"/>
+        <a:font script="Nkoo" typeface="Ebrima"/>
+        <a:font script="Olck" typeface="Nirmala UI"/>
+        <a:font script="Osma" typeface="Ebrima"/>
+        <a:font script="Phag" typeface="Phagspa"/>
+        <a:font script="Syrn" typeface="Estrangelo Edessa"/>
+        <a:font script="Syrj" typeface="Estrangelo Edessa"/>
+        <a:font script="Syre" typeface="Estrangelo Edessa"/>
+        <a:font script="Sora" typeface="Nirmala UI"/>
+        <a:font script="Tale" typeface="Microsoft Tai Le"/>
+        <a:font script="Talu" typeface="Microsoft New Tai Lue"/>
+        <a:font script="Tfng" typeface="Ebrima"/>
+      </a:majorFont>
+      <a:minorFont>
+        <a:latin typeface="Calibri" panose="020F0502020204030204"/>
+        <a:ea typeface=""/>
+        <a:cs typeface=""/>
+        <a:font script="Jpan" typeface="游ゴシック"/>
+        <a:font script="Hang" typeface="맑은 고딕"/>
+        <a:font script="Hans" typeface="等线"/>
+        <a:font script="Hant" typeface="新細明體"/>
+        <a:font script="Arab" typeface="Arial"/>
+        <a:font script="Hebr" typeface="Arial"/>
+        <a:font script="Thai" typeface="Cordia New"/>
+        <a:font script="Ethi" typeface="Nyala"/>
+        <a:font script="Beng" typeface="Vrinda"/>
+        <a:font script="Gujr" typeface="Shruti"/>
+        <a:font script="Khmr" typeface="DaunPenh"/>
+        <a:font script="Knda" typeface="Tunga"/>
+        <a:font script="Guru" typeface="Raavi"/>
+        <a:font script="Cans" typeface="Euphemia"/>
+        <a:font script="Cher" typeface="Plantagenet Cherokee"/>
+        <a:font script="Yiii" typeface="Microsoft Yi Baiti"/>
+        <a:font script="Tibt" typeface="Microsoft Himalaya"/>
+        <a:font script="Thaa" typeface="MV Boli"/>
+        <a:font script="Deva" typeface="Mangal"/>
+        <a:font script="Telu" typeface="Gautami"/>
+        <a:font script="Taml" typeface="Latha"/>
+        <a:font script="Syrc" typeface="Estrangelo Edessa"/>
+        <a:font script="Orya" typeface="Kalinga"/>
+        <a:font script="Mlym" typeface="Kartika"/>
+        <a:font script="Laoo" typeface="DokChampa"/>
+        <a:font script="Sinh" typeface="Iskoola Pota"/>
+        <a:font script="Mong" typeface="Mongolian Baiti"/>
+        <a:font script="Viet" typeface="Arial"/>
+        <a:font script="Uigh" typeface="Microsoft Uighur"/>
+        <a:font script="Geor" typeface="Sylfaen"/>
+        <a:font script="Armn" typeface="Arial"/>
+        <a:font script="Bugi" typeface="Leelawadee UI"/>
+        <a:font script="Bopo" typeface="Microsoft JhengHei"/>
+        <a:font script="Java" typeface="Javanese Text"/>
+        <a:font script="Lisu" typeface="Segoe UI"/>
+        <a:font script="Mymr" typeface="Myanmar Text"/>
+        <a:font script="Nkoo" typeface="Ebrima"/>
+        <a:font script="Olck" typeface="Nirmala UI"/>
+        <a:font script="Osma" typeface="Ebrima"/>
+        <a:font script="Phag" typeface="Phagspa"/>
+        <a:font script="Syrn" typeface="Estrangelo Edessa"/>
+        <a:font script="Syrj" typeface="Estrangelo Edessa"/>
+        <a:font script="Syre" typeface="Estrangelo Edessa"/>
+        <a:font script="Sora" typeface="Nirmala UI"/>
+        <a:font script="Tale" typeface="Microsoft Tai Le"/>
+        <a:font script="Talu" typeface="Microsoft New Tai Lue"/>
+        <a:font script="Tfng" typeface="Ebrima"/>
+      </a:minorFont>
+    </a:fontScheme>
+    <a:fmtScheme name="Office">
+      <a:fillStyleLst>
+        <a:solidFill>
+          <a:schemeClr val="phClr"/>
+        </a:solidFill>
+        <a:gradFill rotWithShape="1">
+          <a:gsLst>
+            <a:gs pos="0">
+              <a:schemeClr val="phClr">
+                <a:lumMod val="110000"/>
+                <a:satMod val="105000"/>
+                <a:tint val="67000"/>
+              </a:schemeClr>
+            </a:gs>
+            <a:gs pos="50000">
+              <a:schemeClr val="phClr">
+                <a:lumMod val="105000"/>
+                <a:satMod val="103000"/>
+                <a:tint val="73000"/>
+              </a:schemeClr>
+            </a:gs>
+            <a:gs pos="100000">
+              <a:schemeClr val="phClr">
+                <a:lumMod val="105000"/>
+                <a:satMod val="109000"/>
+                <a:tint val="81000"/>
+              </a:schemeClr>
+            </a:gs>
+          </a:gsLst>
+          <a:lin ang="5400000" scaled="0"/>
+        </a:gradFill>
+        <a:gradFill rotWithShape="1">
+          <a:gsLst>
+            <a:gs pos="0">
+              <a:schemeClr val="phClr">
+                <a:satMod val="103000"/>
+                <a:lumMod val="102000"/>
+                <a:tint val="94000"/>
+              </a:schemeClr>
+            </a:gs>
+            <a:gs pos="50000">
+              <a:schemeClr val="phClr">
+                <a:satMod val="110000"/>
+                <a:lumMod val="100000"/>
+                <a:shade val="100000"/>
+              </a:schemeClr>
+            </a:gs>
+            <a:gs pos="100000">
+              <a:schemeClr val="phClr">
+                <a:lumMod val="99000"/>
+                <a:satMod val="120000"/>
+                <a:shade val="78000"/>
+              </a:schemeClr>
+            </a:gs>
+          </a:gsLst>
+          <a:lin ang="5400000" scaled="0"/>
+        </a:gradFill>
+      </a:fillStyleLst>
+      <a:lnStyleLst>
+        <a:ln w="6350" cap="flat" cmpd="sng" algn="ctr">
+          <a:solidFill>
+            <a:schemeClr val="phClr"/>
+          </a:solidFill>
+          <a:prstDash val="solid"/>
+          <a:miter lim="800000"/>
+        </a:ln>
+        <a:ln w="12700" cap="flat" cmpd="sng" algn="ctr">
+          <a:solidFill>
+            <a:schemeClr val="phClr"/>
+          </a:solidFill>
+          <a:prstDash val="solid"/>
+          <a:miter lim="800000"/>
+        </a:ln>
+        <a:ln w="19050" cap="flat" cmpd="sng" algn="ctr">
+          <a:solidFill>
+            <a:schemeClr val="phClr"/>
+          </a:solidFill>
+          <a:prstDash val="solid"/>
+          <a:miter lim="800000"/>
+        </a:ln>
+      </a:lnStyleLst>
+      <a:effectStyleLst>
+        <a:effectStyle>
+          <a:effectLst/>
+        </a:effectStyle>
+        <a:effectStyle>
+          <a:effectLst/>
+        </a:effectStyle>
+        <a:effectStyle>
+          <a:effectLst>
+            <a:outerShdw blurRad="57150" dist="19050" dir="5400000" algn="ctr" rotWithShape="0">
+              <a:srgbClr val="000000">
+                <a:alpha val="63000"/>
+              </a:srgbClr>
+            </a:outerShdw>
+          </a:effectLst>
+        </a:effectStyle>
+      </a:effectStyleLst>
+      <a:bgFillStyleLst>
+        <a:solidFill>
+          <a:schemeClr val="phClr"/>
+        </a:solidFill>
+        <a:solidFill>
+          <a:schemeClr val="phClr">
+            <a:tint val="95000"/>
+            <a:satMod val="170000"/>
+          </a:schemeClr>
+        </a:solidFill>
+        <a:gradFill rotWithShape="1">
+          <a:gsLst>
+            <a:gs pos="0">
+              <a:schemeClr val="phClr">
+                <a:tint val="93000"/>
+                <a:satMod val="150000"/>
+                <a:shade val="98000"/>
+                <a:lumMod val="102000"/>
+              </a:schemeClr>
+            </a:gs>
+            <a:gs pos="50000">
+              <a:schemeClr val="phClr">
+                <a:tint val="98000"/>
+                <a:satMod val="130000"/>
+                <a:shade val="90000"/>
+                <a:lumMod val="103000"/>
+              </a:schemeClr>
+            </a:gs>
+            <a:gs pos="100000">
+              <a:schemeClr val="phClr">
+                <a:shade val="63000"/>
+                <a:satMod val="120000"/>
+              </a:schemeClr>
+            </a:gs>
+          </a:gsLst>
+          <a:lin ang="5400000" scaled="0"/>
+        </a:gradFill>
+      </a:bgFillStyleLst>
+    </a:fmtScheme>
+  </a:themeElements>
+  <a:objectDefaults/>
+  <a:extraClrSchemeLst/>
+  <a:extLst>
+    <a:ext uri="{05A4C25C-085E-4340-85A3-A5531E510DB2}">
+      <thm15:themeFamily xmlns:thm15="http://schemas.microsoft.com/office/thememl/2012/main" name="Office Theme" id="{62F939B6-93AF-4DB8-9C6B-D6C7DFDC589F}" vid="{4A3C46E8-61CC-4603-A589-7422A47A8E4A}"/>
+    </a:ext>
+  </a:extLst>
+</a:theme>
 </file>
--- a/Chapter01-ABMGIS/Chapter1.pptx
+++ b/Chapter01-ABMGIS/Chapter1.pptx
@@ -5,30 +5,31 @@
     <p:sldMasterId id="2147483648" r:id="rId1"/>
   </p:sldMasterIdLst>
   <p:notesMasterIdLst>
-    <p:notesMasterId r:id="rId23"/>
+    <p:notesMasterId r:id="rId24"/>
   </p:notesMasterIdLst>
   <p:sldIdLst>
     <p:sldId id="256" r:id="rId2"/>
-    <p:sldId id="271" r:id="rId3"/>
-    <p:sldId id="272" r:id="rId4"/>
-    <p:sldId id="257" r:id="rId5"/>
-    <p:sldId id="273" r:id="rId6"/>
-    <p:sldId id="274" r:id="rId7"/>
-    <p:sldId id="275" r:id="rId8"/>
-    <p:sldId id="276" r:id="rId9"/>
-    <p:sldId id="258" r:id="rId10"/>
-    <p:sldId id="259" r:id="rId11"/>
-    <p:sldId id="261" r:id="rId12"/>
-    <p:sldId id="262" r:id="rId13"/>
-    <p:sldId id="263" r:id="rId14"/>
-    <p:sldId id="264" r:id="rId15"/>
-    <p:sldId id="265" r:id="rId16"/>
-    <p:sldId id="266" r:id="rId17"/>
-    <p:sldId id="267" r:id="rId18"/>
-    <p:sldId id="268" r:id="rId19"/>
-    <p:sldId id="269" r:id="rId20"/>
-    <p:sldId id="270" r:id="rId21"/>
-    <p:sldId id="260" r:id="rId22"/>
+    <p:sldId id="277" r:id="rId3"/>
+    <p:sldId id="271" r:id="rId4"/>
+    <p:sldId id="272" r:id="rId5"/>
+    <p:sldId id="257" r:id="rId6"/>
+    <p:sldId id="273" r:id="rId7"/>
+    <p:sldId id="274" r:id="rId8"/>
+    <p:sldId id="275" r:id="rId9"/>
+    <p:sldId id="276" r:id="rId10"/>
+    <p:sldId id="258" r:id="rId11"/>
+    <p:sldId id="259" r:id="rId12"/>
+    <p:sldId id="261" r:id="rId13"/>
+    <p:sldId id="262" r:id="rId14"/>
+    <p:sldId id="263" r:id="rId15"/>
+    <p:sldId id="264" r:id="rId16"/>
+    <p:sldId id="265" r:id="rId17"/>
+    <p:sldId id="266" r:id="rId18"/>
+    <p:sldId id="267" r:id="rId19"/>
+    <p:sldId id="268" r:id="rId20"/>
+    <p:sldId id="269" r:id="rId21"/>
+    <p:sldId id="270" r:id="rId22"/>
+    <p:sldId id="260" r:id="rId23"/>
   </p:sldIdLst>
   <p:sldSz cx="12192000" cy="6858000"/>
   <p:notesSz cx="6858000" cy="9144000"/>
@@ -217,7 +218,7 @@
           <a:p>
             <a:fld id="{BBBA8BB5-096B-E445-85A8-4DACD3562D41}" type="datetimeFigureOut">
               <a:rPr lang="en-US" smtClean="0"/>
-              <a:t>7/16/18</a:t>
+              <a:t>11/2/18</a:t>
             </a:fld>
             <a:endParaRPr lang="en-US"/>
           </a:p>
@@ -721,7 +722,7 @@
           <a:p>
             <a:fld id="{53326AB7-C146-8643-AC32-1D896C71A7F3}" type="datetimeFigureOut">
               <a:rPr lang="en-US" smtClean="0"/>
-              <a:t>7/16/18</a:t>
+              <a:t>11/2/18</a:t>
             </a:fld>
             <a:endParaRPr lang="en-US"/>
           </a:p>
@@ -919,7 +920,7 @@
           <a:p>
             <a:fld id="{53326AB7-C146-8643-AC32-1D896C71A7F3}" type="datetimeFigureOut">
               <a:rPr lang="en-US" smtClean="0"/>
-              <a:t>7/16/18</a:t>
+              <a:t>11/2/18</a:t>
             </a:fld>
             <a:endParaRPr lang="en-US"/>
           </a:p>
@@ -1127,7 +1128,7 @@
           <a:p>
             <a:fld id="{53326AB7-C146-8643-AC32-1D896C71A7F3}" type="datetimeFigureOut">
               <a:rPr lang="en-US" smtClean="0"/>
-              <a:t>7/16/18</a:t>
+              <a:t>11/2/18</a:t>
             </a:fld>
             <a:endParaRPr lang="en-US"/>
           </a:p>
@@ -1325,7 +1326,7 @@
           <a:p>
             <a:fld id="{53326AB7-C146-8643-AC32-1D896C71A7F3}" type="datetimeFigureOut">
               <a:rPr lang="en-US" smtClean="0"/>
-              <a:t>7/16/18</a:t>
+              <a:t>11/2/18</a:t>
             </a:fld>
             <a:endParaRPr lang="en-US"/>
           </a:p>
@@ -1600,7 +1601,7 @@
           <a:p>
             <a:fld id="{53326AB7-C146-8643-AC32-1D896C71A7F3}" type="datetimeFigureOut">
               <a:rPr lang="en-US" smtClean="0"/>
-              <a:t>7/16/18</a:t>
+              <a:t>11/2/18</a:t>
             </a:fld>
             <a:endParaRPr lang="en-US"/>
           </a:p>
@@ -1865,7 +1866,7 @@
           <a:p>
             <a:fld id="{53326AB7-C146-8643-AC32-1D896C71A7F3}" type="datetimeFigureOut">
               <a:rPr lang="en-US" smtClean="0"/>
-              <a:t>7/16/18</a:t>
+              <a:t>11/2/18</a:t>
             </a:fld>
             <a:endParaRPr lang="en-US"/>
           </a:p>
@@ -2277,7 +2278,7 @@
           <a:p>
             <a:fld id="{53326AB7-C146-8643-AC32-1D896C71A7F3}" type="datetimeFigureOut">
               <a:rPr lang="en-US" smtClean="0"/>
-              <a:t>7/16/18</a:t>
+              <a:t>11/2/18</a:t>
             </a:fld>
             <a:endParaRPr lang="en-US"/>
           </a:p>
@@ -2418,7 +2419,7 @@
           <a:p>
             <a:fld id="{53326AB7-C146-8643-AC32-1D896C71A7F3}" type="datetimeFigureOut">
               <a:rPr lang="en-US" smtClean="0"/>
-              <a:t>7/16/18</a:t>
+              <a:t>11/2/18</a:t>
             </a:fld>
             <a:endParaRPr lang="en-US"/>
           </a:p>
@@ -2531,7 +2532,7 @@
           <a:p>
             <a:fld id="{53326AB7-C146-8643-AC32-1D896C71A7F3}" type="datetimeFigureOut">
               <a:rPr lang="en-US" smtClean="0"/>
-              <a:t>7/16/18</a:t>
+              <a:t>11/2/18</a:t>
             </a:fld>
             <a:endParaRPr lang="en-US"/>
           </a:p>
@@ -2842,7 +2843,7 @@
           <a:p>
             <a:fld id="{53326AB7-C146-8643-AC32-1D896C71A7F3}" type="datetimeFigureOut">
               <a:rPr lang="en-US" smtClean="0"/>
-              <a:t>7/16/18</a:t>
+              <a:t>11/2/18</a:t>
             </a:fld>
             <a:endParaRPr lang="en-US"/>
           </a:p>
@@ -3130,7 +3131,7 @@
           <a:p>
             <a:fld id="{53326AB7-C146-8643-AC32-1D896C71A7F3}" type="datetimeFigureOut">
               <a:rPr lang="en-US" smtClean="0"/>
-              <a:t>7/16/18</a:t>
+              <a:t>11/2/18</a:t>
             </a:fld>
             <a:endParaRPr lang="en-US"/>
           </a:p>
@@ -3371,7 +3372,7 @@
           <a:p>
             <a:fld id="{53326AB7-C146-8643-AC32-1D896C71A7F3}" type="datetimeFigureOut">
               <a:rPr lang="en-US" smtClean="0"/>
-              <a:t>7/16/18</a:t>
+              <a:t>11/2/18</a:t>
             </a:fld>
             <a:endParaRPr lang="en-US"/>
           </a:p>
@@ -3774,6 +3775,14 @@
 <file path=ppt/slides/slide1.xml><?xml version="1.0" encoding="utf-8"?>
 <p:sld xmlns:a="http://schemas.openxmlformats.org/drawingml/2006/main" xmlns:r="http://schemas.openxmlformats.org/officeDocument/2006/relationships" xmlns:p="http://schemas.openxmlformats.org/presentationml/2006/main">
   <p:cSld>
+    <p:bg>
+      <p:bgPr>
+        <a:solidFill>
+          <a:schemeClr val="bg1"/>
+        </a:solidFill>
+        <a:effectLst/>
+      </p:bgPr>
+    </p:bg>
     <p:spTree>
       <p:nvGrpSpPr>
         <p:cNvPr id="1" name=""/>
@@ -3788,6 +3797,101 @@
           <a:chExt cx="0" cy="0"/>
         </a:xfrm>
       </p:grpSpPr>
+      <p:pic>
+        <p:nvPicPr>
+          <p:cNvPr id="5" name="Picture 4">
+            <a:extLst>
+              <a:ext uri="{FF2B5EF4-FFF2-40B4-BE49-F238E27FC236}">
+                <a16:creationId xmlns:a16="http://schemas.microsoft.com/office/drawing/2014/main" id="{64DADF90-45B9-534F-96AB-E842E7DFF039}"/>
+              </a:ext>
+            </a:extLst>
+          </p:cNvPr>
+          <p:cNvPicPr>
+            <a:picLocks noChangeAspect="1"/>
+          </p:cNvPicPr>
+          <p:nvPr/>
+        </p:nvPicPr>
+        <p:blipFill rotWithShape="1">
+          <a:blip r:embed="rId3"/>
+          <a:srcRect r="3747"/>
+          <a:stretch/>
+        </p:blipFill>
+        <p:spPr>
+          <a:xfrm>
+            <a:off x="20" y="10"/>
+            <a:ext cx="4637226" cy="6857990"/>
+          </a:xfrm>
+          <a:prstGeom prst="rect">
+            <a:avLst/>
+          </a:prstGeom>
+        </p:spPr>
+      </p:pic>
+      <p:sp>
+        <p:nvSpPr>
+          <p:cNvPr id="10" name="Rectangle 9">
+            <a:extLst>
+              <a:ext uri="{FF2B5EF4-FFF2-40B4-BE49-F238E27FC236}">
+                <a16:creationId xmlns:a16="http://schemas.microsoft.com/office/drawing/2014/main" id="{B9951BD9-0868-4CDB-ACD6-9C4209B5E412}"/>
+              </a:ext>
+              <a:ext uri="{C183D7F6-B498-43B3-948B-1728B52AA6E4}">
+                <adec:decorative xmlns:adec="http://schemas.microsoft.com/office/drawing/2017/decorative" val="1"/>
+              </a:ext>
+            </a:extLst>
+          </p:cNvPr>
+          <p:cNvSpPr>
+            <a:spLocks noGrp="1" noRot="1" noChangeAspect="1" noMove="1" noResize="1" noEditPoints="1" noAdjustHandles="1" noChangeArrowheads="1" noChangeShapeType="1" noTextEdit="1"/>
+          </p:cNvSpPr>
+          <p:nvPr>
+            <p:extLst>
+              <p:ext uri="{386F3935-93C4-4BCD-93E2-E3B085C9AB24}">
+                <p16:designElem xmlns:p16="http://schemas.microsoft.com/office/powerpoint/2015/main" val="1"/>
+              </p:ext>
+            </p:extLst>
+          </p:nvPr>
+        </p:nvSpPr>
+        <p:spPr bwMode="white">
+          <a:xfrm>
+            <a:off x="4637247" y="0"/>
+            <a:ext cx="7554754" cy="6858000"/>
+          </a:xfrm>
+          <a:prstGeom prst="rect">
+            <a:avLst/>
+          </a:prstGeom>
+          <a:solidFill>
+            <a:schemeClr val="tx1">
+              <a:lumMod val="85000"/>
+              <a:lumOff val="15000"/>
+            </a:schemeClr>
+          </a:solidFill>
+          <a:ln>
+            <a:noFill/>
+          </a:ln>
+        </p:spPr>
+        <p:style>
+          <a:lnRef idx="2">
+            <a:schemeClr val="accent1">
+              <a:shade val="50000"/>
+            </a:schemeClr>
+          </a:lnRef>
+          <a:fillRef idx="1">
+            <a:schemeClr val="accent1"/>
+          </a:fillRef>
+          <a:effectRef idx="0">
+            <a:schemeClr val="accent1"/>
+          </a:effectRef>
+          <a:fontRef idx="minor">
+            <a:schemeClr val="lt1"/>
+          </a:fontRef>
+        </p:style>
+        <p:txBody>
+          <a:bodyPr rtlCol="0" anchor="ctr"/>
+          <a:lstStyle/>
+          <a:p>
+            <a:pPr algn="ctr"/>
+            <a:endParaRPr lang="en-US"/>
+          </a:p>
+        </p:txBody>
+      </p:sp>
       <p:sp>
         <p:nvSpPr>
           <p:cNvPr id="2" name="Title 1">
@@ -3804,13 +3908,25 @@
             <p:ph type="ctrTitle"/>
           </p:nvPr>
         </p:nvSpPr>
-        <p:spPr/>
-        <p:txBody>
-          <a:bodyPr/>
-          <a:lstStyle/>
-          <a:p>
-            <a:r>
-              <a:rPr lang="en-US" dirty="0"/>
+        <p:spPr>
+          <a:xfrm>
+            <a:off x="5277328" y="640082"/>
+            <a:ext cx="6274591" cy="3351602"/>
+          </a:xfrm>
+        </p:spPr>
+        <p:txBody>
+          <a:bodyPr>
+            <a:normAutofit/>
+          </a:bodyPr>
+          <a:lstStyle/>
+          <a:p>
+            <a:pPr algn="l"/>
+            <a:r>
+              <a:rPr lang="en-US">
+                <a:solidFill>
+                  <a:schemeClr val="bg1"/>
+                </a:solidFill>
+              </a:rPr>
               <a:t>Chapter 1</a:t>
             </a:r>
           </a:p>
@@ -3832,12 +3948,27 @@
             <p:ph type="subTitle" idx="1"/>
           </p:nvPr>
         </p:nvSpPr>
-        <p:spPr/>
-        <p:txBody>
-          <a:bodyPr/>
-          <a:lstStyle/>
-          <a:p>
-            <a:endParaRPr lang="en-US"/>
+        <p:spPr>
+          <a:xfrm>
+            <a:off x="5277327" y="4156276"/>
+            <a:ext cx="6274592" cy="2061645"/>
+          </a:xfrm>
+        </p:spPr>
+        <p:txBody>
+          <a:bodyPr>
+            <a:normAutofit/>
+          </a:bodyPr>
+          <a:lstStyle/>
+          <a:p>
+            <a:pPr algn="l"/>
+            <a:r>
+              <a:rPr lang="en-US" dirty="0">
+                <a:solidFill>
+                  <a:schemeClr val="bg1"/>
+                </a:solidFill>
+              </a:rPr>
+              <a:t>Agent-based Modelling and Geographical Information Systems</a:t>
+            </a:r>
           </a:p>
         </p:txBody>
       </p:sp>
@@ -3876,7 +4007,7 @@
           <p:cNvPr id="2" name="Title 1">
             <a:extLst>
               <a:ext uri="{FF2B5EF4-FFF2-40B4-BE49-F238E27FC236}">
-                <a16:creationId xmlns:a16="http://schemas.microsoft.com/office/drawing/2014/main" id="{44DBCF65-81D9-F543-ACE8-4FDCA4590571}"/>
+                <a16:creationId xmlns:a16="http://schemas.microsoft.com/office/drawing/2014/main" id="{EFFCB8E3-A856-414A-99C3-2530A5D76BA5}"/>
               </a:ext>
             </a:extLst>
           </p:cNvPr>
@@ -3894,7 +4025,7 @@
           <a:p>
             <a:r>
               <a:rPr lang="en-US" dirty="0"/>
-              <a:t>Chapter 2</a:t>
+              <a:t>Book Outline</a:t>
             </a:r>
           </a:p>
         </p:txBody>
@@ -3904,7 +4035,7 @@
           <p:cNvPr id="3" name="Content Placeholder 2">
             <a:extLst>
               <a:ext uri="{FF2B5EF4-FFF2-40B4-BE49-F238E27FC236}">
-                <a16:creationId xmlns:a16="http://schemas.microsoft.com/office/drawing/2014/main" id="{1B381E9F-A42B-1547-86AB-7A6C55418943}"/>
+                <a16:creationId xmlns:a16="http://schemas.microsoft.com/office/drawing/2014/main" id="{499C4B66-57FA-994D-8A41-B7303CD87180}"/>
               </a:ext>
             </a:extLst>
           </p:cNvPr>
@@ -3927,7 +4058,7 @@
     </p:spTree>
     <p:extLst>
       <p:ext uri="{BB962C8B-B14F-4D97-AF65-F5344CB8AC3E}">
-        <p14:creationId xmlns:p14="http://schemas.microsoft.com/office/powerpoint/2010/main" val="1070068504"/>
+        <p14:creationId xmlns:p14="http://schemas.microsoft.com/office/powerpoint/2010/main" val="1131028588"/>
       </p:ext>
     </p:extLst>
   </p:cSld>
@@ -3977,7 +4108,7 @@
           <a:p>
             <a:r>
               <a:rPr lang="en-US" dirty="0"/>
-              <a:t>Chapter 3</a:t>
+              <a:t>Chapter 2</a:t>
             </a:r>
           </a:p>
         </p:txBody>
@@ -4010,7 +4141,7 @@
     </p:spTree>
     <p:extLst>
       <p:ext uri="{BB962C8B-B14F-4D97-AF65-F5344CB8AC3E}">
-        <p14:creationId xmlns:p14="http://schemas.microsoft.com/office/powerpoint/2010/main" val="762753879"/>
+        <p14:creationId xmlns:p14="http://schemas.microsoft.com/office/powerpoint/2010/main" val="1070068504"/>
       </p:ext>
     </p:extLst>
   </p:cSld>
@@ -4060,7 +4191,7 @@
           <a:p>
             <a:r>
               <a:rPr lang="en-US" dirty="0"/>
-              <a:t>Chapter 4</a:t>
+              <a:t>Chapter 3</a:t>
             </a:r>
           </a:p>
         </p:txBody>
@@ -4093,7 +4224,7 @@
     </p:spTree>
     <p:extLst>
       <p:ext uri="{BB962C8B-B14F-4D97-AF65-F5344CB8AC3E}">
-        <p14:creationId xmlns:p14="http://schemas.microsoft.com/office/powerpoint/2010/main" val="2767816176"/>
+        <p14:creationId xmlns:p14="http://schemas.microsoft.com/office/powerpoint/2010/main" val="762753879"/>
       </p:ext>
     </p:extLst>
   </p:cSld>
@@ -4143,7 +4274,7 @@
           <a:p>
             <a:r>
               <a:rPr lang="en-US" dirty="0"/>
-              <a:t>Chapter 5</a:t>
+              <a:t>Chapter 4</a:t>
             </a:r>
           </a:p>
         </p:txBody>
@@ -4176,7 +4307,7 @@
     </p:spTree>
     <p:extLst>
       <p:ext uri="{BB962C8B-B14F-4D97-AF65-F5344CB8AC3E}">
-        <p14:creationId xmlns:p14="http://schemas.microsoft.com/office/powerpoint/2010/main" val="2585265086"/>
+        <p14:creationId xmlns:p14="http://schemas.microsoft.com/office/powerpoint/2010/main" val="2767816176"/>
       </p:ext>
     </p:extLst>
   </p:cSld>
@@ -4226,7 +4357,7 @@
           <a:p>
             <a:r>
               <a:rPr lang="en-US" dirty="0"/>
-              <a:t>Chapter 6</a:t>
+              <a:t>Chapter 5</a:t>
             </a:r>
           </a:p>
         </p:txBody>
@@ -4259,7 +4390,7 @@
     </p:spTree>
     <p:extLst>
       <p:ext uri="{BB962C8B-B14F-4D97-AF65-F5344CB8AC3E}">
-        <p14:creationId xmlns:p14="http://schemas.microsoft.com/office/powerpoint/2010/main" val="1452595173"/>
+        <p14:creationId xmlns:p14="http://schemas.microsoft.com/office/powerpoint/2010/main" val="2585265086"/>
       </p:ext>
     </p:extLst>
   </p:cSld>
@@ -4309,7 +4440,7 @@
           <a:p>
             <a:r>
               <a:rPr lang="en-US" dirty="0"/>
-              <a:t>Chapter 7</a:t>
+              <a:t>Chapter 6</a:t>
             </a:r>
           </a:p>
         </p:txBody>
@@ -4342,7 +4473,7 @@
     </p:spTree>
     <p:extLst>
       <p:ext uri="{BB962C8B-B14F-4D97-AF65-F5344CB8AC3E}">
-        <p14:creationId xmlns:p14="http://schemas.microsoft.com/office/powerpoint/2010/main" val="1632113489"/>
+        <p14:creationId xmlns:p14="http://schemas.microsoft.com/office/powerpoint/2010/main" val="1452595173"/>
       </p:ext>
     </p:extLst>
   </p:cSld>
@@ -4392,7 +4523,7 @@
           <a:p>
             <a:r>
               <a:rPr lang="en-US" dirty="0"/>
-              <a:t>Chapter 8</a:t>
+              <a:t>Chapter 7</a:t>
             </a:r>
           </a:p>
         </p:txBody>
@@ -4425,7 +4556,7 @@
     </p:spTree>
     <p:extLst>
       <p:ext uri="{BB962C8B-B14F-4D97-AF65-F5344CB8AC3E}">
-        <p14:creationId xmlns:p14="http://schemas.microsoft.com/office/powerpoint/2010/main" val="461074598"/>
+        <p14:creationId xmlns:p14="http://schemas.microsoft.com/office/powerpoint/2010/main" val="1632113489"/>
       </p:ext>
     </p:extLst>
   </p:cSld>
@@ -4475,7 +4606,7 @@
           <a:p>
             <a:r>
               <a:rPr lang="en-US" dirty="0"/>
-              <a:t>Chapter 9</a:t>
+              <a:t>Chapter 8</a:t>
             </a:r>
           </a:p>
         </p:txBody>
@@ -4508,7 +4639,7 @@
     </p:spTree>
     <p:extLst>
       <p:ext uri="{BB962C8B-B14F-4D97-AF65-F5344CB8AC3E}">
-        <p14:creationId xmlns:p14="http://schemas.microsoft.com/office/powerpoint/2010/main" val="3036287095"/>
+        <p14:creationId xmlns:p14="http://schemas.microsoft.com/office/powerpoint/2010/main" val="461074598"/>
       </p:ext>
     </p:extLst>
   </p:cSld>
@@ -4558,7 +4689,7 @@
           <a:p>
             <a:r>
               <a:rPr lang="en-US" dirty="0"/>
-              <a:t>Chapter 10</a:t>
+              <a:t>Chapter 9</a:t>
             </a:r>
           </a:p>
         </p:txBody>
@@ -4591,7 +4722,7 @@
     </p:spTree>
     <p:extLst>
       <p:ext uri="{BB962C8B-B14F-4D97-AF65-F5344CB8AC3E}">
-        <p14:creationId xmlns:p14="http://schemas.microsoft.com/office/powerpoint/2010/main" val="2713225905"/>
+        <p14:creationId xmlns:p14="http://schemas.microsoft.com/office/powerpoint/2010/main" val="3036287095"/>
       </p:ext>
     </p:extLst>
   </p:cSld>
@@ -4641,7 +4772,7 @@
           <a:p>
             <a:r>
               <a:rPr lang="en-US" dirty="0"/>
-              <a:t>Chapter 11</a:t>
+              <a:t>Chapter 10</a:t>
             </a:r>
           </a:p>
         </p:txBody>
@@ -4674,7 +4805,7 @@
     </p:spTree>
     <p:extLst>
       <p:ext uri="{BB962C8B-B14F-4D97-AF65-F5344CB8AC3E}">
-        <p14:creationId xmlns:p14="http://schemas.microsoft.com/office/powerpoint/2010/main" val="692908193"/>
+        <p14:creationId xmlns:p14="http://schemas.microsoft.com/office/powerpoint/2010/main" val="2713225905"/>
       </p:ext>
     </p:extLst>
   </p:cSld>
@@ -4706,7 +4837,7 @@
           <p:cNvPr id="2" name="Title 1">
             <a:extLst>
               <a:ext uri="{FF2B5EF4-FFF2-40B4-BE49-F238E27FC236}">
-                <a16:creationId xmlns:a16="http://schemas.microsoft.com/office/drawing/2014/main" id="{5F2C578F-1A2D-8044-826D-BBA63371DC46}"/>
+                <a16:creationId xmlns:a16="http://schemas.microsoft.com/office/drawing/2014/main" id="{07A38DDA-2150-1147-B1F2-04571D79B50E}"/>
               </a:ext>
             </a:extLst>
           </p:cNvPr>
@@ -4724,7 +4855,7 @@
           <a:p>
             <a:r>
               <a:rPr lang="en-US" dirty="0"/>
-              <a:t>Introduction</a:t>
+              <a:t>Learning Objectives</a:t>
             </a:r>
           </a:p>
         </p:txBody>
@@ -4734,7 +4865,7 @@
           <p:cNvPr id="3" name="Content Placeholder 2">
             <a:extLst>
               <a:ext uri="{FF2B5EF4-FFF2-40B4-BE49-F238E27FC236}">
-                <a16:creationId xmlns:a16="http://schemas.microsoft.com/office/drawing/2014/main" id="{50F900AC-8ACD-6646-9D46-F69F5E911AD1}"/>
+                <a16:creationId xmlns:a16="http://schemas.microsoft.com/office/drawing/2014/main" id="{ADCCC874-872D-FA48-A5E3-8BFAA487818D}"/>
               </a:ext>
             </a:extLst>
           </p:cNvPr>
@@ -4757,7 +4888,7 @@
     </p:spTree>
     <p:extLst>
       <p:ext uri="{BB962C8B-B14F-4D97-AF65-F5344CB8AC3E}">
-        <p14:creationId xmlns:p14="http://schemas.microsoft.com/office/powerpoint/2010/main" val="354395236"/>
+        <p14:creationId xmlns:p14="http://schemas.microsoft.com/office/powerpoint/2010/main" val="1032833161"/>
       </p:ext>
     </p:extLst>
   </p:cSld>
@@ -4807,6 +4938,89 @@
           <a:p>
             <a:r>
               <a:rPr lang="en-US" dirty="0"/>
+              <a:t>Chapter 11</a:t>
+            </a:r>
+          </a:p>
+        </p:txBody>
+      </p:sp>
+      <p:sp>
+        <p:nvSpPr>
+          <p:cNvPr id="3" name="Content Placeholder 2">
+            <a:extLst>
+              <a:ext uri="{FF2B5EF4-FFF2-40B4-BE49-F238E27FC236}">
+                <a16:creationId xmlns:a16="http://schemas.microsoft.com/office/drawing/2014/main" id="{1B381E9F-A42B-1547-86AB-7A6C55418943}"/>
+              </a:ext>
+            </a:extLst>
+          </p:cNvPr>
+          <p:cNvSpPr>
+            <a:spLocks noGrp="1"/>
+          </p:cNvSpPr>
+          <p:nvPr>
+            <p:ph idx="1"/>
+          </p:nvPr>
+        </p:nvSpPr>
+        <p:spPr/>
+        <p:txBody>
+          <a:bodyPr/>
+          <a:lstStyle/>
+          <a:p>
+            <a:endParaRPr lang="en-US"/>
+          </a:p>
+        </p:txBody>
+      </p:sp>
+    </p:spTree>
+    <p:extLst>
+      <p:ext uri="{BB962C8B-B14F-4D97-AF65-F5344CB8AC3E}">
+        <p14:creationId xmlns:p14="http://schemas.microsoft.com/office/powerpoint/2010/main" val="692908193"/>
+      </p:ext>
+    </p:extLst>
+  </p:cSld>
+  <p:clrMapOvr>
+    <a:masterClrMapping/>
+  </p:clrMapOvr>
+</p:sld>
+</file>
+
+<file path=ppt/slides/slide21.xml><?xml version="1.0" encoding="utf-8"?>
+<p:sld xmlns:a="http://schemas.openxmlformats.org/drawingml/2006/main" xmlns:r="http://schemas.openxmlformats.org/officeDocument/2006/relationships" xmlns:p="http://schemas.openxmlformats.org/presentationml/2006/main">
+  <p:cSld>
+    <p:spTree>
+      <p:nvGrpSpPr>
+        <p:cNvPr id="1" name=""/>
+        <p:cNvGrpSpPr/>
+        <p:nvPr/>
+      </p:nvGrpSpPr>
+      <p:grpSpPr>
+        <a:xfrm>
+          <a:off x="0" y="0"/>
+          <a:ext cx="0" cy="0"/>
+          <a:chOff x="0" y="0"/>
+          <a:chExt cx="0" cy="0"/>
+        </a:xfrm>
+      </p:grpSpPr>
+      <p:sp>
+        <p:nvSpPr>
+          <p:cNvPr id="2" name="Title 1">
+            <a:extLst>
+              <a:ext uri="{FF2B5EF4-FFF2-40B4-BE49-F238E27FC236}">
+                <a16:creationId xmlns:a16="http://schemas.microsoft.com/office/drawing/2014/main" id="{44DBCF65-81D9-F543-ACE8-4FDCA4590571}"/>
+              </a:ext>
+            </a:extLst>
+          </p:cNvPr>
+          <p:cNvSpPr>
+            <a:spLocks noGrp="1"/>
+          </p:cNvSpPr>
+          <p:nvPr>
+            <p:ph type="title"/>
+          </p:nvPr>
+        </p:nvSpPr>
+        <p:spPr/>
+        <p:txBody>
+          <a:bodyPr/>
+          <a:lstStyle/>
+          <a:p>
+            <a:r>
+              <a:rPr lang="en-US" dirty="0"/>
               <a:t>Chapter 12</a:t>
             </a:r>
           </a:p>
@@ -4850,7 +5064,7 @@
 </p:sld>
 </file>
 
-<file path=ppt/slides/slide21.xml><?xml version="1.0" encoding="utf-8"?>
+<file path=ppt/slides/slide22.xml><?xml version="1.0" encoding="utf-8"?>
 <p:sld xmlns:a="http://schemas.openxmlformats.org/drawingml/2006/main" xmlns:r="http://schemas.openxmlformats.org/officeDocument/2006/relationships" xmlns:p="http://schemas.openxmlformats.org/presentationml/2006/main">
   <p:cSld>
     <p:spTree>
@@ -4952,7 +5166,7 @@
           <p:cNvPr id="2" name="Title 1">
             <a:extLst>
               <a:ext uri="{FF2B5EF4-FFF2-40B4-BE49-F238E27FC236}">
-                <a16:creationId xmlns:a16="http://schemas.microsoft.com/office/drawing/2014/main" id="{ED77F3CF-0A3E-0442-BA3E-0CF01C14F79D}"/>
+                <a16:creationId xmlns:a16="http://schemas.microsoft.com/office/drawing/2014/main" id="{5F2C578F-1A2D-8044-826D-BBA63371DC46}"/>
               </a:ext>
             </a:extLst>
           </p:cNvPr>
@@ -4970,7 +5184,7 @@
           <a:p>
             <a:r>
               <a:rPr lang="en-US" dirty="0"/>
-              <a:t>Complexity and Geographical Systems</a:t>
+              <a:t>Introduction</a:t>
             </a:r>
           </a:p>
         </p:txBody>
@@ -4980,7 +5194,7 @@
           <p:cNvPr id="3" name="Content Placeholder 2">
             <a:extLst>
               <a:ext uri="{FF2B5EF4-FFF2-40B4-BE49-F238E27FC236}">
-                <a16:creationId xmlns:a16="http://schemas.microsoft.com/office/drawing/2014/main" id="{357C2B33-EF55-9C4E-B0B4-0770AB5DF337}"/>
+                <a16:creationId xmlns:a16="http://schemas.microsoft.com/office/drawing/2014/main" id="{50F900AC-8ACD-6646-9D46-F69F5E911AD1}"/>
               </a:ext>
             </a:extLst>
           </p:cNvPr>
@@ -5003,7 +5217,7 @@
     </p:spTree>
     <p:extLst>
       <p:ext uri="{BB962C8B-B14F-4D97-AF65-F5344CB8AC3E}">
-        <p14:creationId xmlns:p14="http://schemas.microsoft.com/office/powerpoint/2010/main" val="3977527919"/>
+        <p14:creationId xmlns:p14="http://schemas.microsoft.com/office/powerpoint/2010/main" val="354395236"/>
       </p:ext>
     </p:extLst>
   </p:cSld>
@@ -5035,7 +5249,7 @@
           <p:cNvPr id="2" name="Title 1">
             <a:extLst>
               <a:ext uri="{FF2B5EF4-FFF2-40B4-BE49-F238E27FC236}">
-                <a16:creationId xmlns:a16="http://schemas.microsoft.com/office/drawing/2014/main" id="{78EA5195-474D-7749-B96E-8F6E771BE316}"/>
+                <a16:creationId xmlns:a16="http://schemas.microsoft.com/office/drawing/2014/main" id="{ED77F3CF-0A3E-0442-BA3E-0CF01C14F79D}"/>
               </a:ext>
             </a:extLst>
           </p:cNvPr>
@@ -5053,80 +5267,40 @@
           <a:p>
             <a:r>
               <a:rPr lang="en-US" dirty="0"/>
-              <a:t>Hierarchies and Interactions</a:t>
-            </a:r>
-          </a:p>
-        </p:txBody>
-      </p:sp>
-      <p:pic>
-        <p:nvPicPr>
-          <p:cNvPr id="5" name="Content Placeholder 4">
-            <a:extLst>
-              <a:ext uri="{FF2B5EF4-FFF2-40B4-BE49-F238E27FC236}">
-                <a16:creationId xmlns:a16="http://schemas.microsoft.com/office/drawing/2014/main" id="{F6E239E3-78F6-1646-A80B-044DE94E46C1}"/>
-              </a:ext>
-            </a:extLst>
-          </p:cNvPr>
-          <p:cNvPicPr>
-            <a:picLocks noGrp="1" noChangeAspect="1"/>
-          </p:cNvPicPr>
+              <a:t>Complexity and Geographical Systems</a:t>
+            </a:r>
+          </a:p>
+        </p:txBody>
+      </p:sp>
+      <p:sp>
+        <p:nvSpPr>
+          <p:cNvPr id="3" name="Content Placeholder 2">
+            <a:extLst>
+              <a:ext uri="{FF2B5EF4-FFF2-40B4-BE49-F238E27FC236}">
+                <a16:creationId xmlns:a16="http://schemas.microsoft.com/office/drawing/2014/main" id="{357C2B33-EF55-9C4E-B0B4-0770AB5DF337}"/>
+              </a:ext>
+            </a:extLst>
+          </p:cNvPr>
+          <p:cNvSpPr>
+            <a:spLocks noGrp="1"/>
+          </p:cNvSpPr>
           <p:nvPr>
             <p:ph idx="1"/>
           </p:nvPr>
-        </p:nvPicPr>
-        <p:blipFill>
-          <a:blip r:embed="rId2"/>
-          <a:stretch>
-            <a:fillRect/>
-          </a:stretch>
-        </p:blipFill>
-        <p:spPr>
-          <a:xfrm>
-            <a:off x="1545334" y="1385888"/>
-            <a:ext cx="9101332" cy="4523845"/>
-          </a:xfrm>
-        </p:spPr>
-      </p:pic>
-      <p:sp>
-        <p:nvSpPr>
-          <p:cNvPr id="6" name="TextBox 5">
-            <a:extLst>
-              <a:ext uri="{FF2B5EF4-FFF2-40B4-BE49-F238E27FC236}">
-                <a16:creationId xmlns:a16="http://schemas.microsoft.com/office/drawing/2014/main" id="{D8693116-0B76-FF4C-8A14-9B0ED549A46F}"/>
-              </a:ext>
-            </a:extLst>
-          </p:cNvPr>
-          <p:cNvSpPr txBox="1"/>
-          <p:nvPr/>
-        </p:nvSpPr>
-        <p:spPr>
-          <a:xfrm>
-            <a:off x="639179" y="6214533"/>
-            <a:ext cx="10511422" cy="646331"/>
-          </a:xfrm>
-          <a:prstGeom prst="rect">
-            <a:avLst/>
-          </a:prstGeom>
-          <a:noFill/>
-        </p:spPr>
-        <p:txBody>
-          <a:bodyPr wrap="square" rtlCol="0">
-            <a:spAutoFit/>
-          </a:bodyPr>
-          <a:lstStyle/>
-          <a:p>
-            <a:pPr algn="ctr"/>
-            <a:r>
-              <a:rPr lang="en-US" dirty="0"/>
-              <a:t>A simple hierarchical structure of a city composed of multiple neighborhoods which form a hierarchy at the more macro level but also have interactions (e.g. commuter flows) amongst each other.</a:t>
-            </a:r>
+        </p:nvSpPr>
+        <p:spPr/>
+        <p:txBody>
+          <a:bodyPr/>
+          <a:lstStyle/>
+          <a:p>
+            <a:endParaRPr lang="en-US"/>
           </a:p>
         </p:txBody>
       </p:sp>
     </p:spTree>
     <p:extLst>
       <p:ext uri="{BB962C8B-B14F-4D97-AF65-F5344CB8AC3E}">
-        <p14:creationId xmlns:p14="http://schemas.microsoft.com/office/powerpoint/2010/main" val="2706271620"/>
+        <p14:creationId xmlns:p14="http://schemas.microsoft.com/office/powerpoint/2010/main" val="3977527919"/>
       </p:ext>
     </p:extLst>
   </p:cSld>
@@ -5158,7 +5332,7 @@
           <p:cNvPr id="2" name="Title 1">
             <a:extLst>
               <a:ext uri="{FF2B5EF4-FFF2-40B4-BE49-F238E27FC236}">
-                <a16:creationId xmlns:a16="http://schemas.microsoft.com/office/drawing/2014/main" id="{8377D8A1-F200-4F49-8BC0-320B95D62D2D}"/>
+                <a16:creationId xmlns:a16="http://schemas.microsoft.com/office/drawing/2014/main" id="{78EA5195-474D-7749-B96E-8F6E771BE316}"/>
               </a:ext>
             </a:extLst>
           </p:cNvPr>
@@ -5176,40 +5350,80 @@
           <a:p>
             <a:r>
               <a:rPr lang="en-US" dirty="0"/>
-              <a:t>Models</a:t>
-            </a:r>
-          </a:p>
-        </p:txBody>
-      </p:sp>
-      <p:sp>
-        <p:nvSpPr>
-          <p:cNvPr id="3" name="Content Placeholder 2">
-            <a:extLst>
-              <a:ext uri="{FF2B5EF4-FFF2-40B4-BE49-F238E27FC236}">
-                <a16:creationId xmlns:a16="http://schemas.microsoft.com/office/drawing/2014/main" id="{03A2E2E8-4E36-8243-80BD-0AB4B3725BC2}"/>
-              </a:ext>
-            </a:extLst>
-          </p:cNvPr>
-          <p:cNvSpPr>
-            <a:spLocks noGrp="1"/>
-          </p:cNvSpPr>
+              <a:t>Hierarchies and Interactions</a:t>
+            </a:r>
+          </a:p>
+        </p:txBody>
+      </p:sp>
+      <p:pic>
+        <p:nvPicPr>
+          <p:cNvPr id="5" name="Content Placeholder 4">
+            <a:extLst>
+              <a:ext uri="{FF2B5EF4-FFF2-40B4-BE49-F238E27FC236}">
+                <a16:creationId xmlns:a16="http://schemas.microsoft.com/office/drawing/2014/main" id="{F6E239E3-78F6-1646-A80B-044DE94E46C1}"/>
+              </a:ext>
+            </a:extLst>
+          </p:cNvPr>
+          <p:cNvPicPr>
+            <a:picLocks noGrp="1" noChangeAspect="1"/>
+          </p:cNvPicPr>
           <p:nvPr>
             <p:ph idx="1"/>
           </p:nvPr>
-        </p:nvSpPr>
-        <p:spPr/>
-        <p:txBody>
-          <a:bodyPr/>
-          <a:lstStyle/>
-          <a:p>
-            <a:endParaRPr lang="en-US"/>
+        </p:nvPicPr>
+        <p:blipFill>
+          <a:blip r:embed="rId2"/>
+          <a:stretch>
+            <a:fillRect/>
+          </a:stretch>
+        </p:blipFill>
+        <p:spPr>
+          <a:xfrm>
+            <a:off x="1545334" y="1385888"/>
+            <a:ext cx="9101332" cy="4523845"/>
+          </a:xfrm>
+        </p:spPr>
+      </p:pic>
+      <p:sp>
+        <p:nvSpPr>
+          <p:cNvPr id="6" name="TextBox 5">
+            <a:extLst>
+              <a:ext uri="{FF2B5EF4-FFF2-40B4-BE49-F238E27FC236}">
+                <a16:creationId xmlns:a16="http://schemas.microsoft.com/office/drawing/2014/main" id="{D8693116-0B76-FF4C-8A14-9B0ED549A46F}"/>
+              </a:ext>
+            </a:extLst>
+          </p:cNvPr>
+          <p:cNvSpPr txBox="1"/>
+          <p:nvPr/>
+        </p:nvSpPr>
+        <p:spPr>
+          <a:xfrm>
+            <a:off x="639179" y="6214533"/>
+            <a:ext cx="10511422" cy="646331"/>
+          </a:xfrm>
+          <a:prstGeom prst="rect">
+            <a:avLst/>
+          </a:prstGeom>
+          <a:noFill/>
+        </p:spPr>
+        <p:txBody>
+          <a:bodyPr wrap="square" rtlCol="0">
+            <a:spAutoFit/>
+          </a:bodyPr>
+          <a:lstStyle/>
+          <a:p>
+            <a:pPr algn="ctr"/>
+            <a:r>
+              <a:rPr lang="en-US" dirty="0"/>
+              <a:t>A simple hierarchical structure of a city composed of multiple neighborhoods which form a hierarchy at the more macro level but also have interactions (e.g. commuter flows) amongst each other.</a:t>
+            </a:r>
           </a:p>
         </p:txBody>
       </p:sp>
     </p:spTree>
     <p:extLst>
       <p:ext uri="{BB962C8B-B14F-4D97-AF65-F5344CB8AC3E}">
-        <p14:creationId xmlns:p14="http://schemas.microsoft.com/office/powerpoint/2010/main" val="423011969"/>
+        <p14:creationId xmlns:p14="http://schemas.microsoft.com/office/powerpoint/2010/main" val="2706271620"/>
       </p:ext>
     </p:extLst>
   </p:cSld>
@@ -5241,7 +5455,7 @@
           <p:cNvPr id="2" name="Title 1">
             <a:extLst>
               <a:ext uri="{FF2B5EF4-FFF2-40B4-BE49-F238E27FC236}">
-                <a16:creationId xmlns:a16="http://schemas.microsoft.com/office/drawing/2014/main" id="{00482221-EB08-0D43-8602-A8378C761137}"/>
+                <a16:creationId xmlns:a16="http://schemas.microsoft.com/office/drawing/2014/main" id="{8377D8A1-F200-4F49-8BC0-320B95D62D2D}"/>
               </a:ext>
             </a:extLst>
           </p:cNvPr>
@@ -5259,7 +5473,7 @@
           <a:p>
             <a:r>
               <a:rPr lang="en-US" dirty="0"/>
-              <a:t>Data</a:t>
+              <a:t>Models</a:t>
             </a:r>
           </a:p>
         </p:txBody>
@@ -5269,7 +5483,7 @@
           <p:cNvPr id="3" name="Content Placeholder 2">
             <a:extLst>
               <a:ext uri="{FF2B5EF4-FFF2-40B4-BE49-F238E27FC236}">
-                <a16:creationId xmlns:a16="http://schemas.microsoft.com/office/drawing/2014/main" id="{9B9523B5-02E0-BC45-8ECF-CE43AC174AAF}"/>
+                <a16:creationId xmlns:a16="http://schemas.microsoft.com/office/drawing/2014/main" id="{03A2E2E8-4E36-8243-80BD-0AB4B3725BC2}"/>
               </a:ext>
             </a:extLst>
           </p:cNvPr>
@@ -5292,7 +5506,7 @@
     </p:spTree>
     <p:extLst>
       <p:ext uri="{BB962C8B-B14F-4D97-AF65-F5344CB8AC3E}">
-        <p14:creationId xmlns:p14="http://schemas.microsoft.com/office/powerpoint/2010/main" val="2981430234"/>
+        <p14:creationId xmlns:p14="http://schemas.microsoft.com/office/powerpoint/2010/main" val="423011969"/>
       </p:ext>
     </p:extLst>
   </p:cSld>
@@ -5324,7 +5538,7 @@
           <p:cNvPr id="2" name="Title 1">
             <a:extLst>
               <a:ext uri="{FF2B5EF4-FFF2-40B4-BE49-F238E27FC236}">
-                <a16:creationId xmlns:a16="http://schemas.microsoft.com/office/drawing/2014/main" id="{2192C095-009A-A842-8819-9A741C44E152}"/>
+                <a16:creationId xmlns:a16="http://schemas.microsoft.com/office/drawing/2014/main" id="{00482221-EB08-0D43-8602-A8378C761137}"/>
               </a:ext>
             </a:extLst>
           </p:cNvPr>
@@ -5342,7 +5556,7 @@
           <a:p>
             <a:r>
               <a:rPr lang="en-US" dirty="0"/>
-              <a:t>Individuals</a:t>
+              <a:t>Data</a:t>
             </a:r>
           </a:p>
         </p:txBody>
@@ -5352,7 +5566,7 @@
           <p:cNvPr id="3" name="Content Placeholder 2">
             <a:extLst>
               <a:ext uri="{FF2B5EF4-FFF2-40B4-BE49-F238E27FC236}">
-                <a16:creationId xmlns:a16="http://schemas.microsoft.com/office/drawing/2014/main" id="{DCE71009-9ECA-E944-A0EE-A693020701EA}"/>
+                <a16:creationId xmlns:a16="http://schemas.microsoft.com/office/drawing/2014/main" id="{9B9523B5-02E0-BC45-8ECF-CE43AC174AAF}"/>
               </a:ext>
             </a:extLst>
           </p:cNvPr>
@@ -5375,7 +5589,7 @@
     </p:spTree>
     <p:extLst>
       <p:ext uri="{BB962C8B-B14F-4D97-AF65-F5344CB8AC3E}">
-        <p14:creationId xmlns:p14="http://schemas.microsoft.com/office/powerpoint/2010/main" val="2920868267"/>
+        <p14:creationId xmlns:p14="http://schemas.microsoft.com/office/powerpoint/2010/main" val="2981430234"/>
       </p:ext>
     </p:extLst>
   </p:cSld>
@@ -5407,7 +5621,7 @@
           <p:cNvPr id="2" name="Title 1">
             <a:extLst>
               <a:ext uri="{FF2B5EF4-FFF2-40B4-BE49-F238E27FC236}">
-                <a16:creationId xmlns:a16="http://schemas.microsoft.com/office/drawing/2014/main" id="{FA54AEAF-BEFD-9C41-BCE5-2E0666D11E5A}"/>
+                <a16:creationId xmlns:a16="http://schemas.microsoft.com/office/drawing/2014/main" id="{2192C095-009A-A842-8819-9A741C44E152}"/>
               </a:ext>
             </a:extLst>
           </p:cNvPr>
@@ -5420,14 +5634,12 @@
         </p:nvSpPr>
         <p:spPr/>
         <p:txBody>
-          <a:bodyPr>
-            <a:normAutofit/>
-          </a:bodyPr>
+          <a:bodyPr/>
           <a:lstStyle/>
           <a:p>
             <a:r>
               <a:rPr lang="en-US" dirty="0"/>
-              <a:t>Agent-based Modelling and Geographical Information Systems</a:t>
+              <a:t>Individuals</a:t>
             </a:r>
           </a:p>
         </p:txBody>
@@ -5437,7 +5649,7 @@
           <p:cNvPr id="3" name="Content Placeholder 2">
             <a:extLst>
               <a:ext uri="{FF2B5EF4-FFF2-40B4-BE49-F238E27FC236}">
-                <a16:creationId xmlns:a16="http://schemas.microsoft.com/office/drawing/2014/main" id="{0D016066-F1D5-9248-94D3-8696D55A23AD}"/>
+                <a16:creationId xmlns:a16="http://schemas.microsoft.com/office/drawing/2014/main" id="{DCE71009-9ECA-E944-A0EE-A693020701EA}"/>
               </a:ext>
             </a:extLst>
           </p:cNvPr>
@@ -5460,7 +5672,7 @@
     </p:spTree>
     <p:extLst>
       <p:ext uri="{BB962C8B-B14F-4D97-AF65-F5344CB8AC3E}">
-        <p14:creationId xmlns:p14="http://schemas.microsoft.com/office/powerpoint/2010/main" val="1193397725"/>
+        <p14:creationId xmlns:p14="http://schemas.microsoft.com/office/powerpoint/2010/main" val="2920868267"/>
       </p:ext>
     </p:extLst>
   </p:cSld>
@@ -5492,7 +5704,7 @@
           <p:cNvPr id="2" name="Title 1">
             <a:extLst>
               <a:ext uri="{FF2B5EF4-FFF2-40B4-BE49-F238E27FC236}">
-                <a16:creationId xmlns:a16="http://schemas.microsoft.com/office/drawing/2014/main" id="{EFFCB8E3-A856-414A-99C3-2530A5D76BA5}"/>
+                <a16:creationId xmlns:a16="http://schemas.microsoft.com/office/drawing/2014/main" id="{FA54AEAF-BEFD-9C41-BCE5-2E0666D11E5A}"/>
               </a:ext>
             </a:extLst>
           </p:cNvPr>
@@ -5505,12 +5717,14 @@
         </p:nvSpPr>
         <p:spPr/>
         <p:txBody>
-          <a:bodyPr/>
+          <a:bodyPr>
+            <a:normAutofit/>
+          </a:bodyPr>
           <a:lstStyle/>
           <a:p>
             <a:r>
               <a:rPr lang="en-US" dirty="0"/>
-              <a:t>Book Outline</a:t>
+              <a:t>Agent-based Modelling and Geographical Information Systems</a:t>
             </a:r>
           </a:p>
         </p:txBody>
@@ -5520,7 +5734,7 @@
           <p:cNvPr id="3" name="Content Placeholder 2">
             <a:extLst>
               <a:ext uri="{FF2B5EF4-FFF2-40B4-BE49-F238E27FC236}">
-                <a16:creationId xmlns:a16="http://schemas.microsoft.com/office/drawing/2014/main" id="{499C4B66-57FA-994D-8A41-B7303CD87180}"/>
+                <a16:creationId xmlns:a16="http://schemas.microsoft.com/office/drawing/2014/main" id="{0D016066-F1D5-9248-94D3-8696D55A23AD}"/>
               </a:ext>
             </a:extLst>
           </p:cNvPr>
@@ -5543,7 +5757,7 @@
     </p:spTree>
     <p:extLst>
       <p:ext uri="{BB962C8B-B14F-4D97-AF65-F5344CB8AC3E}">
-        <p14:creationId xmlns:p14="http://schemas.microsoft.com/office/powerpoint/2010/main" val="1131028588"/>
+        <p14:creationId xmlns:p14="http://schemas.microsoft.com/office/powerpoint/2010/main" val="1193397725"/>
       </p:ext>
     </p:extLst>
   </p:cSld>

--- a/Chapter01-ABMGIS/Chapter1.pptx
+++ b/Chapter01-ABMGIS/Chapter1.pptx
@@ -218,7 +218,7 @@
           <a:p>
             <a:fld id="{BBBA8BB5-096B-E445-85A8-4DACD3562D41}" type="datetimeFigureOut">
               <a:rPr lang="en-US" smtClean="0"/>
-              <a:t>11/2/18</a:t>
+              <a:t>11/6/18</a:t>
             </a:fld>
             <a:endParaRPr lang="en-US"/>
           </a:p>
@@ -722,7 +722,7 @@
           <a:p>
             <a:fld id="{53326AB7-C146-8643-AC32-1D896C71A7F3}" type="datetimeFigureOut">
               <a:rPr lang="en-US" smtClean="0"/>
-              <a:t>11/2/18</a:t>
+              <a:t>11/6/18</a:t>
             </a:fld>
             <a:endParaRPr lang="en-US"/>
           </a:p>
@@ -920,7 +920,7 @@
           <a:p>
             <a:fld id="{53326AB7-C146-8643-AC32-1D896C71A7F3}" type="datetimeFigureOut">
               <a:rPr lang="en-US" smtClean="0"/>
-              <a:t>11/2/18</a:t>
+              <a:t>11/6/18</a:t>
             </a:fld>
             <a:endParaRPr lang="en-US"/>
           </a:p>
@@ -1128,7 +1128,7 @@
           <a:p>
             <a:fld id="{53326AB7-C146-8643-AC32-1D896C71A7F3}" type="datetimeFigureOut">
               <a:rPr lang="en-US" smtClean="0"/>
-              <a:t>11/2/18</a:t>
+              <a:t>11/6/18</a:t>
             </a:fld>
             <a:endParaRPr lang="en-US"/>
           </a:p>
@@ -1326,7 +1326,7 @@
           <a:p>
             <a:fld id="{53326AB7-C146-8643-AC32-1D896C71A7F3}" type="datetimeFigureOut">
               <a:rPr lang="en-US" smtClean="0"/>
-              <a:t>11/2/18</a:t>
+              <a:t>11/6/18</a:t>
             </a:fld>
             <a:endParaRPr lang="en-US"/>
           </a:p>
@@ -1601,7 +1601,7 @@
           <a:p>
             <a:fld id="{53326AB7-C146-8643-AC32-1D896C71A7F3}" type="datetimeFigureOut">
               <a:rPr lang="en-US" smtClean="0"/>
-              <a:t>11/2/18</a:t>
+              <a:t>11/6/18</a:t>
             </a:fld>
             <a:endParaRPr lang="en-US"/>
           </a:p>
@@ -1866,7 +1866,7 @@
           <a:p>
             <a:fld id="{53326AB7-C146-8643-AC32-1D896C71A7F3}" type="datetimeFigureOut">
               <a:rPr lang="en-US" smtClean="0"/>
-              <a:t>11/2/18</a:t>
+              <a:t>11/6/18</a:t>
             </a:fld>
             <a:endParaRPr lang="en-US"/>
           </a:p>
@@ -2278,7 +2278,7 @@
           <a:p>
             <a:fld id="{53326AB7-C146-8643-AC32-1D896C71A7F3}" type="datetimeFigureOut">
               <a:rPr lang="en-US" smtClean="0"/>
-              <a:t>11/2/18</a:t>
+              <a:t>11/6/18</a:t>
             </a:fld>
             <a:endParaRPr lang="en-US"/>
           </a:p>
@@ -2419,7 +2419,7 @@
           <a:p>
             <a:fld id="{53326AB7-C146-8643-AC32-1D896C71A7F3}" type="datetimeFigureOut">
               <a:rPr lang="en-US" smtClean="0"/>
-              <a:t>11/2/18</a:t>
+              <a:t>11/6/18</a:t>
             </a:fld>
             <a:endParaRPr lang="en-US"/>
           </a:p>
@@ -2532,7 +2532,7 @@
           <a:p>
             <a:fld id="{53326AB7-C146-8643-AC32-1D896C71A7F3}" type="datetimeFigureOut">
               <a:rPr lang="en-US" smtClean="0"/>
-              <a:t>11/2/18</a:t>
+              <a:t>11/6/18</a:t>
             </a:fld>
             <a:endParaRPr lang="en-US"/>
           </a:p>
@@ -2843,7 +2843,7 @@
           <a:p>
             <a:fld id="{53326AB7-C146-8643-AC32-1D896C71A7F3}" type="datetimeFigureOut">
               <a:rPr lang="en-US" smtClean="0"/>
-              <a:t>11/2/18</a:t>
+              <a:t>11/6/18</a:t>
             </a:fld>
             <a:endParaRPr lang="en-US"/>
           </a:p>
@@ -3131,7 +3131,7 @@
           <a:p>
             <a:fld id="{53326AB7-C146-8643-AC32-1D896C71A7F3}" type="datetimeFigureOut">
               <a:rPr lang="en-US" smtClean="0"/>
-              <a:t>11/2/18</a:t>
+              <a:t>11/6/18</a:t>
             </a:fld>
             <a:endParaRPr lang="en-US"/>
           </a:p>
@@ -3372,7 +3372,7 @@
           <a:p>
             <a:fld id="{53326AB7-C146-8643-AC32-1D896C71A7F3}" type="datetimeFigureOut">
               <a:rPr lang="en-US" smtClean="0"/>
-              <a:t>11/2/18</a:t>
+              <a:t>11/6/18</a:t>
             </a:fld>
             <a:endParaRPr lang="en-US"/>
           </a:p>
@@ -4881,7 +4881,17 @@
           <a:bodyPr/>
           <a:lstStyle/>
           <a:p>
-            <a:endParaRPr lang="en-US"/>
+            <a:r>
+              <a:rPr lang="en-US" dirty="0"/>
+              <a:t>Provide contextual background and general overview of the major developments in geographical modelling for the simulation of </a:t>
+            </a:r>
+            <a:r>
+              <a:rPr lang="en-US"/>
+              <a:t>the individual</a:t>
+            </a:r>
+          </a:p>
+          <a:p>
+            <a:endParaRPr lang="en-US" dirty="0"/>
           </a:p>
         </p:txBody>
       </p:sp>

--- a/Chapter01-ABMGIS/Chapter1.pptx
+++ b/Chapter01-ABMGIS/Chapter1.pptx
@@ -5,7 +5,7 @@
     <p:sldMasterId id="2147483648" r:id="rId1"/>
   </p:sldMasterIdLst>
   <p:notesMasterIdLst>
-    <p:notesMasterId r:id="rId24"/>
+    <p:notesMasterId r:id="rId35"/>
   </p:notesMasterIdLst>
   <p:sldIdLst>
     <p:sldId id="256" r:id="rId2"/>
@@ -13,23 +13,34 @@
     <p:sldId id="271" r:id="rId4"/>
     <p:sldId id="272" r:id="rId5"/>
     <p:sldId id="257" r:id="rId6"/>
-    <p:sldId id="273" r:id="rId7"/>
-    <p:sldId id="274" r:id="rId8"/>
-    <p:sldId id="275" r:id="rId9"/>
-    <p:sldId id="276" r:id="rId10"/>
-    <p:sldId id="258" r:id="rId11"/>
-    <p:sldId id="259" r:id="rId12"/>
-    <p:sldId id="261" r:id="rId13"/>
-    <p:sldId id="262" r:id="rId14"/>
-    <p:sldId id="263" r:id="rId15"/>
-    <p:sldId id="264" r:id="rId16"/>
-    <p:sldId id="265" r:id="rId17"/>
-    <p:sldId id="266" r:id="rId18"/>
-    <p:sldId id="267" r:id="rId19"/>
-    <p:sldId id="268" r:id="rId20"/>
-    <p:sldId id="269" r:id="rId21"/>
-    <p:sldId id="270" r:id="rId22"/>
-    <p:sldId id="260" r:id="rId23"/>
+    <p:sldId id="296" r:id="rId7"/>
+    <p:sldId id="273" r:id="rId8"/>
+    <p:sldId id="274" r:id="rId9"/>
+    <p:sldId id="275" r:id="rId10"/>
+    <p:sldId id="278" r:id="rId11"/>
+    <p:sldId id="258" r:id="rId12"/>
+    <p:sldId id="259" r:id="rId13"/>
+    <p:sldId id="286" r:id="rId14"/>
+    <p:sldId id="261" r:id="rId15"/>
+    <p:sldId id="287" r:id="rId16"/>
+    <p:sldId id="262" r:id="rId17"/>
+    <p:sldId id="288" r:id="rId18"/>
+    <p:sldId id="263" r:id="rId19"/>
+    <p:sldId id="289" r:id="rId20"/>
+    <p:sldId id="264" r:id="rId21"/>
+    <p:sldId id="290" r:id="rId22"/>
+    <p:sldId id="265" r:id="rId23"/>
+    <p:sldId id="291" r:id="rId24"/>
+    <p:sldId id="266" r:id="rId25"/>
+    <p:sldId id="267" r:id="rId26"/>
+    <p:sldId id="292" r:id="rId27"/>
+    <p:sldId id="268" r:id="rId28"/>
+    <p:sldId id="293" r:id="rId29"/>
+    <p:sldId id="269" r:id="rId30"/>
+    <p:sldId id="294" r:id="rId31"/>
+    <p:sldId id="270" r:id="rId32"/>
+    <p:sldId id="295" r:id="rId33"/>
+    <p:sldId id="260" r:id="rId34"/>
   </p:sldIdLst>
   <p:sldSz cx="12192000" cy="6858000"/>
   <p:notesSz cx="6858000" cy="9144000"/>
@@ -218,7 +229,7 @@
           <a:p>
             <a:fld id="{BBBA8BB5-096B-E445-85A8-4DACD3562D41}" type="datetimeFigureOut">
               <a:rPr lang="en-US" smtClean="0"/>
-              <a:t>11/6/18</a:t>
+              <a:t>11/8/18</a:t>
             </a:fld>
             <a:endParaRPr lang="en-US"/>
           </a:p>
@@ -575,6 +586,2350 @@
 </p:notes>
 </file>
 
+<file path=ppt/notesSlides/notesSlide10.xml><?xml version="1.0" encoding="utf-8"?>
+<p:notes xmlns:a="http://schemas.openxmlformats.org/drawingml/2006/main" xmlns:r="http://schemas.openxmlformats.org/officeDocument/2006/relationships" xmlns:p="http://schemas.openxmlformats.org/presentationml/2006/main">
+  <p:cSld>
+    <p:spTree>
+      <p:nvGrpSpPr>
+        <p:cNvPr id="1" name=""/>
+        <p:cNvGrpSpPr/>
+        <p:nvPr/>
+      </p:nvGrpSpPr>
+      <p:grpSpPr>
+        <a:xfrm>
+          <a:off x="0" y="0"/>
+          <a:ext cx="0" cy="0"/>
+          <a:chOff x="0" y="0"/>
+          <a:chExt cx="0" cy="0"/>
+        </a:xfrm>
+      </p:grpSpPr>
+      <p:sp>
+        <p:nvSpPr>
+          <p:cNvPr id="2" name="Slide Image Placeholder 1"/>
+          <p:cNvSpPr>
+            <a:spLocks noGrp="1" noRot="1" noChangeAspect="1"/>
+          </p:cNvSpPr>
+          <p:nvPr>
+            <p:ph type="sldImg"/>
+          </p:nvPr>
+        </p:nvSpPr>
+        <p:spPr/>
+      </p:sp>
+      <p:sp>
+        <p:nvSpPr>
+          <p:cNvPr id="3" name="Notes Placeholder 2"/>
+          <p:cNvSpPr>
+            <a:spLocks noGrp="1"/>
+          </p:cNvSpPr>
+          <p:nvPr>
+            <p:ph type="body" idx="1"/>
+          </p:nvPr>
+        </p:nvSpPr>
+        <p:spPr/>
+        <p:txBody>
+          <a:bodyPr/>
+          <a:lstStyle/>
+          <a:p>
+            <a:pPr marL="0" marR="0" lvl="0" indent="0" algn="l" defTabSz="914400" rtl="0" eaLnBrk="1" fontAlgn="auto" latinLnBrk="0" hangingPunct="1">
+              <a:lnSpc>
+                <a:spcPct val="100000"/>
+              </a:lnSpc>
+              <a:spcBef>
+                <a:spcPts val="0"/>
+              </a:spcBef>
+              <a:spcAft>
+                <a:spcPts val="0"/>
+              </a:spcAft>
+              <a:buClrTx/>
+              <a:buSzTx/>
+              <a:buFontTx/>
+              <a:buNone/>
+              <a:tabLst/>
+              <a:defRPr/>
+            </a:pPr>
+            <a:r>
+              <a:rPr lang="en-US" dirty="0"/>
+              <a:t>This chapter presents the main concepts and terminology that students are required to understand geographical information systems. The main data types are presented, along with a discussion of relevant issues such as accuracy and precision. A brief overview of the development of GIS is given along with a </a:t>
+            </a:r>
+            <a:r>
+              <a:rPr lang="en-US" dirty="0" err="1"/>
+              <a:t>flavour</a:t>
+            </a:r>
+            <a:r>
+              <a:rPr lang="en-US" dirty="0"/>
+              <a:t> of the main software available. Using QGIS, we demonstrate how to prepare and manipulate some example GIS data. Where appropriate, we highlight the main issues that need to be considered when using a GIS and agent-based modelling.</a:t>
+            </a:r>
+          </a:p>
+          <a:p>
+            <a:endParaRPr lang="en-US" dirty="0"/>
+          </a:p>
+        </p:txBody>
+      </p:sp>
+      <p:sp>
+        <p:nvSpPr>
+          <p:cNvPr id="4" name="Slide Number Placeholder 3"/>
+          <p:cNvSpPr>
+            <a:spLocks noGrp="1"/>
+          </p:cNvSpPr>
+          <p:nvPr>
+            <p:ph type="sldNum" sz="quarter" idx="5"/>
+          </p:nvPr>
+        </p:nvSpPr>
+        <p:spPr/>
+        <p:txBody>
+          <a:bodyPr/>
+          <a:lstStyle/>
+          <a:p>
+            <a:fld id="{84AB11BC-0202-DE4D-9167-A0B0F1A6BEFB}" type="slidenum">
+              <a:rPr lang="en-US" smtClean="0"/>
+              <a:t>18</a:t>
+            </a:fld>
+            <a:endParaRPr lang="en-US"/>
+          </a:p>
+        </p:txBody>
+      </p:sp>
+    </p:spTree>
+    <p:extLst>
+      <p:ext uri="{BB962C8B-B14F-4D97-AF65-F5344CB8AC3E}">
+        <p14:creationId xmlns:p14="http://schemas.microsoft.com/office/powerpoint/2010/main" val="762136650"/>
+      </p:ext>
+    </p:extLst>
+  </p:cSld>
+  <p:clrMapOvr>
+    <a:masterClrMapping/>
+  </p:clrMapOvr>
+</p:notes>
+</file>
+
+<file path=ppt/notesSlides/notesSlide11.xml><?xml version="1.0" encoding="utf-8"?>
+<p:notes xmlns:a="http://schemas.openxmlformats.org/drawingml/2006/main" xmlns:r="http://schemas.openxmlformats.org/officeDocument/2006/relationships" xmlns:p="http://schemas.openxmlformats.org/presentationml/2006/main">
+  <p:cSld>
+    <p:spTree>
+      <p:nvGrpSpPr>
+        <p:cNvPr id="1" name=""/>
+        <p:cNvGrpSpPr/>
+        <p:nvPr/>
+      </p:nvGrpSpPr>
+      <p:grpSpPr>
+        <a:xfrm>
+          <a:off x="0" y="0"/>
+          <a:ext cx="0" cy="0"/>
+          <a:chOff x="0" y="0"/>
+          <a:chExt cx="0" cy="0"/>
+        </a:xfrm>
+      </p:grpSpPr>
+      <p:sp>
+        <p:nvSpPr>
+          <p:cNvPr id="2" name="Slide Image Placeholder 1"/>
+          <p:cNvSpPr>
+            <a:spLocks noGrp="1" noRot="1" noChangeAspect="1"/>
+          </p:cNvSpPr>
+          <p:nvPr>
+            <p:ph type="sldImg"/>
+          </p:nvPr>
+        </p:nvSpPr>
+        <p:spPr/>
+      </p:sp>
+      <p:sp>
+        <p:nvSpPr>
+          <p:cNvPr id="3" name="Notes Placeholder 2"/>
+          <p:cNvSpPr>
+            <a:spLocks noGrp="1"/>
+          </p:cNvSpPr>
+          <p:nvPr>
+            <p:ph type="body" idx="1"/>
+          </p:nvPr>
+        </p:nvSpPr>
+        <p:spPr/>
+        <p:txBody>
+          <a:bodyPr/>
+          <a:lstStyle/>
+          <a:p>
+            <a:endParaRPr lang="en-US" dirty="0"/>
+          </a:p>
+        </p:txBody>
+      </p:sp>
+      <p:sp>
+        <p:nvSpPr>
+          <p:cNvPr id="4" name="Slide Number Placeholder 3"/>
+          <p:cNvSpPr>
+            <a:spLocks noGrp="1"/>
+          </p:cNvSpPr>
+          <p:nvPr>
+            <p:ph type="sldNum" sz="quarter" idx="5"/>
+          </p:nvPr>
+        </p:nvSpPr>
+        <p:spPr/>
+        <p:txBody>
+          <a:bodyPr/>
+          <a:lstStyle/>
+          <a:p>
+            <a:fld id="{84AB11BC-0202-DE4D-9167-A0B0F1A6BEFB}" type="slidenum">
+              <a:rPr lang="en-US" smtClean="0"/>
+              <a:t>19</a:t>
+            </a:fld>
+            <a:endParaRPr lang="en-US"/>
+          </a:p>
+        </p:txBody>
+      </p:sp>
+    </p:spTree>
+    <p:extLst>
+      <p:ext uri="{BB962C8B-B14F-4D97-AF65-F5344CB8AC3E}">
+        <p14:creationId xmlns:p14="http://schemas.microsoft.com/office/powerpoint/2010/main" val="4074806893"/>
+      </p:ext>
+    </p:extLst>
+  </p:cSld>
+  <p:clrMapOvr>
+    <a:masterClrMapping/>
+  </p:clrMapOvr>
+</p:notes>
+</file>
+
+<file path=ppt/notesSlides/notesSlide12.xml><?xml version="1.0" encoding="utf-8"?>
+<p:notes xmlns:a="http://schemas.openxmlformats.org/drawingml/2006/main" xmlns:r="http://schemas.openxmlformats.org/officeDocument/2006/relationships" xmlns:p="http://schemas.openxmlformats.org/presentationml/2006/main">
+  <p:cSld>
+    <p:spTree>
+      <p:nvGrpSpPr>
+        <p:cNvPr id="1" name=""/>
+        <p:cNvGrpSpPr/>
+        <p:nvPr/>
+      </p:nvGrpSpPr>
+      <p:grpSpPr>
+        <a:xfrm>
+          <a:off x="0" y="0"/>
+          <a:ext cx="0" cy="0"/>
+          <a:chOff x="0" y="0"/>
+          <a:chExt cx="0" cy="0"/>
+        </a:xfrm>
+      </p:grpSpPr>
+      <p:sp>
+        <p:nvSpPr>
+          <p:cNvPr id="2" name="Slide Image Placeholder 1"/>
+          <p:cNvSpPr>
+            <a:spLocks noGrp="1" noRot="1" noChangeAspect="1"/>
+          </p:cNvSpPr>
+          <p:nvPr>
+            <p:ph type="sldImg"/>
+          </p:nvPr>
+        </p:nvSpPr>
+        <p:spPr/>
+      </p:sp>
+      <p:sp>
+        <p:nvSpPr>
+          <p:cNvPr id="3" name="Notes Placeholder 2"/>
+          <p:cNvSpPr>
+            <a:spLocks noGrp="1"/>
+          </p:cNvSpPr>
+          <p:nvPr>
+            <p:ph type="body" idx="1"/>
+          </p:nvPr>
+        </p:nvSpPr>
+        <p:spPr/>
+        <p:txBody>
+          <a:bodyPr/>
+          <a:lstStyle/>
+          <a:p>
+            <a:pPr marL="0" marR="0" lvl="0" indent="0" algn="l" defTabSz="914400" rtl="0" eaLnBrk="1" fontAlgn="auto" latinLnBrk="0" hangingPunct="1">
+              <a:lnSpc>
+                <a:spcPct val="100000"/>
+              </a:lnSpc>
+              <a:spcBef>
+                <a:spcPts val="0"/>
+              </a:spcBef>
+              <a:spcAft>
+                <a:spcPts val="0"/>
+              </a:spcAft>
+              <a:buClrTx/>
+              <a:buSzTx/>
+              <a:buFontTx/>
+              <a:buNone/>
+              <a:tabLst/>
+              <a:defRPr/>
+            </a:pPr>
+            <a:r>
+              <a:rPr lang="en-US" dirty="0"/>
+              <a:t>Building on previous chapters outlining the fundamentals of GIS and agent-based modelling, what are the benefits to linking these approaches? How is this undertaken? This chapter will explain loose and tight coupling, critiquing the relative advantages and disadvantages of both. We present an overview of open source toolkits that can be used for the creation of geographically explicit agent-based models, before providing a critical look at where and how GIS and ABM should be combined, offering practical advice on best practice.</a:t>
+            </a:r>
+          </a:p>
+          <a:p>
+            <a:endParaRPr lang="en-US" dirty="0"/>
+          </a:p>
+        </p:txBody>
+      </p:sp>
+      <p:sp>
+        <p:nvSpPr>
+          <p:cNvPr id="4" name="Slide Number Placeholder 3"/>
+          <p:cNvSpPr>
+            <a:spLocks noGrp="1"/>
+          </p:cNvSpPr>
+          <p:nvPr>
+            <p:ph type="sldNum" sz="quarter" idx="5"/>
+          </p:nvPr>
+        </p:nvSpPr>
+        <p:spPr/>
+        <p:txBody>
+          <a:bodyPr/>
+          <a:lstStyle/>
+          <a:p>
+            <a:fld id="{84AB11BC-0202-DE4D-9167-A0B0F1A6BEFB}" type="slidenum">
+              <a:rPr lang="en-US" smtClean="0"/>
+              <a:t>20</a:t>
+            </a:fld>
+            <a:endParaRPr lang="en-US"/>
+          </a:p>
+        </p:txBody>
+      </p:sp>
+    </p:spTree>
+    <p:extLst>
+      <p:ext uri="{BB962C8B-B14F-4D97-AF65-F5344CB8AC3E}">
+        <p14:creationId xmlns:p14="http://schemas.microsoft.com/office/powerpoint/2010/main" val="2524925209"/>
+      </p:ext>
+    </p:extLst>
+  </p:cSld>
+  <p:clrMapOvr>
+    <a:masterClrMapping/>
+  </p:clrMapOvr>
+</p:notes>
+</file>
+
+<file path=ppt/notesSlides/notesSlide13.xml><?xml version="1.0" encoding="utf-8"?>
+<p:notes xmlns:a="http://schemas.openxmlformats.org/drawingml/2006/main" xmlns:r="http://schemas.openxmlformats.org/officeDocument/2006/relationships" xmlns:p="http://schemas.openxmlformats.org/presentationml/2006/main">
+  <p:cSld>
+    <p:spTree>
+      <p:nvGrpSpPr>
+        <p:cNvPr id="1" name=""/>
+        <p:cNvGrpSpPr/>
+        <p:nvPr/>
+      </p:nvGrpSpPr>
+      <p:grpSpPr>
+        <a:xfrm>
+          <a:off x="0" y="0"/>
+          <a:ext cx="0" cy="0"/>
+          <a:chOff x="0" y="0"/>
+          <a:chExt cx="0" cy="0"/>
+        </a:xfrm>
+      </p:grpSpPr>
+      <p:sp>
+        <p:nvSpPr>
+          <p:cNvPr id="2" name="Slide Image Placeholder 1"/>
+          <p:cNvSpPr>
+            <a:spLocks noGrp="1" noRot="1" noChangeAspect="1"/>
+          </p:cNvSpPr>
+          <p:nvPr>
+            <p:ph type="sldImg"/>
+          </p:nvPr>
+        </p:nvSpPr>
+        <p:spPr/>
+      </p:sp>
+      <p:sp>
+        <p:nvSpPr>
+          <p:cNvPr id="3" name="Notes Placeholder 2"/>
+          <p:cNvSpPr>
+            <a:spLocks noGrp="1"/>
+          </p:cNvSpPr>
+          <p:nvPr>
+            <p:ph type="body" idx="1"/>
+          </p:nvPr>
+        </p:nvSpPr>
+        <p:spPr/>
+        <p:txBody>
+          <a:bodyPr/>
+          <a:lstStyle/>
+          <a:p>
+            <a:endParaRPr lang="en-US" dirty="0"/>
+          </a:p>
+        </p:txBody>
+      </p:sp>
+      <p:sp>
+        <p:nvSpPr>
+          <p:cNvPr id="4" name="Slide Number Placeholder 3"/>
+          <p:cNvSpPr>
+            <a:spLocks noGrp="1"/>
+          </p:cNvSpPr>
+          <p:nvPr>
+            <p:ph type="sldNum" sz="quarter" idx="5"/>
+          </p:nvPr>
+        </p:nvSpPr>
+        <p:spPr/>
+        <p:txBody>
+          <a:bodyPr/>
+          <a:lstStyle/>
+          <a:p>
+            <a:fld id="{84AB11BC-0202-DE4D-9167-A0B0F1A6BEFB}" type="slidenum">
+              <a:rPr lang="en-US" smtClean="0"/>
+              <a:t>21</a:t>
+            </a:fld>
+            <a:endParaRPr lang="en-US"/>
+          </a:p>
+        </p:txBody>
+      </p:sp>
+    </p:spTree>
+    <p:extLst>
+      <p:ext uri="{BB962C8B-B14F-4D97-AF65-F5344CB8AC3E}">
+        <p14:creationId xmlns:p14="http://schemas.microsoft.com/office/powerpoint/2010/main" val="2475023748"/>
+      </p:ext>
+    </p:extLst>
+  </p:cSld>
+  <p:clrMapOvr>
+    <a:masterClrMapping/>
+  </p:clrMapOvr>
+</p:notes>
+</file>
+
+<file path=ppt/notesSlides/notesSlide14.xml><?xml version="1.0" encoding="utf-8"?>
+<p:notes xmlns:a="http://schemas.openxmlformats.org/drawingml/2006/main" xmlns:r="http://schemas.openxmlformats.org/officeDocument/2006/relationships" xmlns:p="http://schemas.openxmlformats.org/presentationml/2006/main">
+  <p:cSld>
+    <p:spTree>
+      <p:nvGrpSpPr>
+        <p:cNvPr id="1" name=""/>
+        <p:cNvGrpSpPr/>
+        <p:nvPr/>
+      </p:nvGrpSpPr>
+      <p:grpSpPr>
+        <a:xfrm>
+          <a:off x="0" y="0"/>
+          <a:ext cx="0" cy="0"/>
+          <a:chOff x="0" y="0"/>
+          <a:chExt cx="0" cy="0"/>
+        </a:xfrm>
+      </p:grpSpPr>
+      <p:sp>
+        <p:nvSpPr>
+          <p:cNvPr id="2" name="Slide Image Placeholder 1"/>
+          <p:cNvSpPr>
+            <a:spLocks noGrp="1" noRot="1" noChangeAspect="1"/>
+          </p:cNvSpPr>
+          <p:nvPr>
+            <p:ph type="sldImg"/>
+          </p:nvPr>
+        </p:nvSpPr>
+        <p:spPr/>
+      </p:sp>
+      <p:sp>
+        <p:nvSpPr>
+          <p:cNvPr id="3" name="Notes Placeholder 2"/>
+          <p:cNvSpPr>
+            <a:spLocks noGrp="1"/>
+          </p:cNvSpPr>
+          <p:nvPr>
+            <p:ph type="body" idx="1"/>
+          </p:nvPr>
+        </p:nvSpPr>
+        <p:spPr/>
+        <p:txBody>
+          <a:bodyPr/>
+          <a:lstStyle/>
+          <a:p>
+            <a:pPr marL="0" marR="0" lvl="0" indent="0" algn="l" defTabSz="914400" rtl="0" eaLnBrk="1" fontAlgn="auto" latinLnBrk="0" hangingPunct="1">
+              <a:lnSpc>
+                <a:spcPct val="100000"/>
+              </a:lnSpc>
+              <a:spcBef>
+                <a:spcPts val="0"/>
+              </a:spcBef>
+              <a:spcAft>
+                <a:spcPts val="0"/>
+              </a:spcAft>
+              <a:buClrTx/>
+              <a:buSzTx/>
+              <a:buFontTx/>
+              <a:buNone/>
+              <a:tabLst/>
+              <a:defRPr/>
+            </a:pPr>
+            <a:r>
+              <a:rPr lang="en-US" dirty="0"/>
+              <a:t>This chapter explores the most common approaches by which researchers incorporate human </a:t>
+            </a:r>
+            <a:r>
+              <a:rPr lang="en-US" dirty="0" err="1"/>
+              <a:t>behaviour</a:t>
+            </a:r>
+            <a:r>
+              <a:rPr lang="en-US" dirty="0"/>
+              <a:t> into agent-based models. We explain why it can be necessary to model human </a:t>
+            </a:r>
+            <a:r>
+              <a:rPr lang="en-US" dirty="0" err="1"/>
+              <a:t>behaviour</a:t>
+            </a:r>
+            <a:r>
+              <a:rPr lang="en-US" dirty="0"/>
+              <a:t> and the main considerations that the researcher needs to be aware of when developing an agent-based model. From this, we present an overview of the two main broad approaches, mathematical and conceptual cognitive models when it comes to modelling human </a:t>
+            </a:r>
+            <a:r>
+              <a:rPr lang="en-US" dirty="0" err="1"/>
+              <a:t>behaviour</a:t>
+            </a:r>
+            <a:r>
+              <a:rPr lang="en-US" dirty="0"/>
+              <a:t> in agent-based models. We supplement this discussion with two case-studies that provide examples of how these approaches can be implemented, both examples have the model code available that can be downloaded and experimented with. The chapter finishes with a discussion of some of the thorny issues that researchers need to be aware of when attempting to simulate </a:t>
+            </a:r>
+            <a:r>
+              <a:rPr lang="en-US" dirty="0" err="1"/>
+              <a:t>behaviour</a:t>
+            </a:r>
+            <a:r>
+              <a:rPr lang="en-US" dirty="0"/>
+              <a:t> within agent-based models.</a:t>
+            </a:r>
+          </a:p>
+          <a:p>
+            <a:endParaRPr lang="en-US" dirty="0"/>
+          </a:p>
+        </p:txBody>
+      </p:sp>
+      <p:sp>
+        <p:nvSpPr>
+          <p:cNvPr id="4" name="Slide Number Placeholder 3"/>
+          <p:cNvSpPr>
+            <a:spLocks noGrp="1"/>
+          </p:cNvSpPr>
+          <p:nvPr>
+            <p:ph type="sldNum" sz="quarter" idx="5"/>
+          </p:nvPr>
+        </p:nvSpPr>
+        <p:spPr/>
+        <p:txBody>
+          <a:bodyPr/>
+          <a:lstStyle/>
+          <a:p>
+            <a:fld id="{84AB11BC-0202-DE4D-9167-A0B0F1A6BEFB}" type="slidenum">
+              <a:rPr lang="en-US" smtClean="0"/>
+              <a:t>22</a:t>
+            </a:fld>
+            <a:endParaRPr lang="en-US"/>
+          </a:p>
+        </p:txBody>
+      </p:sp>
+    </p:spTree>
+    <p:extLst>
+      <p:ext uri="{BB962C8B-B14F-4D97-AF65-F5344CB8AC3E}">
+        <p14:creationId xmlns:p14="http://schemas.microsoft.com/office/powerpoint/2010/main" val="3148236158"/>
+      </p:ext>
+    </p:extLst>
+  </p:cSld>
+  <p:clrMapOvr>
+    <a:masterClrMapping/>
+  </p:clrMapOvr>
+</p:notes>
+</file>
+
+<file path=ppt/notesSlides/notesSlide15.xml><?xml version="1.0" encoding="utf-8"?>
+<p:notes xmlns:a="http://schemas.openxmlformats.org/drawingml/2006/main" xmlns:r="http://schemas.openxmlformats.org/officeDocument/2006/relationships" xmlns:p="http://schemas.openxmlformats.org/presentationml/2006/main">
+  <p:cSld>
+    <p:spTree>
+      <p:nvGrpSpPr>
+        <p:cNvPr id="1" name=""/>
+        <p:cNvGrpSpPr/>
+        <p:nvPr/>
+      </p:nvGrpSpPr>
+      <p:grpSpPr>
+        <a:xfrm>
+          <a:off x="0" y="0"/>
+          <a:ext cx="0" cy="0"/>
+          <a:chOff x="0" y="0"/>
+          <a:chExt cx="0" cy="0"/>
+        </a:xfrm>
+      </p:grpSpPr>
+      <p:sp>
+        <p:nvSpPr>
+          <p:cNvPr id="2" name="Slide Image Placeholder 1"/>
+          <p:cNvSpPr>
+            <a:spLocks noGrp="1" noRot="1" noChangeAspect="1"/>
+          </p:cNvSpPr>
+          <p:nvPr>
+            <p:ph type="sldImg"/>
+          </p:nvPr>
+        </p:nvSpPr>
+        <p:spPr/>
+      </p:sp>
+      <p:sp>
+        <p:nvSpPr>
+          <p:cNvPr id="3" name="Notes Placeholder 2"/>
+          <p:cNvSpPr>
+            <a:spLocks noGrp="1"/>
+          </p:cNvSpPr>
+          <p:nvPr>
+            <p:ph type="body" idx="1"/>
+          </p:nvPr>
+        </p:nvSpPr>
+        <p:spPr/>
+        <p:txBody>
+          <a:bodyPr/>
+          <a:lstStyle/>
+          <a:p>
+            <a:endParaRPr lang="en-US" dirty="0"/>
+          </a:p>
+        </p:txBody>
+      </p:sp>
+      <p:sp>
+        <p:nvSpPr>
+          <p:cNvPr id="4" name="Slide Number Placeholder 3"/>
+          <p:cNvSpPr>
+            <a:spLocks noGrp="1"/>
+          </p:cNvSpPr>
+          <p:nvPr>
+            <p:ph type="sldNum" sz="quarter" idx="5"/>
+          </p:nvPr>
+        </p:nvSpPr>
+        <p:spPr/>
+        <p:txBody>
+          <a:bodyPr/>
+          <a:lstStyle/>
+          <a:p>
+            <a:fld id="{84AB11BC-0202-DE4D-9167-A0B0F1A6BEFB}" type="slidenum">
+              <a:rPr lang="en-US" smtClean="0"/>
+              <a:t>23</a:t>
+            </a:fld>
+            <a:endParaRPr lang="en-US"/>
+          </a:p>
+        </p:txBody>
+      </p:sp>
+    </p:spTree>
+    <p:extLst>
+      <p:ext uri="{BB962C8B-B14F-4D97-AF65-F5344CB8AC3E}">
+        <p14:creationId xmlns:p14="http://schemas.microsoft.com/office/powerpoint/2010/main" val="788477030"/>
+      </p:ext>
+    </p:extLst>
+  </p:cSld>
+  <p:clrMapOvr>
+    <a:masterClrMapping/>
+  </p:clrMapOvr>
+</p:notes>
+</file>
+
+<file path=ppt/notesSlides/notesSlide16.xml><?xml version="1.0" encoding="utf-8"?>
+<p:notes xmlns:a="http://schemas.openxmlformats.org/drawingml/2006/main" xmlns:r="http://schemas.openxmlformats.org/officeDocument/2006/relationships" xmlns:p="http://schemas.openxmlformats.org/presentationml/2006/main">
+  <p:cSld>
+    <p:spTree>
+      <p:nvGrpSpPr>
+        <p:cNvPr id="1" name=""/>
+        <p:cNvGrpSpPr/>
+        <p:nvPr/>
+      </p:nvGrpSpPr>
+      <p:grpSpPr>
+        <a:xfrm>
+          <a:off x="0" y="0"/>
+          <a:ext cx="0" cy="0"/>
+          <a:chOff x="0" y="0"/>
+          <a:chExt cx="0" cy="0"/>
+        </a:xfrm>
+      </p:grpSpPr>
+      <p:sp>
+        <p:nvSpPr>
+          <p:cNvPr id="2" name="Slide Image Placeholder 1"/>
+          <p:cNvSpPr>
+            <a:spLocks noGrp="1" noRot="1" noChangeAspect="1"/>
+          </p:cNvSpPr>
+          <p:nvPr>
+            <p:ph type="sldImg"/>
+          </p:nvPr>
+        </p:nvSpPr>
+        <p:spPr/>
+      </p:sp>
+      <p:sp>
+        <p:nvSpPr>
+          <p:cNvPr id="3" name="Notes Placeholder 2"/>
+          <p:cNvSpPr>
+            <a:spLocks noGrp="1"/>
+          </p:cNvSpPr>
+          <p:nvPr>
+            <p:ph type="body" idx="1"/>
+          </p:nvPr>
+        </p:nvSpPr>
+        <p:spPr/>
+        <p:txBody>
+          <a:bodyPr/>
+          <a:lstStyle/>
+          <a:p>
+            <a:pPr marL="0" marR="0" lvl="0" indent="0" algn="l" defTabSz="914400" rtl="0" eaLnBrk="1" fontAlgn="auto" latinLnBrk="0" hangingPunct="1">
+              <a:lnSpc>
+                <a:spcPct val="100000"/>
+              </a:lnSpc>
+              <a:spcBef>
+                <a:spcPts val="0"/>
+              </a:spcBef>
+              <a:spcAft>
+                <a:spcPts val="0"/>
+              </a:spcAft>
+              <a:buClrTx/>
+              <a:buSzTx/>
+              <a:buFontTx/>
+              <a:buNone/>
+              <a:tabLst/>
+              <a:defRPr/>
+            </a:pPr>
+            <a:r>
+              <a:rPr lang="en-US" dirty="0"/>
+              <a:t>Networks play a critical role in our lives in terms of physical networks we use to navigate upon, our social networks and more recently how we communicate via cyber networks (e.g. social media). This chapter provides a brief introduction to such networks and shows how they can be integrated into agent-based models. Importantly, a model is also introduced that demonstrates how to navigate agents along a physical road network (this is a common requirement for spatially-explicit agent-based models).</a:t>
+            </a:r>
+          </a:p>
+          <a:p>
+            <a:endParaRPr lang="en-US" dirty="0"/>
+          </a:p>
+        </p:txBody>
+      </p:sp>
+      <p:sp>
+        <p:nvSpPr>
+          <p:cNvPr id="4" name="Slide Number Placeholder 3"/>
+          <p:cNvSpPr>
+            <a:spLocks noGrp="1"/>
+          </p:cNvSpPr>
+          <p:nvPr>
+            <p:ph type="sldNum" sz="quarter" idx="5"/>
+          </p:nvPr>
+        </p:nvSpPr>
+        <p:spPr/>
+        <p:txBody>
+          <a:bodyPr/>
+          <a:lstStyle/>
+          <a:p>
+            <a:fld id="{84AB11BC-0202-DE4D-9167-A0B0F1A6BEFB}" type="slidenum">
+              <a:rPr lang="en-US" smtClean="0"/>
+              <a:t>24</a:t>
+            </a:fld>
+            <a:endParaRPr lang="en-US"/>
+          </a:p>
+        </p:txBody>
+      </p:sp>
+    </p:spTree>
+    <p:extLst>
+      <p:ext uri="{BB962C8B-B14F-4D97-AF65-F5344CB8AC3E}">
+        <p14:creationId xmlns:p14="http://schemas.microsoft.com/office/powerpoint/2010/main" val="2922811901"/>
+      </p:ext>
+    </p:extLst>
+  </p:cSld>
+  <p:clrMapOvr>
+    <a:masterClrMapping/>
+  </p:clrMapOvr>
+</p:notes>
+</file>
+
+<file path=ppt/notesSlides/notesSlide17.xml><?xml version="1.0" encoding="utf-8"?>
+<p:notes xmlns:a="http://schemas.openxmlformats.org/drawingml/2006/main" xmlns:r="http://schemas.openxmlformats.org/officeDocument/2006/relationships" xmlns:p="http://schemas.openxmlformats.org/presentationml/2006/main">
+  <p:cSld>
+    <p:spTree>
+      <p:nvGrpSpPr>
+        <p:cNvPr id="1" name=""/>
+        <p:cNvGrpSpPr/>
+        <p:nvPr/>
+      </p:nvGrpSpPr>
+      <p:grpSpPr>
+        <a:xfrm>
+          <a:off x="0" y="0"/>
+          <a:ext cx="0" cy="0"/>
+          <a:chOff x="0" y="0"/>
+          <a:chExt cx="0" cy="0"/>
+        </a:xfrm>
+      </p:grpSpPr>
+      <p:sp>
+        <p:nvSpPr>
+          <p:cNvPr id="2" name="Slide Image Placeholder 1"/>
+          <p:cNvSpPr>
+            <a:spLocks noGrp="1" noRot="1" noChangeAspect="1"/>
+          </p:cNvSpPr>
+          <p:nvPr>
+            <p:ph type="sldImg"/>
+          </p:nvPr>
+        </p:nvSpPr>
+        <p:spPr/>
+      </p:sp>
+      <p:sp>
+        <p:nvSpPr>
+          <p:cNvPr id="3" name="Notes Placeholder 2"/>
+          <p:cNvSpPr>
+            <a:spLocks noGrp="1"/>
+          </p:cNvSpPr>
+          <p:nvPr>
+            <p:ph type="body" idx="1"/>
+          </p:nvPr>
+        </p:nvSpPr>
+        <p:spPr/>
+        <p:txBody>
+          <a:bodyPr/>
+          <a:lstStyle/>
+          <a:p>
+            <a:pPr marL="0" marR="0" lvl="0" indent="0" algn="l" defTabSz="914400" rtl="0" eaLnBrk="1" fontAlgn="auto" latinLnBrk="0" hangingPunct="1">
+              <a:lnSpc>
+                <a:spcPct val="100000"/>
+              </a:lnSpc>
+              <a:spcBef>
+                <a:spcPts val="0"/>
+              </a:spcBef>
+              <a:spcAft>
+                <a:spcPts val="0"/>
+              </a:spcAft>
+              <a:buClrTx/>
+              <a:buSzTx/>
+              <a:buFontTx/>
+              <a:buNone/>
+              <a:tabLst/>
+              <a:defRPr/>
+            </a:pPr>
+            <a:r>
+              <a:rPr lang="en-US" dirty="0"/>
+              <a:t>This chapter presents a range of statistics and algorithms that can be used to compare two spatial data sets. These are important for modelling because, at some point, it will be necessary to compare a model outcome to some real-world data in order to assess how reliable the model is. This chapter examines the statistics themselves, before Chapter 10 elaborates on how to evaluate the success of a model more broadly, part of which includes making use of the methods discussed here.</a:t>
+            </a:r>
+          </a:p>
+          <a:p>
+            <a:endParaRPr lang="en-US" dirty="0"/>
+          </a:p>
+        </p:txBody>
+      </p:sp>
+      <p:sp>
+        <p:nvSpPr>
+          <p:cNvPr id="4" name="Slide Number Placeholder 3"/>
+          <p:cNvSpPr>
+            <a:spLocks noGrp="1"/>
+          </p:cNvSpPr>
+          <p:nvPr>
+            <p:ph type="sldNum" sz="quarter" idx="5"/>
+          </p:nvPr>
+        </p:nvSpPr>
+        <p:spPr/>
+        <p:txBody>
+          <a:bodyPr/>
+          <a:lstStyle/>
+          <a:p>
+            <a:fld id="{84AB11BC-0202-DE4D-9167-A0B0F1A6BEFB}" type="slidenum">
+              <a:rPr lang="en-US" smtClean="0"/>
+              <a:t>25</a:t>
+            </a:fld>
+            <a:endParaRPr lang="en-US"/>
+          </a:p>
+        </p:txBody>
+      </p:sp>
+    </p:spTree>
+    <p:extLst>
+      <p:ext uri="{BB962C8B-B14F-4D97-AF65-F5344CB8AC3E}">
+        <p14:creationId xmlns:p14="http://schemas.microsoft.com/office/powerpoint/2010/main" val="634890708"/>
+      </p:ext>
+    </p:extLst>
+  </p:cSld>
+  <p:clrMapOvr>
+    <a:masterClrMapping/>
+  </p:clrMapOvr>
+</p:notes>
+</file>
+
+<file path=ppt/notesSlides/notesSlide18.xml><?xml version="1.0" encoding="utf-8"?>
+<p:notes xmlns:a="http://schemas.openxmlformats.org/drawingml/2006/main" xmlns:r="http://schemas.openxmlformats.org/officeDocument/2006/relationships" xmlns:p="http://schemas.openxmlformats.org/presentationml/2006/main">
+  <p:cSld>
+    <p:spTree>
+      <p:nvGrpSpPr>
+        <p:cNvPr id="1" name=""/>
+        <p:cNvGrpSpPr/>
+        <p:nvPr/>
+      </p:nvGrpSpPr>
+      <p:grpSpPr>
+        <a:xfrm>
+          <a:off x="0" y="0"/>
+          <a:ext cx="0" cy="0"/>
+          <a:chOff x="0" y="0"/>
+          <a:chExt cx="0" cy="0"/>
+        </a:xfrm>
+      </p:grpSpPr>
+      <p:sp>
+        <p:nvSpPr>
+          <p:cNvPr id="2" name="Slide Image Placeholder 1"/>
+          <p:cNvSpPr>
+            <a:spLocks noGrp="1" noRot="1" noChangeAspect="1"/>
+          </p:cNvSpPr>
+          <p:nvPr>
+            <p:ph type="sldImg"/>
+          </p:nvPr>
+        </p:nvSpPr>
+        <p:spPr/>
+      </p:sp>
+      <p:sp>
+        <p:nvSpPr>
+          <p:cNvPr id="3" name="Notes Placeholder 2"/>
+          <p:cNvSpPr>
+            <a:spLocks noGrp="1"/>
+          </p:cNvSpPr>
+          <p:nvPr>
+            <p:ph type="body" idx="1"/>
+          </p:nvPr>
+        </p:nvSpPr>
+        <p:spPr/>
+        <p:txBody>
+          <a:bodyPr/>
+          <a:lstStyle/>
+          <a:p>
+            <a:endParaRPr lang="en-US" dirty="0"/>
+          </a:p>
+        </p:txBody>
+      </p:sp>
+      <p:sp>
+        <p:nvSpPr>
+          <p:cNvPr id="4" name="Slide Number Placeholder 3"/>
+          <p:cNvSpPr>
+            <a:spLocks noGrp="1"/>
+          </p:cNvSpPr>
+          <p:nvPr>
+            <p:ph type="sldNum" sz="quarter" idx="5"/>
+          </p:nvPr>
+        </p:nvSpPr>
+        <p:spPr/>
+        <p:txBody>
+          <a:bodyPr/>
+          <a:lstStyle/>
+          <a:p>
+            <a:fld id="{84AB11BC-0202-DE4D-9167-A0B0F1A6BEFB}" type="slidenum">
+              <a:rPr lang="en-US" smtClean="0"/>
+              <a:t>26</a:t>
+            </a:fld>
+            <a:endParaRPr lang="en-US"/>
+          </a:p>
+        </p:txBody>
+      </p:sp>
+    </p:spTree>
+    <p:extLst>
+      <p:ext uri="{BB962C8B-B14F-4D97-AF65-F5344CB8AC3E}">
+        <p14:creationId xmlns:p14="http://schemas.microsoft.com/office/powerpoint/2010/main" val="3555799466"/>
+      </p:ext>
+    </p:extLst>
+  </p:cSld>
+  <p:clrMapOvr>
+    <a:masterClrMapping/>
+  </p:clrMapOvr>
+</p:notes>
+</file>
+
+<file path=ppt/notesSlides/notesSlide19.xml><?xml version="1.0" encoding="utf-8"?>
+<p:notes xmlns:a="http://schemas.openxmlformats.org/drawingml/2006/main" xmlns:r="http://schemas.openxmlformats.org/officeDocument/2006/relationships" xmlns:p="http://schemas.openxmlformats.org/presentationml/2006/main">
+  <p:cSld>
+    <p:spTree>
+      <p:nvGrpSpPr>
+        <p:cNvPr id="1" name=""/>
+        <p:cNvGrpSpPr/>
+        <p:nvPr/>
+      </p:nvGrpSpPr>
+      <p:grpSpPr>
+        <a:xfrm>
+          <a:off x="0" y="0"/>
+          <a:ext cx="0" cy="0"/>
+          <a:chOff x="0" y="0"/>
+          <a:chExt cx="0" cy="0"/>
+        </a:xfrm>
+      </p:grpSpPr>
+      <p:sp>
+        <p:nvSpPr>
+          <p:cNvPr id="2" name="Slide Image Placeholder 1"/>
+          <p:cNvSpPr>
+            <a:spLocks noGrp="1" noRot="1" noChangeAspect="1"/>
+          </p:cNvSpPr>
+          <p:nvPr>
+            <p:ph type="sldImg"/>
+          </p:nvPr>
+        </p:nvSpPr>
+        <p:spPr/>
+      </p:sp>
+      <p:sp>
+        <p:nvSpPr>
+          <p:cNvPr id="3" name="Notes Placeholder 2"/>
+          <p:cNvSpPr>
+            <a:spLocks noGrp="1"/>
+          </p:cNvSpPr>
+          <p:nvPr>
+            <p:ph type="body" idx="1"/>
+          </p:nvPr>
+        </p:nvSpPr>
+        <p:spPr/>
+        <p:txBody>
+          <a:bodyPr/>
+          <a:lstStyle/>
+          <a:p>
+            <a:pPr marL="0" marR="0" lvl="0" indent="0" algn="l" defTabSz="914400" rtl="0" eaLnBrk="1" fontAlgn="auto" latinLnBrk="0" hangingPunct="1">
+              <a:lnSpc>
+                <a:spcPct val="100000"/>
+              </a:lnSpc>
+              <a:spcBef>
+                <a:spcPts val="0"/>
+              </a:spcBef>
+              <a:spcAft>
+                <a:spcPts val="0"/>
+              </a:spcAft>
+              <a:buClrTx/>
+              <a:buSzTx/>
+              <a:buFontTx/>
+              <a:buNone/>
+              <a:tabLst/>
+              <a:defRPr/>
+            </a:pPr>
+            <a:r>
+              <a:rPr lang="en-US" dirty="0"/>
+              <a:t>Model evaluation is one of the central challenges associated with agent-based models. A key question that all </a:t>
+            </a:r>
+            <a:r>
+              <a:rPr lang="en-US" dirty="0" err="1"/>
+              <a:t>modellers</a:t>
+            </a:r>
+            <a:r>
+              <a:rPr lang="en-US" dirty="0"/>
+              <a:t> face is “</a:t>
+            </a:r>
+            <a:r>
+              <a:rPr lang="en-US" i="1" dirty="0"/>
+              <a:t>how well does this model simulate the phenomenon of interest?</a:t>
+            </a:r>
+            <a:r>
+              <a:rPr lang="en-US" dirty="0"/>
+              <a:t>”. While there are no universally accepted methods for evaluating agent-based models, researchers often adopt the same three stage process of verification, calibration and validation. This chapter presents an overview of the methods that are commonly used within each of these stages. The overarching aim of this chapter is to provide the reader with the knowledge to design their own approach to evaluating agent-based models.</a:t>
+            </a:r>
+          </a:p>
+          <a:p>
+            <a:endParaRPr lang="en-US" dirty="0"/>
+          </a:p>
+        </p:txBody>
+      </p:sp>
+      <p:sp>
+        <p:nvSpPr>
+          <p:cNvPr id="4" name="Slide Number Placeholder 3"/>
+          <p:cNvSpPr>
+            <a:spLocks noGrp="1"/>
+          </p:cNvSpPr>
+          <p:nvPr>
+            <p:ph type="sldNum" sz="quarter" idx="5"/>
+          </p:nvPr>
+        </p:nvSpPr>
+        <p:spPr/>
+        <p:txBody>
+          <a:bodyPr/>
+          <a:lstStyle/>
+          <a:p>
+            <a:fld id="{84AB11BC-0202-DE4D-9167-A0B0F1A6BEFB}" type="slidenum">
+              <a:rPr lang="en-US" smtClean="0"/>
+              <a:t>27</a:t>
+            </a:fld>
+            <a:endParaRPr lang="en-US"/>
+          </a:p>
+        </p:txBody>
+      </p:sp>
+    </p:spTree>
+    <p:extLst>
+      <p:ext uri="{BB962C8B-B14F-4D97-AF65-F5344CB8AC3E}">
+        <p14:creationId xmlns:p14="http://schemas.microsoft.com/office/powerpoint/2010/main" val="1013950055"/>
+      </p:ext>
+    </p:extLst>
+  </p:cSld>
+  <p:clrMapOvr>
+    <a:masterClrMapping/>
+  </p:clrMapOvr>
+</p:notes>
+</file>
+
+<file path=ppt/notesSlides/notesSlide2.xml><?xml version="1.0" encoding="utf-8"?>
+<p:notes xmlns:a="http://schemas.openxmlformats.org/drawingml/2006/main" xmlns:r="http://schemas.openxmlformats.org/officeDocument/2006/relationships" xmlns:p="http://schemas.openxmlformats.org/presentationml/2006/main">
+  <p:cSld>
+    <p:spTree>
+      <p:nvGrpSpPr>
+        <p:cNvPr id="1" name=""/>
+        <p:cNvGrpSpPr/>
+        <p:nvPr/>
+      </p:nvGrpSpPr>
+      <p:grpSpPr>
+        <a:xfrm>
+          <a:off x="0" y="0"/>
+          <a:ext cx="0" cy="0"/>
+          <a:chOff x="0" y="0"/>
+          <a:chExt cx="0" cy="0"/>
+        </a:xfrm>
+      </p:grpSpPr>
+      <p:sp>
+        <p:nvSpPr>
+          <p:cNvPr id="2" name="Slide Image Placeholder 1"/>
+          <p:cNvSpPr>
+            <a:spLocks noGrp="1" noRot="1" noChangeAspect="1"/>
+          </p:cNvSpPr>
+          <p:nvPr>
+            <p:ph type="sldImg"/>
+          </p:nvPr>
+        </p:nvSpPr>
+        <p:spPr/>
+      </p:sp>
+      <p:sp>
+        <p:nvSpPr>
+          <p:cNvPr id="3" name="Notes Placeholder 2"/>
+          <p:cNvSpPr>
+            <a:spLocks noGrp="1"/>
+          </p:cNvSpPr>
+          <p:nvPr>
+            <p:ph type="body" idx="1"/>
+          </p:nvPr>
+        </p:nvSpPr>
+        <p:spPr/>
+        <p:txBody>
+          <a:bodyPr/>
+          <a:lstStyle/>
+          <a:p>
+            <a:pPr marL="0" marR="0" lvl="0" indent="0" algn="l" defTabSz="914400" rtl="0" eaLnBrk="1" fontAlgn="auto" latinLnBrk="0" hangingPunct="1">
+              <a:lnSpc>
+                <a:spcPct val="100000"/>
+              </a:lnSpc>
+              <a:spcBef>
+                <a:spcPts val="0"/>
+              </a:spcBef>
+              <a:spcAft>
+                <a:spcPts val="0"/>
+              </a:spcAft>
+              <a:buClrTx/>
+              <a:buSzTx/>
+              <a:buFontTx/>
+              <a:buNone/>
+              <a:tabLst/>
+              <a:defRPr/>
+            </a:pPr>
+            <a:r>
+              <a:rPr lang="en-US" dirty="0"/>
+              <a:t>The reader is introduced to a discussion around the purpose of modelling as well how complexity theory has influenced the way that we view (and simulate) geographical systems.  We end the chapter by discussing the benefits of bringing together agent-based modelling and GIS.</a:t>
+            </a:r>
+          </a:p>
+          <a:p>
+            <a:endParaRPr lang="en-US" dirty="0"/>
+          </a:p>
+        </p:txBody>
+      </p:sp>
+      <p:sp>
+        <p:nvSpPr>
+          <p:cNvPr id="4" name="Slide Number Placeholder 3"/>
+          <p:cNvSpPr>
+            <a:spLocks noGrp="1"/>
+          </p:cNvSpPr>
+          <p:nvPr>
+            <p:ph type="sldNum" sz="quarter" idx="5"/>
+          </p:nvPr>
+        </p:nvSpPr>
+        <p:spPr/>
+        <p:txBody>
+          <a:bodyPr/>
+          <a:lstStyle/>
+          <a:p>
+            <a:fld id="{84AB11BC-0202-DE4D-9167-A0B0F1A6BEFB}" type="slidenum">
+              <a:rPr lang="en-US" smtClean="0"/>
+              <a:t>2</a:t>
+            </a:fld>
+            <a:endParaRPr lang="en-US"/>
+          </a:p>
+        </p:txBody>
+      </p:sp>
+    </p:spTree>
+    <p:extLst>
+      <p:ext uri="{BB962C8B-B14F-4D97-AF65-F5344CB8AC3E}">
+        <p14:creationId xmlns:p14="http://schemas.microsoft.com/office/powerpoint/2010/main" val="4115328310"/>
+      </p:ext>
+    </p:extLst>
+  </p:cSld>
+  <p:clrMapOvr>
+    <a:masterClrMapping/>
+  </p:clrMapOvr>
+</p:notes>
+</file>
+
+<file path=ppt/notesSlides/notesSlide20.xml><?xml version="1.0" encoding="utf-8"?>
+<p:notes xmlns:a="http://schemas.openxmlformats.org/drawingml/2006/main" xmlns:r="http://schemas.openxmlformats.org/officeDocument/2006/relationships" xmlns:p="http://schemas.openxmlformats.org/presentationml/2006/main">
+  <p:cSld>
+    <p:spTree>
+      <p:nvGrpSpPr>
+        <p:cNvPr id="1" name=""/>
+        <p:cNvGrpSpPr/>
+        <p:nvPr/>
+      </p:nvGrpSpPr>
+      <p:grpSpPr>
+        <a:xfrm>
+          <a:off x="0" y="0"/>
+          <a:ext cx="0" cy="0"/>
+          <a:chOff x="0" y="0"/>
+          <a:chExt cx="0" cy="0"/>
+        </a:xfrm>
+      </p:grpSpPr>
+      <p:sp>
+        <p:nvSpPr>
+          <p:cNvPr id="2" name="Slide Image Placeholder 1"/>
+          <p:cNvSpPr>
+            <a:spLocks noGrp="1" noRot="1" noChangeAspect="1"/>
+          </p:cNvSpPr>
+          <p:nvPr>
+            <p:ph type="sldImg"/>
+          </p:nvPr>
+        </p:nvSpPr>
+        <p:spPr/>
+      </p:sp>
+      <p:sp>
+        <p:nvSpPr>
+          <p:cNvPr id="3" name="Notes Placeholder 2"/>
+          <p:cNvSpPr>
+            <a:spLocks noGrp="1"/>
+          </p:cNvSpPr>
+          <p:nvPr>
+            <p:ph type="body" idx="1"/>
+          </p:nvPr>
+        </p:nvSpPr>
+        <p:spPr/>
+        <p:txBody>
+          <a:bodyPr/>
+          <a:lstStyle/>
+          <a:p>
+            <a:endParaRPr lang="en-US" dirty="0"/>
+          </a:p>
+        </p:txBody>
+      </p:sp>
+      <p:sp>
+        <p:nvSpPr>
+          <p:cNvPr id="4" name="Slide Number Placeholder 3"/>
+          <p:cNvSpPr>
+            <a:spLocks noGrp="1"/>
+          </p:cNvSpPr>
+          <p:nvPr>
+            <p:ph type="sldNum" sz="quarter" idx="5"/>
+          </p:nvPr>
+        </p:nvSpPr>
+        <p:spPr/>
+        <p:txBody>
+          <a:bodyPr/>
+          <a:lstStyle/>
+          <a:p>
+            <a:fld id="{84AB11BC-0202-DE4D-9167-A0B0F1A6BEFB}" type="slidenum">
+              <a:rPr lang="en-US" smtClean="0"/>
+              <a:t>28</a:t>
+            </a:fld>
+            <a:endParaRPr lang="en-US"/>
+          </a:p>
+        </p:txBody>
+      </p:sp>
+    </p:spTree>
+    <p:extLst>
+      <p:ext uri="{BB962C8B-B14F-4D97-AF65-F5344CB8AC3E}">
+        <p14:creationId xmlns:p14="http://schemas.microsoft.com/office/powerpoint/2010/main" val="3215476292"/>
+      </p:ext>
+    </p:extLst>
+  </p:cSld>
+  <p:clrMapOvr>
+    <a:masterClrMapping/>
+  </p:clrMapOvr>
+</p:notes>
+</file>
+
+<file path=ppt/notesSlides/notesSlide21.xml><?xml version="1.0" encoding="utf-8"?>
+<p:notes xmlns:a="http://schemas.openxmlformats.org/drawingml/2006/main" xmlns:r="http://schemas.openxmlformats.org/officeDocument/2006/relationships" xmlns:p="http://schemas.openxmlformats.org/presentationml/2006/main">
+  <p:cSld>
+    <p:spTree>
+      <p:nvGrpSpPr>
+        <p:cNvPr id="1" name=""/>
+        <p:cNvGrpSpPr/>
+        <p:nvPr/>
+      </p:nvGrpSpPr>
+      <p:grpSpPr>
+        <a:xfrm>
+          <a:off x="0" y="0"/>
+          <a:ext cx="0" cy="0"/>
+          <a:chOff x="0" y="0"/>
+          <a:chExt cx="0" cy="0"/>
+        </a:xfrm>
+      </p:grpSpPr>
+      <p:sp>
+        <p:nvSpPr>
+          <p:cNvPr id="2" name="Slide Image Placeholder 1"/>
+          <p:cNvSpPr>
+            <a:spLocks noGrp="1" noRot="1" noChangeAspect="1"/>
+          </p:cNvSpPr>
+          <p:nvPr>
+            <p:ph type="sldImg"/>
+          </p:nvPr>
+        </p:nvSpPr>
+        <p:spPr/>
+      </p:sp>
+      <p:sp>
+        <p:nvSpPr>
+          <p:cNvPr id="3" name="Notes Placeholder 2"/>
+          <p:cNvSpPr>
+            <a:spLocks noGrp="1"/>
+          </p:cNvSpPr>
+          <p:nvPr>
+            <p:ph type="body" idx="1"/>
+          </p:nvPr>
+        </p:nvSpPr>
+        <p:spPr/>
+        <p:txBody>
+          <a:bodyPr/>
+          <a:lstStyle/>
+          <a:p>
+            <a:r>
+              <a:rPr lang="en-US" dirty="0"/>
+              <a:t>Agent-based modelling is one of the most popular approaches used in social and spatial simulation. However, there are several other alternative approaches that are available to the researcher including Cellular Automata (CA), Microsimulation, Discreet Event Simulation (DES), System Dynamics (SD) and Spatial Interaction models.</a:t>
+            </a:r>
+          </a:p>
+          <a:p>
+            <a:endParaRPr lang="en-US" dirty="0"/>
+          </a:p>
+          <a:p>
+            <a:r>
+              <a:rPr lang="en-US" dirty="0"/>
+              <a:t>This chapter presents an overview of these other approaches giving simple examples on how they can be used and </a:t>
+            </a:r>
+            <a:r>
+              <a:rPr lang="en-US" dirty="0" err="1"/>
+              <a:t>summarising</a:t>
+            </a:r>
+            <a:r>
+              <a:rPr lang="en-US" dirty="0"/>
+              <a:t> the main differences between them. To compare these models, they are applied to the same issue, the spread of a disease using a Susceptible-Infected-Recovered (SIR) epidemic model. This shows that while the same general patterns emerge, the reasons for this are very different.</a:t>
+            </a:r>
+          </a:p>
+          <a:p>
+            <a:endParaRPr lang="en-US" dirty="0"/>
+          </a:p>
+        </p:txBody>
+      </p:sp>
+      <p:sp>
+        <p:nvSpPr>
+          <p:cNvPr id="4" name="Slide Number Placeholder 3"/>
+          <p:cNvSpPr>
+            <a:spLocks noGrp="1"/>
+          </p:cNvSpPr>
+          <p:nvPr>
+            <p:ph type="sldNum" sz="quarter" idx="5"/>
+          </p:nvPr>
+        </p:nvSpPr>
+        <p:spPr/>
+        <p:txBody>
+          <a:bodyPr/>
+          <a:lstStyle/>
+          <a:p>
+            <a:fld id="{84AB11BC-0202-DE4D-9167-A0B0F1A6BEFB}" type="slidenum">
+              <a:rPr lang="en-US" smtClean="0"/>
+              <a:t>29</a:t>
+            </a:fld>
+            <a:endParaRPr lang="en-US"/>
+          </a:p>
+        </p:txBody>
+      </p:sp>
+    </p:spTree>
+    <p:extLst>
+      <p:ext uri="{BB962C8B-B14F-4D97-AF65-F5344CB8AC3E}">
+        <p14:creationId xmlns:p14="http://schemas.microsoft.com/office/powerpoint/2010/main" val="4014083732"/>
+      </p:ext>
+    </p:extLst>
+  </p:cSld>
+  <p:clrMapOvr>
+    <a:masterClrMapping/>
+  </p:clrMapOvr>
+</p:notes>
+</file>
+
+<file path=ppt/notesSlides/notesSlide22.xml><?xml version="1.0" encoding="utf-8"?>
+<p:notes xmlns:a="http://schemas.openxmlformats.org/drawingml/2006/main" xmlns:r="http://schemas.openxmlformats.org/officeDocument/2006/relationships" xmlns:p="http://schemas.openxmlformats.org/presentationml/2006/main">
+  <p:cSld>
+    <p:spTree>
+      <p:nvGrpSpPr>
+        <p:cNvPr id="1" name=""/>
+        <p:cNvGrpSpPr/>
+        <p:nvPr/>
+      </p:nvGrpSpPr>
+      <p:grpSpPr>
+        <a:xfrm>
+          <a:off x="0" y="0"/>
+          <a:ext cx="0" cy="0"/>
+          <a:chOff x="0" y="0"/>
+          <a:chExt cx="0" cy="0"/>
+        </a:xfrm>
+      </p:grpSpPr>
+      <p:sp>
+        <p:nvSpPr>
+          <p:cNvPr id="2" name="Slide Image Placeholder 1"/>
+          <p:cNvSpPr>
+            <a:spLocks noGrp="1" noRot="1" noChangeAspect="1"/>
+          </p:cNvSpPr>
+          <p:nvPr>
+            <p:ph type="sldImg"/>
+          </p:nvPr>
+        </p:nvSpPr>
+        <p:spPr/>
+      </p:sp>
+      <p:sp>
+        <p:nvSpPr>
+          <p:cNvPr id="3" name="Notes Placeholder 2"/>
+          <p:cNvSpPr>
+            <a:spLocks noGrp="1"/>
+          </p:cNvSpPr>
+          <p:nvPr>
+            <p:ph type="body" idx="1"/>
+          </p:nvPr>
+        </p:nvSpPr>
+        <p:spPr/>
+        <p:txBody>
+          <a:bodyPr/>
+          <a:lstStyle/>
+          <a:p>
+            <a:endParaRPr lang="en-US" dirty="0"/>
+          </a:p>
+        </p:txBody>
+      </p:sp>
+      <p:sp>
+        <p:nvSpPr>
+          <p:cNvPr id="4" name="Slide Number Placeholder 3"/>
+          <p:cNvSpPr>
+            <a:spLocks noGrp="1"/>
+          </p:cNvSpPr>
+          <p:nvPr>
+            <p:ph type="sldNum" sz="quarter" idx="5"/>
+          </p:nvPr>
+        </p:nvSpPr>
+        <p:spPr/>
+        <p:txBody>
+          <a:bodyPr/>
+          <a:lstStyle/>
+          <a:p>
+            <a:fld id="{84AB11BC-0202-DE4D-9167-A0B0F1A6BEFB}" type="slidenum">
+              <a:rPr lang="en-US" smtClean="0"/>
+              <a:t>30</a:t>
+            </a:fld>
+            <a:endParaRPr lang="en-US"/>
+          </a:p>
+        </p:txBody>
+      </p:sp>
+    </p:spTree>
+    <p:extLst>
+      <p:ext uri="{BB962C8B-B14F-4D97-AF65-F5344CB8AC3E}">
+        <p14:creationId xmlns:p14="http://schemas.microsoft.com/office/powerpoint/2010/main" val="2562616004"/>
+      </p:ext>
+    </p:extLst>
+  </p:cSld>
+  <p:clrMapOvr>
+    <a:masterClrMapping/>
+  </p:clrMapOvr>
+</p:notes>
+</file>
+
+<file path=ppt/notesSlides/notesSlide23.xml><?xml version="1.0" encoding="utf-8"?>
+<p:notes xmlns:a="http://schemas.openxmlformats.org/drawingml/2006/main" xmlns:r="http://schemas.openxmlformats.org/officeDocument/2006/relationships" xmlns:p="http://schemas.openxmlformats.org/presentationml/2006/main">
+  <p:cSld>
+    <p:spTree>
+      <p:nvGrpSpPr>
+        <p:cNvPr id="1" name=""/>
+        <p:cNvGrpSpPr/>
+        <p:nvPr/>
+      </p:nvGrpSpPr>
+      <p:grpSpPr>
+        <a:xfrm>
+          <a:off x="0" y="0"/>
+          <a:ext cx="0" cy="0"/>
+          <a:chOff x="0" y="0"/>
+          <a:chExt cx="0" cy="0"/>
+        </a:xfrm>
+      </p:grpSpPr>
+      <p:sp>
+        <p:nvSpPr>
+          <p:cNvPr id="2" name="Slide Image Placeholder 1"/>
+          <p:cNvSpPr>
+            <a:spLocks noGrp="1" noRot="1" noChangeAspect="1"/>
+          </p:cNvSpPr>
+          <p:nvPr>
+            <p:ph type="sldImg"/>
+          </p:nvPr>
+        </p:nvSpPr>
+        <p:spPr/>
+      </p:sp>
+      <p:sp>
+        <p:nvSpPr>
+          <p:cNvPr id="3" name="Notes Placeholder 2"/>
+          <p:cNvSpPr>
+            <a:spLocks noGrp="1"/>
+          </p:cNvSpPr>
+          <p:nvPr>
+            <p:ph type="body" idx="1"/>
+          </p:nvPr>
+        </p:nvSpPr>
+        <p:spPr/>
+        <p:txBody>
+          <a:bodyPr/>
+          <a:lstStyle/>
+          <a:p>
+            <a:pPr marL="0" marR="0" lvl="0" indent="0" algn="l" defTabSz="914400" rtl="0" eaLnBrk="1" fontAlgn="auto" latinLnBrk="0" hangingPunct="1">
+              <a:lnSpc>
+                <a:spcPct val="100000"/>
+              </a:lnSpc>
+              <a:spcBef>
+                <a:spcPts val="0"/>
+              </a:spcBef>
+              <a:spcAft>
+                <a:spcPts val="0"/>
+              </a:spcAft>
+              <a:buClrTx/>
+              <a:buSzTx/>
+              <a:buFontTx/>
+              <a:buNone/>
+              <a:tabLst/>
+              <a:defRPr/>
+            </a:pPr>
+            <a:r>
+              <a:rPr lang="en-US" dirty="0"/>
+              <a:t>This chapter reflects on the current state of the art of agent-based models and factors that may shape the future of this discipline. Specifically we discuss the key challenges for developing robust agent-based models of geographical systems as well as potential solutions. We argue that we need to make progress on these challenges if these models are to be used to offer insight into key societal challenges, for example climate change, urban growth and migration.</a:t>
+            </a:r>
+          </a:p>
+          <a:p>
+            <a:endParaRPr lang="en-US" dirty="0"/>
+          </a:p>
+        </p:txBody>
+      </p:sp>
+      <p:sp>
+        <p:nvSpPr>
+          <p:cNvPr id="4" name="Slide Number Placeholder 3"/>
+          <p:cNvSpPr>
+            <a:spLocks noGrp="1"/>
+          </p:cNvSpPr>
+          <p:nvPr>
+            <p:ph type="sldNum" sz="quarter" idx="5"/>
+          </p:nvPr>
+        </p:nvSpPr>
+        <p:spPr/>
+        <p:txBody>
+          <a:bodyPr/>
+          <a:lstStyle/>
+          <a:p>
+            <a:fld id="{84AB11BC-0202-DE4D-9167-A0B0F1A6BEFB}" type="slidenum">
+              <a:rPr lang="en-US" smtClean="0"/>
+              <a:t>31</a:t>
+            </a:fld>
+            <a:endParaRPr lang="en-US"/>
+          </a:p>
+        </p:txBody>
+      </p:sp>
+    </p:spTree>
+    <p:extLst>
+      <p:ext uri="{BB962C8B-B14F-4D97-AF65-F5344CB8AC3E}">
+        <p14:creationId xmlns:p14="http://schemas.microsoft.com/office/powerpoint/2010/main" val="2529831872"/>
+      </p:ext>
+    </p:extLst>
+  </p:cSld>
+  <p:clrMapOvr>
+    <a:masterClrMapping/>
+  </p:clrMapOvr>
+</p:notes>
+</file>
+
+<file path=ppt/notesSlides/notesSlide24.xml><?xml version="1.0" encoding="utf-8"?>
+<p:notes xmlns:a="http://schemas.openxmlformats.org/drawingml/2006/main" xmlns:r="http://schemas.openxmlformats.org/officeDocument/2006/relationships" xmlns:p="http://schemas.openxmlformats.org/presentationml/2006/main">
+  <p:cSld>
+    <p:spTree>
+      <p:nvGrpSpPr>
+        <p:cNvPr id="1" name=""/>
+        <p:cNvGrpSpPr/>
+        <p:nvPr/>
+      </p:nvGrpSpPr>
+      <p:grpSpPr>
+        <a:xfrm>
+          <a:off x="0" y="0"/>
+          <a:ext cx="0" cy="0"/>
+          <a:chOff x="0" y="0"/>
+          <a:chExt cx="0" cy="0"/>
+        </a:xfrm>
+      </p:grpSpPr>
+      <p:sp>
+        <p:nvSpPr>
+          <p:cNvPr id="2" name="Slide Image Placeholder 1"/>
+          <p:cNvSpPr>
+            <a:spLocks noGrp="1" noRot="1" noChangeAspect="1"/>
+          </p:cNvSpPr>
+          <p:nvPr>
+            <p:ph type="sldImg"/>
+          </p:nvPr>
+        </p:nvSpPr>
+        <p:spPr/>
+      </p:sp>
+      <p:sp>
+        <p:nvSpPr>
+          <p:cNvPr id="3" name="Notes Placeholder 2"/>
+          <p:cNvSpPr>
+            <a:spLocks noGrp="1"/>
+          </p:cNvSpPr>
+          <p:nvPr>
+            <p:ph type="body" idx="1"/>
+          </p:nvPr>
+        </p:nvSpPr>
+        <p:spPr/>
+        <p:txBody>
+          <a:bodyPr/>
+          <a:lstStyle/>
+          <a:p>
+            <a:endParaRPr lang="en-US" dirty="0"/>
+          </a:p>
+        </p:txBody>
+      </p:sp>
+      <p:sp>
+        <p:nvSpPr>
+          <p:cNvPr id="4" name="Slide Number Placeholder 3"/>
+          <p:cNvSpPr>
+            <a:spLocks noGrp="1"/>
+          </p:cNvSpPr>
+          <p:nvPr>
+            <p:ph type="sldNum" sz="quarter" idx="5"/>
+          </p:nvPr>
+        </p:nvSpPr>
+        <p:spPr/>
+        <p:txBody>
+          <a:bodyPr/>
+          <a:lstStyle/>
+          <a:p>
+            <a:fld id="{84AB11BC-0202-DE4D-9167-A0B0F1A6BEFB}" type="slidenum">
+              <a:rPr lang="en-US" smtClean="0"/>
+              <a:t>32</a:t>
+            </a:fld>
+            <a:endParaRPr lang="en-US"/>
+          </a:p>
+        </p:txBody>
+      </p:sp>
+    </p:spTree>
+    <p:extLst>
+      <p:ext uri="{BB962C8B-B14F-4D97-AF65-F5344CB8AC3E}">
+        <p14:creationId xmlns:p14="http://schemas.microsoft.com/office/powerpoint/2010/main" val="445395769"/>
+      </p:ext>
+    </p:extLst>
+  </p:cSld>
+  <p:clrMapOvr>
+    <a:masterClrMapping/>
+  </p:clrMapOvr>
+</p:notes>
+</file>
+
+<file path=ppt/notesSlides/notesSlide3.xml><?xml version="1.0" encoding="utf-8"?>
+<p:notes xmlns:a="http://schemas.openxmlformats.org/drawingml/2006/main" xmlns:r="http://schemas.openxmlformats.org/officeDocument/2006/relationships" xmlns:p="http://schemas.openxmlformats.org/presentationml/2006/main">
+  <p:cSld>
+    <p:spTree>
+      <p:nvGrpSpPr>
+        <p:cNvPr id="1" name=""/>
+        <p:cNvGrpSpPr/>
+        <p:nvPr/>
+      </p:nvGrpSpPr>
+      <p:grpSpPr>
+        <a:xfrm>
+          <a:off x="0" y="0"/>
+          <a:ext cx="0" cy="0"/>
+          <a:chOff x="0" y="0"/>
+          <a:chExt cx="0" cy="0"/>
+        </a:xfrm>
+      </p:grpSpPr>
+      <p:sp>
+        <p:nvSpPr>
+          <p:cNvPr id="2" name="Slide Image Placeholder 1"/>
+          <p:cNvSpPr>
+            <a:spLocks noGrp="1" noRot="1" noChangeAspect="1"/>
+          </p:cNvSpPr>
+          <p:nvPr>
+            <p:ph type="sldImg"/>
+          </p:nvPr>
+        </p:nvSpPr>
+        <p:spPr/>
+      </p:sp>
+      <p:sp>
+        <p:nvSpPr>
+          <p:cNvPr id="3" name="Notes Placeholder 2"/>
+          <p:cNvSpPr>
+            <a:spLocks noGrp="1"/>
+          </p:cNvSpPr>
+          <p:nvPr>
+            <p:ph type="body" idx="1"/>
+          </p:nvPr>
+        </p:nvSpPr>
+        <p:spPr/>
+        <p:txBody>
+          <a:bodyPr/>
+          <a:lstStyle/>
+          <a:p>
+            <a:r>
+              <a:rPr lang="en-US" sz="1200" kern="1200" dirty="0">
+                <a:solidFill>
+                  <a:schemeClr val="tx1"/>
+                </a:solidFill>
+                <a:effectLst/>
+                <a:latin typeface="+mn-lt"/>
+                <a:ea typeface="+mn-ea"/>
+                <a:cs typeface="+mn-cs"/>
+              </a:rPr>
+              <a:t>how, through the growth of computational power, data and</a:t>
+            </a:r>
+          </a:p>
+          <a:p>
+            <a:r>
+              <a:rPr lang="en-US" sz="1200" kern="1200" dirty="0">
+                <a:solidFill>
+                  <a:schemeClr val="tx1"/>
+                </a:solidFill>
+                <a:effectLst/>
+                <a:latin typeface="+mn-lt"/>
+                <a:ea typeface="+mn-ea"/>
+                <a:cs typeface="+mn-cs"/>
+              </a:rPr>
+              <a:t>tools are opening up new avenues of research in geographical systems and new</a:t>
+            </a:r>
+          </a:p>
+          <a:p>
+            <a:r>
+              <a:rPr lang="en-US" sz="1200" kern="1200" dirty="0">
+                <a:solidFill>
+                  <a:schemeClr val="tx1"/>
+                </a:solidFill>
+                <a:effectLst/>
+                <a:latin typeface="+mn-lt"/>
+                <a:ea typeface="+mn-ea"/>
+                <a:cs typeface="+mn-cs"/>
+              </a:rPr>
+              <a:t>ways of thinking about geographical processes and problems from the bottom</a:t>
+            </a:r>
+          </a:p>
+          <a:p>
+            <a:r>
+              <a:rPr lang="en-US" sz="1200" kern="1200" dirty="0">
+                <a:solidFill>
+                  <a:schemeClr val="tx1"/>
+                </a:solidFill>
+                <a:effectLst/>
+                <a:latin typeface="+mn-lt"/>
+                <a:ea typeface="+mn-ea"/>
+                <a:cs typeface="+mn-cs"/>
+              </a:rPr>
+              <a:t>up.</a:t>
+            </a:r>
+          </a:p>
+          <a:p>
+            <a:endParaRPr lang="en-US" dirty="0"/>
+          </a:p>
+        </p:txBody>
+      </p:sp>
+      <p:sp>
+        <p:nvSpPr>
+          <p:cNvPr id="4" name="Slide Number Placeholder 3"/>
+          <p:cNvSpPr>
+            <a:spLocks noGrp="1"/>
+          </p:cNvSpPr>
+          <p:nvPr>
+            <p:ph type="sldNum" sz="quarter" idx="5"/>
+          </p:nvPr>
+        </p:nvSpPr>
+        <p:spPr/>
+        <p:txBody>
+          <a:bodyPr/>
+          <a:lstStyle/>
+          <a:p>
+            <a:fld id="{84AB11BC-0202-DE4D-9167-A0B0F1A6BEFB}" type="slidenum">
+              <a:rPr lang="en-US" smtClean="0"/>
+              <a:t>3</a:t>
+            </a:fld>
+            <a:endParaRPr lang="en-US"/>
+          </a:p>
+        </p:txBody>
+      </p:sp>
+    </p:spTree>
+    <p:extLst>
+      <p:ext uri="{BB962C8B-B14F-4D97-AF65-F5344CB8AC3E}">
+        <p14:creationId xmlns:p14="http://schemas.microsoft.com/office/powerpoint/2010/main" val="515300451"/>
+      </p:ext>
+    </p:extLst>
+  </p:cSld>
+  <p:clrMapOvr>
+    <a:masterClrMapping/>
+  </p:clrMapOvr>
+</p:notes>
+</file>
+
+<file path=ppt/notesSlides/notesSlide4.xml><?xml version="1.0" encoding="utf-8"?>
+<p:notes xmlns:a="http://schemas.openxmlformats.org/drawingml/2006/main" xmlns:r="http://schemas.openxmlformats.org/officeDocument/2006/relationships" xmlns:p="http://schemas.openxmlformats.org/presentationml/2006/main">
+  <p:cSld>
+    <p:spTree>
+      <p:nvGrpSpPr>
+        <p:cNvPr id="1" name=""/>
+        <p:cNvGrpSpPr/>
+        <p:nvPr/>
+      </p:nvGrpSpPr>
+      <p:grpSpPr>
+        <a:xfrm>
+          <a:off x="0" y="0"/>
+          <a:ext cx="0" cy="0"/>
+          <a:chOff x="0" y="0"/>
+          <a:chExt cx="0" cy="0"/>
+        </a:xfrm>
+      </p:grpSpPr>
+      <p:sp>
+        <p:nvSpPr>
+          <p:cNvPr id="2" name="Slide Image Placeholder 1"/>
+          <p:cNvSpPr>
+            <a:spLocks noGrp="1" noRot="1" noChangeAspect="1"/>
+          </p:cNvSpPr>
+          <p:nvPr>
+            <p:ph type="sldImg"/>
+          </p:nvPr>
+        </p:nvSpPr>
+        <p:spPr/>
+      </p:sp>
+      <p:sp>
+        <p:nvSpPr>
+          <p:cNvPr id="3" name="Notes Placeholder 2"/>
+          <p:cNvSpPr>
+            <a:spLocks noGrp="1"/>
+          </p:cNvSpPr>
+          <p:nvPr>
+            <p:ph type="body" idx="1"/>
+          </p:nvPr>
+        </p:nvSpPr>
+        <p:spPr/>
+        <p:txBody>
+          <a:bodyPr/>
+          <a:lstStyle/>
+          <a:p>
+            <a:endParaRPr lang="en-US" dirty="0"/>
+          </a:p>
+        </p:txBody>
+      </p:sp>
+      <p:sp>
+        <p:nvSpPr>
+          <p:cNvPr id="4" name="Slide Number Placeholder 3"/>
+          <p:cNvSpPr>
+            <a:spLocks noGrp="1"/>
+          </p:cNvSpPr>
+          <p:nvPr>
+            <p:ph type="sldNum" sz="quarter" idx="5"/>
+          </p:nvPr>
+        </p:nvSpPr>
+        <p:spPr/>
+        <p:txBody>
+          <a:bodyPr/>
+          <a:lstStyle/>
+          <a:p>
+            <a:fld id="{84AB11BC-0202-DE4D-9167-A0B0F1A6BEFB}" type="slidenum">
+              <a:rPr lang="en-US" smtClean="0"/>
+              <a:t>4</a:t>
+            </a:fld>
+            <a:endParaRPr lang="en-US"/>
+          </a:p>
+        </p:txBody>
+      </p:sp>
+    </p:spTree>
+    <p:extLst>
+      <p:ext uri="{BB962C8B-B14F-4D97-AF65-F5344CB8AC3E}">
+        <p14:creationId xmlns:p14="http://schemas.microsoft.com/office/powerpoint/2010/main" val="2768001349"/>
+      </p:ext>
+    </p:extLst>
+  </p:cSld>
+  <p:clrMapOvr>
+    <a:masterClrMapping/>
+  </p:clrMapOvr>
+</p:notes>
+</file>
+
+<file path=ppt/notesSlides/notesSlide5.xml><?xml version="1.0" encoding="utf-8"?>
+<p:notes xmlns:a="http://schemas.openxmlformats.org/drawingml/2006/main" xmlns:r="http://schemas.openxmlformats.org/officeDocument/2006/relationships" xmlns:p="http://schemas.openxmlformats.org/presentationml/2006/main">
+  <p:cSld>
+    <p:spTree>
+      <p:nvGrpSpPr>
+        <p:cNvPr id="1" name=""/>
+        <p:cNvGrpSpPr/>
+        <p:nvPr/>
+      </p:nvGrpSpPr>
+      <p:grpSpPr>
+        <a:xfrm>
+          <a:off x="0" y="0"/>
+          <a:ext cx="0" cy="0"/>
+          <a:chOff x="0" y="0"/>
+          <a:chExt cx="0" cy="0"/>
+        </a:xfrm>
+      </p:grpSpPr>
+      <p:sp>
+        <p:nvSpPr>
+          <p:cNvPr id="2" name="Slide Image Placeholder 1"/>
+          <p:cNvSpPr>
+            <a:spLocks noGrp="1" noRot="1" noChangeAspect="1"/>
+          </p:cNvSpPr>
+          <p:nvPr>
+            <p:ph type="sldImg"/>
+          </p:nvPr>
+        </p:nvSpPr>
+        <p:spPr/>
+      </p:sp>
+      <p:sp>
+        <p:nvSpPr>
+          <p:cNvPr id="3" name="Notes Placeholder 2"/>
+          <p:cNvSpPr>
+            <a:spLocks noGrp="1"/>
+          </p:cNvSpPr>
+          <p:nvPr>
+            <p:ph type="body" idx="1"/>
+          </p:nvPr>
+        </p:nvSpPr>
+        <p:spPr/>
+        <p:txBody>
+          <a:bodyPr/>
+          <a:lstStyle/>
+          <a:p>
+            <a:pPr marL="0" marR="0" lvl="0" indent="0" algn="l" defTabSz="914400" rtl="0" eaLnBrk="1" fontAlgn="auto" latinLnBrk="0" hangingPunct="1">
+              <a:lnSpc>
+                <a:spcPct val="100000"/>
+              </a:lnSpc>
+              <a:spcBef>
+                <a:spcPts val="0"/>
+              </a:spcBef>
+              <a:spcAft>
+                <a:spcPts val="0"/>
+              </a:spcAft>
+              <a:buClrTx/>
+              <a:buSzTx/>
+              <a:buFontTx/>
+              <a:buNone/>
+              <a:tabLst/>
+              <a:defRPr/>
+            </a:pPr>
+            <a:r>
+              <a:rPr lang="en-US" dirty="0"/>
+              <a:t>this Chapter we introduce the key concepts behind agent-based modelling. What is an agent, and what are rules? These are discussed along with a consideration of the main advantages and disadvantages for simulating spatial systems. A range of established applications are presented to give a </a:t>
+            </a:r>
+            <a:r>
+              <a:rPr lang="en-US" dirty="0" err="1"/>
+              <a:t>flavour</a:t>
+            </a:r>
+            <a:r>
+              <a:rPr lang="en-US" dirty="0"/>
+              <a:t> of how agent-based models can be successfully applied. The overarching aim of this chapter is to give the reader an understanding of what an agent-based model is. This knowledge will be built upon in subsequent chapters.</a:t>
+            </a:r>
+          </a:p>
+          <a:p>
+            <a:endParaRPr lang="en-US" dirty="0"/>
+          </a:p>
+        </p:txBody>
+      </p:sp>
+      <p:sp>
+        <p:nvSpPr>
+          <p:cNvPr id="4" name="Slide Number Placeholder 3"/>
+          <p:cNvSpPr>
+            <a:spLocks noGrp="1"/>
+          </p:cNvSpPr>
+          <p:nvPr>
+            <p:ph type="sldNum" sz="quarter" idx="5"/>
+          </p:nvPr>
+        </p:nvSpPr>
+        <p:spPr/>
+        <p:txBody>
+          <a:bodyPr/>
+          <a:lstStyle/>
+          <a:p>
+            <a:fld id="{84AB11BC-0202-DE4D-9167-A0B0F1A6BEFB}" type="slidenum">
+              <a:rPr lang="en-US" smtClean="0"/>
+              <a:t>12</a:t>
+            </a:fld>
+            <a:endParaRPr lang="en-US"/>
+          </a:p>
+        </p:txBody>
+      </p:sp>
+    </p:spTree>
+    <p:extLst>
+      <p:ext uri="{BB962C8B-B14F-4D97-AF65-F5344CB8AC3E}">
+        <p14:creationId xmlns:p14="http://schemas.microsoft.com/office/powerpoint/2010/main" val="4131272679"/>
+      </p:ext>
+    </p:extLst>
+  </p:cSld>
+  <p:clrMapOvr>
+    <a:masterClrMapping/>
+  </p:clrMapOvr>
+</p:notes>
+</file>
+
+<file path=ppt/notesSlides/notesSlide6.xml><?xml version="1.0" encoding="utf-8"?>
+<p:notes xmlns:a="http://schemas.openxmlformats.org/drawingml/2006/main" xmlns:r="http://schemas.openxmlformats.org/officeDocument/2006/relationships" xmlns:p="http://schemas.openxmlformats.org/presentationml/2006/main">
+  <p:cSld>
+    <p:spTree>
+      <p:nvGrpSpPr>
+        <p:cNvPr id="1" name=""/>
+        <p:cNvGrpSpPr/>
+        <p:nvPr/>
+      </p:nvGrpSpPr>
+      <p:grpSpPr>
+        <a:xfrm>
+          <a:off x="0" y="0"/>
+          <a:ext cx="0" cy="0"/>
+          <a:chOff x="0" y="0"/>
+          <a:chExt cx="0" cy="0"/>
+        </a:xfrm>
+      </p:grpSpPr>
+      <p:sp>
+        <p:nvSpPr>
+          <p:cNvPr id="2" name="Slide Image Placeholder 1"/>
+          <p:cNvSpPr>
+            <a:spLocks noGrp="1" noRot="1" noChangeAspect="1"/>
+          </p:cNvSpPr>
+          <p:nvPr>
+            <p:ph type="sldImg"/>
+          </p:nvPr>
+        </p:nvSpPr>
+        <p:spPr/>
+      </p:sp>
+      <p:sp>
+        <p:nvSpPr>
+          <p:cNvPr id="3" name="Notes Placeholder 2"/>
+          <p:cNvSpPr>
+            <a:spLocks noGrp="1"/>
+          </p:cNvSpPr>
+          <p:nvPr>
+            <p:ph type="body" idx="1"/>
+          </p:nvPr>
+        </p:nvSpPr>
+        <p:spPr/>
+        <p:txBody>
+          <a:bodyPr/>
+          <a:lstStyle/>
+          <a:p>
+            <a:pPr marL="0" marR="0" lvl="0" indent="0" algn="l" defTabSz="914400" rtl="0" eaLnBrk="1" fontAlgn="auto" latinLnBrk="0" hangingPunct="1">
+              <a:lnSpc>
+                <a:spcPct val="100000"/>
+              </a:lnSpc>
+              <a:spcBef>
+                <a:spcPts val="0"/>
+              </a:spcBef>
+              <a:spcAft>
+                <a:spcPts val="0"/>
+              </a:spcAft>
+              <a:buClrTx/>
+              <a:buSzTx/>
+              <a:buFontTx/>
+              <a:buNone/>
+              <a:tabLst/>
+              <a:defRPr/>
+            </a:pPr>
+            <a:r>
+              <a:rPr lang="en-US" dirty="0"/>
+              <a:t>this Chapter we introduce the key concepts behind agent-based modelling. What is an agent, and what are rules? These are discussed along with a consideration of the main advantages and disadvantages for simulating spatial systems. A range of established applications are presented to give a </a:t>
+            </a:r>
+            <a:r>
+              <a:rPr lang="en-US" dirty="0" err="1"/>
+              <a:t>flavour</a:t>
+            </a:r>
+            <a:r>
+              <a:rPr lang="en-US" dirty="0"/>
+              <a:t> of how agent-based models can be successfully applied. The overarching aim of this chapter is to give the reader an understanding of what an agent-based model is. This knowledge will be built upon in subsequent chapters.</a:t>
+            </a:r>
+          </a:p>
+          <a:p>
+            <a:endParaRPr lang="en-US" dirty="0"/>
+          </a:p>
+        </p:txBody>
+      </p:sp>
+      <p:sp>
+        <p:nvSpPr>
+          <p:cNvPr id="4" name="Slide Number Placeholder 3"/>
+          <p:cNvSpPr>
+            <a:spLocks noGrp="1"/>
+          </p:cNvSpPr>
+          <p:nvPr>
+            <p:ph type="sldNum" sz="quarter" idx="5"/>
+          </p:nvPr>
+        </p:nvSpPr>
+        <p:spPr/>
+        <p:txBody>
+          <a:bodyPr/>
+          <a:lstStyle/>
+          <a:p>
+            <a:fld id="{84AB11BC-0202-DE4D-9167-A0B0F1A6BEFB}" type="slidenum">
+              <a:rPr lang="en-US" smtClean="0"/>
+              <a:t>13</a:t>
+            </a:fld>
+            <a:endParaRPr lang="en-US"/>
+          </a:p>
+        </p:txBody>
+      </p:sp>
+    </p:spTree>
+    <p:extLst>
+      <p:ext uri="{BB962C8B-B14F-4D97-AF65-F5344CB8AC3E}">
+        <p14:creationId xmlns:p14="http://schemas.microsoft.com/office/powerpoint/2010/main" val="975894756"/>
+      </p:ext>
+    </p:extLst>
+  </p:cSld>
+  <p:clrMapOvr>
+    <a:masterClrMapping/>
+  </p:clrMapOvr>
+</p:notes>
+</file>
+
+<file path=ppt/notesSlides/notesSlide7.xml><?xml version="1.0" encoding="utf-8"?>
+<p:notes xmlns:a="http://schemas.openxmlformats.org/drawingml/2006/main" xmlns:r="http://schemas.openxmlformats.org/officeDocument/2006/relationships" xmlns:p="http://schemas.openxmlformats.org/presentationml/2006/main">
+  <p:cSld>
+    <p:spTree>
+      <p:nvGrpSpPr>
+        <p:cNvPr id="1" name=""/>
+        <p:cNvGrpSpPr/>
+        <p:nvPr/>
+      </p:nvGrpSpPr>
+      <p:grpSpPr>
+        <a:xfrm>
+          <a:off x="0" y="0"/>
+          <a:ext cx="0" cy="0"/>
+          <a:chOff x="0" y="0"/>
+          <a:chExt cx="0" cy="0"/>
+        </a:xfrm>
+      </p:grpSpPr>
+      <p:sp>
+        <p:nvSpPr>
+          <p:cNvPr id="2" name="Slide Image Placeholder 1"/>
+          <p:cNvSpPr>
+            <a:spLocks noGrp="1" noRot="1" noChangeAspect="1"/>
+          </p:cNvSpPr>
+          <p:nvPr>
+            <p:ph type="sldImg"/>
+          </p:nvPr>
+        </p:nvSpPr>
+        <p:spPr/>
+      </p:sp>
+      <p:sp>
+        <p:nvSpPr>
+          <p:cNvPr id="3" name="Notes Placeholder 2"/>
+          <p:cNvSpPr>
+            <a:spLocks noGrp="1"/>
+          </p:cNvSpPr>
+          <p:nvPr>
+            <p:ph type="body" idx="1"/>
+          </p:nvPr>
+        </p:nvSpPr>
+        <p:spPr/>
+        <p:txBody>
+          <a:bodyPr/>
+          <a:lstStyle/>
+          <a:p>
+            <a:pPr marL="0" marR="0" lvl="0" indent="0" algn="l" defTabSz="914400" rtl="0" eaLnBrk="1" fontAlgn="auto" latinLnBrk="0" hangingPunct="1">
+              <a:lnSpc>
+                <a:spcPct val="100000"/>
+              </a:lnSpc>
+              <a:spcBef>
+                <a:spcPts val="0"/>
+              </a:spcBef>
+              <a:spcAft>
+                <a:spcPts val="0"/>
+              </a:spcAft>
+              <a:buClrTx/>
+              <a:buSzTx/>
+              <a:buFontTx/>
+              <a:buNone/>
+              <a:tabLst/>
+              <a:defRPr/>
+            </a:pPr>
+            <a:r>
+              <a:rPr lang="en-US" dirty="0"/>
+              <a:t>What are the questions that social scientists and geographers need to consider when designing and building an agent-based model? What design frameworks and software toolkits are available to use? What are their relative pros and cons? What methods are available for documenting design concepts and why are they useful to </a:t>
+            </a:r>
+            <a:r>
+              <a:rPr lang="en-US" dirty="0" err="1"/>
+              <a:t>modellers</a:t>
+            </a:r>
+            <a:r>
+              <a:rPr lang="en-US" dirty="0"/>
+              <a:t>? This chapter will introduce the core concepts and frameworks that can be used to plan, implement and disseminate geographical agent-based models.</a:t>
+            </a:r>
+          </a:p>
+          <a:p>
+            <a:endParaRPr lang="en-US" dirty="0"/>
+          </a:p>
+        </p:txBody>
+      </p:sp>
+      <p:sp>
+        <p:nvSpPr>
+          <p:cNvPr id="4" name="Slide Number Placeholder 3"/>
+          <p:cNvSpPr>
+            <a:spLocks noGrp="1"/>
+          </p:cNvSpPr>
+          <p:nvPr>
+            <p:ph type="sldNum" sz="quarter" idx="5"/>
+          </p:nvPr>
+        </p:nvSpPr>
+        <p:spPr/>
+        <p:txBody>
+          <a:bodyPr/>
+          <a:lstStyle/>
+          <a:p>
+            <a:fld id="{84AB11BC-0202-DE4D-9167-A0B0F1A6BEFB}" type="slidenum">
+              <a:rPr lang="en-US" smtClean="0"/>
+              <a:t>14</a:t>
+            </a:fld>
+            <a:endParaRPr lang="en-US"/>
+          </a:p>
+        </p:txBody>
+      </p:sp>
+    </p:spTree>
+    <p:extLst>
+      <p:ext uri="{BB962C8B-B14F-4D97-AF65-F5344CB8AC3E}">
+        <p14:creationId xmlns:p14="http://schemas.microsoft.com/office/powerpoint/2010/main" val="2743329542"/>
+      </p:ext>
+    </p:extLst>
+  </p:cSld>
+  <p:clrMapOvr>
+    <a:masterClrMapping/>
+  </p:clrMapOvr>
+</p:notes>
+</file>
+
+<file path=ppt/notesSlides/notesSlide8.xml><?xml version="1.0" encoding="utf-8"?>
+<p:notes xmlns:a="http://schemas.openxmlformats.org/drawingml/2006/main" xmlns:r="http://schemas.openxmlformats.org/officeDocument/2006/relationships" xmlns:p="http://schemas.openxmlformats.org/presentationml/2006/main">
+  <p:cSld>
+    <p:spTree>
+      <p:nvGrpSpPr>
+        <p:cNvPr id="1" name=""/>
+        <p:cNvGrpSpPr/>
+        <p:nvPr/>
+      </p:nvGrpSpPr>
+      <p:grpSpPr>
+        <a:xfrm>
+          <a:off x="0" y="0"/>
+          <a:ext cx="0" cy="0"/>
+          <a:chOff x="0" y="0"/>
+          <a:chExt cx="0" cy="0"/>
+        </a:xfrm>
+      </p:grpSpPr>
+      <p:sp>
+        <p:nvSpPr>
+          <p:cNvPr id="2" name="Slide Image Placeholder 1"/>
+          <p:cNvSpPr>
+            <a:spLocks noGrp="1" noRot="1" noChangeAspect="1"/>
+          </p:cNvSpPr>
+          <p:nvPr>
+            <p:ph type="sldImg"/>
+          </p:nvPr>
+        </p:nvSpPr>
+        <p:spPr/>
+      </p:sp>
+      <p:sp>
+        <p:nvSpPr>
+          <p:cNvPr id="3" name="Notes Placeholder 2"/>
+          <p:cNvSpPr>
+            <a:spLocks noGrp="1"/>
+          </p:cNvSpPr>
+          <p:nvPr>
+            <p:ph type="body" idx="1"/>
+          </p:nvPr>
+        </p:nvSpPr>
+        <p:spPr/>
+        <p:txBody>
+          <a:bodyPr/>
+          <a:lstStyle/>
+          <a:p>
+            <a:endParaRPr lang="en-US" dirty="0"/>
+          </a:p>
+        </p:txBody>
+      </p:sp>
+      <p:sp>
+        <p:nvSpPr>
+          <p:cNvPr id="4" name="Slide Number Placeholder 3"/>
+          <p:cNvSpPr>
+            <a:spLocks noGrp="1"/>
+          </p:cNvSpPr>
+          <p:nvPr>
+            <p:ph type="sldNum" sz="quarter" idx="5"/>
+          </p:nvPr>
+        </p:nvSpPr>
+        <p:spPr/>
+        <p:txBody>
+          <a:bodyPr/>
+          <a:lstStyle/>
+          <a:p>
+            <a:fld id="{84AB11BC-0202-DE4D-9167-A0B0F1A6BEFB}" type="slidenum">
+              <a:rPr lang="en-US" smtClean="0"/>
+              <a:t>15</a:t>
+            </a:fld>
+            <a:endParaRPr lang="en-US"/>
+          </a:p>
+        </p:txBody>
+      </p:sp>
+    </p:spTree>
+    <p:extLst>
+      <p:ext uri="{BB962C8B-B14F-4D97-AF65-F5344CB8AC3E}">
+        <p14:creationId xmlns:p14="http://schemas.microsoft.com/office/powerpoint/2010/main" val="881445567"/>
+      </p:ext>
+    </p:extLst>
+  </p:cSld>
+  <p:clrMapOvr>
+    <a:masterClrMapping/>
+  </p:clrMapOvr>
+</p:notes>
+</file>
+
+<file path=ppt/notesSlides/notesSlide9.xml><?xml version="1.0" encoding="utf-8"?>
+<p:notes xmlns:a="http://schemas.openxmlformats.org/drawingml/2006/main" xmlns:r="http://schemas.openxmlformats.org/officeDocument/2006/relationships" xmlns:p="http://schemas.openxmlformats.org/presentationml/2006/main">
+  <p:cSld>
+    <p:spTree>
+      <p:nvGrpSpPr>
+        <p:cNvPr id="1" name=""/>
+        <p:cNvGrpSpPr/>
+        <p:nvPr/>
+      </p:nvGrpSpPr>
+      <p:grpSpPr>
+        <a:xfrm>
+          <a:off x="0" y="0"/>
+          <a:ext cx="0" cy="0"/>
+          <a:chOff x="0" y="0"/>
+          <a:chExt cx="0" cy="0"/>
+        </a:xfrm>
+      </p:grpSpPr>
+      <p:sp>
+        <p:nvSpPr>
+          <p:cNvPr id="2" name="Slide Image Placeholder 1"/>
+          <p:cNvSpPr>
+            <a:spLocks noGrp="1" noRot="1" noChangeAspect="1"/>
+          </p:cNvSpPr>
+          <p:nvPr>
+            <p:ph type="sldImg"/>
+          </p:nvPr>
+        </p:nvSpPr>
+        <p:spPr/>
+      </p:sp>
+      <p:sp>
+        <p:nvSpPr>
+          <p:cNvPr id="3" name="Notes Placeholder 2"/>
+          <p:cNvSpPr>
+            <a:spLocks noGrp="1"/>
+          </p:cNvSpPr>
+          <p:nvPr>
+            <p:ph type="body" idx="1"/>
+          </p:nvPr>
+        </p:nvSpPr>
+        <p:spPr/>
+        <p:txBody>
+          <a:bodyPr/>
+          <a:lstStyle/>
+          <a:p>
+            <a:endParaRPr lang="en-US" dirty="0"/>
+          </a:p>
+        </p:txBody>
+      </p:sp>
+      <p:sp>
+        <p:nvSpPr>
+          <p:cNvPr id="4" name="Slide Number Placeholder 3"/>
+          <p:cNvSpPr>
+            <a:spLocks noGrp="1"/>
+          </p:cNvSpPr>
+          <p:nvPr>
+            <p:ph type="sldNum" sz="quarter" idx="5"/>
+          </p:nvPr>
+        </p:nvSpPr>
+        <p:spPr/>
+        <p:txBody>
+          <a:bodyPr/>
+          <a:lstStyle/>
+          <a:p>
+            <a:fld id="{84AB11BC-0202-DE4D-9167-A0B0F1A6BEFB}" type="slidenum">
+              <a:rPr lang="en-US" smtClean="0"/>
+              <a:t>17</a:t>
+            </a:fld>
+            <a:endParaRPr lang="en-US"/>
+          </a:p>
+        </p:txBody>
+      </p:sp>
+    </p:spTree>
+    <p:extLst>
+      <p:ext uri="{BB962C8B-B14F-4D97-AF65-F5344CB8AC3E}">
+        <p14:creationId xmlns:p14="http://schemas.microsoft.com/office/powerpoint/2010/main" val="3053391085"/>
+      </p:ext>
+    </p:extLst>
+  </p:cSld>
+  <p:clrMapOvr>
+    <a:masterClrMapping/>
+  </p:clrMapOvr>
+</p:notes>
+</file>
+
 <file path=ppt/slideLayouts/slideLayout1.xml><?xml version="1.0" encoding="utf-8"?>
 <p:sldLayout xmlns:a="http://schemas.openxmlformats.org/drawingml/2006/main" xmlns:r="http://schemas.openxmlformats.org/officeDocument/2006/relationships" xmlns:p="http://schemas.openxmlformats.org/presentationml/2006/main" type="title" preserve="1">
   <p:cSld name="Title Slide">
@@ -722,7 +3077,7 @@
           <a:p>
             <a:fld id="{53326AB7-C146-8643-AC32-1D896C71A7F3}" type="datetimeFigureOut">
               <a:rPr lang="en-US" smtClean="0"/>
-              <a:t>11/6/18</a:t>
+              <a:t>11/8/18</a:t>
             </a:fld>
             <a:endParaRPr lang="en-US"/>
           </a:p>
@@ -920,7 +3275,7 @@
           <a:p>
             <a:fld id="{53326AB7-C146-8643-AC32-1D896C71A7F3}" type="datetimeFigureOut">
               <a:rPr lang="en-US" smtClean="0"/>
-              <a:t>11/6/18</a:t>
+              <a:t>11/8/18</a:t>
             </a:fld>
             <a:endParaRPr lang="en-US"/>
           </a:p>
@@ -1128,7 +3483,7 @@
           <a:p>
             <a:fld id="{53326AB7-C146-8643-AC32-1D896C71A7F3}" type="datetimeFigureOut">
               <a:rPr lang="en-US" smtClean="0"/>
-              <a:t>11/6/18</a:t>
+              <a:t>11/8/18</a:t>
             </a:fld>
             <a:endParaRPr lang="en-US"/>
           </a:p>
@@ -1326,7 +3681,7 @@
           <a:p>
             <a:fld id="{53326AB7-C146-8643-AC32-1D896C71A7F3}" type="datetimeFigureOut">
               <a:rPr lang="en-US" smtClean="0"/>
-              <a:t>11/6/18</a:t>
+              <a:t>11/8/18</a:t>
             </a:fld>
             <a:endParaRPr lang="en-US"/>
           </a:p>
@@ -1601,7 +3956,7 @@
           <a:p>
             <a:fld id="{53326AB7-C146-8643-AC32-1D896C71A7F3}" type="datetimeFigureOut">
               <a:rPr lang="en-US" smtClean="0"/>
-              <a:t>11/6/18</a:t>
+              <a:t>11/8/18</a:t>
             </a:fld>
             <a:endParaRPr lang="en-US"/>
           </a:p>
@@ -1866,7 +4221,7 @@
           <a:p>
             <a:fld id="{53326AB7-C146-8643-AC32-1D896C71A7F3}" type="datetimeFigureOut">
               <a:rPr lang="en-US" smtClean="0"/>
-              <a:t>11/6/18</a:t>
+              <a:t>11/8/18</a:t>
             </a:fld>
             <a:endParaRPr lang="en-US"/>
           </a:p>
@@ -2278,7 +4633,7 @@
           <a:p>
             <a:fld id="{53326AB7-C146-8643-AC32-1D896C71A7F3}" type="datetimeFigureOut">
               <a:rPr lang="en-US" smtClean="0"/>
-              <a:t>11/6/18</a:t>
+              <a:t>11/8/18</a:t>
             </a:fld>
             <a:endParaRPr lang="en-US"/>
           </a:p>
@@ -2419,7 +4774,7 @@
           <a:p>
             <a:fld id="{53326AB7-C146-8643-AC32-1D896C71A7F3}" type="datetimeFigureOut">
               <a:rPr lang="en-US" smtClean="0"/>
-              <a:t>11/6/18</a:t>
+              <a:t>11/8/18</a:t>
             </a:fld>
             <a:endParaRPr lang="en-US"/>
           </a:p>
@@ -2532,7 +4887,7 @@
           <a:p>
             <a:fld id="{53326AB7-C146-8643-AC32-1D896C71A7F3}" type="datetimeFigureOut">
               <a:rPr lang="en-US" smtClean="0"/>
-              <a:t>11/6/18</a:t>
+              <a:t>11/8/18</a:t>
             </a:fld>
             <a:endParaRPr lang="en-US"/>
           </a:p>
@@ -2843,7 +5198,7 @@
           <a:p>
             <a:fld id="{53326AB7-C146-8643-AC32-1D896C71A7F3}" type="datetimeFigureOut">
               <a:rPr lang="en-US" smtClean="0"/>
-              <a:t>11/6/18</a:t>
+              <a:t>11/8/18</a:t>
             </a:fld>
             <a:endParaRPr lang="en-US"/>
           </a:p>
@@ -3131,7 +5486,7 @@
           <a:p>
             <a:fld id="{53326AB7-C146-8643-AC32-1D896C71A7F3}" type="datetimeFigureOut">
               <a:rPr lang="en-US" smtClean="0"/>
-              <a:t>11/6/18</a:t>
+              <a:t>11/8/18</a:t>
             </a:fld>
             <a:endParaRPr lang="en-US"/>
           </a:p>
@@ -3372,7 +5727,7 @@
           <a:p>
             <a:fld id="{53326AB7-C146-8643-AC32-1D896C71A7F3}" type="datetimeFigureOut">
               <a:rPr lang="en-US" smtClean="0"/>
-              <a:t>11/6/18</a:t>
+              <a:t>11/8/18</a:t>
             </a:fld>
             <a:endParaRPr lang="en-US"/>
           </a:p>
@@ -4007,7 +6362,7 @@
           <p:cNvPr id="2" name="Title 1">
             <a:extLst>
               <a:ext uri="{FF2B5EF4-FFF2-40B4-BE49-F238E27FC236}">
-                <a16:creationId xmlns:a16="http://schemas.microsoft.com/office/drawing/2014/main" id="{EFFCB8E3-A856-414A-99C3-2530A5D76BA5}"/>
+                <a16:creationId xmlns:a16="http://schemas.microsoft.com/office/drawing/2014/main" id="{3C25BEEB-141D-F841-9CA3-1E42EDDBF646}"/>
               </a:ext>
             </a:extLst>
           </p:cNvPr>
@@ -4025,7 +6380,7 @@
           <a:p>
             <a:r>
               <a:rPr lang="en-US" dirty="0"/>
-              <a:t>Book Outline</a:t>
+              <a:t>What is Next?</a:t>
             </a:r>
           </a:p>
         </p:txBody>
@@ -4035,7 +6390,7 @@
           <p:cNvPr id="3" name="Content Placeholder 2">
             <a:extLst>
               <a:ext uri="{FF2B5EF4-FFF2-40B4-BE49-F238E27FC236}">
-                <a16:creationId xmlns:a16="http://schemas.microsoft.com/office/drawing/2014/main" id="{499C4B66-57FA-994D-8A41-B7303CD87180}"/>
+                <a16:creationId xmlns:a16="http://schemas.microsoft.com/office/drawing/2014/main" id="{BDD478CE-F6B8-ED41-9785-EA4F9F8BFC7F}"/>
               </a:ext>
             </a:extLst>
           </p:cNvPr>
@@ -4051,14 +6406,17 @@
           <a:bodyPr/>
           <a:lstStyle/>
           <a:p>
-            <a:endParaRPr lang="en-US"/>
+            <a:r>
+              <a:rPr lang="en-US" dirty="0"/>
+              <a:t>In the remaining chapters we will explore </a:t>
+            </a:r>
           </a:p>
         </p:txBody>
       </p:sp>
     </p:spTree>
     <p:extLst>
       <p:ext uri="{BB962C8B-B14F-4D97-AF65-F5344CB8AC3E}">
-        <p14:creationId xmlns:p14="http://schemas.microsoft.com/office/powerpoint/2010/main" val="1131028588"/>
+        <p14:creationId xmlns:p14="http://schemas.microsoft.com/office/powerpoint/2010/main" val="3277588213"/>
       </p:ext>
     </p:extLst>
   </p:cSld>
@@ -4071,6 +6429,14 @@
 <file path=ppt/slides/slide11.xml><?xml version="1.0" encoding="utf-8"?>
 <p:sld xmlns:a="http://schemas.openxmlformats.org/drawingml/2006/main" xmlns:r="http://schemas.openxmlformats.org/officeDocument/2006/relationships" xmlns:p="http://schemas.openxmlformats.org/presentationml/2006/main">
   <p:cSld>
+    <p:bg>
+      <p:bgPr>
+        <a:solidFill>
+          <a:schemeClr val="bg1"/>
+        </a:solidFill>
+        <a:effectLst/>
+      </p:bgPr>
+    </p:bg>
     <p:spTree>
       <p:nvGrpSpPr>
         <p:cNvPr id="1" name=""/>
@@ -4085,12 +6451,109 @@
           <a:chExt cx="0" cy="0"/>
         </a:xfrm>
       </p:grpSpPr>
+      <p:pic>
+        <p:nvPicPr>
+          <p:cNvPr id="6" name="Content Placeholder 5">
+            <a:extLst>
+              <a:ext uri="{FF2B5EF4-FFF2-40B4-BE49-F238E27FC236}">
+                <a16:creationId xmlns:a16="http://schemas.microsoft.com/office/drawing/2014/main" id="{7F73B967-67AF-6D42-9416-268DFF723599}"/>
+              </a:ext>
+            </a:extLst>
+          </p:cNvPr>
+          <p:cNvPicPr>
+            <a:picLocks noGrp="1" noChangeAspect="1"/>
+          </p:cNvPicPr>
+          <p:nvPr>
+            <p:ph idx="1"/>
+          </p:nvPr>
+        </p:nvPicPr>
+        <p:blipFill rotWithShape="1">
+          <a:blip r:embed="rId2"/>
+          <a:srcRect r="3747"/>
+          <a:stretch/>
+        </p:blipFill>
+        <p:spPr>
+          <a:xfrm>
+            <a:off x="20" y="10"/>
+            <a:ext cx="4637226" cy="6857990"/>
+          </a:xfrm>
+          <a:prstGeom prst="rect">
+            <a:avLst/>
+          </a:prstGeom>
+        </p:spPr>
+      </p:pic>
+      <p:sp>
+        <p:nvSpPr>
+          <p:cNvPr id="15" name="Rectangle 10">
+            <a:extLst>
+              <a:ext uri="{FF2B5EF4-FFF2-40B4-BE49-F238E27FC236}">
+                <a16:creationId xmlns:a16="http://schemas.microsoft.com/office/drawing/2014/main" id="{B9951BD9-0868-4CDB-ACD6-9C4209B5E412}"/>
+              </a:ext>
+              <a:ext uri="{C183D7F6-B498-43B3-948B-1728B52AA6E4}">
+                <adec:decorative xmlns:adec="http://schemas.microsoft.com/office/drawing/2017/decorative" val="1"/>
+              </a:ext>
+            </a:extLst>
+          </p:cNvPr>
+          <p:cNvSpPr>
+            <a:spLocks noGrp="1" noRot="1" noChangeAspect="1" noMove="1" noResize="1" noEditPoints="1" noAdjustHandles="1" noChangeArrowheads="1" noChangeShapeType="1" noTextEdit="1"/>
+          </p:cNvSpPr>
+          <p:nvPr>
+            <p:extLst>
+              <p:ext uri="{386F3935-93C4-4BCD-93E2-E3B085C9AB24}">
+                <p16:designElem xmlns:p16="http://schemas.microsoft.com/office/powerpoint/2015/main" val="1"/>
+              </p:ext>
+            </p:extLst>
+          </p:nvPr>
+        </p:nvSpPr>
+        <p:spPr bwMode="white">
+          <a:xfrm>
+            <a:off x="4637247" y="0"/>
+            <a:ext cx="7554754" cy="6858000"/>
+          </a:xfrm>
+          <a:prstGeom prst="rect">
+            <a:avLst/>
+          </a:prstGeom>
+          <a:solidFill>
+            <a:schemeClr val="tx1">
+              <a:lumMod val="85000"/>
+              <a:lumOff val="15000"/>
+            </a:schemeClr>
+          </a:solidFill>
+          <a:ln>
+            <a:noFill/>
+          </a:ln>
+        </p:spPr>
+        <p:style>
+          <a:lnRef idx="2">
+            <a:schemeClr val="accent1">
+              <a:shade val="50000"/>
+            </a:schemeClr>
+          </a:lnRef>
+          <a:fillRef idx="1">
+            <a:schemeClr val="accent1"/>
+          </a:fillRef>
+          <a:effectRef idx="0">
+            <a:schemeClr val="accent1"/>
+          </a:effectRef>
+          <a:fontRef idx="minor">
+            <a:schemeClr val="lt1"/>
+          </a:fontRef>
+        </p:style>
+        <p:txBody>
+          <a:bodyPr rtlCol="0" anchor="ctr"/>
+          <a:lstStyle/>
+          <a:p>
+            <a:pPr algn="ctr"/>
+            <a:endParaRPr lang="en-US"/>
+          </a:p>
+        </p:txBody>
+      </p:sp>
       <p:sp>
         <p:nvSpPr>
           <p:cNvPr id="2" name="Title 1">
             <a:extLst>
               <a:ext uri="{FF2B5EF4-FFF2-40B4-BE49-F238E27FC236}">
-                <a16:creationId xmlns:a16="http://schemas.microsoft.com/office/drawing/2014/main" id="{44DBCF65-81D9-F543-ACE8-4FDCA4590571}"/>
+                <a16:creationId xmlns:a16="http://schemas.microsoft.com/office/drawing/2014/main" id="{EFFCB8E3-A856-414A-99C3-2530A5D76BA5}"/>
               </a:ext>
             </a:extLst>
           </p:cNvPr>
@@ -4101,47 +6564,33 @@
             <p:ph type="title"/>
           </p:nvPr>
         </p:nvSpPr>
-        <p:spPr/>
-        <p:txBody>
-          <a:bodyPr/>
-          <a:lstStyle/>
-          <a:p>
-            <a:r>
-              <a:rPr lang="en-US" dirty="0"/>
-              <a:t>Chapter 2</a:t>
-            </a:r>
-          </a:p>
-        </p:txBody>
-      </p:sp>
-      <p:sp>
-        <p:nvSpPr>
-          <p:cNvPr id="3" name="Content Placeholder 2">
-            <a:extLst>
-              <a:ext uri="{FF2B5EF4-FFF2-40B4-BE49-F238E27FC236}">
-                <a16:creationId xmlns:a16="http://schemas.microsoft.com/office/drawing/2014/main" id="{1B381E9F-A42B-1547-86AB-7A6C55418943}"/>
-              </a:ext>
-            </a:extLst>
-          </p:cNvPr>
-          <p:cNvSpPr>
-            <a:spLocks noGrp="1"/>
-          </p:cNvSpPr>
-          <p:nvPr>
-            <p:ph idx="1"/>
-          </p:nvPr>
-        </p:nvSpPr>
-        <p:spPr/>
-        <p:txBody>
-          <a:bodyPr/>
-          <a:lstStyle/>
-          <a:p>
-            <a:endParaRPr lang="en-US"/>
+        <p:spPr>
+          <a:xfrm>
+            <a:off x="5277328" y="640082"/>
+            <a:ext cx="6274591" cy="3351602"/>
+          </a:xfrm>
+        </p:spPr>
+        <p:txBody>
+          <a:bodyPr vert="horz" lIns="91440" tIns="45720" rIns="91440" bIns="45720" rtlCol="0" anchor="b">
+            <a:normAutofit/>
+          </a:bodyPr>
+          <a:lstStyle/>
+          <a:p>
+            <a:r>
+              <a:rPr lang="en-US" sz="6000">
+                <a:solidFill>
+                  <a:schemeClr val="bg1"/>
+                </a:solidFill>
+              </a:rPr>
+              <a:t>Book Outline</a:t>
+            </a:r>
           </a:p>
         </p:txBody>
       </p:sp>
     </p:spTree>
     <p:extLst>
       <p:ext uri="{BB962C8B-B14F-4D97-AF65-F5344CB8AC3E}">
-        <p14:creationId xmlns:p14="http://schemas.microsoft.com/office/powerpoint/2010/main" val="1070068504"/>
+        <p14:creationId xmlns:p14="http://schemas.microsoft.com/office/powerpoint/2010/main" val="1131028588"/>
       </p:ext>
     </p:extLst>
   </p:cSld>
@@ -4154,6 +6603,17 @@
 <file path=ppt/slides/slide12.xml><?xml version="1.0" encoding="utf-8"?>
 <p:sld xmlns:a="http://schemas.openxmlformats.org/drawingml/2006/main" xmlns:r="http://schemas.openxmlformats.org/officeDocument/2006/relationships" xmlns:p="http://schemas.openxmlformats.org/presentationml/2006/main">
   <p:cSld>
+    <p:bg>
+      <p:bgPr>
+        <a:solidFill>
+          <a:schemeClr val="bg1">
+            <a:tint val="95000"/>
+            <a:satMod val="170000"/>
+          </a:schemeClr>
+        </a:solidFill>
+        <a:effectLst/>
+      </p:bgPr>
+    </p:bg>
     <p:spTree>
       <p:nvGrpSpPr>
         <p:cNvPr id="1" name=""/>
@@ -4170,6 +6630,336 @@
       </p:grpSpPr>
       <p:sp>
         <p:nvSpPr>
+          <p:cNvPr id="8" name="Freeform: Shape 7">
+            <a:extLst>
+              <a:ext uri="{FF2B5EF4-FFF2-40B4-BE49-F238E27FC236}">
+                <a16:creationId xmlns:a16="http://schemas.microsoft.com/office/drawing/2014/main" id="{66B332A4-D438-4773-A77F-5ED49A448D9D}"/>
+              </a:ext>
+              <a:ext uri="{C183D7F6-B498-43B3-948B-1728B52AA6E4}">
+                <adec:decorative xmlns:adec="http://schemas.microsoft.com/office/drawing/2017/decorative" val="1"/>
+              </a:ext>
+            </a:extLst>
+          </p:cNvPr>
+          <p:cNvSpPr>
+            <a:spLocks noGrp="1" noRot="1" noChangeAspect="1" noMove="1" noResize="1" noEditPoints="1" noAdjustHandles="1" noChangeArrowheads="1" noChangeShapeType="1" noTextEdit="1"/>
+          </p:cNvSpPr>
+          <p:nvPr>
+            <p:extLst>
+              <p:ext uri="{386F3935-93C4-4BCD-93E2-E3B085C9AB24}">
+                <p16:designElem xmlns:p16="http://schemas.microsoft.com/office/powerpoint/2015/main" val="1"/>
+              </p:ext>
+            </p:extLst>
+          </p:nvPr>
+        </p:nvSpPr>
+        <p:spPr>
+          <a:xfrm>
+            <a:off x="1953768" y="0"/>
+            <a:ext cx="8284464" cy="6858000"/>
+          </a:xfrm>
+          <a:custGeom>
+            <a:avLst/>
+            <a:gdLst>
+              <a:gd name="connsiteX0" fmla="*/ 1818109 w 8284464"/>
+              <a:gd name="connsiteY0" fmla="*/ 0 h 6858000"/>
+              <a:gd name="connsiteX1" fmla="*/ 6466355 w 8284464"/>
+              <a:gd name="connsiteY1" fmla="*/ 0 h 6858000"/>
+              <a:gd name="connsiteX2" fmla="*/ 6620596 w 8284464"/>
+              <a:gd name="connsiteY2" fmla="*/ 109683 h 6858000"/>
+              <a:gd name="connsiteX3" fmla="*/ 8284464 w 8284464"/>
+              <a:gd name="connsiteY3" fmla="*/ 3429000 h 6858000"/>
+              <a:gd name="connsiteX4" fmla="*/ 6620596 w 8284464"/>
+              <a:gd name="connsiteY4" fmla="*/ 6748318 h 6858000"/>
+              <a:gd name="connsiteX5" fmla="*/ 6466355 w 8284464"/>
+              <a:gd name="connsiteY5" fmla="*/ 6858000 h 6858000"/>
+              <a:gd name="connsiteX6" fmla="*/ 1818109 w 8284464"/>
+              <a:gd name="connsiteY6" fmla="*/ 6858000 h 6858000"/>
+              <a:gd name="connsiteX7" fmla="*/ 1663869 w 8284464"/>
+              <a:gd name="connsiteY7" fmla="*/ 6748318 h 6858000"/>
+              <a:gd name="connsiteX8" fmla="*/ 0 w 8284464"/>
+              <a:gd name="connsiteY8" fmla="*/ 3429000 h 6858000"/>
+              <a:gd name="connsiteX9" fmla="*/ 1663869 w 8284464"/>
+              <a:gd name="connsiteY9" fmla="*/ 109683 h 6858000"/>
+            </a:gdLst>
+            <a:ahLst/>
+            <a:cxnLst>
+              <a:cxn ang="0">
+                <a:pos x="connsiteX0" y="connsiteY0"/>
+              </a:cxn>
+              <a:cxn ang="0">
+                <a:pos x="connsiteX1" y="connsiteY1"/>
+              </a:cxn>
+              <a:cxn ang="0">
+                <a:pos x="connsiteX2" y="connsiteY2"/>
+              </a:cxn>
+              <a:cxn ang="0">
+                <a:pos x="connsiteX3" y="connsiteY3"/>
+              </a:cxn>
+              <a:cxn ang="0">
+                <a:pos x="connsiteX4" y="connsiteY4"/>
+              </a:cxn>
+              <a:cxn ang="0">
+                <a:pos x="connsiteX5" y="connsiteY5"/>
+              </a:cxn>
+              <a:cxn ang="0">
+                <a:pos x="connsiteX6" y="connsiteY6"/>
+              </a:cxn>
+              <a:cxn ang="0">
+                <a:pos x="connsiteX7" y="connsiteY7"/>
+              </a:cxn>
+              <a:cxn ang="0">
+                <a:pos x="connsiteX8" y="connsiteY8"/>
+              </a:cxn>
+              <a:cxn ang="0">
+                <a:pos x="connsiteX9" y="connsiteY9"/>
+              </a:cxn>
+            </a:cxnLst>
+            <a:rect l="l" t="t" r="r" b="b"/>
+            <a:pathLst>
+              <a:path w="8284464" h="6858000">
+                <a:moveTo>
+                  <a:pt x="1818109" y="0"/>
+                </a:moveTo>
+                <a:lnTo>
+                  <a:pt x="6466355" y="0"/>
+                </a:lnTo>
+                <a:lnTo>
+                  <a:pt x="6620596" y="109683"/>
+                </a:lnTo>
+                <a:cubicBezTo>
+                  <a:pt x="7630666" y="865069"/>
+                  <a:pt x="8284464" y="2070683"/>
+                  <a:pt x="8284464" y="3429000"/>
+                </a:cubicBezTo>
+                <a:cubicBezTo>
+                  <a:pt x="8284464" y="4787317"/>
+                  <a:pt x="7630666" y="5992931"/>
+                  <a:pt x="6620596" y="6748318"/>
+                </a:cubicBezTo>
+                <a:lnTo>
+                  <a:pt x="6466355" y="6858000"/>
+                </a:lnTo>
+                <a:lnTo>
+                  <a:pt x="1818109" y="6858000"/>
+                </a:lnTo>
+                <a:lnTo>
+                  <a:pt x="1663869" y="6748318"/>
+                </a:lnTo>
+                <a:cubicBezTo>
+                  <a:pt x="653798" y="5992931"/>
+                  <a:pt x="0" y="4787317"/>
+                  <a:pt x="0" y="3429000"/>
+                </a:cubicBezTo>
+                <a:cubicBezTo>
+                  <a:pt x="0" y="2070683"/>
+                  <a:pt x="653798" y="865069"/>
+                  <a:pt x="1663869" y="109683"/>
+                </a:cubicBezTo>
+                <a:close/>
+              </a:path>
+            </a:pathLst>
+          </a:custGeom>
+          <a:solidFill>
+            <a:srgbClr val="FFFFFF">
+              <a:alpha val="80000"/>
+            </a:srgbClr>
+          </a:solidFill>
+          <a:ln>
+            <a:noFill/>
+          </a:ln>
+        </p:spPr>
+        <p:style>
+          <a:lnRef idx="2">
+            <a:schemeClr val="accent1">
+              <a:shade val="50000"/>
+            </a:schemeClr>
+          </a:lnRef>
+          <a:fillRef idx="1">
+            <a:schemeClr val="accent1"/>
+          </a:fillRef>
+          <a:effectRef idx="0">
+            <a:schemeClr val="accent1"/>
+          </a:effectRef>
+          <a:fontRef idx="minor">
+            <a:schemeClr val="lt1"/>
+          </a:fontRef>
+        </p:style>
+        <p:txBody>
+          <a:bodyPr wrap="square" rtlCol="0" anchor="ctr">
+            <a:noAutofit/>
+          </a:bodyPr>
+          <a:lstStyle/>
+          <a:p>
+            <a:pPr algn="ctr"/>
+            <a:endParaRPr lang="en-US"/>
+          </a:p>
+        </p:txBody>
+      </p:sp>
+      <p:sp>
+        <p:nvSpPr>
+          <p:cNvPr id="10" name="Freeform: Shape 9">
+            <a:extLst>
+              <a:ext uri="{FF2B5EF4-FFF2-40B4-BE49-F238E27FC236}">
+                <a16:creationId xmlns:a16="http://schemas.microsoft.com/office/drawing/2014/main" id="{DF9AD32D-FF05-44F4-BD4D-9CEE89B71EB9}"/>
+              </a:ext>
+              <a:ext uri="{C183D7F6-B498-43B3-948B-1728B52AA6E4}">
+                <adec:decorative xmlns:adec="http://schemas.microsoft.com/office/drawing/2017/decorative" val="1"/>
+              </a:ext>
+            </a:extLst>
+          </p:cNvPr>
+          <p:cNvSpPr>
+            <a:spLocks noGrp="1" noRot="1" noChangeAspect="1" noMove="1" noResize="1" noEditPoints="1" noAdjustHandles="1" noChangeArrowheads="1" noChangeShapeType="1" noTextEdit="1"/>
+          </p:cNvSpPr>
+          <p:nvPr>
+            <p:extLst>
+              <p:ext uri="{386F3935-93C4-4BCD-93E2-E3B085C9AB24}">
+                <p16:designElem xmlns:p16="http://schemas.microsoft.com/office/powerpoint/2015/main" val="1"/>
+              </p:ext>
+            </p:extLst>
+          </p:nvPr>
+        </p:nvSpPr>
+        <p:spPr>
+          <a:xfrm>
+            <a:off x="2118360" y="0"/>
+            <a:ext cx="7955280" cy="6858000"/>
+          </a:xfrm>
+          <a:custGeom>
+            <a:avLst/>
+            <a:gdLst>
+              <a:gd name="connsiteX0" fmla="*/ 1962423 w 7955280"/>
+              <a:gd name="connsiteY0" fmla="*/ 0 h 6858000"/>
+              <a:gd name="connsiteX1" fmla="*/ 5992858 w 7955280"/>
+              <a:gd name="connsiteY1" fmla="*/ 0 h 6858000"/>
+              <a:gd name="connsiteX2" fmla="*/ 6040191 w 7955280"/>
+              <a:gd name="connsiteY2" fmla="*/ 27216 h 6858000"/>
+              <a:gd name="connsiteX3" fmla="*/ 7955280 w 7955280"/>
+              <a:gd name="connsiteY3" fmla="*/ 3429000 h 6858000"/>
+              <a:gd name="connsiteX4" fmla="*/ 6040191 w 7955280"/>
+              <a:gd name="connsiteY4" fmla="*/ 6830784 h 6858000"/>
+              <a:gd name="connsiteX5" fmla="*/ 5992858 w 7955280"/>
+              <a:gd name="connsiteY5" fmla="*/ 6858000 h 6858000"/>
+              <a:gd name="connsiteX6" fmla="*/ 1962423 w 7955280"/>
+              <a:gd name="connsiteY6" fmla="*/ 6858000 h 6858000"/>
+              <a:gd name="connsiteX7" fmla="*/ 1915089 w 7955280"/>
+              <a:gd name="connsiteY7" fmla="*/ 6830784 h 6858000"/>
+              <a:gd name="connsiteX8" fmla="*/ 0 w 7955280"/>
+              <a:gd name="connsiteY8" fmla="*/ 3429000 h 6858000"/>
+              <a:gd name="connsiteX9" fmla="*/ 1915089 w 7955280"/>
+              <a:gd name="connsiteY9" fmla="*/ 27216 h 6858000"/>
+            </a:gdLst>
+            <a:ahLst/>
+            <a:cxnLst>
+              <a:cxn ang="0">
+                <a:pos x="connsiteX0" y="connsiteY0"/>
+              </a:cxn>
+              <a:cxn ang="0">
+                <a:pos x="connsiteX1" y="connsiteY1"/>
+              </a:cxn>
+              <a:cxn ang="0">
+                <a:pos x="connsiteX2" y="connsiteY2"/>
+              </a:cxn>
+              <a:cxn ang="0">
+                <a:pos x="connsiteX3" y="connsiteY3"/>
+              </a:cxn>
+              <a:cxn ang="0">
+                <a:pos x="connsiteX4" y="connsiteY4"/>
+              </a:cxn>
+              <a:cxn ang="0">
+                <a:pos x="connsiteX5" y="connsiteY5"/>
+              </a:cxn>
+              <a:cxn ang="0">
+                <a:pos x="connsiteX6" y="connsiteY6"/>
+              </a:cxn>
+              <a:cxn ang="0">
+                <a:pos x="connsiteX7" y="connsiteY7"/>
+              </a:cxn>
+              <a:cxn ang="0">
+                <a:pos x="connsiteX8" y="connsiteY8"/>
+              </a:cxn>
+              <a:cxn ang="0">
+                <a:pos x="connsiteX9" y="connsiteY9"/>
+              </a:cxn>
+            </a:cxnLst>
+            <a:rect l="l" t="t" r="r" b="b"/>
+            <a:pathLst>
+              <a:path w="7955280" h="6858000">
+                <a:moveTo>
+                  <a:pt x="1962423" y="0"/>
+                </a:moveTo>
+                <a:lnTo>
+                  <a:pt x="5992858" y="0"/>
+                </a:lnTo>
+                <a:lnTo>
+                  <a:pt x="6040191" y="27216"/>
+                </a:lnTo>
+                <a:cubicBezTo>
+                  <a:pt x="7188332" y="724844"/>
+                  <a:pt x="7955280" y="1987357"/>
+                  <a:pt x="7955280" y="3429000"/>
+                </a:cubicBezTo>
+                <a:cubicBezTo>
+                  <a:pt x="7955280" y="4870644"/>
+                  <a:pt x="7188332" y="6133157"/>
+                  <a:pt x="6040191" y="6830784"/>
+                </a:cubicBezTo>
+                <a:lnTo>
+                  <a:pt x="5992858" y="6858000"/>
+                </a:lnTo>
+                <a:lnTo>
+                  <a:pt x="1962423" y="6858000"/>
+                </a:lnTo>
+                <a:lnTo>
+                  <a:pt x="1915089" y="6830784"/>
+                </a:lnTo>
+                <a:cubicBezTo>
+                  <a:pt x="766948" y="6133157"/>
+                  <a:pt x="0" y="4870644"/>
+                  <a:pt x="0" y="3429000"/>
+                </a:cubicBezTo>
+                <a:cubicBezTo>
+                  <a:pt x="0" y="1987357"/>
+                  <a:pt x="766948" y="724844"/>
+                  <a:pt x="1915089" y="27216"/>
+                </a:cubicBezTo>
+                <a:close/>
+              </a:path>
+            </a:pathLst>
+          </a:custGeom>
+          <a:solidFill>
+            <a:schemeClr val="tx1"/>
+          </a:solidFill>
+          <a:ln>
+            <a:noFill/>
+          </a:ln>
+        </p:spPr>
+        <p:style>
+          <a:lnRef idx="2">
+            <a:schemeClr val="accent1">
+              <a:shade val="50000"/>
+            </a:schemeClr>
+          </a:lnRef>
+          <a:fillRef idx="1">
+            <a:schemeClr val="accent1"/>
+          </a:fillRef>
+          <a:effectRef idx="0">
+            <a:schemeClr val="accent1"/>
+          </a:effectRef>
+          <a:fontRef idx="minor">
+            <a:schemeClr val="lt1"/>
+          </a:fontRef>
+        </p:style>
+        <p:txBody>
+          <a:bodyPr wrap="square" rtlCol="0" anchor="ctr">
+            <a:noAutofit/>
+          </a:bodyPr>
+          <a:lstStyle/>
+          <a:p>
+            <a:pPr algn="ctr"/>
+            <a:endParaRPr lang="en-US"/>
+          </a:p>
+        </p:txBody>
+      </p:sp>
+      <p:sp>
+        <p:nvSpPr>
           <p:cNvPr id="2" name="Title 1">
             <a:extLst>
               <a:ext uri="{FF2B5EF4-FFF2-40B4-BE49-F238E27FC236}">
@@ -4184,52 +6974,42 @@
             <p:ph type="title"/>
           </p:nvPr>
         </p:nvSpPr>
-        <p:spPr/>
-        <p:txBody>
-          <a:bodyPr/>
-          <a:lstStyle/>
-          <a:p>
-            <a:r>
-              <a:rPr lang="en-US" dirty="0"/>
-              <a:t>Chapter 3</a:t>
-            </a:r>
-          </a:p>
-        </p:txBody>
-      </p:sp>
-      <p:sp>
-        <p:nvSpPr>
-          <p:cNvPr id="3" name="Content Placeholder 2">
-            <a:extLst>
-              <a:ext uri="{FF2B5EF4-FFF2-40B4-BE49-F238E27FC236}">
-                <a16:creationId xmlns:a16="http://schemas.microsoft.com/office/drawing/2014/main" id="{1B381E9F-A42B-1547-86AB-7A6C55418943}"/>
-              </a:ext>
-            </a:extLst>
-          </p:cNvPr>
-          <p:cNvSpPr>
-            <a:spLocks noGrp="1"/>
-          </p:cNvSpPr>
-          <p:nvPr>
-            <p:ph idx="1"/>
-          </p:nvPr>
-        </p:nvSpPr>
-        <p:spPr/>
-        <p:txBody>
-          <a:bodyPr/>
-          <a:lstStyle/>
-          <a:p>
-            <a:endParaRPr lang="en-US"/>
+        <p:spPr>
+          <a:xfrm>
+            <a:off x="2555631" y="1441938"/>
+            <a:ext cx="7080738" cy="3974124"/>
+          </a:xfrm>
+        </p:spPr>
+        <p:txBody>
+          <a:bodyPr vert="horz" lIns="91440" tIns="45720" rIns="91440" bIns="45720" rtlCol="0" anchor="ctr">
+            <a:normAutofit/>
+          </a:bodyPr>
+          <a:lstStyle/>
+          <a:p>
+            <a:pPr algn="ctr"/>
+            <a:r>
+              <a:rPr lang="en-US" sz="5400" dirty="0">
+                <a:solidFill>
+                  <a:schemeClr val="bg1">
+                    <a:lumMod val="95000"/>
+                    <a:lumOff val="5000"/>
+                  </a:schemeClr>
+                </a:solidFill>
+              </a:rPr>
+              <a:t>Chapter 2: Introduction to Agent-based Modelling</a:t>
+            </a:r>
           </a:p>
         </p:txBody>
       </p:sp>
     </p:spTree>
     <p:extLst>
       <p:ext uri="{BB962C8B-B14F-4D97-AF65-F5344CB8AC3E}">
-        <p14:creationId xmlns:p14="http://schemas.microsoft.com/office/powerpoint/2010/main" val="762753879"/>
+        <p14:creationId xmlns:p14="http://schemas.microsoft.com/office/powerpoint/2010/main" val="1070068504"/>
       </p:ext>
     </p:extLst>
   </p:cSld>
   <p:clrMapOvr>
-    <a:masterClrMapping/>
+    <a:overrideClrMapping bg1="dk1" tx1="lt1" bg2="dk2" tx2="lt2" accent1="accent1" accent2="accent2" accent3="accent3" accent4="accent4" accent5="accent5" accent6="accent6" hlink="hlink" folHlink="folHlink"/>
   </p:clrMapOvr>
 </p:sld>
 </file>
@@ -4256,7 +7036,7 @@
           <p:cNvPr id="2" name="Title 1">
             <a:extLst>
               <a:ext uri="{FF2B5EF4-FFF2-40B4-BE49-F238E27FC236}">
-                <a16:creationId xmlns:a16="http://schemas.microsoft.com/office/drawing/2014/main" id="{44DBCF65-81D9-F543-ACE8-4FDCA4590571}"/>
+                <a16:creationId xmlns:a16="http://schemas.microsoft.com/office/drawing/2014/main" id="{E20F1933-72EC-B849-8E93-0D94860B9BC6}"/>
               </a:ext>
             </a:extLst>
           </p:cNvPr>
@@ -4274,7 +7054,7 @@
           <a:p>
             <a:r>
               <a:rPr lang="en-US" dirty="0"/>
-              <a:t>Chapter 4</a:t>
+              <a:t>Chapter 2: Introduction to Agent-based Modelling</a:t>
             </a:r>
           </a:p>
         </p:txBody>
@@ -4284,7 +7064,7 @@
           <p:cNvPr id="3" name="Content Placeholder 2">
             <a:extLst>
               <a:ext uri="{FF2B5EF4-FFF2-40B4-BE49-F238E27FC236}">
-                <a16:creationId xmlns:a16="http://schemas.microsoft.com/office/drawing/2014/main" id="{1B381E9F-A42B-1547-86AB-7A6C55418943}"/>
+                <a16:creationId xmlns:a16="http://schemas.microsoft.com/office/drawing/2014/main" id="{D09F96D5-7F88-3244-ABA1-AE0299382A61}"/>
               </a:ext>
             </a:extLst>
           </p:cNvPr>
@@ -4307,7 +7087,7 @@
     </p:spTree>
     <p:extLst>
       <p:ext uri="{BB962C8B-B14F-4D97-AF65-F5344CB8AC3E}">
-        <p14:creationId xmlns:p14="http://schemas.microsoft.com/office/powerpoint/2010/main" val="2767816176"/>
+        <p14:creationId xmlns:p14="http://schemas.microsoft.com/office/powerpoint/2010/main" val="4046290996"/>
       </p:ext>
     </p:extLst>
   </p:cSld>
@@ -4320,6 +7100,17 @@
 <file path=ppt/slides/slide14.xml><?xml version="1.0" encoding="utf-8"?>
 <p:sld xmlns:a="http://schemas.openxmlformats.org/drawingml/2006/main" xmlns:r="http://schemas.openxmlformats.org/officeDocument/2006/relationships" xmlns:p="http://schemas.openxmlformats.org/presentationml/2006/main">
   <p:cSld>
+    <p:bg>
+      <p:bgPr>
+        <a:solidFill>
+          <a:schemeClr val="bg1">
+            <a:tint val="95000"/>
+            <a:satMod val="170000"/>
+          </a:schemeClr>
+        </a:solidFill>
+        <a:effectLst/>
+      </p:bgPr>
+    </p:bg>
     <p:spTree>
       <p:nvGrpSpPr>
         <p:cNvPr id="1" name=""/>
@@ -4336,6 +7127,336 @@
       </p:grpSpPr>
       <p:sp>
         <p:nvSpPr>
+          <p:cNvPr id="15" name="Freeform: Shape 14">
+            <a:extLst>
+              <a:ext uri="{FF2B5EF4-FFF2-40B4-BE49-F238E27FC236}">
+                <a16:creationId xmlns:a16="http://schemas.microsoft.com/office/drawing/2014/main" id="{66B332A4-D438-4773-A77F-5ED49A448D9D}"/>
+              </a:ext>
+              <a:ext uri="{C183D7F6-B498-43B3-948B-1728B52AA6E4}">
+                <adec:decorative xmlns:adec="http://schemas.microsoft.com/office/drawing/2017/decorative" val="1"/>
+              </a:ext>
+            </a:extLst>
+          </p:cNvPr>
+          <p:cNvSpPr>
+            <a:spLocks noGrp="1" noRot="1" noChangeAspect="1" noMove="1" noResize="1" noEditPoints="1" noAdjustHandles="1" noChangeArrowheads="1" noChangeShapeType="1" noTextEdit="1"/>
+          </p:cNvSpPr>
+          <p:nvPr>
+            <p:extLst>
+              <p:ext uri="{386F3935-93C4-4BCD-93E2-E3B085C9AB24}">
+                <p16:designElem xmlns:p16="http://schemas.microsoft.com/office/powerpoint/2015/main" val="1"/>
+              </p:ext>
+            </p:extLst>
+          </p:nvPr>
+        </p:nvSpPr>
+        <p:spPr>
+          <a:xfrm>
+            <a:off x="1953768" y="0"/>
+            <a:ext cx="8284464" cy="6858000"/>
+          </a:xfrm>
+          <a:custGeom>
+            <a:avLst/>
+            <a:gdLst>
+              <a:gd name="connsiteX0" fmla="*/ 1818109 w 8284464"/>
+              <a:gd name="connsiteY0" fmla="*/ 0 h 6858000"/>
+              <a:gd name="connsiteX1" fmla="*/ 6466355 w 8284464"/>
+              <a:gd name="connsiteY1" fmla="*/ 0 h 6858000"/>
+              <a:gd name="connsiteX2" fmla="*/ 6620596 w 8284464"/>
+              <a:gd name="connsiteY2" fmla="*/ 109683 h 6858000"/>
+              <a:gd name="connsiteX3" fmla="*/ 8284464 w 8284464"/>
+              <a:gd name="connsiteY3" fmla="*/ 3429000 h 6858000"/>
+              <a:gd name="connsiteX4" fmla="*/ 6620596 w 8284464"/>
+              <a:gd name="connsiteY4" fmla="*/ 6748318 h 6858000"/>
+              <a:gd name="connsiteX5" fmla="*/ 6466355 w 8284464"/>
+              <a:gd name="connsiteY5" fmla="*/ 6858000 h 6858000"/>
+              <a:gd name="connsiteX6" fmla="*/ 1818109 w 8284464"/>
+              <a:gd name="connsiteY6" fmla="*/ 6858000 h 6858000"/>
+              <a:gd name="connsiteX7" fmla="*/ 1663869 w 8284464"/>
+              <a:gd name="connsiteY7" fmla="*/ 6748318 h 6858000"/>
+              <a:gd name="connsiteX8" fmla="*/ 0 w 8284464"/>
+              <a:gd name="connsiteY8" fmla="*/ 3429000 h 6858000"/>
+              <a:gd name="connsiteX9" fmla="*/ 1663869 w 8284464"/>
+              <a:gd name="connsiteY9" fmla="*/ 109683 h 6858000"/>
+            </a:gdLst>
+            <a:ahLst/>
+            <a:cxnLst>
+              <a:cxn ang="0">
+                <a:pos x="connsiteX0" y="connsiteY0"/>
+              </a:cxn>
+              <a:cxn ang="0">
+                <a:pos x="connsiteX1" y="connsiteY1"/>
+              </a:cxn>
+              <a:cxn ang="0">
+                <a:pos x="connsiteX2" y="connsiteY2"/>
+              </a:cxn>
+              <a:cxn ang="0">
+                <a:pos x="connsiteX3" y="connsiteY3"/>
+              </a:cxn>
+              <a:cxn ang="0">
+                <a:pos x="connsiteX4" y="connsiteY4"/>
+              </a:cxn>
+              <a:cxn ang="0">
+                <a:pos x="connsiteX5" y="connsiteY5"/>
+              </a:cxn>
+              <a:cxn ang="0">
+                <a:pos x="connsiteX6" y="connsiteY6"/>
+              </a:cxn>
+              <a:cxn ang="0">
+                <a:pos x="connsiteX7" y="connsiteY7"/>
+              </a:cxn>
+              <a:cxn ang="0">
+                <a:pos x="connsiteX8" y="connsiteY8"/>
+              </a:cxn>
+              <a:cxn ang="0">
+                <a:pos x="connsiteX9" y="connsiteY9"/>
+              </a:cxn>
+            </a:cxnLst>
+            <a:rect l="l" t="t" r="r" b="b"/>
+            <a:pathLst>
+              <a:path w="8284464" h="6858000">
+                <a:moveTo>
+                  <a:pt x="1818109" y="0"/>
+                </a:moveTo>
+                <a:lnTo>
+                  <a:pt x="6466355" y="0"/>
+                </a:lnTo>
+                <a:lnTo>
+                  <a:pt x="6620596" y="109683"/>
+                </a:lnTo>
+                <a:cubicBezTo>
+                  <a:pt x="7630666" y="865069"/>
+                  <a:pt x="8284464" y="2070683"/>
+                  <a:pt x="8284464" y="3429000"/>
+                </a:cubicBezTo>
+                <a:cubicBezTo>
+                  <a:pt x="8284464" y="4787317"/>
+                  <a:pt x="7630666" y="5992931"/>
+                  <a:pt x="6620596" y="6748318"/>
+                </a:cubicBezTo>
+                <a:lnTo>
+                  <a:pt x="6466355" y="6858000"/>
+                </a:lnTo>
+                <a:lnTo>
+                  <a:pt x="1818109" y="6858000"/>
+                </a:lnTo>
+                <a:lnTo>
+                  <a:pt x="1663869" y="6748318"/>
+                </a:lnTo>
+                <a:cubicBezTo>
+                  <a:pt x="653798" y="5992931"/>
+                  <a:pt x="0" y="4787317"/>
+                  <a:pt x="0" y="3429000"/>
+                </a:cubicBezTo>
+                <a:cubicBezTo>
+                  <a:pt x="0" y="2070683"/>
+                  <a:pt x="653798" y="865069"/>
+                  <a:pt x="1663869" y="109683"/>
+                </a:cubicBezTo>
+                <a:close/>
+              </a:path>
+            </a:pathLst>
+          </a:custGeom>
+          <a:solidFill>
+            <a:srgbClr val="FFFFFF">
+              <a:alpha val="80000"/>
+            </a:srgbClr>
+          </a:solidFill>
+          <a:ln>
+            <a:noFill/>
+          </a:ln>
+        </p:spPr>
+        <p:style>
+          <a:lnRef idx="2">
+            <a:schemeClr val="accent1">
+              <a:shade val="50000"/>
+            </a:schemeClr>
+          </a:lnRef>
+          <a:fillRef idx="1">
+            <a:schemeClr val="accent1"/>
+          </a:fillRef>
+          <a:effectRef idx="0">
+            <a:schemeClr val="accent1"/>
+          </a:effectRef>
+          <a:fontRef idx="minor">
+            <a:schemeClr val="lt1"/>
+          </a:fontRef>
+        </p:style>
+        <p:txBody>
+          <a:bodyPr wrap="square" rtlCol="0" anchor="ctr">
+            <a:noAutofit/>
+          </a:bodyPr>
+          <a:lstStyle/>
+          <a:p>
+            <a:pPr algn="ctr"/>
+            <a:endParaRPr lang="en-US"/>
+          </a:p>
+        </p:txBody>
+      </p:sp>
+      <p:sp>
+        <p:nvSpPr>
+          <p:cNvPr id="17" name="Freeform: Shape 16">
+            <a:extLst>
+              <a:ext uri="{FF2B5EF4-FFF2-40B4-BE49-F238E27FC236}">
+                <a16:creationId xmlns:a16="http://schemas.microsoft.com/office/drawing/2014/main" id="{DF9AD32D-FF05-44F4-BD4D-9CEE89B71EB9}"/>
+              </a:ext>
+              <a:ext uri="{C183D7F6-B498-43B3-948B-1728B52AA6E4}">
+                <adec:decorative xmlns:adec="http://schemas.microsoft.com/office/drawing/2017/decorative" val="1"/>
+              </a:ext>
+            </a:extLst>
+          </p:cNvPr>
+          <p:cNvSpPr>
+            <a:spLocks noGrp="1" noRot="1" noChangeAspect="1" noMove="1" noResize="1" noEditPoints="1" noAdjustHandles="1" noChangeArrowheads="1" noChangeShapeType="1" noTextEdit="1"/>
+          </p:cNvSpPr>
+          <p:nvPr>
+            <p:extLst>
+              <p:ext uri="{386F3935-93C4-4BCD-93E2-E3B085C9AB24}">
+                <p16:designElem xmlns:p16="http://schemas.microsoft.com/office/powerpoint/2015/main" val="1"/>
+              </p:ext>
+            </p:extLst>
+          </p:nvPr>
+        </p:nvSpPr>
+        <p:spPr>
+          <a:xfrm>
+            <a:off x="2118360" y="0"/>
+            <a:ext cx="7955280" cy="6858000"/>
+          </a:xfrm>
+          <a:custGeom>
+            <a:avLst/>
+            <a:gdLst>
+              <a:gd name="connsiteX0" fmla="*/ 1962423 w 7955280"/>
+              <a:gd name="connsiteY0" fmla="*/ 0 h 6858000"/>
+              <a:gd name="connsiteX1" fmla="*/ 5992858 w 7955280"/>
+              <a:gd name="connsiteY1" fmla="*/ 0 h 6858000"/>
+              <a:gd name="connsiteX2" fmla="*/ 6040191 w 7955280"/>
+              <a:gd name="connsiteY2" fmla="*/ 27216 h 6858000"/>
+              <a:gd name="connsiteX3" fmla="*/ 7955280 w 7955280"/>
+              <a:gd name="connsiteY3" fmla="*/ 3429000 h 6858000"/>
+              <a:gd name="connsiteX4" fmla="*/ 6040191 w 7955280"/>
+              <a:gd name="connsiteY4" fmla="*/ 6830784 h 6858000"/>
+              <a:gd name="connsiteX5" fmla="*/ 5992858 w 7955280"/>
+              <a:gd name="connsiteY5" fmla="*/ 6858000 h 6858000"/>
+              <a:gd name="connsiteX6" fmla="*/ 1962423 w 7955280"/>
+              <a:gd name="connsiteY6" fmla="*/ 6858000 h 6858000"/>
+              <a:gd name="connsiteX7" fmla="*/ 1915089 w 7955280"/>
+              <a:gd name="connsiteY7" fmla="*/ 6830784 h 6858000"/>
+              <a:gd name="connsiteX8" fmla="*/ 0 w 7955280"/>
+              <a:gd name="connsiteY8" fmla="*/ 3429000 h 6858000"/>
+              <a:gd name="connsiteX9" fmla="*/ 1915089 w 7955280"/>
+              <a:gd name="connsiteY9" fmla="*/ 27216 h 6858000"/>
+            </a:gdLst>
+            <a:ahLst/>
+            <a:cxnLst>
+              <a:cxn ang="0">
+                <a:pos x="connsiteX0" y="connsiteY0"/>
+              </a:cxn>
+              <a:cxn ang="0">
+                <a:pos x="connsiteX1" y="connsiteY1"/>
+              </a:cxn>
+              <a:cxn ang="0">
+                <a:pos x="connsiteX2" y="connsiteY2"/>
+              </a:cxn>
+              <a:cxn ang="0">
+                <a:pos x="connsiteX3" y="connsiteY3"/>
+              </a:cxn>
+              <a:cxn ang="0">
+                <a:pos x="connsiteX4" y="connsiteY4"/>
+              </a:cxn>
+              <a:cxn ang="0">
+                <a:pos x="connsiteX5" y="connsiteY5"/>
+              </a:cxn>
+              <a:cxn ang="0">
+                <a:pos x="connsiteX6" y="connsiteY6"/>
+              </a:cxn>
+              <a:cxn ang="0">
+                <a:pos x="connsiteX7" y="connsiteY7"/>
+              </a:cxn>
+              <a:cxn ang="0">
+                <a:pos x="connsiteX8" y="connsiteY8"/>
+              </a:cxn>
+              <a:cxn ang="0">
+                <a:pos x="connsiteX9" y="connsiteY9"/>
+              </a:cxn>
+            </a:cxnLst>
+            <a:rect l="l" t="t" r="r" b="b"/>
+            <a:pathLst>
+              <a:path w="7955280" h="6858000">
+                <a:moveTo>
+                  <a:pt x="1962423" y="0"/>
+                </a:moveTo>
+                <a:lnTo>
+                  <a:pt x="5992858" y="0"/>
+                </a:lnTo>
+                <a:lnTo>
+                  <a:pt x="6040191" y="27216"/>
+                </a:lnTo>
+                <a:cubicBezTo>
+                  <a:pt x="7188332" y="724844"/>
+                  <a:pt x="7955280" y="1987357"/>
+                  <a:pt x="7955280" y="3429000"/>
+                </a:cubicBezTo>
+                <a:cubicBezTo>
+                  <a:pt x="7955280" y="4870644"/>
+                  <a:pt x="7188332" y="6133157"/>
+                  <a:pt x="6040191" y="6830784"/>
+                </a:cubicBezTo>
+                <a:lnTo>
+                  <a:pt x="5992858" y="6858000"/>
+                </a:lnTo>
+                <a:lnTo>
+                  <a:pt x="1962423" y="6858000"/>
+                </a:lnTo>
+                <a:lnTo>
+                  <a:pt x="1915089" y="6830784"/>
+                </a:lnTo>
+                <a:cubicBezTo>
+                  <a:pt x="766948" y="6133157"/>
+                  <a:pt x="0" y="4870644"/>
+                  <a:pt x="0" y="3429000"/>
+                </a:cubicBezTo>
+                <a:cubicBezTo>
+                  <a:pt x="0" y="1987357"/>
+                  <a:pt x="766948" y="724844"/>
+                  <a:pt x="1915089" y="27216"/>
+                </a:cubicBezTo>
+                <a:close/>
+              </a:path>
+            </a:pathLst>
+          </a:custGeom>
+          <a:solidFill>
+            <a:schemeClr val="tx1"/>
+          </a:solidFill>
+          <a:ln>
+            <a:noFill/>
+          </a:ln>
+        </p:spPr>
+        <p:style>
+          <a:lnRef idx="2">
+            <a:schemeClr val="accent1">
+              <a:shade val="50000"/>
+            </a:schemeClr>
+          </a:lnRef>
+          <a:fillRef idx="1">
+            <a:schemeClr val="accent1"/>
+          </a:fillRef>
+          <a:effectRef idx="0">
+            <a:schemeClr val="accent1"/>
+          </a:effectRef>
+          <a:fontRef idx="minor">
+            <a:schemeClr val="lt1"/>
+          </a:fontRef>
+        </p:style>
+        <p:txBody>
+          <a:bodyPr wrap="square" rtlCol="0" anchor="ctr">
+            <a:noAutofit/>
+          </a:bodyPr>
+          <a:lstStyle/>
+          <a:p>
+            <a:pPr algn="ctr"/>
+            <a:endParaRPr lang="en-US"/>
+          </a:p>
+        </p:txBody>
+      </p:sp>
+      <p:sp>
+        <p:nvSpPr>
           <p:cNvPr id="2" name="Title 1">
             <a:extLst>
               <a:ext uri="{FF2B5EF4-FFF2-40B4-BE49-F238E27FC236}">
@@ -4350,52 +7471,42 @@
             <p:ph type="title"/>
           </p:nvPr>
         </p:nvSpPr>
-        <p:spPr/>
-        <p:txBody>
-          <a:bodyPr/>
-          <a:lstStyle/>
-          <a:p>
-            <a:r>
-              <a:rPr lang="en-US" dirty="0"/>
-              <a:t>Chapter 5</a:t>
-            </a:r>
-          </a:p>
-        </p:txBody>
-      </p:sp>
-      <p:sp>
-        <p:nvSpPr>
-          <p:cNvPr id="3" name="Content Placeholder 2">
-            <a:extLst>
-              <a:ext uri="{FF2B5EF4-FFF2-40B4-BE49-F238E27FC236}">
-                <a16:creationId xmlns:a16="http://schemas.microsoft.com/office/drawing/2014/main" id="{1B381E9F-A42B-1547-86AB-7A6C55418943}"/>
-              </a:ext>
-            </a:extLst>
-          </p:cNvPr>
-          <p:cNvSpPr>
-            <a:spLocks noGrp="1"/>
-          </p:cNvSpPr>
-          <p:nvPr>
-            <p:ph idx="1"/>
-          </p:nvPr>
-        </p:nvSpPr>
-        <p:spPr/>
-        <p:txBody>
-          <a:bodyPr/>
-          <a:lstStyle/>
-          <a:p>
-            <a:endParaRPr lang="en-US"/>
+        <p:spPr>
+          <a:xfrm>
+            <a:off x="2555631" y="1441938"/>
+            <a:ext cx="7080738" cy="3974124"/>
+          </a:xfrm>
+        </p:spPr>
+        <p:txBody>
+          <a:bodyPr vert="horz" lIns="91440" tIns="45720" rIns="91440" bIns="45720" rtlCol="0" anchor="ctr">
+            <a:normAutofit/>
+          </a:bodyPr>
+          <a:lstStyle/>
+          <a:p>
+            <a:pPr algn="ctr"/>
+            <a:r>
+              <a:rPr lang="en-US" sz="5400" dirty="0">
+                <a:solidFill>
+                  <a:schemeClr val="bg1">
+                    <a:lumMod val="95000"/>
+                    <a:lumOff val="5000"/>
+                  </a:schemeClr>
+                </a:solidFill>
+              </a:rPr>
+              <a:t>Chapter 3: Designing and Developing an Agent-based Model</a:t>
+            </a:r>
           </a:p>
         </p:txBody>
       </p:sp>
     </p:spTree>
     <p:extLst>
       <p:ext uri="{BB962C8B-B14F-4D97-AF65-F5344CB8AC3E}">
-        <p14:creationId xmlns:p14="http://schemas.microsoft.com/office/powerpoint/2010/main" val="2585265086"/>
+        <p14:creationId xmlns:p14="http://schemas.microsoft.com/office/powerpoint/2010/main" val="762753879"/>
       </p:ext>
     </p:extLst>
   </p:cSld>
   <p:clrMapOvr>
-    <a:masterClrMapping/>
+    <a:overrideClrMapping bg1="dk1" tx1="lt1" bg2="dk2" tx2="lt2" accent1="accent1" accent2="accent2" accent3="accent3" accent4="accent4" accent5="accent5" accent6="accent6" hlink="hlink" folHlink="folHlink"/>
   </p:clrMapOvr>
 </p:sld>
 </file>
@@ -4422,7 +7533,7 @@
           <p:cNvPr id="2" name="Title 1">
             <a:extLst>
               <a:ext uri="{FF2B5EF4-FFF2-40B4-BE49-F238E27FC236}">
-                <a16:creationId xmlns:a16="http://schemas.microsoft.com/office/drawing/2014/main" id="{44DBCF65-81D9-F543-ACE8-4FDCA4590571}"/>
+                <a16:creationId xmlns:a16="http://schemas.microsoft.com/office/drawing/2014/main" id="{1205307A-88FF-A148-92DD-67B6F926B4FF}"/>
               </a:ext>
             </a:extLst>
           </p:cNvPr>
@@ -4438,10 +7549,7 @@
           <a:bodyPr/>
           <a:lstStyle/>
           <a:p>
-            <a:r>
-              <a:rPr lang="en-US" dirty="0"/>
-              <a:t>Chapter 6</a:t>
-            </a:r>
+            <a:endParaRPr lang="en-US"/>
           </a:p>
         </p:txBody>
       </p:sp>
@@ -4450,7 +7558,7 @@
           <p:cNvPr id="3" name="Content Placeholder 2">
             <a:extLst>
               <a:ext uri="{FF2B5EF4-FFF2-40B4-BE49-F238E27FC236}">
-                <a16:creationId xmlns:a16="http://schemas.microsoft.com/office/drawing/2014/main" id="{1B381E9F-A42B-1547-86AB-7A6C55418943}"/>
+                <a16:creationId xmlns:a16="http://schemas.microsoft.com/office/drawing/2014/main" id="{38DFF432-90FF-BE4B-B706-5698F65D9383}"/>
               </a:ext>
             </a:extLst>
           </p:cNvPr>
@@ -4473,7 +7581,7 @@
     </p:spTree>
     <p:extLst>
       <p:ext uri="{BB962C8B-B14F-4D97-AF65-F5344CB8AC3E}">
-        <p14:creationId xmlns:p14="http://schemas.microsoft.com/office/powerpoint/2010/main" val="1452595173"/>
+        <p14:creationId xmlns:p14="http://schemas.microsoft.com/office/powerpoint/2010/main" val="2772976810"/>
       </p:ext>
     </p:extLst>
   </p:cSld>
@@ -4486,6 +7594,17 @@
 <file path=ppt/slides/slide16.xml><?xml version="1.0" encoding="utf-8"?>
 <p:sld xmlns:a="http://schemas.openxmlformats.org/drawingml/2006/main" xmlns:r="http://schemas.openxmlformats.org/officeDocument/2006/relationships" xmlns:p="http://schemas.openxmlformats.org/presentationml/2006/main">
   <p:cSld>
+    <p:bg>
+      <p:bgPr>
+        <a:solidFill>
+          <a:schemeClr val="bg1">
+            <a:tint val="95000"/>
+            <a:satMod val="170000"/>
+          </a:schemeClr>
+        </a:solidFill>
+        <a:effectLst/>
+      </p:bgPr>
+    </p:bg>
     <p:spTree>
       <p:nvGrpSpPr>
         <p:cNvPr id="1" name=""/>
@@ -4502,6 +7621,336 @@
       </p:grpSpPr>
       <p:sp>
         <p:nvSpPr>
+          <p:cNvPr id="8" name="Freeform: Shape 7">
+            <a:extLst>
+              <a:ext uri="{FF2B5EF4-FFF2-40B4-BE49-F238E27FC236}">
+                <a16:creationId xmlns:a16="http://schemas.microsoft.com/office/drawing/2014/main" id="{66B332A4-D438-4773-A77F-5ED49A448D9D}"/>
+              </a:ext>
+              <a:ext uri="{C183D7F6-B498-43B3-948B-1728B52AA6E4}">
+                <adec:decorative xmlns:adec="http://schemas.microsoft.com/office/drawing/2017/decorative" val="1"/>
+              </a:ext>
+            </a:extLst>
+          </p:cNvPr>
+          <p:cNvSpPr>
+            <a:spLocks noGrp="1" noRot="1" noChangeAspect="1" noMove="1" noResize="1" noEditPoints="1" noAdjustHandles="1" noChangeArrowheads="1" noChangeShapeType="1" noTextEdit="1"/>
+          </p:cNvSpPr>
+          <p:nvPr>
+            <p:extLst>
+              <p:ext uri="{386F3935-93C4-4BCD-93E2-E3B085C9AB24}">
+                <p16:designElem xmlns:p16="http://schemas.microsoft.com/office/powerpoint/2015/main" val="1"/>
+              </p:ext>
+            </p:extLst>
+          </p:nvPr>
+        </p:nvSpPr>
+        <p:spPr>
+          <a:xfrm>
+            <a:off x="1953768" y="0"/>
+            <a:ext cx="8284464" cy="6858000"/>
+          </a:xfrm>
+          <a:custGeom>
+            <a:avLst/>
+            <a:gdLst>
+              <a:gd name="connsiteX0" fmla="*/ 1818109 w 8284464"/>
+              <a:gd name="connsiteY0" fmla="*/ 0 h 6858000"/>
+              <a:gd name="connsiteX1" fmla="*/ 6466355 w 8284464"/>
+              <a:gd name="connsiteY1" fmla="*/ 0 h 6858000"/>
+              <a:gd name="connsiteX2" fmla="*/ 6620596 w 8284464"/>
+              <a:gd name="connsiteY2" fmla="*/ 109683 h 6858000"/>
+              <a:gd name="connsiteX3" fmla="*/ 8284464 w 8284464"/>
+              <a:gd name="connsiteY3" fmla="*/ 3429000 h 6858000"/>
+              <a:gd name="connsiteX4" fmla="*/ 6620596 w 8284464"/>
+              <a:gd name="connsiteY4" fmla="*/ 6748318 h 6858000"/>
+              <a:gd name="connsiteX5" fmla="*/ 6466355 w 8284464"/>
+              <a:gd name="connsiteY5" fmla="*/ 6858000 h 6858000"/>
+              <a:gd name="connsiteX6" fmla="*/ 1818109 w 8284464"/>
+              <a:gd name="connsiteY6" fmla="*/ 6858000 h 6858000"/>
+              <a:gd name="connsiteX7" fmla="*/ 1663869 w 8284464"/>
+              <a:gd name="connsiteY7" fmla="*/ 6748318 h 6858000"/>
+              <a:gd name="connsiteX8" fmla="*/ 0 w 8284464"/>
+              <a:gd name="connsiteY8" fmla="*/ 3429000 h 6858000"/>
+              <a:gd name="connsiteX9" fmla="*/ 1663869 w 8284464"/>
+              <a:gd name="connsiteY9" fmla="*/ 109683 h 6858000"/>
+            </a:gdLst>
+            <a:ahLst/>
+            <a:cxnLst>
+              <a:cxn ang="0">
+                <a:pos x="connsiteX0" y="connsiteY0"/>
+              </a:cxn>
+              <a:cxn ang="0">
+                <a:pos x="connsiteX1" y="connsiteY1"/>
+              </a:cxn>
+              <a:cxn ang="0">
+                <a:pos x="connsiteX2" y="connsiteY2"/>
+              </a:cxn>
+              <a:cxn ang="0">
+                <a:pos x="connsiteX3" y="connsiteY3"/>
+              </a:cxn>
+              <a:cxn ang="0">
+                <a:pos x="connsiteX4" y="connsiteY4"/>
+              </a:cxn>
+              <a:cxn ang="0">
+                <a:pos x="connsiteX5" y="connsiteY5"/>
+              </a:cxn>
+              <a:cxn ang="0">
+                <a:pos x="connsiteX6" y="connsiteY6"/>
+              </a:cxn>
+              <a:cxn ang="0">
+                <a:pos x="connsiteX7" y="connsiteY7"/>
+              </a:cxn>
+              <a:cxn ang="0">
+                <a:pos x="connsiteX8" y="connsiteY8"/>
+              </a:cxn>
+              <a:cxn ang="0">
+                <a:pos x="connsiteX9" y="connsiteY9"/>
+              </a:cxn>
+            </a:cxnLst>
+            <a:rect l="l" t="t" r="r" b="b"/>
+            <a:pathLst>
+              <a:path w="8284464" h="6858000">
+                <a:moveTo>
+                  <a:pt x="1818109" y="0"/>
+                </a:moveTo>
+                <a:lnTo>
+                  <a:pt x="6466355" y="0"/>
+                </a:lnTo>
+                <a:lnTo>
+                  <a:pt x="6620596" y="109683"/>
+                </a:lnTo>
+                <a:cubicBezTo>
+                  <a:pt x="7630666" y="865069"/>
+                  <a:pt x="8284464" y="2070683"/>
+                  <a:pt x="8284464" y="3429000"/>
+                </a:cubicBezTo>
+                <a:cubicBezTo>
+                  <a:pt x="8284464" y="4787317"/>
+                  <a:pt x="7630666" y="5992931"/>
+                  <a:pt x="6620596" y="6748318"/>
+                </a:cubicBezTo>
+                <a:lnTo>
+                  <a:pt x="6466355" y="6858000"/>
+                </a:lnTo>
+                <a:lnTo>
+                  <a:pt x="1818109" y="6858000"/>
+                </a:lnTo>
+                <a:lnTo>
+                  <a:pt x="1663869" y="6748318"/>
+                </a:lnTo>
+                <a:cubicBezTo>
+                  <a:pt x="653798" y="5992931"/>
+                  <a:pt x="0" y="4787317"/>
+                  <a:pt x="0" y="3429000"/>
+                </a:cubicBezTo>
+                <a:cubicBezTo>
+                  <a:pt x="0" y="2070683"/>
+                  <a:pt x="653798" y="865069"/>
+                  <a:pt x="1663869" y="109683"/>
+                </a:cubicBezTo>
+                <a:close/>
+              </a:path>
+            </a:pathLst>
+          </a:custGeom>
+          <a:solidFill>
+            <a:srgbClr val="FFFFFF">
+              <a:alpha val="80000"/>
+            </a:srgbClr>
+          </a:solidFill>
+          <a:ln>
+            <a:noFill/>
+          </a:ln>
+        </p:spPr>
+        <p:style>
+          <a:lnRef idx="2">
+            <a:schemeClr val="accent1">
+              <a:shade val="50000"/>
+            </a:schemeClr>
+          </a:lnRef>
+          <a:fillRef idx="1">
+            <a:schemeClr val="accent1"/>
+          </a:fillRef>
+          <a:effectRef idx="0">
+            <a:schemeClr val="accent1"/>
+          </a:effectRef>
+          <a:fontRef idx="minor">
+            <a:schemeClr val="lt1"/>
+          </a:fontRef>
+        </p:style>
+        <p:txBody>
+          <a:bodyPr wrap="square" rtlCol="0" anchor="ctr">
+            <a:noAutofit/>
+          </a:bodyPr>
+          <a:lstStyle/>
+          <a:p>
+            <a:pPr algn="ctr"/>
+            <a:endParaRPr lang="en-US"/>
+          </a:p>
+        </p:txBody>
+      </p:sp>
+      <p:sp>
+        <p:nvSpPr>
+          <p:cNvPr id="10" name="Freeform: Shape 9">
+            <a:extLst>
+              <a:ext uri="{FF2B5EF4-FFF2-40B4-BE49-F238E27FC236}">
+                <a16:creationId xmlns:a16="http://schemas.microsoft.com/office/drawing/2014/main" id="{DF9AD32D-FF05-44F4-BD4D-9CEE89B71EB9}"/>
+              </a:ext>
+              <a:ext uri="{C183D7F6-B498-43B3-948B-1728B52AA6E4}">
+                <adec:decorative xmlns:adec="http://schemas.microsoft.com/office/drawing/2017/decorative" val="1"/>
+              </a:ext>
+            </a:extLst>
+          </p:cNvPr>
+          <p:cNvSpPr>
+            <a:spLocks noGrp="1" noRot="1" noChangeAspect="1" noMove="1" noResize="1" noEditPoints="1" noAdjustHandles="1" noChangeArrowheads="1" noChangeShapeType="1" noTextEdit="1"/>
+          </p:cNvSpPr>
+          <p:nvPr>
+            <p:extLst>
+              <p:ext uri="{386F3935-93C4-4BCD-93E2-E3B085C9AB24}">
+                <p16:designElem xmlns:p16="http://schemas.microsoft.com/office/powerpoint/2015/main" val="1"/>
+              </p:ext>
+            </p:extLst>
+          </p:nvPr>
+        </p:nvSpPr>
+        <p:spPr>
+          <a:xfrm>
+            <a:off x="2118360" y="0"/>
+            <a:ext cx="7955280" cy="6858000"/>
+          </a:xfrm>
+          <a:custGeom>
+            <a:avLst/>
+            <a:gdLst>
+              <a:gd name="connsiteX0" fmla="*/ 1962423 w 7955280"/>
+              <a:gd name="connsiteY0" fmla="*/ 0 h 6858000"/>
+              <a:gd name="connsiteX1" fmla="*/ 5992858 w 7955280"/>
+              <a:gd name="connsiteY1" fmla="*/ 0 h 6858000"/>
+              <a:gd name="connsiteX2" fmla="*/ 6040191 w 7955280"/>
+              <a:gd name="connsiteY2" fmla="*/ 27216 h 6858000"/>
+              <a:gd name="connsiteX3" fmla="*/ 7955280 w 7955280"/>
+              <a:gd name="connsiteY3" fmla="*/ 3429000 h 6858000"/>
+              <a:gd name="connsiteX4" fmla="*/ 6040191 w 7955280"/>
+              <a:gd name="connsiteY4" fmla="*/ 6830784 h 6858000"/>
+              <a:gd name="connsiteX5" fmla="*/ 5992858 w 7955280"/>
+              <a:gd name="connsiteY5" fmla="*/ 6858000 h 6858000"/>
+              <a:gd name="connsiteX6" fmla="*/ 1962423 w 7955280"/>
+              <a:gd name="connsiteY6" fmla="*/ 6858000 h 6858000"/>
+              <a:gd name="connsiteX7" fmla="*/ 1915089 w 7955280"/>
+              <a:gd name="connsiteY7" fmla="*/ 6830784 h 6858000"/>
+              <a:gd name="connsiteX8" fmla="*/ 0 w 7955280"/>
+              <a:gd name="connsiteY8" fmla="*/ 3429000 h 6858000"/>
+              <a:gd name="connsiteX9" fmla="*/ 1915089 w 7955280"/>
+              <a:gd name="connsiteY9" fmla="*/ 27216 h 6858000"/>
+            </a:gdLst>
+            <a:ahLst/>
+            <a:cxnLst>
+              <a:cxn ang="0">
+                <a:pos x="connsiteX0" y="connsiteY0"/>
+              </a:cxn>
+              <a:cxn ang="0">
+                <a:pos x="connsiteX1" y="connsiteY1"/>
+              </a:cxn>
+              <a:cxn ang="0">
+                <a:pos x="connsiteX2" y="connsiteY2"/>
+              </a:cxn>
+              <a:cxn ang="0">
+                <a:pos x="connsiteX3" y="connsiteY3"/>
+              </a:cxn>
+              <a:cxn ang="0">
+                <a:pos x="connsiteX4" y="connsiteY4"/>
+              </a:cxn>
+              <a:cxn ang="0">
+                <a:pos x="connsiteX5" y="connsiteY5"/>
+              </a:cxn>
+              <a:cxn ang="0">
+                <a:pos x="connsiteX6" y="connsiteY6"/>
+              </a:cxn>
+              <a:cxn ang="0">
+                <a:pos x="connsiteX7" y="connsiteY7"/>
+              </a:cxn>
+              <a:cxn ang="0">
+                <a:pos x="connsiteX8" y="connsiteY8"/>
+              </a:cxn>
+              <a:cxn ang="0">
+                <a:pos x="connsiteX9" y="connsiteY9"/>
+              </a:cxn>
+            </a:cxnLst>
+            <a:rect l="l" t="t" r="r" b="b"/>
+            <a:pathLst>
+              <a:path w="7955280" h="6858000">
+                <a:moveTo>
+                  <a:pt x="1962423" y="0"/>
+                </a:moveTo>
+                <a:lnTo>
+                  <a:pt x="5992858" y="0"/>
+                </a:lnTo>
+                <a:lnTo>
+                  <a:pt x="6040191" y="27216"/>
+                </a:lnTo>
+                <a:cubicBezTo>
+                  <a:pt x="7188332" y="724844"/>
+                  <a:pt x="7955280" y="1987357"/>
+                  <a:pt x="7955280" y="3429000"/>
+                </a:cubicBezTo>
+                <a:cubicBezTo>
+                  <a:pt x="7955280" y="4870644"/>
+                  <a:pt x="7188332" y="6133157"/>
+                  <a:pt x="6040191" y="6830784"/>
+                </a:cubicBezTo>
+                <a:lnTo>
+                  <a:pt x="5992858" y="6858000"/>
+                </a:lnTo>
+                <a:lnTo>
+                  <a:pt x="1962423" y="6858000"/>
+                </a:lnTo>
+                <a:lnTo>
+                  <a:pt x="1915089" y="6830784"/>
+                </a:lnTo>
+                <a:cubicBezTo>
+                  <a:pt x="766948" y="6133157"/>
+                  <a:pt x="0" y="4870644"/>
+                  <a:pt x="0" y="3429000"/>
+                </a:cubicBezTo>
+                <a:cubicBezTo>
+                  <a:pt x="0" y="1987357"/>
+                  <a:pt x="766948" y="724844"/>
+                  <a:pt x="1915089" y="27216"/>
+                </a:cubicBezTo>
+                <a:close/>
+              </a:path>
+            </a:pathLst>
+          </a:custGeom>
+          <a:solidFill>
+            <a:schemeClr val="tx1"/>
+          </a:solidFill>
+          <a:ln>
+            <a:noFill/>
+          </a:ln>
+        </p:spPr>
+        <p:style>
+          <a:lnRef idx="2">
+            <a:schemeClr val="accent1">
+              <a:shade val="50000"/>
+            </a:schemeClr>
+          </a:lnRef>
+          <a:fillRef idx="1">
+            <a:schemeClr val="accent1"/>
+          </a:fillRef>
+          <a:effectRef idx="0">
+            <a:schemeClr val="accent1"/>
+          </a:effectRef>
+          <a:fontRef idx="minor">
+            <a:schemeClr val="lt1"/>
+          </a:fontRef>
+        </p:style>
+        <p:txBody>
+          <a:bodyPr wrap="square" rtlCol="0" anchor="ctr">
+            <a:noAutofit/>
+          </a:bodyPr>
+          <a:lstStyle/>
+          <a:p>
+            <a:pPr algn="ctr"/>
+            <a:endParaRPr lang="en-US"/>
+          </a:p>
+        </p:txBody>
+      </p:sp>
+      <p:sp>
+        <p:nvSpPr>
           <p:cNvPr id="2" name="Title 1">
             <a:extLst>
               <a:ext uri="{FF2B5EF4-FFF2-40B4-BE49-F238E27FC236}">
@@ -4516,52 +7965,42 @@
             <p:ph type="title"/>
           </p:nvPr>
         </p:nvSpPr>
-        <p:spPr/>
-        <p:txBody>
-          <a:bodyPr/>
-          <a:lstStyle/>
-          <a:p>
-            <a:r>
-              <a:rPr lang="en-US" dirty="0"/>
-              <a:t>Chapter 7</a:t>
-            </a:r>
-          </a:p>
-        </p:txBody>
-      </p:sp>
-      <p:sp>
-        <p:nvSpPr>
-          <p:cNvPr id="3" name="Content Placeholder 2">
-            <a:extLst>
-              <a:ext uri="{FF2B5EF4-FFF2-40B4-BE49-F238E27FC236}">
-                <a16:creationId xmlns:a16="http://schemas.microsoft.com/office/drawing/2014/main" id="{1B381E9F-A42B-1547-86AB-7A6C55418943}"/>
-              </a:ext>
-            </a:extLst>
-          </p:cNvPr>
-          <p:cNvSpPr>
-            <a:spLocks noGrp="1"/>
-          </p:cNvSpPr>
-          <p:nvPr>
-            <p:ph idx="1"/>
-          </p:nvPr>
-        </p:nvSpPr>
-        <p:spPr/>
-        <p:txBody>
-          <a:bodyPr/>
-          <a:lstStyle/>
-          <a:p>
-            <a:endParaRPr lang="en-US"/>
+        <p:spPr>
+          <a:xfrm>
+            <a:off x="2555631" y="1441938"/>
+            <a:ext cx="7080738" cy="3974124"/>
+          </a:xfrm>
+        </p:spPr>
+        <p:txBody>
+          <a:bodyPr vert="horz" lIns="91440" tIns="45720" rIns="91440" bIns="45720" rtlCol="0" anchor="ctr">
+            <a:normAutofit/>
+          </a:bodyPr>
+          <a:lstStyle/>
+          <a:p>
+            <a:pPr algn="ctr"/>
+            <a:r>
+              <a:rPr lang="en-US" sz="5400">
+                <a:solidFill>
+                  <a:schemeClr val="bg1">
+                    <a:lumMod val="95000"/>
+                    <a:lumOff val="5000"/>
+                  </a:schemeClr>
+                </a:solidFill>
+              </a:rPr>
+              <a:t>Chapter 4: Building Agent-Based Models with NetLogo</a:t>
+            </a:r>
           </a:p>
         </p:txBody>
       </p:sp>
     </p:spTree>
     <p:extLst>
       <p:ext uri="{BB962C8B-B14F-4D97-AF65-F5344CB8AC3E}">
-        <p14:creationId xmlns:p14="http://schemas.microsoft.com/office/powerpoint/2010/main" val="1632113489"/>
+        <p14:creationId xmlns:p14="http://schemas.microsoft.com/office/powerpoint/2010/main" val="2767816176"/>
       </p:ext>
     </p:extLst>
   </p:cSld>
   <p:clrMapOvr>
-    <a:masterClrMapping/>
+    <a:overrideClrMapping bg1="dk1" tx1="lt1" bg2="dk2" tx2="lt2" accent1="accent1" accent2="accent2" accent3="accent3" accent4="accent4" accent5="accent5" accent6="accent6" hlink="hlink" folHlink="folHlink"/>
   </p:clrMapOvr>
 </p:sld>
 </file>
@@ -4588,7 +8027,7 @@
           <p:cNvPr id="2" name="Title 1">
             <a:extLst>
               <a:ext uri="{FF2B5EF4-FFF2-40B4-BE49-F238E27FC236}">
-                <a16:creationId xmlns:a16="http://schemas.microsoft.com/office/drawing/2014/main" id="{44DBCF65-81D9-F543-ACE8-4FDCA4590571}"/>
+                <a16:creationId xmlns:a16="http://schemas.microsoft.com/office/drawing/2014/main" id="{1205307A-88FF-A148-92DD-67B6F926B4FF}"/>
               </a:ext>
             </a:extLst>
           </p:cNvPr>
@@ -4604,10 +8043,7 @@
           <a:bodyPr/>
           <a:lstStyle/>
           <a:p>
-            <a:r>
-              <a:rPr lang="en-US" dirty="0"/>
-              <a:t>Chapter 8</a:t>
-            </a:r>
+            <a:endParaRPr lang="en-US"/>
           </a:p>
         </p:txBody>
       </p:sp>
@@ -4616,7 +8052,7 @@
           <p:cNvPr id="3" name="Content Placeholder 2">
             <a:extLst>
               <a:ext uri="{FF2B5EF4-FFF2-40B4-BE49-F238E27FC236}">
-                <a16:creationId xmlns:a16="http://schemas.microsoft.com/office/drawing/2014/main" id="{1B381E9F-A42B-1547-86AB-7A6C55418943}"/>
+                <a16:creationId xmlns:a16="http://schemas.microsoft.com/office/drawing/2014/main" id="{38DFF432-90FF-BE4B-B706-5698F65D9383}"/>
               </a:ext>
             </a:extLst>
           </p:cNvPr>
@@ -4639,7 +8075,7 @@
     </p:spTree>
     <p:extLst>
       <p:ext uri="{BB962C8B-B14F-4D97-AF65-F5344CB8AC3E}">
-        <p14:creationId xmlns:p14="http://schemas.microsoft.com/office/powerpoint/2010/main" val="461074598"/>
+        <p14:creationId xmlns:p14="http://schemas.microsoft.com/office/powerpoint/2010/main" val="2619111523"/>
       </p:ext>
     </p:extLst>
   </p:cSld>
@@ -4652,6 +8088,17 @@
 <file path=ppt/slides/slide18.xml><?xml version="1.0" encoding="utf-8"?>
 <p:sld xmlns:a="http://schemas.openxmlformats.org/drawingml/2006/main" xmlns:r="http://schemas.openxmlformats.org/officeDocument/2006/relationships" xmlns:p="http://schemas.openxmlformats.org/presentationml/2006/main">
   <p:cSld>
+    <p:bg>
+      <p:bgPr>
+        <a:solidFill>
+          <a:schemeClr val="bg1">
+            <a:tint val="95000"/>
+            <a:satMod val="170000"/>
+          </a:schemeClr>
+        </a:solidFill>
+        <a:effectLst/>
+      </p:bgPr>
+    </p:bg>
     <p:spTree>
       <p:nvGrpSpPr>
         <p:cNvPr id="1" name=""/>
@@ -4668,6 +8115,336 @@
       </p:grpSpPr>
       <p:sp>
         <p:nvSpPr>
+          <p:cNvPr id="8" name="Freeform: Shape 7">
+            <a:extLst>
+              <a:ext uri="{FF2B5EF4-FFF2-40B4-BE49-F238E27FC236}">
+                <a16:creationId xmlns:a16="http://schemas.microsoft.com/office/drawing/2014/main" id="{66B332A4-D438-4773-A77F-5ED49A448D9D}"/>
+              </a:ext>
+              <a:ext uri="{C183D7F6-B498-43B3-948B-1728B52AA6E4}">
+                <adec:decorative xmlns:adec="http://schemas.microsoft.com/office/drawing/2017/decorative" val="1"/>
+              </a:ext>
+            </a:extLst>
+          </p:cNvPr>
+          <p:cNvSpPr>
+            <a:spLocks noGrp="1" noRot="1" noChangeAspect="1" noMove="1" noResize="1" noEditPoints="1" noAdjustHandles="1" noChangeArrowheads="1" noChangeShapeType="1" noTextEdit="1"/>
+          </p:cNvSpPr>
+          <p:nvPr>
+            <p:extLst>
+              <p:ext uri="{386F3935-93C4-4BCD-93E2-E3B085C9AB24}">
+                <p16:designElem xmlns:p16="http://schemas.microsoft.com/office/powerpoint/2015/main" val="1"/>
+              </p:ext>
+            </p:extLst>
+          </p:nvPr>
+        </p:nvSpPr>
+        <p:spPr>
+          <a:xfrm>
+            <a:off x="1953768" y="0"/>
+            <a:ext cx="8284464" cy="6858000"/>
+          </a:xfrm>
+          <a:custGeom>
+            <a:avLst/>
+            <a:gdLst>
+              <a:gd name="connsiteX0" fmla="*/ 1818109 w 8284464"/>
+              <a:gd name="connsiteY0" fmla="*/ 0 h 6858000"/>
+              <a:gd name="connsiteX1" fmla="*/ 6466355 w 8284464"/>
+              <a:gd name="connsiteY1" fmla="*/ 0 h 6858000"/>
+              <a:gd name="connsiteX2" fmla="*/ 6620596 w 8284464"/>
+              <a:gd name="connsiteY2" fmla="*/ 109683 h 6858000"/>
+              <a:gd name="connsiteX3" fmla="*/ 8284464 w 8284464"/>
+              <a:gd name="connsiteY3" fmla="*/ 3429000 h 6858000"/>
+              <a:gd name="connsiteX4" fmla="*/ 6620596 w 8284464"/>
+              <a:gd name="connsiteY4" fmla="*/ 6748318 h 6858000"/>
+              <a:gd name="connsiteX5" fmla="*/ 6466355 w 8284464"/>
+              <a:gd name="connsiteY5" fmla="*/ 6858000 h 6858000"/>
+              <a:gd name="connsiteX6" fmla="*/ 1818109 w 8284464"/>
+              <a:gd name="connsiteY6" fmla="*/ 6858000 h 6858000"/>
+              <a:gd name="connsiteX7" fmla="*/ 1663869 w 8284464"/>
+              <a:gd name="connsiteY7" fmla="*/ 6748318 h 6858000"/>
+              <a:gd name="connsiteX8" fmla="*/ 0 w 8284464"/>
+              <a:gd name="connsiteY8" fmla="*/ 3429000 h 6858000"/>
+              <a:gd name="connsiteX9" fmla="*/ 1663869 w 8284464"/>
+              <a:gd name="connsiteY9" fmla="*/ 109683 h 6858000"/>
+            </a:gdLst>
+            <a:ahLst/>
+            <a:cxnLst>
+              <a:cxn ang="0">
+                <a:pos x="connsiteX0" y="connsiteY0"/>
+              </a:cxn>
+              <a:cxn ang="0">
+                <a:pos x="connsiteX1" y="connsiteY1"/>
+              </a:cxn>
+              <a:cxn ang="0">
+                <a:pos x="connsiteX2" y="connsiteY2"/>
+              </a:cxn>
+              <a:cxn ang="0">
+                <a:pos x="connsiteX3" y="connsiteY3"/>
+              </a:cxn>
+              <a:cxn ang="0">
+                <a:pos x="connsiteX4" y="connsiteY4"/>
+              </a:cxn>
+              <a:cxn ang="0">
+                <a:pos x="connsiteX5" y="connsiteY5"/>
+              </a:cxn>
+              <a:cxn ang="0">
+                <a:pos x="connsiteX6" y="connsiteY6"/>
+              </a:cxn>
+              <a:cxn ang="0">
+                <a:pos x="connsiteX7" y="connsiteY7"/>
+              </a:cxn>
+              <a:cxn ang="0">
+                <a:pos x="connsiteX8" y="connsiteY8"/>
+              </a:cxn>
+              <a:cxn ang="0">
+                <a:pos x="connsiteX9" y="connsiteY9"/>
+              </a:cxn>
+            </a:cxnLst>
+            <a:rect l="l" t="t" r="r" b="b"/>
+            <a:pathLst>
+              <a:path w="8284464" h="6858000">
+                <a:moveTo>
+                  <a:pt x="1818109" y="0"/>
+                </a:moveTo>
+                <a:lnTo>
+                  <a:pt x="6466355" y="0"/>
+                </a:lnTo>
+                <a:lnTo>
+                  <a:pt x="6620596" y="109683"/>
+                </a:lnTo>
+                <a:cubicBezTo>
+                  <a:pt x="7630666" y="865069"/>
+                  <a:pt x="8284464" y="2070683"/>
+                  <a:pt x="8284464" y="3429000"/>
+                </a:cubicBezTo>
+                <a:cubicBezTo>
+                  <a:pt x="8284464" y="4787317"/>
+                  <a:pt x="7630666" y="5992931"/>
+                  <a:pt x="6620596" y="6748318"/>
+                </a:cubicBezTo>
+                <a:lnTo>
+                  <a:pt x="6466355" y="6858000"/>
+                </a:lnTo>
+                <a:lnTo>
+                  <a:pt x="1818109" y="6858000"/>
+                </a:lnTo>
+                <a:lnTo>
+                  <a:pt x="1663869" y="6748318"/>
+                </a:lnTo>
+                <a:cubicBezTo>
+                  <a:pt x="653798" y="5992931"/>
+                  <a:pt x="0" y="4787317"/>
+                  <a:pt x="0" y="3429000"/>
+                </a:cubicBezTo>
+                <a:cubicBezTo>
+                  <a:pt x="0" y="2070683"/>
+                  <a:pt x="653798" y="865069"/>
+                  <a:pt x="1663869" y="109683"/>
+                </a:cubicBezTo>
+                <a:close/>
+              </a:path>
+            </a:pathLst>
+          </a:custGeom>
+          <a:solidFill>
+            <a:srgbClr val="FFFFFF">
+              <a:alpha val="80000"/>
+            </a:srgbClr>
+          </a:solidFill>
+          <a:ln>
+            <a:noFill/>
+          </a:ln>
+        </p:spPr>
+        <p:style>
+          <a:lnRef idx="2">
+            <a:schemeClr val="accent1">
+              <a:shade val="50000"/>
+            </a:schemeClr>
+          </a:lnRef>
+          <a:fillRef idx="1">
+            <a:schemeClr val="accent1"/>
+          </a:fillRef>
+          <a:effectRef idx="0">
+            <a:schemeClr val="accent1"/>
+          </a:effectRef>
+          <a:fontRef idx="minor">
+            <a:schemeClr val="lt1"/>
+          </a:fontRef>
+        </p:style>
+        <p:txBody>
+          <a:bodyPr wrap="square" rtlCol="0" anchor="ctr">
+            <a:noAutofit/>
+          </a:bodyPr>
+          <a:lstStyle/>
+          <a:p>
+            <a:pPr algn="ctr"/>
+            <a:endParaRPr lang="en-US"/>
+          </a:p>
+        </p:txBody>
+      </p:sp>
+      <p:sp>
+        <p:nvSpPr>
+          <p:cNvPr id="10" name="Freeform: Shape 9">
+            <a:extLst>
+              <a:ext uri="{FF2B5EF4-FFF2-40B4-BE49-F238E27FC236}">
+                <a16:creationId xmlns:a16="http://schemas.microsoft.com/office/drawing/2014/main" id="{DF9AD32D-FF05-44F4-BD4D-9CEE89B71EB9}"/>
+              </a:ext>
+              <a:ext uri="{C183D7F6-B498-43B3-948B-1728B52AA6E4}">
+                <adec:decorative xmlns:adec="http://schemas.microsoft.com/office/drawing/2017/decorative" val="1"/>
+              </a:ext>
+            </a:extLst>
+          </p:cNvPr>
+          <p:cNvSpPr>
+            <a:spLocks noGrp="1" noRot="1" noChangeAspect="1" noMove="1" noResize="1" noEditPoints="1" noAdjustHandles="1" noChangeArrowheads="1" noChangeShapeType="1" noTextEdit="1"/>
+          </p:cNvSpPr>
+          <p:nvPr>
+            <p:extLst>
+              <p:ext uri="{386F3935-93C4-4BCD-93E2-E3B085C9AB24}">
+                <p16:designElem xmlns:p16="http://schemas.microsoft.com/office/powerpoint/2015/main" val="1"/>
+              </p:ext>
+            </p:extLst>
+          </p:nvPr>
+        </p:nvSpPr>
+        <p:spPr>
+          <a:xfrm>
+            <a:off x="2118360" y="0"/>
+            <a:ext cx="7955280" cy="6858000"/>
+          </a:xfrm>
+          <a:custGeom>
+            <a:avLst/>
+            <a:gdLst>
+              <a:gd name="connsiteX0" fmla="*/ 1962423 w 7955280"/>
+              <a:gd name="connsiteY0" fmla="*/ 0 h 6858000"/>
+              <a:gd name="connsiteX1" fmla="*/ 5992858 w 7955280"/>
+              <a:gd name="connsiteY1" fmla="*/ 0 h 6858000"/>
+              <a:gd name="connsiteX2" fmla="*/ 6040191 w 7955280"/>
+              <a:gd name="connsiteY2" fmla="*/ 27216 h 6858000"/>
+              <a:gd name="connsiteX3" fmla="*/ 7955280 w 7955280"/>
+              <a:gd name="connsiteY3" fmla="*/ 3429000 h 6858000"/>
+              <a:gd name="connsiteX4" fmla="*/ 6040191 w 7955280"/>
+              <a:gd name="connsiteY4" fmla="*/ 6830784 h 6858000"/>
+              <a:gd name="connsiteX5" fmla="*/ 5992858 w 7955280"/>
+              <a:gd name="connsiteY5" fmla="*/ 6858000 h 6858000"/>
+              <a:gd name="connsiteX6" fmla="*/ 1962423 w 7955280"/>
+              <a:gd name="connsiteY6" fmla="*/ 6858000 h 6858000"/>
+              <a:gd name="connsiteX7" fmla="*/ 1915089 w 7955280"/>
+              <a:gd name="connsiteY7" fmla="*/ 6830784 h 6858000"/>
+              <a:gd name="connsiteX8" fmla="*/ 0 w 7955280"/>
+              <a:gd name="connsiteY8" fmla="*/ 3429000 h 6858000"/>
+              <a:gd name="connsiteX9" fmla="*/ 1915089 w 7955280"/>
+              <a:gd name="connsiteY9" fmla="*/ 27216 h 6858000"/>
+            </a:gdLst>
+            <a:ahLst/>
+            <a:cxnLst>
+              <a:cxn ang="0">
+                <a:pos x="connsiteX0" y="connsiteY0"/>
+              </a:cxn>
+              <a:cxn ang="0">
+                <a:pos x="connsiteX1" y="connsiteY1"/>
+              </a:cxn>
+              <a:cxn ang="0">
+                <a:pos x="connsiteX2" y="connsiteY2"/>
+              </a:cxn>
+              <a:cxn ang="0">
+                <a:pos x="connsiteX3" y="connsiteY3"/>
+              </a:cxn>
+              <a:cxn ang="0">
+                <a:pos x="connsiteX4" y="connsiteY4"/>
+              </a:cxn>
+              <a:cxn ang="0">
+                <a:pos x="connsiteX5" y="connsiteY5"/>
+              </a:cxn>
+              <a:cxn ang="0">
+                <a:pos x="connsiteX6" y="connsiteY6"/>
+              </a:cxn>
+              <a:cxn ang="0">
+                <a:pos x="connsiteX7" y="connsiteY7"/>
+              </a:cxn>
+              <a:cxn ang="0">
+                <a:pos x="connsiteX8" y="connsiteY8"/>
+              </a:cxn>
+              <a:cxn ang="0">
+                <a:pos x="connsiteX9" y="connsiteY9"/>
+              </a:cxn>
+            </a:cxnLst>
+            <a:rect l="l" t="t" r="r" b="b"/>
+            <a:pathLst>
+              <a:path w="7955280" h="6858000">
+                <a:moveTo>
+                  <a:pt x="1962423" y="0"/>
+                </a:moveTo>
+                <a:lnTo>
+                  <a:pt x="5992858" y="0"/>
+                </a:lnTo>
+                <a:lnTo>
+                  <a:pt x="6040191" y="27216"/>
+                </a:lnTo>
+                <a:cubicBezTo>
+                  <a:pt x="7188332" y="724844"/>
+                  <a:pt x="7955280" y="1987357"/>
+                  <a:pt x="7955280" y="3429000"/>
+                </a:cubicBezTo>
+                <a:cubicBezTo>
+                  <a:pt x="7955280" y="4870644"/>
+                  <a:pt x="7188332" y="6133157"/>
+                  <a:pt x="6040191" y="6830784"/>
+                </a:cubicBezTo>
+                <a:lnTo>
+                  <a:pt x="5992858" y="6858000"/>
+                </a:lnTo>
+                <a:lnTo>
+                  <a:pt x="1962423" y="6858000"/>
+                </a:lnTo>
+                <a:lnTo>
+                  <a:pt x="1915089" y="6830784"/>
+                </a:lnTo>
+                <a:cubicBezTo>
+                  <a:pt x="766948" y="6133157"/>
+                  <a:pt x="0" y="4870644"/>
+                  <a:pt x="0" y="3429000"/>
+                </a:cubicBezTo>
+                <a:cubicBezTo>
+                  <a:pt x="0" y="1987357"/>
+                  <a:pt x="766948" y="724844"/>
+                  <a:pt x="1915089" y="27216"/>
+                </a:cubicBezTo>
+                <a:close/>
+              </a:path>
+            </a:pathLst>
+          </a:custGeom>
+          <a:solidFill>
+            <a:schemeClr val="tx1"/>
+          </a:solidFill>
+          <a:ln>
+            <a:noFill/>
+          </a:ln>
+        </p:spPr>
+        <p:style>
+          <a:lnRef idx="2">
+            <a:schemeClr val="accent1">
+              <a:shade val="50000"/>
+            </a:schemeClr>
+          </a:lnRef>
+          <a:fillRef idx="1">
+            <a:schemeClr val="accent1"/>
+          </a:fillRef>
+          <a:effectRef idx="0">
+            <a:schemeClr val="accent1"/>
+          </a:effectRef>
+          <a:fontRef idx="minor">
+            <a:schemeClr val="lt1"/>
+          </a:fontRef>
+        </p:style>
+        <p:txBody>
+          <a:bodyPr wrap="square" rtlCol="0" anchor="ctr">
+            <a:noAutofit/>
+          </a:bodyPr>
+          <a:lstStyle/>
+          <a:p>
+            <a:pPr algn="ctr"/>
+            <a:endParaRPr lang="en-US"/>
+          </a:p>
+        </p:txBody>
+      </p:sp>
+      <p:sp>
+        <p:nvSpPr>
           <p:cNvPr id="2" name="Title 1">
             <a:extLst>
               <a:ext uri="{FF2B5EF4-FFF2-40B4-BE49-F238E27FC236}">
@@ -4682,52 +8459,42 @@
             <p:ph type="title"/>
           </p:nvPr>
         </p:nvSpPr>
-        <p:spPr/>
-        <p:txBody>
-          <a:bodyPr/>
-          <a:lstStyle/>
-          <a:p>
-            <a:r>
-              <a:rPr lang="en-US" dirty="0"/>
-              <a:t>Chapter 9</a:t>
-            </a:r>
-          </a:p>
-        </p:txBody>
-      </p:sp>
-      <p:sp>
-        <p:nvSpPr>
-          <p:cNvPr id="3" name="Content Placeholder 2">
-            <a:extLst>
-              <a:ext uri="{FF2B5EF4-FFF2-40B4-BE49-F238E27FC236}">
-                <a16:creationId xmlns:a16="http://schemas.microsoft.com/office/drawing/2014/main" id="{1B381E9F-A42B-1547-86AB-7A6C55418943}"/>
-              </a:ext>
-            </a:extLst>
-          </p:cNvPr>
-          <p:cNvSpPr>
-            <a:spLocks noGrp="1"/>
-          </p:cNvSpPr>
-          <p:nvPr>
-            <p:ph idx="1"/>
-          </p:nvPr>
-        </p:nvSpPr>
-        <p:spPr/>
-        <p:txBody>
-          <a:bodyPr/>
-          <a:lstStyle/>
-          <a:p>
-            <a:endParaRPr lang="en-US"/>
+        <p:spPr>
+          <a:xfrm>
+            <a:off x="2555631" y="1441938"/>
+            <a:ext cx="7080738" cy="3974124"/>
+          </a:xfrm>
+        </p:spPr>
+        <p:txBody>
+          <a:bodyPr vert="horz" lIns="91440" tIns="45720" rIns="91440" bIns="45720" rtlCol="0" anchor="ctr">
+            <a:normAutofit/>
+          </a:bodyPr>
+          <a:lstStyle/>
+          <a:p>
+            <a:pPr algn="ctr"/>
+            <a:r>
+              <a:rPr lang="en-US" sz="5400">
+                <a:solidFill>
+                  <a:schemeClr val="bg1">
+                    <a:lumMod val="95000"/>
+                    <a:lumOff val="5000"/>
+                  </a:schemeClr>
+                </a:solidFill>
+              </a:rPr>
+              <a:t>Chapter 5: Fundamentals of Geographical Information Systems</a:t>
+            </a:r>
           </a:p>
         </p:txBody>
       </p:sp>
     </p:spTree>
     <p:extLst>
       <p:ext uri="{BB962C8B-B14F-4D97-AF65-F5344CB8AC3E}">
-        <p14:creationId xmlns:p14="http://schemas.microsoft.com/office/powerpoint/2010/main" val="3036287095"/>
+        <p14:creationId xmlns:p14="http://schemas.microsoft.com/office/powerpoint/2010/main" val="2585265086"/>
       </p:ext>
     </p:extLst>
   </p:cSld>
   <p:clrMapOvr>
-    <a:masterClrMapping/>
+    <a:overrideClrMapping bg1="dk1" tx1="lt1" bg2="dk2" tx2="lt2" accent1="accent1" accent2="accent2" accent3="accent3" accent4="accent4" accent5="accent5" accent6="accent6" hlink="hlink" folHlink="folHlink"/>
   </p:clrMapOvr>
 </p:sld>
 </file>
@@ -4754,7 +8521,7 @@
           <p:cNvPr id="2" name="Title 1">
             <a:extLst>
               <a:ext uri="{FF2B5EF4-FFF2-40B4-BE49-F238E27FC236}">
-                <a16:creationId xmlns:a16="http://schemas.microsoft.com/office/drawing/2014/main" id="{44DBCF65-81D9-F543-ACE8-4FDCA4590571}"/>
+                <a16:creationId xmlns:a16="http://schemas.microsoft.com/office/drawing/2014/main" id="{1205307A-88FF-A148-92DD-67B6F926B4FF}"/>
               </a:ext>
             </a:extLst>
           </p:cNvPr>
@@ -4770,10 +8537,7 @@
           <a:bodyPr/>
           <a:lstStyle/>
           <a:p>
-            <a:r>
-              <a:rPr lang="en-US" dirty="0"/>
-              <a:t>Chapter 10</a:t>
-            </a:r>
+            <a:endParaRPr lang="en-US"/>
           </a:p>
         </p:txBody>
       </p:sp>
@@ -4782,7 +8546,7 @@
           <p:cNvPr id="3" name="Content Placeholder 2">
             <a:extLst>
               <a:ext uri="{FF2B5EF4-FFF2-40B4-BE49-F238E27FC236}">
-                <a16:creationId xmlns:a16="http://schemas.microsoft.com/office/drawing/2014/main" id="{1B381E9F-A42B-1547-86AB-7A6C55418943}"/>
+                <a16:creationId xmlns:a16="http://schemas.microsoft.com/office/drawing/2014/main" id="{38DFF432-90FF-BE4B-B706-5698F65D9383}"/>
               </a:ext>
             </a:extLst>
           </p:cNvPr>
@@ -4805,7 +8569,7 @@
     </p:spTree>
     <p:extLst>
       <p:ext uri="{BB962C8B-B14F-4D97-AF65-F5344CB8AC3E}">
-        <p14:creationId xmlns:p14="http://schemas.microsoft.com/office/powerpoint/2010/main" val="2713225905"/>
+        <p14:creationId xmlns:p14="http://schemas.microsoft.com/office/powerpoint/2010/main" val="3705241263"/>
       </p:ext>
     </p:extLst>
   </p:cSld>
@@ -4883,11 +8647,40 @@
           <a:p>
             <a:r>
               <a:rPr lang="en-US" dirty="0"/>
-              <a:t>Provide contextual background and general overview of the major developments in geographical modelling for the simulation of </a:t>
-            </a:r>
-            <a:r>
-              <a:rPr lang="en-US"/>
-              <a:t>the individual</a:t>
+              <a:t>Introduce the textbook, structure and online resources. </a:t>
+            </a:r>
+          </a:p>
+          <a:p>
+            <a:r>
+              <a:rPr lang="en-US" dirty="0"/>
+              <a:t>Provide contextual background and general overview of the major developments in geographical modelling for the simulation of the individual.</a:t>
+            </a:r>
+          </a:p>
+          <a:p>
+            <a:pPr lvl="1"/>
+            <a:r>
+              <a:rPr lang="en-US" dirty="0"/>
+              <a:t>What is a model</a:t>
+            </a:r>
+          </a:p>
+          <a:p>
+            <a:pPr lvl="1"/>
+            <a:r>
+              <a:rPr lang="en-US" dirty="0"/>
+              <a:t>Introduce complexity theory</a:t>
+            </a:r>
+          </a:p>
+          <a:p>
+            <a:r>
+              <a:rPr lang="en-US" dirty="0"/>
+              <a:t>Set the scene for the upcoming chapters </a:t>
+            </a:r>
+          </a:p>
+          <a:p>
+            <a:pPr lvl="1"/>
+            <a:r>
+              <a:rPr lang="en-US" dirty="0"/>
+              <a:t>Provide a brief overview of the main topics covered in the book.</a:t>
             </a:r>
           </a:p>
           <a:p>
@@ -4911,6 +8704,17 @@
 <file path=ppt/slides/slide20.xml><?xml version="1.0" encoding="utf-8"?>
 <p:sld xmlns:a="http://schemas.openxmlformats.org/drawingml/2006/main" xmlns:r="http://schemas.openxmlformats.org/officeDocument/2006/relationships" xmlns:p="http://schemas.openxmlformats.org/presentationml/2006/main">
   <p:cSld>
+    <p:bg>
+      <p:bgPr>
+        <a:solidFill>
+          <a:schemeClr val="bg1">
+            <a:tint val="95000"/>
+            <a:satMod val="170000"/>
+          </a:schemeClr>
+        </a:solidFill>
+        <a:effectLst/>
+      </p:bgPr>
+    </p:bg>
     <p:spTree>
       <p:nvGrpSpPr>
         <p:cNvPr id="1" name=""/>
@@ -4927,6 +8731,336 @@
       </p:grpSpPr>
       <p:sp>
         <p:nvSpPr>
+          <p:cNvPr id="8" name="Freeform: Shape 7">
+            <a:extLst>
+              <a:ext uri="{FF2B5EF4-FFF2-40B4-BE49-F238E27FC236}">
+                <a16:creationId xmlns:a16="http://schemas.microsoft.com/office/drawing/2014/main" id="{66B332A4-D438-4773-A77F-5ED49A448D9D}"/>
+              </a:ext>
+              <a:ext uri="{C183D7F6-B498-43B3-948B-1728B52AA6E4}">
+                <adec:decorative xmlns:adec="http://schemas.microsoft.com/office/drawing/2017/decorative" val="1"/>
+              </a:ext>
+            </a:extLst>
+          </p:cNvPr>
+          <p:cNvSpPr>
+            <a:spLocks noGrp="1" noRot="1" noChangeAspect="1" noMove="1" noResize="1" noEditPoints="1" noAdjustHandles="1" noChangeArrowheads="1" noChangeShapeType="1" noTextEdit="1"/>
+          </p:cNvSpPr>
+          <p:nvPr>
+            <p:extLst>
+              <p:ext uri="{386F3935-93C4-4BCD-93E2-E3B085C9AB24}">
+                <p16:designElem xmlns:p16="http://schemas.microsoft.com/office/powerpoint/2015/main" val="1"/>
+              </p:ext>
+            </p:extLst>
+          </p:nvPr>
+        </p:nvSpPr>
+        <p:spPr>
+          <a:xfrm>
+            <a:off x="1953768" y="0"/>
+            <a:ext cx="8284464" cy="6858000"/>
+          </a:xfrm>
+          <a:custGeom>
+            <a:avLst/>
+            <a:gdLst>
+              <a:gd name="connsiteX0" fmla="*/ 1818109 w 8284464"/>
+              <a:gd name="connsiteY0" fmla="*/ 0 h 6858000"/>
+              <a:gd name="connsiteX1" fmla="*/ 6466355 w 8284464"/>
+              <a:gd name="connsiteY1" fmla="*/ 0 h 6858000"/>
+              <a:gd name="connsiteX2" fmla="*/ 6620596 w 8284464"/>
+              <a:gd name="connsiteY2" fmla="*/ 109683 h 6858000"/>
+              <a:gd name="connsiteX3" fmla="*/ 8284464 w 8284464"/>
+              <a:gd name="connsiteY3" fmla="*/ 3429000 h 6858000"/>
+              <a:gd name="connsiteX4" fmla="*/ 6620596 w 8284464"/>
+              <a:gd name="connsiteY4" fmla="*/ 6748318 h 6858000"/>
+              <a:gd name="connsiteX5" fmla="*/ 6466355 w 8284464"/>
+              <a:gd name="connsiteY5" fmla="*/ 6858000 h 6858000"/>
+              <a:gd name="connsiteX6" fmla="*/ 1818109 w 8284464"/>
+              <a:gd name="connsiteY6" fmla="*/ 6858000 h 6858000"/>
+              <a:gd name="connsiteX7" fmla="*/ 1663869 w 8284464"/>
+              <a:gd name="connsiteY7" fmla="*/ 6748318 h 6858000"/>
+              <a:gd name="connsiteX8" fmla="*/ 0 w 8284464"/>
+              <a:gd name="connsiteY8" fmla="*/ 3429000 h 6858000"/>
+              <a:gd name="connsiteX9" fmla="*/ 1663869 w 8284464"/>
+              <a:gd name="connsiteY9" fmla="*/ 109683 h 6858000"/>
+            </a:gdLst>
+            <a:ahLst/>
+            <a:cxnLst>
+              <a:cxn ang="0">
+                <a:pos x="connsiteX0" y="connsiteY0"/>
+              </a:cxn>
+              <a:cxn ang="0">
+                <a:pos x="connsiteX1" y="connsiteY1"/>
+              </a:cxn>
+              <a:cxn ang="0">
+                <a:pos x="connsiteX2" y="connsiteY2"/>
+              </a:cxn>
+              <a:cxn ang="0">
+                <a:pos x="connsiteX3" y="connsiteY3"/>
+              </a:cxn>
+              <a:cxn ang="0">
+                <a:pos x="connsiteX4" y="connsiteY4"/>
+              </a:cxn>
+              <a:cxn ang="0">
+                <a:pos x="connsiteX5" y="connsiteY5"/>
+              </a:cxn>
+              <a:cxn ang="0">
+                <a:pos x="connsiteX6" y="connsiteY6"/>
+              </a:cxn>
+              <a:cxn ang="0">
+                <a:pos x="connsiteX7" y="connsiteY7"/>
+              </a:cxn>
+              <a:cxn ang="0">
+                <a:pos x="connsiteX8" y="connsiteY8"/>
+              </a:cxn>
+              <a:cxn ang="0">
+                <a:pos x="connsiteX9" y="connsiteY9"/>
+              </a:cxn>
+            </a:cxnLst>
+            <a:rect l="l" t="t" r="r" b="b"/>
+            <a:pathLst>
+              <a:path w="8284464" h="6858000">
+                <a:moveTo>
+                  <a:pt x="1818109" y="0"/>
+                </a:moveTo>
+                <a:lnTo>
+                  <a:pt x="6466355" y="0"/>
+                </a:lnTo>
+                <a:lnTo>
+                  <a:pt x="6620596" y="109683"/>
+                </a:lnTo>
+                <a:cubicBezTo>
+                  <a:pt x="7630666" y="865069"/>
+                  <a:pt x="8284464" y="2070683"/>
+                  <a:pt x="8284464" y="3429000"/>
+                </a:cubicBezTo>
+                <a:cubicBezTo>
+                  <a:pt x="8284464" y="4787317"/>
+                  <a:pt x="7630666" y="5992931"/>
+                  <a:pt x="6620596" y="6748318"/>
+                </a:cubicBezTo>
+                <a:lnTo>
+                  <a:pt x="6466355" y="6858000"/>
+                </a:lnTo>
+                <a:lnTo>
+                  <a:pt x="1818109" y="6858000"/>
+                </a:lnTo>
+                <a:lnTo>
+                  <a:pt x="1663869" y="6748318"/>
+                </a:lnTo>
+                <a:cubicBezTo>
+                  <a:pt x="653798" y="5992931"/>
+                  <a:pt x="0" y="4787317"/>
+                  <a:pt x="0" y="3429000"/>
+                </a:cubicBezTo>
+                <a:cubicBezTo>
+                  <a:pt x="0" y="2070683"/>
+                  <a:pt x="653798" y="865069"/>
+                  <a:pt x="1663869" y="109683"/>
+                </a:cubicBezTo>
+                <a:close/>
+              </a:path>
+            </a:pathLst>
+          </a:custGeom>
+          <a:solidFill>
+            <a:srgbClr val="FFFFFF">
+              <a:alpha val="80000"/>
+            </a:srgbClr>
+          </a:solidFill>
+          <a:ln>
+            <a:noFill/>
+          </a:ln>
+        </p:spPr>
+        <p:style>
+          <a:lnRef idx="2">
+            <a:schemeClr val="accent1">
+              <a:shade val="50000"/>
+            </a:schemeClr>
+          </a:lnRef>
+          <a:fillRef idx="1">
+            <a:schemeClr val="accent1"/>
+          </a:fillRef>
+          <a:effectRef idx="0">
+            <a:schemeClr val="accent1"/>
+          </a:effectRef>
+          <a:fontRef idx="minor">
+            <a:schemeClr val="lt1"/>
+          </a:fontRef>
+        </p:style>
+        <p:txBody>
+          <a:bodyPr wrap="square" rtlCol="0" anchor="ctr">
+            <a:noAutofit/>
+          </a:bodyPr>
+          <a:lstStyle/>
+          <a:p>
+            <a:pPr algn="ctr"/>
+            <a:endParaRPr lang="en-US"/>
+          </a:p>
+        </p:txBody>
+      </p:sp>
+      <p:sp>
+        <p:nvSpPr>
+          <p:cNvPr id="10" name="Freeform: Shape 9">
+            <a:extLst>
+              <a:ext uri="{FF2B5EF4-FFF2-40B4-BE49-F238E27FC236}">
+                <a16:creationId xmlns:a16="http://schemas.microsoft.com/office/drawing/2014/main" id="{DF9AD32D-FF05-44F4-BD4D-9CEE89B71EB9}"/>
+              </a:ext>
+              <a:ext uri="{C183D7F6-B498-43B3-948B-1728B52AA6E4}">
+                <adec:decorative xmlns:adec="http://schemas.microsoft.com/office/drawing/2017/decorative" val="1"/>
+              </a:ext>
+            </a:extLst>
+          </p:cNvPr>
+          <p:cNvSpPr>
+            <a:spLocks noGrp="1" noRot="1" noChangeAspect="1" noMove="1" noResize="1" noEditPoints="1" noAdjustHandles="1" noChangeArrowheads="1" noChangeShapeType="1" noTextEdit="1"/>
+          </p:cNvSpPr>
+          <p:nvPr>
+            <p:extLst>
+              <p:ext uri="{386F3935-93C4-4BCD-93E2-E3B085C9AB24}">
+                <p16:designElem xmlns:p16="http://schemas.microsoft.com/office/powerpoint/2015/main" val="1"/>
+              </p:ext>
+            </p:extLst>
+          </p:nvPr>
+        </p:nvSpPr>
+        <p:spPr>
+          <a:xfrm>
+            <a:off x="2118360" y="0"/>
+            <a:ext cx="7955280" cy="6858000"/>
+          </a:xfrm>
+          <a:custGeom>
+            <a:avLst/>
+            <a:gdLst>
+              <a:gd name="connsiteX0" fmla="*/ 1962423 w 7955280"/>
+              <a:gd name="connsiteY0" fmla="*/ 0 h 6858000"/>
+              <a:gd name="connsiteX1" fmla="*/ 5992858 w 7955280"/>
+              <a:gd name="connsiteY1" fmla="*/ 0 h 6858000"/>
+              <a:gd name="connsiteX2" fmla="*/ 6040191 w 7955280"/>
+              <a:gd name="connsiteY2" fmla="*/ 27216 h 6858000"/>
+              <a:gd name="connsiteX3" fmla="*/ 7955280 w 7955280"/>
+              <a:gd name="connsiteY3" fmla="*/ 3429000 h 6858000"/>
+              <a:gd name="connsiteX4" fmla="*/ 6040191 w 7955280"/>
+              <a:gd name="connsiteY4" fmla="*/ 6830784 h 6858000"/>
+              <a:gd name="connsiteX5" fmla="*/ 5992858 w 7955280"/>
+              <a:gd name="connsiteY5" fmla="*/ 6858000 h 6858000"/>
+              <a:gd name="connsiteX6" fmla="*/ 1962423 w 7955280"/>
+              <a:gd name="connsiteY6" fmla="*/ 6858000 h 6858000"/>
+              <a:gd name="connsiteX7" fmla="*/ 1915089 w 7955280"/>
+              <a:gd name="connsiteY7" fmla="*/ 6830784 h 6858000"/>
+              <a:gd name="connsiteX8" fmla="*/ 0 w 7955280"/>
+              <a:gd name="connsiteY8" fmla="*/ 3429000 h 6858000"/>
+              <a:gd name="connsiteX9" fmla="*/ 1915089 w 7955280"/>
+              <a:gd name="connsiteY9" fmla="*/ 27216 h 6858000"/>
+            </a:gdLst>
+            <a:ahLst/>
+            <a:cxnLst>
+              <a:cxn ang="0">
+                <a:pos x="connsiteX0" y="connsiteY0"/>
+              </a:cxn>
+              <a:cxn ang="0">
+                <a:pos x="connsiteX1" y="connsiteY1"/>
+              </a:cxn>
+              <a:cxn ang="0">
+                <a:pos x="connsiteX2" y="connsiteY2"/>
+              </a:cxn>
+              <a:cxn ang="0">
+                <a:pos x="connsiteX3" y="connsiteY3"/>
+              </a:cxn>
+              <a:cxn ang="0">
+                <a:pos x="connsiteX4" y="connsiteY4"/>
+              </a:cxn>
+              <a:cxn ang="0">
+                <a:pos x="connsiteX5" y="connsiteY5"/>
+              </a:cxn>
+              <a:cxn ang="0">
+                <a:pos x="connsiteX6" y="connsiteY6"/>
+              </a:cxn>
+              <a:cxn ang="0">
+                <a:pos x="connsiteX7" y="connsiteY7"/>
+              </a:cxn>
+              <a:cxn ang="0">
+                <a:pos x="connsiteX8" y="connsiteY8"/>
+              </a:cxn>
+              <a:cxn ang="0">
+                <a:pos x="connsiteX9" y="connsiteY9"/>
+              </a:cxn>
+            </a:cxnLst>
+            <a:rect l="l" t="t" r="r" b="b"/>
+            <a:pathLst>
+              <a:path w="7955280" h="6858000">
+                <a:moveTo>
+                  <a:pt x="1962423" y="0"/>
+                </a:moveTo>
+                <a:lnTo>
+                  <a:pt x="5992858" y="0"/>
+                </a:lnTo>
+                <a:lnTo>
+                  <a:pt x="6040191" y="27216"/>
+                </a:lnTo>
+                <a:cubicBezTo>
+                  <a:pt x="7188332" y="724844"/>
+                  <a:pt x="7955280" y="1987357"/>
+                  <a:pt x="7955280" y="3429000"/>
+                </a:cubicBezTo>
+                <a:cubicBezTo>
+                  <a:pt x="7955280" y="4870644"/>
+                  <a:pt x="7188332" y="6133157"/>
+                  <a:pt x="6040191" y="6830784"/>
+                </a:cubicBezTo>
+                <a:lnTo>
+                  <a:pt x="5992858" y="6858000"/>
+                </a:lnTo>
+                <a:lnTo>
+                  <a:pt x="1962423" y="6858000"/>
+                </a:lnTo>
+                <a:lnTo>
+                  <a:pt x="1915089" y="6830784"/>
+                </a:lnTo>
+                <a:cubicBezTo>
+                  <a:pt x="766948" y="6133157"/>
+                  <a:pt x="0" y="4870644"/>
+                  <a:pt x="0" y="3429000"/>
+                </a:cubicBezTo>
+                <a:cubicBezTo>
+                  <a:pt x="0" y="1987357"/>
+                  <a:pt x="766948" y="724844"/>
+                  <a:pt x="1915089" y="27216"/>
+                </a:cubicBezTo>
+                <a:close/>
+              </a:path>
+            </a:pathLst>
+          </a:custGeom>
+          <a:solidFill>
+            <a:schemeClr val="tx1"/>
+          </a:solidFill>
+          <a:ln>
+            <a:noFill/>
+          </a:ln>
+        </p:spPr>
+        <p:style>
+          <a:lnRef idx="2">
+            <a:schemeClr val="accent1">
+              <a:shade val="50000"/>
+            </a:schemeClr>
+          </a:lnRef>
+          <a:fillRef idx="1">
+            <a:schemeClr val="accent1"/>
+          </a:fillRef>
+          <a:effectRef idx="0">
+            <a:schemeClr val="accent1"/>
+          </a:effectRef>
+          <a:fontRef idx="minor">
+            <a:schemeClr val="lt1"/>
+          </a:fontRef>
+        </p:style>
+        <p:txBody>
+          <a:bodyPr wrap="square" rtlCol="0" anchor="ctr">
+            <a:noAutofit/>
+          </a:bodyPr>
+          <a:lstStyle/>
+          <a:p>
+            <a:pPr algn="ctr"/>
+            <a:endParaRPr lang="en-US"/>
+          </a:p>
+        </p:txBody>
+      </p:sp>
+      <p:sp>
+        <p:nvSpPr>
           <p:cNvPr id="2" name="Title 1">
             <a:extLst>
               <a:ext uri="{FF2B5EF4-FFF2-40B4-BE49-F238E27FC236}">
@@ -4941,52 +9075,42 @@
             <p:ph type="title"/>
           </p:nvPr>
         </p:nvSpPr>
-        <p:spPr/>
-        <p:txBody>
-          <a:bodyPr/>
-          <a:lstStyle/>
-          <a:p>
-            <a:r>
-              <a:rPr lang="en-US" dirty="0"/>
-              <a:t>Chapter 11</a:t>
-            </a:r>
-          </a:p>
-        </p:txBody>
-      </p:sp>
-      <p:sp>
-        <p:nvSpPr>
-          <p:cNvPr id="3" name="Content Placeholder 2">
-            <a:extLst>
-              <a:ext uri="{FF2B5EF4-FFF2-40B4-BE49-F238E27FC236}">
-                <a16:creationId xmlns:a16="http://schemas.microsoft.com/office/drawing/2014/main" id="{1B381E9F-A42B-1547-86AB-7A6C55418943}"/>
-              </a:ext>
-            </a:extLst>
-          </p:cNvPr>
-          <p:cNvSpPr>
-            <a:spLocks noGrp="1"/>
-          </p:cNvSpPr>
-          <p:nvPr>
-            <p:ph idx="1"/>
-          </p:nvPr>
-        </p:nvSpPr>
-        <p:spPr/>
-        <p:txBody>
-          <a:bodyPr/>
-          <a:lstStyle/>
-          <a:p>
-            <a:endParaRPr lang="en-US"/>
+        <p:spPr>
+          <a:xfrm>
+            <a:off x="2555631" y="1441938"/>
+            <a:ext cx="7080738" cy="3974124"/>
+          </a:xfrm>
+        </p:spPr>
+        <p:txBody>
+          <a:bodyPr vert="horz" lIns="91440" tIns="45720" rIns="91440" bIns="45720" rtlCol="0" anchor="ctr">
+            <a:normAutofit/>
+          </a:bodyPr>
+          <a:lstStyle/>
+          <a:p>
+            <a:pPr algn="ctr"/>
+            <a:r>
+              <a:rPr lang="en-US" sz="5400">
+                <a:solidFill>
+                  <a:schemeClr val="bg1">
+                    <a:lumMod val="95000"/>
+                    <a:lumOff val="5000"/>
+                  </a:schemeClr>
+                </a:solidFill>
+              </a:rPr>
+              <a:t>Chapter 6: Integrating Agent-Based Modelling and GIS</a:t>
+            </a:r>
           </a:p>
         </p:txBody>
       </p:sp>
     </p:spTree>
     <p:extLst>
       <p:ext uri="{BB962C8B-B14F-4D97-AF65-F5344CB8AC3E}">
-        <p14:creationId xmlns:p14="http://schemas.microsoft.com/office/powerpoint/2010/main" val="692908193"/>
+        <p14:creationId xmlns:p14="http://schemas.microsoft.com/office/powerpoint/2010/main" val="1452595173"/>
       </p:ext>
     </p:extLst>
   </p:cSld>
   <p:clrMapOvr>
-    <a:masterClrMapping/>
+    <a:overrideClrMapping bg1="dk1" tx1="lt1" bg2="dk2" tx2="lt2" accent1="accent1" accent2="accent2" accent3="accent3" accent4="accent4" accent5="accent5" accent6="accent6" hlink="hlink" folHlink="folHlink"/>
   </p:clrMapOvr>
 </p:sld>
 </file>
@@ -5013,7 +9137,7 @@
           <p:cNvPr id="2" name="Title 1">
             <a:extLst>
               <a:ext uri="{FF2B5EF4-FFF2-40B4-BE49-F238E27FC236}">
-                <a16:creationId xmlns:a16="http://schemas.microsoft.com/office/drawing/2014/main" id="{44DBCF65-81D9-F543-ACE8-4FDCA4590571}"/>
+                <a16:creationId xmlns:a16="http://schemas.microsoft.com/office/drawing/2014/main" id="{1205307A-88FF-A148-92DD-67B6F926B4FF}"/>
               </a:ext>
             </a:extLst>
           </p:cNvPr>
@@ -5029,10 +9153,7 @@
           <a:bodyPr/>
           <a:lstStyle/>
           <a:p>
-            <a:r>
-              <a:rPr lang="en-US" dirty="0"/>
-              <a:t>Chapter 12</a:t>
-            </a:r>
+            <a:endParaRPr lang="en-US"/>
           </a:p>
         </p:txBody>
       </p:sp>
@@ -5041,7 +9162,7 @@
           <p:cNvPr id="3" name="Content Placeholder 2">
             <a:extLst>
               <a:ext uri="{FF2B5EF4-FFF2-40B4-BE49-F238E27FC236}">
-                <a16:creationId xmlns:a16="http://schemas.microsoft.com/office/drawing/2014/main" id="{1B381E9F-A42B-1547-86AB-7A6C55418943}"/>
+                <a16:creationId xmlns:a16="http://schemas.microsoft.com/office/drawing/2014/main" id="{38DFF432-90FF-BE4B-B706-5698F65D9383}"/>
               </a:ext>
             </a:extLst>
           </p:cNvPr>
@@ -5064,7 +9185,7 @@
     </p:spTree>
     <p:extLst>
       <p:ext uri="{BB962C8B-B14F-4D97-AF65-F5344CB8AC3E}">
-        <p14:creationId xmlns:p14="http://schemas.microsoft.com/office/powerpoint/2010/main" val="3198986930"/>
+        <p14:creationId xmlns:p14="http://schemas.microsoft.com/office/powerpoint/2010/main" val="73947911"/>
       </p:ext>
     </p:extLst>
   </p:cSld>
@@ -5075,6 +9196,420 @@
 </file>
 
 <file path=ppt/slides/slide22.xml><?xml version="1.0" encoding="utf-8"?>
+<p:sld xmlns:a="http://schemas.openxmlformats.org/drawingml/2006/main" xmlns:r="http://schemas.openxmlformats.org/officeDocument/2006/relationships" xmlns:p="http://schemas.openxmlformats.org/presentationml/2006/main">
+  <p:cSld>
+    <p:bg>
+      <p:bgPr>
+        <a:solidFill>
+          <a:schemeClr val="bg1">
+            <a:tint val="95000"/>
+            <a:satMod val="170000"/>
+          </a:schemeClr>
+        </a:solidFill>
+        <a:effectLst/>
+      </p:bgPr>
+    </p:bg>
+    <p:spTree>
+      <p:nvGrpSpPr>
+        <p:cNvPr id="1" name=""/>
+        <p:cNvGrpSpPr/>
+        <p:nvPr/>
+      </p:nvGrpSpPr>
+      <p:grpSpPr>
+        <a:xfrm>
+          <a:off x="0" y="0"/>
+          <a:ext cx="0" cy="0"/>
+          <a:chOff x="0" y="0"/>
+          <a:chExt cx="0" cy="0"/>
+        </a:xfrm>
+      </p:grpSpPr>
+      <p:sp>
+        <p:nvSpPr>
+          <p:cNvPr id="8" name="Freeform: Shape 7">
+            <a:extLst>
+              <a:ext uri="{FF2B5EF4-FFF2-40B4-BE49-F238E27FC236}">
+                <a16:creationId xmlns:a16="http://schemas.microsoft.com/office/drawing/2014/main" id="{66B332A4-D438-4773-A77F-5ED49A448D9D}"/>
+              </a:ext>
+              <a:ext uri="{C183D7F6-B498-43B3-948B-1728B52AA6E4}">
+                <adec:decorative xmlns:adec="http://schemas.microsoft.com/office/drawing/2017/decorative" val="1"/>
+              </a:ext>
+            </a:extLst>
+          </p:cNvPr>
+          <p:cNvSpPr>
+            <a:spLocks noGrp="1" noRot="1" noChangeAspect="1" noMove="1" noResize="1" noEditPoints="1" noAdjustHandles="1" noChangeArrowheads="1" noChangeShapeType="1" noTextEdit="1"/>
+          </p:cNvSpPr>
+          <p:nvPr>
+            <p:extLst>
+              <p:ext uri="{386F3935-93C4-4BCD-93E2-E3B085C9AB24}">
+                <p16:designElem xmlns:p16="http://schemas.microsoft.com/office/powerpoint/2015/main" val="1"/>
+              </p:ext>
+            </p:extLst>
+          </p:nvPr>
+        </p:nvSpPr>
+        <p:spPr>
+          <a:xfrm>
+            <a:off x="1953768" y="0"/>
+            <a:ext cx="8284464" cy="6858000"/>
+          </a:xfrm>
+          <a:custGeom>
+            <a:avLst/>
+            <a:gdLst>
+              <a:gd name="connsiteX0" fmla="*/ 1818109 w 8284464"/>
+              <a:gd name="connsiteY0" fmla="*/ 0 h 6858000"/>
+              <a:gd name="connsiteX1" fmla="*/ 6466355 w 8284464"/>
+              <a:gd name="connsiteY1" fmla="*/ 0 h 6858000"/>
+              <a:gd name="connsiteX2" fmla="*/ 6620596 w 8284464"/>
+              <a:gd name="connsiteY2" fmla="*/ 109683 h 6858000"/>
+              <a:gd name="connsiteX3" fmla="*/ 8284464 w 8284464"/>
+              <a:gd name="connsiteY3" fmla="*/ 3429000 h 6858000"/>
+              <a:gd name="connsiteX4" fmla="*/ 6620596 w 8284464"/>
+              <a:gd name="connsiteY4" fmla="*/ 6748318 h 6858000"/>
+              <a:gd name="connsiteX5" fmla="*/ 6466355 w 8284464"/>
+              <a:gd name="connsiteY5" fmla="*/ 6858000 h 6858000"/>
+              <a:gd name="connsiteX6" fmla="*/ 1818109 w 8284464"/>
+              <a:gd name="connsiteY6" fmla="*/ 6858000 h 6858000"/>
+              <a:gd name="connsiteX7" fmla="*/ 1663869 w 8284464"/>
+              <a:gd name="connsiteY7" fmla="*/ 6748318 h 6858000"/>
+              <a:gd name="connsiteX8" fmla="*/ 0 w 8284464"/>
+              <a:gd name="connsiteY8" fmla="*/ 3429000 h 6858000"/>
+              <a:gd name="connsiteX9" fmla="*/ 1663869 w 8284464"/>
+              <a:gd name="connsiteY9" fmla="*/ 109683 h 6858000"/>
+            </a:gdLst>
+            <a:ahLst/>
+            <a:cxnLst>
+              <a:cxn ang="0">
+                <a:pos x="connsiteX0" y="connsiteY0"/>
+              </a:cxn>
+              <a:cxn ang="0">
+                <a:pos x="connsiteX1" y="connsiteY1"/>
+              </a:cxn>
+              <a:cxn ang="0">
+                <a:pos x="connsiteX2" y="connsiteY2"/>
+              </a:cxn>
+              <a:cxn ang="0">
+                <a:pos x="connsiteX3" y="connsiteY3"/>
+              </a:cxn>
+              <a:cxn ang="0">
+                <a:pos x="connsiteX4" y="connsiteY4"/>
+              </a:cxn>
+              <a:cxn ang="0">
+                <a:pos x="connsiteX5" y="connsiteY5"/>
+              </a:cxn>
+              <a:cxn ang="0">
+                <a:pos x="connsiteX6" y="connsiteY6"/>
+              </a:cxn>
+              <a:cxn ang="0">
+                <a:pos x="connsiteX7" y="connsiteY7"/>
+              </a:cxn>
+              <a:cxn ang="0">
+                <a:pos x="connsiteX8" y="connsiteY8"/>
+              </a:cxn>
+              <a:cxn ang="0">
+                <a:pos x="connsiteX9" y="connsiteY9"/>
+              </a:cxn>
+            </a:cxnLst>
+            <a:rect l="l" t="t" r="r" b="b"/>
+            <a:pathLst>
+              <a:path w="8284464" h="6858000">
+                <a:moveTo>
+                  <a:pt x="1818109" y="0"/>
+                </a:moveTo>
+                <a:lnTo>
+                  <a:pt x="6466355" y="0"/>
+                </a:lnTo>
+                <a:lnTo>
+                  <a:pt x="6620596" y="109683"/>
+                </a:lnTo>
+                <a:cubicBezTo>
+                  <a:pt x="7630666" y="865069"/>
+                  <a:pt x="8284464" y="2070683"/>
+                  <a:pt x="8284464" y="3429000"/>
+                </a:cubicBezTo>
+                <a:cubicBezTo>
+                  <a:pt x="8284464" y="4787317"/>
+                  <a:pt x="7630666" y="5992931"/>
+                  <a:pt x="6620596" y="6748318"/>
+                </a:cubicBezTo>
+                <a:lnTo>
+                  <a:pt x="6466355" y="6858000"/>
+                </a:lnTo>
+                <a:lnTo>
+                  <a:pt x="1818109" y="6858000"/>
+                </a:lnTo>
+                <a:lnTo>
+                  <a:pt x="1663869" y="6748318"/>
+                </a:lnTo>
+                <a:cubicBezTo>
+                  <a:pt x="653798" y="5992931"/>
+                  <a:pt x="0" y="4787317"/>
+                  <a:pt x="0" y="3429000"/>
+                </a:cubicBezTo>
+                <a:cubicBezTo>
+                  <a:pt x="0" y="2070683"/>
+                  <a:pt x="653798" y="865069"/>
+                  <a:pt x="1663869" y="109683"/>
+                </a:cubicBezTo>
+                <a:close/>
+              </a:path>
+            </a:pathLst>
+          </a:custGeom>
+          <a:solidFill>
+            <a:srgbClr val="FFFFFF">
+              <a:alpha val="80000"/>
+            </a:srgbClr>
+          </a:solidFill>
+          <a:ln>
+            <a:noFill/>
+          </a:ln>
+        </p:spPr>
+        <p:style>
+          <a:lnRef idx="2">
+            <a:schemeClr val="accent1">
+              <a:shade val="50000"/>
+            </a:schemeClr>
+          </a:lnRef>
+          <a:fillRef idx="1">
+            <a:schemeClr val="accent1"/>
+          </a:fillRef>
+          <a:effectRef idx="0">
+            <a:schemeClr val="accent1"/>
+          </a:effectRef>
+          <a:fontRef idx="minor">
+            <a:schemeClr val="lt1"/>
+          </a:fontRef>
+        </p:style>
+        <p:txBody>
+          <a:bodyPr wrap="square" rtlCol="0" anchor="ctr">
+            <a:noAutofit/>
+          </a:bodyPr>
+          <a:lstStyle/>
+          <a:p>
+            <a:pPr algn="ctr"/>
+            <a:endParaRPr lang="en-US"/>
+          </a:p>
+        </p:txBody>
+      </p:sp>
+      <p:sp>
+        <p:nvSpPr>
+          <p:cNvPr id="10" name="Freeform: Shape 9">
+            <a:extLst>
+              <a:ext uri="{FF2B5EF4-FFF2-40B4-BE49-F238E27FC236}">
+                <a16:creationId xmlns:a16="http://schemas.microsoft.com/office/drawing/2014/main" id="{DF9AD32D-FF05-44F4-BD4D-9CEE89B71EB9}"/>
+              </a:ext>
+              <a:ext uri="{C183D7F6-B498-43B3-948B-1728B52AA6E4}">
+                <adec:decorative xmlns:adec="http://schemas.microsoft.com/office/drawing/2017/decorative" val="1"/>
+              </a:ext>
+            </a:extLst>
+          </p:cNvPr>
+          <p:cNvSpPr>
+            <a:spLocks noGrp="1" noRot="1" noChangeAspect="1" noMove="1" noResize="1" noEditPoints="1" noAdjustHandles="1" noChangeArrowheads="1" noChangeShapeType="1" noTextEdit="1"/>
+          </p:cNvSpPr>
+          <p:nvPr>
+            <p:extLst>
+              <p:ext uri="{386F3935-93C4-4BCD-93E2-E3B085C9AB24}">
+                <p16:designElem xmlns:p16="http://schemas.microsoft.com/office/powerpoint/2015/main" val="1"/>
+              </p:ext>
+            </p:extLst>
+          </p:nvPr>
+        </p:nvSpPr>
+        <p:spPr>
+          <a:xfrm>
+            <a:off x="2118360" y="0"/>
+            <a:ext cx="7955280" cy="6858000"/>
+          </a:xfrm>
+          <a:custGeom>
+            <a:avLst/>
+            <a:gdLst>
+              <a:gd name="connsiteX0" fmla="*/ 1962423 w 7955280"/>
+              <a:gd name="connsiteY0" fmla="*/ 0 h 6858000"/>
+              <a:gd name="connsiteX1" fmla="*/ 5992858 w 7955280"/>
+              <a:gd name="connsiteY1" fmla="*/ 0 h 6858000"/>
+              <a:gd name="connsiteX2" fmla="*/ 6040191 w 7955280"/>
+              <a:gd name="connsiteY2" fmla="*/ 27216 h 6858000"/>
+              <a:gd name="connsiteX3" fmla="*/ 7955280 w 7955280"/>
+              <a:gd name="connsiteY3" fmla="*/ 3429000 h 6858000"/>
+              <a:gd name="connsiteX4" fmla="*/ 6040191 w 7955280"/>
+              <a:gd name="connsiteY4" fmla="*/ 6830784 h 6858000"/>
+              <a:gd name="connsiteX5" fmla="*/ 5992858 w 7955280"/>
+              <a:gd name="connsiteY5" fmla="*/ 6858000 h 6858000"/>
+              <a:gd name="connsiteX6" fmla="*/ 1962423 w 7955280"/>
+              <a:gd name="connsiteY6" fmla="*/ 6858000 h 6858000"/>
+              <a:gd name="connsiteX7" fmla="*/ 1915089 w 7955280"/>
+              <a:gd name="connsiteY7" fmla="*/ 6830784 h 6858000"/>
+              <a:gd name="connsiteX8" fmla="*/ 0 w 7955280"/>
+              <a:gd name="connsiteY8" fmla="*/ 3429000 h 6858000"/>
+              <a:gd name="connsiteX9" fmla="*/ 1915089 w 7955280"/>
+              <a:gd name="connsiteY9" fmla="*/ 27216 h 6858000"/>
+            </a:gdLst>
+            <a:ahLst/>
+            <a:cxnLst>
+              <a:cxn ang="0">
+                <a:pos x="connsiteX0" y="connsiteY0"/>
+              </a:cxn>
+              <a:cxn ang="0">
+                <a:pos x="connsiteX1" y="connsiteY1"/>
+              </a:cxn>
+              <a:cxn ang="0">
+                <a:pos x="connsiteX2" y="connsiteY2"/>
+              </a:cxn>
+              <a:cxn ang="0">
+                <a:pos x="connsiteX3" y="connsiteY3"/>
+              </a:cxn>
+              <a:cxn ang="0">
+                <a:pos x="connsiteX4" y="connsiteY4"/>
+              </a:cxn>
+              <a:cxn ang="0">
+                <a:pos x="connsiteX5" y="connsiteY5"/>
+              </a:cxn>
+              <a:cxn ang="0">
+                <a:pos x="connsiteX6" y="connsiteY6"/>
+              </a:cxn>
+              <a:cxn ang="0">
+                <a:pos x="connsiteX7" y="connsiteY7"/>
+              </a:cxn>
+              <a:cxn ang="0">
+                <a:pos x="connsiteX8" y="connsiteY8"/>
+              </a:cxn>
+              <a:cxn ang="0">
+                <a:pos x="connsiteX9" y="connsiteY9"/>
+              </a:cxn>
+            </a:cxnLst>
+            <a:rect l="l" t="t" r="r" b="b"/>
+            <a:pathLst>
+              <a:path w="7955280" h="6858000">
+                <a:moveTo>
+                  <a:pt x="1962423" y="0"/>
+                </a:moveTo>
+                <a:lnTo>
+                  <a:pt x="5992858" y="0"/>
+                </a:lnTo>
+                <a:lnTo>
+                  <a:pt x="6040191" y="27216"/>
+                </a:lnTo>
+                <a:cubicBezTo>
+                  <a:pt x="7188332" y="724844"/>
+                  <a:pt x="7955280" y="1987357"/>
+                  <a:pt x="7955280" y="3429000"/>
+                </a:cubicBezTo>
+                <a:cubicBezTo>
+                  <a:pt x="7955280" y="4870644"/>
+                  <a:pt x="7188332" y="6133157"/>
+                  <a:pt x="6040191" y="6830784"/>
+                </a:cubicBezTo>
+                <a:lnTo>
+                  <a:pt x="5992858" y="6858000"/>
+                </a:lnTo>
+                <a:lnTo>
+                  <a:pt x="1962423" y="6858000"/>
+                </a:lnTo>
+                <a:lnTo>
+                  <a:pt x="1915089" y="6830784"/>
+                </a:lnTo>
+                <a:cubicBezTo>
+                  <a:pt x="766948" y="6133157"/>
+                  <a:pt x="0" y="4870644"/>
+                  <a:pt x="0" y="3429000"/>
+                </a:cubicBezTo>
+                <a:cubicBezTo>
+                  <a:pt x="0" y="1987357"/>
+                  <a:pt x="766948" y="724844"/>
+                  <a:pt x="1915089" y="27216"/>
+                </a:cubicBezTo>
+                <a:close/>
+              </a:path>
+            </a:pathLst>
+          </a:custGeom>
+          <a:solidFill>
+            <a:schemeClr val="tx1"/>
+          </a:solidFill>
+          <a:ln>
+            <a:noFill/>
+          </a:ln>
+        </p:spPr>
+        <p:style>
+          <a:lnRef idx="2">
+            <a:schemeClr val="accent1">
+              <a:shade val="50000"/>
+            </a:schemeClr>
+          </a:lnRef>
+          <a:fillRef idx="1">
+            <a:schemeClr val="accent1"/>
+          </a:fillRef>
+          <a:effectRef idx="0">
+            <a:schemeClr val="accent1"/>
+          </a:effectRef>
+          <a:fontRef idx="minor">
+            <a:schemeClr val="lt1"/>
+          </a:fontRef>
+        </p:style>
+        <p:txBody>
+          <a:bodyPr wrap="square" rtlCol="0" anchor="ctr">
+            <a:noAutofit/>
+          </a:bodyPr>
+          <a:lstStyle/>
+          <a:p>
+            <a:pPr algn="ctr"/>
+            <a:endParaRPr lang="en-US"/>
+          </a:p>
+        </p:txBody>
+      </p:sp>
+      <p:sp>
+        <p:nvSpPr>
+          <p:cNvPr id="2" name="Title 1">
+            <a:extLst>
+              <a:ext uri="{FF2B5EF4-FFF2-40B4-BE49-F238E27FC236}">
+                <a16:creationId xmlns:a16="http://schemas.microsoft.com/office/drawing/2014/main" id="{44DBCF65-81D9-F543-ACE8-4FDCA4590571}"/>
+              </a:ext>
+            </a:extLst>
+          </p:cNvPr>
+          <p:cNvSpPr>
+            <a:spLocks noGrp="1"/>
+          </p:cNvSpPr>
+          <p:nvPr>
+            <p:ph type="title"/>
+          </p:nvPr>
+        </p:nvSpPr>
+        <p:spPr>
+          <a:xfrm>
+            <a:off x="2555631" y="1441938"/>
+            <a:ext cx="7080738" cy="3974124"/>
+          </a:xfrm>
+        </p:spPr>
+        <p:txBody>
+          <a:bodyPr vert="horz" lIns="91440" tIns="45720" rIns="91440" bIns="45720" rtlCol="0" anchor="ctr">
+            <a:normAutofit/>
+          </a:bodyPr>
+          <a:lstStyle/>
+          <a:p>
+            <a:pPr algn="ctr"/>
+            <a:r>
+              <a:rPr lang="en-US" sz="5400">
+                <a:solidFill>
+                  <a:schemeClr val="bg1">
+                    <a:lumMod val="95000"/>
+                    <a:lumOff val="5000"/>
+                  </a:schemeClr>
+                </a:solidFill>
+              </a:rPr>
+              <a:t>Chapter 7: Modelling Human Behaviour</a:t>
+            </a:r>
+          </a:p>
+        </p:txBody>
+      </p:sp>
+    </p:spTree>
+    <p:extLst>
+      <p:ext uri="{BB962C8B-B14F-4D97-AF65-F5344CB8AC3E}">
+        <p14:creationId xmlns:p14="http://schemas.microsoft.com/office/powerpoint/2010/main" val="1632113489"/>
+      </p:ext>
+    </p:extLst>
+  </p:cSld>
+  <p:clrMapOvr>
+    <a:overrideClrMapping bg1="dk1" tx1="lt1" bg2="dk2" tx2="lt2" accent1="accent1" accent2="accent2" accent3="accent3" accent4="accent4" accent5="accent5" accent6="accent6" hlink="hlink" folHlink="folHlink"/>
+  </p:clrMapOvr>
+</p:sld>
+</file>
+
+<file path=ppt/slides/slide23.xml><?xml version="1.0" encoding="utf-8"?>
 <p:sld xmlns:a="http://schemas.openxmlformats.org/drawingml/2006/main" xmlns:r="http://schemas.openxmlformats.org/officeDocument/2006/relationships" xmlns:p="http://schemas.openxmlformats.org/presentationml/2006/main">
   <p:cSld>
     <p:spTree>
@@ -5096,7 +9631,7 @@
           <p:cNvPr id="2" name="Title 1">
             <a:extLst>
               <a:ext uri="{FF2B5EF4-FFF2-40B4-BE49-F238E27FC236}">
-                <a16:creationId xmlns:a16="http://schemas.microsoft.com/office/drawing/2014/main" id="{19131735-1B81-D649-9635-BD38E4007E88}"/>
+                <a16:creationId xmlns:a16="http://schemas.microsoft.com/office/drawing/2014/main" id="{1205307A-88FF-A148-92DD-67B6F926B4FF}"/>
               </a:ext>
             </a:extLst>
           </p:cNvPr>
@@ -5121,7 +9656,7 @@
           <p:cNvPr id="3" name="Content Placeholder 2">
             <a:extLst>
               <a:ext uri="{FF2B5EF4-FFF2-40B4-BE49-F238E27FC236}">
-                <a16:creationId xmlns:a16="http://schemas.microsoft.com/office/drawing/2014/main" id="{557D32ED-3BC2-3347-9987-A90947B84F68}"/>
+                <a16:creationId xmlns:a16="http://schemas.microsoft.com/office/drawing/2014/main" id="{38DFF432-90FF-BE4B-B706-5698F65D9383}"/>
               </a:ext>
             </a:extLst>
           </p:cNvPr>
@@ -5144,12 +9679,1828 @@
     </p:spTree>
     <p:extLst>
       <p:ext uri="{BB962C8B-B14F-4D97-AF65-F5344CB8AC3E}">
-        <p14:creationId xmlns:p14="http://schemas.microsoft.com/office/powerpoint/2010/main" val="411560374"/>
+        <p14:creationId xmlns:p14="http://schemas.microsoft.com/office/powerpoint/2010/main" val="3805468121"/>
       </p:ext>
     </p:extLst>
   </p:cSld>
   <p:clrMapOvr>
     <a:masterClrMapping/>
+  </p:clrMapOvr>
+</p:sld>
+</file>
+
+<file path=ppt/slides/slide24.xml><?xml version="1.0" encoding="utf-8"?>
+<p:sld xmlns:a="http://schemas.openxmlformats.org/drawingml/2006/main" xmlns:r="http://schemas.openxmlformats.org/officeDocument/2006/relationships" xmlns:p="http://schemas.openxmlformats.org/presentationml/2006/main">
+  <p:cSld>
+    <p:bg>
+      <p:bgPr>
+        <a:solidFill>
+          <a:schemeClr val="bg1">
+            <a:tint val="95000"/>
+            <a:satMod val="170000"/>
+          </a:schemeClr>
+        </a:solidFill>
+        <a:effectLst/>
+      </p:bgPr>
+    </p:bg>
+    <p:spTree>
+      <p:nvGrpSpPr>
+        <p:cNvPr id="1" name=""/>
+        <p:cNvGrpSpPr/>
+        <p:nvPr/>
+      </p:nvGrpSpPr>
+      <p:grpSpPr>
+        <a:xfrm>
+          <a:off x="0" y="0"/>
+          <a:ext cx="0" cy="0"/>
+          <a:chOff x="0" y="0"/>
+          <a:chExt cx="0" cy="0"/>
+        </a:xfrm>
+      </p:grpSpPr>
+      <p:sp>
+        <p:nvSpPr>
+          <p:cNvPr id="8" name="Freeform: Shape 7">
+            <a:extLst>
+              <a:ext uri="{FF2B5EF4-FFF2-40B4-BE49-F238E27FC236}">
+                <a16:creationId xmlns:a16="http://schemas.microsoft.com/office/drawing/2014/main" id="{66B332A4-D438-4773-A77F-5ED49A448D9D}"/>
+              </a:ext>
+              <a:ext uri="{C183D7F6-B498-43B3-948B-1728B52AA6E4}">
+                <adec:decorative xmlns:adec="http://schemas.microsoft.com/office/drawing/2017/decorative" val="1"/>
+              </a:ext>
+            </a:extLst>
+          </p:cNvPr>
+          <p:cNvSpPr>
+            <a:spLocks noGrp="1" noRot="1" noChangeAspect="1" noMove="1" noResize="1" noEditPoints="1" noAdjustHandles="1" noChangeArrowheads="1" noChangeShapeType="1" noTextEdit="1"/>
+          </p:cNvSpPr>
+          <p:nvPr>
+            <p:extLst>
+              <p:ext uri="{386F3935-93C4-4BCD-93E2-E3B085C9AB24}">
+                <p16:designElem xmlns:p16="http://schemas.microsoft.com/office/powerpoint/2015/main" val="1"/>
+              </p:ext>
+            </p:extLst>
+          </p:nvPr>
+        </p:nvSpPr>
+        <p:spPr>
+          <a:xfrm>
+            <a:off x="1953768" y="0"/>
+            <a:ext cx="8284464" cy="6858000"/>
+          </a:xfrm>
+          <a:custGeom>
+            <a:avLst/>
+            <a:gdLst>
+              <a:gd name="connsiteX0" fmla="*/ 1818109 w 8284464"/>
+              <a:gd name="connsiteY0" fmla="*/ 0 h 6858000"/>
+              <a:gd name="connsiteX1" fmla="*/ 6466355 w 8284464"/>
+              <a:gd name="connsiteY1" fmla="*/ 0 h 6858000"/>
+              <a:gd name="connsiteX2" fmla="*/ 6620596 w 8284464"/>
+              <a:gd name="connsiteY2" fmla="*/ 109683 h 6858000"/>
+              <a:gd name="connsiteX3" fmla="*/ 8284464 w 8284464"/>
+              <a:gd name="connsiteY3" fmla="*/ 3429000 h 6858000"/>
+              <a:gd name="connsiteX4" fmla="*/ 6620596 w 8284464"/>
+              <a:gd name="connsiteY4" fmla="*/ 6748318 h 6858000"/>
+              <a:gd name="connsiteX5" fmla="*/ 6466355 w 8284464"/>
+              <a:gd name="connsiteY5" fmla="*/ 6858000 h 6858000"/>
+              <a:gd name="connsiteX6" fmla="*/ 1818109 w 8284464"/>
+              <a:gd name="connsiteY6" fmla="*/ 6858000 h 6858000"/>
+              <a:gd name="connsiteX7" fmla="*/ 1663869 w 8284464"/>
+              <a:gd name="connsiteY7" fmla="*/ 6748318 h 6858000"/>
+              <a:gd name="connsiteX8" fmla="*/ 0 w 8284464"/>
+              <a:gd name="connsiteY8" fmla="*/ 3429000 h 6858000"/>
+              <a:gd name="connsiteX9" fmla="*/ 1663869 w 8284464"/>
+              <a:gd name="connsiteY9" fmla="*/ 109683 h 6858000"/>
+            </a:gdLst>
+            <a:ahLst/>
+            <a:cxnLst>
+              <a:cxn ang="0">
+                <a:pos x="connsiteX0" y="connsiteY0"/>
+              </a:cxn>
+              <a:cxn ang="0">
+                <a:pos x="connsiteX1" y="connsiteY1"/>
+              </a:cxn>
+              <a:cxn ang="0">
+                <a:pos x="connsiteX2" y="connsiteY2"/>
+              </a:cxn>
+              <a:cxn ang="0">
+                <a:pos x="connsiteX3" y="connsiteY3"/>
+              </a:cxn>
+              <a:cxn ang="0">
+                <a:pos x="connsiteX4" y="connsiteY4"/>
+              </a:cxn>
+              <a:cxn ang="0">
+                <a:pos x="connsiteX5" y="connsiteY5"/>
+              </a:cxn>
+              <a:cxn ang="0">
+                <a:pos x="connsiteX6" y="connsiteY6"/>
+              </a:cxn>
+              <a:cxn ang="0">
+                <a:pos x="connsiteX7" y="connsiteY7"/>
+              </a:cxn>
+              <a:cxn ang="0">
+                <a:pos x="connsiteX8" y="connsiteY8"/>
+              </a:cxn>
+              <a:cxn ang="0">
+                <a:pos x="connsiteX9" y="connsiteY9"/>
+              </a:cxn>
+            </a:cxnLst>
+            <a:rect l="l" t="t" r="r" b="b"/>
+            <a:pathLst>
+              <a:path w="8284464" h="6858000">
+                <a:moveTo>
+                  <a:pt x="1818109" y="0"/>
+                </a:moveTo>
+                <a:lnTo>
+                  <a:pt x="6466355" y="0"/>
+                </a:lnTo>
+                <a:lnTo>
+                  <a:pt x="6620596" y="109683"/>
+                </a:lnTo>
+                <a:cubicBezTo>
+                  <a:pt x="7630666" y="865069"/>
+                  <a:pt x="8284464" y="2070683"/>
+                  <a:pt x="8284464" y="3429000"/>
+                </a:cubicBezTo>
+                <a:cubicBezTo>
+                  <a:pt x="8284464" y="4787317"/>
+                  <a:pt x="7630666" y="5992931"/>
+                  <a:pt x="6620596" y="6748318"/>
+                </a:cubicBezTo>
+                <a:lnTo>
+                  <a:pt x="6466355" y="6858000"/>
+                </a:lnTo>
+                <a:lnTo>
+                  <a:pt x="1818109" y="6858000"/>
+                </a:lnTo>
+                <a:lnTo>
+                  <a:pt x="1663869" y="6748318"/>
+                </a:lnTo>
+                <a:cubicBezTo>
+                  <a:pt x="653798" y="5992931"/>
+                  <a:pt x="0" y="4787317"/>
+                  <a:pt x="0" y="3429000"/>
+                </a:cubicBezTo>
+                <a:cubicBezTo>
+                  <a:pt x="0" y="2070683"/>
+                  <a:pt x="653798" y="865069"/>
+                  <a:pt x="1663869" y="109683"/>
+                </a:cubicBezTo>
+                <a:close/>
+              </a:path>
+            </a:pathLst>
+          </a:custGeom>
+          <a:solidFill>
+            <a:srgbClr val="FFFFFF">
+              <a:alpha val="80000"/>
+            </a:srgbClr>
+          </a:solidFill>
+          <a:ln>
+            <a:noFill/>
+          </a:ln>
+        </p:spPr>
+        <p:style>
+          <a:lnRef idx="2">
+            <a:schemeClr val="accent1">
+              <a:shade val="50000"/>
+            </a:schemeClr>
+          </a:lnRef>
+          <a:fillRef idx="1">
+            <a:schemeClr val="accent1"/>
+          </a:fillRef>
+          <a:effectRef idx="0">
+            <a:schemeClr val="accent1"/>
+          </a:effectRef>
+          <a:fontRef idx="minor">
+            <a:schemeClr val="lt1"/>
+          </a:fontRef>
+        </p:style>
+        <p:txBody>
+          <a:bodyPr wrap="square" rtlCol="0" anchor="ctr">
+            <a:noAutofit/>
+          </a:bodyPr>
+          <a:lstStyle/>
+          <a:p>
+            <a:pPr algn="ctr"/>
+            <a:endParaRPr lang="en-US"/>
+          </a:p>
+        </p:txBody>
+      </p:sp>
+      <p:sp>
+        <p:nvSpPr>
+          <p:cNvPr id="10" name="Freeform: Shape 9">
+            <a:extLst>
+              <a:ext uri="{FF2B5EF4-FFF2-40B4-BE49-F238E27FC236}">
+                <a16:creationId xmlns:a16="http://schemas.microsoft.com/office/drawing/2014/main" id="{DF9AD32D-FF05-44F4-BD4D-9CEE89B71EB9}"/>
+              </a:ext>
+              <a:ext uri="{C183D7F6-B498-43B3-948B-1728B52AA6E4}">
+                <adec:decorative xmlns:adec="http://schemas.microsoft.com/office/drawing/2017/decorative" val="1"/>
+              </a:ext>
+            </a:extLst>
+          </p:cNvPr>
+          <p:cNvSpPr>
+            <a:spLocks noGrp="1" noRot="1" noChangeAspect="1" noMove="1" noResize="1" noEditPoints="1" noAdjustHandles="1" noChangeArrowheads="1" noChangeShapeType="1" noTextEdit="1"/>
+          </p:cNvSpPr>
+          <p:nvPr>
+            <p:extLst>
+              <p:ext uri="{386F3935-93C4-4BCD-93E2-E3B085C9AB24}">
+                <p16:designElem xmlns:p16="http://schemas.microsoft.com/office/powerpoint/2015/main" val="1"/>
+              </p:ext>
+            </p:extLst>
+          </p:nvPr>
+        </p:nvSpPr>
+        <p:spPr>
+          <a:xfrm>
+            <a:off x="2118360" y="0"/>
+            <a:ext cx="7955280" cy="6858000"/>
+          </a:xfrm>
+          <a:custGeom>
+            <a:avLst/>
+            <a:gdLst>
+              <a:gd name="connsiteX0" fmla="*/ 1962423 w 7955280"/>
+              <a:gd name="connsiteY0" fmla="*/ 0 h 6858000"/>
+              <a:gd name="connsiteX1" fmla="*/ 5992858 w 7955280"/>
+              <a:gd name="connsiteY1" fmla="*/ 0 h 6858000"/>
+              <a:gd name="connsiteX2" fmla="*/ 6040191 w 7955280"/>
+              <a:gd name="connsiteY2" fmla="*/ 27216 h 6858000"/>
+              <a:gd name="connsiteX3" fmla="*/ 7955280 w 7955280"/>
+              <a:gd name="connsiteY3" fmla="*/ 3429000 h 6858000"/>
+              <a:gd name="connsiteX4" fmla="*/ 6040191 w 7955280"/>
+              <a:gd name="connsiteY4" fmla="*/ 6830784 h 6858000"/>
+              <a:gd name="connsiteX5" fmla="*/ 5992858 w 7955280"/>
+              <a:gd name="connsiteY5" fmla="*/ 6858000 h 6858000"/>
+              <a:gd name="connsiteX6" fmla="*/ 1962423 w 7955280"/>
+              <a:gd name="connsiteY6" fmla="*/ 6858000 h 6858000"/>
+              <a:gd name="connsiteX7" fmla="*/ 1915089 w 7955280"/>
+              <a:gd name="connsiteY7" fmla="*/ 6830784 h 6858000"/>
+              <a:gd name="connsiteX8" fmla="*/ 0 w 7955280"/>
+              <a:gd name="connsiteY8" fmla="*/ 3429000 h 6858000"/>
+              <a:gd name="connsiteX9" fmla="*/ 1915089 w 7955280"/>
+              <a:gd name="connsiteY9" fmla="*/ 27216 h 6858000"/>
+            </a:gdLst>
+            <a:ahLst/>
+            <a:cxnLst>
+              <a:cxn ang="0">
+                <a:pos x="connsiteX0" y="connsiteY0"/>
+              </a:cxn>
+              <a:cxn ang="0">
+                <a:pos x="connsiteX1" y="connsiteY1"/>
+              </a:cxn>
+              <a:cxn ang="0">
+                <a:pos x="connsiteX2" y="connsiteY2"/>
+              </a:cxn>
+              <a:cxn ang="0">
+                <a:pos x="connsiteX3" y="connsiteY3"/>
+              </a:cxn>
+              <a:cxn ang="0">
+                <a:pos x="connsiteX4" y="connsiteY4"/>
+              </a:cxn>
+              <a:cxn ang="0">
+                <a:pos x="connsiteX5" y="connsiteY5"/>
+              </a:cxn>
+              <a:cxn ang="0">
+                <a:pos x="connsiteX6" y="connsiteY6"/>
+              </a:cxn>
+              <a:cxn ang="0">
+                <a:pos x="connsiteX7" y="connsiteY7"/>
+              </a:cxn>
+              <a:cxn ang="0">
+                <a:pos x="connsiteX8" y="connsiteY8"/>
+              </a:cxn>
+              <a:cxn ang="0">
+                <a:pos x="connsiteX9" y="connsiteY9"/>
+              </a:cxn>
+            </a:cxnLst>
+            <a:rect l="l" t="t" r="r" b="b"/>
+            <a:pathLst>
+              <a:path w="7955280" h="6858000">
+                <a:moveTo>
+                  <a:pt x="1962423" y="0"/>
+                </a:moveTo>
+                <a:lnTo>
+                  <a:pt x="5992858" y="0"/>
+                </a:lnTo>
+                <a:lnTo>
+                  <a:pt x="6040191" y="27216"/>
+                </a:lnTo>
+                <a:cubicBezTo>
+                  <a:pt x="7188332" y="724844"/>
+                  <a:pt x="7955280" y="1987357"/>
+                  <a:pt x="7955280" y="3429000"/>
+                </a:cubicBezTo>
+                <a:cubicBezTo>
+                  <a:pt x="7955280" y="4870644"/>
+                  <a:pt x="7188332" y="6133157"/>
+                  <a:pt x="6040191" y="6830784"/>
+                </a:cubicBezTo>
+                <a:lnTo>
+                  <a:pt x="5992858" y="6858000"/>
+                </a:lnTo>
+                <a:lnTo>
+                  <a:pt x="1962423" y="6858000"/>
+                </a:lnTo>
+                <a:lnTo>
+                  <a:pt x="1915089" y="6830784"/>
+                </a:lnTo>
+                <a:cubicBezTo>
+                  <a:pt x="766948" y="6133157"/>
+                  <a:pt x="0" y="4870644"/>
+                  <a:pt x="0" y="3429000"/>
+                </a:cubicBezTo>
+                <a:cubicBezTo>
+                  <a:pt x="0" y="1987357"/>
+                  <a:pt x="766948" y="724844"/>
+                  <a:pt x="1915089" y="27216"/>
+                </a:cubicBezTo>
+                <a:close/>
+              </a:path>
+            </a:pathLst>
+          </a:custGeom>
+          <a:solidFill>
+            <a:schemeClr val="tx1"/>
+          </a:solidFill>
+          <a:ln>
+            <a:noFill/>
+          </a:ln>
+        </p:spPr>
+        <p:style>
+          <a:lnRef idx="2">
+            <a:schemeClr val="accent1">
+              <a:shade val="50000"/>
+            </a:schemeClr>
+          </a:lnRef>
+          <a:fillRef idx="1">
+            <a:schemeClr val="accent1"/>
+          </a:fillRef>
+          <a:effectRef idx="0">
+            <a:schemeClr val="accent1"/>
+          </a:effectRef>
+          <a:fontRef idx="minor">
+            <a:schemeClr val="lt1"/>
+          </a:fontRef>
+        </p:style>
+        <p:txBody>
+          <a:bodyPr wrap="square" rtlCol="0" anchor="ctr">
+            <a:noAutofit/>
+          </a:bodyPr>
+          <a:lstStyle/>
+          <a:p>
+            <a:pPr algn="ctr"/>
+            <a:endParaRPr lang="en-US"/>
+          </a:p>
+        </p:txBody>
+      </p:sp>
+      <p:sp>
+        <p:nvSpPr>
+          <p:cNvPr id="2" name="Title 1">
+            <a:extLst>
+              <a:ext uri="{FF2B5EF4-FFF2-40B4-BE49-F238E27FC236}">
+                <a16:creationId xmlns:a16="http://schemas.microsoft.com/office/drawing/2014/main" id="{44DBCF65-81D9-F543-ACE8-4FDCA4590571}"/>
+              </a:ext>
+            </a:extLst>
+          </p:cNvPr>
+          <p:cNvSpPr>
+            <a:spLocks noGrp="1"/>
+          </p:cNvSpPr>
+          <p:nvPr>
+            <p:ph type="title"/>
+          </p:nvPr>
+        </p:nvSpPr>
+        <p:spPr>
+          <a:xfrm>
+            <a:off x="2555631" y="1441938"/>
+            <a:ext cx="7080738" cy="3974124"/>
+          </a:xfrm>
+        </p:spPr>
+        <p:txBody>
+          <a:bodyPr vert="horz" lIns="91440" tIns="45720" rIns="91440" bIns="45720" rtlCol="0" anchor="ctr">
+            <a:normAutofit/>
+          </a:bodyPr>
+          <a:lstStyle/>
+          <a:p>
+            <a:pPr algn="ctr"/>
+            <a:r>
+              <a:rPr lang="en-US" sz="5400">
+                <a:solidFill>
+                  <a:schemeClr val="bg1">
+                    <a:lumMod val="95000"/>
+                    <a:lumOff val="5000"/>
+                  </a:schemeClr>
+                </a:solidFill>
+              </a:rPr>
+              <a:t>Chapter 8: Networks</a:t>
+            </a:r>
+          </a:p>
+        </p:txBody>
+      </p:sp>
+    </p:spTree>
+    <p:extLst>
+      <p:ext uri="{BB962C8B-B14F-4D97-AF65-F5344CB8AC3E}">
+        <p14:creationId xmlns:p14="http://schemas.microsoft.com/office/powerpoint/2010/main" val="461074598"/>
+      </p:ext>
+    </p:extLst>
+  </p:cSld>
+  <p:clrMapOvr>
+    <a:overrideClrMapping bg1="dk1" tx1="lt1" bg2="dk2" tx2="lt2" accent1="accent1" accent2="accent2" accent3="accent3" accent4="accent4" accent5="accent5" accent6="accent6" hlink="hlink" folHlink="folHlink"/>
+  </p:clrMapOvr>
+</p:sld>
+</file>
+
+<file path=ppt/slides/slide25.xml><?xml version="1.0" encoding="utf-8"?>
+<p:sld xmlns:a="http://schemas.openxmlformats.org/drawingml/2006/main" xmlns:r="http://schemas.openxmlformats.org/officeDocument/2006/relationships" xmlns:p="http://schemas.openxmlformats.org/presentationml/2006/main">
+  <p:cSld>
+    <p:bg>
+      <p:bgPr>
+        <a:solidFill>
+          <a:schemeClr val="bg1">
+            <a:tint val="95000"/>
+            <a:satMod val="170000"/>
+          </a:schemeClr>
+        </a:solidFill>
+        <a:effectLst/>
+      </p:bgPr>
+    </p:bg>
+    <p:spTree>
+      <p:nvGrpSpPr>
+        <p:cNvPr id="1" name=""/>
+        <p:cNvGrpSpPr/>
+        <p:nvPr/>
+      </p:nvGrpSpPr>
+      <p:grpSpPr>
+        <a:xfrm>
+          <a:off x="0" y="0"/>
+          <a:ext cx="0" cy="0"/>
+          <a:chOff x="0" y="0"/>
+          <a:chExt cx="0" cy="0"/>
+        </a:xfrm>
+      </p:grpSpPr>
+      <p:sp>
+        <p:nvSpPr>
+          <p:cNvPr id="8" name="Freeform: Shape 7">
+            <a:extLst>
+              <a:ext uri="{FF2B5EF4-FFF2-40B4-BE49-F238E27FC236}">
+                <a16:creationId xmlns:a16="http://schemas.microsoft.com/office/drawing/2014/main" id="{66B332A4-D438-4773-A77F-5ED49A448D9D}"/>
+              </a:ext>
+              <a:ext uri="{C183D7F6-B498-43B3-948B-1728B52AA6E4}">
+                <adec:decorative xmlns:adec="http://schemas.microsoft.com/office/drawing/2017/decorative" val="1"/>
+              </a:ext>
+            </a:extLst>
+          </p:cNvPr>
+          <p:cNvSpPr>
+            <a:spLocks noGrp="1" noRot="1" noChangeAspect="1" noMove="1" noResize="1" noEditPoints="1" noAdjustHandles="1" noChangeArrowheads="1" noChangeShapeType="1" noTextEdit="1"/>
+          </p:cNvSpPr>
+          <p:nvPr>
+            <p:extLst>
+              <p:ext uri="{386F3935-93C4-4BCD-93E2-E3B085C9AB24}">
+                <p16:designElem xmlns:p16="http://schemas.microsoft.com/office/powerpoint/2015/main" val="1"/>
+              </p:ext>
+            </p:extLst>
+          </p:nvPr>
+        </p:nvSpPr>
+        <p:spPr>
+          <a:xfrm>
+            <a:off x="1953768" y="0"/>
+            <a:ext cx="8284464" cy="6858000"/>
+          </a:xfrm>
+          <a:custGeom>
+            <a:avLst/>
+            <a:gdLst>
+              <a:gd name="connsiteX0" fmla="*/ 1818109 w 8284464"/>
+              <a:gd name="connsiteY0" fmla="*/ 0 h 6858000"/>
+              <a:gd name="connsiteX1" fmla="*/ 6466355 w 8284464"/>
+              <a:gd name="connsiteY1" fmla="*/ 0 h 6858000"/>
+              <a:gd name="connsiteX2" fmla="*/ 6620596 w 8284464"/>
+              <a:gd name="connsiteY2" fmla="*/ 109683 h 6858000"/>
+              <a:gd name="connsiteX3" fmla="*/ 8284464 w 8284464"/>
+              <a:gd name="connsiteY3" fmla="*/ 3429000 h 6858000"/>
+              <a:gd name="connsiteX4" fmla="*/ 6620596 w 8284464"/>
+              <a:gd name="connsiteY4" fmla="*/ 6748318 h 6858000"/>
+              <a:gd name="connsiteX5" fmla="*/ 6466355 w 8284464"/>
+              <a:gd name="connsiteY5" fmla="*/ 6858000 h 6858000"/>
+              <a:gd name="connsiteX6" fmla="*/ 1818109 w 8284464"/>
+              <a:gd name="connsiteY6" fmla="*/ 6858000 h 6858000"/>
+              <a:gd name="connsiteX7" fmla="*/ 1663869 w 8284464"/>
+              <a:gd name="connsiteY7" fmla="*/ 6748318 h 6858000"/>
+              <a:gd name="connsiteX8" fmla="*/ 0 w 8284464"/>
+              <a:gd name="connsiteY8" fmla="*/ 3429000 h 6858000"/>
+              <a:gd name="connsiteX9" fmla="*/ 1663869 w 8284464"/>
+              <a:gd name="connsiteY9" fmla="*/ 109683 h 6858000"/>
+            </a:gdLst>
+            <a:ahLst/>
+            <a:cxnLst>
+              <a:cxn ang="0">
+                <a:pos x="connsiteX0" y="connsiteY0"/>
+              </a:cxn>
+              <a:cxn ang="0">
+                <a:pos x="connsiteX1" y="connsiteY1"/>
+              </a:cxn>
+              <a:cxn ang="0">
+                <a:pos x="connsiteX2" y="connsiteY2"/>
+              </a:cxn>
+              <a:cxn ang="0">
+                <a:pos x="connsiteX3" y="connsiteY3"/>
+              </a:cxn>
+              <a:cxn ang="0">
+                <a:pos x="connsiteX4" y="connsiteY4"/>
+              </a:cxn>
+              <a:cxn ang="0">
+                <a:pos x="connsiteX5" y="connsiteY5"/>
+              </a:cxn>
+              <a:cxn ang="0">
+                <a:pos x="connsiteX6" y="connsiteY6"/>
+              </a:cxn>
+              <a:cxn ang="0">
+                <a:pos x="connsiteX7" y="connsiteY7"/>
+              </a:cxn>
+              <a:cxn ang="0">
+                <a:pos x="connsiteX8" y="connsiteY8"/>
+              </a:cxn>
+              <a:cxn ang="0">
+                <a:pos x="connsiteX9" y="connsiteY9"/>
+              </a:cxn>
+            </a:cxnLst>
+            <a:rect l="l" t="t" r="r" b="b"/>
+            <a:pathLst>
+              <a:path w="8284464" h="6858000">
+                <a:moveTo>
+                  <a:pt x="1818109" y="0"/>
+                </a:moveTo>
+                <a:lnTo>
+                  <a:pt x="6466355" y="0"/>
+                </a:lnTo>
+                <a:lnTo>
+                  <a:pt x="6620596" y="109683"/>
+                </a:lnTo>
+                <a:cubicBezTo>
+                  <a:pt x="7630666" y="865069"/>
+                  <a:pt x="8284464" y="2070683"/>
+                  <a:pt x="8284464" y="3429000"/>
+                </a:cubicBezTo>
+                <a:cubicBezTo>
+                  <a:pt x="8284464" y="4787317"/>
+                  <a:pt x="7630666" y="5992931"/>
+                  <a:pt x="6620596" y="6748318"/>
+                </a:cubicBezTo>
+                <a:lnTo>
+                  <a:pt x="6466355" y="6858000"/>
+                </a:lnTo>
+                <a:lnTo>
+                  <a:pt x="1818109" y="6858000"/>
+                </a:lnTo>
+                <a:lnTo>
+                  <a:pt x="1663869" y="6748318"/>
+                </a:lnTo>
+                <a:cubicBezTo>
+                  <a:pt x="653798" y="5992931"/>
+                  <a:pt x="0" y="4787317"/>
+                  <a:pt x="0" y="3429000"/>
+                </a:cubicBezTo>
+                <a:cubicBezTo>
+                  <a:pt x="0" y="2070683"/>
+                  <a:pt x="653798" y="865069"/>
+                  <a:pt x="1663869" y="109683"/>
+                </a:cubicBezTo>
+                <a:close/>
+              </a:path>
+            </a:pathLst>
+          </a:custGeom>
+          <a:solidFill>
+            <a:srgbClr val="FFFFFF">
+              <a:alpha val="80000"/>
+            </a:srgbClr>
+          </a:solidFill>
+          <a:ln>
+            <a:noFill/>
+          </a:ln>
+        </p:spPr>
+        <p:style>
+          <a:lnRef idx="2">
+            <a:schemeClr val="accent1">
+              <a:shade val="50000"/>
+            </a:schemeClr>
+          </a:lnRef>
+          <a:fillRef idx="1">
+            <a:schemeClr val="accent1"/>
+          </a:fillRef>
+          <a:effectRef idx="0">
+            <a:schemeClr val="accent1"/>
+          </a:effectRef>
+          <a:fontRef idx="minor">
+            <a:schemeClr val="lt1"/>
+          </a:fontRef>
+        </p:style>
+        <p:txBody>
+          <a:bodyPr wrap="square" rtlCol="0" anchor="ctr">
+            <a:noAutofit/>
+          </a:bodyPr>
+          <a:lstStyle/>
+          <a:p>
+            <a:pPr algn="ctr"/>
+            <a:endParaRPr lang="en-US"/>
+          </a:p>
+        </p:txBody>
+      </p:sp>
+      <p:sp>
+        <p:nvSpPr>
+          <p:cNvPr id="10" name="Freeform: Shape 9">
+            <a:extLst>
+              <a:ext uri="{FF2B5EF4-FFF2-40B4-BE49-F238E27FC236}">
+                <a16:creationId xmlns:a16="http://schemas.microsoft.com/office/drawing/2014/main" id="{DF9AD32D-FF05-44F4-BD4D-9CEE89B71EB9}"/>
+              </a:ext>
+              <a:ext uri="{C183D7F6-B498-43B3-948B-1728B52AA6E4}">
+                <adec:decorative xmlns:adec="http://schemas.microsoft.com/office/drawing/2017/decorative" val="1"/>
+              </a:ext>
+            </a:extLst>
+          </p:cNvPr>
+          <p:cNvSpPr>
+            <a:spLocks noGrp="1" noRot="1" noChangeAspect="1" noMove="1" noResize="1" noEditPoints="1" noAdjustHandles="1" noChangeArrowheads="1" noChangeShapeType="1" noTextEdit="1"/>
+          </p:cNvSpPr>
+          <p:nvPr>
+            <p:extLst>
+              <p:ext uri="{386F3935-93C4-4BCD-93E2-E3B085C9AB24}">
+                <p16:designElem xmlns:p16="http://schemas.microsoft.com/office/powerpoint/2015/main" val="1"/>
+              </p:ext>
+            </p:extLst>
+          </p:nvPr>
+        </p:nvSpPr>
+        <p:spPr>
+          <a:xfrm>
+            <a:off x="2118360" y="0"/>
+            <a:ext cx="7955280" cy="6858000"/>
+          </a:xfrm>
+          <a:custGeom>
+            <a:avLst/>
+            <a:gdLst>
+              <a:gd name="connsiteX0" fmla="*/ 1962423 w 7955280"/>
+              <a:gd name="connsiteY0" fmla="*/ 0 h 6858000"/>
+              <a:gd name="connsiteX1" fmla="*/ 5992858 w 7955280"/>
+              <a:gd name="connsiteY1" fmla="*/ 0 h 6858000"/>
+              <a:gd name="connsiteX2" fmla="*/ 6040191 w 7955280"/>
+              <a:gd name="connsiteY2" fmla="*/ 27216 h 6858000"/>
+              <a:gd name="connsiteX3" fmla="*/ 7955280 w 7955280"/>
+              <a:gd name="connsiteY3" fmla="*/ 3429000 h 6858000"/>
+              <a:gd name="connsiteX4" fmla="*/ 6040191 w 7955280"/>
+              <a:gd name="connsiteY4" fmla="*/ 6830784 h 6858000"/>
+              <a:gd name="connsiteX5" fmla="*/ 5992858 w 7955280"/>
+              <a:gd name="connsiteY5" fmla="*/ 6858000 h 6858000"/>
+              <a:gd name="connsiteX6" fmla="*/ 1962423 w 7955280"/>
+              <a:gd name="connsiteY6" fmla="*/ 6858000 h 6858000"/>
+              <a:gd name="connsiteX7" fmla="*/ 1915089 w 7955280"/>
+              <a:gd name="connsiteY7" fmla="*/ 6830784 h 6858000"/>
+              <a:gd name="connsiteX8" fmla="*/ 0 w 7955280"/>
+              <a:gd name="connsiteY8" fmla="*/ 3429000 h 6858000"/>
+              <a:gd name="connsiteX9" fmla="*/ 1915089 w 7955280"/>
+              <a:gd name="connsiteY9" fmla="*/ 27216 h 6858000"/>
+            </a:gdLst>
+            <a:ahLst/>
+            <a:cxnLst>
+              <a:cxn ang="0">
+                <a:pos x="connsiteX0" y="connsiteY0"/>
+              </a:cxn>
+              <a:cxn ang="0">
+                <a:pos x="connsiteX1" y="connsiteY1"/>
+              </a:cxn>
+              <a:cxn ang="0">
+                <a:pos x="connsiteX2" y="connsiteY2"/>
+              </a:cxn>
+              <a:cxn ang="0">
+                <a:pos x="connsiteX3" y="connsiteY3"/>
+              </a:cxn>
+              <a:cxn ang="0">
+                <a:pos x="connsiteX4" y="connsiteY4"/>
+              </a:cxn>
+              <a:cxn ang="0">
+                <a:pos x="connsiteX5" y="connsiteY5"/>
+              </a:cxn>
+              <a:cxn ang="0">
+                <a:pos x="connsiteX6" y="connsiteY6"/>
+              </a:cxn>
+              <a:cxn ang="0">
+                <a:pos x="connsiteX7" y="connsiteY7"/>
+              </a:cxn>
+              <a:cxn ang="0">
+                <a:pos x="connsiteX8" y="connsiteY8"/>
+              </a:cxn>
+              <a:cxn ang="0">
+                <a:pos x="connsiteX9" y="connsiteY9"/>
+              </a:cxn>
+            </a:cxnLst>
+            <a:rect l="l" t="t" r="r" b="b"/>
+            <a:pathLst>
+              <a:path w="7955280" h="6858000">
+                <a:moveTo>
+                  <a:pt x="1962423" y="0"/>
+                </a:moveTo>
+                <a:lnTo>
+                  <a:pt x="5992858" y="0"/>
+                </a:lnTo>
+                <a:lnTo>
+                  <a:pt x="6040191" y="27216"/>
+                </a:lnTo>
+                <a:cubicBezTo>
+                  <a:pt x="7188332" y="724844"/>
+                  <a:pt x="7955280" y="1987357"/>
+                  <a:pt x="7955280" y="3429000"/>
+                </a:cubicBezTo>
+                <a:cubicBezTo>
+                  <a:pt x="7955280" y="4870644"/>
+                  <a:pt x="7188332" y="6133157"/>
+                  <a:pt x="6040191" y="6830784"/>
+                </a:cubicBezTo>
+                <a:lnTo>
+                  <a:pt x="5992858" y="6858000"/>
+                </a:lnTo>
+                <a:lnTo>
+                  <a:pt x="1962423" y="6858000"/>
+                </a:lnTo>
+                <a:lnTo>
+                  <a:pt x="1915089" y="6830784"/>
+                </a:lnTo>
+                <a:cubicBezTo>
+                  <a:pt x="766948" y="6133157"/>
+                  <a:pt x="0" y="4870644"/>
+                  <a:pt x="0" y="3429000"/>
+                </a:cubicBezTo>
+                <a:cubicBezTo>
+                  <a:pt x="0" y="1987357"/>
+                  <a:pt x="766948" y="724844"/>
+                  <a:pt x="1915089" y="27216"/>
+                </a:cubicBezTo>
+                <a:close/>
+              </a:path>
+            </a:pathLst>
+          </a:custGeom>
+          <a:solidFill>
+            <a:schemeClr val="tx1"/>
+          </a:solidFill>
+          <a:ln>
+            <a:noFill/>
+          </a:ln>
+        </p:spPr>
+        <p:style>
+          <a:lnRef idx="2">
+            <a:schemeClr val="accent1">
+              <a:shade val="50000"/>
+            </a:schemeClr>
+          </a:lnRef>
+          <a:fillRef idx="1">
+            <a:schemeClr val="accent1"/>
+          </a:fillRef>
+          <a:effectRef idx="0">
+            <a:schemeClr val="accent1"/>
+          </a:effectRef>
+          <a:fontRef idx="minor">
+            <a:schemeClr val="lt1"/>
+          </a:fontRef>
+        </p:style>
+        <p:txBody>
+          <a:bodyPr wrap="square" rtlCol="0" anchor="ctr">
+            <a:noAutofit/>
+          </a:bodyPr>
+          <a:lstStyle/>
+          <a:p>
+            <a:pPr algn="ctr"/>
+            <a:endParaRPr lang="en-US"/>
+          </a:p>
+        </p:txBody>
+      </p:sp>
+      <p:sp>
+        <p:nvSpPr>
+          <p:cNvPr id="2" name="Title 1">
+            <a:extLst>
+              <a:ext uri="{FF2B5EF4-FFF2-40B4-BE49-F238E27FC236}">
+                <a16:creationId xmlns:a16="http://schemas.microsoft.com/office/drawing/2014/main" id="{44DBCF65-81D9-F543-ACE8-4FDCA4590571}"/>
+              </a:ext>
+            </a:extLst>
+          </p:cNvPr>
+          <p:cNvSpPr>
+            <a:spLocks noGrp="1"/>
+          </p:cNvSpPr>
+          <p:nvPr>
+            <p:ph type="title"/>
+          </p:nvPr>
+        </p:nvSpPr>
+        <p:spPr>
+          <a:xfrm>
+            <a:off x="2555631" y="1441938"/>
+            <a:ext cx="7080738" cy="3974124"/>
+          </a:xfrm>
+        </p:spPr>
+        <p:txBody>
+          <a:bodyPr vert="horz" lIns="91440" tIns="45720" rIns="91440" bIns="45720" rtlCol="0" anchor="ctr">
+            <a:normAutofit/>
+          </a:bodyPr>
+          <a:lstStyle/>
+          <a:p>
+            <a:pPr algn="ctr"/>
+            <a:r>
+              <a:rPr lang="en-US" sz="5400">
+                <a:solidFill>
+                  <a:schemeClr val="bg1">
+                    <a:lumMod val="95000"/>
+                    <a:lumOff val="5000"/>
+                  </a:schemeClr>
+                </a:solidFill>
+              </a:rPr>
+              <a:t>Chapter 9: Spatial Statistics</a:t>
+            </a:r>
+          </a:p>
+        </p:txBody>
+      </p:sp>
+    </p:spTree>
+    <p:extLst>
+      <p:ext uri="{BB962C8B-B14F-4D97-AF65-F5344CB8AC3E}">
+        <p14:creationId xmlns:p14="http://schemas.microsoft.com/office/powerpoint/2010/main" val="3036287095"/>
+      </p:ext>
+    </p:extLst>
+  </p:cSld>
+  <p:clrMapOvr>
+    <a:overrideClrMapping bg1="dk1" tx1="lt1" bg2="dk2" tx2="lt2" accent1="accent1" accent2="accent2" accent3="accent3" accent4="accent4" accent5="accent5" accent6="accent6" hlink="hlink" folHlink="folHlink"/>
+  </p:clrMapOvr>
+</p:sld>
+</file>
+
+<file path=ppt/slides/slide26.xml><?xml version="1.0" encoding="utf-8"?>
+<p:sld xmlns:a="http://schemas.openxmlformats.org/drawingml/2006/main" xmlns:r="http://schemas.openxmlformats.org/officeDocument/2006/relationships" xmlns:p="http://schemas.openxmlformats.org/presentationml/2006/main">
+  <p:cSld>
+    <p:spTree>
+      <p:nvGrpSpPr>
+        <p:cNvPr id="1" name=""/>
+        <p:cNvGrpSpPr/>
+        <p:nvPr/>
+      </p:nvGrpSpPr>
+      <p:grpSpPr>
+        <a:xfrm>
+          <a:off x="0" y="0"/>
+          <a:ext cx="0" cy="0"/>
+          <a:chOff x="0" y="0"/>
+          <a:chExt cx="0" cy="0"/>
+        </a:xfrm>
+      </p:grpSpPr>
+      <p:sp>
+        <p:nvSpPr>
+          <p:cNvPr id="2" name="Title 1">
+            <a:extLst>
+              <a:ext uri="{FF2B5EF4-FFF2-40B4-BE49-F238E27FC236}">
+                <a16:creationId xmlns:a16="http://schemas.microsoft.com/office/drawing/2014/main" id="{1205307A-88FF-A148-92DD-67B6F926B4FF}"/>
+              </a:ext>
+            </a:extLst>
+          </p:cNvPr>
+          <p:cNvSpPr>
+            <a:spLocks noGrp="1"/>
+          </p:cNvSpPr>
+          <p:nvPr>
+            <p:ph type="title"/>
+          </p:nvPr>
+        </p:nvSpPr>
+        <p:spPr/>
+        <p:txBody>
+          <a:bodyPr/>
+          <a:lstStyle/>
+          <a:p>
+            <a:endParaRPr lang="en-US"/>
+          </a:p>
+        </p:txBody>
+      </p:sp>
+      <p:sp>
+        <p:nvSpPr>
+          <p:cNvPr id="3" name="Content Placeholder 2">
+            <a:extLst>
+              <a:ext uri="{FF2B5EF4-FFF2-40B4-BE49-F238E27FC236}">
+                <a16:creationId xmlns:a16="http://schemas.microsoft.com/office/drawing/2014/main" id="{38DFF432-90FF-BE4B-B706-5698F65D9383}"/>
+              </a:ext>
+            </a:extLst>
+          </p:cNvPr>
+          <p:cNvSpPr>
+            <a:spLocks noGrp="1"/>
+          </p:cNvSpPr>
+          <p:nvPr>
+            <p:ph idx="1"/>
+          </p:nvPr>
+        </p:nvSpPr>
+        <p:spPr/>
+        <p:txBody>
+          <a:bodyPr/>
+          <a:lstStyle/>
+          <a:p>
+            <a:endParaRPr lang="en-US"/>
+          </a:p>
+        </p:txBody>
+      </p:sp>
+    </p:spTree>
+    <p:extLst>
+      <p:ext uri="{BB962C8B-B14F-4D97-AF65-F5344CB8AC3E}">
+        <p14:creationId xmlns:p14="http://schemas.microsoft.com/office/powerpoint/2010/main" val="3110479481"/>
+      </p:ext>
+    </p:extLst>
+  </p:cSld>
+  <p:clrMapOvr>
+    <a:masterClrMapping/>
+  </p:clrMapOvr>
+</p:sld>
+</file>
+
+<file path=ppt/slides/slide27.xml><?xml version="1.0" encoding="utf-8"?>
+<p:sld xmlns:a="http://schemas.openxmlformats.org/drawingml/2006/main" xmlns:r="http://schemas.openxmlformats.org/officeDocument/2006/relationships" xmlns:p="http://schemas.openxmlformats.org/presentationml/2006/main">
+  <p:cSld>
+    <p:bg>
+      <p:bgPr>
+        <a:solidFill>
+          <a:schemeClr val="bg1">
+            <a:tint val="95000"/>
+            <a:satMod val="170000"/>
+          </a:schemeClr>
+        </a:solidFill>
+        <a:effectLst/>
+      </p:bgPr>
+    </p:bg>
+    <p:spTree>
+      <p:nvGrpSpPr>
+        <p:cNvPr id="1" name=""/>
+        <p:cNvGrpSpPr/>
+        <p:nvPr/>
+      </p:nvGrpSpPr>
+      <p:grpSpPr>
+        <a:xfrm>
+          <a:off x="0" y="0"/>
+          <a:ext cx="0" cy="0"/>
+          <a:chOff x="0" y="0"/>
+          <a:chExt cx="0" cy="0"/>
+        </a:xfrm>
+      </p:grpSpPr>
+      <p:sp>
+        <p:nvSpPr>
+          <p:cNvPr id="8" name="Freeform: Shape 7">
+            <a:extLst>
+              <a:ext uri="{FF2B5EF4-FFF2-40B4-BE49-F238E27FC236}">
+                <a16:creationId xmlns:a16="http://schemas.microsoft.com/office/drawing/2014/main" id="{66B332A4-D438-4773-A77F-5ED49A448D9D}"/>
+              </a:ext>
+              <a:ext uri="{C183D7F6-B498-43B3-948B-1728B52AA6E4}">
+                <adec:decorative xmlns:adec="http://schemas.microsoft.com/office/drawing/2017/decorative" val="1"/>
+              </a:ext>
+            </a:extLst>
+          </p:cNvPr>
+          <p:cNvSpPr>
+            <a:spLocks noGrp="1" noRot="1" noChangeAspect="1" noMove="1" noResize="1" noEditPoints="1" noAdjustHandles="1" noChangeArrowheads="1" noChangeShapeType="1" noTextEdit="1"/>
+          </p:cNvSpPr>
+          <p:nvPr>
+            <p:extLst>
+              <p:ext uri="{386F3935-93C4-4BCD-93E2-E3B085C9AB24}">
+                <p16:designElem xmlns:p16="http://schemas.microsoft.com/office/powerpoint/2015/main" val="1"/>
+              </p:ext>
+            </p:extLst>
+          </p:nvPr>
+        </p:nvSpPr>
+        <p:spPr>
+          <a:xfrm>
+            <a:off x="1953768" y="0"/>
+            <a:ext cx="8284464" cy="6858000"/>
+          </a:xfrm>
+          <a:custGeom>
+            <a:avLst/>
+            <a:gdLst>
+              <a:gd name="connsiteX0" fmla="*/ 1818109 w 8284464"/>
+              <a:gd name="connsiteY0" fmla="*/ 0 h 6858000"/>
+              <a:gd name="connsiteX1" fmla="*/ 6466355 w 8284464"/>
+              <a:gd name="connsiteY1" fmla="*/ 0 h 6858000"/>
+              <a:gd name="connsiteX2" fmla="*/ 6620596 w 8284464"/>
+              <a:gd name="connsiteY2" fmla="*/ 109683 h 6858000"/>
+              <a:gd name="connsiteX3" fmla="*/ 8284464 w 8284464"/>
+              <a:gd name="connsiteY3" fmla="*/ 3429000 h 6858000"/>
+              <a:gd name="connsiteX4" fmla="*/ 6620596 w 8284464"/>
+              <a:gd name="connsiteY4" fmla="*/ 6748318 h 6858000"/>
+              <a:gd name="connsiteX5" fmla="*/ 6466355 w 8284464"/>
+              <a:gd name="connsiteY5" fmla="*/ 6858000 h 6858000"/>
+              <a:gd name="connsiteX6" fmla="*/ 1818109 w 8284464"/>
+              <a:gd name="connsiteY6" fmla="*/ 6858000 h 6858000"/>
+              <a:gd name="connsiteX7" fmla="*/ 1663869 w 8284464"/>
+              <a:gd name="connsiteY7" fmla="*/ 6748318 h 6858000"/>
+              <a:gd name="connsiteX8" fmla="*/ 0 w 8284464"/>
+              <a:gd name="connsiteY8" fmla="*/ 3429000 h 6858000"/>
+              <a:gd name="connsiteX9" fmla="*/ 1663869 w 8284464"/>
+              <a:gd name="connsiteY9" fmla="*/ 109683 h 6858000"/>
+            </a:gdLst>
+            <a:ahLst/>
+            <a:cxnLst>
+              <a:cxn ang="0">
+                <a:pos x="connsiteX0" y="connsiteY0"/>
+              </a:cxn>
+              <a:cxn ang="0">
+                <a:pos x="connsiteX1" y="connsiteY1"/>
+              </a:cxn>
+              <a:cxn ang="0">
+                <a:pos x="connsiteX2" y="connsiteY2"/>
+              </a:cxn>
+              <a:cxn ang="0">
+                <a:pos x="connsiteX3" y="connsiteY3"/>
+              </a:cxn>
+              <a:cxn ang="0">
+                <a:pos x="connsiteX4" y="connsiteY4"/>
+              </a:cxn>
+              <a:cxn ang="0">
+                <a:pos x="connsiteX5" y="connsiteY5"/>
+              </a:cxn>
+              <a:cxn ang="0">
+                <a:pos x="connsiteX6" y="connsiteY6"/>
+              </a:cxn>
+              <a:cxn ang="0">
+                <a:pos x="connsiteX7" y="connsiteY7"/>
+              </a:cxn>
+              <a:cxn ang="0">
+                <a:pos x="connsiteX8" y="connsiteY8"/>
+              </a:cxn>
+              <a:cxn ang="0">
+                <a:pos x="connsiteX9" y="connsiteY9"/>
+              </a:cxn>
+            </a:cxnLst>
+            <a:rect l="l" t="t" r="r" b="b"/>
+            <a:pathLst>
+              <a:path w="8284464" h="6858000">
+                <a:moveTo>
+                  <a:pt x="1818109" y="0"/>
+                </a:moveTo>
+                <a:lnTo>
+                  <a:pt x="6466355" y="0"/>
+                </a:lnTo>
+                <a:lnTo>
+                  <a:pt x="6620596" y="109683"/>
+                </a:lnTo>
+                <a:cubicBezTo>
+                  <a:pt x="7630666" y="865069"/>
+                  <a:pt x="8284464" y="2070683"/>
+                  <a:pt x="8284464" y="3429000"/>
+                </a:cubicBezTo>
+                <a:cubicBezTo>
+                  <a:pt x="8284464" y="4787317"/>
+                  <a:pt x="7630666" y="5992931"/>
+                  <a:pt x="6620596" y="6748318"/>
+                </a:cubicBezTo>
+                <a:lnTo>
+                  <a:pt x="6466355" y="6858000"/>
+                </a:lnTo>
+                <a:lnTo>
+                  <a:pt x="1818109" y="6858000"/>
+                </a:lnTo>
+                <a:lnTo>
+                  <a:pt x="1663869" y="6748318"/>
+                </a:lnTo>
+                <a:cubicBezTo>
+                  <a:pt x="653798" y="5992931"/>
+                  <a:pt x="0" y="4787317"/>
+                  <a:pt x="0" y="3429000"/>
+                </a:cubicBezTo>
+                <a:cubicBezTo>
+                  <a:pt x="0" y="2070683"/>
+                  <a:pt x="653798" y="865069"/>
+                  <a:pt x="1663869" y="109683"/>
+                </a:cubicBezTo>
+                <a:close/>
+              </a:path>
+            </a:pathLst>
+          </a:custGeom>
+          <a:solidFill>
+            <a:srgbClr val="FFFFFF">
+              <a:alpha val="80000"/>
+            </a:srgbClr>
+          </a:solidFill>
+          <a:ln>
+            <a:noFill/>
+          </a:ln>
+        </p:spPr>
+        <p:style>
+          <a:lnRef idx="2">
+            <a:schemeClr val="accent1">
+              <a:shade val="50000"/>
+            </a:schemeClr>
+          </a:lnRef>
+          <a:fillRef idx="1">
+            <a:schemeClr val="accent1"/>
+          </a:fillRef>
+          <a:effectRef idx="0">
+            <a:schemeClr val="accent1"/>
+          </a:effectRef>
+          <a:fontRef idx="minor">
+            <a:schemeClr val="lt1"/>
+          </a:fontRef>
+        </p:style>
+        <p:txBody>
+          <a:bodyPr wrap="square" rtlCol="0" anchor="ctr">
+            <a:noAutofit/>
+          </a:bodyPr>
+          <a:lstStyle/>
+          <a:p>
+            <a:pPr algn="ctr"/>
+            <a:endParaRPr lang="en-US"/>
+          </a:p>
+        </p:txBody>
+      </p:sp>
+      <p:sp>
+        <p:nvSpPr>
+          <p:cNvPr id="10" name="Freeform: Shape 9">
+            <a:extLst>
+              <a:ext uri="{FF2B5EF4-FFF2-40B4-BE49-F238E27FC236}">
+                <a16:creationId xmlns:a16="http://schemas.microsoft.com/office/drawing/2014/main" id="{DF9AD32D-FF05-44F4-BD4D-9CEE89B71EB9}"/>
+              </a:ext>
+              <a:ext uri="{C183D7F6-B498-43B3-948B-1728B52AA6E4}">
+                <adec:decorative xmlns:adec="http://schemas.microsoft.com/office/drawing/2017/decorative" val="1"/>
+              </a:ext>
+            </a:extLst>
+          </p:cNvPr>
+          <p:cNvSpPr>
+            <a:spLocks noGrp="1" noRot="1" noChangeAspect="1" noMove="1" noResize="1" noEditPoints="1" noAdjustHandles="1" noChangeArrowheads="1" noChangeShapeType="1" noTextEdit="1"/>
+          </p:cNvSpPr>
+          <p:nvPr>
+            <p:extLst>
+              <p:ext uri="{386F3935-93C4-4BCD-93E2-E3B085C9AB24}">
+                <p16:designElem xmlns:p16="http://schemas.microsoft.com/office/powerpoint/2015/main" val="1"/>
+              </p:ext>
+            </p:extLst>
+          </p:nvPr>
+        </p:nvSpPr>
+        <p:spPr>
+          <a:xfrm>
+            <a:off x="2118360" y="0"/>
+            <a:ext cx="7955280" cy="6858000"/>
+          </a:xfrm>
+          <a:custGeom>
+            <a:avLst/>
+            <a:gdLst>
+              <a:gd name="connsiteX0" fmla="*/ 1962423 w 7955280"/>
+              <a:gd name="connsiteY0" fmla="*/ 0 h 6858000"/>
+              <a:gd name="connsiteX1" fmla="*/ 5992858 w 7955280"/>
+              <a:gd name="connsiteY1" fmla="*/ 0 h 6858000"/>
+              <a:gd name="connsiteX2" fmla="*/ 6040191 w 7955280"/>
+              <a:gd name="connsiteY2" fmla="*/ 27216 h 6858000"/>
+              <a:gd name="connsiteX3" fmla="*/ 7955280 w 7955280"/>
+              <a:gd name="connsiteY3" fmla="*/ 3429000 h 6858000"/>
+              <a:gd name="connsiteX4" fmla="*/ 6040191 w 7955280"/>
+              <a:gd name="connsiteY4" fmla="*/ 6830784 h 6858000"/>
+              <a:gd name="connsiteX5" fmla="*/ 5992858 w 7955280"/>
+              <a:gd name="connsiteY5" fmla="*/ 6858000 h 6858000"/>
+              <a:gd name="connsiteX6" fmla="*/ 1962423 w 7955280"/>
+              <a:gd name="connsiteY6" fmla="*/ 6858000 h 6858000"/>
+              <a:gd name="connsiteX7" fmla="*/ 1915089 w 7955280"/>
+              <a:gd name="connsiteY7" fmla="*/ 6830784 h 6858000"/>
+              <a:gd name="connsiteX8" fmla="*/ 0 w 7955280"/>
+              <a:gd name="connsiteY8" fmla="*/ 3429000 h 6858000"/>
+              <a:gd name="connsiteX9" fmla="*/ 1915089 w 7955280"/>
+              <a:gd name="connsiteY9" fmla="*/ 27216 h 6858000"/>
+            </a:gdLst>
+            <a:ahLst/>
+            <a:cxnLst>
+              <a:cxn ang="0">
+                <a:pos x="connsiteX0" y="connsiteY0"/>
+              </a:cxn>
+              <a:cxn ang="0">
+                <a:pos x="connsiteX1" y="connsiteY1"/>
+              </a:cxn>
+              <a:cxn ang="0">
+                <a:pos x="connsiteX2" y="connsiteY2"/>
+              </a:cxn>
+              <a:cxn ang="0">
+                <a:pos x="connsiteX3" y="connsiteY3"/>
+              </a:cxn>
+              <a:cxn ang="0">
+                <a:pos x="connsiteX4" y="connsiteY4"/>
+              </a:cxn>
+              <a:cxn ang="0">
+                <a:pos x="connsiteX5" y="connsiteY5"/>
+              </a:cxn>
+              <a:cxn ang="0">
+                <a:pos x="connsiteX6" y="connsiteY6"/>
+              </a:cxn>
+              <a:cxn ang="0">
+                <a:pos x="connsiteX7" y="connsiteY7"/>
+              </a:cxn>
+              <a:cxn ang="0">
+                <a:pos x="connsiteX8" y="connsiteY8"/>
+              </a:cxn>
+              <a:cxn ang="0">
+                <a:pos x="connsiteX9" y="connsiteY9"/>
+              </a:cxn>
+            </a:cxnLst>
+            <a:rect l="l" t="t" r="r" b="b"/>
+            <a:pathLst>
+              <a:path w="7955280" h="6858000">
+                <a:moveTo>
+                  <a:pt x="1962423" y="0"/>
+                </a:moveTo>
+                <a:lnTo>
+                  <a:pt x="5992858" y="0"/>
+                </a:lnTo>
+                <a:lnTo>
+                  <a:pt x="6040191" y="27216"/>
+                </a:lnTo>
+                <a:cubicBezTo>
+                  <a:pt x="7188332" y="724844"/>
+                  <a:pt x="7955280" y="1987357"/>
+                  <a:pt x="7955280" y="3429000"/>
+                </a:cubicBezTo>
+                <a:cubicBezTo>
+                  <a:pt x="7955280" y="4870644"/>
+                  <a:pt x="7188332" y="6133157"/>
+                  <a:pt x="6040191" y="6830784"/>
+                </a:cubicBezTo>
+                <a:lnTo>
+                  <a:pt x="5992858" y="6858000"/>
+                </a:lnTo>
+                <a:lnTo>
+                  <a:pt x="1962423" y="6858000"/>
+                </a:lnTo>
+                <a:lnTo>
+                  <a:pt x="1915089" y="6830784"/>
+                </a:lnTo>
+                <a:cubicBezTo>
+                  <a:pt x="766948" y="6133157"/>
+                  <a:pt x="0" y="4870644"/>
+                  <a:pt x="0" y="3429000"/>
+                </a:cubicBezTo>
+                <a:cubicBezTo>
+                  <a:pt x="0" y="1987357"/>
+                  <a:pt x="766948" y="724844"/>
+                  <a:pt x="1915089" y="27216"/>
+                </a:cubicBezTo>
+                <a:close/>
+              </a:path>
+            </a:pathLst>
+          </a:custGeom>
+          <a:solidFill>
+            <a:schemeClr val="tx1"/>
+          </a:solidFill>
+          <a:ln>
+            <a:noFill/>
+          </a:ln>
+        </p:spPr>
+        <p:style>
+          <a:lnRef idx="2">
+            <a:schemeClr val="accent1">
+              <a:shade val="50000"/>
+            </a:schemeClr>
+          </a:lnRef>
+          <a:fillRef idx="1">
+            <a:schemeClr val="accent1"/>
+          </a:fillRef>
+          <a:effectRef idx="0">
+            <a:schemeClr val="accent1"/>
+          </a:effectRef>
+          <a:fontRef idx="minor">
+            <a:schemeClr val="lt1"/>
+          </a:fontRef>
+        </p:style>
+        <p:txBody>
+          <a:bodyPr wrap="square" rtlCol="0" anchor="ctr">
+            <a:noAutofit/>
+          </a:bodyPr>
+          <a:lstStyle/>
+          <a:p>
+            <a:pPr algn="ctr"/>
+            <a:endParaRPr lang="en-US"/>
+          </a:p>
+        </p:txBody>
+      </p:sp>
+      <p:sp>
+        <p:nvSpPr>
+          <p:cNvPr id="2" name="Title 1">
+            <a:extLst>
+              <a:ext uri="{FF2B5EF4-FFF2-40B4-BE49-F238E27FC236}">
+                <a16:creationId xmlns:a16="http://schemas.microsoft.com/office/drawing/2014/main" id="{44DBCF65-81D9-F543-ACE8-4FDCA4590571}"/>
+              </a:ext>
+            </a:extLst>
+          </p:cNvPr>
+          <p:cNvSpPr>
+            <a:spLocks noGrp="1"/>
+          </p:cNvSpPr>
+          <p:nvPr>
+            <p:ph type="title"/>
+          </p:nvPr>
+        </p:nvSpPr>
+        <p:spPr>
+          <a:xfrm>
+            <a:off x="2555631" y="1441938"/>
+            <a:ext cx="7080738" cy="3974124"/>
+          </a:xfrm>
+        </p:spPr>
+        <p:txBody>
+          <a:bodyPr vert="horz" lIns="91440" tIns="45720" rIns="91440" bIns="45720" rtlCol="0" anchor="ctr">
+            <a:normAutofit/>
+          </a:bodyPr>
+          <a:lstStyle/>
+          <a:p>
+            <a:pPr algn="ctr"/>
+            <a:r>
+              <a:rPr lang="en-US" sz="5400">
+                <a:solidFill>
+                  <a:schemeClr val="bg1">
+                    <a:lumMod val="95000"/>
+                    <a:lumOff val="5000"/>
+                  </a:schemeClr>
+                </a:solidFill>
+              </a:rPr>
+              <a:t>Chapter 10: Evaluating Models: Verification, Calibration, Validation</a:t>
+            </a:r>
+          </a:p>
+        </p:txBody>
+      </p:sp>
+    </p:spTree>
+    <p:extLst>
+      <p:ext uri="{BB962C8B-B14F-4D97-AF65-F5344CB8AC3E}">
+        <p14:creationId xmlns:p14="http://schemas.microsoft.com/office/powerpoint/2010/main" val="2713225905"/>
+      </p:ext>
+    </p:extLst>
+  </p:cSld>
+  <p:clrMapOvr>
+    <a:overrideClrMapping bg1="dk1" tx1="lt1" bg2="dk2" tx2="lt2" accent1="accent1" accent2="accent2" accent3="accent3" accent4="accent4" accent5="accent5" accent6="accent6" hlink="hlink" folHlink="folHlink"/>
+  </p:clrMapOvr>
+</p:sld>
+</file>
+
+<file path=ppt/slides/slide28.xml><?xml version="1.0" encoding="utf-8"?>
+<p:sld xmlns:a="http://schemas.openxmlformats.org/drawingml/2006/main" xmlns:r="http://schemas.openxmlformats.org/officeDocument/2006/relationships" xmlns:p="http://schemas.openxmlformats.org/presentationml/2006/main">
+  <p:cSld>
+    <p:spTree>
+      <p:nvGrpSpPr>
+        <p:cNvPr id="1" name=""/>
+        <p:cNvGrpSpPr/>
+        <p:nvPr/>
+      </p:nvGrpSpPr>
+      <p:grpSpPr>
+        <a:xfrm>
+          <a:off x="0" y="0"/>
+          <a:ext cx="0" cy="0"/>
+          <a:chOff x="0" y="0"/>
+          <a:chExt cx="0" cy="0"/>
+        </a:xfrm>
+      </p:grpSpPr>
+      <p:sp>
+        <p:nvSpPr>
+          <p:cNvPr id="2" name="Title 1">
+            <a:extLst>
+              <a:ext uri="{FF2B5EF4-FFF2-40B4-BE49-F238E27FC236}">
+                <a16:creationId xmlns:a16="http://schemas.microsoft.com/office/drawing/2014/main" id="{1205307A-88FF-A148-92DD-67B6F926B4FF}"/>
+              </a:ext>
+            </a:extLst>
+          </p:cNvPr>
+          <p:cNvSpPr>
+            <a:spLocks noGrp="1"/>
+          </p:cNvSpPr>
+          <p:nvPr>
+            <p:ph type="title"/>
+          </p:nvPr>
+        </p:nvSpPr>
+        <p:spPr/>
+        <p:txBody>
+          <a:bodyPr/>
+          <a:lstStyle/>
+          <a:p>
+            <a:endParaRPr lang="en-US"/>
+          </a:p>
+        </p:txBody>
+      </p:sp>
+      <p:sp>
+        <p:nvSpPr>
+          <p:cNvPr id="3" name="Content Placeholder 2">
+            <a:extLst>
+              <a:ext uri="{FF2B5EF4-FFF2-40B4-BE49-F238E27FC236}">
+                <a16:creationId xmlns:a16="http://schemas.microsoft.com/office/drawing/2014/main" id="{38DFF432-90FF-BE4B-B706-5698F65D9383}"/>
+              </a:ext>
+            </a:extLst>
+          </p:cNvPr>
+          <p:cNvSpPr>
+            <a:spLocks noGrp="1"/>
+          </p:cNvSpPr>
+          <p:nvPr>
+            <p:ph idx="1"/>
+          </p:nvPr>
+        </p:nvSpPr>
+        <p:spPr/>
+        <p:txBody>
+          <a:bodyPr/>
+          <a:lstStyle/>
+          <a:p>
+            <a:endParaRPr lang="en-US"/>
+          </a:p>
+        </p:txBody>
+      </p:sp>
+    </p:spTree>
+    <p:extLst>
+      <p:ext uri="{BB962C8B-B14F-4D97-AF65-F5344CB8AC3E}">
+        <p14:creationId xmlns:p14="http://schemas.microsoft.com/office/powerpoint/2010/main" val="1813088778"/>
+      </p:ext>
+    </p:extLst>
+  </p:cSld>
+  <p:clrMapOvr>
+    <a:masterClrMapping/>
+  </p:clrMapOvr>
+</p:sld>
+</file>
+
+<file path=ppt/slides/slide29.xml><?xml version="1.0" encoding="utf-8"?>
+<p:sld xmlns:a="http://schemas.openxmlformats.org/drawingml/2006/main" xmlns:r="http://schemas.openxmlformats.org/officeDocument/2006/relationships" xmlns:p="http://schemas.openxmlformats.org/presentationml/2006/main">
+  <p:cSld>
+    <p:bg>
+      <p:bgPr>
+        <a:solidFill>
+          <a:schemeClr val="bg1">
+            <a:tint val="95000"/>
+            <a:satMod val="170000"/>
+          </a:schemeClr>
+        </a:solidFill>
+        <a:effectLst/>
+      </p:bgPr>
+    </p:bg>
+    <p:spTree>
+      <p:nvGrpSpPr>
+        <p:cNvPr id="1" name=""/>
+        <p:cNvGrpSpPr/>
+        <p:nvPr/>
+      </p:nvGrpSpPr>
+      <p:grpSpPr>
+        <a:xfrm>
+          <a:off x="0" y="0"/>
+          <a:ext cx="0" cy="0"/>
+          <a:chOff x="0" y="0"/>
+          <a:chExt cx="0" cy="0"/>
+        </a:xfrm>
+      </p:grpSpPr>
+      <p:sp>
+        <p:nvSpPr>
+          <p:cNvPr id="8" name="Freeform: Shape 7">
+            <a:extLst>
+              <a:ext uri="{FF2B5EF4-FFF2-40B4-BE49-F238E27FC236}">
+                <a16:creationId xmlns:a16="http://schemas.microsoft.com/office/drawing/2014/main" id="{66B332A4-D438-4773-A77F-5ED49A448D9D}"/>
+              </a:ext>
+              <a:ext uri="{C183D7F6-B498-43B3-948B-1728B52AA6E4}">
+                <adec:decorative xmlns:adec="http://schemas.microsoft.com/office/drawing/2017/decorative" val="1"/>
+              </a:ext>
+            </a:extLst>
+          </p:cNvPr>
+          <p:cNvSpPr>
+            <a:spLocks noGrp="1" noRot="1" noChangeAspect="1" noMove="1" noResize="1" noEditPoints="1" noAdjustHandles="1" noChangeArrowheads="1" noChangeShapeType="1" noTextEdit="1"/>
+          </p:cNvSpPr>
+          <p:nvPr>
+            <p:extLst>
+              <p:ext uri="{386F3935-93C4-4BCD-93E2-E3B085C9AB24}">
+                <p16:designElem xmlns:p16="http://schemas.microsoft.com/office/powerpoint/2015/main" val="1"/>
+              </p:ext>
+            </p:extLst>
+          </p:nvPr>
+        </p:nvSpPr>
+        <p:spPr>
+          <a:xfrm>
+            <a:off x="1953768" y="0"/>
+            <a:ext cx="8284464" cy="6858000"/>
+          </a:xfrm>
+          <a:custGeom>
+            <a:avLst/>
+            <a:gdLst>
+              <a:gd name="connsiteX0" fmla="*/ 1818109 w 8284464"/>
+              <a:gd name="connsiteY0" fmla="*/ 0 h 6858000"/>
+              <a:gd name="connsiteX1" fmla="*/ 6466355 w 8284464"/>
+              <a:gd name="connsiteY1" fmla="*/ 0 h 6858000"/>
+              <a:gd name="connsiteX2" fmla="*/ 6620596 w 8284464"/>
+              <a:gd name="connsiteY2" fmla="*/ 109683 h 6858000"/>
+              <a:gd name="connsiteX3" fmla="*/ 8284464 w 8284464"/>
+              <a:gd name="connsiteY3" fmla="*/ 3429000 h 6858000"/>
+              <a:gd name="connsiteX4" fmla="*/ 6620596 w 8284464"/>
+              <a:gd name="connsiteY4" fmla="*/ 6748318 h 6858000"/>
+              <a:gd name="connsiteX5" fmla="*/ 6466355 w 8284464"/>
+              <a:gd name="connsiteY5" fmla="*/ 6858000 h 6858000"/>
+              <a:gd name="connsiteX6" fmla="*/ 1818109 w 8284464"/>
+              <a:gd name="connsiteY6" fmla="*/ 6858000 h 6858000"/>
+              <a:gd name="connsiteX7" fmla="*/ 1663869 w 8284464"/>
+              <a:gd name="connsiteY7" fmla="*/ 6748318 h 6858000"/>
+              <a:gd name="connsiteX8" fmla="*/ 0 w 8284464"/>
+              <a:gd name="connsiteY8" fmla="*/ 3429000 h 6858000"/>
+              <a:gd name="connsiteX9" fmla="*/ 1663869 w 8284464"/>
+              <a:gd name="connsiteY9" fmla="*/ 109683 h 6858000"/>
+            </a:gdLst>
+            <a:ahLst/>
+            <a:cxnLst>
+              <a:cxn ang="0">
+                <a:pos x="connsiteX0" y="connsiteY0"/>
+              </a:cxn>
+              <a:cxn ang="0">
+                <a:pos x="connsiteX1" y="connsiteY1"/>
+              </a:cxn>
+              <a:cxn ang="0">
+                <a:pos x="connsiteX2" y="connsiteY2"/>
+              </a:cxn>
+              <a:cxn ang="0">
+                <a:pos x="connsiteX3" y="connsiteY3"/>
+              </a:cxn>
+              <a:cxn ang="0">
+                <a:pos x="connsiteX4" y="connsiteY4"/>
+              </a:cxn>
+              <a:cxn ang="0">
+                <a:pos x="connsiteX5" y="connsiteY5"/>
+              </a:cxn>
+              <a:cxn ang="0">
+                <a:pos x="connsiteX6" y="connsiteY6"/>
+              </a:cxn>
+              <a:cxn ang="0">
+                <a:pos x="connsiteX7" y="connsiteY7"/>
+              </a:cxn>
+              <a:cxn ang="0">
+                <a:pos x="connsiteX8" y="connsiteY8"/>
+              </a:cxn>
+              <a:cxn ang="0">
+                <a:pos x="connsiteX9" y="connsiteY9"/>
+              </a:cxn>
+            </a:cxnLst>
+            <a:rect l="l" t="t" r="r" b="b"/>
+            <a:pathLst>
+              <a:path w="8284464" h="6858000">
+                <a:moveTo>
+                  <a:pt x="1818109" y="0"/>
+                </a:moveTo>
+                <a:lnTo>
+                  <a:pt x="6466355" y="0"/>
+                </a:lnTo>
+                <a:lnTo>
+                  <a:pt x="6620596" y="109683"/>
+                </a:lnTo>
+                <a:cubicBezTo>
+                  <a:pt x="7630666" y="865069"/>
+                  <a:pt x="8284464" y="2070683"/>
+                  <a:pt x="8284464" y="3429000"/>
+                </a:cubicBezTo>
+                <a:cubicBezTo>
+                  <a:pt x="8284464" y="4787317"/>
+                  <a:pt x="7630666" y="5992931"/>
+                  <a:pt x="6620596" y="6748318"/>
+                </a:cubicBezTo>
+                <a:lnTo>
+                  <a:pt x="6466355" y="6858000"/>
+                </a:lnTo>
+                <a:lnTo>
+                  <a:pt x="1818109" y="6858000"/>
+                </a:lnTo>
+                <a:lnTo>
+                  <a:pt x="1663869" y="6748318"/>
+                </a:lnTo>
+                <a:cubicBezTo>
+                  <a:pt x="653798" y="5992931"/>
+                  <a:pt x="0" y="4787317"/>
+                  <a:pt x="0" y="3429000"/>
+                </a:cubicBezTo>
+                <a:cubicBezTo>
+                  <a:pt x="0" y="2070683"/>
+                  <a:pt x="653798" y="865069"/>
+                  <a:pt x="1663869" y="109683"/>
+                </a:cubicBezTo>
+                <a:close/>
+              </a:path>
+            </a:pathLst>
+          </a:custGeom>
+          <a:solidFill>
+            <a:srgbClr val="FFFFFF">
+              <a:alpha val="80000"/>
+            </a:srgbClr>
+          </a:solidFill>
+          <a:ln>
+            <a:noFill/>
+          </a:ln>
+        </p:spPr>
+        <p:style>
+          <a:lnRef idx="2">
+            <a:schemeClr val="accent1">
+              <a:shade val="50000"/>
+            </a:schemeClr>
+          </a:lnRef>
+          <a:fillRef idx="1">
+            <a:schemeClr val="accent1"/>
+          </a:fillRef>
+          <a:effectRef idx="0">
+            <a:schemeClr val="accent1"/>
+          </a:effectRef>
+          <a:fontRef idx="minor">
+            <a:schemeClr val="lt1"/>
+          </a:fontRef>
+        </p:style>
+        <p:txBody>
+          <a:bodyPr wrap="square" rtlCol="0" anchor="ctr">
+            <a:noAutofit/>
+          </a:bodyPr>
+          <a:lstStyle/>
+          <a:p>
+            <a:pPr algn="ctr"/>
+            <a:endParaRPr lang="en-US"/>
+          </a:p>
+        </p:txBody>
+      </p:sp>
+      <p:sp>
+        <p:nvSpPr>
+          <p:cNvPr id="10" name="Freeform: Shape 9">
+            <a:extLst>
+              <a:ext uri="{FF2B5EF4-FFF2-40B4-BE49-F238E27FC236}">
+                <a16:creationId xmlns:a16="http://schemas.microsoft.com/office/drawing/2014/main" id="{DF9AD32D-FF05-44F4-BD4D-9CEE89B71EB9}"/>
+              </a:ext>
+              <a:ext uri="{C183D7F6-B498-43B3-948B-1728B52AA6E4}">
+                <adec:decorative xmlns:adec="http://schemas.microsoft.com/office/drawing/2017/decorative" val="1"/>
+              </a:ext>
+            </a:extLst>
+          </p:cNvPr>
+          <p:cNvSpPr>
+            <a:spLocks noGrp="1" noRot="1" noChangeAspect="1" noMove="1" noResize="1" noEditPoints="1" noAdjustHandles="1" noChangeArrowheads="1" noChangeShapeType="1" noTextEdit="1"/>
+          </p:cNvSpPr>
+          <p:nvPr>
+            <p:extLst>
+              <p:ext uri="{386F3935-93C4-4BCD-93E2-E3B085C9AB24}">
+                <p16:designElem xmlns:p16="http://schemas.microsoft.com/office/powerpoint/2015/main" val="1"/>
+              </p:ext>
+            </p:extLst>
+          </p:nvPr>
+        </p:nvSpPr>
+        <p:spPr>
+          <a:xfrm>
+            <a:off x="2118360" y="0"/>
+            <a:ext cx="7955280" cy="6858000"/>
+          </a:xfrm>
+          <a:custGeom>
+            <a:avLst/>
+            <a:gdLst>
+              <a:gd name="connsiteX0" fmla="*/ 1962423 w 7955280"/>
+              <a:gd name="connsiteY0" fmla="*/ 0 h 6858000"/>
+              <a:gd name="connsiteX1" fmla="*/ 5992858 w 7955280"/>
+              <a:gd name="connsiteY1" fmla="*/ 0 h 6858000"/>
+              <a:gd name="connsiteX2" fmla="*/ 6040191 w 7955280"/>
+              <a:gd name="connsiteY2" fmla="*/ 27216 h 6858000"/>
+              <a:gd name="connsiteX3" fmla="*/ 7955280 w 7955280"/>
+              <a:gd name="connsiteY3" fmla="*/ 3429000 h 6858000"/>
+              <a:gd name="connsiteX4" fmla="*/ 6040191 w 7955280"/>
+              <a:gd name="connsiteY4" fmla="*/ 6830784 h 6858000"/>
+              <a:gd name="connsiteX5" fmla="*/ 5992858 w 7955280"/>
+              <a:gd name="connsiteY5" fmla="*/ 6858000 h 6858000"/>
+              <a:gd name="connsiteX6" fmla="*/ 1962423 w 7955280"/>
+              <a:gd name="connsiteY6" fmla="*/ 6858000 h 6858000"/>
+              <a:gd name="connsiteX7" fmla="*/ 1915089 w 7955280"/>
+              <a:gd name="connsiteY7" fmla="*/ 6830784 h 6858000"/>
+              <a:gd name="connsiteX8" fmla="*/ 0 w 7955280"/>
+              <a:gd name="connsiteY8" fmla="*/ 3429000 h 6858000"/>
+              <a:gd name="connsiteX9" fmla="*/ 1915089 w 7955280"/>
+              <a:gd name="connsiteY9" fmla="*/ 27216 h 6858000"/>
+            </a:gdLst>
+            <a:ahLst/>
+            <a:cxnLst>
+              <a:cxn ang="0">
+                <a:pos x="connsiteX0" y="connsiteY0"/>
+              </a:cxn>
+              <a:cxn ang="0">
+                <a:pos x="connsiteX1" y="connsiteY1"/>
+              </a:cxn>
+              <a:cxn ang="0">
+                <a:pos x="connsiteX2" y="connsiteY2"/>
+              </a:cxn>
+              <a:cxn ang="0">
+                <a:pos x="connsiteX3" y="connsiteY3"/>
+              </a:cxn>
+              <a:cxn ang="0">
+                <a:pos x="connsiteX4" y="connsiteY4"/>
+              </a:cxn>
+              <a:cxn ang="0">
+                <a:pos x="connsiteX5" y="connsiteY5"/>
+              </a:cxn>
+              <a:cxn ang="0">
+                <a:pos x="connsiteX6" y="connsiteY6"/>
+              </a:cxn>
+              <a:cxn ang="0">
+                <a:pos x="connsiteX7" y="connsiteY7"/>
+              </a:cxn>
+              <a:cxn ang="0">
+                <a:pos x="connsiteX8" y="connsiteY8"/>
+              </a:cxn>
+              <a:cxn ang="0">
+                <a:pos x="connsiteX9" y="connsiteY9"/>
+              </a:cxn>
+            </a:cxnLst>
+            <a:rect l="l" t="t" r="r" b="b"/>
+            <a:pathLst>
+              <a:path w="7955280" h="6858000">
+                <a:moveTo>
+                  <a:pt x="1962423" y="0"/>
+                </a:moveTo>
+                <a:lnTo>
+                  <a:pt x="5992858" y="0"/>
+                </a:lnTo>
+                <a:lnTo>
+                  <a:pt x="6040191" y="27216"/>
+                </a:lnTo>
+                <a:cubicBezTo>
+                  <a:pt x="7188332" y="724844"/>
+                  <a:pt x="7955280" y="1987357"/>
+                  <a:pt x="7955280" y="3429000"/>
+                </a:cubicBezTo>
+                <a:cubicBezTo>
+                  <a:pt x="7955280" y="4870644"/>
+                  <a:pt x="7188332" y="6133157"/>
+                  <a:pt x="6040191" y="6830784"/>
+                </a:cubicBezTo>
+                <a:lnTo>
+                  <a:pt x="5992858" y="6858000"/>
+                </a:lnTo>
+                <a:lnTo>
+                  <a:pt x="1962423" y="6858000"/>
+                </a:lnTo>
+                <a:lnTo>
+                  <a:pt x="1915089" y="6830784"/>
+                </a:lnTo>
+                <a:cubicBezTo>
+                  <a:pt x="766948" y="6133157"/>
+                  <a:pt x="0" y="4870644"/>
+                  <a:pt x="0" y="3429000"/>
+                </a:cubicBezTo>
+                <a:cubicBezTo>
+                  <a:pt x="0" y="1987357"/>
+                  <a:pt x="766948" y="724844"/>
+                  <a:pt x="1915089" y="27216"/>
+                </a:cubicBezTo>
+                <a:close/>
+              </a:path>
+            </a:pathLst>
+          </a:custGeom>
+          <a:solidFill>
+            <a:schemeClr val="tx1"/>
+          </a:solidFill>
+          <a:ln>
+            <a:noFill/>
+          </a:ln>
+        </p:spPr>
+        <p:style>
+          <a:lnRef idx="2">
+            <a:schemeClr val="accent1">
+              <a:shade val="50000"/>
+            </a:schemeClr>
+          </a:lnRef>
+          <a:fillRef idx="1">
+            <a:schemeClr val="accent1"/>
+          </a:fillRef>
+          <a:effectRef idx="0">
+            <a:schemeClr val="accent1"/>
+          </a:effectRef>
+          <a:fontRef idx="minor">
+            <a:schemeClr val="lt1"/>
+          </a:fontRef>
+        </p:style>
+        <p:txBody>
+          <a:bodyPr wrap="square" rtlCol="0" anchor="ctr">
+            <a:noAutofit/>
+          </a:bodyPr>
+          <a:lstStyle/>
+          <a:p>
+            <a:pPr algn="ctr"/>
+            <a:endParaRPr lang="en-US"/>
+          </a:p>
+        </p:txBody>
+      </p:sp>
+      <p:sp>
+        <p:nvSpPr>
+          <p:cNvPr id="2" name="Title 1">
+            <a:extLst>
+              <a:ext uri="{FF2B5EF4-FFF2-40B4-BE49-F238E27FC236}">
+                <a16:creationId xmlns:a16="http://schemas.microsoft.com/office/drawing/2014/main" id="{44DBCF65-81D9-F543-ACE8-4FDCA4590571}"/>
+              </a:ext>
+            </a:extLst>
+          </p:cNvPr>
+          <p:cNvSpPr>
+            <a:spLocks noGrp="1"/>
+          </p:cNvSpPr>
+          <p:nvPr>
+            <p:ph type="title"/>
+          </p:nvPr>
+        </p:nvSpPr>
+        <p:spPr>
+          <a:xfrm>
+            <a:off x="2555631" y="1441938"/>
+            <a:ext cx="7080738" cy="3974124"/>
+          </a:xfrm>
+        </p:spPr>
+        <p:txBody>
+          <a:bodyPr vert="horz" lIns="91440" tIns="45720" rIns="91440" bIns="45720" rtlCol="0" anchor="ctr">
+            <a:normAutofit/>
+          </a:bodyPr>
+          <a:lstStyle/>
+          <a:p>
+            <a:pPr algn="ctr"/>
+            <a:r>
+              <a:rPr lang="en-US" sz="5400">
+                <a:solidFill>
+                  <a:schemeClr val="bg1">
+                    <a:lumMod val="95000"/>
+                    <a:lumOff val="5000"/>
+                  </a:schemeClr>
+                </a:solidFill>
+              </a:rPr>
+              <a:t>Chapter 11: Alternative Modelling Approaches</a:t>
+            </a:r>
+          </a:p>
+        </p:txBody>
+      </p:sp>
+    </p:spTree>
+    <p:extLst>
+      <p:ext uri="{BB962C8B-B14F-4D97-AF65-F5344CB8AC3E}">
+        <p14:creationId xmlns:p14="http://schemas.microsoft.com/office/powerpoint/2010/main" val="692908193"/>
+      </p:ext>
+    </p:extLst>
+  </p:cSld>
+  <p:clrMapOvr>
+    <a:overrideClrMapping bg1="dk1" tx1="lt1" bg2="dk2" tx2="lt2" accent1="accent1" accent2="accent2" accent3="accent3" accent4="accent4" accent5="accent5" accent6="accent6" hlink="hlink" folHlink="folHlink"/>
   </p:clrMapOvr>
 </p:sld>
 </file>
@@ -5217,10 +11568,41 @@
         </p:nvSpPr>
         <p:spPr/>
         <p:txBody>
-          <a:bodyPr/>
-          <a:lstStyle/>
-          <a:p>
-            <a:endParaRPr lang="en-US"/>
+          <a:bodyPr>
+            <a:normAutofit/>
+          </a:bodyPr>
+          <a:lstStyle/>
+          <a:p>
+            <a:r>
+              <a:rPr lang="en-US" dirty="0"/>
+              <a:t>Geographers have always been interested in the role and influence of the individual within geographical systems. </a:t>
+            </a:r>
+          </a:p>
+          <a:p>
+            <a:pPr lvl="1"/>
+            <a:r>
+              <a:rPr lang="en-US" dirty="0"/>
+              <a:t>Specifically what are the consequences of individual behaviors and decision-making over space and time?</a:t>
+            </a:r>
+          </a:p>
+          <a:p>
+            <a:r>
+              <a:rPr lang="en-US" dirty="0"/>
+              <a:t>In the last 20 years we have seen an explosion in computer processing power and storage and micro-level data sets</a:t>
+            </a:r>
+          </a:p>
+          <a:p>
+            <a:r>
+              <a:rPr lang="en-US" dirty="0"/>
+              <a:t>Coinciding with this, ideas from complexity science now influence our thinking geographical systems.</a:t>
+            </a:r>
+          </a:p>
+          <a:p>
+            <a:pPr lvl="1"/>
+            <a:r>
+              <a:rPr lang="en-US" dirty="0"/>
+              <a:t>How individuals interact and shape geographical systems from the bottom up. </a:t>
+            </a:r>
           </a:p>
         </p:txBody>
       </p:sp>
@@ -5228,6 +11610,824 @@
     <p:extLst>
       <p:ext uri="{BB962C8B-B14F-4D97-AF65-F5344CB8AC3E}">
         <p14:creationId xmlns:p14="http://schemas.microsoft.com/office/powerpoint/2010/main" val="354395236"/>
+      </p:ext>
+    </p:extLst>
+  </p:cSld>
+  <p:clrMapOvr>
+    <a:masterClrMapping/>
+  </p:clrMapOvr>
+</p:sld>
+</file>
+
+<file path=ppt/slides/slide30.xml><?xml version="1.0" encoding="utf-8"?>
+<p:sld xmlns:a="http://schemas.openxmlformats.org/drawingml/2006/main" xmlns:r="http://schemas.openxmlformats.org/officeDocument/2006/relationships" xmlns:p="http://schemas.openxmlformats.org/presentationml/2006/main">
+  <p:cSld>
+    <p:spTree>
+      <p:nvGrpSpPr>
+        <p:cNvPr id="1" name=""/>
+        <p:cNvGrpSpPr/>
+        <p:nvPr/>
+      </p:nvGrpSpPr>
+      <p:grpSpPr>
+        <a:xfrm>
+          <a:off x="0" y="0"/>
+          <a:ext cx="0" cy="0"/>
+          <a:chOff x="0" y="0"/>
+          <a:chExt cx="0" cy="0"/>
+        </a:xfrm>
+      </p:grpSpPr>
+      <p:sp>
+        <p:nvSpPr>
+          <p:cNvPr id="2" name="Title 1">
+            <a:extLst>
+              <a:ext uri="{FF2B5EF4-FFF2-40B4-BE49-F238E27FC236}">
+                <a16:creationId xmlns:a16="http://schemas.microsoft.com/office/drawing/2014/main" id="{1205307A-88FF-A148-92DD-67B6F926B4FF}"/>
+              </a:ext>
+            </a:extLst>
+          </p:cNvPr>
+          <p:cNvSpPr>
+            <a:spLocks noGrp="1"/>
+          </p:cNvSpPr>
+          <p:nvPr>
+            <p:ph type="title"/>
+          </p:nvPr>
+        </p:nvSpPr>
+        <p:spPr/>
+        <p:txBody>
+          <a:bodyPr/>
+          <a:lstStyle/>
+          <a:p>
+            <a:endParaRPr lang="en-US"/>
+          </a:p>
+        </p:txBody>
+      </p:sp>
+      <p:sp>
+        <p:nvSpPr>
+          <p:cNvPr id="3" name="Content Placeholder 2">
+            <a:extLst>
+              <a:ext uri="{FF2B5EF4-FFF2-40B4-BE49-F238E27FC236}">
+                <a16:creationId xmlns:a16="http://schemas.microsoft.com/office/drawing/2014/main" id="{38DFF432-90FF-BE4B-B706-5698F65D9383}"/>
+              </a:ext>
+            </a:extLst>
+          </p:cNvPr>
+          <p:cNvSpPr>
+            <a:spLocks noGrp="1"/>
+          </p:cNvSpPr>
+          <p:nvPr>
+            <p:ph idx="1"/>
+          </p:nvPr>
+        </p:nvSpPr>
+        <p:spPr/>
+        <p:txBody>
+          <a:bodyPr/>
+          <a:lstStyle/>
+          <a:p>
+            <a:endParaRPr lang="en-US"/>
+          </a:p>
+        </p:txBody>
+      </p:sp>
+    </p:spTree>
+    <p:extLst>
+      <p:ext uri="{BB962C8B-B14F-4D97-AF65-F5344CB8AC3E}">
+        <p14:creationId xmlns:p14="http://schemas.microsoft.com/office/powerpoint/2010/main" val="1281475136"/>
+      </p:ext>
+    </p:extLst>
+  </p:cSld>
+  <p:clrMapOvr>
+    <a:masterClrMapping/>
+  </p:clrMapOvr>
+</p:sld>
+</file>
+
+<file path=ppt/slides/slide31.xml><?xml version="1.0" encoding="utf-8"?>
+<p:sld xmlns:a="http://schemas.openxmlformats.org/drawingml/2006/main" xmlns:r="http://schemas.openxmlformats.org/officeDocument/2006/relationships" xmlns:p="http://schemas.openxmlformats.org/presentationml/2006/main">
+  <p:cSld>
+    <p:bg>
+      <p:bgPr>
+        <a:solidFill>
+          <a:schemeClr val="bg1">
+            <a:tint val="95000"/>
+            <a:satMod val="170000"/>
+          </a:schemeClr>
+        </a:solidFill>
+        <a:effectLst/>
+      </p:bgPr>
+    </p:bg>
+    <p:spTree>
+      <p:nvGrpSpPr>
+        <p:cNvPr id="1" name=""/>
+        <p:cNvGrpSpPr/>
+        <p:nvPr/>
+      </p:nvGrpSpPr>
+      <p:grpSpPr>
+        <a:xfrm>
+          <a:off x="0" y="0"/>
+          <a:ext cx="0" cy="0"/>
+          <a:chOff x="0" y="0"/>
+          <a:chExt cx="0" cy="0"/>
+        </a:xfrm>
+      </p:grpSpPr>
+      <p:sp>
+        <p:nvSpPr>
+          <p:cNvPr id="8" name="Freeform: Shape 7">
+            <a:extLst>
+              <a:ext uri="{FF2B5EF4-FFF2-40B4-BE49-F238E27FC236}">
+                <a16:creationId xmlns:a16="http://schemas.microsoft.com/office/drawing/2014/main" id="{66B332A4-D438-4773-A77F-5ED49A448D9D}"/>
+              </a:ext>
+              <a:ext uri="{C183D7F6-B498-43B3-948B-1728B52AA6E4}">
+                <adec:decorative xmlns:adec="http://schemas.microsoft.com/office/drawing/2017/decorative" val="1"/>
+              </a:ext>
+            </a:extLst>
+          </p:cNvPr>
+          <p:cNvSpPr>
+            <a:spLocks noGrp="1" noRot="1" noChangeAspect="1" noMove="1" noResize="1" noEditPoints="1" noAdjustHandles="1" noChangeArrowheads="1" noChangeShapeType="1" noTextEdit="1"/>
+          </p:cNvSpPr>
+          <p:nvPr>
+            <p:extLst>
+              <p:ext uri="{386F3935-93C4-4BCD-93E2-E3B085C9AB24}">
+                <p16:designElem xmlns:p16="http://schemas.microsoft.com/office/powerpoint/2015/main" val="1"/>
+              </p:ext>
+            </p:extLst>
+          </p:nvPr>
+        </p:nvSpPr>
+        <p:spPr>
+          <a:xfrm>
+            <a:off x="1953768" y="0"/>
+            <a:ext cx="8284464" cy="6858000"/>
+          </a:xfrm>
+          <a:custGeom>
+            <a:avLst/>
+            <a:gdLst>
+              <a:gd name="connsiteX0" fmla="*/ 1818109 w 8284464"/>
+              <a:gd name="connsiteY0" fmla="*/ 0 h 6858000"/>
+              <a:gd name="connsiteX1" fmla="*/ 6466355 w 8284464"/>
+              <a:gd name="connsiteY1" fmla="*/ 0 h 6858000"/>
+              <a:gd name="connsiteX2" fmla="*/ 6620596 w 8284464"/>
+              <a:gd name="connsiteY2" fmla="*/ 109683 h 6858000"/>
+              <a:gd name="connsiteX3" fmla="*/ 8284464 w 8284464"/>
+              <a:gd name="connsiteY3" fmla="*/ 3429000 h 6858000"/>
+              <a:gd name="connsiteX4" fmla="*/ 6620596 w 8284464"/>
+              <a:gd name="connsiteY4" fmla="*/ 6748318 h 6858000"/>
+              <a:gd name="connsiteX5" fmla="*/ 6466355 w 8284464"/>
+              <a:gd name="connsiteY5" fmla="*/ 6858000 h 6858000"/>
+              <a:gd name="connsiteX6" fmla="*/ 1818109 w 8284464"/>
+              <a:gd name="connsiteY6" fmla="*/ 6858000 h 6858000"/>
+              <a:gd name="connsiteX7" fmla="*/ 1663869 w 8284464"/>
+              <a:gd name="connsiteY7" fmla="*/ 6748318 h 6858000"/>
+              <a:gd name="connsiteX8" fmla="*/ 0 w 8284464"/>
+              <a:gd name="connsiteY8" fmla="*/ 3429000 h 6858000"/>
+              <a:gd name="connsiteX9" fmla="*/ 1663869 w 8284464"/>
+              <a:gd name="connsiteY9" fmla="*/ 109683 h 6858000"/>
+            </a:gdLst>
+            <a:ahLst/>
+            <a:cxnLst>
+              <a:cxn ang="0">
+                <a:pos x="connsiteX0" y="connsiteY0"/>
+              </a:cxn>
+              <a:cxn ang="0">
+                <a:pos x="connsiteX1" y="connsiteY1"/>
+              </a:cxn>
+              <a:cxn ang="0">
+                <a:pos x="connsiteX2" y="connsiteY2"/>
+              </a:cxn>
+              <a:cxn ang="0">
+                <a:pos x="connsiteX3" y="connsiteY3"/>
+              </a:cxn>
+              <a:cxn ang="0">
+                <a:pos x="connsiteX4" y="connsiteY4"/>
+              </a:cxn>
+              <a:cxn ang="0">
+                <a:pos x="connsiteX5" y="connsiteY5"/>
+              </a:cxn>
+              <a:cxn ang="0">
+                <a:pos x="connsiteX6" y="connsiteY6"/>
+              </a:cxn>
+              <a:cxn ang="0">
+                <a:pos x="connsiteX7" y="connsiteY7"/>
+              </a:cxn>
+              <a:cxn ang="0">
+                <a:pos x="connsiteX8" y="connsiteY8"/>
+              </a:cxn>
+              <a:cxn ang="0">
+                <a:pos x="connsiteX9" y="connsiteY9"/>
+              </a:cxn>
+            </a:cxnLst>
+            <a:rect l="l" t="t" r="r" b="b"/>
+            <a:pathLst>
+              <a:path w="8284464" h="6858000">
+                <a:moveTo>
+                  <a:pt x="1818109" y="0"/>
+                </a:moveTo>
+                <a:lnTo>
+                  <a:pt x="6466355" y="0"/>
+                </a:lnTo>
+                <a:lnTo>
+                  <a:pt x="6620596" y="109683"/>
+                </a:lnTo>
+                <a:cubicBezTo>
+                  <a:pt x="7630666" y="865069"/>
+                  <a:pt x="8284464" y="2070683"/>
+                  <a:pt x="8284464" y="3429000"/>
+                </a:cubicBezTo>
+                <a:cubicBezTo>
+                  <a:pt x="8284464" y="4787317"/>
+                  <a:pt x="7630666" y="5992931"/>
+                  <a:pt x="6620596" y="6748318"/>
+                </a:cubicBezTo>
+                <a:lnTo>
+                  <a:pt x="6466355" y="6858000"/>
+                </a:lnTo>
+                <a:lnTo>
+                  <a:pt x="1818109" y="6858000"/>
+                </a:lnTo>
+                <a:lnTo>
+                  <a:pt x="1663869" y="6748318"/>
+                </a:lnTo>
+                <a:cubicBezTo>
+                  <a:pt x="653798" y="5992931"/>
+                  <a:pt x="0" y="4787317"/>
+                  <a:pt x="0" y="3429000"/>
+                </a:cubicBezTo>
+                <a:cubicBezTo>
+                  <a:pt x="0" y="2070683"/>
+                  <a:pt x="653798" y="865069"/>
+                  <a:pt x="1663869" y="109683"/>
+                </a:cubicBezTo>
+                <a:close/>
+              </a:path>
+            </a:pathLst>
+          </a:custGeom>
+          <a:solidFill>
+            <a:srgbClr val="FFFFFF">
+              <a:alpha val="80000"/>
+            </a:srgbClr>
+          </a:solidFill>
+          <a:ln>
+            <a:noFill/>
+          </a:ln>
+        </p:spPr>
+        <p:style>
+          <a:lnRef idx="2">
+            <a:schemeClr val="accent1">
+              <a:shade val="50000"/>
+            </a:schemeClr>
+          </a:lnRef>
+          <a:fillRef idx="1">
+            <a:schemeClr val="accent1"/>
+          </a:fillRef>
+          <a:effectRef idx="0">
+            <a:schemeClr val="accent1"/>
+          </a:effectRef>
+          <a:fontRef idx="minor">
+            <a:schemeClr val="lt1"/>
+          </a:fontRef>
+        </p:style>
+        <p:txBody>
+          <a:bodyPr wrap="square" rtlCol="0" anchor="ctr">
+            <a:noAutofit/>
+          </a:bodyPr>
+          <a:lstStyle/>
+          <a:p>
+            <a:pPr algn="ctr"/>
+            <a:endParaRPr lang="en-US"/>
+          </a:p>
+        </p:txBody>
+      </p:sp>
+      <p:sp>
+        <p:nvSpPr>
+          <p:cNvPr id="10" name="Freeform: Shape 9">
+            <a:extLst>
+              <a:ext uri="{FF2B5EF4-FFF2-40B4-BE49-F238E27FC236}">
+                <a16:creationId xmlns:a16="http://schemas.microsoft.com/office/drawing/2014/main" id="{DF9AD32D-FF05-44F4-BD4D-9CEE89B71EB9}"/>
+              </a:ext>
+              <a:ext uri="{C183D7F6-B498-43B3-948B-1728B52AA6E4}">
+                <adec:decorative xmlns:adec="http://schemas.microsoft.com/office/drawing/2017/decorative" val="1"/>
+              </a:ext>
+            </a:extLst>
+          </p:cNvPr>
+          <p:cNvSpPr>
+            <a:spLocks noGrp="1" noRot="1" noChangeAspect="1" noMove="1" noResize="1" noEditPoints="1" noAdjustHandles="1" noChangeArrowheads="1" noChangeShapeType="1" noTextEdit="1"/>
+          </p:cNvSpPr>
+          <p:nvPr>
+            <p:extLst>
+              <p:ext uri="{386F3935-93C4-4BCD-93E2-E3B085C9AB24}">
+                <p16:designElem xmlns:p16="http://schemas.microsoft.com/office/powerpoint/2015/main" val="1"/>
+              </p:ext>
+            </p:extLst>
+          </p:nvPr>
+        </p:nvSpPr>
+        <p:spPr>
+          <a:xfrm>
+            <a:off x="2118360" y="0"/>
+            <a:ext cx="7955280" cy="6858000"/>
+          </a:xfrm>
+          <a:custGeom>
+            <a:avLst/>
+            <a:gdLst>
+              <a:gd name="connsiteX0" fmla="*/ 1962423 w 7955280"/>
+              <a:gd name="connsiteY0" fmla="*/ 0 h 6858000"/>
+              <a:gd name="connsiteX1" fmla="*/ 5992858 w 7955280"/>
+              <a:gd name="connsiteY1" fmla="*/ 0 h 6858000"/>
+              <a:gd name="connsiteX2" fmla="*/ 6040191 w 7955280"/>
+              <a:gd name="connsiteY2" fmla="*/ 27216 h 6858000"/>
+              <a:gd name="connsiteX3" fmla="*/ 7955280 w 7955280"/>
+              <a:gd name="connsiteY3" fmla="*/ 3429000 h 6858000"/>
+              <a:gd name="connsiteX4" fmla="*/ 6040191 w 7955280"/>
+              <a:gd name="connsiteY4" fmla="*/ 6830784 h 6858000"/>
+              <a:gd name="connsiteX5" fmla="*/ 5992858 w 7955280"/>
+              <a:gd name="connsiteY5" fmla="*/ 6858000 h 6858000"/>
+              <a:gd name="connsiteX6" fmla="*/ 1962423 w 7955280"/>
+              <a:gd name="connsiteY6" fmla="*/ 6858000 h 6858000"/>
+              <a:gd name="connsiteX7" fmla="*/ 1915089 w 7955280"/>
+              <a:gd name="connsiteY7" fmla="*/ 6830784 h 6858000"/>
+              <a:gd name="connsiteX8" fmla="*/ 0 w 7955280"/>
+              <a:gd name="connsiteY8" fmla="*/ 3429000 h 6858000"/>
+              <a:gd name="connsiteX9" fmla="*/ 1915089 w 7955280"/>
+              <a:gd name="connsiteY9" fmla="*/ 27216 h 6858000"/>
+            </a:gdLst>
+            <a:ahLst/>
+            <a:cxnLst>
+              <a:cxn ang="0">
+                <a:pos x="connsiteX0" y="connsiteY0"/>
+              </a:cxn>
+              <a:cxn ang="0">
+                <a:pos x="connsiteX1" y="connsiteY1"/>
+              </a:cxn>
+              <a:cxn ang="0">
+                <a:pos x="connsiteX2" y="connsiteY2"/>
+              </a:cxn>
+              <a:cxn ang="0">
+                <a:pos x="connsiteX3" y="connsiteY3"/>
+              </a:cxn>
+              <a:cxn ang="0">
+                <a:pos x="connsiteX4" y="connsiteY4"/>
+              </a:cxn>
+              <a:cxn ang="0">
+                <a:pos x="connsiteX5" y="connsiteY5"/>
+              </a:cxn>
+              <a:cxn ang="0">
+                <a:pos x="connsiteX6" y="connsiteY6"/>
+              </a:cxn>
+              <a:cxn ang="0">
+                <a:pos x="connsiteX7" y="connsiteY7"/>
+              </a:cxn>
+              <a:cxn ang="0">
+                <a:pos x="connsiteX8" y="connsiteY8"/>
+              </a:cxn>
+              <a:cxn ang="0">
+                <a:pos x="connsiteX9" y="connsiteY9"/>
+              </a:cxn>
+            </a:cxnLst>
+            <a:rect l="l" t="t" r="r" b="b"/>
+            <a:pathLst>
+              <a:path w="7955280" h="6858000">
+                <a:moveTo>
+                  <a:pt x="1962423" y="0"/>
+                </a:moveTo>
+                <a:lnTo>
+                  <a:pt x="5992858" y="0"/>
+                </a:lnTo>
+                <a:lnTo>
+                  <a:pt x="6040191" y="27216"/>
+                </a:lnTo>
+                <a:cubicBezTo>
+                  <a:pt x="7188332" y="724844"/>
+                  <a:pt x="7955280" y="1987357"/>
+                  <a:pt x="7955280" y="3429000"/>
+                </a:cubicBezTo>
+                <a:cubicBezTo>
+                  <a:pt x="7955280" y="4870644"/>
+                  <a:pt x="7188332" y="6133157"/>
+                  <a:pt x="6040191" y="6830784"/>
+                </a:cubicBezTo>
+                <a:lnTo>
+                  <a:pt x="5992858" y="6858000"/>
+                </a:lnTo>
+                <a:lnTo>
+                  <a:pt x="1962423" y="6858000"/>
+                </a:lnTo>
+                <a:lnTo>
+                  <a:pt x="1915089" y="6830784"/>
+                </a:lnTo>
+                <a:cubicBezTo>
+                  <a:pt x="766948" y="6133157"/>
+                  <a:pt x="0" y="4870644"/>
+                  <a:pt x="0" y="3429000"/>
+                </a:cubicBezTo>
+                <a:cubicBezTo>
+                  <a:pt x="0" y="1987357"/>
+                  <a:pt x="766948" y="724844"/>
+                  <a:pt x="1915089" y="27216"/>
+                </a:cubicBezTo>
+                <a:close/>
+              </a:path>
+            </a:pathLst>
+          </a:custGeom>
+          <a:solidFill>
+            <a:schemeClr val="tx1"/>
+          </a:solidFill>
+          <a:ln>
+            <a:noFill/>
+          </a:ln>
+        </p:spPr>
+        <p:style>
+          <a:lnRef idx="2">
+            <a:schemeClr val="accent1">
+              <a:shade val="50000"/>
+            </a:schemeClr>
+          </a:lnRef>
+          <a:fillRef idx="1">
+            <a:schemeClr val="accent1"/>
+          </a:fillRef>
+          <a:effectRef idx="0">
+            <a:schemeClr val="accent1"/>
+          </a:effectRef>
+          <a:fontRef idx="minor">
+            <a:schemeClr val="lt1"/>
+          </a:fontRef>
+        </p:style>
+        <p:txBody>
+          <a:bodyPr wrap="square" rtlCol="0" anchor="ctr">
+            <a:noAutofit/>
+          </a:bodyPr>
+          <a:lstStyle/>
+          <a:p>
+            <a:pPr algn="ctr"/>
+            <a:endParaRPr lang="en-US"/>
+          </a:p>
+        </p:txBody>
+      </p:sp>
+      <p:sp>
+        <p:nvSpPr>
+          <p:cNvPr id="2" name="Title 1">
+            <a:extLst>
+              <a:ext uri="{FF2B5EF4-FFF2-40B4-BE49-F238E27FC236}">
+                <a16:creationId xmlns:a16="http://schemas.microsoft.com/office/drawing/2014/main" id="{44DBCF65-81D9-F543-ACE8-4FDCA4590571}"/>
+              </a:ext>
+            </a:extLst>
+          </p:cNvPr>
+          <p:cNvSpPr>
+            <a:spLocks noGrp="1"/>
+          </p:cNvSpPr>
+          <p:nvPr>
+            <p:ph type="title"/>
+          </p:nvPr>
+        </p:nvSpPr>
+        <p:spPr>
+          <a:xfrm>
+            <a:off x="2555631" y="1441938"/>
+            <a:ext cx="7080738" cy="3974124"/>
+          </a:xfrm>
+        </p:spPr>
+        <p:txBody>
+          <a:bodyPr vert="horz" lIns="91440" tIns="45720" rIns="91440" bIns="45720" rtlCol="0" anchor="ctr">
+            <a:normAutofit/>
+          </a:bodyPr>
+          <a:lstStyle/>
+          <a:p>
+            <a:pPr algn="ctr"/>
+            <a:r>
+              <a:rPr lang="en-US" sz="5400">
+                <a:solidFill>
+                  <a:schemeClr val="bg1">
+                    <a:lumMod val="95000"/>
+                    <a:lumOff val="5000"/>
+                  </a:schemeClr>
+                </a:solidFill>
+              </a:rPr>
+              <a:t>Chapter 12: Summary and Outlook</a:t>
+            </a:r>
+          </a:p>
+        </p:txBody>
+      </p:sp>
+    </p:spTree>
+    <p:extLst>
+      <p:ext uri="{BB962C8B-B14F-4D97-AF65-F5344CB8AC3E}">
+        <p14:creationId xmlns:p14="http://schemas.microsoft.com/office/powerpoint/2010/main" val="3198986930"/>
+      </p:ext>
+    </p:extLst>
+  </p:cSld>
+  <p:clrMapOvr>
+    <a:overrideClrMapping bg1="dk1" tx1="lt1" bg2="dk2" tx2="lt2" accent1="accent1" accent2="accent2" accent3="accent3" accent4="accent4" accent5="accent5" accent6="accent6" hlink="hlink" folHlink="folHlink"/>
+  </p:clrMapOvr>
+</p:sld>
+</file>
+
+<file path=ppt/slides/slide32.xml><?xml version="1.0" encoding="utf-8"?>
+<p:sld xmlns:a="http://schemas.openxmlformats.org/drawingml/2006/main" xmlns:r="http://schemas.openxmlformats.org/officeDocument/2006/relationships" xmlns:p="http://schemas.openxmlformats.org/presentationml/2006/main">
+  <p:cSld>
+    <p:spTree>
+      <p:nvGrpSpPr>
+        <p:cNvPr id="1" name=""/>
+        <p:cNvGrpSpPr/>
+        <p:nvPr/>
+      </p:nvGrpSpPr>
+      <p:grpSpPr>
+        <a:xfrm>
+          <a:off x="0" y="0"/>
+          <a:ext cx="0" cy="0"/>
+          <a:chOff x="0" y="0"/>
+          <a:chExt cx="0" cy="0"/>
+        </a:xfrm>
+      </p:grpSpPr>
+      <p:sp>
+        <p:nvSpPr>
+          <p:cNvPr id="2" name="Title 1">
+            <a:extLst>
+              <a:ext uri="{FF2B5EF4-FFF2-40B4-BE49-F238E27FC236}">
+                <a16:creationId xmlns:a16="http://schemas.microsoft.com/office/drawing/2014/main" id="{1205307A-88FF-A148-92DD-67B6F926B4FF}"/>
+              </a:ext>
+            </a:extLst>
+          </p:cNvPr>
+          <p:cNvSpPr>
+            <a:spLocks noGrp="1"/>
+          </p:cNvSpPr>
+          <p:nvPr>
+            <p:ph type="title"/>
+          </p:nvPr>
+        </p:nvSpPr>
+        <p:spPr/>
+        <p:txBody>
+          <a:bodyPr/>
+          <a:lstStyle/>
+          <a:p>
+            <a:endParaRPr lang="en-US"/>
+          </a:p>
+        </p:txBody>
+      </p:sp>
+      <p:sp>
+        <p:nvSpPr>
+          <p:cNvPr id="3" name="Content Placeholder 2">
+            <a:extLst>
+              <a:ext uri="{FF2B5EF4-FFF2-40B4-BE49-F238E27FC236}">
+                <a16:creationId xmlns:a16="http://schemas.microsoft.com/office/drawing/2014/main" id="{38DFF432-90FF-BE4B-B706-5698F65D9383}"/>
+              </a:ext>
+            </a:extLst>
+          </p:cNvPr>
+          <p:cNvSpPr>
+            <a:spLocks noGrp="1"/>
+          </p:cNvSpPr>
+          <p:nvPr>
+            <p:ph idx="1"/>
+          </p:nvPr>
+        </p:nvSpPr>
+        <p:spPr/>
+        <p:txBody>
+          <a:bodyPr/>
+          <a:lstStyle/>
+          <a:p>
+            <a:endParaRPr lang="en-US"/>
+          </a:p>
+        </p:txBody>
+      </p:sp>
+    </p:spTree>
+    <p:extLst>
+      <p:ext uri="{BB962C8B-B14F-4D97-AF65-F5344CB8AC3E}">
+        <p14:creationId xmlns:p14="http://schemas.microsoft.com/office/powerpoint/2010/main" val="2950689444"/>
+      </p:ext>
+    </p:extLst>
+  </p:cSld>
+  <p:clrMapOvr>
+    <a:masterClrMapping/>
+  </p:clrMapOvr>
+</p:sld>
+</file>
+
+<file path=ppt/slides/slide33.xml><?xml version="1.0" encoding="utf-8"?>
+<p:sld xmlns:a="http://schemas.openxmlformats.org/drawingml/2006/main" xmlns:r="http://schemas.openxmlformats.org/officeDocument/2006/relationships" xmlns:p="http://schemas.openxmlformats.org/presentationml/2006/main">
+  <p:cSld>
+    <p:bg>
+      <p:bgPr>
+        <a:solidFill>
+          <a:schemeClr val="bg1"/>
+        </a:solidFill>
+        <a:effectLst/>
+      </p:bgPr>
+    </p:bg>
+    <p:spTree>
+      <p:nvGrpSpPr>
+        <p:cNvPr id="1" name=""/>
+        <p:cNvGrpSpPr/>
+        <p:nvPr/>
+      </p:nvGrpSpPr>
+      <p:grpSpPr>
+        <a:xfrm>
+          <a:off x="0" y="0"/>
+          <a:ext cx="0" cy="0"/>
+          <a:chOff x="0" y="0"/>
+          <a:chExt cx="0" cy="0"/>
+        </a:xfrm>
+      </p:grpSpPr>
+      <p:sp>
+        <p:nvSpPr>
+          <p:cNvPr id="15" name="Rectangle 14">
+            <a:extLst>
+              <a:ext uri="{FF2B5EF4-FFF2-40B4-BE49-F238E27FC236}">
+                <a16:creationId xmlns:a16="http://schemas.microsoft.com/office/drawing/2014/main" id="{867D4867-5BA7-4462-B2F6-A23F4A622AA7}"/>
+              </a:ext>
+              <a:ext uri="{C183D7F6-B498-43B3-948B-1728B52AA6E4}">
+                <adec:decorative xmlns:adec="http://schemas.microsoft.com/office/drawing/2017/decorative" val="1"/>
+              </a:ext>
+            </a:extLst>
+          </p:cNvPr>
+          <p:cNvSpPr>
+            <a:spLocks noGrp="1" noRot="1" noChangeAspect="1" noMove="1" noResize="1" noEditPoints="1" noAdjustHandles="1" noChangeArrowheads="1" noChangeShapeType="1" noTextEdit="1"/>
+          </p:cNvSpPr>
+          <p:nvPr>
+            <p:extLst>
+              <p:ext uri="{386F3935-93C4-4BCD-93E2-E3B085C9AB24}">
+                <p16:designElem xmlns:p16="http://schemas.microsoft.com/office/powerpoint/2015/main" val="1"/>
+              </p:ext>
+            </p:extLst>
+          </p:nvPr>
+        </p:nvSpPr>
+        <p:spPr>
+          <a:xfrm>
+            <a:off x="0" y="0"/>
+            <a:ext cx="4654296" cy="6858000"/>
+          </a:xfrm>
+          <a:prstGeom prst="rect">
+            <a:avLst/>
+          </a:prstGeom>
+          <a:solidFill>
+            <a:schemeClr val="tx1">
+              <a:lumMod val="75000"/>
+              <a:lumOff val="25000"/>
+            </a:schemeClr>
+          </a:solidFill>
+          <a:ln>
+            <a:noFill/>
+          </a:ln>
+        </p:spPr>
+        <p:style>
+          <a:lnRef idx="0">
+            <a:scrgbClr r="0" g="0" b="0"/>
+          </a:lnRef>
+          <a:fillRef idx="0">
+            <a:scrgbClr r="0" g="0" b="0"/>
+          </a:fillRef>
+          <a:effectRef idx="0">
+            <a:scrgbClr r="0" g="0" b="0"/>
+          </a:effectRef>
+          <a:fontRef idx="minor">
+            <a:schemeClr val="lt1"/>
+          </a:fontRef>
+        </p:style>
+        <p:txBody>
+          <a:bodyPr rtlCol="0" anchor="ctr"/>
+          <a:lstStyle/>
+          <a:p>
+            <a:pPr algn="ctr"/>
+            <a:endParaRPr lang="en-US"/>
+          </a:p>
+        </p:txBody>
+      </p:sp>
+      <p:sp>
+        <p:nvSpPr>
+          <p:cNvPr id="2" name="Title 1">
+            <a:extLst>
+              <a:ext uri="{FF2B5EF4-FFF2-40B4-BE49-F238E27FC236}">
+                <a16:creationId xmlns:a16="http://schemas.microsoft.com/office/drawing/2014/main" id="{19131735-1B81-D649-9635-BD38E4007E88}"/>
+              </a:ext>
+            </a:extLst>
+          </p:cNvPr>
+          <p:cNvSpPr>
+            <a:spLocks noGrp="1"/>
+          </p:cNvSpPr>
+          <p:nvPr>
+            <p:ph type="title"/>
+          </p:nvPr>
+        </p:nvSpPr>
+        <p:spPr>
+          <a:xfrm>
+            <a:off x="226022" y="643467"/>
+            <a:ext cx="3363974" cy="1597315"/>
+          </a:xfrm>
+          <a:noFill/>
+          <a:ln w="19050">
+            <a:solidFill>
+              <a:schemeClr val="bg1"/>
+            </a:solidFill>
+          </a:ln>
+        </p:spPr>
+        <p:txBody>
+          <a:bodyPr wrap="square">
+            <a:normAutofit/>
+          </a:bodyPr>
+          <a:lstStyle/>
+          <a:p>
+            <a:pPr algn="ctr"/>
+            <a:r>
+              <a:rPr lang="en-US" sz="2800">
+                <a:solidFill>
+                  <a:schemeClr val="bg1"/>
+                </a:solidFill>
+              </a:rPr>
+              <a:t>Resources</a:t>
+            </a:r>
+          </a:p>
+        </p:txBody>
+      </p:sp>
+      <p:sp>
+        <p:nvSpPr>
+          <p:cNvPr id="10" name="Content Placeholder 9">
+            <a:extLst>
+              <a:ext uri="{FF2B5EF4-FFF2-40B4-BE49-F238E27FC236}">
+                <a16:creationId xmlns:a16="http://schemas.microsoft.com/office/drawing/2014/main" id="{DDBA3CFF-48D1-48A5-BA6D-844E56969B44}"/>
+              </a:ext>
+            </a:extLst>
+          </p:cNvPr>
+          <p:cNvSpPr>
+            <a:spLocks noGrp="1"/>
+          </p:cNvSpPr>
+          <p:nvPr>
+            <p:ph idx="1"/>
+          </p:nvPr>
+        </p:nvSpPr>
+        <p:spPr>
+          <a:xfrm>
+            <a:off x="245902" y="2638044"/>
+            <a:ext cx="3363974" cy="3415622"/>
+          </a:xfrm>
+        </p:spPr>
+        <p:txBody>
+          <a:bodyPr>
+            <a:normAutofit/>
+          </a:bodyPr>
+          <a:lstStyle/>
+          <a:p>
+            <a:r>
+              <a:rPr lang="en-US" sz="2000" dirty="0">
+                <a:solidFill>
+                  <a:schemeClr val="bg1"/>
+                </a:solidFill>
+              </a:rPr>
+              <a:t>Visit </a:t>
+            </a:r>
+            <a:r>
+              <a:rPr lang="en-US" sz="2000" dirty="0">
+                <a:solidFill>
+                  <a:schemeClr val="bg1"/>
+                </a:solidFill>
+                <a:hlinkClick r:id="rId2"/>
+              </a:rPr>
+              <a:t>https://www.abmgis.org/</a:t>
+            </a:r>
+            <a:r>
+              <a:rPr lang="en-US" sz="2000" dirty="0">
+                <a:solidFill>
+                  <a:schemeClr val="bg1"/>
+                </a:solidFill>
+              </a:rPr>
+              <a:t> for models, tutorials and data used in this book.</a:t>
+            </a:r>
+          </a:p>
+          <a:p>
+            <a:r>
+              <a:rPr lang="en-US" sz="2000" dirty="0">
+                <a:solidFill>
+                  <a:schemeClr val="bg1"/>
+                </a:solidFill>
+              </a:rPr>
+              <a:t>Each chapter has a specific page with more information.  </a:t>
+            </a:r>
+          </a:p>
+        </p:txBody>
+      </p:sp>
+      <p:pic>
+        <p:nvPicPr>
+          <p:cNvPr id="8" name="Content Placeholder 4">
+            <a:extLst>
+              <a:ext uri="{FF2B5EF4-FFF2-40B4-BE49-F238E27FC236}">
+                <a16:creationId xmlns:a16="http://schemas.microsoft.com/office/drawing/2014/main" id="{C6F084E8-6ED5-3B49-BA9F-B45A4B177AF2}"/>
+              </a:ext>
+            </a:extLst>
+          </p:cNvPr>
+          <p:cNvPicPr>
+            <a:picLocks noChangeAspect="1"/>
+          </p:cNvPicPr>
+          <p:nvPr/>
+        </p:nvPicPr>
+        <p:blipFill>
+          <a:blip r:embed="rId3"/>
+          <a:stretch>
+            <a:fillRect/>
+          </a:stretch>
+        </p:blipFill>
+        <p:spPr>
+          <a:xfrm>
+            <a:off x="3935287" y="0"/>
+            <a:ext cx="8269962" cy="6905417"/>
+          </a:xfrm>
+          <a:prstGeom prst="rect">
+            <a:avLst/>
+          </a:prstGeom>
+        </p:spPr>
+      </p:pic>
+    </p:spTree>
+    <p:extLst>
+      <p:ext uri="{BB962C8B-B14F-4D97-AF65-F5344CB8AC3E}">
+        <p14:creationId xmlns:p14="http://schemas.microsoft.com/office/powerpoint/2010/main" val="411560374"/>
       </p:ext>
     </p:extLst>
   </p:cSld>
@@ -5298,12 +12498,33 @@
             <p:ph idx="1"/>
           </p:nvPr>
         </p:nvSpPr>
-        <p:spPr/>
+        <p:spPr>
+          <a:xfrm>
+            <a:off x="838200" y="1825625"/>
+            <a:ext cx="10515600" cy="1772340"/>
+          </a:xfrm>
+        </p:spPr>
         <p:txBody>
           <a:bodyPr/>
           <a:lstStyle/>
           <a:p>
-            <a:endParaRPr lang="en-US"/>
+            <a:r>
+              <a:rPr lang="en-US" dirty="0"/>
+              <a:t>Complexity arises when a small number of rules or laws, applied at a local level and among many entities, are capable of generating complex global phenomena: </a:t>
+            </a:r>
+          </a:p>
+          <a:p>
+            <a:pPr lvl="1"/>
+            <a:r>
+              <a:rPr lang="en-US" dirty="0"/>
+              <a:t>Collective behaviors, extensive spatial patterns, hierarchies, etc.</a:t>
+            </a:r>
+          </a:p>
+          <a:p>
+            <a:endParaRPr lang="en-US" dirty="0"/>
+          </a:p>
+          <a:p>
+            <a:endParaRPr lang="en-US" dirty="0"/>
           </a:p>
         </p:txBody>
       </p:sp>
@@ -5465,7 +12686,7 @@
           <p:cNvPr id="2" name="Title 1">
             <a:extLst>
               <a:ext uri="{FF2B5EF4-FFF2-40B4-BE49-F238E27FC236}">
-                <a16:creationId xmlns:a16="http://schemas.microsoft.com/office/drawing/2014/main" id="{8377D8A1-F200-4F49-8BC0-320B95D62D2D}"/>
+                <a16:creationId xmlns:a16="http://schemas.microsoft.com/office/drawing/2014/main" id="{940F737B-1694-924F-90B5-73F66B769229}"/>
               </a:ext>
             </a:extLst>
           </p:cNvPr>
@@ -5483,40 +12704,389 @@
           <a:p>
             <a:r>
               <a:rPr lang="en-US" dirty="0"/>
-              <a:t>Models</a:t>
-            </a:r>
-          </a:p>
-        </p:txBody>
-      </p:sp>
-      <p:sp>
-        <p:nvSpPr>
-          <p:cNvPr id="3" name="Content Placeholder 2">
-            <a:extLst>
-              <a:ext uri="{FF2B5EF4-FFF2-40B4-BE49-F238E27FC236}">
-                <a16:creationId xmlns:a16="http://schemas.microsoft.com/office/drawing/2014/main" id="{03A2E2E8-4E36-8243-80BD-0AB4B3725BC2}"/>
-              </a:ext>
-            </a:extLst>
-          </p:cNvPr>
-          <p:cNvSpPr>
-            <a:spLocks noGrp="1"/>
-          </p:cNvSpPr>
-          <p:nvPr>
-            <p:ph idx="1"/>
-          </p:nvPr>
-        </p:nvSpPr>
-        <p:spPr/>
-        <p:txBody>
-          <a:bodyPr/>
-          <a:lstStyle/>
-          <a:p>
-            <a:endParaRPr lang="en-US"/>
+              <a:t>Complexity and Geographical Systems</a:t>
+            </a:r>
+          </a:p>
+        </p:txBody>
+      </p:sp>
+      <p:graphicFrame>
+        <p:nvGraphicFramePr>
+          <p:cNvPr id="7" name="Content Placeholder 3">
+            <a:extLst>
+              <a:ext uri="{FF2B5EF4-FFF2-40B4-BE49-F238E27FC236}">
+                <a16:creationId xmlns:a16="http://schemas.microsoft.com/office/drawing/2014/main" id="{2FE6591E-F269-044C-A51E-0B92674C7A95}"/>
+              </a:ext>
+            </a:extLst>
+          </p:cNvPr>
+          <p:cNvGraphicFramePr>
+            <a:graphicFrameLocks/>
+          </p:cNvGraphicFramePr>
+          <p:nvPr>
+            <p:extLst>
+              <p:ext uri="{D42A27DB-BD31-4B8C-83A1-F6EECF244321}">
+                <p14:modId xmlns:p14="http://schemas.microsoft.com/office/powerpoint/2010/main" val="649381356"/>
+              </p:ext>
+            </p:extLst>
+          </p:nvPr>
+        </p:nvGraphicFramePr>
+        <p:xfrm>
+          <a:off x="838200" y="1690688"/>
+          <a:ext cx="10515600" cy="4302760"/>
+        </p:xfrm>
+        <a:graphic>
+          <a:graphicData uri="http://schemas.openxmlformats.org/drawingml/2006/table">
+            <a:tbl>
+              <a:tblPr firstRow="1" bandRow="1">
+                <a:tableStyleId>{073A0DAA-6AF3-43AB-8588-CEC1D06C72B9}</a:tableStyleId>
+              </a:tblPr>
+              <a:tblGrid>
+                <a:gridCol w="1924878">
+                  <a:extLst>
+                    <a:ext uri="{9D8B030D-6E8A-4147-A177-3AD203B41FA5}">
+                      <a16:colId xmlns:a16="http://schemas.microsoft.com/office/drawing/2014/main" val="583489186"/>
+                    </a:ext>
+                  </a:extLst>
+                </a:gridCol>
+                <a:gridCol w="3717235">
+                  <a:extLst>
+                    <a:ext uri="{9D8B030D-6E8A-4147-A177-3AD203B41FA5}">
+                      <a16:colId xmlns:a16="http://schemas.microsoft.com/office/drawing/2014/main" val="2919190288"/>
+                    </a:ext>
+                  </a:extLst>
+                </a:gridCol>
+                <a:gridCol w="4873487">
+                  <a:extLst>
+                    <a:ext uri="{9D8B030D-6E8A-4147-A177-3AD203B41FA5}">
+                      <a16:colId xmlns:a16="http://schemas.microsoft.com/office/drawing/2014/main" val="547155228"/>
+                    </a:ext>
+                  </a:extLst>
+                </a:gridCol>
+              </a:tblGrid>
+              <a:tr h="370840">
+                <a:tc>
+                  <a:txBody>
+                    <a:bodyPr/>
+                    <a:lstStyle/>
+                    <a:p>
+                      <a:pPr algn="l"/>
+                      <a:r>
+                        <a:rPr lang="en-US" dirty="0"/>
+                        <a:t>Term</a:t>
+                      </a:r>
+                    </a:p>
+                  </a:txBody>
+                  <a:tcPr anchor="ctr"/>
+                </a:tc>
+                <a:tc>
+                  <a:txBody>
+                    <a:bodyPr/>
+                    <a:lstStyle/>
+                    <a:p>
+                      <a:r>
+                        <a:rPr lang="en-US" dirty="0"/>
+                        <a:t>Explanation</a:t>
+                      </a:r>
+                    </a:p>
+                  </a:txBody>
+                  <a:tcPr anchor="ctr"/>
+                </a:tc>
+                <a:tc>
+                  <a:txBody>
+                    <a:bodyPr/>
+                    <a:lstStyle/>
+                    <a:p>
+                      <a:r>
+                        <a:rPr lang="en-US" dirty="0"/>
+                        <a:t>Example</a:t>
+                      </a:r>
+                    </a:p>
+                  </a:txBody>
+                  <a:tcPr anchor="ctr"/>
+                </a:tc>
+                <a:extLst>
+                  <a:ext uri="{0D108BD9-81ED-4DB2-BD59-A6C34878D82A}">
+                    <a16:rowId xmlns:a16="http://schemas.microsoft.com/office/drawing/2014/main" val="4225655375"/>
+                  </a:ext>
+                </a:extLst>
+              </a:tr>
+              <a:tr h="370840">
+                <a:tc>
+                  <a:txBody>
+                    <a:bodyPr/>
+                    <a:lstStyle/>
+                    <a:p>
+                      <a:pPr algn="l"/>
+                      <a:r>
+                        <a:rPr lang="en-US" b="1" dirty="0"/>
+                        <a:t>Self-</a:t>
+                      </a:r>
+                      <a:r>
+                        <a:rPr lang="en-US" b="1" dirty="0" err="1"/>
+                        <a:t>organisation</a:t>
+                      </a:r>
+                      <a:endParaRPr lang="en-US" b="1" dirty="0"/>
+                    </a:p>
+                  </a:txBody>
+                  <a:tcPr anchor="ctr"/>
+                </a:tc>
+                <a:tc>
+                  <a:txBody>
+                    <a:bodyPr/>
+                    <a:lstStyle/>
+                    <a:p>
+                      <a:r>
+                        <a:rPr lang="en-US" dirty="0"/>
+                        <a:t>The system’s ability to self-</a:t>
+                      </a:r>
+                      <a:r>
+                        <a:rPr lang="en-US" dirty="0" err="1"/>
+                        <a:t>organise</a:t>
+                      </a:r>
+                      <a:r>
+                        <a:rPr lang="en-US" dirty="0"/>
+                        <a:t> – without higher-level direction.</a:t>
+                      </a:r>
+                    </a:p>
+                  </a:txBody>
+                  <a:tcPr anchor="ctr"/>
+                </a:tc>
+                <a:tc>
+                  <a:txBody>
+                    <a:bodyPr/>
+                    <a:lstStyle/>
+                    <a:p>
+                      <a:r>
+                        <a:rPr lang="en-US" dirty="0"/>
+                        <a:t>In economics, national and global markets evolve from locally interacting agents all pursuing what they want.</a:t>
+                      </a:r>
+                    </a:p>
+                  </a:txBody>
+                  <a:tcPr anchor="ctr"/>
+                </a:tc>
+                <a:extLst>
+                  <a:ext uri="{0D108BD9-81ED-4DB2-BD59-A6C34878D82A}">
+                    <a16:rowId xmlns:a16="http://schemas.microsoft.com/office/drawing/2014/main" val="3110194185"/>
+                  </a:ext>
+                </a:extLst>
+              </a:tr>
+              <a:tr h="370840">
+                <a:tc>
+                  <a:txBody>
+                    <a:bodyPr/>
+                    <a:lstStyle/>
+                    <a:p>
+                      <a:pPr algn="l"/>
+                      <a:r>
+                        <a:rPr lang="en-US" b="1" dirty="0"/>
+                        <a:t>Non-linear</a:t>
+                      </a:r>
+                    </a:p>
+                  </a:txBody>
+                  <a:tcPr anchor="ctr"/>
+                </a:tc>
+                <a:tc>
+                  <a:txBody>
+                    <a:bodyPr/>
+                    <a:lstStyle/>
+                    <a:p>
+                      <a:r>
+                        <a:rPr lang="en-US" dirty="0"/>
+                        <a:t>Outputs do not have to be proportional to their inputs.</a:t>
+                      </a:r>
+                    </a:p>
+                  </a:txBody>
+                  <a:tcPr anchor="ctr"/>
+                </a:tc>
+                <a:tc>
+                  <a:txBody>
+                    <a:bodyPr/>
+                    <a:lstStyle/>
+                    <a:p>
+                      <a:r>
+                        <a:rPr lang="en-US" dirty="0"/>
+                        <a:t>Increasing education and employment opportunities for the people  does not stop rioting (Appendix A13).</a:t>
+                      </a:r>
+                    </a:p>
+                  </a:txBody>
+                  <a:tcPr anchor="ctr"/>
+                </a:tc>
+                <a:extLst>
+                  <a:ext uri="{0D108BD9-81ED-4DB2-BD59-A6C34878D82A}">
+                    <a16:rowId xmlns:a16="http://schemas.microsoft.com/office/drawing/2014/main" val="202082359"/>
+                  </a:ext>
+                </a:extLst>
+              </a:tr>
+              <a:tr h="370840">
+                <a:tc>
+                  <a:txBody>
+                    <a:bodyPr/>
+                    <a:lstStyle/>
+                    <a:p>
+                      <a:pPr algn="l"/>
+                      <a:r>
+                        <a:rPr lang="en-US" b="1" dirty="0"/>
+                        <a:t>Feedback</a:t>
+                      </a:r>
+                    </a:p>
+                  </a:txBody>
+                  <a:tcPr anchor="ctr"/>
+                </a:tc>
+                <a:tc>
+                  <a:txBody>
+                    <a:bodyPr/>
+                    <a:lstStyle/>
+                    <a:p>
+                      <a:r>
+                        <a:rPr lang="en-US" dirty="0"/>
+                        <a:t>Self-</a:t>
+                      </a:r>
+                      <a:r>
+                        <a:rPr lang="en-US" dirty="0" err="1"/>
+                        <a:t>organisation</a:t>
+                      </a:r>
+                      <a:r>
+                        <a:rPr lang="en-US" dirty="0"/>
+                        <a:t> results from feedback mechanisms (positive &amp;</a:t>
+                      </a:r>
+                    </a:p>
+                    <a:p>
+                      <a:r>
+                        <a:rPr lang="en-US" dirty="0"/>
+                        <a:t>negative) as a result of interactions between individual entities.</a:t>
+                      </a:r>
+                    </a:p>
+                  </a:txBody>
+                  <a:tcPr anchor="ctr"/>
+                </a:tc>
+                <a:tc>
+                  <a:txBody>
+                    <a:bodyPr/>
+                    <a:lstStyle/>
+                    <a:p>
+                      <a:r>
+                        <a:rPr lang="en-US" b="1" dirty="0"/>
+                        <a:t>Negative</a:t>
+                      </a:r>
+                      <a:r>
+                        <a:rPr lang="en-US" dirty="0"/>
+                        <a:t>: thermostat that attempts to regulate the temperature in a room.</a:t>
+                      </a:r>
+                    </a:p>
+                    <a:p>
+                      <a:r>
+                        <a:rPr lang="en-US" b="1" dirty="0"/>
+                        <a:t>Positive</a:t>
+                      </a:r>
+                      <a:r>
+                        <a:rPr lang="en-US" dirty="0"/>
+                        <a:t>: a run on a bank which can cause it and other banks to fail.</a:t>
+                      </a:r>
+                    </a:p>
+                  </a:txBody>
+                  <a:tcPr anchor="ctr"/>
+                </a:tc>
+                <a:extLst>
+                  <a:ext uri="{0D108BD9-81ED-4DB2-BD59-A6C34878D82A}">
+                    <a16:rowId xmlns:a16="http://schemas.microsoft.com/office/drawing/2014/main" val="4018001574"/>
+                  </a:ext>
+                </a:extLst>
+              </a:tr>
+              <a:tr h="370840">
+                <a:tc>
+                  <a:txBody>
+                    <a:bodyPr/>
+                    <a:lstStyle/>
+                    <a:p>
+                      <a:pPr algn="l"/>
+                      <a:r>
+                        <a:rPr lang="en-US" b="1" dirty="0"/>
+                        <a:t>Path Dependence</a:t>
+                      </a:r>
+                    </a:p>
+                  </a:txBody>
+                  <a:tcPr anchor="ctr"/>
+                </a:tc>
+                <a:tc>
+                  <a:txBody>
+                    <a:bodyPr/>
+                    <a:lstStyle/>
+                    <a:p>
+                      <a:r>
+                        <a:rPr lang="en-US" dirty="0"/>
+                        <a:t>How history dictates how systems evolve and restructure.</a:t>
+                      </a:r>
+                    </a:p>
+                  </a:txBody>
+                  <a:tcPr anchor="ctr"/>
+                </a:tc>
+                <a:tc>
+                  <a:txBody>
+                    <a:bodyPr/>
+                    <a:lstStyle/>
+                    <a:p>
+                      <a:r>
+                        <a:rPr lang="en-US" dirty="0"/>
+                        <a:t>Rank size distribution of cities or residential decisions</a:t>
+                      </a:r>
+                    </a:p>
+                    <a:p>
+                      <a:r>
+                        <a:rPr lang="en-US" dirty="0"/>
+                        <a:t>impact land markets.</a:t>
+                      </a:r>
+                    </a:p>
+                  </a:txBody>
+                  <a:tcPr anchor="ctr"/>
+                </a:tc>
+                <a:extLst>
+                  <a:ext uri="{0D108BD9-81ED-4DB2-BD59-A6C34878D82A}">
+                    <a16:rowId xmlns:a16="http://schemas.microsoft.com/office/drawing/2014/main" val="1205121895"/>
+                  </a:ext>
+                </a:extLst>
+              </a:tr>
+            </a:tbl>
+          </a:graphicData>
+        </a:graphic>
+      </p:graphicFrame>
+      <p:sp>
+        <p:nvSpPr>
+          <p:cNvPr id="8" name="TextBox 7">
+            <a:extLst>
+              <a:ext uri="{FF2B5EF4-FFF2-40B4-BE49-F238E27FC236}">
+                <a16:creationId xmlns:a16="http://schemas.microsoft.com/office/drawing/2014/main" id="{B6D50870-969C-7246-B7CC-3E16DEF303EB}"/>
+              </a:ext>
+            </a:extLst>
+          </p:cNvPr>
+          <p:cNvSpPr txBox="1"/>
+          <p:nvPr/>
+        </p:nvSpPr>
+        <p:spPr>
+          <a:xfrm>
+            <a:off x="4272199" y="6226937"/>
+            <a:ext cx="3647602" cy="369332"/>
+          </a:xfrm>
+          <a:prstGeom prst="rect">
+            <a:avLst/>
+          </a:prstGeom>
+          <a:noFill/>
+        </p:spPr>
+        <p:txBody>
+          <a:bodyPr wrap="none" rtlCol="0">
+            <a:spAutoFit/>
+          </a:bodyPr>
+          <a:lstStyle/>
+          <a:p>
+            <a:r>
+              <a:rPr lang="en-US" dirty="0"/>
+              <a:t>Key terms used in complexity theory</a:t>
+            </a:r>
           </a:p>
         </p:txBody>
       </p:sp>
     </p:spTree>
     <p:extLst>
       <p:ext uri="{BB962C8B-B14F-4D97-AF65-F5344CB8AC3E}">
-        <p14:creationId xmlns:p14="http://schemas.microsoft.com/office/powerpoint/2010/main" val="423011969"/>
+        <p14:creationId xmlns:p14="http://schemas.microsoft.com/office/powerpoint/2010/main" val="2276178469"/>
       </p:ext>
     </p:extLst>
   </p:cSld>
@@ -5548,7 +13118,7 @@
           <p:cNvPr id="2" name="Title 1">
             <a:extLst>
               <a:ext uri="{FF2B5EF4-FFF2-40B4-BE49-F238E27FC236}">
-                <a16:creationId xmlns:a16="http://schemas.microsoft.com/office/drawing/2014/main" id="{00482221-EB08-0D43-8602-A8378C761137}"/>
+                <a16:creationId xmlns:a16="http://schemas.microsoft.com/office/drawing/2014/main" id="{8377D8A1-F200-4F49-8BC0-320B95D62D2D}"/>
               </a:ext>
             </a:extLst>
           </p:cNvPr>
@@ -5566,7 +13136,7 @@
           <a:p>
             <a:r>
               <a:rPr lang="en-US" dirty="0"/>
-              <a:t>Data</a:t>
+              <a:t>Models</a:t>
             </a:r>
           </a:p>
         </p:txBody>
@@ -5576,7 +13146,7 @@
           <p:cNvPr id="3" name="Content Placeholder 2">
             <a:extLst>
               <a:ext uri="{FF2B5EF4-FFF2-40B4-BE49-F238E27FC236}">
-                <a16:creationId xmlns:a16="http://schemas.microsoft.com/office/drawing/2014/main" id="{9B9523B5-02E0-BC45-8ECF-CE43AC174AAF}"/>
+                <a16:creationId xmlns:a16="http://schemas.microsoft.com/office/drawing/2014/main" id="{03A2E2E8-4E36-8243-80BD-0AB4B3725BC2}"/>
               </a:ext>
             </a:extLst>
           </p:cNvPr>
@@ -5599,7 +13169,7 @@
     </p:spTree>
     <p:extLst>
       <p:ext uri="{BB962C8B-B14F-4D97-AF65-F5344CB8AC3E}">
-        <p14:creationId xmlns:p14="http://schemas.microsoft.com/office/powerpoint/2010/main" val="2981430234"/>
+        <p14:creationId xmlns:p14="http://schemas.microsoft.com/office/powerpoint/2010/main" val="423011969"/>
       </p:ext>
     </p:extLst>
   </p:cSld>
@@ -5631,7 +13201,7 @@
           <p:cNvPr id="2" name="Title 1">
             <a:extLst>
               <a:ext uri="{FF2B5EF4-FFF2-40B4-BE49-F238E27FC236}">
-                <a16:creationId xmlns:a16="http://schemas.microsoft.com/office/drawing/2014/main" id="{2192C095-009A-A842-8819-9A741C44E152}"/>
+                <a16:creationId xmlns:a16="http://schemas.microsoft.com/office/drawing/2014/main" id="{00482221-EB08-0D43-8602-A8378C761137}"/>
               </a:ext>
             </a:extLst>
           </p:cNvPr>
@@ -5649,7 +13219,7 @@
           <a:p>
             <a:r>
               <a:rPr lang="en-US" dirty="0"/>
-              <a:t>Individuals</a:t>
+              <a:t>Data</a:t>
             </a:r>
           </a:p>
         </p:txBody>
@@ -5659,7 +13229,7 @@
           <p:cNvPr id="3" name="Content Placeholder 2">
             <a:extLst>
               <a:ext uri="{FF2B5EF4-FFF2-40B4-BE49-F238E27FC236}">
-                <a16:creationId xmlns:a16="http://schemas.microsoft.com/office/drawing/2014/main" id="{DCE71009-9ECA-E944-A0EE-A693020701EA}"/>
+                <a16:creationId xmlns:a16="http://schemas.microsoft.com/office/drawing/2014/main" id="{9B9523B5-02E0-BC45-8ECF-CE43AC174AAF}"/>
               </a:ext>
             </a:extLst>
           </p:cNvPr>
@@ -5682,7 +13252,7 @@
     </p:spTree>
     <p:extLst>
       <p:ext uri="{BB962C8B-B14F-4D97-AF65-F5344CB8AC3E}">
-        <p14:creationId xmlns:p14="http://schemas.microsoft.com/office/powerpoint/2010/main" val="2920868267"/>
+        <p14:creationId xmlns:p14="http://schemas.microsoft.com/office/powerpoint/2010/main" val="2981430234"/>
       </p:ext>
     </p:extLst>
   </p:cSld>
@@ -5714,7 +13284,7 @@
           <p:cNvPr id="2" name="Title 1">
             <a:extLst>
               <a:ext uri="{FF2B5EF4-FFF2-40B4-BE49-F238E27FC236}">
-                <a16:creationId xmlns:a16="http://schemas.microsoft.com/office/drawing/2014/main" id="{FA54AEAF-BEFD-9C41-BCE5-2E0666D11E5A}"/>
+                <a16:creationId xmlns:a16="http://schemas.microsoft.com/office/drawing/2014/main" id="{2192C095-009A-A842-8819-9A741C44E152}"/>
               </a:ext>
             </a:extLst>
           </p:cNvPr>
@@ -5727,14 +13297,12 @@
         </p:nvSpPr>
         <p:spPr/>
         <p:txBody>
-          <a:bodyPr>
-            <a:normAutofit/>
-          </a:bodyPr>
+          <a:bodyPr/>
           <a:lstStyle/>
           <a:p>
             <a:r>
               <a:rPr lang="en-US" dirty="0"/>
-              <a:t>Agent-based Modelling and Geographical Information Systems</a:t>
+              <a:t>Individuals</a:t>
             </a:r>
           </a:p>
         </p:txBody>
@@ -5744,7 +13312,7 @@
           <p:cNvPr id="3" name="Content Placeholder 2">
             <a:extLst>
               <a:ext uri="{FF2B5EF4-FFF2-40B4-BE49-F238E27FC236}">
-                <a16:creationId xmlns:a16="http://schemas.microsoft.com/office/drawing/2014/main" id="{0D016066-F1D5-9248-94D3-8696D55A23AD}"/>
+                <a16:creationId xmlns:a16="http://schemas.microsoft.com/office/drawing/2014/main" id="{DCE71009-9ECA-E944-A0EE-A693020701EA}"/>
               </a:ext>
             </a:extLst>
           </p:cNvPr>
@@ -5767,7 +13335,7 @@
     </p:spTree>
     <p:extLst>
       <p:ext uri="{BB962C8B-B14F-4D97-AF65-F5344CB8AC3E}">
-        <p14:creationId xmlns:p14="http://schemas.microsoft.com/office/powerpoint/2010/main" val="1193397725"/>
+        <p14:creationId xmlns:p14="http://schemas.microsoft.com/office/powerpoint/2010/main" val="2920868267"/>
       </p:ext>
     </p:extLst>
   </p:cSld>

--- a/Chapter01-ABMGIS/Chapter1.pptx
+++ b/Chapter01-ABMGIS/Chapter1.pptx
@@ -5,7 +5,7 @@
     <p:sldMasterId id="2147483648" r:id="rId1"/>
   </p:sldMasterIdLst>
   <p:notesMasterIdLst>
-    <p:notesMasterId r:id="rId35"/>
+    <p:notesMasterId r:id="rId32"/>
   </p:notesMasterIdLst>
   <p:sldIdLst>
     <p:sldId id="256" r:id="rId2"/>
@@ -19,28 +19,25 @@
     <p:sldId id="275" r:id="rId10"/>
     <p:sldId id="278" r:id="rId11"/>
     <p:sldId id="258" r:id="rId12"/>
-    <p:sldId id="259" r:id="rId13"/>
-    <p:sldId id="286" r:id="rId14"/>
-    <p:sldId id="261" r:id="rId15"/>
-    <p:sldId id="287" r:id="rId16"/>
-    <p:sldId id="262" r:id="rId17"/>
-    <p:sldId id="288" r:id="rId18"/>
-    <p:sldId id="263" r:id="rId19"/>
-    <p:sldId id="289" r:id="rId20"/>
-    <p:sldId id="264" r:id="rId21"/>
-    <p:sldId id="290" r:id="rId22"/>
-    <p:sldId id="265" r:id="rId23"/>
-    <p:sldId id="291" r:id="rId24"/>
-    <p:sldId id="266" r:id="rId25"/>
-    <p:sldId id="267" r:id="rId26"/>
-    <p:sldId id="292" r:id="rId27"/>
-    <p:sldId id="268" r:id="rId28"/>
-    <p:sldId id="293" r:id="rId29"/>
-    <p:sldId id="269" r:id="rId30"/>
-    <p:sldId id="294" r:id="rId31"/>
-    <p:sldId id="270" r:id="rId32"/>
-    <p:sldId id="295" r:id="rId33"/>
-    <p:sldId id="260" r:id="rId34"/>
+    <p:sldId id="286" r:id="rId13"/>
+    <p:sldId id="287" r:id="rId14"/>
+    <p:sldId id="298" r:id="rId15"/>
+    <p:sldId id="289" r:id="rId16"/>
+    <p:sldId id="299" r:id="rId17"/>
+    <p:sldId id="300" r:id="rId18"/>
+    <p:sldId id="265" r:id="rId19"/>
+    <p:sldId id="291" r:id="rId20"/>
+    <p:sldId id="266" r:id="rId21"/>
+    <p:sldId id="297" r:id="rId22"/>
+    <p:sldId id="267" r:id="rId23"/>
+    <p:sldId id="292" r:id="rId24"/>
+    <p:sldId id="268" r:id="rId25"/>
+    <p:sldId id="293" r:id="rId26"/>
+    <p:sldId id="269" r:id="rId27"/>
+    <p:sldId id="294" r:id="rId28"/>
+    <p:sldId id="270" r:id="rId29"/>
+    <p:sldId id="295" r:id="rId30"/>
+    <p:sldId id="260" r:id="rId31"/>
   </p:sldIdLst>
   <p:sldSz cx="12192000" cy="6858000"/>
   <p:notesSz cx="6858000" cy="9144000"/>
@@ -649,15 +646,15 @@
             </a:pPr>
             <a:r>
               <a:rPr lang="en-US" dirty="0"/>
-              <a:t>This chapter presents the main concepts and terminology that students are required to understand geographical information systems. The main data types are presented, along with a discussion of relevant issues such as accuracy and precision. A brief overview of the development of GIS is given along with a </a:t>
+              <a:t>What are the questions that social scientists and geographers need to consider when designing and building an agent-based model? What design frameworks and software toolkits are available to use? What are their relative pros and cons? What methods are available for documenting design concepts and why are they useful to </a:t>
             </a:r>
             <a:r>
               <a:rPr lang="en-US" dirty="0" err="1"/>
-              <a:t>flavour</a:t>
+              <a:t>modellers</a:t>
             </a:r>
             <a:r>
               <a:rPr lang="en-US" dirty="0"/>
-              <a:t> of the main software available. Using QGIS, we demonstrate how to prepare and manipulate some example GIS data. Where appropriate, we highlight the main issues that need to be considered when using a GIS and agent-based modelling.</a:t>
+              <a:t>? This chapter will introduce the core concepts and frameworks that can be used to plan, implement and disseminate geographical agent-based models.</a:t>
             </a:r>
           </a:p>
           <a:p>
@@ -682,7 +679,7 @@
           <a:p>
             <a:fld id="{84AB11BC-0202-DE4D-9167-A0B0F1A6BEFB}" type="slidenum">
               <a:rPr lang="en-US" smtClean="0"/>
-              <a:t>18</a:t>
+              <a:t>13</a:t>
             </a:fld>
             <a:endParaRPr lang="en-US"/>
           </a:p>
@@ -691,7 +688,7 @@
     </p:spTree>
     <p:extLst>
       <p:ext uri="{BB962C8B-B14F-4D97-AF65-F5344CB8AC3E}">
-        <p14:creationId xmlns:p14="http://schemas.microsoft.com/office/powerpoint/2010/main" val="762136650"/>
+        <p14:creationId xmlns:p14="http://schemas.microsoft.com/office/powerpoint/2010/main" val="881445567"/>
       </p:ext>
     </p:extLst>
   </p:cSld>
@@ -745,6 +742,41 @@
           <a:bodyPr/>
           <a:lstStyle/>
           <a:p>
+            <a:pPr marL="0" marR="0" lvl="0" indent="0" algn="l" defTabSz="914400" rtl="0" eaLnBrk="1" fontAlgn="auto" latinLnBrk="0" hangingPunct="1">
+              <a:lnSpc>
+                <a:spcPct val="100000"/>
+              </a:lnSpc>
+              <a:spcBef>
+                <a:spcPts val="0"/>
+              </a:spcBef>
+              <a:spcAft>
+                <a:spcPts val="0"/>
+              </a:spcAft>
+              <a:buClrTx/>
+              <a:buSzTx/>
+              <a:buFontTx/>
+              <a:buNone/>
+              <a:tabLst/>
+              <a:defRPr/>
+            </a:pPr>
+            <a:r>
+              <a:rPr lang="en-US" dirty="0"/>
+              <a:t>Picture: </a:t>
+            </a:r>
+            <a:r>
+              <a:rPr lang="en-US" sz="1200" kern="1200" dirty="0">
+                <a:solidFill>
+                  <a:schemeClr val="tx1"/>
+                </a:solidFill>
+                <a:effectLst/>
+                <a:latin typeface="+mn-lt"/>
+                <a:ea typeface="+mn-ea"/>
+                <a:cs typeface="+mn-cs"/>
+              </a:rPr>
+              <a:t>NetLogo contexts: the observer, patches and turtles</a:t>
+            </a:r>
+          </a:p>
+          <a:p>
             <a:endParaRPr lang="en-US" dirty="0"/>
           </a:p>
         </p:txBody>
@@ -766,7 +798,7 @@
           <a:p>
             <a:fld id="{84AB11BC-0202-DE4D-9167-A0B0F1A6BEFB}" type="slidenum">
               <a:rPr lang="en-US" smtClean="0"/>
-              <a:t>19</a:t>
+              <a:t>14</a:t>
             </a:fld>
             <a:endParaRPr lang="en-US"/>
           </a:p>
@@ -775,7 +807,7 @@
     </p:spTree>
     <p:extLst>
       <p:ext uri="{BB962C8B-B14F-4D97-AF65-F5344CB8AC3E}">
-        <p14:creationId xmlns:p14="http://schemas.microsoft.com/office/powerpoint/2010/main" val="4074806893"/>
+        <p14:creationId xmlns:p14="http://schemas.microsoft.com/office/powerpoint/2010/main" val="487335688"/>
       </p:ext>
     </p:extLst>
   </p:cSld>
@@ -829,29 +861,6 @@
           <a:bodyPr/>
           <a:lstStyle/>
           <a:p>
-            <a:pPr marL="0" marR="0" lvl="0" indent="0" algn="l" defTabSz="914400" rtl="0" eaLnBrk="1" fontAlgn="auto" latinLnBrk="0" hangingPunct="1">
-              <a:lnSpc>
-                <a:spcPct val="100000"/>
-              </a:lnSpc>
-              <a:spcBef>
-                <a:spcPts val="0"/>
-              </a:spcBef>
-              <a:spcAft>
-                <a:spcPts val="0"/>
-              </a:spcAft>
-              <a:buClrTx/>
-              <a:buSzTx/>
-              <a:buFontTx/>
-              <a:buNone/>
-              <a:tabLst/>
-              <a:defRPr/>
-            </a:pPr>
-            <a:r>
-              <a:rPr lang="en-US" dirty="0"/>
-              <a:t>Building on previous chapters outlining the fundamentals of GIS and agent-based modelling, what are the benefits to linking these approaches? How is this undertaken? This chapter will explain loose and tight coupling, critiquing the relative advantages and disadvantages of both. We present an overview of open source toolkits that can be used for the creation of geographically explicit agent-based models, before providing a critical look at where and how GIS and ABM should be combined, offering practical advice on best practice.</a:t>
-            </a:r>
-          </a:p>
-          <a:p>
             <a:endParaRPr lang="en-US" dirty="0"/>
           </a:p>
         </p:txBody>
@@ -873,7 +882,7 @@
           <a:p>
             <a:fld id="{84AB11BC-0202-DE4D-9167-A0B0F1A6BEFB}" type="slidenum">
               <a:rPr lang="en-US" smtClean="0"/>
-              <a:t>20</a:t>
+              <a:t>15</a:t>
             </a:fld>
             <a:endParaRPr lang="en-US"/>
           </a:p>
@@ -882,7 +891,7 @@
     </p:spTree>
     <p:extLst>
       <p:ext uri="{BB962C8B-B14F-4D97-AF65-F5344CB8AC3E}">
-        <p14:creationId xmlns:p14="http://schemas.microsoft.com/office/powerpoint/2010/main" val="2524925209"/>
+        <p14:creationId xmlns:p14="http://schemas.microsoft.com/office/powerpoint/2010/main" val="4074806893"/>
       </p:ext>
     </p:extLst>
   </p:cSld>
@@ -936,7 +945,30 @@
           <a:bodyPr/>
           <a:lstStyle/>
           <a:p>
-            <a:endParaRPr lang="en-US" dirty="0"/>
+            <a:r>
+              <a:rPr lang="en-US" sz="1200" kern="1200">
+                <a:solidFill>
+                  <a:schemeClr val="tx1"/>
+                </a:solidFill>
+                <a:effectLst/>
+                <a:latin typeface="+mn-lt"/>
+                <a:ea typeface="+mn-ea"/>
+                <a:cs typeface="+mn-cs"/>
+              </a:rPr>
+              <a:t>Figure: Abstracting </a:t>
+            </a:r>
+            <a:r>
+              <a:rPr lang="en-US" sz="1200" kern="1200" dirty="0">
+                <a:solidFill>
+                  <a:schemeClr val="tx1"/>
+                </a:solidFill>
+                <a:effectLst/>
+                <a:latin typeface="+mn-lt"/>
+                <a:ea typeface="+mn-ea"/>
+                <a:cs typeface="+mn-cs"/>
+              </a:rPr>
+              <a:t>from the real world to a series of layers to be used in the artificial world upon which the agent-based model is based</a:t>
+            </a:r>
           </a:p>
         </p:txBody>
       </p:sp>
@@ -957,7 +989,7 @@
           <a:p>
             <a:fld id="{84AB11BC-0202-DE4D-9167-A0B0F1A6BEFB}" type="slidenum">
               <a:rPr lang="en-US" smtClean="0"/>
-              <a:t>21</a:t>
+              <a:t>16</a:t>
             </a:fld>
             <a:endParaRPr lang="en-US"/>
           </a:p>
@@ -966,7 +998,7 @@
     </p:spTree>
     <p:extLst>
       <p:ext uri="{BB962C8B-B14F-4D97-AF65-F5344CB8AC3E}">
-        <p14:creationId xmlns:p14="http://schemas.microsoft.com/office/powerpoint/2010/main" val="2475023748"/>
+        <p14:creationId xmlns:p14="http://schemas.microsoft.com/office/powerpoint/2010/main" val="534553256"/>
       </p:ext>
     </p:extLst>
   </p:cSld>
@@ -1096,7 +1128,7 @@
           <a:p>
             <a:fld id="{84AB11BC-0202-DE4D-9167-A0B0F1A6BEFB}" type="slidenum">
               <a:rPr lang="en-US" smtClean="0"/>
-              <a:t>22</a:t>
+              <a:t>18</a:t>
             </a:fld>
             <a:endParaRPr lang="en-US"/>
           </a:p>
@@ -1180,7 +1212,7 @@
           <a:p>
             <a:fld id="{84AB11BC-0202-DE4D-9167-A0B0F1A6BEFB}" type="slidenum">
               <a:rPr lang="en-US" smtClean="0"/>
-              <a:t>23</a:t>
+              <a:t>19</a:t>
             </a:fld>
             <a:endParaRPr lang="en-US"/>
           </a:p>
@@ -1287,7 +1319,7 @@
           <a:p>
             <a:fld id="{84AB11BC-0202-DE4D-9167-A0B0F1A6BEFB}" type="slidenum">
               <a:rPr lang="en-US" smtClean="0"/>
-              <a:t>24</a:t>
+              <a:t>20</a:t>
             </a:fld>
             <a:endParaRPr lang="en-US"/>
           </a:p>
@@ -1350,29 +1382,6 @@
           <a:bodyPr/>
           <a:lstStyle/>
           <a:p>
-            <a:pPr marL="0" marR="0" lvl="0" indent="0" algn="l" defTabSz="914400" rtl="0" eaLnBrk="1" fontAlgn="auto" latinLnBrk="0" hangingPunct="1">
-              <a:lnSpc>
-                <a:spcPct val="100000"/>
-              </a:lnSpc>
-              <a:spcBef>
-                <a:spcPts val="0"/>
-              </a:spcBef>
-              <a:spcAft>
-                <a:spcPts val="0"/>
-              </a:spcAft>
-              <a:buClrTx/>
-              <a:buSzTx/>
-              <a:buFontTx/>
-              <a:buNone/>
-              <a:tabLst/>
-              <a:defRPr/>
-            </a:pPr>
-            <a:r>
-              <a:rPr lang="en-US" dirty="0"/>
-              <a:t>This chapter presents a range of statistics and algorithms that can be used to compare two spatial data sets. These are important for modelling because, at some point, it will be necessary to compare a model outcome to some real-world data in order to assess how reliable the model is. This chapter examines the statistics themselves, before Chapter 10 elaborates on how to evaluate the success of a model more broadly, part of which includes making use of the methods discussed here.</a:t>
-            </a:r>
-          </a:p>
-          <a:p>
             <a:endParaRPr lang="en-US" dirty="0"/>
           </a:p>
         </p:txBody>
@@ -1394,7 +1403,7 @@
           <a:p>
             <a:fld id="{84AB11BC-0202-DE4D-9167-A0B0F1A6BEFB}" type="slidenum">
               <a:rPr lang="en-US" smtClean="0"/>
-              <a:t>25</a:t>
+              <a:t>21</a:t>
             </a:fld>
             <a:endParaRPr lang="en-US"/>
           </a:p>
@@ -1403,7 +1412,7 @@
     </p:spTree>
     <p:extLst>
       <p:ext uri="{BB962C8B-B14F-4D97-AF65-F5344CB8AC3E}">
-        <p14:creationId xmlns:p14="http://schemas.microsoft.com/office/powerpoint/2010/main" val="634890708"/>
+        <p14:creationId xmlns:p14="http://schemas.microsoft.com/office/powerpoint/2010/main" val="2247524083"/>
       </p:ext>
     </p:extLst>
   </p:cSld>
@@ -1457,6 +1466,29 @@
           <a:bodyPr/>
           <a:lstStyle/>
           <a:p>
+            <a:pPr marL="0" marR="0" lvl="0" indent="0" algn="l" defTabSz="914400" rtl="0" eaLnBrk="1" fontAlgn="auto" latinLnBrk="0" hangingPunct="1">
+              <a:lnSpc>
+                <a:spcPct val="100000"/>
+              </a:lnSpc>
+              <a:spcBef>
+                <a:spcPts val="0"/>
+              </a:spcBef>
+              <a:spcAft>
+                <a:spcPts val="0"/>
+              </a:spcAft>
+              <a:buClrTx/>
+              <a:buSzTx/>
+              <a:buFontTx/>
+              <a:buNone/>
+              <a:tabLst/>
+              <a:defRPr/>
+            </a:pPr>
+            <a:r>
+              <a:rPr lang="en-US" dirty="0"/>
+              <a:t>This chapter presents a range of statistics and algorithms that can be used to compare two spatial data sets. These are important for modelling because, at some point, it will be necessary to compare a model outcome to some real-world data in order to assess how reliable the model is. This chapter examines the statistics themselves, before Chapter 10 elaborates on how to evaluate the success of a model more broadly, part of which includes making use of the methods discussed here.</a:t>
+            </a:r>
+          </a:p>
+          <a:p>
             <a:endParaRPr lang="en-US" dirty="0"/>
           </a:p>
         </p:txBody>
@@ -1478,7 +1510,7 @@
           <a:p>
             <a:fld id="{84AB11BC-0202-DE4D-9167-A0B0F1A6BEFB}" type="slidenum">
               <a:rPr lang="en-US" smtClean="0"/>
-              <a:t>26</a:t>
+              <a:t>22</a:t>
             </a:fld>
             <a:endParaRPr lang="en-US"/>
           </a:p>
@@ -1487,7 +1519,7 @@
     </p:spTree>
     <p:extLst>
       <p:ext uri="{BB962C8B-B14F-4D97-AF65-F5344CB8AC3E}">
-        <p14:creationId xmlns:p14="http://schemas.microsoft.com/office/powerpoint/2010/main" val="3555799466"/>
+        <p14:creationId xmlns:p14="http://schemas.microsoft.com/office/powerpoint/2010/main" val="634890708"/>
       </p:ext>
     </p:extLst>
   </p:cSld>
@@ -1541,45 +1573,6 @@
           <a:bodyPr/>
           <a:lstStyle/>
           <a:p>
-            <a:pPr marL="0" marR="0" lvl="0" indent="0" algn="l" defTabSz="914400" rtl="0" eaLnBrk="1" fontAlgn="auto" latinLnBrk="0" hangingPunct="1">
-              <a:lnSpc>
-                <a:spcPct val="100000"/>
-              </a:lnSpc>
-              <a:spcBef>
-                <a:spcPts val="0"/>
-              </a:spcBef>
-              <a:spcAft>
-                <a:spcPts val="0"/>
-              </a:spcAft>
-              <a:buClrTx/>
-              <a:buSzTx/>
-              <a:buFontTx/>
-              <a:buNone/>
-              <a:tabLst/>
-              <a:defRPr/>
-            </a:pPr>
-            <a:r>
-              <a:rPr lang="en-US" dirty="0"/>
-              <a:t>Model evaluation is one of the central challenges associated with agent-based models. A key question that all </a:t>
-            </a:r>
-            <a:r>
-              <a:rPr lang="en-US" dirty="0" err="1"/>
-              <a:t>modellers</a:t>
-            </a:r>
-            <a:r>
-              <a:rPr lang="en-US" dirty="0"/>
-              <a:t> face is “</a:t>
-            </a:r>
-            <a:r>
-              <a:rPr lang="en-US" i="1" dirty="0"/>
-              <a:t>how well does this model simulate the phenomenon of interest?</a:t>
-            </a:r>
-            <a:r>
-              <a:rPr lang="en-US" dirty="0"/>
-              <a:t>”. While there are no universally accepted methods for evaluating agent-based models, researchers often adopt the same three stage process of verification, calibration and validation. This chapter presents an overview of the methods that are commonly used within each of these stages. The overarching aim of this chapter is to provide the reader with the knowledge to design their own approach to evaluating agent-based models.</a:t>
-            </a:r>
-          </a:p>
-          <a:p>
             <a:endParaRPr lang="en-US" dirty="0"/>
           </a:p>
         </p:txBody>
@@ -1601,7 +1594,7 @@
           <a:p>
             <a:fld id="{84AB11BC-0202-DE4D-9167-A0B0F1A6BEFB}" type="slidenum">
               <a:rPr lang="en-US" smtClean="0"/>
-              <a:t>27</a:t>
+              <a:t>23</a:t>
             </a:fld>
             <a:endParaRPr lang="en-US"/>
           </a:p>
@@ -1610,7 +1603,7 @@
     </p:spTree>
     <p:extLst>
       <p:ext uri="{BB962C8B-B14F-4D97-AF65-F5344CB8AC3E}">
-        <p14:creationId xmlns:p14="http://schemas.microsoft.com/office/powerpoint/2010/main" val="1013950055"/>
+        <p14:creationId xmlns:p14="http://schemas.microsoft.com/office/powerpoint/2010/main" val="3555799466"/>
       </p:ext>
     </p:extLst>
   </p:cSld>
@@ -1663,29 +1656,6 @@
         <p:txBody>
           <a:bodyPr/>
           <a:lstStyle/>
-          <a:p>
-            <a:pPr marL="0" marR="0" lvl="0" indent="0" algn="l" defTabSz="914400" rtl="0" eaLnBrk="1" fontAlgn="auto" latinLnBrk="0" hangingPunct="1">
-              <a:lnSpc>
-                <a:spcPct val="100000"/>
-              </a:lnSpc>
-              <a:spcBef>
-                <a:spcPts val="0"/>
-              </a:spcBef>
-              <a:spcAft>
-                <a:spcPts val="0"/>
-              </a:spcAft>
-              <a:buClrTx/>
-              <a:buSzTx/>
-              <a:buFontTx/>
-              <a:buNone/>
-              <a:tabLst/>
-              <a:defRPr/>
-            </a:pPr>
-            <a:r>
-              <a:rPr lang="en-US" dirty="0"/>
-              <a:t>The reader is introduced to a discussion around the purpose of modelling as well how complexity theory has influenced the way that we view (and simulate) geographical systems.  We end the chapter by discussing the benefits of bringing together agent-based modelling and GIS.</a:t>
-            </a:r>
-          </a:p>
           <a:p>
             <a:endParaRPr lang="en-US" dirty="0"/>
           </a:p>
@@ -1771,6 +1741,45 @@
           <a:bodyPr/>
           <a:lstStyle/>
           <a:p>
+            <a:pPr marL="0" marR="0" lvl="0" indent="0" algn="l" defTabSz="914400" rtl="0" eaLnBrk="1" fontAlgn="auto" latinLnBrk="0" hangingPunct="1">
+              <a:lnSpc>
+                <a:spcPct val="100000"/>
+              </a:lnSpc>
+              <a:spcBef>
+                <a:spcPts val="0"/>
+              </a:spcBef>
+              <a:spcAft>
+                <a:spcPts val="0"/>
+              </a:spcAft>
+              <a:buClrTx/>
+              <a:buSzTx/>
+              <a:buFontTx/>
+              <a:buNone/>
+              <a:tabLst/>
+              <a:defRPr/>
+            </a:pPr>
+            <a:r>
+              <a:rPr lang="en-US" dirty="0"/>
+              <a:t>Model evaluation is one of the central challenges associated with agent-based models. A key question that all </a:t>
+            </a:r>
+            <a:r>
+              <a:rPr lang="en-US" dirty="0" err="1"/>
+              <a:t>modellers</a:t>
+            </a:r>
+            <a:r>
+              <a:rPr lang="en-US" dirty="0"/>
+              <a:t> face is “</a:t>
+            </a:r>
+            <a:r>
+              <a:rPr lang="en-US" i="1" dirty="0"/>
+              <a:t>how well does this model simulate the phenomenon of interest?</a:t>
+            </a:r>
+            <a:r>
+              <a:rPr lang="en-US" dirty="0"/>
+              <a:t>”. While there are no universally accepted methods for evaluating agent-based models, researchers often adopt the same three stage process of verification, calibration and validation. This chapter presents an overview of the methods that are commonly used within each of these stages. The overarching aim of this chapter is to provide the reader with the knowledge to design their own approach to evaluating agent-based models.</a:t>
+            </a:r>
+          </a:p>
+          <a:p>
             <a:endParaRPr lang="en-US" dirty="0"/>
           </a:p>
         </p:txBody>
@@ -1792,7 +1801,7 @@
           <a:p>
             <a:fld id="{84AB11BC-0202-DE4D-9167-A0B0F1A6BEFB}" type="slidenum">
               <a:rPr lang="en-US" smtClean="0"/>
-              <a:t>28</a:t>
+              <a:t>24</a:t>
             </a:fld>
             <a:endParaRPr lang="en-US"/>
           </a:p>
@@ -1801,7 +1810,7 @@
     </p:spTree>
     <p:extLst>
       <p:ext uri="{BB962C8B-B14F-4D97-AF65-F5344CB8AC3E}">
-        <p14:creationId xmlns:p14="http://schemas.microsoft.com/office/powerpoint/2010/main" val="3215476292"/>
+        <p14:creationId xmlns:p14="http://schemas.microsoft.com/office/powerpoint/2010/main" val="1013950055"/>
       </p:ext>
     </p:extLst>
   </p:cSld>
@@ -1855,29 +1864,6 @@
           <a:bodyPr/>
           <a:lstStyle/>
           <a:p>
-            <a:r>
-              <a:rPr lang="en-US" dirty="0"/>
-              <a:t>Agent-based modelling is one of the most popular approaches used in social and spatial simulation. However, there are several other alternative approaches that are available to the researcher including Cellular Automata (CA), Microsimulation, Discreet Event Simulation (DES), System Dynamics (SD) and Spatial Interaction models.</a:t>
-            </a:r>
-          </a:p>
-          <a:p>
-            <a:endParaRPr lang="en-US" dirty="0"/>
-          </a:p>
-          <a:p>
-            <a:r>
-              <a:rPr lang="en-US" dirty="0"/>
-              <a:t>This chapter presents an overview of these other approaches giving simple examples on how they can be used and </a:t>
-            </a:r>
-            <a:r>
-              <a:rPr lang="en-US" dirty="0" err="1"/>
-              <a:t>summarising</a:t>
-            </a:r>
-            <a:r>
-              <a:rPr lang="en-US" dirty="0"/>
-              <a:t> the main differences between them. To compare these models, they are applied to the same issue, the spread of a disease using a Susceptible-Infected-Recovered (SIR) epidemic model. This shows that while the same general patterns emerge, the reasons for this are very different.</a:t>
-            </a:r>
-          </a:p>
-          <a:p>
             <a:endParaRPr lang="en-US" dirty="0"/>
           </a:p>
         </p:txBody>
@@ -1899,7 +1885,7 @@
           <a:p>
             <a:fld id="{84AB11BC-0202-DE4D-9167-A0B0F1A6BEFB}" type="slidenum">
               <a:rPr lang="en-US" smtClean="0"/>
-              <a:t>29</a:t>
+              <a:t>25</a:t>
             </a:fld>
             <a:endParaRPr lang="en-US"/>
           </a:p>
@@ -1908,7 +1894,7 @@
     </p:spTree>
     <p:extLst>
       <p:ext uri="{BB962C8B-B14F-4D97-AF65-F5344CB8AC3E}">
-        <p14:creationId xmlns:p14="http://schemas.microsoft.com/office/powerpoint/2010/main" val="4014083732"/>
+        <p14:creationId xmlns:p14="http://schemas.microsoft.com/office/powerpoint/2010/main" val="3215476292"/>
       </p:ext>
     </p:extLst>
   </p:cSld>
@@ -1962,6 +1948,29 @@
           <a:bodyPr/>
           <a:lstStyle/>
           <a:p>
+            <a:r>
+              <a:rPr lang="en-US" dirty="0"/>
+              <a:t>Agent-based modelling is one of the most popular approaches used in social and spatial simulation. However, there are several other alternative approaches that are available to the researcher including Cellular Automata (CA), Microsimulation, Discreet Event Simulation (DES), System Dynamics (SD) and Spatial Interaction models.</a:t>
+            </a:r>
+          </a:p>
+          <a:p>
+            <a:endParaRPr lang="en-US" dirty="0"/>
+          </a:p>
+          <a:p>
+            <a:r>
+              <a:rPr lang="en-US" dirty="0"/>
+              <a:t>This chapter presents an overview of these other approaches giving simple examples on how they can be used and </a:t>
+            </a:r>
+            <a:r>
+              <a:rPr lang="en-US" dirty="0" err="1"/>
+              <a:t>summarising</a:t>
+            </a:r>
+            <a:r>
+              <a:rPr lang="en-US" dirty="0"/>
+              <a:t> the main differences between them. To compare these models, they are applied to the same issue, the spread of a disease using a Susceptible-Infected-Recovered (SIR) epidemic model. This shows that while the same general patterns emerge, the reasons for this are very different.</a:t>
+            </a:r>
+          </a:p>
+          <a:p>
             <a:endParaRPr lang="en-US" dirty="0"/>
           </a:p>
         </p:txBody>
@@ -1983,7 +1992,7 @@
           <a:p>
             <a:fld id="{84AB11BC-0202-DE4D-9167-A0B0F1A6BEFB}" type="slidenum">
               <a:rPr lang="en-US" smtClean="0"/>
-              <a:t>30</a:t>
+              <a:t>26</a:t>
             </a:fld>
             <a:endParaRPr lang="en-US"/>
           </a:p>
@@ -1992,7 +2001,7 @@
     </p:spTree>
     <p:extLst>
       <p:ext uri="{BB962C8B-B14F-4D97-AF65-F5344CB8AC3E}">
-        <p14:creationId xmlns:p14="http://schemas.microsoft.com/office/powerpoint/2010/main" val="2562616004"/>
+        <p14:creationId xmlns:p14="http://schemas.microsoft.com/office/powerpoint/2010/main" val="4014083732"/>
       </p:ext>
     </p:extLst>
   </p:cSld>
@@ -2046,29 +2055,6 @@
           <a:bodyPr/>
           <a:lstStyle/>
           <a:p>
-            <a:pPr marL="0" marR="0" lvl="0" indent="0" algn="l" defTabSz="914400" rtl="0" eaLnBrk="1" fontAlgn="auto" latinLnBrk="0" hangingPunct="1">
-              <a:lnSpc>
-                <a:spcPct val="100000"/>
-              </a:lnSpc>
-              <a:spcBef>
-                <a:spcPts val="0"/>
-              </a:spcBef>
-              <a:spcAft>
-                <a:spcPts val="0"/>
-              </a:spcAft>
-              <a:buClrTx/>
-              <a:buSzTx/>
-              <a:buFontTx/>
-              <a:buNone/>
-              <a:tabLst/>
-              <a:defRPr/>
-            </a:pPr>
-            <a:r>
-              <a:rPr lang="en-US" dirty="0"/>
-              <a:t>This chapter reflects on the current state of the art of agent-based models and factors that may shape the future of this discipline. Specifically we discuss the key challenges for developing robust agent-based models of geographical systems as well as potential solutions. We argue that we need to make progress on these challenges if these models are to be used to offer insight into key societal challenges, for example climate change, urban growth and migration.</a:t>
-            </a:r>
-          </a:p>
-          <a:p>
             <a:endParaRPr lang="en-US" dirty="0"/>
           </a:p>
         </p:txBody>
@@ -2090,7 +2076,7 @@
           <a:p>
             <a:fld id="{84AB11BC-0202-DE4D-9167-A0B0F1A6BEFB}" type="slidenum">
               <a:rPr lang="en-US" smtClean="0"/>
-              <a:t>31</a:t>
+              <a:t>27</a:t>
             </a:fld>
             <a:endParaRPr lang="en-US"/>
           </a:p>
@@ -2099,7 +2085,7 @@
     </p:spTree>
     <p:extLst>
       <p:ext uri="{BB962C8B-B14F-4D97-AF65-F5344CB8AC3E}">
-        <p14:creationId xmlns:p14="http://schemas.microsoft.com/office/powerpoint/2010/main" val="2529831872"/>
+        <p14:creationId xmlns:p14="http://schemas.microsoft.com/office/powerpoint/2010/main" val="2562616004"/>
       </p:ext>
     </p:extLst>
   </p:cSld>
@@ -2153,6 +2139,29 @@
           <a:bodyPr/>
           <a:lstStyle/>
           <a:p>
+            <a:pPr marL="0" marR="0" lvl="0" indent="0" algn="l" defTabSz="914400" rtl="0" eaLnBrk="1" fontAlgn="auto" latinLnBrk="0" hangingPunct="1">
+              <a:lnSpc>
+                <a:spcPct val="100000"/>
+              </a:lnSpc>
+              <a:spcBef>
+                <a:spcPts val="0"/>
+              </a:spcBef>
+              <a:spcAft>
+                <a:spcPts val="0"/>
+              </a:spcAft>
+              <a:buClrTx/>
+              <a:buSzTx/>
+              <a:buFontTx/>
+              <a:buNone/>
+              <a:tabLst/>
+              <a:defRPr/>
+            </a:pPr>
+            <a:r>
+              <a:rPr lang="en-US" dirty="0"/>
+              <a:t>This chapter reflects on the current state of the art of agent-based models and factors that may shape the future of this discipline. Specifically we discuss the key challenges for developing robust agent-based models of geographical systems as well as potential solutions. We argue that we need to make progress on these challenges if these models are to be used to offer insight into key societal challenges, for example climate change, urban growth and migration.</a:t>
+            </a:r>
+          </a:p>
+          <a:p>
             <a:endParaRPr lang="en-US" dirty="0"/>
           </a:p>
         </p:txBody>
@@ -2174,7 +2183,91 @@
           <a:p>
             <a:fld id="{84AB11BC-0202-DE4D-9167-A0B0F1A6BEFB}" type="slidenum">
               <a:rPr lang="en-US" smtClean="0"/>
-              <a:t>32</a:t>
+              <a:t>28</a:t>
+            </a:fld>
+            <a:endParaRPr lang="en-US"/>
+          </a:p>
+        </p:txBody>
+      </p:sp>
+    </p:spTree>
+    <p:extLst>
+      <p:ext uri="{BB962C8B-B14F-4D97-AF65-F5344CB8AC3E}">
+        <p14:creationId xmlns:p14="http://schemas.microsoft.com/office/powerpoint/2010/main" val="2529831872"/>
+      </p:ext>
+    </p:extLst>
+  </p:cSld>
+  <p:clrMapOvr>
+    <a:masterClrMapping/>
+  </p:clrMapOvr>
+</p:notes>
+</file>
+
+<file path=ppt/notesSlides/notesSlide25.xml><?xml version="1.0" encoding="utf-8"?>
+<p:notes xmlns:a="http://schemas.openxmlformats.org/drawingml/2006/main" xmlns:r="http://schemas.openxmlformats.org/officeDocument/2006/relationships" xmlns:p="http://schemas.openxmlformats.org/presentationml/2006/main">
+  <p:cSld>
+    <p:spTree>
+      <p:nvGrpSpPr>
+        <p:cNvPr id="1" name=""/>
+        <p:cNvGrpSpPr/>
+        <p:nvPr/>
+      </p:nvGrpSpPr>
+      <p:grpSpPr>
+        <a:xfrm>
+          <a:off x="0" y="0"/>
+          <a:ext cx="0" cy="0"/>
+          <a:chOff x="0" y="0"/>
+          <a:chExt cx="0" cy="0"/>
+        </a:xfrm>
+      </p:grpSpPr>
+      <p:sp>
+        <p:nvSpPr>
+          <p:cNvPr id="2" name="Slide Image Placeholder 1"/>
+          <p:cNvSpPr>
+            <a:spLocks noGrp="1" noRot="1" noChangeAspect="1"/>
+          </p:cNvSpPr>
+          <p:nvPr>
+            <p:ph type="sldImg"/>
+          </p:nvPr>
+        </p:nvSpPr>
+        <p:spPr/>
+      </p:sp>
+      <p:sp>
+        <p:nvSpPr>
+          <p:cNvPr id="3" name="Notes Placeholder 2"/>
+          <p:cNvSpPr>
+            <a:spLocks noGrp="1"/>
+          </p:cNvSpPr>
+          <p:nvPr>
+            <p:ph type="body" idx="1"/>
+          </p:nvPr>
+        </p:nvSpPr>
+        <p:spPr/>
+        <p:txBody>
+          <a:bodyPr/>
+          <a:lstStyle/>
+          <a:p>
+            <a:endParaRPr lang="en-US" dirty="0"/>
+          </a:p>
+        </p:txBody>
+      </p:sp>
+      <p:sp>
+        <p:nvSpPr>
+          <p:cNvPr id="4" name="Slide Number Placeholder 3"/>
+          <p:cNvSpPr>
+            <a:spLocks noGrp="1"/>
+          </p:cNvSpPr>
+          <p:nvPr>
+            <p:ph type="sldNum" sz="quarter" idx="5"/>
+          </p:nvPr>
+        </p:nvSpPr>
+        <p:spPr/>
+        <p:txBody>
+          <a:bodyPr/>
+          <a:lstStyle/>
+          <a:p>
+            <a:fld id="{84AB11BC-0202-DE4D-9167-A0B0F1A6BEFB}" type="slidenum">
+              <a:rPr lang="en-US" smtClean="0"/>
+              <a:t>29</a:t>
             </a:fld>
             <a:endParaRPr lang="en-US"/>
           </a:p>
@@ -2237,62 +2330,6 @@
           <a:bodyPr/>
           <a:lstStyle/>
           <a:p>
-            <a:r>
-              <a:rPr lang="en-US" sz="1200" kern="1200" dirty="0">
-                <a:solidFill>
-                  <a:schemeClr val="tx1"/>
-                </a:solidFill>
-                <a:effectLst/>
-                <a:latin typeface="+mn-lt"/>
-                <a:ea typeface="+mn-ea"/>
-                <a:cs typeface="+mn-cs"/>
-              </a:rPr>
-              <a:t>how, through the growth of computational power, data and</a:t>
-            </a:r>
-          </a:p>
-          <a:p>
-            <a:r>
-              <a:rPr lang="en-US" sz="1200" kern="1200" dirty="0">
-                <a:solidFill>
-                  <a:schemeClr val="tx1"/>
-                </a:solidFill>
-                <a:effectLst/>
-                <a:latin typeface="+mn-lt"/>
-                <a:ea typeface="+mn-ea"/>
-                <a:cs typeface="+mn-cs"/>
-              </a:rPr>
-              <a:t>tools are opening up new avenues of research in geographical systems and new</a:t>
-            </a:r>
-          </a:p>
-          <a:p>
-            <a:r>
-              <a:rPr lang="en-US" sz="1200" kern="1200" dirty="0">
-                <a:solidFill>
-                  <a:schemeClr val="tx1"/>
-                </a:solidFill>
-                <a:effectLst/>
-                <a:latin typeface="+mn-lt"/>
-                <a:ea typeface="+mn-ea"/>
-                <a:cs typeface="+mn-cs"/>
-              </a:rPr>
-              <a:t>ways of thinking about geographical processes and problems from the bottom</a:t>
-            </a:r>
-          </a:p>
-          <a:p>
-            <a:r>
-              <a:rPr lang="en-US" sz="1200" kern="1200" dirty="0">
-                <a:solidFill>
-                  <a:schemeClr val="tx1"/>
-                </a:solidFill>
-                <a:effectLst/>
-                <a:latin typeface="+mn-lt"/>
-                <a:ea typeface="+mn-ea"/>
-                <a:cs typeface="+mn-cs"/>
-              </a:rPr>
-              <a:t>up.</a:t>
-            </a:r>
-          </a:p>
-          <a:p>
             <a:endParaRPr lang="en-US" dirty="0"/>
           </a:p>
         </p:txBody>
@@ -2461,37 +2498,6 @@
           <a:bodyPr/>
           <a:lstStyle/>
           <a:p>
-            <a:pPr marL="0" marR="0" lvl="0" indent="0" algn="l" defTabSz="914400" rtl="0" eaLnBrk="1" fontAlgn="auto" latinLnBrk="0" hangingPunct="1">
-              <a:lnSpc>
-                <a:spcPct val="100000"/>
-              </a:lnSpc>
-              <a:spcBef>
-                <a:spcPts val="0"/>
-              </a:spcBef>
-              <a:spcAft>
-                <a:spcPts val="0"/>
-              </a:spcAft>
-              <a:buClrTx/>
-              <a:buSzTx/>
-              <a:buFontTx/>
-              <a:buNone/>
-              <a:tabLst/>
-              <a:defRPr/>
-            </a:pPr>
-            <a:r>
-              <a:rPr lang="en-US" dirty="0"/>
-              <a:t>this Chapter we introduce the key concepts behind agent-based modelling. What is an agent, and what are rules? These are discussed along with a consideration of the main advantages and disadvantages for simulating spatial systems. A range of established applications are presented to give a </a:t>
-            </a:r>
-            <a:r>
-              <a:rPr lang="en-US" dirty="0" err="1"/>
-              <a:t>flavour</a:t>
-            </a:r>
-            <a:r>
-              <a:rPr lang="en-US" dirty="0"/>
-              <a:t> of how agent-based models can be successfully applied. The overarching aim of this chapter is to give the reader an understanding of what an agent-based model is. This knowledge will be built upon in subsequent chapters.</a:t>
-            </a:r>
-          </a:p>
-          <a:p>
             <a:endParaRPr lang="en-US" dirty="0"/>
           </a:p>
         </p:txBody>
@@ -2513,7 +2519,7 @@
           <a:p>
             <a:fld id="{84AB11BC-0202-DE4D-9167-A0B0F1A6BEFB}" type="slidenum">
               <a:rPr lang="en-US" smtClean="0"/>
-              <a:t>12</a:t>
+              <a:t>7</a:t>
             </a:fld>
             <a:endParaRPr lang="en-US"/>
           </a:p>
@@ -2522,7 +2528,7 @@
     </p:spTree>
     <p:extLst>
       <p:ext uri="{BB962C8B-B14F-4D97-AF65-F5344CB8AC3E}">
-        <p14:creationId xmlns:p14="http://schemas.microsoft.com/office/powerpoint/2010/main" val="4131272679"/>
+        <p14:creationId xmlns:p14="http://schemas.microsoft.com/office/powerpoint/2010/main" val="3174882086"/>
       </p:ext>
     </p:extLst>
   </p:cSld>
@@ -2576,34 +2582,149 @@
           <a:bodyPr/>
           <a:lstStyle/>
           <a:p>
-            <a:pPr marL="0" marR="0" lvl="0" indent="0" algn="l" defTabSz="914400" rtl="0" eaLnBrk="1" fontAlgn="auto" latinLnBrk="0" hangingPunct="1">
-              <a:lnSpc>
-                <a:spcPct val="100000"/>
-              </a:lnSpc>
-              <a:spcBef>
-                <a:spcPts val="0"/>
-              </a:spcBef>
-              <a:spcAft>
-                <a:spcPts val="0"/>
-              </a:spcAft>
-              <a:buClrTx/>
-              <a:buSzTx/>
-              <a:buFontTx/>
-              <a:buNone/>
-              <a:tabLst/>
-              <a:defRPr/>
-            </a:pPr>
-            <a:r>
-              <a:rPr lang="en-US" dirty="0"/>
-              <a:t>this Chapter we introduce the key concepts behind agent-based modelling. What is an agent, and what are rules? These are discussed along with a consideration of the main advantages and disadvantages for simulating spatial systems. A range of established applications are presented to give a </a:t>
-            </a:r>
-            <a:r>
-              <a:rPr lang="en-US" dirty="0" err="1"/>
-              <a:t>flavour</a:t>
-            </a:r>
-            <a:r>
-              <a:rPr lang="en-US" dirty="0"/>
-              <a:t> of how agent-based models can be successfully applied. The overarching aim of this chapter is to give the reader an understanding of what an agent-based model is. This knowledge will be built upon in subsequent chapters.</a:t>
+            <a:r>
+              <a:rPr lang="en-US" sz="1200" kern="1200" dirty="0">
+                <a:solidFill>
+                  <a:schemeClr val="tx1"/>
+                </a:solidFill>
+                <a:effectLst/>
+                <a:latin typeface="+mn-lt"/>
+                <a:ea typeface="+mn-ea"/>
+                <a:cs typeface="+mn-cs"/>
+              </a:rPr>
+              <a:t>note that data and data analysis techniques do</a:t>
+            </a:r>
+          </a:p>
+          <a:p>
+            <a:r>
+              <a:rPr lang="en-US" sz="1200" kern="1200" dirty="0">
+                <a:solidFill>
+                  <a:schemeClr val="tx1"/>
+                </a:solidFill>
+                <a:effectLst/>
+                <a:latin typeface="+mn-lt"/>
+                <a:ea typeface="+mn-ea"/>
+                <a:cs typeface="+mn-cs"/>
+              </a:rPr>
+              <a:t>not replace the scientific method of hypothesis, model and test. Data (and data</a:t>
+            </a:r>
+          </a:p>
+          <a:p>
+            <a:r>
+              <a:rPr lang="en-US" sz="1200" kern="1200" dirty="0">
+                <a:solidFill>
+                  <a:schemeClr val="tx1"/>
+                </a:solidFill>
+                <a:effectLst/>
+                <a:latin typeface="+mn-lt"/>
+                <a:ea typeface="+mn-ea"/>
+                <a:cs typeface="+mn-cs"/>
+              </a:rPr>
+              <a:t>science techniques) can help with answering research questions but often fails to</a:t>
+            </a:r>
+          </a:p>
+          <a:p>
+            <a:r>
+              <a:rPr lang="en-US" sz="1200" kern="1200" dirty="0">
+                <a:solidFill>
+                  <a:schemeClr val="tx1"/>
+                </a:solidFill>
+                <a:effectLst/>
+                <a:latin typeface="+mn-lt"/>
+                <a:ea typeface="+mn-ea"/>
+                <a:cs typeface="+mn-cs"/>
+              </a:rPr>
+              <a:t>reveal the casual effects (Mazur and Manley, 2016). Data does not give us the ‘why’,</a:t>
+            </a:r>
+          </a:p>
+          <a:p>
+            <a:r>
+              <a:rPr lang="en-US" sz="1200" kern="1200" dirty="0">
+                <a:solidFill>
+                  <a:schemeClr val="tx1"/>
+                </a:solidFill>
+                <a:effectLst/>
+                <a:latin typeface="+mn-lt"/>
+                <a:ea typeface="+mn-ea"/>
+                <a:cs typeface="+mn-cs"/>
+              </a:rPr>
+              <a:t>only the ‘what’, in the sense that it gives us the </a:t>
+            </a:r>
+            <a:r>
+              <a:rPr lang="en-US" sz="1200" i="1" kern="1200" dirty="0">
+                <a:solidFill>
+                  <a:schemeClr val="tx1"/>
+                </a:solidFill>
+                <a:effectLst/>
+                <a:latin typeface="+mn-lt"/>
+                <a:ea typeface="+mn-ea"/>
+                <a:cs typeface="+mn-cs"/>
+              </a:rPr>
+              <a:t>patterns </a:t>
+            </a:r>
+            <a:r>
+              <a:rPr lang="en-US" sz="1200" kern="1200" dirty="0">
+                <a:solidFill>
+                  <a:schemeClr val="tx1"/>
+                </a:solidFill>
+                <a:effectLst/>
+                <a:latin typeface="+mn-lt"/>
+                <a:ea typeface="+mn-ea"/>
+                <a:cs typeface="+mn-cs"/>
+              </a:rPr>
+              <a:t>but not the </a:t>
+            </a:r>
+            <a:r>
+              <a:rPr lang="en-US" sz="1200" i="1" kern="1200" dirty="0">
+                <a:solidFill>
+                  <a:schemeClr val="tx1"/>
+                </a:solidFill>
+                <a:effectLst/>
+                <a:latin typeface="+mn-lt"/>
+                <a:ea typeface="+mn-ea"/>
+                <a:cs typeface="+mn-cs"/>
+              </a:rPr>
+              <a:t>processes </a:t>
+            </a:r>
+            <a:r>
+              <a:rPr lang="en-US" sz="1200" kern="1200" dirty="0">
+                <a:solidFill>
+                  <a:schemeClr val="tx1"/>
+                </a:solidFill>
+                <a:effectLst/>
+                <a:latin typeface="+mn-lt"/>
+                <a:ea typeface="+mn-ea"/>
+                <a:cs typeface="+mn-cs"/>
+              </a:rPr>
+              <a:t>that</a:t>
+            </a:r>
+          </a:p>
+          <a:p>
+            <a:r>
+              <a:rPr lang="en-US" sz="1200" kern="1200" dirty="0">
+                <a:solidFill>
+                  <a:schemeClr val="tx1"/>
+                </a:solidFill>
+                <a:effectLst/>
+                <a:latin typeface="+mn-lt"/>
+                <a:ea typeface="+mn-ea"/>
+                <a:cs typeface="+mn-cs"/>
+              </a:rPr>
+              <a:t>cause them to emerge. For this, we need to model social interaction – this is the</a:t>
+            </a:r>
+          </a:p>
+          <a:p>
+            <a:r>
+              <a:rPr lang="en-US" sz="1200" kern="1200" dirty="0">
+                <a:solidFill>
+                  <a:schemeClr val="tx1"/>
+                </a:solidFill>
+                <a:effectLst/>
+                <a:latin typeface="+mn-lt"/>
+                <a:ea typeface="+mn-ea"/>
+                <a:cs typeface="+mn-cs"/>
+              </a:rPr>
+              <a:t>broader view of CSS (Torrens, 2010b; Cioffi-Revilla, 2014).</a:t>
             </a:r>
           </a:p>
           <a:p>
@@ -2628,7 +2749,7 @@
           <a:p>
             <a:fld id="{84AB11BC-0202-DE4D-9167-A0B0F1A6BEFB}" type="slidenum">
               <a:rPr lang="en-US" smtClean="0"/>
-              <a:t>13</a:t>
+              <a:t>8</a:t>
             </a:fld>
             <a:endParaRPr lang="en-US"/>
           </a:p>
@@ -2637,7 +2758,7 @@
     </p:spTree>
     <p:extLst>
       <p:ext uri="{BB962C8B-B14F-4D97-AF65-F5344CB8AC3E}">
-        <p14:creationId xmlns:p14="http://schemas.microsoft.com/office/powerpoint/2010/main" val="975894756"/>
+        <p14:creationId xmlns:p14="http://schemas.microsoft.com/office/powerpoint/2010/main" val="3771496953"/>
       </p:ext>
     </p:extLst>
   </p:cSld>
@@ -2691,37 +2812,6 @@
           <a:bodyPr/>
           <a:lstStyle/>
           <a:p>
-            <a:pPr marL="0" marR="0" lvl="0" indent="0" algn="l" defTabSz="914400" rtl="0" eaLnBrk="1" fontAlgn="auto" latinLnBrk="0" hangingPunct="1">
-              <a:lnSpc>
-                <a:spcPct val="100000"/>
-              </a:lnSpc>
-              <a:spcBef>
-                <a:spcPts val="0"/>
-              </a:spcBef>
-              <a:spcAft>
-                <a:spcPts val="0"/>
-              </a:spcAft>
-              <a:buClrTx/>
-              <a:buSzTx/>
-              <a:buFontTx/>
-              <a:buNone/>
-              <a:tabLst/>
-              <a:defRPr/>
-            </a:pPr>
-            <a:r>
-              <a:rPr lang="en-US" dirty="0"/>
-              <a:t>What are the questions that social scientists and geographers need to consider when designing and building an agent-based model? What design frameworks and software toolkits are available to use? What are their relative pros and cons? What methods are available for documenting design concepts and why are they useful to </a:t>
-            </a:r>
-            <a:r>
-              <a:rPr lang="en-US" dirty="0" err="1"/>
-              <a:t>modellers</a:t>
-            </a:r>
-            <a:r>
-              <a:rPr lang="en-US" dirty="0"/>
-              <a:t>? This chapter will introduce the core concepts and frameworks that can be used to plan, implement and disseminate geographical agent-based models.</a:t>
-            </a:r>
-          </a:p>
-          <a:p>
             <a:endParaRPr lang="en-US" dirty="0"/>
           </a:p>
         </p:txBody>
@@ -2743,7 +2833,7 @@
           <a:p>
             <a:fld id="{84AB11BC-0202-DE4D-9167-A0B0F1A6BEFB}" type="slidenum">
               <a:rPr lang="en-US" smtClean="0"/>
-              <a:t>14</a:t>
+              <a:t>9</a:t>
             </a:fld>
             <a:endParaRPr lang="en-US"/>
           </a:p>
@@ -2752,7 +2842,7 @@
     </p:spTree>
     <p:extLst>
       <p:ext uri="{BB962C8B-B14F-4D97-AF65-F5344CB8AC3E}">
-        <p14:creationId xmlns:p14="http://schemas.microsoft.com/office/powerpoint/2010/main" val="2743329542"/>
+        <p14:creationId xmlns:p14="http://schemas.microsoft.com/office/powerpoint/2010/main" val="649959824"/>
       </p:ext>
     </p:extLst>
   </p:cSld>
@@ -2827,7 +2917,7 @@
           <a:p>
             <a:fld id="{84AB11BC-0202-DE4D-9167-A0B0F1A6BEFB}" type="slidenum">
               <a:rPr lang="en-US" smtClean="0"/>
-              <a:t>15</a:t>
+              <a:t>10</a:t>
             </a:fld>
             <a:endParaRPr lang="en-US"/>
           </a:p>
@@ -2836,7 +2926,7 @@
     </p:spTree>
     <p:extLst>
       <p:ext uri="{BB962C8B-B14F-4D97-AF65-F5344CB8AC3E}">
-        <p14:creationId xmlns:p14="http://schemas.microsoft.com/office/powerpoint/2010/main" val="881445567"/>
+        <p14:creationId xmlns:p14="http://schemas.microsoft.com/office/powerpoint/2010/main" val="2832090871"/>
       </p:ext>
     </p:extLst>
   </p:cSld>
@@ -2890,6 +2980,20 @@
           <a:bodyPr/>
           <a:lstStyle/>
           <a:p>
+            <a:r>
+              <a:rPr lang="en-US" sz="1200" kern="1200" dirty="0">
+                <a:solidFill>
+                  <a:schemeClr val="tx1"/>
+                </a:solidFill>
+                <a:effectLst/>
+                <a:latin typeface="+mn-lt"/>
+                <a:ea typeface="+mn-ea"/>
+                <a:cs typeface="+mn-cs"/>
+              </a:rPr>
+              <a:t>Figure: Conceptualization of an agent-based model where people are connected to each other and take actions when a specific condition is met</a:t>
+            </a:r>
+          </a:p>
+          <a:p>
             <a:endParaRPr lang="en-US" dirty="0"/>
           </a:p>
         </p:txBody>
@@ -2911,7 +3015,7 @@
           <a:p>
             <a:fld id="{84AB11BC-0202-DE4D-9167-A0B0F1A6BEFB}" type="slidenum">
               <a:rPr lang="en-US" smtClean="0"/>
-              <a:t>17</a:t>
+              <a:t>12</a:t>
             </a:fld>
             <a:endParaRPr lang="en-US"/>
           </a:p>
@@ -2920,7 +3024,7 @@
     </p:spTree>
     <p:extLst>
       <p:ext uri="{BB962C8B-B14F-4D97-AF65-F5344CB8AC3E}">
-        <p14:creationId xmlns:p14="http://schemas.microsoft.com/office/powerpoint/2010/main" val="3053391085"/>
+        <p14:creationId xmlns:p14="http://schemas.microsoft.com/office/powerpoint/2010/main" val="975894756"/>
       </p:ext>
     </p:extLst>
   </p:cSld>
@@ -6380,7 +6484,14 @@
           <a:p>
             <a:r>
               <a:rPr lang="en-US" dirty="0"/>
-              <a:t>What is Next?</a:t>
+              <a:t>Agent-Based Modelling and Geographical</a:t>
+            </a:r>
+            <a:br>
+              <a:rPr lang="en-US" dirty="0"/>
+            </a:br>
+            <a:r>
+              <a:rPr lang="en-US" dirty="0"/>
+              <a:t>Information Systems</a:t>
             </a:r>
           </a:p>
         </p:txBody>
@@ -6403,12 +6514,42 @@
         </p:nvSpPr>
         <p:spPr/>
         <p:txBody>
-          <a:bodyPr/>
+          <a:bodyPr>
+            <a:normAutofit lnSpcReduction="10000"/>
+          </a:bodyPr>
           <a:lstStyle/>
           <a:p>
             <a:r>
               <a:rPr lang="en-US" dirty="0"/>
-              <a:t>In the remaining chapters we will explore </a:t>
+              <a:t>While data can take us some of the way towards understanding the world around us, only models allow us to build a comprehensive understanding of the mechanisms and behaviors that shape complex geographical phenomena.</a:t>
+            </a:r>
+          </a:p>
+          <a:p>
+            <a:r>
+              <a:rPr lang="en-US" dirty="0"/>
+              <a:t>In the remaining chapters we will </a:t>
+            </a:r>
+            <a:r>
+              <a:rPr lang="en-US" i="1" dirty="0"/>
+              <a:t>explore</a:t>
+            </a:r>
+            <a:r>
+              <a:rPr lang="en-US" dirty="0"/>
+              <a:t> how we can model geographical systems from the “</a:t>
+            </a:r>
+            <a:r>
+              <a:rPr lang="en-US" i="1" dirty="0"/>
+              <a:t>bottom up</a:t>
+            </a:r>
+            <a:r>
+              <a:rPr lang="en-US" dirty="0"/>
+              <a:t>” using agent-based models</a:t>
+            </a:r>
+          </a:p>
+          <a:p>
+            <a:r>
+              <a:rPr lang="en-US" dirty="0"/>
+              <a:t>The overarching aim of the book is to facilitate the in-depth learning of both the fundamental knowledge and practical skills required for building and running agent-based models for simulating geographical systems.</a:t>
             </a:r>
           </a:p>
         </p:txBody>
@@ -6601,6 +6742,1863 @@
 </file>
 
 <file path=ppt/slides/slide12.xml><?xml version="1.0" encoding="utf-8"?>
+<p:sld xmlns:a="http://schemas.openxmlformats.org/drawingml/2006/main" xmlns:r="http://schemas.openxmlformats.org/officeDocument/2006/relationships" xmlns:p="http://schemas.openxmlformats.org/presentationml/2006/main">
+  <p:cSld>
+    <p:bg>
+      <p:bgPr>
+        <a:solidFill>
+          <a:schemeClr val="bg1"/>
+        </a:solidFill>
+        <a:effectLst/>
+      </p:bgPr>
+    </p:bg>
+    <p:spTree>
+      <p:nvGrpSpPr>
+        <p:cNvPr id="1" name=""/>
+        <p:cNvGrpSpPr/>
+        <p:nvPr/>
+      </p:nvGrpSpPr>
+      <p:grpSpPr>
+        <a:xfrm>
+          <a:off x="0" y="0"/>
+          <a:ext cx="0" cy="0"/>
+          <a:chOff x="0" y="0"/>
+          <a:chExt cx="0" cy="0"/>
+        </a:xfrm>
+      </p:grpSpPr>
+      <p:sp>
+        <p:nvSpPr>
+          <p:cNvPr id="10" name="Rectangle 9">
+            <a:extLst>
+              <a:ext uri="{FF2B5EF4-FFF2-40B4-BE49-F238E27FC236}">
+                <a16:creationId xmlns:a16="http://schemas.microsoft.com/office/drawing/2014/main" id="{42A5316D-ED2F-4F89-B4B4-8D9240B1A348}"/>
+              </a:ext>
+              <a:ext uri="{C183D7F6-B498-43B3-948B-1728B52AA6E4}">
+                <adec:decorative xmlns:adec="http://schemas.microsoft.com/office/drawing/2017/decorative" val="1"/>
+              </a:ext>
+            </a:extLst>
+          </p:cNvPr>
+          <p:cNvSpPr>
+            <a:spLocks noGrp="1" noRot="1" noChangeAspect="1" noMove="1" noResize="1" noEditPoints="1" noAdjustHandles="1" noChangeArrowheads="1" noChangeShapeType="1" noTextEdit="1"/>
+          </p:cNvSpPr>
+          <p:nvPr>
+            <p:extLst>
+              <p:ext uri="{386F3935-93C4-4BCD-93E2-E3B085C9AB24}">
+                <p16:designElem xmlns:p16="http://schemas.microsoft.com/office/powerpoint/2015/main" val="1"/>
+              </p:ext>
+            </p:extLst>
+          </p:nvPr>
+        </p:nvSpPr>
+        <p:spPr>
+          <a:xfrm>
+            <a:off x="0" y="0"/>
+            <a:ext cx="2013557" cy="6858000"/>
+          </a:xfrm>
+          <a:prstGeom prst="rect">
+            <a:avLst/>
+          </a:prstGeom>
+          <a:solidFill>
+            <a:srgbClr val="7F7F7F"/>
+          </a:solidFill>
+          <a:ln>
+            <a:noFill/>
+          </a:ln>
+        </p:spPr>
+        <p:style>
+          <a:lnRef idx="2">
+            <a:schemeClr val="accent1">
+              <a:shade val="50000"/>
+            </a:schemeClr>
+          </a:lnRef>
+          <a:fillRef idx="1">
+            <a:schemeClr val="accent1"/>
+          </a:fillRef>
+          <a:effectRef idx="0">
+            <a:schemeClr val="accent1"/>
+          </a:effectRef>
+          <a:fontRef idx="minor">
+            <a:schemeClr val="lt1"/>
+          </a:fontRef>
+        </p:style>
+        <p:txBody>
+          <a:bodyPr rtlCol="0" anchor="ctr"/>
+          <a:lstStyle/>
+          <a:p>
+            <a:pPr marL="0" marR="0" lvl="0" indent="0" algn="ctr" defTabSz="914400" rtl="0" eaLnBrk="1" fontAlgn="auto" latinLnBrk="0" hangingPunct="1">
+              <a:lnSpc>
+                <a:spcPct val="100000"/>
+              </a:lnSpc>
+              <a:spcBef>
+                <a:spcPts val="0"/>
+              </a:spcBef>
+              <a:spcAft>
+                <a:spcPts val="0"/>
+              </a:spcAft>
+              <a:buClrTx/>
+              <a:buSzTx/>
+              <a:buFontTx/>
+              <a:buNone/>
+              <a:tabLst/>
+              <a:defRPr/>
+            </a:pPr>
+            <a:endParaRPr kumimoji="0" lang="en-US" sz="1800" b="0" i="0" u="none" strike="noStrike" kern="1200" cap="none" spc="0" normalizeH="0" baseline="0" noProof="0">
+              <a:ln>
+                <a:noFill/>
+              </a:ln>
+              <a:solidFill>
+                <a:prstClr val="white"/>
+              </a:solidFill>
+              <a:effectLst/>
+              <a:uLnTx/>
+              <a:uFillTx/>
+              <a:latin typeface="Calibri" panose="020F0502020204030204"/>
+              <a:ea typeface="+mn-ea"/>
+              <a:cs typeface="+mn-cs"/>
+            </a:endParaRPr>
+          </a:p>
+        </p:txBody>
+      </p:sp>
+      <p:sp>
+        <p:nvSpPr>
+          <p:cNvPr id="2" name="Title 1">
+            <a:extLst>
+              <a:ext uri="{FF2B5EF4-FFF2-40B4-BE49-F238E27FC236}">
+                <a16:creationId xmlns:a16="http://schemas.microsoft.com/office/drawing/2014/main" id="{E20F1933-72EC-B849-8E93-0D94860B9BC6}"/>
+              </a:ext>
+            </a:extLst>
+          </p:cNvPr>
+          <p:cNvSpPr>
+            <a:spLocks noGrp="1"/>
+          </p:cNvSpPr>
+          <p:nvPr>
+            <p:ph type="title"/>
+          </p:nvPr>
+        </p:nvSpPr>
+        <p:spPr>
+          <a:xfrm>
+            <a:off x="694510" y="1487272"/>
+            <a:ext cx="2743200" cy="2743200"/>
+          </a:xfrm>
+          <a:prstGeom prst="ellipse">
+            <a:avLst/>
+          </a:prstGeom>
+          <a:solidFill>
+            <a:srgbClr val="262626"/>
+          </a:solidFill>
+          <a:ln w="174625" cmpd="thinThick">
+            <a:solidFill>
+              <a:srgbClr val="262626"/>
+            </a:solidFill>
+          </a:ln>
+        </p:spPr>
+        <p:txBody>
+          <a:bodyPr>
+            <a:normAutofit/>
+          </a:bodyPr>
+          <a:lstStyle/>
+          <a:p>
+            <a:pPr algn="ctr"/>
+            <a:r>
+              <a:rPr lang="en-US" sz="2600">
+                <a:solidFill>
+                  <a:srgbClr val="FFFFFF"/>
+                </a:solidFill>
+              </a:rPr>
+              <a:t>Chapter 2: Introduction to Agent-based Modelling</a:t>
+            </a:r>
+          </a:p>
+        </p:txBody>
+      </p:sp>
+      <p:pic>
+        <p:nvPicPr>
+          <p:cNvPr id="5" name="Picture 4">
+            <a:extLst>
+              <a:ext uri="{FF2B5EF4-FFF2-40B4-BE49-F238E27FC236}">
+                <a16:creationId xmlns:a16="http://schemas.microsoft.com/office/drawing/2014/main" id="{837E6414-FA0B-BB48-970F-835A389C2F90}"/>
+              </a:ext>
+            </a:extLst>
+          </p:cNvPr>
+          <p:cNvPicPr>
+            <a:picLocks noChangeAspect="1"/>
+          </p:cNvPicPr>
+          <p:nvPr/>
+        </p:nvPicPr>
+        <p:blipFill>
+          <a:blip r:embed="rId3"/>
+          <a:stretch>
+            <a:fillRect/>
+          </a:stretch>
+        </p:blipFill>
+        <p:spPr>
+          <a:xfrm>
+            <a:off x="3945833" y="381770"/>
+            <a:ext cx="7188199" cy="3630041"/>
+          </a:xfrm>
+          <a:prstGeom prst="rect">
+            <a:avLst/>
+          </a:prstGeom>
+        </p:spPr>
+      </p:pic>
+      <p:sp>
+        <p:nvSpPr>
+          <p:cNvPr id="8" name="Content Placeholder 7">
+            <a:extLst>
+              <a:ext uri="{FF2B5EF4-FFF2-40B4-BE49-F238E27FC236}">
+                <a16:creationId xmlns:a16="http://schemas.microsoft.com/office/drawing/2014/main" id="{B8DC2263-B04F-7140-BFF6-3C91B9FECC3C}"/>
+              </a:ext>
+            </a:extLst>
+          </p:cNvPr>
+          <p:cNvSpPr>
+            <a:spLocks noGrp="1"/>
+          </p:cNvSpPr>
+          <p:nvPr>
+            <p:ph idx="1"/>
+          </p:nvPr>
+        </p:nvSpPr>
+        <p:spPr>
+          <a:xfrm>
+            <a:off x="3945833" y="4230472"/>
+            <a:ext cx="8093765" cy="2519363"/>
+          </a:xfrm>
+        </p:spPr>
+        <p:txBody>
+          <a:bodyPr>
+            <a:normAutofit fontScale="92500" lnSpcReduction="20000"/>
+          </a:bodyPr>
+          <a:lstStyle/>
+          <a:p>
+            <a:r>
+              <a:rPr lang="en-US" dirty="0"/>
+              <a:t>Introduce key concepts behind agent-based modeling (ABM):</a:t>
+            </a:r>
+          </a:p>
+          <a:p>
+            <a:pPr lvl="1"/>
+            <a:r>
+              <a:rPr lang="en-US" dirty="0"/>
+              <a:t>What is an agent?</a:t>
+            </a:r>
+          </a:p>
+          <a:p>
+            <a:r>
+              <a:rPr lang="en-US" dirty="0"/>
+              <a:t>Advantages and limitations of ABM</a:t>
+            </a:r>
+          </a:p>
+          <a:p>
+            <a:r>
+              <a:rPr lang="en-US" dirty="0"/>
+              <a:t>Applications  of ABM:</a:t>
+            </a:r>
+          </a:p>
+          <a:p>
+            <a:pPr lvl="1"/>
+            <a:r>
+              <a:rPr lang="en-US" dirty="0"/>
+              <a:t>E.g. Residential movement, transportation </a:t>
+            </a:r>
+          </a:p>
+          <a:p>
+            <a:r>
+              <a:rPr lang="en-US" dirty="0"/>
+              <a:t>How ABM has been used in decision making?</a:t>
+            </a:r>
+          </a:p>
+          <a:p>
+            <a:endParaRPr lang="en-US" dirty="0"/>
+          </a:p>
+          <a:p>
+            <a:endParaRPr lang="en-US" dirty="0"/>
+          </a:p>
+        </p:txBody>
+      </p:sp>
+    </p:spTree>
+    <p:extLst>
+      <p:ext uri="{BB962C8B-B14F-4D97-AF65-F5344CB8AC3E}">
+        <p14:creationId xmlns:p14="http://schemas.microsoft.com/office/powerpoint/2010/main" val="4046290996"/>
+      </p:ext>
+    </p:extLst>
+  </p:cSld>
+  <p:clrMapOvr>
+    <a:masterClrMapping/>
+  </p:clrMapOvr>
+</p:sld>
+</file>
+
+<file path=ppt/slides/slide13.xml><?xml version="1.0" encoding="utf-8"?>
+<p:sld xmlns:a="http://schemas.openxmlformats.org/drawingml/2006/main" xmlns:r="http://schemas.openxmlformats.org/officeDocument/2006/relationships" xmlns:p="http://schemas.openxmlformats.org/presentationml/2006/main">
+  <p:cSld>
+    <p:bg>
+      <p:bgPr>
+        <a:solidFill>
+          <a:schemeClr val="bg1"/>
+        </a:solidFill>
+        <a:effectLst/>
+      </p:bgPr>
+    </p:bg>
+    <p:spTree>
+      <p:nvGrpSpPr>
+        <p:cNvPr id="1" name=""/>
+        <p:cNvGrpSpPr/>
+        <p:nvPr/>
+      </p:nvGrpSpPr>
+      <p:grpSpPr>
+        <a:xfrm>
+          <a:off x="0" y="0"/>
+          <a:ext cx="0" cy="0"/>
+          <a:chOff x="0" y="0"/>
+          <a:chExt cx="0" cy="0"/>
+        </a:xfrm>
+      </p:grpSpPr>
+      <p:sp>
+        <p:nvSpPr>
+          <p:cNvPr id="12" name="Rectangle 11">
+            <a:extLst>
+              <a:ext uri="{FF2B5EF4-FFF2-40B4-BE49-F238E27FC236}">
+                <a16:creationId xmlns:a16="http://schemas.microsoft.com/office/drawing/2014/main" id="{42A5316D-ED2F-4F89-B4B4-8D9240B1A348}"/>
+              </a:ext>
+              <a:ext uri="{C183D7F6-B498-43B3-948B-1728B52AA6E4}">
+                <adec:decorative xmlns:adec="http://schemas.microsoft.com/office/drawing/2017/decorative" val="1"/>
+              </a:ext>
+            </a:extLst>
+          </p:cNvPr>
+          <p:cNvSpPr>
+            <a:spLocks noGrp="1" noRot="1" noChangeAspect="1" noMove="1" noResize="1" noEditPoints="1" noAdjustHandles="1" noChangeArrowheads="1" noChangeShapeType="1" noTextEdit="1"/>
+          </p:cNvSpPr>
+          <p:nvPr>
+            <p:extLst>
+              <p:ext uri="{386F3935-93C4-4BCD-93E2-E3B085C9AB24}">
+                <p16:designElem xmlns:p16="http://schemas.microsoft.com/office/powerpoint/2015/main" val="1"/>
+              </p:ext>
+            </p:extLst>
+          </p:nvPr>
+        </p:nvSpPr>
+        <p:spPr>
+          <a:xfrm>
+            <a:off x="0" y="0"/>
+            <a:ext cx="2013557" cy="6858000"/>
+          </a:xfrm>
+          <a:prstGeom prst="rect">
+            <a:avLst/>
+          </a:prstGeom>
+          <a:solidFill>
+            <a:srgbClr val="7F7F7F"/>
+          </a:solidFill>
+          <a:ln>
+            <a:noFill/>
+          </a:ln>
+        </p:spPr>
+        <p:style>
+          <a:lnRef idx="2">
+            <a:schemeClr val="accent1">
+              <a:shade val="50000"/>
+            </a:schemeClr>
+          </a:lnRef>
+          <a:fillRef idx="1">
+            <a:schemeClr val="accent1"/>
+          </a:fillRef>
+          <a:effectRef idx="0">
+            <a:schemeClr val="accent1"/>
+          </a:effectRef>
+          <a:fontRef idx="minor">
+            <a:schemeClr val="lt1"/>
+          </a:fontRef>
+        </p:style>
+        <p:txBody>
+          <a:bodyPr rtlCol="0" anchor="ctr"/>
+          <a:lstStyle/>
+          <a:p>
+            <a:pPr marL="0" marR="0" lvl="0" indent="0" algn="ctr" defTabSz="914400" rtl="0" eaLnBrk="1" fontAlgn="auto" latinLnBrk="0" hangingPunct="1">
+              <a:lnSpc>
+                <a:spcPct val="100000"/>
+              </a:lnSpc>
+              <a:spcBef>
+                <a:spcPts val="0"/>
+              </a:spcBef>
+              <a:spcAft>
+                <a:spcPts val="0"/>
+              </a:spcAft>
+              <a:buClrTx/>
+              <a:buSzTx/>
+              <a:buFontTx/>
+              <a:buNone/>
+              <a:tabLst/>
+              <a:defRPr/>
+            </a:pPr>
+            <a:endParaRPr kumimoji="0" lang="en-US" sz="1800" b="0" i="0" u="none" strike="noStrike" kern="1200" cap="none" spc="0" normalizeH="0" baseline="0" noProof="0">
+              <a:ln>
+                <a:noFill/>
+              </a:ln>
+              <a:solidFill>
+                <a:prstClr val="white"/>
+              </a:solidFill>
+              <a:effectLst/>
+              <a:uLnTx/>
+              <a:uFillTx/>
+              <a:latin typeface="Calibri" panose="020F0502020204030204"/>
+              <a:ea typeface="+mn-ea"/>
+              <a:cs typeface="+mn-cs"/>
+            </a:endParaRPr>
+          </a:p>
+        </p:txBody>
+      </p:sp>
+      <p:sp>
+        <p:nvSpPr>
+          <p:cNvPr id="2" name="Title 1">
+            <a:extLst>
+              <a:ext uri="{FF2B5EF4-FFF2-40B4-BE49-F238E27FC236}">
+                <a16:creationId xmlns:a16="http://schemas.microsoft.com/office/drawing/2014/main" id="{1205307A-88FF-A148-92DD-67B6F926B4FF}"/>
+              </a:ext>
+            </a:extLst>
+          </p:cNvPr>
+          <p:cNvSpPr>
+            <a:spLocks noGrp="1"/>
+          </p:cNvSpPr>
+          <p:nvPr>
+            <p:ph type="title"/>
+          </p:nvPr>
+        </p:nvSpPr>
+        <p:spPr>
+          <a:xfrm>
+            <a:off x="694510" y="1487272"/>
+            <a:ext cx="2743200" cy="2743200"/>
+          </a:xfrm>
+          <a:prstGeom prst="ellipse">
+            <a:avLst/>
+          </a:prstGeom>
+          <a:solidFill>
+            <a:srgbClr val="262626"/>
+          </a:solidFill>
+          <a:ln w="174625" cmpd="thinThick">
+            <a:solidFill>
+              <a:srgbClr val="262626"/>
+            </a:solidFill>
+          </a:ln>
+        </p:spPr>
+        <p:txBody>
+          <a:bodyPr>
+            <a:normAutofit/>
+          </a:bodyPr>
+          <a:lstStyle/>
+          <a:p>
+            <a:pPr algn="ctr"/>
+            <a:r>
+              <a:rPr lang="en-US" sz="2400">
+                <a:solidFill>
+                  <a:srgbClr val="FFFFFF"/>
+                </a:solidFill>
+              </a:rPr>
+              <a:t>Chapter 3: Designing and Developing an Agent-based Model</a:t>
+            </a:r>
+          </a:p>
+        </p:txBody>
+      </p:sp>
+      <p:pic>
+        <p:nvPicPr>
+          <p:cNvPr id="7" name="Picture 6">
+            <a:extLst>
+              <a:ext uri="{FF2B5EF4-FFF2-40B4-BE49-F238E27FC236}">
+                <a16:creationId xmlns:a16="http://schemas.microsoft.com/office/drawing/2014/main" id="{04068F6C-7A3D-8048-8EDD-3C71A3A7B441}"/>
+              </a:ext>
+            </a:extLst>
+          </p:cNvPr>
+          <p:cNvPicPr>
+            <a:picLocks noChangeAspect="1"/>
+          </p:cNvPicPr>
+          <p:nvPr/>
+        </p:nvPicPr>
+        <p:blipFill>
+          <a:blip r:embed="rId3"/>
+          <a:stretch>
+            <a:fillRect/>
+          </a:stretch>
+        </p:blipFill>
+        <p:spPr>
+          <a:xfrm>
+            <a:off x="8468139" y="244969"/>
+            <a:ext cx="3564835" cy="6613031"/>
+          </a:xfrm>
+          <a:prstGeom prst="rect">
+            <a:avLst/>
+          </a:prstGeom>
+        </p:spPr>
+      </p:pic>
+      <p:sp>
+        <p:nvSpPr>
+          <p:cNvPr id="9" name="Content Placeholder 8">
+            <a:extLst>
+              <a:ext uri="{FF2B5EF4-FFF2-40B4-BE49-F238E27FC236}">
+                <a16:creationId xmlns:a16="http://schemas.microsoft.com/office/drawing/2014/main" id="{A8DF48EA-910E-5549-A5A2-63A32174983E}"/>
+              </a:ext>
+            </a:extLst>
+          </p:cNvPr>
+          <p:cNvSpPr>
+            <a:spLocks noGrp="1"/>
+          </p:cNvSpPr>
+          <p:nvPr>
+            <p:ph idx="1"/>
+          </p:nvPr>
+        </p:nvSpPr>
+        <p:spPr>
+          <a:xfrm>
+            <a:off x="3368909" y="357810"/>
+            <a:ext cx="4880569" cy="6255220"/>
+          </a:xfrm>
+        </p:spPr>
+        <p:txBody>
+          <a:bodyPr>
+            <a:normAutofit lnSpcReduction="10000"/>
+          </a:bodyPr>
+          <a:lstStyle/>
+          <a:p>
+            <a:r>
+              <a:rPr lang="en-US" dirty="0"/>
+              <a:t>This chapter will introduce the core concepts and frameworks that can be used to plan, implement and disseminate geographical agent-based models.</a:t>
+            </a:r>
+          </a:p>
+          <a:p>
+            <a:pPr lvl="1"/>
+            <a:r>
+              <a:rPr lang="en-US" dirty="0"/>
+              <a:t>What are the questions that social scientists and geographers need to consider when designing and building an agent-based model?</a:t>
+            </a:r>
+          </a:p>
+          <a:p>
+            <a:pPr lvl="1"/>
+            <a:r>
+              <a:rPr lang="en-US" dirty="0"/>
+              <a:t>What design frameworks and software toolkits are available to use? What are their relative pros and cons? </a:t>
+            </a:r>
+          </a:p>
+          <a:p>
+            <a:pPr lvl="1"/>
+            <a:r>
+              <a:rPr lang="en-US" dirty="0"/>
+              <a:t>What methods are available for documenting design concepts and why are they useful to modelers? </a:t>
+            </a:r>
+          </a:p>
+          <a:p>
+            <a:endParaRPr lang="en-US" dirty="0"/>
+          </a:p>
+          <a:p>
+            <a:endParaRPr lang="en-US" dirty="0"/>
+          </a:p>
+          <a:p>
+            <a:endParaRPr lang="en-US" dirty="0"/>
+          </a:p>
+          <a:p>
+            <a:endParaRPr lang="en-US" dirty="0"/>
+          </a:p>
+          <a:p>
+            <a:endParaRPr lang="en-US" dirty="0"/>
+          </a:p>
+          <a:p>
+            <a:endParaRPr lang="en-US" dirty="0"/>
+          </a:p>
+        </p:txBody>
+      </p:sp>
+    </p:spTree>
+    <p:extLst>
+      <p:ext uri="{BB962C8B-B14F-4D97-AF65-F5344CB8AC3E}">
+        <p14:creationId xmlns:p14="http://schemas.microsoft.com/office/powerpoint/2010/main" val="2772976810"/>
+      </p:ext>
+    </p:extLst>
+  </p:cSld>
+  <p:clrMapOvr>
+    <a:masterClrMapping/>
+  </p:clrMapOvr>
+</p:sld>
+</file>
+
+<file path=ppt/slides/slide14.xml><?xml version="1.0" encoding="utf-8"?>
+<p:sld xmlns:a="http://schemas.openxmlformats.org/drawingml/2006/main" xmlns:r="http://schemas.openxmlformats.org/officeDocument/2006/relationships" xmlns:p="http://schemas.openxmlformats.org/presentationml/2006/main">
+  <p:cSld>
+    <p:bg>
+      <p:bgPr>
+        <a:solidFill>
+          <a:schemeClr val="bg1"/>
+        </a:solidFill>
+        <a:effectLst/>
+      </p:bgPr>
+    </p:bg>
+    <p:spTree>
+      <p:nvGrpSpPr>
+        <p:cNvPr id="1" name=""/>
+        <p:cNvGrpSpPr/>
+        <p:nvPr/>
+      </p:nvGrpSpPr>
+      <p:grpSpPr>
+        <a:xfrm>
+          <a:off x="0" y="0"/>
+          <a:ext cx="0" cy="0"/>
+          <a:chOff x="0" y="0"/>
+          <a:chExt cx="0" cy="0"/>
+        </a:xfrm>
+      </p:grpSpPr>
+      <p:sp>
+        <p:nvSpPr>
+          <p:cNvPr id="14" name="Rectangle 13">
+            <a:extLst>
+              <a:ext uri="{FF2B5EF4-FFF2-40B4-BE49-F238E27FC236}">
+                <a16:creationId xmlns:a16="http://schemas.microsoft.com/office/drawing/2014/main" id="{42A5316D-ED2F-4F89-B4B4-8D9240B1A348}"/>
+              </a:ext>
+              <a:ext uri="{C183D7F6-B498-43B3-948B-1728B52AA6E4}">
+                <adec:decorative xmlns:adec="http://schemas.microsoft.com/office/drawing/2017/decorative" val="1"/>
+              </a:ext>
+            </a:extLst>
+          </p:cNvPr>
+          <p:cNvSpPr>
+            <a:spLocks noGrp="1" noRot="1" noChangeAspect="1" noMove="1" noResize="1" noEditPoints="1" noAdjustHandles="1" noChangeArrowheads="1" noChangeShapeType="1" noTextEdit="1"/>
+          </p:cNvSpPr>
+          <p:nvPr>
+            <p:extLst>
+              <p:ext uri="{386F3935-93C4-4BCD-93E2-E3B085C9AB24}">
+                <p16:designElem xmlns:p16="http://schemas.microsoft.com/office/powerpoint/2015/main" val="1"/>
+              </p:ext>
+            </p:extLst>
+          </p:nvPr>
+        </p:nvSpPr>
+        <p:spPr>
+          <a:xfrm>
+            <a:off x="0" y="0"/>
+            <a:ext cx="2013557" cy="6858000"/>
+          </a:xfrm>
+          <a:prstGeom prst="rect">
+            <a:avLst/>
+          </a:prstGeom>
+          <a:solidFill>
+            <a:srgbClr val="7F7F7F"/>
+          </a:solidFill>
+          <a:ln>
+            <a:noFill/>
+          </a:ln>
+        </p:spPr>
+        <p:style>
+          <a:lnRef idx="2">
+            <a:schemeClr val="accent1">
+              <a:shade val="50000"/>
+            </a:schemeClr>
+          </a:lnRef>
+          <a:fillRef idx="1">
+            <a:schemeClr val="accent1"/>
+          </a:fillRef>
+          <a:effectRef idx="0">
+            <a:schemeClr val="accent1"/>
+          </a:effectRef>
+          <a:fontRef idx="minor">
+            <a:schemeClr val="lt1"/>
+          </a:fontRef>
+        </p:style>
+        <p:txBody>
+          <a:bodyPr rtlCol="0" anchor="ctr"/>
+          <a:lstStyle/>
+          <a:p>
+            <a:pPr marL="0" marR="0" lvl="0" indent="0" algn="ctr" defTabSz="914400" rtl="0" eaLnBrk="1" fontAlgn="auto" latinLnBrk="0" hangingPunct="1">
+              <a:lnSpc>
+                <a:spcPct val="100000"/>
+              </a:lnSpc>
+              <a:spcBef>
+                <a:spcPts val="0"/>
+              </a:spcBef>
+              <a:spcAft>
+                <a:spcPts val="0"/>
+              </a:spcAft>
+              <a:buClrTx/>
+              <a:buSzTx/>
+              <a:buFontTx/>
+              <a:buNone/>
+              <a:tabLst/>
+              <a:defRPr/>
+            </a:pPr>
+            <a:endParaRPr kumimoji="0" lang="en-US" sz="1800" b="0" i="0" u="none" strike="noStrike" kern="1200" cap="none" spc="0" normalizeH="0" baseline="0" noProof="0">
+              <a:ln>
+                <a:noFill/>
+              </a:ln>
+              <a:solidFill>
+                <a:prstClr val="white"/>
+              </a:solidFill>
+              <a:effectLst/>
+              <a:uLnTx/>
+              <a:uFillTx/>
+              <a:latin typeface="Calibri" panose="020F0502020204030204"/>
+              <a:ea typeface="+mn-ea"/>
+              <a:cs typeface="+mn-cs"/>
+            </a:endParaRPr>
+          </a:p>
+        </p:txBody>
+      </p:sp>
+      <p:sp>
+        <p:nvSpPr>
+          <p:cNvPr id="2" name="Title 1">
+            <a:extLst>
+              <a:ext uri="{FF2B5EF4-FFF2-40B4-BE49-F238E27FC236}">
+                <a16:creationId xmlns:a16="http://schemas.microsoft.com/office/drawing/2014/main" id="{1205307A-88FF-A148-92DD-67B6F926B4FF}"/>
+              </a:ext>
+            </a:extLst>
+          </p:cNvPr>
+          <p:cNvSpPr>
+            <a:spLocks noGrp="1"/>
+          </p:cNvSpPr>
+          <p:nvPr>
+            <p:ph type="title"/>
+          </p:nvPr>
+        </p:nvSpPr>
+        <p:spPr>
+          <a:xfrm>
+            <a:off x="694510" y="1487272"/>
+            <a:ext cx="2743200" cy="2743200"/>
+          </a:xfrm>
+          <a:prstGeom prst="ellipse">
+            <a:avLst/>
+          </a:prstGeom>
+          <a:solidFill>
+            <a:srgbClr val="262626"/>
+          </a:solidFill>
+          <a:ln w="174625" cmpd="thinThick">
+            <a:solidFill>
+              <a:srgbClr val="262626"/>
+            </a:solidFill>
+          </a:ln>
+        </p:spPr>
+        <p:txBody>
+          <a:bodyPr>
+            <a:normAutofit/>
+          </a:bodyPr>
+          <a:lstStyle/>
+          <a:p>
+            <a:pPr algn="ctr"/>
+            <a:r>
+              <a:rPr lang="en-US" sz="2400" dirty="0">
+                <a:solidFill>
+                  <a:srgbClr val="FFFFFF"/>
+                </a:solidFill>
+              </a:rPr>
+              <a:t>Chapter 4: Building Agent-Based Models with NetLogo</a:t>
+            </a:r>
+          </a:p>
+        </p:txBody>
+      </p:sp>
+      <p:pic>
+        <p:nvPicPr>
+          <p:cNvPr id="8" name="Content Placeholder 8">
+            <a:extLst>
+              <a:ext uri="{FF2B5EF4-FFF2-40B4-BE49-F238E27FC236}">
+                <a16:creationId xmlns:a16="http://schemas.microsoft.com/office/drawing/2014/main" id="{AC7BB360-DB7C-A243-BEA2-A6C45D8E3DF9}"/>
+              </a:ext>
+            </a:extLst>
+          </p:cNvPr>
+          <p:cNvPicPr>
+            <a:picLocks noChangeAspect="1"/>
+          </p:cNvPicPr>
+          <p:nvPr/>
+        </p:nvPicPr>
+        <p:blipFill>
+          <a:blip r:embed="rId3"/>
+          <a:stretch>
+            <a:fillRect/>
+          </a:stretch>
+        </p:blipFill>
+        <p:spPr>
+          <a:xfrm>
+            <a:off x="5665303" y="224877"/>
+            <a:ext cx="5809578" cy="3747178"/>
+          </a:xfrm>
+          <a:prstGeom prst="rect">
+            <a:avLst/>
+          </a:prstGeom>
+        </p:spPr>
+      </p:pic>
+      <p:sp>
+        <p:nvSpPr>
+          <p:cNvPr id="4" name="Content Placeholder 3">
+            <a:extLst>
+              <a:ext uri="{FF2B5EF4-FFF2-40B4-BE49-F238E27FC236}">
+                <a16:creationId xmlns:a16="http://schemas.microsoft.com/office/drawing/2014/main" id="{827FA5CE-AB9F-134E-A76A-CB7F27498F7C}"/>
+              </a:ext>
+            </a:extLst>
+          </p:cNvPr>
+          <p:cNvSpPr>
+            <a:spLocks noGrp="1"/>
+          </p:cNvSpPr>
+          <p:nvPr>
+            <p:ph idx="1"/>
+          </p:nvPr>
+        </p:nvSpPr>
+        <p:spPr>
+          <a:xfrm>
+            <a:off x="3437710" y="4199912"/>
+            <a:ext cx="8588638" cy="2658088"/>
+          </a:xfrm>
+        </p:spPr>
+        <p:txBody>
+          <a:bodyPr>
+            <a:normAutofit/>
+          </a:bodyPr>
+          <a:lstStyle/>
+          <a:p>
+            <a:r>
+              <a:rPr lang="en-US" dirty="0"/>
+              <a:t>Provides an overview of the programming language and concepts that are used within </a:t>
+            </a:r>
+            <a:r>
+              <a:rPr lang="en-US" dirty="0">
+                <a:hlinkClick r:id="rId4"/>
+              </a:rPr>
+              <a:t>NetLogo</a:t>
+            </a:r>
+            <a:r>
+              <a:rPr lang="en-US" dirty="0"/>
+              <a:t> (Wilensky, 1999): </a:t>
+            </a:r>
+          </a:p>
+          <a:p>
+            <a:pPr lvl="1"/>
+            <a:r>
+              <a:rPr lang="en-US" dirty="0"/>
+              <a:t>How to create a simple environment.</a:t>
+            </a:r>
+          </a:p>
+          <a:p>
+            <a:pPr lvl="1"/>
+            <a:r>
+              <a:rPr lang="en-US" dirty="0"/>
+              <a:t>Step-by-step instructions for creating a simple model.</a:t>
+            </a:r>
+          </a:p>
+          <a:p>
+            <a:r>
+              <a:rPr lang="en-US" dirty="0"/>
+              <a:t>Subsequent chapters build upon the basics presented here.</a:t>
+            </a:r>
+          </a:p>
+        </p:txBody>
+      </p:sp>
+    </p:spTree>
+    <p:extLst>
+      <p:ext uri="{BB962C8B-B14F-4D97-AF65-F5344CB8AC3E}">
+        <p14:creationId xmlns:p14="http://schemas.microsoft.com/office/powerpoint/2010/main" val="1945854754"/>
+      </p:ext>
+    </p:extLst>
+  </p:cSld>
+  <p:clrMapOvr>
+    <a:masterClrMapping/>
+  </p:clrMapOvr>
+</p:sld>
+</file>
+
+<file path=ppt/slides/slide15.xml><?xml version="1.0" encoding="utf-8"?>
+<p:sld xmlns:a="http://schemas.openxmlformats.org/drawingml/2006/main" xmlns:r="http://schemas.openxmlformats.org/officeDocument/2006/relationships" xmlns:p="http://schemas.openxmlformats.org/presentationml/2006/main">
+  <p:cSld>
+    <p:bg>
+      <p:bgPr>
+        <a:solidFill>
+          <a:schemeClr val="bg1"/>
+        </a:solidFill>
+        <a:effectLst/>
+      </p:bgPr>
+    </p:bg>
+    <p:spTree>
+      <p:nvGrpSpPr>
+        <p:cNvPr id="1" name=""/>
+        <p:cNvGrpSpPr/>
+        <p:nvPr/>
+      </p:nvGrpSpPr>
+      <p:grpSpPr>
+        <a:xfrm>
+          <a:off x="0" y="0"/>
+          <a:ext cx="0" cy="0"/>
+          <a:chOff x="0" y="0"/>
+          <a:chExt cx="0" cy="0"/>
+        </a:xfrm>
+      </p:grpSpPr>
+      <p:sp>
+        <p:nvSpPr>
+          <p:cNvPr id="13" name="Rectangle 12">
+            <a:extLst>
+              <a:ext uri="{FF2B5EF4-FFF2-40B4-BE49-F238E27FC236}">
+                <a16:creationId xmlns:a16="http://schemas.microsoft.com/office/drawing/2014/main" id="{42A5316D-ED2F-4F89-B4B4-8D9240B1A348}"/>
+              </a:ext>
+              <a:ext uri="{C183D7F6-B498-43B3-948B-1728B52AA6E4}">
+                <adec:decorative xmlns:adec="http://schemas.microsoft.com/office/drawing/2017/decorative" val="1"/>
+              </a:ext>
+            </a:extLst>
+          </p:cNvPr>
+          <p:cNvSpPr>
+            <a:spLocks noGrp="1" noRot="1" noChangeAspect="1" noMove="1" noResize="1" noEditPoints="1" noAdjustHandles="1" noChangeArrowheads="1" noChangeShapeType="1" noTextEdit="1"/>
+          </p:cNvSpPr>
+          <p:nvPr>
+            <p:extLst>
+              <p:ext uri="{386F3935-93C4-4BCD-93E2-E3B085C9AB24}">
+                <p16:designElem xmlns:p16="http://schemas.microsoft.com/office/powerpoint/2015/main" val="1"/>
+              </p:ext>
+            </p:extLst>
+          </p:nvPr>
+        </p:nvSpPr>
+        <p:spPr>
+          <a:xfrm>
+            <a:off x="0" y="0"/>
+            <a:ext cx="2013557" cy="6858000"/>
+          </a:xfrm>
+          <a:prstGeom prst="rect">
+            <a:avLst/>
+          </a:prstGeom>
+          <a:solidFill>
+            <a:srgbClr val="7F7F7F"/>
+          </a:solidFill>
+          <a:ln>
+            <a:noFill/>
+          </a:ln>
+        </p:spPr>
+        <p:style>
+          <a:lnRef idx="2">
+            <a:schemeClr val="accent1">
+              <a:shade val="50000"/>
+            </a:schemeClr>
+          </a:lnRef>
+          <a:fillRef idx="1">
+            <a:schemeClr val="accent1"/>
+          </a:fillRef>
+          <a:effectRef idx="0">
+            <a:schemeClr val="accent1"/>
+          </a:effectRef>
+          <a:fontRef idx="minor">
+            <a:schemeClr val="lt1"/>
+          </a:fontRef>
+        </p:style>
+        <p:txBody>
+          <a:bodyPr rtlCol="0" anchor="ctr"/>
+          <a:lstStyle/>
+          <a:p>
+            <a:pPr marL="0" marR="0" lvl="0" indent="0" algn="ctr" defTabSz="914400" rtl="0" eaLnBrk="1" fontAlgn="auto" latinLnBrk="0" hangingPunct="1">
+              <a:lnSpc>
+                <a:spcPct val="100000"/>
+              </a:lnSpc>
+              <a:spcBef>
+                <a:spcPts val="0"/>
+              </a:spcBef>
+              <a:spcAft>
+                <a:spcPts val="0"/>
+              </a:spcAft>
+              <a:buClrTx/>
+              <a:buSzTx/>
+              <a:buFontTx/>
+              <a:buNone/>
+              <a:tabLst/>
+              <a:defRPr/>
+            </a:pPr>
+            <a:endParaRPr kumimoji="0" lang="en-US" sz="1800" b="0" i="0" u="none" strike="noStrike" kern="1200" cap="none" spc="0" normalizeH="0" baseline="0" noProof="0">
+              <a:ln>
+                <a:noFill/>
+              </a:ln>
+              <a:solidFill>
+                <a:prstClr val="white"/>
+              </a:solidFill>
+              <a:effectLst/>
+              <a:uLnTx/>
+              <a:uFillTx/>
+              <a:latin typeface="Calibri" panose="020F0502020204030204"/>
+              <a:ea typeface="+mn-ea"/>
+              <a:cs typeface="+mn-cs"/>
+            </a:endParaRPr>
+          </a:p>
+        </p:txBody>
+      </p:sp>
+      <p:sp>
+        <p:nvSpPr>
+          <p:cNvPr id="2" name="Title 1">
+            <a:extLst>
+              <a:ext uri="{FF2B5EF4-FFF2-40B4-BE49-F238E27FC236}">
+                <a16:creationId xmlns:a16="http://schemas.microsoft.com/office/drawing/2014/main" id="{1205307A-88FF-A148-92DD-67B6F926B4FF}"/>
+              </a:ext>
+            </a:extLst>
+          </p:cNvPr>
+          <p:cNvSpPr>
+            <a:spLocks noGrp="1"/>
+          </p:cNvSpPr>
+          <p:nvPr>
+            <p:ph type="title"/>
+          </p:nvPr>
+        </p:nvSpPr>
+        <p:spPr>
+          <a:xfrm>
+            <a:off x="694510" y="1487272"/>
+            <a:ext cx="2743200" cy="2743200"/>
+          </a:xfrm>
+          <a:prstGeom prst="ellipse">
+            <a:avLst/>
+          </a:prstGeom>
+          <a:solidFill>
+            <a:srgbClr val="262626"/>
+          </a:solidFill>
+          <a:ln w="174625" cmpd="thinThick">
+            <a:solidFill>
+              <a:srgbClr val="262626"/>
+            </a:solidFill>
+          </a:ln>
+        </p:spPr>
+        <p:txBody>
+          <a:bodyPr>
+            <a:normAutofit/>
+          </a:bodyPr>
+          <a:lstStyle/>
+          <a:p>
+            <a:pPr algn="ctr"/>
+            <a:r>
+              <a:rPr lang="en-US" sz="2200">
+                <a:solidFill>
+                  <a:srgbClr val="FFFFFF"/>
+                </a:solidFill>
+              </a:rPr>
+              <a:t>Chapter 5: Fundamentals of Geographical Information Systems</a:t>
+            </a:r>
+          </a:p>
+        </p:txBody>
+      </p:sp>
+      <p:pic>
+        <p:nvPicPr>
+          <p:cNvPr id="8" name="Content Placeholder 4">
+            <a:extLst>
+              <a:ext uri="{FF2B5EF4-FFF2-40B4-BE49-F238E27FC236}">
+                <a16:creationId xmlns:a16="http://schemas.microsoft.com/office/drawing/2014/main" id="{B52222C6-85AF-6B48-8DD7-8D508D3B3C90}"/>
+              </a:ext>
+            </a:extLst>
+          </p:cNvPr>
+          <p:cNvPicPr>
+            <a:picLocks noChangeAspect="1"/>
+          </p:cNvPicPr>
+          <p:nvPr/>
+        </p:nvPicPr>
+        <p:blipFill>
+          <a:blip r:embed="rId3"/>
+          <a:stretch>
+            <a:fillRect/>
+          </a:stretch>
+        </p:blipFill>
+        <p:spPr>
+          <a:xfrm>
+            <a:off x="4515679" y="337854"/>
+            <a:ext cx="2836126" cy="3091146"/>
+          </a:xfrm>
+          <a:prstGeom prst="rect">
+            <a:avLst/>
+          </a:prstGeom>
+        </p:spPr>
+      </p:pic>
+      <p:pic>
+        <p:nvPicPr>
+          <p:cNvPr id="9" name="Content Placeholder 8">
+            <a:extLst>
+              <a:ext uri="{FF2B5EF4-FFF2-40B4-BE49-F238E27FC236}">
+                <a16:creationId xmlns:a16="http://schemas.microsoft.com/office/drawing/2014/main" id="{8AE3925C-2D23-4642-BC62-28B751597541}"/>
+              </a:ext>
+            </a:extLst>
+          </p:cNvPr>
+          <p:cNvPicPr>
+            <a:picLocks noGrp="1" noChangeAspect="1"/>
+          </p:cNvPicPr>
+          <p:nvPr>
+            <p:ph idx="1"/>
+          </p:nvPr>
+        </p:nvPicPr>
+        <p:blipFill>
+          <a:blip r:embed="rId4"/>
+          <a:stretch>
+            <a:fillRect/>
+          </a:stretch>
+        </p:blipFill>
+        <p:spPr>
+          <a:xfrm>
+            <a:off x="8447008" y="507001"/>
+            <a:ext cx="3645600" cy="2792607"/>
+          </a:xfrm>
+        </p:spPr>
+      </p:pic>
+      <p:sp>
+        <p:nvSpPr>
+          <p:cNvPr id="5" name="Right Arrow 4">
+            <a:extLst>
+              <a:ext uri="{FF2B5EF4-FFF2-40B4-BE49-F238E27FC236}">
+                <a16:creationId xmlns:a16="http://schemas.microsoft.com/office/drawing/2014/main" id="{47F29D3E-587D-CF45-A059-A1368FBD924C}"/>
+              </a:ext>
+            </a:extLst>
+          </p:cNvPr>
+          <p:cNvSpPr/>
+          <p:nvPr/>
+        </p:nvSpPr>
+        <p:spPr>
+          <a:xfrm>
+            <a:off x="7351805" y="1641110"/>
+            <a:ext cx="978408" cy="484632"/>
+          </a:xfrm>
+          <a:prstGeom prst="rightArrow">
+            <a:avLst/>
+          </a:prstGeom>
+          <a:solidFill>
+            <a:schemeClr val="tx1"/>
+          </a:solidFill>
+        </p:spPr>
+        <p:style>
+          <a:lnRef idx="2">
+            <a:schemeClr val="accent1">
+              <a:shade val="50000"/>
+            </a:schemeClr>
+          </a:lnRef>
+          <a:fillRef idx="1">
+            <a:schemeClr val="accent1"/>
+          </a:fillRef>
+          <a:effectRef idx="0">
+            <a:schemeClr val="accent1"/>
+          </a:effectRef>
+          <a:fontRef idx="minor">
+            <a:schemeClr val="lt1"/>
+          </a:fontRef>
+        </p:style>
+        <p:txBody>
+          <a:bodyPr rtlCol="0" anchor="ctr"/>
+          <a:lstStyle/>
+          <a:p>
+            <a:pPr algn="ctr"/>
+            <a:endParaRPr lang="en-US" dirty="0"/>
+          </a:p>
+        </p:txBody>
+      </p:sp>
+      <p:sp>
+        <p:nvSpPr>
+          <p:cNvPr id="12" name="Content Placeholder 2">
+            <a:extLst>
+              <a:ext uri="{FF2B5EF4-FFF2-40B4-BE49-F238E27FC236}">
+                <a16:creationId xmlns:a16="http://schemas.microsoft.com/office/drawing/2014/main" id="{7DDDFA8D-3C8A-7F4B-A0E2-F29F0278B29F}"/>
+              </a:ext>
+            </a:extLst>
+          </p:cNvPr>
+          <p:cNvSpPr txBox="1">
+            <a:spLocks/>
+          </p:cNvSpPr>
+          <p:nvPr/>
+        </p:nvSpPr>
+        <p:spPr>
+          <a:xfrm>
+            <a:off x="3590952" y="3952176"/>
+            <a:ext cx="8369400" cy="2613216"/>
+          </a:xfrm>
+          <a:prstGeom prst="rect">
+            <a:avLst/>
+          </a:prstGeom>
+        </p:spPr>
+        <p:txBody>
+          <a:bodyPr vert="horz" lIns="91440" tIns="45720" rIns="91440" bIns="45720" rtlCol="0">
+            <a:normAutofit fontScale="85000" lnSpcReduction="20000"/>
+          </a:bodyPr>
+          <a:lstStyle>
+            <a:lvl1pPr marL="228600" indent="-228600" algn="l" defTabSz="914400" rtl="0" eaLnBrk="1" latinLnBrk="0" hangingPunct="1">
+              <a:lnSpc>
+                <a:spcPct val="90000"/>
+              </a:lnSpc>
+              <a:spcBef>
+                <a:spcPts val="1000"/>
+              </a:spcBef>
+              <a:buFont typeface="Arial" panose="020B0604020202020204" pitchFamily="34" charset="0"/>
+              <a:buChar char="•"/>
+              <a:defRPr sz="2800" kern="1200">
+                <a:solidFill>
+                  <a:schemeClr val="tx1"/>
+                </a:solidFill>
+                <a:latin typeface="+mn-lt"/>
+                <a:ea typeface="+mn-ea"/>
+                <a:cs typeface="+mn-cs"/>
+              </a:defRPr>
+            </a:lvl1pPr>
+            <a:lvl2pPr marL="685800" indent="-228600" algn="l" defTabSz="914400" rtl="0" eaLnBrk="1" latinLnBrk="0" hangingPunct="1">
+              <a:lnSpc>
+                <a:spcPct val="90000"/>
+              </a:lnSpc>
+              <a:spcBef>
+                <a:spcPts val="500"/>
+              </a:spcBef>
+              <a:buFont typeface="Arial" panose="020B0604020202020204" pitchFamily="34" charset="0"/>
+              <a:buChar char="•"/>
+              <a:defRPr sz="2400" kern="1200">
+                <a:solidFill>
+                  <a:schemeClr val="tx1"/>
+                </a:solidFill>
+                <a:latin typeface="+mn-lt"/>
+                <a:ea typeface="+mn-ea"/>
+                <a:cs typeface="+mn-cs"/>
+              </a:defRPr>
+            </a:lvl2pPr>
+            <a:lvl3pPr marL="1143000" indent="-228600" algn="l" defTabSz="914400" rtl="0" eaLnBrk="1" latinLnBrk="0" hangingPunct="1">
+              <a:lnSpc>
+                <a:spcPct val="90000"/>
+              </a:lnSpc>
+              <a:spcBef>
+                <a:spcPts val="500"/>
+              </a:spcBef>
+              <a:buFont typeface="Arial" panose="020B0604020202020204" pitchFamily="34" charset="0"/>
+              <a:buChar char="•"/>
+              <a:defRPr sz="2000" kern="1200">
+                <a:solidFill>
+                  <a:schemeClr val="tx1"/>
+                </a:solidFill>
+                <a:latin typeface="+mn-lt"/>
+                <a:ea typeface="+mn-ea"/>
+                <a:cs typeface="+mn-cs"/>
+              </a:defRPr>
+            </a:lvl3pPr>
+            <a:lvl4pPr marL="1600200" indent="-228600" algn="l" defTabSz="914400" rtl="0" eaLnBrk="1" latinLnBrk="0" hangingPunct="1">
+              <a:lnSpc>
+                <a:spcPct val="90000"/>
+              </a:lnSpc>
+              <a:spcBef>
+                <a:spcPts val="500"/>
+              </a:spcBef>
+              <a:buFont typeface="Arial" panose="020B0604020202020204" pitchFamily="34" charset="0"/>
+              <a:buChar char="•"/>
+              <a:defRPr sz="1800" kern="1200">
+                <a:solidFill>
+                  <a:schemeClr val="tx1"/>
+                </a:solidFill>
+                <a:latin typeface="+mn-lt"/>
+                <a:ea typeface="+mn-ea"/>
+                <a:cs typeface="+mn-cs"/>
+              </a:defRPr>
+            </a:lvl4pPr>
+            <a:lvl5pPr marL="2057400" indent="-228600" algn="l" defTabSz="914400" rtl="0" eaLnBrk="1" latinLnBrk="0" hangingPunct="1">
+              <a:lnSpc>
+                <a:spcPct val="90000"/>
+              </a:lnSpc>
+              <a:spcBef>
+                <a:spcPts val="500"/>
+              </a:spcBef>
+              <a:buFont typeface="Arial" panose="020B0604020202020204" pitchFamily="34" charset="0"/>
+              <a:buChar char="•"/>
+              <a:defRPr sz="1800" kern="1200">
+                <a:solidFill>
+                  <a:schemeClr val="tx1"/>
+                </a:solidFill>
+                <a:latin typeface="+mn-lt"/>
+                <a:ea typeface="+mn-ea"/>
+                <a:cs typeface="+mn-cs"/>
+              </a:defRPr>
+            </a:lvl5pPr>
+            <a:lvl6pPr marL="2514600" indent="-228600" algn="l" defTabSz="914400" rtl="0" eaLnBrk="1" latinLnBrk="0" hangingPunct="1">
+              <a:lnSpc>
+                <a:spcPct val="90000"/>
+              </a:lnSpc>
+              <a:spcBef>
+                <a:spcPts val="500"/>
+              </a:spcBef>
+              <a:buFont typeface="Arial" panose="020B0604020202020204" pitchFamily="34" charset="0"/>
+              <a:buChar char="•"/>
+              <a:defRPr sz="1800" kern="1200">
+                <a:solidFill>
+                  <a:schemeClr val="tx1"/>
+                </a:solidFill>
+                <a:latin typeface="+mn-lt"/>
+                <a:ea typeface="+mn-ea"/>
+                <a:cs typeface="+mn-cs"/>
+              </a:defRPr>
+            </a:lvl6pPr>
+            <a:lvl7pPr marL="2971800" indent="-228600" algn="l" defTabSz="914400" rtl="0" eaLnBrk="1" latinLnBrk="0" hangingPunct="1">
+              <a:lnSpc>
+                <a:spcPct val="90000"/>
+              </a:lnSpc>
+              <a:spcBef>
+                <a:spcPts val="500"/>
+              </a:spcBef>
+              <a:buFont typeface="Arial" panose="020B0604020202020204" pitchFamily="34" charset="0"/>
+              <a:buChar char="•"/>
+              <a:defRPr sz="1800" kern="1200">
+                <a:solidFill>
+                  <a:schemeClr val="tx1"/>
+                </a:solidFill>
+                <a:latin typeface="+mn-lt"/>
+                <a:ea typeface="+mn-ea"/>
+                <a:cs typeface="+mn-cs"/>
+              </a:defRPr>
+            </a:lvl7pPr>
+            <a:lvl8pPr marL="3429000" indent="-228600" algn="l" defTabSz="914400" rtl="0" eaLnBrk="1" latinLnBrk="0" hangingPunct="1">
+              <a:lnSpc>
+                <a:spcPct val="90000"/>
+              </a:lnSpc>
+              <a:spcBef>
+                <a:spcPts val="500"/>
+              </a:spcBef>
+              <a:buFont typeface="Arial" panose="020B0604020202020204" pitchFamily="34" charset="0"/>
+              <a:buChar char="•"/>
+              <a:defRPr sz="1800" kern="1200">
+                <a:solidFill>
+                  <a:schemeClr val="tx1"/>
+                </a:solidFill>
+                <a:latin typeface="+mn-lt"/>
+                <a:ea typeface="+mn-ea"/>
+                <a:cs typeface="+mn-cs"/>
+              </a:defRPr>
+            </a:lvl8pPr>
+            <a:lvl9pPr marL="3886200" indent="-228600" algn="l" defTabSz="914400" rtl="0" eaLnBrk="1" latinLnBrk="0" hangingPunct="1">
+              <a:lnSpc>
+                <a:spcPct val="90000"/>
+              </a:lnSpc>
+              <a:spcBef>
+                <a:spcPts val="500"/>
+              </a:spcBef>
+              <a:buFont typeface="Arial" panose="020B0604020202020204" pitchFamily="34" charset="0"/>
+              <a:buChar char="•"/>
+              <a:defRPr sz="1800" kern="1200">
+                <a:solidFill>
+                  <a:schemeClr val="tx1"/>
+                </a:solidFill>
+                <a:latin typeface="+mn-lt"/>
+                <a:ea typeface="+mn-ea"/>
+                <a:cs typeface="+mn-cs"/>
+              </a:defRPr>
+            </a:lvl9pPr>
+          </a:lstStyle>
+          <a:p>
+            <a:r>
+              <a:rPr lang="en-US" dirty="0"/>
+              <a:t>Presents the main concepts and terminology that are required to understand geographical information systems. E.g.:</a:t>
+            </a:r>
+          </a:p>
+          <a:p>
+            <a:pPr lvl="1"/>
+            <a:r>
+              <a:rPr lang="en-US" dirty="0"/>
+              <a:t>Data types (i.e. raster &amp; vector). </a:t>
+            </a:r>
+          </a:p>
+          <a:p>
+            <a:pPr lvl="1"/>
+            <a:r>
+              <a:rPr lang="en-US" dirty="0"/>
+              <a:t>Accuracy and precision. </a:t>
+            </a:r>
+          </a:p>
+          <a:p>
+            <a:r>
+              <a:rPr lang="en-US" dirty="0"/>
+              <a:t>Provide a brief overview of the development of GIS. </a:t>
+            </a:r>
+          </a:p>
+          <a:p>
+            <a:r>
+              <a:rPr lang="en-US" dirty="0"/>
+              <a:t>Using QGIS, we demonstrate how to prepare and manipulate example GIS data and how to integrate it into an agent-based models.</a:t>
+            </a:r>
+          </a:p>
+        </p:txBody>
+      </p:sp>
+    </p:spTree>
+    <p:extLst>
+      <p:ext uri="{BB962C8B-B14F-4D97-AF65-F5344CB8AC3E}">
+        <p14:creationId xmlns:p14="http://schemas.microsoft.com/office/powerpoint/2010/main" val="3705241263"/>
+      </p:ext>
+    </p:extLst>
+  </p:cSld>
+  <p:clrMapOvr>
+    <a:masterClrMapping/>
+  </p:clrMapOvr>
+</p:sld>
+</file>
+
+<file path=ppt/slides/slide16.xml><?xml version="1.0" encoding="utf-8"?>
+<p:sld xmlns:a="http://schemas.openxmlformats.org/drawingml/2006/main" xmlns:r="http://schemas.openxmlformats.org/officeDocument/2006/relationships" xmlns:p="http://schemas.openxmlformats.org/presentationml/2006/main">
+  <p:cSld>
+    <p:bg>
+      <p:bgPr>
+        <a:solidFill>
+          <a:schemeClr val="bg1"/>
+        </a:solidFill>
+        <a:effectLst/>
+      </p:bgPr>
+    </p:bg>
+    <p:spTree>
+      <p:nvGrpSpPr>
+        <p:cNvPr id="1" name=""/>
+        <p:cNvGrpSpPr/>
+        <p:nvPr/>
+      </p:nvGrpSpPr>
+      <p:grpSpPr>
+        <a:xfrm>
+          <a:off x="0" y="0"/>
+          <a:ext cx="0" cy="0"/>
+          <a:chOff x="0" y="0"/>
+          <a:chExt cx="0" cy="0"/>
+        </a:xfrm>
+      </p:grpSpPr>
+      <p:sp>
+        <p:nvSpPr>
+          <p:cNvPr id="13" name="Rectangle 12">
+            <a:extLst>
+              <a:ext uri="{FF2B5EF4-FFF2-40B4-BE49-F238E27FC236}">
+                <a16:creationId xmlns:a16="http://schemas.microsoft.com/office/drawing/2014/main" id="{42A5316D-ED2F-4F89-B4B4-8D9240B1A348}"/>
+              </a:ext>
+              <a:ext uri="{C183D7F6-B498-43B3-948B-1728B52AA6E4}">
+                <adec:decorative xmlns:adec="http://schemas.microsoft.com/office/drawing/2017/decorative" val="1"/>
+              </a:ext>
+            </a:extLst>
+          </p:cNvPr>
+          <p:cNvSpPr>
+            <a:spLocks noGrp="1" noRot="1" noChangeAspect="1" noMove="1" noResize="1" noEditPoints="1" noAdjustHandles="1" noChangeArrowheads="1" noChangeShapeType="1" noTextEdit="1"/>
+          </p:cNvSpPr>
+          <p:nvPr>
+            <p:extLst>
+              <p:ext uri="{386F3935-93C4-4BCD-93E2-E3B085C9AB24}">
+                <p16:designElem xmlns:p16="http://schemas.microsoft.com/office/powerpoint/2015/main" val="1"/>
+              </p:ext>
+            </p:extLst>
+          </p:nvPr>
+        </p:nvSpPr>
+        <p:spPr>
+          <a:xfrm>
+            <a:off x="0" y="0"/>
+            <a:ext cx="2013557" cy="6858000"/>
+          </a:xfrm>
+          <a:prstGeom prst="rect">
+            <a:avLst/>
+          </a:prstGeom>
+          <a:solidFill>
+            <a:srgbClr val="7F7F7F"/>
+          </a:solidFill>
+          <a:ln>
+            <a:noFill/>
+          </a:ln>
+        </p:spPr>
+        <p:style>
+          <a:lnRef idx="2">
+            <a:schemeClr val="accent1">
+              <a:shade val="50000"/>
+            </a:schemeClr>
+          </a:lnRef>
+          <a:fillRef idx="1">
+            <a:schemeClr val="accent1"/>
+          </a:fillRef>
+          <a:effectRef idx="0">
+            <a:schemeClr val="accent1"/>
+          </a:effectRef>
+          <a:fontRef idx="minor">
+            <a:schemeClr val="lt1"/>
+          </a:fontRef>
+        </p:style>
+        <p:txBody>
+          <a:bodyPr rtlCol="0" anchor="ctr"/>
+          <a:lstStyle/>
+          <a:p>
+            <a:pPr marL="0" marR="0" lvl="0" indent="0" algn="ctr" defTabSz="914400" rtl="0" eaLnBrk="1" fontAlgn="auto" latinLnBrk="0" hangingPunct="1">
+              <a:lnSpc>
+                <a:spcPct val="100000"/>
+              </a:lnSpc>
+              <a:spcBef>
+                <a:spcPts val="0"/>
+              </a:spcBef>
+              <a:spcAft>
+                <a:spcPts val="0"/>
+              </a:spcAft>
+              <a:buClrTx/>
+              <a:buSzTx/>
+              <a:buFontTx/>
+              <a:buNone/>
+              <a:tabLst/>
+              <a:defRPr/>
+            </a:pPr>
+            <a:endParaRPr kumimoji="0" lang="en-US" sz="1800" b="0" i="0" u="none" strike="noStrike" kern="1200" cap="none" spc="0" normalizeH="0" baseline="0" noProof="0">
+              <a:ln>
+                <a:noFill/>
+              </a:ln>
+              <a:solidFill>
+                <a:prstClr val="white"/>
+              </a:solidFill>
+              <a:effectLst/>
+              <a:uLnTx/>
+              <a:uFillTx/>
+              <a:latin typeface="Calibri" panose="020F0502020204030204"/>
+              <a:ea typeface="+mn-ea"/>
+              <a:cs typeface="+mn-cs"/>
+            </a:endParaRPr>
+          </a:p>
+        </p:txBody>
+      </p:sp>
+      <p:sp>
+        <p:nvSpPr>
+          <p:cNvPr id="2" name="Title 1">
+            <a:extLst>
+              <a:ext uri="{FF2B5EF4-FFF2-40B4-BE49-F238E27FC236}">
+                <a16:creationId xmlns:a16="http://schemas.microsoft.com/office/drawing/2014/main" id="{1205307A-88FF-A148-92DD-67B6F926B4FF}"/>
+              </a:ext>
+            </a:extLst>
+          </p:cNvPr>
+          <p:cNvSpPr>
+            <a:spLocks noGrp="1"/>
+          </p:cNvSpPr>
+          <p:nvPr>
+            <p:ph type="title"/>
+          </p:nvPr>
+        </p:nvSpPr>
+        <p:spPr>
+          <a:xfrm>
+            <a:off x="694510" y="1487272"/>
+            <a:ext cx="2743200" cy="2743200"/>
+          </a:xfrm>
+          <a:prstGeom prst="ellipse">
+            <a:avLst/>
+          </a:prstGeom>
+          <a:solidFill>
+            <a:srgbClr val="262626"/>
+          </a:solidFill>
+          <a:ln w="174625" cmpd="thinThick">
+            <a:solidFill>
+              <a:srgbClr val="262626"/>
+            </a:solidFill>
+          </a:ln>
+        </p:spPr>
+        <p:txBody>
+          <a:bodyPr>
+            <a:normAutofit/>
+          </a:bodyPr>
+          <a:lstStyle/>
+          <a:p>
+            <a:pPr algn="ctr"/>
+            <a:r>
+              <a:rPr lang="en-US" sz="2200" dirty="0">
+                <a:solidFill>
+                  <a:srgbClr val="FFFFFF"/>
+                </a:solidFill>
+              </a:rPr>
+              <a:t>Chapter 6: Integrating Agent-Based Modelling and GIS</a:t>
+            </a:r>
+          </a:p>
+        </p:txBody>
+      </p:sp>
+      <p:pic>
+        <p:nvPicPr>
+          <p:cNvPr id="7" name="Content Placeholder 6">
+            <a:extLst>
+              <a:ext uri="{FF2B5EF4-FFF2-40B4-BE49-F238E27FC236}">
+                <a16:creationId xmlns:a16="http://schemas.microsoft.com/office/drawing/2014/main" id="{A347CD20-7021-674A-82A4-0A55AB0F455A}"/>
+              </a:ext>
+            </a:extLst>
+          </p:cNvPr>
+          <p:cNvPicPr>
+            <a:picLocks noGrp="1" noChangeAspect="1"/>
+          </p:cNvPicPr>
+          <p:nvPr>
+            <p:ph idx="1"/>
+          </p:nvPr>
+        </p:nvPicPr>
+        <p:blipFill>
+          <a:blip r:embed="rId3"/>
+          <a:stretch>
+            <a:fillRect/>
+          </a:stretch>
+        </p:blipFill>
+        <p:spPr>
+          <a:xfrm>
+            <a:off x="5195908" y="438912"/>
+            <a:ext cx="4390005" cy="3621024"/>
+          </a:xfrm>
+        </p:spPr>
+      </p:pic>
+      <p:sp>
+        <p:nvSpPr>
+          <p:cNvPr id="14" name="Content Placeholder 2">
+            <a:extLst>
+              <a:ext uri="{FF2B5EF4-FFF2-40B4-BE49-F238E27FC236}">
+                <a16:creationId xmlns:a16="http://schemas.microsoft.com/office/drawing/2014/main" id="{B64208D8-D9C1-3948-9AA5-FFE184BC4E6B}"/>
+              </a:ext>
+            </a:extLst>
+          </p:cNvPr>
+          <p:cNvSpPr txBox="1">
+            <a:spLocks/>
+          </p:cNvSpPr>
+          <p:nvPr/>
+        </p:nvSpPr>
+        <p:spPr>
+          <a:xfrm>
+            <a:off x="3621962" y="2999835"/>
+            <a:ext cx="8210374" cy="3662941"/>
+          </a:xfrm>
+          <a:prstGeom prst="rect">
+            <a:avLst/>
+          </a:prstGeom>
+        </p:spPr>
+        <p:txBody>
+          <a:bodyPr vert="horz" lIns="91440" tIns="45720" rIns="91440" bIns="45720" rtlCol="0">
+            <a:normAutofit fontScale="92500"/>
+          </a:bodyPr>
+          <a:lstStyle>
+            <a:lvl1pPr marL="228600" indent="-228600" algn="l" defTabSz="914400" rtl="0" eaLnBrk="1" latinLnBrk="0" hangingPunct="1">
+              <a:lnSpc>
+                <a:spcPct val="90000"/>
+              </a:lnSpc>
+              <a:spcBef>
+                <a:spcPts val="1000"/>
+              </a:spcBef>
+              <a:buFont typeface="Arial" panose="020B0604020202020204" pitchFamily="34" charset="0"/>
+              <a:buChar char="•"/>
+              <a:defRPr sz="2800" kern="1200">
+                <a:solidFill>
+                  <a:schemeClr val="tx1"/>
+                </a:solidFill>
+                <a:latin typeface="+mn-lt"/>
+                <a:ea typeface="+mn-ea"/>
+                <a:cs typeface="+mn-cs"/>
+              </a:defRPr>
+            </a:lvl1pPr>
+            <a:lvl2pPr marL="685800" indent="-228600" algn="l" defTabSz="914400" rtl="0" eaLnBrk="1" latinLnBrk="0" hangingPunct="1">
+              <a:lnSpc>
+                <a:spcPct val="90000"/>
+              </a:lnSpc>
+              <a:spcBef>
+                <a:spcPts val="500"/>
+              </a:spcBef>
+              <a:buFont typeface="Arial" panose="020B0604020202020204" pitchFamily="34" charset="0"/>
+              <a:buChar char="•"/>
+              <a:defRPr sz="2400" kern="1200">
+                <a:solidFill>
+                  <a:schemeClr val="tx1"/>
+                </a:solidFill>
+                <a:latin typeface="+mn-lt"/>
+                <a:ea typeface="+mn-ea"/>
+                <a:cs typeface="+mn-cs"/>
+              </a:defRPr>
+            </a:lvl2pPr>
+            <a:lvl3pPr marL="1143000" indent="-228600" algn="l" defTabSz="914400" rtl="0" eaLnBrk="1" latinLnBrk="0" hangingPunct="1">
+              <a:lnSpc>
+                <a:spcPct val="90000"/>
+              </a:lnSpc>
+              <a:spcBef>
+                <a:spcPts val="500"/>
+              </a:spcBef>
+              <a:buFont typeface="Arial" panose="020B0604020202020204" pitchFamily="34" charset="0"/>
+              <a:buChar char="•"/>
+              <a:defRPr sz="2000" kern="1200">
+                <a:solidFill>
+                  <a:schemeClr val="tx1"/>
+                </a:solidFill>
+                <a:latin typeface="+mn-lt"/>
+                <a:ea typeface="+mn-ea"/>
+                <a:cs typeface="+mn-cs"/>
+              </a:defRPr>
+            </a:lvl3pPr>
+            <a:lvl4pPr marL="1600200" indent="-228600" algn="l" defTabSz="914400" rtl="0" eaLnBrk="1" latinLnBrk="0" hangingPunct="1">
+              <a:lnSpc>
+                <a:spcPct val="90000"/>
+              </a:lnSpc>
+              <a:spcBef>
+                <a:spcPts val="500"/>
+              </a:spcBef>
+              <a:buFont typeface="Arial" panose="020B0604020202020204" pitchFamily="34" charset="0"/>
+              <a:buChar char="•"/>
+              <a:defRPr sz="1800" kern="1200">
+                <a:solidFill>
+                  <a:schemeClr val="tx1"/>
+                </a:solidFill>
+                <a:latin typeface="+mn-lt"/>
+                <a:ea typeface="+mn-ea"/>
+                <a:cs typeface="+mn-cs"/>
+              </a:defRPr>
+            </a:lvl4pPr>
+            <a:lvl5pPr marL="2057400" indent="-228600" algn="l" defTabSz="914400" rtl="0" eaLnBrk="1" latinLnBrk="0" hangingPunct="1">
+              <a:lnSpc>
+                <a:spcPct val="90000"/>
+              </a:lnSpc>
+              <a:spcBef>
+                <a:spcPts val="500"/>
+              </a:spcBef>
+              <a:buFont typeface="Arial" panose="020B0604020202020204" pitchFamily="34" charset="0"/>
+              <a:buChar char="•"/>
+              <a:defRPr sz="1800" kern="1200">
+                <a:solidFill>
+                  <a:schemeClr val="tx1"/>
+                </a:solidFill>
+                <a:latin typeface="+mn-lt"/>
+                <a:ea typeface="+mn-ea"/>
+                <a:cs typeface="+mn-cs"/>
+              </a:defRPr>
+            </a:lvl5pPr>
+            <a:lvl6pPr marL="2514600" indent="-228600" algn="l" defTabSz="914400" rtl="0" eaLnBrk="1" latinLnBrk="0" hangingPunct="1">
+              <a:lnSpc>
+                <a:spcPct val="90000"/>
+              </a:lnSpc>
+              <a:spcBef>
+                <a:spcPts val="500"/>
+              </a:spcBef>
+              <a:buFont typeface="Arial" panose="020B0604020202020204" pitchFamily="34" charset="0"/>
+              <a:buChar char="•"/>
+              <a:defRPr sz="1800" kern="1200">
+                <a:solidFill>
+                  <a:schemeClr val="tx1"/>
+                </a:solidFill>
+                <a:latin typeface="+mn-lt"/>
+                <a:ea typeface="+mn-ea"/>
+                <a:cs typeface="+mn-cs"/>
+              </a:defRPr>
+            </a:lvl6pPr>
+            <a:lvl7pPr marL="2971800" indent="-228600" algn="l" defTabSz="914400" rtl="0" eaLnBrk="1" latinLnBrk="0" hangingPunct="1">
+              <a:lnSpc>
+                <a:spcPct val="90000"/>
+              </a:lnSpc>
+              <a:spcBef>
+                <a:spcPts val="500"/>
+              </a:spcBef>
+              <a:buFont typeface="Arial" panose="020B0604020202020204" pitchFamily="34" charset="0"/>
+              <a:buChar char="•"/>
+              <a:defRPr sz="1800" kern="1200">
+                <a:solidFill>
+                  <a:schemeClr val="tx1"/>
+                </a:solidFill>
+                <a:latin typeface="+mn-lt"/>
+                <a:ea typeface="+mn-ea"/>
+                <a:cs typeface="+mn-cs"/>
+              </a:defRPr>
+            </a:lvl7pPr>
+            <a:lvl8pPr marL="3429000" indent="-228600" algn="l" defTabSz="914400" rtl="0" eaLnBrk="1" latinLnBrk="0" hangingPunct="1">
+              <a:lnSpc>
+                <a:spcPct val="90000"/>
+              </a:lnSpc>
+              <a:spcBef>
+                <a:spcPts val="500"/>
+              </a:spcBef>
+              <a:buFont typeface="Arial" panose="020B0604020202020204" pitchFamily="34" charset="0"/>
+              <a:buChar char="•"/>
+              <a:defRPr sz="1800" kern="1200">
+                <a:solidFill>
+                  <a:schemeClr val="tx1"/>
+                </a:solidFill>
+                <a:latin typeface="+mn-lt"/>
+                <a:ea typeface="+mn-ea"/>
+                <a:cs typeface="+mn-cs"/>
+              </a:defRPr>
+            </a:lvl8pPr>
+            <a:lvl9pPr marL="3886200" indent="-228600" algn="l" defTabSz="914400" rtl="0" eaLnBrk="1" latinLnBrk="0" hangingPunct="1">
+              <a:lnSpc>
+                <a:spcPct val="90000"/>
+              </a:lnSpc>
+              <a:spcBef>
+                <a:spcPts val="500"/>
+              </a:spcBef>
+              <a:buFont typeface="Arial" panose="020B0604020202020204" pitchFamily="34" charset="0"/>
+              <a:buChar char="•"/>
+              <a:defRPr sz="1800" kern="1200">
+                <a:solidFill>
+                  <a:schemeClr val="tx1"/>
+                </a:solidFill>
+                <a:latin typeface="+mn-lt"/>
+                <a:ea typeface="+mn-ea"/>
+                <a:cs typeface="+mn-cs"/>
+              </a:defRPr>
+            </a:lvl9pPr>
+          </a:lstStyle>
+          <a:p>
+            <a:r>
+              <a:rPr lang="en-US" dirty="0"/>
+              <a:t>Building on previous chapters outlining the fundamentals of GIS and agent-based modelling, what are the benefits to linking these approaches? How is this undertaken? This chapter will explain loose and tight coupling, critiquing the relative advantages and disadvantages of both. We present an overview of open source toolkits that can be used for the creation of geographically explicit agent-based models, before providing a critical look at where and how GIS and ABM should be combined, offering practical advice on best practice.</a:t>
+            </a:r>
+          </a:p>
+          <a:p>
+            <a:endParaRPr lang="en-US" dirty="0"/>
+          </a:p>
+        </p:txBody>
+      </p:sp>
+    </p:spTree>
+    <p:extLst>
+      <p:ext uri="{BB962C8B-B14F-4D97-AF65-F5344CB8AC3E}">
+        <p14:creationId xmlns:p14="http://schemas.microsoft.com/office/powerpoint/2010/main" val="869590373"/>
+      </p:ext>
+    </p:extLst>
+  </p:cSld>
+  <p:clrMapOvr>
+    <a:masterClrMapping/>
+  </p:clrMapOvr>
+</p:sld>
+</file>
+
+<file path=ppt/slides/slide17.xml><?xml version="1.0" encoding="utf-8"?>
+<p:sld xmlns:a="http://schemas.openxmlformats.org/drawingml/2006/main" xmlns:r="http://schemas.openxmlformats.org/officeDocument/2006/relationships" xmlns:p="http://schemas.openxmlformats.org/presentationml/2006/main">
+  <p:cSld>
+    <p:spTree>
+      <p:nvGrpSpPr>
+        <p:cNvPr id="1" name=""/>
+        <p:cNvGrpSpPr/>
+        <p:nvPr/>
+      </p:nvGrpSpPr>
+      <p:grpSpPr>
+        <a:xfrm>
+          <a:off x="0" y="0"/>
+          <a:ext cx="0" cy="0"/>
+          <a:chOff x="0" y="0"/>
+          <a:chExt cx="0" cy="0"/>
+        </a:xfrm>
+      </p:grpSpPr>
+      <p:sp>
+        <p:nvSpPr>
+          <p:cNvPr id="2" name="Title 1">
+            <a:extLst>
+              <a:ext uri="{FF2B5EF4-FFF2-40B4-BE49-F238E27FC236}">
+                <a16:creationId xmlns:a16="http://schemas.microsoft.com/office/drawing/2014/main" id="{F2306A9C-9FC4-264C-985C-C3D411E3F741}"/>
+              </a:ext>
+            </a:extLst>
+          </p:cNvPr>
+          <p:cNvSpPr>
+            <a:spLocks noGrp="1"/>
+          </p:cNvSpPr>
+          <p:nvPr>
+            <p:ph type="title"/>
+          </p:nvPr>
+        </p:nvSpPr>
+        <p:spPr/>
+        <p:txBody>
+          <a:bodyPr/>
+          <a:lstStyle/>
+          <a:p>
+            <a:endParaRPr lang="en-US"/>
+          </a:p>
+        </p:txBody>
+      </p:sp>
+      <p:sp>
+        <p:nvSpPr>
+          <p:cNvPr id="3" name="Content Placeholder 2">
+            <a:extLst>
+              <a:ext uri="{FF2B5EF4-FFF2-40B4-BE49-F238E27FC236}">
+                <a16:creationId xmlns:a16="http://schemas.microsoft.com/office/drawing/2014/main" id="{657EA2ED-F43C-C74A-86B8-5C46C0DBAE48}"/>
+              </a:ext>
+            </a:extLst>
+          </p:cNvPr>
+          <p:cNvSpPr>
+            <a:spLocks noGrp="1"/>
+          </p:cNvSpPr>
+          <p:nvPr>
+            <p:ph idx="1"/>
+          </p:nvPr>
+        </p:nvSpPr>
+        <p:spPr/>
+        <p:txBody>
+          <a:bodyPr/>
+          <a:lstStyle/>
+          <a:p>
+            <a:r>
+              <a:rPr lang="en-US" dirty="0"/>
+              <a:t>Building on previous chapters outlining the fundamentals of GIS and agent-based modelling, what are the benefits to linking these approaches? How is this undertaken? This chapter will explain loose and tight coupling, critiquing the relative advantages and disadvantages of both. We present an overview of open source toolkits that can be used for the creation of geographically explicit agent-based models, before providing a critical look at where and how GIS and ABM should be combined, offering practical advice on best practice.</a:t>
+            </a:r>
+          </a:p>
+          <a:p>
+            <a:endParaRPr lang="en-US" dirty="0"/>
+          </a:p>
+        </p:txBody>
+      </p:sp>
+    </p:spTree>
+    <p:extLst>
+      <p:ext uri="{BB962C8B-B14F-4D97-AF65-F5344CB8AC3E}">
+        <p14:creationId xmlns:p14="http://schemas.microsoft.com/office/powerpoint/2010/main" val="3134576678"/>
+      </p:ext>
+    </p:extLst>
+  </p:cSld>
+  <p:clrMapOvr>
+    <a:masterClrMapping/>
+  </p:clrMapOvr>
+</p:sld>
+</file>
+
+<file path=ppt/slides/slide18.xml><?xml version="1.0" encoding="utf-8"?>
 <p:sld xmlns:a="http://schemas.openxmlformats.org/drawingml/2006/main" xmlns:r="http://schemas.openxmlformats.org/officeDocument/2006/relationships" xmlns:p="http://schemas.openxmlformats.org/presentationml/2006/main">
   <p:cSld>
     <p:bg>
@@ -6988,7 +8986,7 @@
           <a:p>
             <a:pPr algn="ctr"/>
             <a:r>
-              <a:rPr lang="en-US" sz="5400" dirty="0">
+              <a:rPr lang="en-US" sz="5400">
                 <a:solidFill>
                   <a:schemeClr val="bg1">
                     <a:lumMod val="95000"/>
@@ -6996,7 +8994,7 @@
                   </a:schemeClr>
                 </a:solidFill>
               </a:rPr>
-              <a:t>Chapter 2: Introduction to Agent-based Modelling</a:t>
+              <a:t>Chapter 7: Modelling Human Behaviour</a:t>
             </a:r>
           </a:p>
         </p:txBody>
@@ -7004,7 +9002,7 @@
     </p:spTree>
     <p:extLst>
       <p:ext uri="{BB962C8B-B14F-4D97-AF65-F5344CB8AC3E}">
-        <p14:creationId xmlns:p14="http://schemas.microsoft.com/office/powerpoint/2010/main" val="1070068504"/>
+        <p14:creationId xmlns:p14="http://schemas.microsoft.com/office/powerpoint/2010/main" val="1632113489"/>
       </p:ext>
     </p:extLst>
   </p:cSld>
@@ -7014,7 +9012,7 @@
 </p:sld>
 </file>
 
-<file path=ppt/slides/slide13.xml><?xml version="1.0" encoding="utf-8"?>
+<file path=ppt/slides/slide19.xml><?xml version="1.0" encoding="utf-8"?>
 <p:sld xmlns:a="http://schemas.openxmlformats.org/drawingml/2006/main" xmlns:r="http://schemas.openxmlformats.org/officeDocument/2006/relationships" xmlns:p="http://schemas.openxmlformats.org/presentationml/2006/main">
   <p:cSld>
     <p:spTree>
@@ -7036,7 +9034,7 @@
           <p:cNvPr id="2" name="Title 1">
             <a:extLst>
               <a:ext uri="{FF2B5EF4-FFF2-40B4-BE49-F238E27FC236}">
-                <a16:creationId xmlns:a16="http://schemas.microsoft.com/office/drawing/2014/main" id="{E20F1933-72EC-B849-8E93-0D94860B9BC6}"/>
+                <a16:creationId xmlns:a16="http://schemas.microsoft.com/office/drawing/2014/main" id="{1205307A-88FF-A148-92DD-67B6F926B4FF}"/>
               </a:ext>
             </a:extLst>
           </p:cNvPr>
@@ -7052,10 +9050,7 @@
           <a:bodyPr/>
           <a:lstStyle/>
           <a:p>
-            <a:r>
-              <a:rPr lang="en-US" dirty="0"/>
-              <a:t>Chapter 2: Introduction to Agent-based Modelling</a:t>
-            </a:r>
+            <a:endParaRPr lang="en-US"/>
           </a:p>
         </p:txBody>
       </p:sp>
@@ -7064,7 +9059,7 @@
           <p:cNvPr id="3" name="Content Placeholder 2">
             <a:extLst>
               <a:ext uri="{FF2B5EF4-FFF2-40B4-BE49-F238E27FC236}">
-                <a16:creationId xmlns:a16="http://schemas.microsoft.com/office/drawing/2014/main" id="{D09F96D5-7F88-3244-ABA1-AE0299382A61}"/>
+                <a16:creationId xmlns:a16="http://schemas.microsoft.com/office/drawing/2014/main" id="{38DFF432-90FF-BE4B-B706-5698F65D9383}"/>
               </a:ext>
             </a:extLst>
           </p:cNvPr>
@@ -7087,7 +9082,7 @@
     </p:spTree>
     <p:extLst>
       <p:ext uri="{BB962C8B-B14F-4D97-AF65-F5344CB8AC3E}">
-        <p14:creationId xmlns:p14="http://schemas.microsoft.com/office/powerpoint/2010/main" val="4046290996"/>
+        <p14:creationId xmlns:p14="http://schemas.microsoft.com/office/powerpoint/2010/main" val="3805468121"/>
       </p:ext>
     </p:extLst>
   </p:cSld>
@@ -7097,7 +9092,129 @@
 </p:sld>
 </file>
 
-<file path=ppt/slides/slide14.xml><?xml version="1.0" encoding="utf-8"?>
+<file path=ppt/slides/slide2.xml><?xml version="1.0" encoding="utf-8"?>
+<p:sld xmlns:a="http://schemas.openxmlformats.org/drawingml/2006/main" xmlns:r="http://schemas.openxmlformats.org/officeDocument/2006/relationships" xmlns:p="http://schemas.openxmlformats.org/presentationml/2006/main">
+  <p:cSld>
+    <p:spTree>
+      <p:nvGrpSpPr>
+        <p:cNvPr id="1" name=""/>
+        <p:cNvGrpSpPr/>
+        <p:nvPr/>
+      </p:nvGrpSpPr>
+      <p:grpSpPr>
+        <a:xfrm>
+          <a:off x="0" y="0"/>
+          <a:ext cx="0" cy="0"/>
+          <a:chOff x="0" y="0"/>
+          <a:chExt cx="0" cy="0"/>
+        </a:xfrm>
+      </p:grpSpPr>
+      <p:sp>
+        <p:nvSpPr>
+          <p:cNvPr id="2" name="Title 1">
+            <a:extLst>
+              <a:ext uri="{FF2B5EF4-FFF2-40B4-BE49-F238E27FC236}">
+                <a16:creationId xmlns:a16="http://schemas.microsoft.com/office/drawing/2014/main" id="{07A38DDA-2150-1147-B1F2-04571D79B50E}"/>
+              </a:ext>
+            </a:extLst>
+          </p:cNvPr>
+          <p:cNvSpPr>
+            <a:spLocks noGrp="1"/>
+          </p:cNvSpPr>
+          <p:nvPr>
+            <p:ph type="title"/>
+          </p:nvPr>
+        </p:nvSpPr>
+        <p:spPr/>
+        <p:txBody>
+          <a:bodyPr/>
+          <a:lstStyle/>
+          <a:p>
+            <a:r>
+              <a:rPr lang="en-US" dirty="0"/>
+              <a:t>Learning Objectives</a:t>
+            </a:r>
+          </a:p>
+        </p:txBody>
+      </p:sp>
+      <p:sp>
+        <p:nvSpPr>
+          <p:cNvPr id="3" name="Content Placeholder 2">
+            <a:extLst>
+              <a:ext uri="{FF2B5EF4-FFF2-40B4-BE49-F238E27FC236}">
+                <a16:creationId xmlns:a16="http://schemas.microsoft.com/office/drawing/2014/main" id="{ADCCC874-872D-FA48-A5E3-8BFAA487818D}"/>
+              </a:ext>
+            </a:extLst>
+          </p:cNvPr>
+          <p:cNvSpPr>
+            <a:spLocks noGrp="1"/>
+          </p:cNvSpPr>
+          <p:nvPr>
+            <p:ph idx="1"/>
+          </p:nvPr>
+        </p:nvSpPr>
+        <p:spPr/>
+        <p:txBody>
+          <a:bodyPr/>
+          <a:lstStyle/>
+          <a:p>
+            <a:r>
+              <a:rPr lang="en-US" dirty="0"/>
+              <a:t>Introduce the textbook, structure and online resources. </a:t>
+            </a:r>
+          </a:p>
+          <a:p>
+            <a:r>
+              <a:rPr lang="en-US" dirty="0"/>
+              <a:t>Provide contextual background and general overview of the major developments in geographical modelling for the simulation of the individual.</a:t>
+            </a:r>
+          </a:p>
+          <a:p>
+            <a:pPr lvl="1"/>
+            <a:r>
+              <a:rPr lang="en-US" dirty="0"/>
+              <a:t>What is a model</a:t>
+            </a:r>
+          </a:p>
+          <a:p>
+            <a:pPr lvl="1"/>
+            <a:r>
+              <a:rPr lang="en-US" dirty="0"/>
+              <a:t>Introduce complexity theory</a:t>
+            </a:r>
+          </a:p>
+          <a:p>
+            <a:r>
+              <a:rPr lang="en-US" dirty="0"/>
+              <a:t>Set the scene for the upcoming chapters </a:t>
+            </a:r>
+          </a:p>
+          <a:p>
+            <a:pPr lvl="1"/>
+            <a:r>
+              <a:rPr lang="en-US" dirty="0"/>
+              <a:t>Provide a brief overview of the main topics covered in the book.</a:t>
+            </a:r>
+          </a:p>
+          <a:p>
+            <a:endParaRPr lang="en-US" dirty="0"/>
+          </a:p>
+        </p:txBody>
+      </p:sp>
+    </p:spTree>
+    <p:extLst>
+      <p:ext uri="{BB962C8B-B14F-4D97-AF65-F5344CB8AC3E}">
+        <p14:creationId xmlns:p14="http://schemas.microsoft.com/office/powerpoint/2010/main" val="1032833161"/>
+      </p:ext>
+    </p:extLst>
+  </p:cSld>
+  <p:clrMapOvr>
+    <a:masterClrMapping/>
+  </p:clrMapOvr>
+</p:sld>
+</file>
+
+<file path=ppt/slides/slide20.xml><?xml version="1.0" encoding="utf-8"?>
 <p:sld xmlns:a="http://schemas.openxmlformats.org/drawingml/2006/main" xmlns:r="http://schemas.openxmlformats.org/officeDocument/2006/relationships" xmlns:p="http://schemas.openxmlformats.org/presentationml/2006/main">
   <p:cSld>
     <p:bg>
@@ -7127,7 +9244,7 @@
       </p:grpSpPr>
       <p:sp>
         <p:nvSpPr>
-          <p:cNvPr id="15" name="Freeform: Shape 14">
+          <p:cNvPr id="8" name="Freeform: Shape 7">
             <a:extLst>
               <a:ext uri="{FF2B5EF4-FFF2-40B4-BE49-F238E27FC236}">
                 <a16:creationId xmlns:a16="http://schemas.microsoft.com/office/drawing/2014/main" id="{66B332A4-D438-4773-A77F-5ED49A448D9D}"/>
@@ -7293,7 +9410,7 @@
       </p:sp>
       <p:sp>
         <p:nvSpPr>
-          <p:cNvPr id="17" name="Freeform: Shape 16">
+          <p:cNvPr id="10" name="Freeform: Shape 9">
             <a:extLst>
               <a:ext uri="{FF2B5EF4-FFF2-40B4-BE49-F238E27FC236}">
                 <a16:creationId xmlns:a16="http://schemas.microsoft.com/office/drawing/2014/main" id="{DF9AD32D-FF05-44F4-BD4D-9CEE89B71EB9}"/>
@@ -7485,7 +9602,7 @@
           <a:p>
             <a:pPr algn="ctr"/>
             <a:r>
-              <a:rPr lang="en-US" sz="5400" dirty="0">
+              <a:rPr lang="en-US" sz="5400">
                 <a:solidFill>
                   <a:schemeClr val="bg1">
                     <a:lumMod val="95000"/>
@@ -7493,7 +9610,7 @@
                   </a:schemeClr>
                 </a:solidFill>
               </a:rPr>
-              <a:t>Chapter 3: Designing and Developing an Agent-based Model</a:t>
+              <a:t>Chapter 8: Networks</a:t>
             </a:r>
           </a:p>
         </p:txBody>
@@ -7501,7 +9618,7 @@
     </p:spTree>
     <p:extLst>
       <p:ext uri="{BB962C8B-B14F-4D97-AF65-F5344CB8AC3E}">
-        <p14:creationId xmlns:p14="http://schemas.microsoft.com/office/powerpoint/2010/main" val="762753879"/>
+        <p14:creationId xmlns:p14="http://schemas.microsoft.com/office/powerpoint/2010/main" val="461074598"/>
       </p:ext>
     </p:extLst>
   </p:cSld>
@@ -7511,7 +9628,7 @@
 </p:sld>
 </file>
 
-<file path=ppt/slides/slide15.xml><?xml version="1.0" encoding="utf-8"?>
+<file path=ppt/slides/slide21.xml><?xml version="1.0" encoding="utf-8"?>
 <p:sld xmlns:a="http://schemas.openxmlformats.org/drawingml/2006/main" xmlns:r="http://schemas.openxmlformats.org/officeDocument/2006/relationships" xmlns:p="http://schemas.openxmlformats.org/presentationml/2006/main">
   <p:cSld>
     <p:spTree>
@@ -7581,7 +9698,7 @@
     </p:spTree>
     <p:extLst>
       <p:ext uri="{BB962C8B-B14F-4D97-AF65-F5344CB8AC3E}">
-        <p14:creationId xmlns:p14="http://schemas.microsoft.com/office/powerpoint/2010/main" val="2772976810"/>
+        <p14:creationId xmlns:p14="http://schemas.microsoft.com/office/powerpoint/2010/main" val="2633936753"/>
       </p:ext>
     </p:extLst>
   </p:cSld>
@@ -7591,7 +9708,7 @@
 </p:sld>
 </file>
 
-<file path=ppt/slides/slide16.xml><?xml version="1.0" encoding="utf-8"?>
+<file path=ppt/slides/slide22.xml><?xml version="1.0" encoding="utf-8"?>
 <p:sld xmlns:a="http://schemas.openxmlformats.org/drawingml/2006/main" xmlns:r="http://schemas.openxmlformats.org/officeDocument/2006/relationships" xmlns:p="http://schemas.openxmlformats.org/presentationml/2006/main">
   <p:cSld>
     <p:bg>
@@ -7987,7 +10104,7 @@
                   </a:schemeClr>
                 </a:solidFill>
               </a:rPr>
-              <a:t>Chapter 4: Building Agent-Based Models with NetLogo</a:t>
+              <a:t>Chapter 9: Spatial Statistics</a:t>
             </a:r>
           </a:p>
         </p:txBody>
@@ -7995,7 +10112,7 @@
     </p:spTree>
     <p:extLst>
       <p:ext uri="{BB962C8B-B14F-4D97-AF65-F5344CB8AC3E}">
-        <p14:creationId xmlns:p14="http://schemas.microsoft.com/office/powerpoint/2010/main" val="2767816176"/>
+        <p14:creationId xmlns:p14="http://schemas.microsoft.com/office/powerpoint/2010/main" val="3036287095"/>
       </p:ext>
     </p:extLst>
   </p:cSld>
@@ -8005,7 +10122,7 @@
 </p:sld>
 </file>
 
-<file path=ppt/slides/slide17.xml><?xml version="1.0" encoding="utf-8"?>
+<file path=ppt/slides/slide23.xml><?xml version="1.0" encoding="utf-8"?>
 <p:sld xmlns:a="http://schemas.openxmlformats.org/drawingml/2006/main" xmlns:r="http://schemas.openxmlformats.org/officeDocument/2006/relationships" xmlns:p="http://schemas.openxmlformats.org/presentationml/2006/main">
   <p:cSld>
     <p:spTree>
@@ -8075,7 +10192,7 @@
     </p:spTree>
     <p:extLst>
       <p:ext uri="{BB962C8B-B14F-4D97-AF65-F5344CB8AC3E}">
-        <p14:creationId xmlns:p14="http://schemas.microsoft.com/office/powerpoint/2010/main" val="2619111523"/>
+        <p14:creationId xmlns:p14="http://schemas.microsoft.com/office/powerpoint/2010/main" val="3110479481"/>
       </p:ext>
     </p:extLst>
   </p:cSld>
@@ -8085,7 +10202,7 @@
 </p:sld>
 </file>
 
-<file path=ppt/slides/slide18.xml><?xml version="1.0" encoding="utf-8"?>
+<file path=ppt/slides/slide24.xml><?xml version="1.0" encoding="utf-8"?>
 <p:sld xmlns:a="http://schemas.openxmlformats.org/drawingml/2006/main" xmlns:r="http://schemas.openxmlformats.org/officeDocument/2006/relationships" xmlns:p="http://schemas.openxmlformats.org/presentationml/2006/main">
   <p:cSld>
     <p:bg>
@@ -8481,7 +10598,7 @@
                   </a:schemeClr>
                 </a:solidFill>
               </a:rPr>
-              <a:t>Chapter 5: Fundamentals of Geographical Information Systems</a:t>
+              <a:t>Chapter 10: Evaluating Models: Verification, Calibration, Validation</a:t>
             </a:r>
           </a:p>
         </p:txBody>
@@ -8489,7 +10606,7 @@
     </p:spTree>
     <p:extLst>
       <p:ext uri="{BB962C8B-B14F-4D97-AF65-F5344CB8AC3E}">
-        <p14:creationId xmlns:p14="http://schemas.microsoft.com/office/powerpoint/2010/main" val="2585265086"/>
+        <p14:creationId xmlns:p14="http://schemas.microsoft.com/office/powerpoint/2010/main" val="2713225905"/>
       </p:ext>
     </p:extLst>
   </p:cSld>
@@ -8499,7 +10616,7 @@
 </p:sld>
 </file>
 
-<file path=ppt/slides/slide19.xml><?xml version="1.0" encoding="utf-8"?>
+<file path=ppt/slides/slide25.xml><?xml version="1.0" encoding="utf-8"?>
 <p:sld xmlns:a="http://schemas.openxmlformats.org/drawingml/2006/main" xmlns:r="http://schemas.openxmlformats.org/officeDocument/2006/relationships" xmlns:p="http://schemas.openxmlformats.org/presentationml/2006/main">
   <p:cSld>
     <p:spTree>
@@ -8569,7 +10686,7 @@
     </p:spTree>
     <p:extLst>
       <p:ext uri="{BB962C8B-B14F-4D97-AF65-F5344CB8AC3E}">
-        <p14:creationId xmlns:p14="http://schemas.microsoft.com/office/powerpoint/2010/main" val="3705241263"/>
+        <p14:creationId xmlns:p14="http://schemas.microsoft.com/office/powerpoint/2010/main" val="1813088778"/>
       </p:ext>
     </p:extLst>
   </p:cSld>
@@ -8579,129 +10696,7 @@
 </p:sld>
 </file>
 
-<file path=ppt/slides/slide2.xml><?xml version="1.0" encoding="utf-8"?>
-<p:sld xmlns:a="http://schemas.openxmlformats.org/drawingml/2006/main" xmlns:r="http://schemas.openxmlformats.org/officeDocument/2006/relationships" xmlns:p="http://schemas.openxmlformats.org/presentationml/2006/main">
-  <p:cSld>
-    <p:spTree>
-      <p:nvGrpSpPr>
-        <p:cNvPr id="1" name=""/>
-        <p:cNvGrpSpPr/>
-        <p:nvPr/>
-      </p:nvGrpSpPr>
-      <p:grpSpPr>
-        <a:xfrm>
-          <a:off x="0" y="0"/>
-          <a:ext cx="0" cy="0"/>
-          <a:chOff x="0" y="0"/>
-          <a:chExt cx="0" cy="0"/>
-        </a:xfrm>
-      </p:grpSpPr>
-      <p:sp>
-        <p:nvSpPr>
-          <p:cNvPr id="2" name="Title 1">
-            <a:extLst>
-              <a:ext uri="{FF2B5EF4-FFF2-40B4-BE49-F238E27FC236}">
-                <a16:creationId xmlns:a16="http://schemas.microsoft.com/office/drawing/2014/main" id="{07A38DDA-2150-1147-B1F2-04571D79B50E}"/>
-              </a:ext>
-            </a:extLst>
-          </p:cNvPr>
-          <p:cNvSpPr>
-            <a:spLocks noGrp="1"/>
-          </p:cNvSpPr>
-          <p:nvPr>
-            <p:ph type="title"/>
-          </p:nvPr>
-        </p:nvSpPr>
-        <p:spPr/>
-        <p:txBody>
-          <a:bodyPr/>
-          <a:lstStyle/>
-          <a:p>
-            <a:r>
-              <a:rPr lang="en-US" dirty="0"/>
-              <a:t>Learning Objectives</a:t>
-            </a:r>
-          </a:p>
-        </p:txBody>
-      </p:sp>
-      <p:sp>
-        <p:nvSpPr>
-          <p:cNvPr id="3" name="Content Placeholder 2">
-            <a:extLst>
-              <a:ext uri="{FF2B5EF4-FFF2-40B4-BE49-F238E27FC236}">
-                <a16:creationId xmlns:a16="http://schemas.microsoft.com/office/drawing/2014/main" id="{ADCCC874-872D-FA48-A5E3-8BFAA487818D}"/>
-              </a:ext>
-            </a:extLst>
-          </p:cNvPr>
-          <p:cNvSpPr>
-            <a:spLocks noGrp="1"/>
-          </p:cNvSpPr>
-          <p:nvPr>
-            <p:ph idx="1"/>
-          </p:nvPr>
-        </p:nvSpPr>
-        <p:spPr/>
-        <p:txBody>
-          <a:bodyPr/>
-          <a:lstStyle/>
-          <a:p>
-            <a:r>
-              <a:rPr lang="en-US" dirty="0"/>
-              <a:t>Introduce the textbook, structure and online resources. </a:t>
-            </a:r>
-          </a:p>
-          <a:p>
-            <a:r>
-              <a:rPr lang="en-US" dirty="0"/>
-              <a:t>Provide contextual background and general overview of the major developments in geographical modelling for the simulation of the individual.</a:t>
-            </a:r>
-          </a:p>
-          <a:p>
-            <a:pPr lvl="1"/>
-            <a:r>
-              <a:rPr lang="en-US" dirty="0"/>
-              <a:t>What is a model</a:t>
-            </a:r>
-          </a:p>
-          <a:p>
-            <a:pPr lvl="1"/>
-            <a:r>
-              <a:rPr lang="en-US" dirty="0"/>
-              <a:t>Introduce complexity theory</a:t>
-            </a:r>
-          </a:p>
-          <a:p>
-            <a:r>
-              <a:rPr lang="en-US" dirty="0"/>
-              <a:t>Set the scene for the upcoming chapters </a:t>
-            </a:r>
-          </a:p>
-          <a:p>
-            <a:pPr lvl="1"/>
-            <a:r>
-              <a:rPr lang="en-US" dirty="0"/>
-              <a:t>Provide a brief overview of the main topics covered in the book.</a:t>
-            </a:r>
-          </a:p>
-          <a:p>
-            <a:endParaRPr lang="en-US" dirty="0"/>
-          </a:p>
-        </p:txBody>
-      </p:sp>
-    </p:spTree>
-    <p:extLst>
-      <p:ext uri="{BB962C8B-B14F-4D97-AF65-F5344CB8AC3E}">
-        <p14:creationId xmlns:p14="http://schemas.microsoft.com/office/powerpoint/2010/main" val="1032833161"/>
-      </p:ext>
-    </p:extLst>
-  </p:cSld>
-  <p:clrMapOvr>
-    <a:masterClrMapping/>
-  </p:clrMapOvr>
-</p:sld>
-</file>
-
-<file path=ppt/slides/slide20.xml><?xml version="1.0" encoding="utf-8"?>
+<file path=ppt/slides/slide26.xml><?xml version="1.0" encoding="utf-8"?>
 <p:sld xmlns:a="http://schemas.openxmlformats.org/drawingml/2006/main" xmlns:r="http://schemas.openxmlformats.org/officeDocument/2006/relationships" xmlns:p="http://schemas.openxmlformats.org/presentationml/2006/main">
   <p:cSld>
     <p:bg>
@@ -9097,7 +11092,7 @@
                   </a:schemeClr>
                 </a:solidFill>
               </a:rPr>
-              <a:t>Chapter 6: Integrating Agent-Based Modelling and GIS</a:t>
+              <a:t>Chapter 11: Alternative Modelling Approaches</a:t>
             </a:r>
           </a:p>
         </p:txBody>
@@ -9105,7 +11100,7 @@
     </p:spTree>
     <p:extLst>
       <p:ext uri="{BB962C8B-B14F-4D97-AF65-F5344CB8AC3E}">
-        <p14:creationId xmlns:p14="http://schemas.microsoft.com/office/powerpoint/2010/main" val="1452595173"/>
+        <p14:creationId xmlns:p14="http://schemas.microsoft.com/office/powerpoint/2010/main" val="692908193"/>
       </p:ext>
     </p:extLst>
   </p:cSld>
@@ -9115,7 +11110,7 @@
 </p:sld>
 </file>
 
-<file path=ppt/slides/slide21.xml><?xml version="1.0" encoding="utf-8"?>
+<file path=ppt/slides/slide27.xml><?xml version="1.0" encoding="utf-8"?>
 <p:sld xmlns:a="http://schemas.openxmlformats.org/drawingml/2006/main" xmlns:r="http://schemas.openxmlformats.org/officeDocument/2006/relationships" xmlns:p="http://schemas.openxmlformats.org/presentationml/2006/main">
   <p:cSld>
     <p:spTree>
@@ -9185,7 +11180,7 @@
     </p:spTree>
     <p:extLst>
       <p:ext uri="{BB962C8B-B14F-4D97-AF65-F5344CB8AC3E}">
-        <p14:creationId xmlns:p14="http://schemas.microsoft.com/office/powerpoint/2010/main" val="73947911"/>
+        <p14:creationId xmlns:p14="http://schemas.microsoft.com/office/powerpoint/2010/main" val="1281475136"/>
       </p:ext>
     </p:extLst>
   </p:cSld>
@@ -9195,7 +11190,7 @@
 </p:sld>
 </file>
 
-<file path=ppt/slides/slide22.xml><?xml version="1.0" encoding="utf-8"?>
+<file path=ppt/slides/slide28.xml><?xml version="1.0" encoding="utf-8"?>
 <p:sld xmlns:a="http://schemas.openxmlformats.org/drawingml/2006/main" xmlns:r="http://schemas.openxmlformats.org/officeDocument/2006/relationships" xmlns:p="http://schemas.openxmlformats.org/presentationml/2006/main">
   <p:cSld>
     <p:bg>
@@ -9591,7 +11586,7 @@
                   </a:schemeClr>
                 </a:solidFill>
               </a:rPr>
-              <a:t>Chapter 7: Modelling Human Behaviour</a:t>
+              <a:t>Chapter 12: Summary and Outlook</a:t>
             </a:r>
           </a:p>
         </p:txBody>
@@ -9599,7 +11594,7 @@
     </p:spTree>
     <p:extLst>
       <p:ext uri="{BB962C8B-B14F-4D97-AF65-F5344CB8AC3E}">
-        <p14:creationId xmlns:p14="http://schemas.microsoft.com/office/powerpoint/2010/main" val="1632113489"/>
+        <p14:creationId xmlns:p14="http://schemas.microsoft.com/office/powerpoint/2010/main" val="3198986930"/>
       </p:ext>
     </p:extLst>
   </p:cSld>
@@ -9609,7 +11604,7 @@
 </p:sld>
 </file>
 
-<file path=ppt/slides/slide23.xml><?xml version="1.0" encoding="utf-8"?>
+<file path=ppt/slides/slide29.xml><?xml version="1.0" encoding="utf-8"?>
 <p:sld xmlns:a="http://schemas.openxmlformats.org/drawingml/2006/main" xmlns:r="http://schemas.openxmlformats.org/officeDocument/2006/relationships" xmlns:p="http://schemas.openxmlformats.org/presentationml/2006/main">
   <p:cSld>
     <p:spTree>
@@ -9679,1828 +11674,12 @@
     </p:spTree>
     <p:extLst>
       <p:ext uri="{BB962C8B-B14F-4D97-AF65-F5344CB8AC3E}">
-        <p14:creationId xmlns:p14="http://schemas.microsoft.com/office/powerpoint/2010/main" val="3805468121"/>
+        <p14:creationId xmlns:p14="http://schemas.microsoft.com/office/powerpoint/2010/main" val="2950689444"/>
       </p:ext>
     </p:extLst>
   </p:cSld>
   <p:clrMapOvr>
     <a:masterClrMapping/>
-  </p:clrMapOvr>
-</p:sld>
-</file>
-
-<file path=ppt/slides/slide24.xml><?xml version="1.0" encoding="utf-8"?>
-<p:sld xmlns:a="http://schemas.openxmlformats.org/drawingml/2006/main" xmlns:r="http://schemas.openxmlformats.org/officeDocument/2006/relationships" xmlns:p="http://schemas.openxmlformats.org/presentationml/2006/main">
-  <p:cSld>
-    <p:bg>
-      <p:bgPr>
-        <a:solidFill>
-          <a:schemeClr val="bg1">
-            <a:tint val="95000"/>
-            <a:satMod val="170000"/>
-          </a:schemeClr>
-        </a:solidFill>
-        <a:effectLst/>
-      </p:bgPr>
-    </p:bg>
-    <p:spTree>
-      <p:nvGrpSpPr>
-        <p:cNvPr id="1" name=""/>
-        <p:cNvGrpSpPr/>
-        <p:nvPr/>
-      </p:nvGrpSpPr>
-      <p:grpSpPr>
-        <a:xfrm>
-          <a:off x="0" y="0"/>
-          <a:ext cx="0" cy="0"/>
-          <a:chOff x="0" y="0"/>
-          <a:chExt cx="0" cy="0"/>
-        </a:xfrm>
-      </p:grpSpPr>
-      <p:sp>
-        <p:nvSpPr>
-          <p:cNvPr id="8" name="Freeform: Shape 7">
-            <a:extLst>
-              <a:ext uri="{FF2B5EF4-FFF2-40B4-BE49-F238E27FC236}">
-                <a16:creationId xmlns:a16="http://schemas.microsoft.com/office/drawing/2014/main" id="{66B332A4-D438-4773-A77F-5ED49A448D9D}"/>
-              </a:ext>
-              <a:ext uri="{C183D7F6-B498-43B3-948B-1728B52AA6E4}">
-                <adec:decorative xmlns:adec="http://schemas.microsoft.com/office/drawing/2017/decorative" val="1"/>
-              </a:ext>
-            </a:extLst>
-          </p:cNvPr>
-          <p:cNvSpPr>
-            <a:spLocks noGrp="1" noRot="1" noChangeAspect="1" noMove="1" noResize="1" noEditPoints="1" noAdjustHandles="1" noChangeArrowheads="1" noChangeShapeType="1" noTextEdit="1"/>
-          </p:cNvSpPr>
-          <p:nvPr>
-            <p:extLst>
-              <p:ext uri="{386F3935-93C4-4BCD-93E2-E3B085C9AB24}">
-                <p16:designElem xmlns:p16="http://schemas.microsoft.com/office/powerpoint/2015/main" val="1"/>
-              </p:ext>
-            </p:extLst>
-          </p:nvPr>
-        </p:nvSpPr>
-        <p:spPr>
-          <a:xfrm>
-            <a:off x="1953768" y="0"/>
-            <a:ext cx="8284464" cy="6858000"/>
-          </a:xfrm>
-          <a:custGeom>
-            <a:avLst/>
-            <a:gdLst>
-              <a:gd name="connsiteX0" fmla="*/ 1818109 w 8284464"/>
-              <a:gd name="connsiteY0" fmla="*/ 0 h 6858000"/>
-              <a:gd name="connsiteX1" fmla="*/ 6466355 w 8284464"/>
-              <a:gd name="connsiteY1" fmla="*/ 0 h 6858000"/>
-              <a:gd name="connsiteX2" fmla="*/ 6620596 w 8284464"/>
-              <a:gd name="connsiteY2" fmla="*/ 109683 h 6858000"/>
-              <a:gd name="connsiteX3" fmla="*/ 8284464 w 8284464"/>
-              <a:gd name="connsiteY3" fmla="*/ 3429000 h 6858000"/>
-              <a:gd name="connsiteX4" fmla="*/ 6620596 w 8284464"/>
-              <a:gd name="connsiteY4" fmla="*/ 6748318 h 6858000"/>
-              <a:gd name="connsiteX5" fmla="*/ 6466355 w 8284464"/>
-              <a:gd name="connsiteY5" fmla="*/ 6858000 h 6858000"/>
-              <a:gd name="connsiteX6" fmla="*/ 1818109 w 8284464"/>
-              <a:gd name="connsiteY6" fmla="*/ 6858000 h 6858000"/>
-              <a:gd name="connsiteX7" fmla="*/ 1663869 w 8284464"/>
-              <a:gd name="connsiteY7" fmla="*/ 6748318 h 6858000"/>
-              <a:gd name="connsiteX8" fmla="*/ 0 w 8284464"/>
-              <a:gd name="connsiteY8" fmla="*/ 3429000 h 6858000"/>
-              <a:gd name="connsiteX9" fmla="*/ 1663869 w 8284464"/>
-              <a:gd name="connsiteY9" fmla="*/ 109683 h 6858000"/>
-            </a:gdLst>
-            <a:ahLst/>
-            <a:cxnLst>
-              <a:cxn ang="0">
-                <a:pos x="connsiteX0" y="connsiteY0"/>
-              </a:cxn>
-              <a:cxn ang="0">
-                <a:pos x="connsiteX1" y="connsiteY1"/>
-              </a:cxn>
-              <a:cxn ang="0">
-                <a:pos x="connsiteX2" y="connsiteY2"/>
-              </a:cxn>
-              <a:cxn ang="0">
-                <a:pos x="connsiteX3" y="connsiteY3"/>
-              </a:cxn>
-              <a:cxn ang="0">
-                <a:pos x="connsiteX4" y="connsiteY4"/>
-              </a:cxn>
-              <a:cxn ang="0">
-                <a:pos x="connsiteX5" y="connsiteY5"/>
-              </a:cxn>
-              <a:cxn ang="0">
-                <a:pos x="connsiteX6" y="connsiteY6"/>
-              </a:cxn>
-              <a:cxn ang="0">
-                <a:pos x="connsiteX7" y="connsiteY7"/>
-              </a:cxn>
-              <a:cxn ang="0">
-                <a:pos x="connsiteX8" y="connsiteY8"/>
-              </a:cxn>
-              <a:cxn ang="0">
-                <a:pos x="connsiteX9" y="connsiteY9"/>
-              </a:cxn>
-            </a:cxnLst>
-            <a:rect l="l" t="t" r="r" b="b"/>
-            <a:pathLst>
-              <a:path w="8284464" h="6858000">
-                <a:moveTo>
-                  <a:pt x="1818109" y="0"/>
-                </a:moveTo>
-                <a:lnTo>
-                  <a:pt x="6466355" y="0"/>
-                </a:lnTo>
-                <a:lnTo>
-                  <a:pt x="6620596" y="109683"/>
-                </a:lnTo>
-                <a:cubicBezTo>
-                  <a:pt x="7630666" y="865069"/>
-                  <a:pt x="8284464" y="2070683"/>
-                  <a:pt x="8284464" y="3429000"/>
-                </a:cubicBezTo>
-                <a:cubicBezTo>
-                  <a:pt x="8284464" y="4787317"/>
-                  <a:pt x="7630666" y="5992931"/>
-                  <a:pt x="6620596" y="6748318"/>
-                </a:cubicBezTo>
-                <a:lnTo>
-                  <a:pt x="6466355" y="6858000"/>
-                </a:lnTo>
-                <a:lnTo>
-                  <a:pt x="1818109" y="6858000"/>
-                </a:lnTo>
-                <a:lnTo>
-                  <a:pt x="1663869" y="6748318"/>
-                </a:lnTo>
-                <a:cubicBezTo>
-                  <a:pt x="653798" y="5992931"/>
-                  <a:pt x="0" y="4787317"/>
-                  <a:pt x="0" y="3429000"/>
-                </a:cubicBezTo>
-                <a:cubicBezTo>
-                  <a:pt x="0" y="2070683"/>
-                  <a:pt x="653798" y="865069"/>
-                  <a:pt x="1663869" y="109683"/>
-                </a:cubicBezTo>
-                <a:close/>
-              </a:path>
-            </a:pathLst>
-          </a:custGeom>
-          <a:solidFill>
-            <a:srgbClr val="FFFFFF">
-              <a:alpha val="80000"/>
-            </a:srgbClr>
-          </a:solidFill>
-          <a:ln>
-            <a:noFill/>
-          </a:ln>
-        </p:spPr>
-        <p:style>
-          <a:lnRef idx="2">
-            <a:schemeClr val="accent1">
-              <a:shade val="50000"/>
-            </a:schemeClr>
-          </a:lnRef>
-          <a:fillRef idx="1">
-            <a:schemeClr val="accent1"/>
-          </a:fillRef>
-          <a:effectRef idx="0">
-            <a:schemeClr val="accent1"/>
-          </a:effectRef>
-          <a:fontRef idx="minor">
-            <a:schemeClr val="lt1"/>
-          </a:fontRef>
-        </p:style>
-        <p:txBody>
-          <a:bodyPr wrap="square" rtlCol="0" anchor="ctr">
-            <a:noAutofit/>
-          </a:bodyPr>
-          <a:lstStyle/>
-          <a:p>
-            <a:pPr algn="ctr"/>
-            <a:endParaRPr lang="en-US"/>
-          </a:p>
-        </p:txBody>
-      </p:sp>
-      <p:sp>
-        <p:nvSpPr>
-          <p:cNvPr id="10" name="Freeform: Shape 9">
-            <a:extLst>
-              <a:ext uri="{FF2B5EF4-FFF2-40B4-BE49-F238E27FC236}">
-                <a16:creationId xmlns:a16="http://schemas.microsoft.com/office/drawing/2014/main" id="{DF9AD32D-FF05-44F4-BD4D-9CEE89B71EB9}"/>
-              </a:ext>
-              <a:ext uri="{C183D7F6-B498-43B3-948B-1728B52AA6E4}">
-                <adec:decorative xmlns:adec="http://schemas.microsoft.com/office/drawing/2017/decorative" val="1"/>
-              </a:ext>
-            </a:extLst>
-          </p:cNvPr>
-          <p:cNvSpPr>
-            <a:spLocks noGrp="1" noRot="1" noChangeAspect="1" noMove="1" noResize="1" noEditPoints="1" noAdjustHandles="1" noChangeArrowheads="1" noChangeShapeType="1" noTextEdit="1"/>
-          </p:cNvSpPr>
-          <p:nvPr>
-            <p:extLst>
-              <p:ext uri="{386F3935-93C4-4BCD-93E2-E3B085C9AB24}">
-                <p16:designElem xmlns:p16="http://schemas.microsoft.com/office/powerpoint/2015/main" val="1"/>
-              </p:ext>
-            </p:extLst>
-          </p:nvPr>
-        </p:nvSpPr>
-        <p:spPr>
-          <a:xfrm>
-            <a:off x="2118360" y="0"/>
-            <a:ext cx="7955280" cy="6858000"/>
-          </a:xfrm>
-          <a:custGeom>
-            <a:avLst/>
-            <a:gdLst>
-              <a:gd name="connsiteX0" fmla="*/ 1962423 w 7955280"/>
-              <a:gd name="connsiteY0" fmla="*/ 0 h 6858000"/>
-              <a:gd name="connsiteX1" fmla="*/ 5992858 w 7955280"/>
-              <a:gd name="connsiteY1" fmla="*/ 0 h 6858000"/>
-              <a:gd name="connsiteX2" fmla="*/ 6040191 w 7955280"/>
-              <a:gd name="connsiteY2" fmla="*/ 27216 h 6858000"/>
-              <a:gd name="connsiteX3" fmla="*/ 7955280 w 7955280"/>
-              <a:gd name="connsiteY3" fmla="*/ 3429000 h 6858000"/>
-              <a:gd name="connsiteX4" fmla="*/ 6040191 w 7955280"/>
-              <a:gd name="connsiteY4" fmla="*/ 6830784 h 6858000"/>
-              <a:gd name="connsiteX5" fmla="*/ 5992858 w 7955280"/>
-              <a:gd name="connsiteY5" fmla="*/ 6858000 h 6858000"/>
-              <a:gd name="connsiteX6" fmla="*/ 1962423 w 7955280"/>
-              <a:gd name="connsiteY6" fmla="*/ 6858000 h 6858000"/>
-              <a:gd name="connsiteX7" fmla="*/ 1915089 w 7955280"/>
-              <a:gd name="connsiteY7" fmla="*/ 6830784 h 6858000"/>
-              <a:gd name="connsiteX8" fmla="*/ 0 w 7955280"/>
-              <a:gd name="connsiteY8" fmla="*/ 3429000 h 6858000"/>
-              <a:gd name="connsiteX9" fmla="*/ 1915089 w 7955280"/>
-              <a:gd name="connsiteY9" fmla="*/ 27216 h 6858000"/>
-            </a:gdLst>
-            <a:ahLst/>
-            <a:cxnLst>
-              <a:cxn ang="0">
-                <a:pos x="connsiteX0" y="connsiteY0"/>
-              </a:cxn>
-              <a:cxn ang="0">
-                <a:pos x="connsiteX1" y="connsiteY1"/>
-              </a:cxn>
-              <a:cxn ang="0">
-                <a:pos x="connsiteX2" y="connsiteY2"/>
-              </a:cxn>
-              <a:cxn ang="0">
-                <a:pos x="connsiteX3" y="connsiteY3"/>
-              </a:cxn>
-              <a:cxn ang="0">
-                <a:pos x="connsiteX4" y="connsiteY4"/>
-              </a:cxn>
-              <a:cxn ang="0">
-                <a:pos x="connsiteX5" y="connsiteY5"/>
-              </a:cxn>
-              <a:cxn ang="0">
-                <a:pos x="connsiteX6" y="connsiteY6"/>
-              </a:cxn>
-              <a:cxn ang="0">
-                <a:pos x="connsiteX7" y="connsiteY7"/>
-              </a:cxn>
-              <a:cxn ang="0">
-                <a:pos x="connsiteX8" y="connsiteY8"/>
-              </a:cxn>
-              <a:cxn ang="0">
-                <a:pos x="connsiteX9" y="connsiteY9"/>
-              </a:cxn>
-            </a:cxnLst>
-            <a:rect l="l" t="t" r="r" b="b"/>
-            <a:pathLst>
-              <a:path w="7955280" h="6858000">
-                <a:moveTo>
-                  <a:pt x="1962423" y="0"/>
-                </a:moveTo>
-                <a:lnTo>
-                  <a:pt x="5992858" y="0"/>
-                </a:lnTo>
-                <a:lnTo>
-                  <a:pt x="6040191" y="27216"/>
-                </a:lnTo>
-                <a:cubicBezTo>
-                  <a:pt x="7188332" y="724844"/>
-                  <a:pt x="7955280" y="1987357"/>
-                  <a:pt x="7955280" y="3429000"/>
-                </a:cubicBezTo>
-                <a:cubicBezTo>
-                  <a:pt x="7955280" y="4870644"/>
-                  <a:pt x="7188332" y="6133157"/>
-                  <a:pt x="6040191" y="6830784"/>
-                </a:cubicBezTo>
-                <a:lnTo>
-                  <a:pt x="5992858" y="6858000"/>
-                </a:lnTo>
-                <a:lnTo>
-                  <a:pt x="1962423" y="6858000"/>
-                </a:lnTo>
-                <a:lnTo>
-                  <a:pt x="1915089" y="6830784"/>
-                </a:lnTo>
-                <a:cubicBezTo>
-                  <a:pt x="766948" y="6133157"/>
-                  <a:pt x="0" y="4870644"/>
-                  <a:pt x="0" y="3429000"/>
-                </a:cubicBezTo>
-                <a:cubicBezTo>
-                  <a:pt x="0" y="1987357"/>
-                  <a:pt x="766948" y="724844"/>
-                  <a:pt x="1915089" y="27216"/>
-                </a:cubicBezTo>
-                <a:close/>
-              </a:path>
-            </a:pathLst>
-          </a:custGeom>
-          <a:solidFill>
-            <a:schemeClr val="tx1"/>
-          </a:solidFill>
-          <a:ln>
-            <a:noFill/>
-          </a:ln>
-        </p:spPr>
-        <p:style>
-          <a:lnRef idx="2">
-            <a:schemeClr val="accent1">
-              <a:shade val="50000"/>
-            </a:schemeClr>
-          </a:lnRef>
-          <a:fillRef idx="1">
-            <a:schemeClr val="accent1"/>
-          </a:fillRef>
-          <a:effectRef idx="0">
-            <a:schemeClr val="accent1"/>
-          </a:effectRef>
-          <a:fontRef idx="minor">
-            <a:schemeClr val="lt1"/>
-          </a:fontRef>
-        </p:style>
-        <p:txBody>
-          <a:bodyPr wrap="square" rtlCol="0" anchor="ctr">
-            <a:noAutofit/>
-          </a:bodyPr>
-          <a:lstStyle/>
-          <a:p>
-            <a:pPr algn="ctr"/>
-            <a:endParaRPr lang="en-US"/>
-          </a:p>
-        </p:txBody>
-      </p:sp>
-      <p:sp>
-        <p:nvSpPr>
-          <p:cNvPr id="2" name="Title 1">
-            <a:extLst>
-              <a:ext uri="{FF2B5EF4-FFF2-40B4-BE49-F238E27FC236}">
-                <a16:creationId xmlns:a16="http://schemas.microsoft.com/office/drawing/2014/main" id="{44DBCF65-81D9-F543-ACE8-4FDCA4590571}"/>
-              </a:ext>
-            </a:extLst>
-          </p:cNvPr>
-          <p:cNvSpPr>
-            <a:spLocks noGrp="1"/>
-          </p:cNvSpPr>
-          <p:nvPr>
-            <p:ph type="title"/>
-          </p:nvPr>
-        </p:nvSpPr>
-        <p:spPr>
-          <a:xfrm>
-            <a:off x="2555631" y="1441938"/>
-            <a:ext cx="7080738" cy="3974124"/>
-          </a:xfrm>
-        </p:spPr>
-        <p:txBody>
-          <a:bodyPr vert="horz" lIns="91440" tIns="45720" rIns="91440" bIns="45720" rtlCol="0" anchor="ctr">
-            <a:normAutofit/>
-          </a:bodyPr>
-          <a:lstStyle/>
-          <a:p>
-            <a:pPr algn="ctr"/>
-            <a:r>
-              <a:rPr lang="en-US" sz="5400">
-                <a:solidFill>
-                  <a:schemeClr val="bg1">
-                    <a:lumMod val="95000"/>
-                    <a:lumOff val="5000"/>
-                  </a:schemeClr>
-                </a:solidFill>
-              </a:rPr>
-              <a:t>Chapter 8: Networks</a:t>
-            </a:r>
-          </a:p>
-        </p:txBody>
-      </p:sp>
-    </p:spTree>
-    <p:extLst>
-      <p:ext uri="{BB962C8B-B14F-4D97-AF65-F5344CB8AC3E}">
-        <p14:creationId xmlns:p14="http://schemas.microsoft.com/office/powerpoint/2010/main" val="461074598"/>
-      </p:ext>
-    </p:extLst>
-  </p:cSld>
-  <p:clrMapOvr>
-    <a:overrideClrMapping bg1="dk1" tx1="lt1" bg2="dk2" tx2="lt2" accent1="accent1" accent2="accent2" accent3="accent3" accent4="accent4" accent5="accent5" accent6="accent6" hlink="hlink" folHlink="folHlink"/>
-  </p:clrMapOvr>
-</p:sld>
-</file>
-
-<file path=ppt/slides/slide25.xml><?xml version="1.0" encoding="utf-8"?>
-<p:sld xmlns:a="http://schemas.openxmlformats.org/drawingml/2006/main" xmlns:r="http://schemas.openxmlformats.org/officeDocument/2006/relationships" xmlns:p="http://schemas.openxmlformats.org/presentationml/2006/main">
-  <p:cSld>
-    <p:bg>
-      <p:bgPr>
-        <a:solidFill>
-          <a:schemeClr val="bg1">
-            <a:tint val="95000"/>
-            <a:satMod val="170000"/>
-          </a:schemeClr>
-        </a:solidFill>
-        <a:effectLst/>
-      </p:bgPr>
-    </p:bg>
-    <p:spTree>
-      <p:nvGrpSpPr>
-        <p:cNvPr id="1" name=""/>
-        <p:cNvGrpSpPr/>
-        <p:nvPr/>
-      </p:nvGrpSpPr>
-      <p:grpSpPr>
-        <a:xfrm>
-          <a:off x="0" y="0"/>
-          <a:ext cx="0" cy="0"/>
-          <a:chOff x="0" y="0"/>
-          <a:chExt cx="0" cy="0"/>
-        </a:xfrm>
-      </p:grpSpPr>
-      <p:sp>
-        <p:nvSpPr>
-          <p:cNvPr id="8" name="Freeform: Shape 7">
-            <a:extLst>
-              <a:ext uri="{FF2B5EF4-FFF2-40B4-BE49-F238E27FC236}">
-                <a16:creationId xmlns:a16="http://schemas.microsoft.com/office/drawing/2014/main" id="{66B332A4-D438-4773-A77F-5ED49A448D9D}"/>
-              </a:ext>
-              <a:ext uri="{C183D7F6-B498-43B3-948B-1728B52AA6E4}">
-                <adec:decorative xmlns:adec="http://schemas.microsoft.com/office/drawing/2017/decorative" val="1"/>
-              </a:ext>
-            </a:extLst>
-          </p:cNvPr>
-          <p:cNvSpPr>
-            <a:spLocks noGrp="1" noRot="1" noChangeAspect="1" noMove="1" noResize="1" noEditPoints="1" noAdjustHandles="1" noChangeArrowheads="1" noChangeShapeType="1" noTextEdit="1"/>
-          </p:cNvSpPr>
-          <p:nvPr>
-            <p:extLst>
-              <p:ext uri="{386F3935-93C4-4BCD-93E2-E3B085C9AB24}">
-                <p16:designElem xmlns:p16="http://schemas.microsoft.com/office/powerpoint/2015/main" val="1"/>
-              </p:ext>
-            </p:extLst>
-          </p:nvPr>
-        </p:nvSpPr>
-        <p:spPr>
-          <a:xfrm>
-            <a:off x="1953768" y="0"/>
-            <a:ext cx="8284464" cy="6858000"/>
-          </a:xfrm>
-          <a:custGeom>
-            <a:avLst/>
-            <a:gdLst>
-              <a:gd name="connsiteX0" fmla="*/ 1818109 w 8284464"/>
-              <a:gd name="connsiteY0" fmla="*/ 0 h 6858000"/>
-              <a:gd name="connsiteX1" fmla="*/ 6466355 w 8284464"/>
-              <a:gd name="connsiteY1" fmla="*/ 0 h 6858000"/>
-              <a:gd name="connsiteX2" fmla="*/ 6620596 w 8284464"/>
-              <a:gd name="connsiteY2" fmla="*/ 109683 h 6858000"/>
-              <a:gd name="connsiteX3" fmla="*/ 8284464 w 8284464"/>
-              <a:gd name="connsiteY3" fmla="*/ 3429000 h 6858000"/>
-              <a:gd name="connsiteX4" fmla="*/ 6620596 w 8284464"/>
-              <a:gd name="connsiteY4" fmla="*/ 6748318 h 6858000"/>
-              <a:gd name="connsiteX5" fmla="*/ 6466355 w 8284464"/>
-              <a:gd name="connsiteY5" fmla="*/ 6858000 h 6858000"/>
-              <a:gd name="connsiteX6" fmla="*/ 1818109 w 8284464"/>
-              <a:gd name="connsiteY6" fmla="*/ 6858000 h 6858000"/>
-              <a:gd name="connsiteX7" fmla="*/ 1663869 w 8284464"/>
-              <a:gd name="connsiteY7" fmla="*/ 6748318 h 6858000"/>
-              <a:gd name="connsiteX8" fmla="*/ 0 w 8284464"/>
-              <a:gd name="connsiteY8" fmla="*/ 3429000 h 6858000"/>
-              <a:gd name="connsiteX9" fmla="*/ 1663869 w 8284464"/>
-              <a:gd name="connsiteY9" fmla="*/ 109683 h 6858000"/>
-            </a:gdLst>
-            <a:ahLst/>
-            <a:cxnLst>
-              <a:cxn ang="0">
-                <a:pos x="connsiteX0" y="connsiteY0"/>
-              </a:cxn>
-              <a:cxn ang="0">
-                <a:pos x="connsiteX1" y="connsiteY1"/>
-              </a:cxn>
-              <a:cxn ang="0">
-                <a:pos x="connsiteX2" y="connsiteY2"/>
-              </a:cxn>
-              <a:cxn ang="0">
-                <a:pos x="connsiteX3" y="connsiteY3"/>
-              </a:cxn>
-              <a:cxn ang="0">
-                <a:pos x="connsiteX4" y="connsiteY4"/>
-              </a:cxn>
-              <a:cxn ang="0">
-                <a:pos x="connsiteX5" y="connsiteY5"/>
-              </a:cxn>
-              <a:cxn ang="0">
-                <a:pos x="connsiteX6" y="connsiteY6"/>
-              </a:cxn>
-              <a:cxn ang="0">
-                <a:pos x="connsiteX7" y="connsiteY7"/>
-              </a:cxn>
-              <a:cxn ang="0">
-                <a:pos x="connsiteX8" y="connsiteY8"/>
-              </a:cxn>
-              <a:cxn ang="0">
-                <a:pos x="connsiteX9" y="connsiteY9"/>
-              </a:cxn>
-            </a:cxnLst>
-            <a:rect l="l" t="t" r="r" b="b"/>
-            <a:pathLst>
-              <a:path w="8284464" h="6858000">
-                <a:moveTo>
-                  <a:pt x="1818109" y="0"/>
-                </a:moveTo>
-                <a:lnTo>
-                  <a:pt x="6466355" y="0"/>
-                </a:lnTo>
-                <a:lnTo>
-                  <a:pt x="6620596" y="109683"/>
-                </a:lnTo>
-                <a:cubicBezTo>
-                  <a:pt x="7630666" y="865069"/>
-                  <a:pt x="8284464" y="2070683"/>
-                  <a:pt x="8284464" y="3429000"/>
-                </a:cubicBezTo>
-                <a:cubicBezTo>
-                  <a:pt x="8284464" y="4787317"/>
-                  <a:pt x="7630666" y="5992931"/>
-                  <a:pt x="6620596" y="6748318"/>
-                </a:cubicBezTo>
-                <a:lnTo>
-                  <a:pt x="6466355" y="6858000"/>
-                </a:lnTo>
-                <a:lnTo>
-                  <a:pt x="1818109" y="6858000"/>
-                </a:lnTo>
-                <a:lnTo>
-                  <a:pt x="1663869" y="6748318"/>
-                </a:lnTo>
-                <a:cubicBezTo>
-                  <a:pt x="653798" y="5992931"/>
-                  <a:pt x="0" y="4787317"/>
-                  <a:pt x="0" y="3429000"/>
-                </a:cubicBezTo>
-                <a:cubicBezTo>
-                  <a:pt x="0" y="2070683"/>
-                  <a:pt x="653798" y="865069"/>
-                  <a:pt x="1663869" y="109683"/>
-                </a:cubicBezTo>
-                <a:close/>
-              </a:path>
-            </a:pathLst>
-          </a:custGeom>
-          <a:solidFill>
-            <a:srgbClr val="FFFFFF">
-              <a:alpha val="80000"/>
-            </a:srgbClr>
-          </a:solidFill>
-          <a:ln>
-            <a:noFill/>
-          </a:ln>
-        </p:spPr>
-        <p:style>
-          <a:lnRef idx="2">
-            <a:schemeClr val="accent1">
-              <a:shade val="50000"/>
-            </a:schemeClr>
-          </a:lnRef>
-          <a:fillRef idx="1">
-            <a:schemeClr val="accent1"/>
-          </a:fillRef>
-          <a:effectRef idx="0">
-            <a:schemeClr val="accent1"/>
-          </a:effectRef>
-          <a:fontRef idx="minor">
-            <a:schemeClr val="lt1"/>
-          </a:fontRef>
-        </p:style>
-        <p:txBody>
-          <a:bodyPr wrap="square" rtlCol="0" anchor="ctr">
-            <a:noAutofit/>
-          </a:bodyPr>
-          <a:lstStyle/>
-          <a:p>
-            <a:pPr algn="ctr"/>
-            <a:endParaRPr lang="en-US"/>
-          </a:p>
-        </p:txBody>
-      </p:sp>
-      <p:sp>
-        <p:nvSpPr>
-          <p:cNvPr id="10" name="Freeform: Shape 9">
-            <a:extLst>
-              <a:ext uri="{FF2B5EF4-FFF2-40B4-BE49-F238E27FC236}">
-                <a16:creationId xmlns:a16="http://schemas.microsoft.com/office/drawing/2014/main" id="{DF9AD32D-FF05-44F4-BD4D-9CEE89B71EB9}"/>
-              </a:ext>
-              <a:ext uri="{C183D7F6-B498-43B3-948B-1728B52AA6E4}">
-                <adec:decorative xmlns:adec="http://schemas.microsoft.com/office/drawing/2017/decorative" val="1"/>
-              </a:ext>
-            </a:extLst>
-          </p:cNvPr>
-          <p:cNvSpPr>
-            <a:spLocks noGrp="1" noRot="1" noChangeAspect="1" noMove="1" noResize="1" noEditPoints="1" noAdjustHandles="1" noChangeArrowheads="1" noChangeShapeType="1" noTextEdit="1"/>
-          </p:cNvSpPr>
-          <p:nvPr>
-            <p:extLst>
-              <p:ext uri="{386F3935-93C4-4BCD-93E2-E3B085C9AB24}">
-                <p16:designElem xmlns:p16="http://schemas.microsoft.com/office/powerpoint/2015/main" val="1"/>
-              </p:ext>
-            </p:extLst>
-          </p:nvPr>
-        </p:nvSpPr>
-        <p:spPr>
-          <a:xfrm>
-            <a:off x="2118360" y="0"/>
-            <a:ext cx="7955280" cy="6858000"/>
-          </a:xfrm>
-          <a:custGeom>
-            <a:avLst/>
-            <a:gdLst>
-              <a:gd name="connsiteX0" fmla="*/ 1962423 w 7955280"/>
-              <a:gd name="connsiteY0" fmla="*/ 0 h 6858000"/>
-              <a:gd name="connsiteX1" fmla="*/ 5992858 w 7955280"/>
-              <a:gd name="connsiteY1" fmla="*/ 0 h 6858000"/>
-              <a:gd name="connsiteX2" fmla="*/ 6040191 w 7955280"/>
-              <a:gd name="connsiteY2" fmla="*/ 27216 h 6858000"/>
-              <a:gd name="connsiteX3" fmla="*/ 7955280 w 7955280"/>
-              <a:gd name="connsiteY3" fmla="*/ 3429000 h 6858000"/>
-              <a:gd name="connsiteX4" fmla="*/ 6040191 w 7955280"/>
-              <a:gd name="connsiteY4" fmla="*/ 6830784 h 6858000"/>
-              <a:gd name="connsiteX5" fmla="*/ 5992858 w 7955280"/>
-              <a:gd name="connsiteY5" fmla="*/ 6858000 h 6858000"/>
-              <a:gd name="connsiteX6" fmla="*/ 1962423 w 7955280"/>
-              <a:gd name="connsiteY6" fmla="*/ 6858000 h 6858000"/>
-              <a:gd name="connsiteX7" fmla="*/ 1915089 w 7955280"/>
-              <a:gd name="connsiteY7" fmla="*/ 6830784 h 6858000"/>
-              <a:gd name="connsiteX8" fmla="*/ 0 w 7955280"/>
-              <a:gd name="connsiteY8" fmla="*/ 3429000 h 6858000"/>
-              <a:gd name="connsiteX9" fmla="*/ 1915089 w 7955280"/>
-              <a:gd name="connsiteY9" fmla="*/ 27216 h 6858000"/>
-            </a:gdLst>
-            <a:ahLst/>
-            <a:cxnLst>
-              <a:cxn ang="0">
-                <a:pos x="connsiteX0" y="connsiteY0"/>
-              </a:cxn>
-              <a:cxn ang="0">
-                <a:pos x="connsiteX1" y="connsiteY1"/>
-              </a:cxn>
-              <a:cxn ang="0">
-                <a:pos x="connsiteX2" y="connsiteY2"/>
-              </a:cxn>
-              <a:cxn ang="0">
-                <a:pos x="connsiteX3" y="connsiteY3"/>
-              </a:cxn>
-              <a:cxn ang="0">
-                <a:pos x="connsiteX4" y="connsiteY4"/>
-              </a:cxn>
-              <a:cxn ang="0">
-                <a:pos x="connsiteX5" y="connsiteY5"/>
-              </a:cxn>
-              <a:cxn ang="0">
-                <a:pos x="connsiteX6" y="connsiteY6"/>
-              </a:cxn>
-              <a:cxn ang="0">
-                <a:pos x="connsiteX7" y="connsiteY7"/>
-              </a:cxn>
-              <a:cxn ang="0">
-                <a:pos x="connsiteX8" y="connsiteY8"/>
-              </a:cxn>
-              <a:cxn ang="0">
-                <a:pos x="connsiteX9" y="connsiteY9"/>
-              </a:cxn>
-            </a:cxnLst>
-            <a:rect l="l" t="t" r="r" b="b"/>
-            <a:pathLst>
-              <a:path w="7955280" h="6858000">
-                <a:moveTo>
-                  <a:pt x="1962423" y="0"/>
-                </a:moveTo>
-                <a:lnTo>
-                  <a:pt x="5992858" y="0"/>
-                </a:lnTo>
-                <a:lnTo>
-                  <a:pt x="6040191" y="27216"/>
-                </a:lnTo>
-                <a:cubicBezTo>
-                  <a:pt x="7188332" y="724844"/>
-                  <a:pt x="7955280" y="1987357"/>
-                  <a:pt x="7955280" y="3429000"/>
-                </a:cubicBezTo>
-                <a:cubicBezTo>
-                  <a:pt x="7955280" y="4870644"/>
-                  <a:pt x="7188332" y="6133157"/>
-                  <a:pt x="6040191" y="6830784"/>
-                </a:cubicBezTo>
-                <a:lnTo>
-                  <a:pt x="5992858" y="6858000"/>
-                </a:lnTo>
-                <a:lnTo>
-                  <a:pt x="1962423" y="6858000"/>
-                </a:lnTo>
-                <a:lnTo>
-                  <a:pt x="1915089" y="6830784"/>
-                </a:lnTo>
-                <a:cubicBezTo>
-                  <a:pt x="766948" y="6133157"/>
-                  <a:pt x="0" y="4870644"/>
-                  <a:pt x="0" y="3429000"/>
-                </a:cubicBezTo>
-                <a:cubicBezTo>
-                  <a:pt x="0" y="1987357"/>
-                  <a:pt x="766948" y="724844"/>
-                  <a:pt x="1915089" y="27216"/>
-                </a:cubicBezTo>
-                <a:close/>
-              </a:path>
-            </a:pathLst>
-          </a:custGeom>
-          <a:solidFill>
-            <a:schemeClr val="tx1"/>
-          </a:solidFill>
-          <a:ln>
-            <a:noFill/>
-          </a:ln>
-        </p:spPr>
-        <p:style>
-          <a:lnRef idx="2">
-            <a:schemeClr val="accent1">
-              <a:shade val="50000"/>
-            </a:schemeClr>
-          </a:lnRef>
-          <a:fillRef idx="1">
-            <a:schemeClr val="accent1"/>
-          </a:fillRef>
-          <a:effectRef idx="0">
-            <a:schemeClr val="accent1"/>
-          </a:effectRef>
-          <a:fontRef idx="minor">
-            <a:schemeClr val="lt1"/>
-          </a:fontRef>
-        </p:style>
-        <p:txBody>
-          <a:bodyPr wrap="square" rtlCol="0" anchor="ctr">
-            <a:noAutofit/>
-          </a:bodyPr>
-          <a:lstStyle/>
-          <a:p>
-            <a:pPr algn="ctr"/>
-            <a:endParaRPr lang="en-US"/>
-          </a:p>
-        </p:txBody>
-      </p:sp>
-      <p:sp>
-        <p:nvSpPr>
-          <p:cNvPr id="2" name="Title 1">
-            <a:extLst>
-              <a:ext uri="{FF2B5EF4-FFF2-40B4-BE49-F238E27FC236}">
-                <a16:creationId xmlns:a16="http://schemas.microsoft.com/office/drawing/2014/main" id="{44DBCF65-81D9-F543-ACE8-4FDCA4590571}"/>
-              </a:ext>
-            </a:extLst>
-          </p:cNvPr>
-          <p:cNvSpPr>
-            <a:spLocks noGrp="1"/>
-          </p:cNvSpPr>
-          <p:nvPr>
-            <p:ph type="title"/>
-          </p:nvPr>
-        </p:nvSpPr>
-        <p:spPr>
-          <a:xfrm>
-            <a:off x="2555631" y="1441938"/>
-            <a:ext cx="7080738" cy="3974124"/>
-          </a:xfrm>
-        </p:spPr>
-        <p:txBody>
-          <a:bodyPr vert="horz" lIns="91440" tIns="45720" rIns="91440" bIns="45720" rtlCol="0" anchor="ctr">
-            <a:normAutofit/>
-          </a:bodyPr>
-          <a:lstStyle/>
-          <a:p>
-            <a:pPr algn="ctr"/>
-            <a:r>
-              <a:rPr lang="en-US" sz="5400">
-                <a:solidFill>
-                  <a:schemeClr val="bg1">
-                    <a:lumMod val="95000"/>
-                    <a:lumOff val="5000"/>
-                  </a:schemeClr>
-                </a:solidFill>
-              </a:rPr>
-              <a:t>Chapter 9: Spatial Statistics</a:t>
-            </a:r>
-          </a:p>
-        </p:txBody>
-      </p:sp>
-    </p:spTree>
-    <p:extLst>
-      <p:ext uri="{BB962C8B-B14F-4D97-AF65-F5344CB8AC3E}">
-        <p14:creationId xmlns:p14="http://schemas.microsoft.com/office/powerpoint/2010/main" val="3036287095"/>
-      </p:ext>
-    </p:extLst>
-  </p:cSld>
-  <p:clrMapOvr>
-    <a:overrideClrMapping bg1="dk1" tx1="lt1" bg2="dk2" tx2="lt2" accent1="accent1" accent2="accent2" accent3="accent3" accent4="accent4" accent5="accent5" accent6="accent6" hlink="hlink" folHlink="folHlink"/>
-  </p:clrMapOvr>
-</p:sld>
-</file>
-
-<file path=ppt/slides/slide26.xml><?xml version="1.0" encoding="utf-8"?>
-<p:sld xmlns:a="http://schemas.openxmlformats.org/drawingml/2006/main" xmlns:r="http://schemas.openxmlformats.org/officeDocument/2006/relationships" xmlns:p="http://schemas.openxmlformats.org/presentationml/2006/main">
-  <p:cSld>
-    <p:spTree>
-      <p:nvGrpSpPr>
-        <p:cNvPr id="1" name=""/>
-        <p:cNvGrpSpPr/>
-        <p:nvPr/>
-      </p:nvGrpSpPr>
-      <p:grpSpPr>
-        <a:xfrm>
-          <a:off x="0" y="0"/>
-          <a:ext cx="0" cy="0"/>
-          <a:chOff x="0" y="0"/>
-          <a:chExt cx="0" cy="0"/>
-        </a:xfrm>
-      </p:grpSpPr>
-      <p:sp>
-        <p:nvSpPr>
-          <p:cNvPr id="2" name="Title 1">
-            <a:extLst>
-              <a:ext uri="{FF2B5EF4-FFF2-40B4-BE49-F238E27FC236}">
-                <a16:creationId xmlns:a16="http://schemas.microsoft.com/office/drawing/2014/main" id="{1205307A-88FF-A148-92DD-67B6F926B4FF}"/>
-              </a:ext>
-            </a:extLst>
-          </p:cNvPr>
-          <p:cNvSpPr>
-            <a:spLocks noGrp="1"/>
-          </p:cNvSpPr>
-          <p:nvPr>
-            <p:ph type="title"/>
-          </p:nvPr>
-        </p:nvSpPr>
-        <p:spPr/>
-        <p:txBody>
-          <a:bodyPr/>
-          <a:lstStyle/>
-          <a:p>
-            <a:endParaRPr lang="en-US"/>
-          </a:p>
-        </p:txBody>
-      </p:sp>
-      <p:sp>
-        <p:nvSpPr>
-          <p:cNvPr id="3" name="Content Placeholder 2">
-            <a:extLst>
-              <a:ext uri="{FF2B5EF4-FFF2-40B4-BE49-F238E27FC236}">
-                <a16:creationId xmlns:a16="http://schemas.microsoft.com/office/drawing/2014/main" id="{38DFF432-90FF-BE4B-B706-5698F65D9383}"/>
-              </a:ext>
-            </a:extLst>
-          </p:cNvPr>
-          <p:cNvSpPr>
-            <a:spLocks noGrp="1"/>
-          </p:cNvSpPr>
-          <p:nvPr>
-            <p:ph idx="1"/>
-          </p:nvPr>
-        </p:nvSpPr>
-        <p:spPr/>
-        <p:txBody>
-          <a:bodyPr/>
-          <a:lstStyle/>
-          <a:p>
-            <a:endParaRPr lang="en-US"/>
-          </a:p>
-        </p:txBody>
-      </p:sp>
-    </p:spTree>
-    <p:extLst>
-      <p:ext uri="{BB962C8B-B14F-4D97-AF65-F5344CB8AC3E}">
-        <p14:creationId xmlns:p14="http://schemas.microsoft.com/office/powerpoint/2010/main" val="3110479481"/>
-      </p:ext>
-    </p:extLst>
-  </p:cSld>
-  <p:clrMapOvr>
-    <a:masterClrMapping/>
-  </p:clrMapOvr>
-</p:sld>
-</file>
-
-<file path=ppt/slides/slide27.xml><?xml version="1.0" encoding="utf-8"?>
-<p:sld xmlns:a="http://schemas.openxmlformats.org/drawingml/2006/main" xmlns:r="http://schemas.openxmlformats.org/officeDocument/2006/relationships" xmlns:p="http://schemas.openxmlformats.org/presentationml/2006/main">
-  <p:cSld>
-    <p:bg>
-      <p:bgPr>
-        <a:solidFill>
-          <a:schemeClr val="bg1">
-            <a:tint val="95000"/>
-            <a:satMod val="170000"/>
-          </a:schemeClr>
-        </a:solidFill>
-        <a:effectLst/>
-      </p:bgPr>
-    </p:bg>
-    <p:spTree>
-      <p:nvGrpSpPr>
-        <p:cNvPr id="1" name=""/>
-        <p:cNvGrpSpPr/>
-        <p:nvPr/>
-      </p:nvGrpSpPr>
-      <p:grpSpPr>
-        <a:xfrm>
-          <a:off x="0" y="0"/>
-          <a:ext cx="0" cy="0"/>
-          <a:chOff x="0" y="0"/>
-          <a:chExt cx="0" cy="0"/>
-        </a:xfrm>
-      </p:grpSpPr>
-      <p:sp>
-        <p:nvSpPr>
-          <p:cNvPr id="8" name="Freeform: Shape 7">
-            <a:extLst>
-              <a:ext uri="{FF2B5EF4-FFF2-40B4-BE49-F238E27FC236}">
-                <a16:creationId xmlns:a16="http://schemas.microsoft.com/office/drawing/2014/main" id="{66B332A4-D438-4773-A77F-5ED49A448D9D}"/>
-              </a:ext>
-              <a:ext uri="{C183D7F6-B498-43B3-948B-1728B52AA6E4}">
-                <adec:decorative xmlns:adec="http://schemas.microsoft.com/office/drawing/2017/decorative" val="1"/>
-              </a:ext>
-            </a:extLst>
-          </p:cNvPr>
-          <p:cNvSpPr>
-            <a:spLocks noGrp="1" noRot="1" noChangeAspect="1" noMove="1" noResize="1" noEditPoints="1" noAdjustHandles="1" noChangeArrowheads="1" noChangeShapeType="1" noTextEdit="1"/>
-          </p:cNvSpPr>
-          <p:nvPr>
-            <p:extLst>
-              <p:ext uri="{386F3935-93C4-4BCD-93E2-E3B085C9AB24}">
-                <p16:designElem xmlns:p16="http://schemas.microsoft.com/office/powerpoint/2015/main" val="1"/>
-              </p:ext>
-            </p:extLst>
-          </p:nvPr>
-        </p:nvSpPr>
-        <p:spPr>
-          <a:xfrm>
-            <a:off x="1953768" y="0"/>
-            <a:ext cx="8284464" cy="6858000"/>
-          </a:xfrm>
-          <a:custGeom>
-            <a:avLst/>
-            <a:gdLst>
-              <a:gd name="connsiteX0" fmla="*/ 1818109 w 8284464"/>
-              <a:gd name="connsiteY0" fmla="*/ 0 h 6858000"/>
-              <a:gd name="connsiteX1" fmla="*/ 6466355 w 8284464"/>
-              <a:gd name="connsiteY1" fmla="*/ 0 h 6858000"/>
-              <a:gd name="connsiteX2" fmla="*/ 6620596 w 8284464"/>
-              <a:gd name="connsiteY2" fmla="*/ 109683 h 6858000"/>
-              <a:gd name="connsiteX3" fmla="*/ 8284464 w 8284464"/>
-              <a:gd name="connsiteY3" fmla="*/ 3429000 h 6858000"/>
-              <a:gd name="connsiteX4" fmla="*/ 6620596 w 8284464"/>
-              <a:gd name="connsiteY4" fmla="*/ 6748318 h 6858000"/>
-              <a:gd name="connsiteX5" fmla="*/ 6466355 w 8284464"/>
-              <a:gd name="connsiteY5" fmla="*/ 6858000 h 6858000"/>
-              <a:gd name="connsiteX6" fmla="*/ 1818109 w 8284464"/>
-              <a:gd name="connsiteY6" fmla="*/ 6858000 h 6858000"/>
-              <a:gd name="connsiteX7" fmla="*/ 1663869 w 8284464"/>
-              <a:gd name="connsiteY7" fmla="*/ 6748318 h 6858000"/>
-              <a:gd name="connsiteX8" fmla="*/ 0 w 8284464"/>
-              <a:gd name="connsiteY8" fmla="*/ 3429000 h 6858000"/>
-              <a:gd name="connsiteX9" fmla="*/ 1663869 w 8284464"/>
-              <a:gd name="connsiteY9" fmla="*/ 109683 h 6858000"/>
-            </a:gdLst>
-            <a:ahLst/>
-            <a:cxnLst>
-              <a:cxn ang="0">
-                <a:pos x="connsiteX0" y="connsiteY0"/>
-              </a:cxn>
-              <a:cxn ang="0">
-                <a:pos x="connsiteX1" y="connsiteY1"/>
-              </a:cxn>
-              <a:cxn ang="0">
-                <a:pos x="connsiteX2" y="connsiteY2"/>
-              </a:cxn>
-              <a:cxn ang="0">
-                <a:pos x="connsiteX3" y="connsiteY3"/>
-              </a:cxn>
-              <a:cxn ang="0">
-                <a:pos x="connsiteX4" y="connsiteY4"/>
-              </a:cxn>
-              <a:cxn ang="0">
-                <a:pos x="connsiteX5" y="connsiteY5"/>
-              </a:cxn>
-              <a:cxn ang="0">
-                <a:pos x="connsiteX6" y="connsiteY6"/>
-              </a:cxn>
-              <a:cxn ang="0">
-                <a:pos x="connsiteX7" y="connsiteY7"/>
-              </a:cxn>
-              <a:cxn ang="0">
-                <a:pos x="connsiteX8" y="connsiteY8"/>
-              </a:cxn>
-              <a:cxn ang="0">
-                <a:pos x="connsiteX9" y="connsiteY9"/>
-              </a:cxn>
-            </a:cxnLst>
-            <a:rect l="l" t="t" r="r" b="b"/>
-            <a:pathLst>
-              <a:path w="8284464" h="6858000">
-                <a:moveTo>
-                  <a:pt x="1818109" y="0"/>
-                </a:moveTo>
-                <a:lnTo>
-                  <a:pt x="6466355" y="0"/>
-                </a:lnTo>
-                <a:lnTo>
-                  <a:pt x="6620596" y="109683"/>
-                </a:lnTo>
-                <a:cubicBezTo>
-                  <a:pt x="7630666" y="865069"/>
-                  <a:pt x="8284464" y="2070683"/>
-                  <a:pt x="8284464" y="3429000"/>
-                </a:cubicBezTo>
-                <a:cubicBezTo>
-                  <a:pt x="8284464" y="4787317"/>
-                  <a:pt x="7630666" y="5992931"/>
-                  <a:pt x="6620596" y="6748318"/>
-                </a:cubicBezTo>
-                <a:lnTo>
-                  <a:pt x="6466355" y="6858000"/>
-                </a:lnTo>
-                <a:lnTo>
-                  <a:pt x="1818109" y="6858000"/>
-                </a:lnTo>
-                <a:lnTo>
-                  <a:pt x="1663869" y="6748318"/>
-                </a:lnTo>
-                <a:cubicBezTo>
-                  <a:pt x="653798" y="5992931"/>
-                  <a:pt x="0" y="4787317"/>
-                  <a:pt x="0" y="3429000"/>
-                </a:cubicBezTo>
-                <a:cubicBezTo>
-                  <a:pt x="0" y="2070683"/>
-                  <a:pt x="653798" y="865069"/>
-                  <a:pt x="1663869" y="109683"/>
-                </a:cubicBezTo>
-                <a:close/>
-              </a:path>
-            </a:pathLst>
-          </a:custGeom>
-          <a:solidFill>
-            <a:srgbClr val="FFFFFF">
-              <a:alpha val="80000"/>
-            </a:srgbClr>
-          </a:solidFill>
-          <a:ln>
-            <a:noFill/>
-          </a:ln>
-        </p:spPr>
-        <p:style>
-          <a:lnRef idx="2">
-            <a:schemeClr val="accent1">
-              <a:shade val="50000"/>
-            </a:schemeClr>
-          </a:lnRef>
-          <a:fillRef idx="1">
-            <a:schemeClr val="accent1"/>
-          </a:fillRef>
-          <a:effectRef idx="0">
-            <a:schemeClr val="accent1"/>
-          </a:effectRef>
-          <a:fontRef idx="minor">
-            <a:schemeClr val="lt1"/>
-          </a:fontRef>
-        </p:style>
-        <p:txBody>
-          <a:bodyPr wrap="square" rtlCol="0" anchor="ctr">
-            <a:noAutofit/>
-          </a:bodyPr>
-          <a:lstStyle/>
-          <a:p>
-            <a:pPr algn="ctr"/>
-            <a:endParaRPr lang="en-US"/>
-          </a:p>
-        </p:txBody>
-      </p:sp>
-      <p:sp>
-        <p:nvSpPr>
-          <p:cNvPr id="10" name="Freeform: Shape 9">
-            <a:extLst>
-              <a:ext uri="{FF2B5EF4-FFF2-40B4-BE49-F238E27FC236}">
-                <a16:creationId xmlns:a16="http://schemas.microsoft.com/office/drawing/2014/main" id="{DF9AD32D-FF05-44F4-BD4D-9CEE89B71EB9}"/>
-              </a:ext>
-              <a:ext uri="{C183D7F6-B498-43B3-948B-1728B52AA6E4}">
-                <adec:decorative xmlns:adec="http://schemas.microsoft.com/office/drawing/2017/decorative" val="1"/>
-              </a:ext>
-            </a:extLst>
-          </p:cNvPr>
-          <p:cNvSpPr>
-            <a:spLocks noGrp="1" noRot="1" noChangeAspect="1" noMove="1" noResize="1" noEditPoints="1" noAdjustHandles="1" noChangeArrowheads="1" noChangeShapeType="1" noTextEdit="1"/>
-          </p:cNvSpPr>
-          <p:nvPr>
-            <p:extLst>
-              <p:ext uri="{386F3935-93C4-4BCD-93E2-E3B085C9AB24}">
-                <p16:designElem xmlns:p16="http://schemas.microsoft.com/office/powerpoint/2015/main" val="1"/>
-              </p:ext>
-            </p:extLst>
-          </p:nvPr>
-        </p:nvSpPr>
-        <p:spPr>
-          <a:xfrm>
-            <a:off x="2118360" y="0"/>
-            <a:ext cx="7955280" cy="6858000"/>
-          </a:xfrm>
-          <a:custGeom>
-            <a:avLst/>
-            <a:gdLst>
-              <a:gd name="connsiteX0" fmla="*/ 1962423 w 7955280"/>
-              <a:gd name="connsiteY0" fmla="*/ 0 h 6858000"/>
-              <a:gd name="connsiteX1" fmla="*/ 5992858 w 7955280"/>
-              <a:gd name="connsiteY1" fmla="*/ 0 h 6858000"/>
-              <a:gd name="connsiteX2" fmla="*/ 6040191 w 7955280"/>
-              <a:gd name="connsiteY2" fmla="*/ 27216 h 6858000"/>
-              <a:gd name="connsiteX3" fmla="*/ 7955280 w 7955280"/>
-              <a:gd name="connsiteY3" fmla="*/ 3429000 h 6858000"/>
-              <a:gd name="connsiteX4" fmla="*/ 6040191 w 7955280"/>
-              <a:gd name="connsiteY4" fmla="*/ 6830784 h 6858000"/>
-              <a:gd name="connsiteX5" fmla="*/ 5992858 w 7955280"/>
-              <a:gd name="connsiteY5" fmla="*/ 6858000 h 6858000"/>
-              <a:gd name="connsiteX6" fmla="*/ 1962423 w 7955280"/>
-              <a:gd name="connsiteY6" fmla="*/ 6858000 h 6858000"/>
-              <a:gd name="connsiteX7" fmla="*/ 1915089 w 7955280"/>
-              <a:gd name="connsiteY7" fmla="*/ 6830784 h 6858000"/>
-              <a:gd name="connsiteX8" fmla="*/ 0 w 7955280"/>
-              <a:gd name="connsiteY8" fmla="*/ 3429000 h 6858000"/>
-              <a:gd name="connsiteX9" fmla="*/ 1915089 w 7955280"/>
-              <a:gd name="connsiteY9" fmla="*/ 27216 h 6858000"/>
-            </a:gdLst>
-            <a:ahLst/>
-            <a:cxnLst>
-              <a:cxn ang="0">
-                <a:pos x="connsiteX0" y="connsiteY0"/>
-              </a:cxn>
-              <a:cxn ang="0">
-                <a:pos x="connsiteX1" y="connsiteY1"/>
-              </a:cxn>
-              <a:cxn ang="0">
-                <a:pos x="connsiteX2" y="connsiteY2"/>
-              </a:cxn>
-              <a:cxn ang="0">
-                <a:pos x="connsiteX3" y="connsiteY3"/>
-              </a:cxn>
-              <a:cxn ang="0">
-                <a:pos x="connsiteX4" y="connsiteY4"/>
-              </a:cxn>
-              <a:cxn ang="0">
-                <a:pos x="connsiteX5" y="connsiteY5"/>
-              </a:cxn>
-              <a:cxn ang="0">
-                <a:pos x="connsiteX6" y="connsiteY6"/>
-              </a:cxn>
-              <a:cxn ang="0">
-                <a:pos x="connsiteX7" y="connsiteY7"/>
-              </a:cxn>
-              <a:cxn ang="0">
-                <a:pos x="connsiteX8" y="connsiteY8"/>
-              </a:cxn>
-              <a:cxn ang="0">
-                <a:pos x="connsiteX9" y="connsiteY9"/>
-              </a:cxn>
-            </a:cxnLst>
-            <a:rect l="l" t="t" r="r" b="b"/>
-            <a:pathLst>
-              <a:path w="7955280" h="6858000">
-                <a:moveTo>
-                  <a:pt x="1962423" y="0"/>
-                </a:moveTo>
-                <a:lnTo>
-                  <a:pt x="5992858" y="0"/>
-                </a:lnTo>
-                <a:lnTo>
-                  <a:pt x="6040191" y="27216"/>
-                </a:lnTo>
-                <a:cubicBezTo>
-                  <a:pt x="7188332" y="724844"/>
-                  <a:pt x="7955280" y="1987357"/>
-                  <a:pt x="7955280" y="3429000"/>
-                </a:cubicBezTo>
-                <a:cubicBezTo>
-                  <a:pt x="7955280" y="4870644"/>
-                  <a:pt x="7188332" y="6133157"/>
-                  <a:pt x="6040191" y="6830784"/>
-                </a:cubicBezTo>
-                <a:lnTo>
-                  <a:pt x="5992858" y="6858000"/>
-                </a:lnTo>
-                <a:lnTo>
-                  <a:pt x="1962423" y="6858000"/>
-                </a:lnTo>
-                <a:lnTo>
-                  <a:pt x="1915089" y="6830784"/>
-                </a:lnTo>
-                <a:cubicBezTo>
-                  <a:pt x="766948" y="6133157"/>
-                  <a:pt x="0" y="4870644"/>
-                  <a:pt x="0" y="3429000"/>
-                </a:cubicBezTo>
-                <a:cubicBezTo>
-                  <a:pt x="0" y="1987357"/>
-                  <a:pt x="766948" y="724844"/>
-                  <a:pt x="1915089" y="27216"/>
-                </a:cubicBezTo>
-                <a:close/>
-              </a:path>
-            </a:pathLst>
-          </a:custGeom>
-          <a:solidFill>
-            <a:schemeClr val="tx1"/>
-          </a:solidFill>
-          <a:ln>
-            <a:noFill/>
-          </a:ln>
-        </p:spPr>
-        <p:style>
-          <a:lnRef idx="2">
-            <a:schemeClr val="accent1">
-              <a:shade val="50000"/>
-            </a:schemeClr>
-          </a:lnRef>
-          <a:fillRef idx="1">
-            <a:schemeClr val="accent1"/>
-          </a:fillRef>
-          <a:effectRef idx="0">
-            <a:schemeClr val="accent1"/>
-          </a:effectRef>
-          <a:fontRef idx="minor">
-            <a:schemeClr val="lt1"/>
-          </a:fontRef>
-        </p:style>
-        <p:txBody>
-          <a:bodyPr wrap="square" rtlCol="0" anchor="ctr">
-            <a:noAutofit/>
-          </a:bodyPr>
-          <a:lstStyle/>
-          <a:p>
-            <a:pPr algn="ctr"/>
-            <a:endParaRPr lang="en-US"/>
-          </a:p>
-        </p:txBody>
-      </p:sp>
-      <p:sp>
-        <p:nvSpPr>
-          <p:cNvPr id="2" name="Title 1">
-            <a:extLst>
-              <a:ext uri="{FF2B5EF4-FFF2-40B4-BE49-F238E27FC236}">
-                <a16:creationId xmlns:a16="http://schemas.microsoft.com/office/drawing/2014/main" id="{44DBCF65-81D9-F543-ACE8-4FDCA4590571}"/>
-              </a:ext>
-            </a:extLst>
-          </p:cNvPr>
-          <p:cNvSpPr>
-            <a:spLocks noGrp="1"/>
-          </p:cNvSpPr>
-          <p:nvPr>
-            <p:ph type="title"/>
-          </p:nvPr>
-        </p:nvSpPr>
-        <p:spPr>
-          <a:xfrm>
-            <a:off x="2555631" y="1441938"/>
-            <a:ext cx="7080738" cy="3974124"/>
-          </a:xfrm>
-        </p:spPr>
-        <p:txBody>
-          <a:bodyPr vert="horz" lIns="91440" tIns="45720" rIns="91440" bIns="45720" rtlCol="0" anchor="ctr">
-            <a:normAutofit/>
-          </a:bodyPr>
-          <a:lstStyle/>
-          <a:p>
-            <a:pPr algn="ctr"/>
-            <a:r>
-              <a:rPr lang="en-US" sz="5400">
-                <a:solidFill>
-                  <a:schemeClr val="bg1">
-                    <a:lumMod val="95000"/>
-                    <a:lumOff val="5000"/>
-                  </a:schemeClr>
-                </a:solidFill>
-              </a:rPr>
-              <a:t>Chapter 10: Evaluating Models: Verification, Calibration, Validation</a:t>
-            </a:r>
-          </a:p>
-        </p:txBody>
-      </p:sp>
-    </p:spTree>
-    <p:extLst>
-      <p:ext uri="{BB962C8B-B14F-4D97-AF65-F5344CB8AC3E}">
-        <p14:creationId xmlns:p14="http://schemas.microsoft.com/office/powerpoint/2010/main" val="2713225905"/>
-      </p:ext>
-    </p:extLst>
-  </p:cSld>
-  <p:clrMapOvr>
-    <a:overrideClrMapping bg1="dk1" tx1="lt1" bg2="dk2" tx2="lt2" accent1="accent1" accent2="accent2" accent3="accent3" accent4="accent4" accent5="accent5" accent6="accent6" hlink="hlink" folHlink="folHlink"/>
-  </p:clrMapOvr>
-</p:sld>
-</file>
-
-<file path=ppt/slides/slide28.xml><?xml version="1.0" encoding="utf-8"?>
-<p:sld xmlns:a="http://schemas.openxmlformats.org/drawingml/2006/main" xmlns:r="http://schemas.openxmlformats.org/officeDocument/2006/relationships" xmlns:p="http://schemas.openxmlformats.org/presentationml/2006/main">
-  <p:cSld>
-    <p:spTree>
-      <p:nvGrpSpPr>
-        <p:cNvPr id="1" name=""/>
-        <p:cNvGrpSpPr/>
-        <p:nvPr/>
-      </p:nvGrpSpPr>
-      <p:grpSpPr>
-        <a:xfrm>
-          <a:off x="0" y="0"/>
-          <a:ext cx="0" cy="0"/>
-          <a:chOff x="0" y="0"/>
-          <a:chExt cx="0" cy="0"/>
-        </a:xfrm>
-      </p:grpSpPr>
-      <p:sp>
-        <p:nvSpPr>
-          <p:cNvPr id="2" name="Title 1">
-            <a:extLst>
-              <a:ext uri="{FF2B5EF4-FFF2-40B4-BE49-F238E27FC236}">
-                <a16:creationId xmlns:a16="http://schemas.microsoft.com/office/drawing/2014/main" id="{1205307A-88FF-A148-92DD-67B6F926B4FF}"/>
-              </a:ext>
-            </a:extLst>
-          </p:cNvPr>
-          <p:cNvSpPr>
-            <a:spLocks noGrp="1"/>
-          </p:cNvSpPr>
-          <p:nvPr>
-            <p:ph type="title"/>
-          </p:nvPr>
-        </p:nvSpPr>
-        <p:spPr/>
-        <p:txBody>
-          <a:bodyPr/>
-          <a:lstStyle/>
-          <a:p>
-            <a:endParaRPr lang="en-US"/>
-          </a:p>
-        </p:txBody>
-      </p:sp>
-      <p:sp>
-        <p:nvSpPr>
-          <p:cNvPr id="3" name="Content Placeholder 2">
-            <a:extLst>
-              <a:ext uri="{FF2B5EF4-FFF2-40B4-BE49-F238E27FC236}">
-                <a16:creationId xmlns:a16="http://schemas.microsoft.com/office/drawing/2014/main" id="{38DFF432-90FF-BE4B-B706-5698F65D9383}"/>
-              </a:ext>
-            </a:extLst>
-          </p:cNvPr>
-          <p:cNvSpPr>
-            <a:spLocks noGrp="1"/>
-          </p:cNvSpPr>
-          <p:nvPr>
-            <p:ph idx="1"/>
-          </p:nvPr>
-        </p:nvSpPr>
-        <p:spPr/>
-        <p:txBody>
-          <a:bodyPr/>
-          <a:lstStyle/>
-          <a:p>
-            <a:endParaRPr lang="en-US"/>
-          </a:p>
-        </p:txBody>
-      </p:sp>
-    </p:spTree>
-    <p:extLst>
-      <p:ext uri="{BB962C8B-B14F-4D97-AF65-F5344CB8AC3E}">
-        <p14:creationId xmlns:p14="http://schemas.microsoft.com/office/powerpoint/2010/main" val="1813088778"/>
-      </p:ext>
-    </p:extLst>
-  </p:cSld>
-  <p:clrMapOvr>
-    <a:masterClrMapping/>
-  </p:clrMapOvr>
-</p:sld>
-</file>
-
-<file path=ppt/slides/slide29.xml><?xml version="1.0" encoding="utf-8"?>
-<p:sld xmlns:a="http://schemas.openxmlformats.org/drawingml/2006/main" xmlns:r="http://schemas.openxmlformats.org/officeDocument/2006/relationships" xmlns:p="http://schemas.openxmlformats.org/presentationml/2006/main">
-  <p:cSld>
-    <p:bg>
-      <p:bgPr>
-        <a:solidFill>
-          <a:schemeClr val="bg1">
-            <a:tint val="95000"/>
-            <a:satMod val="170000"/>
-          </a:schemeClr>
-        </a:solidFill>
-        <a:effectLst/>
-      </p:bgPr>
-    </p:bg>
-    <p:spTree>
-      <p:nvGrpSpPr>
-        <p:cNvPr id="1" name=""/>
-        <p:cNvGrpSpPr/>
-        <p:nvPr/>
-      </p:nvGrpSpPr>
-      <p:grpSpPr>
-        <a:xfrm>
-          <a:off x="0" y="0"/>
-          <a:ext cx="0" cy="0"/>
-          <a:chOff x="0" y="0"/>
-          <a:chExt cx="0" cy="0"/>
-        </a:xfrm>
-      </p:grpSpPr>
-      <p:sp>
-        <p:nvSpPr>
-          <p:cNvPr id="8" name="Freeform: Shape 7">
-            <a:extLst>
-              <a:ext uri="{FF2B5EF4-FFF2-40B4-BE49-F238E27FC236}">
-                <a16:creationId xmlns:a16="http://schemas.microsoft.com/office/drawing/2014/main" id="{66B332A4-D438-4773-A77F-5ED49A448D9D}"/>
-              </a:ext>
-              <a:ext uri="{C183D7F6-B498-43B3-948B-1728B52AA6E4}">
-                <adec:decorative xmlns:adec="http://schemas.microsoft.com/office/drawing/2017/decorative" val="1"/>
-              </a:ext>
-            </a:extLst>
-          </p:cNvPr>
-          <p:cNvSpPr>
-            <a:spLocks noGrp="1" noRot="1" noChangeAspect="1" noMove="1" noResize="1" noEditPoints="1" noAdjustHandles="1" noChangeArrowheads="1" noChangeShapeType="1" noTextEdit="1"/>
-          </p:cNvSpPr>
-          <p:nvPr>
-            <p:extLst>
-              <p:ext uri="{386F3935-93C4-4BCD-93E2-E3B085C9AB24}">
-                <p16:designElem xmlns:p16="http://schemas.microsoft.com/office/powerpoint/2015/main" val="1"/>
-              </p:ext>
-            </p:extLst>
-          </p:nvPr>
-        </p:nvSpPr>
-        <p:spPr>
-          <a:xfrm>
-            <a:off x="1953768" y="0"/>
-            <a:ext cx="8284464" cy="6858000"/>
-          </a:xfrm>
-          <a:custGeom>
-            <a:avLst/>
-            <a:gdLst>
-              <a:gd name="connsiteX0" fmla="*/ 1818109 w 8284464"/>
-              <a:gd name="connsiteY0" fmla="*/ 0 h 6858000"/>
-              <a:gd name="connsiteX1" fmla="*/ 6466355 w 8284464"/>
-              <a:gd name="connsiteY1" fmla="*/ 0 h 6858000"/>
-              <a:gd name="connsiteX2" fmla="*/ 6620596 w 8284464"/>
-              <a:gd name="connsiteY2" fmla="*/ 109683 h 6858000"/>
-              <a:gd name="connsiteX3" fmla="*/ 8284464 w 8284464"/>
-              <a:gd name="connsiteY3" fmla="*/ 3429000 h 6858000"/>
-              <a:gd name="connsiteX4" fmla="*/ 6620596 w 8284464"/>
-              <a:gd name="connsiteY4" fmla="*/ 6748318 h 6858000"/>
-              <a:gd name="connsiteX5" fmla="*/ 6466355 w 8284464"/>
-              <a:gd name="connsiteY5" fmla="*/ 6858000 h 6858000"/>
-              <a:gd name="connsiteX6" fmla="*/ 1818109 w 8284464"/>
-              <a:gd name="connsiteY6" fmla="*/ 6858000 h 6858000"/>
-              <a:gd name="connsiteX7" fmla="*/ 1663869 w 8284464"/>
-              <a:gd name="connsiteY7" fmla="*/ 6748318 h 6858000"/>
-              <a:gd name="connsiteX8" fmla="*/ 0 w 8284464"/>
-              <a:gd name="connsiteY8" fmla="*/ 3429000 h 6858000"/>
-              <a:gd name="connsiteX9" fmla="*/ 1663869 w 8284464"/>
-              <a:gd name="connsiteY9" fmla="*/ 109683 h 6858000"/>
-            </a:gdLst>
-            <a:ahLst/>
-            <a:cxnLst>
-              <a:cxn ang="0">
-                <a:pos x="connsiteX0" y="connsiteY0"/>
-              </a:cxn>
-              <a:cxn ang="0">
-                <a:pos x="connsiteX1" y="connsiteY1"/>
-              </a:cxn>
-              <a:cxn ang="0">
-                <a:pos x="connsiteX2" y="connsiteY2"/>
-              </a:cxn>
-              <a:cxn ang="0">
-                <a:pos x="connsiteX3" y="connsiteY3"/>
-              </a:cxn>
-              <a:cxn ang="0">
-                <a:pos x="connsiteX4" y="connsiteY4"/>
-              </a:cxn>
-              <a:cxn ang="0">
-                <a:pos x="connsiteX5" y="connsiteY5"/>
-              </a:cxn>
-              <a:cxn ang="0">
-                <a:pos x="connsiteX6" y="connsiteY6"/>
-              </a:cxn>
-              <a:cxn ang="0">
-                <a:pos x="connsiteX7" y="connsiteY7"/>
-              </a:cxn>
-              <a:cxn ang="0">
-                <a:pos x="connsiteX8" y="connsiteY8"/>
-              </a:cxn>
-              <a:cxn ang="0">
-                <a:pos x="connsiteX9" y="connsiteY9"/>
-              </a:cxn>
-            </a:cxnLst>
-            <a:rect l="l" t="t" r="r" b="b"/>
-            <a:pathLst>
-              <a:path w="8284464" h="6858000">
-                <a:moveTo>
-                  <a:pt x="1818109" y="0"/>
-                </a:moveTo>
-                <a:lnTo>
-                  <a:pt x="6466355" y="0"/>
-                </a:lnTo>
-                <a:lnTo>
-                  <a:pt x="6620596" y="109683"/>
-                </a:lnTo>
-                <a:cubicBezTo>
-                  <a:pt x="7630666" y="865069"/>
-                  <a:pt x="8284464" y="2070683"/>
-                  <a:pt x="8284464" y="3429000"/>
-                </a:cubicBezTo>
-                <a:cubicBezTo>
-                  <a:pt x="8284464" y="4787317"/>
-                  <a:pt x="7630666" y="5992931"/>
-                  <a:pt x="6620596" y="6748318"/>
-                </a:cubicBezTo>
-                <a:lnTo>
-                  <a:pt x="6466355" y="6858000"/>
-                </a:lnTo>
-                <a:lnTo>
-                  <a:pt x="1818109" y="6858000"/>
-                </a:lnTo>
-                <a:lnTo>
-                  <a:pt x="1663869" y="6748318"/>
-                </a:lnTo>
-                <a:cubicBezTo>
-                  <a:pt x="653798" y="5992931"/>
-                  <a:pt x="0" y="4787317"/>
-                  <a:pt x="0" y="3429000"/>
-                </a:cubicBezTo>
-                <a:cubicBezTo>
-                  <a:pt x="0" y="2070683"/>
-                  <a:pt x="653798" y="865069"/>
-                  <a:pt x="1663869" y="109683"/>
-                </a:cubicBezTo>
-                <a:close/>
-              </a:path>
-            </a:pathLst>
-          </a:custGeom>
-          <a:solidFill>
-            <a:srgbClr val="FFFFFF">
-              <a:alpha val="80000"/>
-            </a:srgbClr>
-          </a:solidFill>
-          <a:ln>
-            <a:noFill/>
-          </a:ln>
-        </p:spPr>
-        <p:style>
-          <a:lnRef idx="2">
-            <a:schemeClr val="accent1">
-              <a:shade val="50000"/>
-            </a:schemeClr>
-          </a:lnRef>
-          <a:fillRef idx="1">
-            <a:schemeClr val="accent1"/>
-          </a:fillRef>
-          <a:effectRef idx="0">
-            <a:schemeClr val="accent1"/>
-          </a:effectRef>
-          <a:fontRef idx="minor">
-            <a:schemeClr val="lt1"/>
-          </a:fontRef>
-        </p:style>
-        <p:txBody>
-          <a:bodyPr wrap="square" rtlCol="0" anchor="ctr">
-            <a:noAutofit/>
-          </a:bodyPr>
-          <a:lstStyle/>
-          <a:p>
-            <a:pPr algn="ctr"/>
-            <a:endParaRPr lang="en-US"/>
-          </a:p>
-        </p:txBody>
-      </p:sp>
-      <p:sp>
-        <p:nvSpPr>
-          <p:cNvPr id="10" name="Freeform: Shape 9">
-            <a:extLst>
-              <a:ext uri="{FF2B5EF4-FFF2-40B4-BE49-F238E27FC236}">
-                <a16:creationId xmlns:a16="http://schemas.microsoft.com/office/drawing/2014/main" id="{DF9AD32D-FF05-44F4-BD4D-9CEE89B71EB9}"/>
-              </a:ext>
-              <a:ext uri="{C183D7F6-B498-43B3-948B-1728B52AA6E4}">
-                <adec:decorative xmlns:adec="http://schemas.microsoft.com/office/drawing/2017/decorative" val="1"/>
-              </a:ext>
-            </a:extLst>
-          </p:cNvPr>
-          <p:cNvSpPr>
-            <a:spLocks noGrp="1" noRot="1" noChangeAspect="1" noMove="1" noResize="1" noEditPoints="1" noAdjustHandles="1" noChangeArrowheads="1" noChangeShapeType="1" noTextEdit="1"/>
-          </p:cNvSpPr>
-          <p:nvPr>
-            <p:extLst>
-              <p:ext uri="{386F3935-93C4-4BCD-93E2-E3B085C9AB24}">
-                <p16:designElem xmlns:p16="http://schemas.microsoft.com/office/powerpoint/2015/main" val="1"/>
-              </p:ext>
-            </p:extLst>
-          </p:nvPr>
-        </p:nvSpPr>
-        <p:spPr>
-          <a:xfrm>
-            <a:off x="2118360" y="0"/>
-            <a:ext cx="7955280" cy="6858000"/>
-          </a:xfrm>
-          <a:custGeom>
-            <a:avLst/>
-            <a:gdLst>
-              <a:gd name="connsiteX0" fmla="*/ 1962423 w 7955280"/>
-              <a:gd name="connsiteY0" fmla="*/ 0 h 6858000"/>
-              <a:gd name="connsiteX1" fmla="*/ 5992858 w 7955280"/>
-              <a:gd name="connsiteY1" fmla="*/ 0 h 6858000"/>
-              <a:gd name="connsiteX2" fmla="*/ 6040191 w 7955280"/>
-              <a:gd name="connsiteY2" fmla="*/ 27216 h 6858000"/>
-              <a:gd name="connsiteX3" fmla="*/ 7955280 w 7955280"/>
-              <a:gd name="connsiteY3" fmla="*/ 3429000 h 6858000"/>
-              <a:gd name="connsiteX4" fmla="*/ 6040191 w 7955280"/>
-              <a:gd name="connsiteY4" fmla="*/ 6830784 h 6858000"/>
-              <a:gd name="connsiteX5" fmla="*/ 5992858 w 7955280"/>
-              <a:gd name="connsiteY5" fmla="*/ 6858000 h 6858000"/>
-              <a:gd name="connsiteX6" fmla="*/ 1962423 w 7955280"/>
-              <a:gd name="connsiteY6" fmla="*/ 6858000 h 6858000"/>
-              <a:gd name="connsiteX7" fmla="*/ 1915089 w 7955280"/>
-              <a:gd name="connsiteY7" fmla="*/ 6830784 h 6858000"/>
-              <a:gd name="connsiteX8" fmla="*/ 0 w 7955280"/>
-              <a:gd name="connsiteY8" fmla="*/ 3429000 h 6858000"/>
-              <a:gd name="connsiteX9" fmla="*/ 1915089 w 7955280"/>
-              <a:gd name="connsiteY9" fmla="*/ 27216 h 6858000"/>
-            </a:gdLst>
-            <a:ahLst/>
-            <a:cxnLst>
-              <a:cxn ang="0">
-                <a:pos x="connsiteX0" y="connsiteY0"/>
-              </a:cxn>
-              <a:cxn ang="0">
-                <a:pos x="connsiteX1" y="connsiteY1"/>
-              </a:cxn>
-              <a:cxn ang="0">
-                <a:pos x="connsiteX2" y="connsiteY2"/>
-              </a:cxn>
-              <a:cxn ang="0">
-                <a:pos x="connsiteX3" y="connsiteY3"/>
-              </a:cxn>
-              <a:cxn ang="0">
-                <a:pos x="connsiteX4" y="connsiteY4"/>
-              </a:cxn>
-              <a:cxn ang="0">
-                <a:pos x="connsiteX5" y="connsiteY5"/>
-              </a:cxn>
-              <a:cxn ang="0">
-                <a:pos x="connsiteX6" y="connsiteY6"/>
-              </a:cxn>
-              <a:cxn ang="0">
-                <a:pos x="connsiteX7" y="connsiteY7"/>
-              </a:cxn>
-              <a:cxn ang="0">
-                <a:pos x="connsiteX8" y="connsiteY8"/>
-              </a:cxn>
-              <a:cxn ang="0">
-                <a:pos x="connsiteX9" y="connsiteY9"/>
-              </a:cxn>
-            </a:cxnLst>
-            <a:rect l="l" t="t" r="r" b="b"/>
-            <a:pathLst>
-              <a:path w="7955280" h="6858000">
-                <a:moveTo>
-                  <a:pt x="1962423" y="0"/>
-                </a:moveTo>
-                <a:lnTo>
-                  <a:pt x="5992858" y="0"/>
-                </a:lnTo>
-                <a:lnTo>
-                  <a:pt x="6040191" y="27216"/>
-                </a:lnTo>
-                <a:cubicBezTo>
-                  <a:pt x="7188332" y="724844"/>
-                  <a:pt x="7955280" y="1987357"/>
-                  <a:pt x="7955280" y="3429000"/>
-                </a:cubicBezTo>
-                <a:cubicBezTo>
-                  <a:pt x="7955280" y="4870644"/>
-                  <a:pt x="7188332" y="6133157"/>
-                  <a:pt x="6040191" y="6830784"/>
-                </a:cubicBezTo>
-                <a:lnTo>
-                  <a:pt x="5992858" y="6858000"/>
-                </a:lnTo>
-                <a:lnTo>
-                  <a:pt x="1962423" y="6858000"/>
-                </a:lnTo>
-                <a:lnTo>
-                  <a:pt x="1915089" y="6830784"/>
-                </a:lnTo>
-                <a:cubicBezTo>
-                  <a:pt x="766948" y="6133157"/>
-                  <a:pt x="0" y="4870644"/>
-                  <a:pt x="0" y="3429000"/>
-                </a:cubicBezTo>
-                <a:cubicBezTo>
-                  <a:pt x="0" y="1987357"/>
-                  <a:pt x="766948" y="724844"/>
-                  <a:pt x="1915089" y="27216"/>
-                </a:cubicBezTo>
-                <a:close/>
-              </a:path>
-            </a:pathLst>
-          </a:custGeom>
-          <a:solidFill>
-            <a:schemeClr val="tx1"/>
-          </a:solidFill>
-          <a:ln>
-            <a:noFill/>
-          </a:ln>
-        </p:spPr>
-        <p:style>
-          <a:lnRef idx="2">
-            <a:schemeClr val="accent1">
-              <a:shade val="50000"/>
-            </a:schemeClr>
-          </a:lnRef>
-          <a:fillRef idx="1">
-            <a:schemeClr val="accent1"/>
-          </a:fillRef>
-          <a:effectRef idx="0">
-            <a:schemeClr val="accent1"/>
-          </a:effectRef>
-          <a:fontRef idx="minor">
-            <a:schemeClr val="lt1"/>
-          </a:fontRef>
-        </p:style>
-        <p:txBody>
-          <a:bodyPr wrap="square" rtlCol="0" anchor="ctr">
-            <a:noAutofit/>
-          </a:bodyPr>
-          <a:lstStyle/>
-          <a:p>
-            <a:pPr algn="ctr"/>
-            <a:endParaRPr lang="en-US"/>
-          </a:p>
-        </p:txBody>
-      </p:sp>
-      <p:sp>
-        <p:nvSpPr>
-          <p:cNvPr id="2" name="Title 1">
-            <a:extLst>
-              <a:ext uri="{FF2B5EF4-FFF2-40B4-BE49-F238E27FC236}">
-                <a16:creationId xmlns:a16="http://schemas.microsoft.com/office/drawing/2014/main" id="{44DBCF65-81D9-F543-ACE8-4FDCA4590571}"/>
-              </a:ext>
-            </a:extLst>
-          </p:cNvPr>
-          <p:cNvSpPr>
-            <a:spLocks noGrp="1"/>
-          </p:cNvSpPr>
-          <p:nvPr>
-            <p:ph type="title"/>
-          </p:nvPr>
-        </p:nvSpPr>
-        <p:spPr>
-          <a:xfrm>
-            <a:off x="2555631" y="1441938"/>
-            <a:ext cx="7080738" cy="3974124"/>
-          </a:xfrm>
-        </p:spPr>
-        <p:txBody>
-          <a:bodyPr vert="horz" lIns="91440" tIns="45720" rIns="91440" bIns="45720" rtlCol="0" anchor="ctr">
-            <a:normAutofit/>
-          </a:bodyPr>
-          <a:lstStyle/>
-          <a:p>
-            <a:pPr algn="ctr"/>
-            <a:r>
-              <a:rPr lang="en-US" sz="5400">
-                <a:solidFill>
-                  <a:schemeClr val="bg1">
-                    <a:lumMod val="95000"/>
-                    <a:lumOff val="5000"/>
-                  </a:schemeClr>
-                </a:solidFill>
-              </a:rPr>
-              <a:t>Chapter 11: Alternative Modelling Approaches</a:t>
-            </a:r>
-          </a:p>
-        </p:txBody>
-      </p:sp>
-    </p:spTree>
-    <p:extLst>
-      <p:ext uri="{BB962C8B-B14F-4D97-AF65-F5344CB8AC3E}">
-        <p14:creationId xmlns:p14="http://schemas.microsoft.com/office/powerpoint/2010/main" val="692908193"/>
-      </p:ext>
-    </p:extLst>
-  </p:cSld>
-  <p:clrMapOvr>
-    <a:overrideClrMapping bg1="dk1" tx1="lt1" bg2="dk2" tx2="lt2" accent1="accent1" accent2="accent2" accent3="accent3" accent4="accent4" accent5="accent5" accent6="accent6" hlink="hlink" folHlink="folHlink"/>
   </p:clrMapOvr>
 </p:sld>
 </file>
@@ -11620,580 +11799,6 @@
 </file>
 
 <file path=ppt/slides/slide30.xml><?xml version="1.0" encoding="utf-8"?>
-<p:sld xmlns:a="http://schemas.openxmlformats.org/drawingml/2006/main" xmlns:r="http://schemas.openxmlformats.org/officeDocument/2006/relationships" xmlns:p="http://schemas.openxmlformats.org/presentationml/2006/main">
-  <p:cSld>
-    <p:spTree>
-      <p:nvGrpSpPr>
-        <p:cNvPr id="1" name=""/>
-        <p:cNvGrpSpPr/>
-        <p:nvPr/>
-      </p:nvGrpSpPr>
-      <p:grpSpPr>
-        <a:xfrm>
-          <a:off x="0" y="0"/>
-          <a:ext cx="0" cy="0"/>
-          <a:chOff x="0" y="0"/>
-          <a:chExt cx="0" cy="0"/>
-        </a:xfrm>
-      </p:grpSpPr>
-      <p:sp>
-        <p:nvSpPr>
-          <p:cNvPr id="2" name="Title 1">
-            <a:extLst>
-              <a:ext uri="{FF2B5EF4-FFF2-40B4-BE49-F238E27FC236}">
-                <a16:creationId xmlns:a16="http://schemas.microsoft.com/office/drawing/2014/main" id="{1205307A-88FF-A148-92DD-67B6F926B4FF}"/>
-              </a:ext>
-            </a:extLst>
-          </p:cNvPr>
-          <p:cNvSpPr>
-            <a:spLocks noGrp="1"/>
-          </p:cNvSpPr>
-          <p:nvPr>
-            <p:ph type="title"/>
-          </p:nvPr>
-        </p:nvSpPr>
-        <p:spPr/>
-        <p:txBody>
-          <a:bodyPr/>
-          <a:lstStyle/>
-          <a:p>
-            <a:endParaRPr lang="en-US"/>
-          </a:p>
-        </p:txBody>
-      </p:sp>
-      <p:sp>
-        <p:nvSpPr>
-          <p:cNvPr id="3" name="Content Placeholder 2">
-            <a:extLst>
-              <a:ext uri="{FF2B5EF4-FFF2-40B4-BE49-F238E27FC236}">
-                <a16:creationId xmlns:a16="http://schemas.microsoft.com/office/drawing/2014/main" id="{38DFF432-90FF-BE4B-B706-5698F65D9383}"/>
-              </a:ext>
-            </a:extLst>
-          </p:cNvPr>
-          <p:cNvSpPr>
-            <a:spLocks noGrp="1"/>
-          </p:cNvSpPr>
-          <p:nvPr>
-            <p:ph idx="1"/>
-          </p:nvPr>
-        </p:nvSpPr>
-        <p:spPr/>
-        <p:txBody>
-          <a:bodyPr/>
-          <a:lstStyle/>
-          <a:p>
-            <a:endParaRPr lang="en-US"/>
-          </a:p>
-        </p:txBody>
-      </p:sp>
-    </p:spTree>
-    <p:extLst>
-      <p:ext uri="{BB962C8B-B14F-4D97-AF65-F5344CB8AC3E}">
-        <p14:creationId xmlns:p14="http://schemas.microsoft.com/office/powerpoint/2010/main" val="1281475136"/>
-      </p:ext>
-    </p:extLst>
-  </p:cSld>
-  <p:clrMapOvr>
-    <a:masterClrMapping/>
-  </p:clrMapOvr>
-</p:sld>
-</file>
-
-<file path=ppt/slides/slide31.xml><?xml version="1.0" encoding="utf-8"?>
-<p:sld xmlns:a="http://schemas.openxmlformats.org/drawingml/2006/main" xmlns:r="http://schemas.openxmlformats.org/officeDocument/2006/relationships" xmlns:p="http://schemas.openxmlformats.org/presentationml/2006/main">
-  <p:cSld>
-    <p:bg>
-      <p:bgPr>
-        <a:solidFill>
-          <a:schemeClr val="bg1">
-            <a:tint val="95000"/>
-            <a:satMod val="170000"/>
-          </a:schemeClr>
-        </a:solidFill>
-        <a:effectLst/>
-      </p:bgPr>
-    </p:bg>
-    <p:spTree>
-      <p:nvGrpSpPr>
-        <p:cNvPr id="1" name=""/>
-        <p:cNvGrpSpPr/>
-        <p:nvPr/>
-      </p:nvGrpSpPr>
-      <p:grpSpPr>
-        <a:xfrm>
-          <a:off x="0" y="0"/>
-          <a:ext cx="0" cy="0"/>
-          <a:chOff x="0" y="0"/>
-          <a:chExt cx="0" cy="0"/>
-        </a:xfrm>
-      </p:grpSpPr>
-      <p:sp>
-        <p:nvSpPr>
-          <p:cNvPr id="8" name="Freeform: Shape 7">
-            <a:extLst>
-              <a:ext uri="{FF2B5EF4-FFF2-40B4-BE49-F238E27FC236}">
-                <a16:creationId xmlns:a16="http://schemas.microsoft.com/office/drawing/2014/main" id="{66B332A4-D438-4773-A77F-5ED49A448D9D}"/>
-              </a:ext>
-              <a:ext uri="{C183D7F6-B498-43B3-948B-1728B52AA6E4}">
-                <adec:decorative xmlns:adec="http://schemas.microsoft.com/office/drawing/2017/decorative" val="1"/>
-              </a:ext>
-            </a:extLst>
-          </p:cNvPr>
-          <p:cNvSpPr>
-            <a:spLocks noGrp="1" noRot="1" noChangeAspect="1" noMove="1" noResize="1" noEditPoints="1" noAdjustHandles="1" noChangeArrowheads="1" noChangeShapeType="1" noTextEdit="1"/>
-          </p:cNvSpPr>
-          <p:nvPr>
-            <p:extLst>
-              <p:ext uri="{386F3935-93C4-4BCD-93E2-E3B085C9AB24}">
-                <p16:designElem xmlns:p16="http://schemas.microsoft.com/office/powerpoint/2015/main" val="1"/>
-              </p:ext>
-            </p:extLst>
-          </p:nvPr>
-        </p:nvSpPr>
-        <p:spPr>
-          <a:xfrm>
-            <a:off x="1953768" y="0"/>
-            <a:ext cx="8284464" cy="6858000"/>
-          </a:xfrm>
-          <a:custGeom>
-            <a:avLst/>
-            <a:gdLst>
-              <a:gd name="connsiteX0" fmla="*/ 1818109 w 8284464"/>
-              <a:gd name="connsiteY0" fmla="*/ 0 h 6858000"/>
-              <a:gd name="connsiteX1" fmla="*/ 6466355 w 8284464"/>
-              <a:gd name="connsiteY1" fmla="*/ 0 h 6858000"/>
-              <a:gd name="connsiteX2" fmla="*/ 6620596 w 8284464"/>
-              <a:gd name="connsiteY2" fmla="*/ 109683 h 6858000"/>
-              <a:gd name="connsiteX3" fmla="*/ 8284464 w 8284464"/>
-              <a:gd name="connsiteY3" fmla="*/ 3429000 h 6858000"/>
-              <a:gd name="connsiteX4" fmla="*/ 6620596 w 8284464"/>
-              <a:gd name="connsiteY4" fmla="*/ 6748318 h 6858000"/>
-              <a:gd name="connsiteX5" fmla="*/ 6466355 w 8284464"/>
-              <a:gd name="connsiteY5" fmla="*/ 6858000 h 6858000"/>
-              <a:gd name="connsiteX6" fmla="*/ 1818109 w 8284464"/>
-              <a:gd name="connsiteY6" fmla="*/ 6858000 h 6858000"/>
-              <a:gd name="connsiteX7" fmla="*/ 1663869 w 8284464"/>
-              <a:gd name="connsiteY7" fmla="*/ 6748318 h 6858000"/>
-              <a:gd name="connsiteX8" fmla="*/ 0 w 8284464"/>
-              <a:gd name="connsiteY8" fmla="*/ 3429000 h 6858000"/>
-              <a:gd name="connsiteX9" fmla="*/ 1663869 w 8284464"/>
-              <a:gd name="connsiteY9" fmla="*/ 109683 h 6858000"/>
-            </a:gdLst>
-            <a:ahLst/>
-            <a:cxnLst>
-              <a:cxn ang="0">
-                <a:pos x="connsiteX0" y="connsiteY0"/>
-              </a:cxn>
-              <a:cxn ang="0">
-                <a:pos x="connsiteX1" y="connsiteY1"/>
-              </a:cxn>
-              <a:cxn ang="0">
-                <a:pos x="connsiteX2" y="connsiteY2"/>
-              </a:cxn>
-              <a:cxn ang="0">
-                <a:pos x="connsiteX3" y="connsiteY3"/>
-              </a:cxn>
-              <a:cxn ang="0">
-                <a:pos x="connsiteX4" y="connsiteY4"/>
-              </a:cxn>
-              <a:cxn ang="0">
-                <a:pos x="connsiteX5" y="connsiteY5"/>
-              </a:cxn>
-              <a:cxn ang="0">
-                <a:pos x="connsiteX6" y="connsiteY6"/>
-              </a:cxn>
-              <a:cxn ang="0">
-                <a:pos x="connsiteX7" y="connsiteY7"/>
-              </a:cxn>
-              <a:cxn ang="0">
-                <a:pos x="connsiteX8" y="connsiteY8"/>
-              </a:cxn>
-              <a:cxn ang="0">
-                <a:pos x="connsiteX9" y="connsiteY9"/>
-              </a:cxn>
-            </a:cxnLst>
-            <a:rect l="l" t="t" r="r" b="b"/>
-            <a:pathLst>
-              <a:path w="8284464" h="6858000">
-                <a:moveTo>
-                  <a:pt x="1818109" y="0"/>
-                </a:moveTo>
-                <a:lnTo>
-                  <a:pt x="6466355" y="0"/>
-                </a:lnTo>
-                <a:lnTo>
-                  <a:pt x="6620596" y="109683"/>
-                </a:lnTo>
-                <a:cubicBezTo>
-                  <a:pt x="7630666" y="865069"/>
-                  <a:pt x="8284464" y="2070683"/>
-                  <a:pt x="8284464" y="3429000"/>
-                </a:cubicBezTo>
-                <a:cubicBezTo>
-                  <a:pt x="8284464" y="4787317"/>
-                  <a:pt x="7630666" y="5992931"/>
-                  <a:pt x="6620596" y="6748318"/>
-                </a:cubicBezTo>
-                <a:lnTo>
-                  <a:pt x="6466355" y="6858000"/>
-                </a:lnTo>
-                <a:lnTo>
-                  <a:pt x="1818109" y="6858000"/>
-                </a:lnTo>
-                <a:lnTo>
-                  <a:pt x="1663869" y="6748318"/>
-                </a:lnTo>
-                <a:cubicBezTo>
-                  <a:pt x="653798" y="5992931"/>
-                  <a:pt x="0" y="4787317"/>
-                  <a:pt x="0" y="3429000"/>
-                </a:cubicBezTo>
-                <a:cubicBezTo>
-                  <a:pt x="0" y="2070683"/>
-                  <a:pt x="653798" y="865069"/>
-                  <a:pt x="1663869" y="109683"/>
-                </a:cubicBezTo>
-                <a:close/>
-              </a:path>
-            </a:pathLst>
-          </a:custGeom>
-          <a:solidFill>
-            <a:srgbClr val="FFFFFF">
-              <a:alpha val="80000"/>
-            </a:srgbClr>
-          </a:solidFill>
-          <a:ln>
-            <a:noFill/>
-          </a:ln>
-        </p:spPr>
-        <p:style>
-          <a:lnRef idx="2">
-            <a:schemeClr val="accent1">
-              <a:shade val="50000"/>
-            </a:schemeClr>
-          </a:lnRef>
-          <a:fillRef idx="1">
-            <a:schemeClr val="accent1"/>
-          </a:fillRef>
-          <a:effectRef idx="0">
-            <a:schemeClr val="accent1"/>
-          </a:effectRef>
-          <a:fontRef idx="minor">
-            <a:schemeClr val="lt1"/>
-          </a:fontRef>
-        </p:style>
-        <p:txBody>
-          <a:bodyPr wrap="square" rtlCol="0" anchor="ctr">
-            <a:noAutofit/>
-          </a:bodyPr>
-          <a:lstStyle/>
-          <a:p>
-            <a:pPr algn="ctr"/>
-            <a:endParaRPr lang="en-US"/>
-          </a:p>
-        </p:txBody>
-      </p:sp>
-      <p:sp>
-        <p:nvSpPr>
-          <p:cNvPr id="10" name="Freeform: Shape 9">
-            <a:extLst>
-              <a:ext uri="{FF2B5EF4-FFF2-40B4-BE49-F238E27FC236}">
-                <a16:creationId xmlns:a16="http://schemas.microsoft.com/office/drawing/2014/main" id="{DF9AD32D-FF05-44F4-BD4D-9CEE89B71EB9}"/>
-              </a:ext>
-              <a:ext uri="{C183D7F6-B498-43B3-948B-1728B52AA6E4}">
-                <adec:decorative xmlns:adec="http://schemas.microsoft.com/office/drawing/2017/decorative" val="1"/>
-              </a:ext>
-            </a:extLst>
-          </p:cNvPr>
-          <p:cNvSpPr>
-            <a:spLocks noGrp="1" noRot="1" noChangeAspect="1" noMove="1" noResize="1" noEditPoints="1" noAdjustHandles="1" noChangeArrowheads="1" noChangeShapeType="1" noTextEdit="1"/>
-          </p:cNvSpPr>
-          <p:nvPr>
-            <p:extLst>
-              <p:ext uri="{386F3935-93C4-4BCD-93E2-E3B085C9AB24}">
-                <p16:designElem xmlns:p16="http://schemas.microsoft.com/office/powerpoint/2015/main" val="1"/>
-              </p:ext>
-            </p:extLst>
-          </p:nvPr>
-        </p:nvSpPr>
-        <p:spPr>
-          <a:xfrm>
-            <a:off x="2118360" y="0"/>
-            <a:ext cx="7955280" cy="6858000"/>
-          </a:xfrm>
-          <a:custGeom>
-            <a:avLst/>
-            <a:gdLst>
-              <a:gd name="connsiteX0" fmla="*/ 1962423 w 7955280"/>
-              <a:gd name="connsiteY0" fmla="*/ 0 h 6858000"/>
-              <a:gd name="connsiteX1" fmla="*/ 5992858 w 7955280"/>
-              <a:gd name="connsiteY1" fmla="*/ 0 h 6858000"/>
-              <a:gd name="connsiteX2" fmla="*/ 6040191 w 7955280"/>
-              <a:gd name="connsiteY2" fmla="*/ 27216 h 6858000"/>
-              <a:gd name="connsiteX3" fmla="*/ 7955280 w 7955280"/>
-              <a:gd name="connsiteY3" fmla="*/ 3429000 h 6858000"/>
-              <a:gd name="connsiteX4" fmla="*/ 6040191 w 7955280"/>
-              <a:gd name="connsiteY4" fmla="*/ 6830784 h 6858000"/>
-              <a:gd name="connsiteX5" fmla="*/ 5992858 w 7955280"/>
-              <a:gd name="connsiteY5" fmla="*/ 6858000 h 6858000"/>
-              <a:gd name="connsiteX6" fmla="*/ 1962423 w 7955280"/>
-              <a:gd name="connsiteY6" fmla="*/ 6858000 h 6858000"/>
-              <a:gd name="connsiteX7" fmla="*/ 1915089 w 7955280"/>
-              <a:gd name="connsiteY7" fmla="*/ 6830784 h 6858000"/>
-              <a:gd name="connsiteX8" fmla="*/ 0 w 7955280"/>
-              <a:gd name="connsiteY8" fmla="*/ 3429000 h 6858000"/>
-              <a:gd name="connsiteX9" fmla="*/ 1915089 w 7955280"/>
-              <a:gd name="connsiteY9" fmla="*/ 27216 h 6858000"/>
-            </a:gdLst>
-            <a:ahLst/>
-            <a:cxnLst>
-              <a:cxn ang="0">
-                <a:pos x="connsiteX0" y="connsiteY0"/>
-              </a:cxn>
-              <a:cxn ang="0">
-                <a:pos x="connsiteX1" y="connsiteY1"/>
-              </a:cxn>
-              <a:cxn ang="0">
-                <a:pos x="connsiteX2" y="connsiteY2"/>
-              </a:cxn>
-              <a:cxn ang="0">
-                <a:pos x="connsiteX3" y="connsiteY3"/>
-              </a:cxn>
-              <a:cxn ang="0">
-                <a:pos x="connsiteX4" y="connsiteY4"/>
-              </a:cxn>
-              <a:cxn ang="0">
-                <a:pos x="connsiteX5" y="connsiteY5"/>
-              </a:cxn>
-              <a:cxn ang="0">
-                <a:pos x="connsiteX6" y="connsiteY6"/>
-              </a:cxn>
-              <a:cxn ang="0">
-                <a:pos x="connsiteX7" y="connsiteY7"/>
-              </a:cxn>
-              <a:cxn ang="0">
-                <a:pos x="connsiteX8" y="connsiteY8"/>
-              </a:cxn>
-              <a:cxn ang="0">
-                <a:pos x="connsiteX9" y="connsiteY9"/>
-              </a:cxn>
-            </a:cxnLst>
-            <a:rect l="l" t="t" r="r" b="b"/>
-            <a:pathLst>
-              <a:path w="7955280" h="6858000">
-                <a:moveTo>
-                  <a:pt x="1962423" y="0"/>
-                </a:moveTo>
-                <a:lnTo>
-                  <a:pt x="5992858" y="0"/>
-                </a:lnTo>
-                <a:lnTo>
-                  <a:pt x="6040191" y="27216"/>
-                </a:lnTo>
-                <a:cubicBezTo>
-                  <a:pt x="7188332" y="724844"/>
-                  <a:pt x="7955280" y="1987357"/>
-                  <a:pt x="7955280" y="3429000"/>
-                </a:cubicBezTo>
-                <a:cubicBezTo>
-                  <a:pt x="7955280" y="4870644"/>
-                  <a:pt x="7188332" y="6133157"/>
-                  <a:pt x="6040191" y="6830784"/>
-                </a:cubicBezTo>
-                <a:lnTo>
-                  <a:pt x="5992858" y="6858000"/>
-                </a:lnTo>
-                <a:lnTo>
-                  <a:pt x="1962423" y="6858000"/>
-                </a:lnTo>
-                <a:lnTo>
-                  <a:pt x="1915089" y="6830784"/>
-                </a:lnTo>
-                <a:cubicBezTo>
-                  <a:pt x="766948" y="6133157"/>
-                  <a:pt x="0" y="4870644"/>
-                  <a:pt x="0" y="3429000"/>
-                </a:cubicBezTo>
-                <a:cubicBezTo>
-                  <a:pt x="0" y="1987357"/>
-                  <a:pt x="766948" y="724844"/>
-                  <a:pt x="1915089" y="27216"/>
-                </a:cubicBezTo>
-                <a:close/>
-              </a:path>
-            </a:pathLst>
-          </a:custGeom>
-          <a:solidFill>
-            <a:schemeClr val="tx1"/>
-          </a:solidFill>
-          <a:ln>
-            <a:noFill/>
-          </a:ln>
-        </p:spPr>
-        <p:style>
-          <a:lnRef idx="2">
-            <a:schemeClr val="accent1">
-              <a:shade val="50000"/>
-            </a:schemeClr>
-          </a:lnRef>
-          <a:fillRef idx="1">
-            <a:schemeClr val="accent1"/>
-          </a:fillRef>
-          <a:effectRef idx="0">
-            <a:schemeClr val="accent1"/>
-          </a:effectRef>
-          <a:fontRef idx="minor">
-            <a:schemeClr val="lt1"/>
-          </a:fontRef>
-        </p:style>
-        <p:txBody>
-          <a:bodyPr wrap="square" rtlCol="0" anchor="ctr">
-            <a:noAutofit/>
-          </a:bodyPr>
-          <a:lstStyle/>
-          <a:p>
-            <a:pPr algn="ctr"/>
-            <a:endParaRPr lang="en-US"/>
-          </a:p>
-        </p:txBody>
-      </p:sp>
-      <p:sp>
-        <p:nvSpPr>
-          <p:cNvPr id="2" name="Title 1">
-            <a:extLst>
-              <a:ext uri="{FF2B5EF4-FFF2-40B4-BE49-F238E27FC236}">
-                <a16:creationId xmlns:a16="http://schemas.microsoft.com/office/drawing/2014/main" id="{44DBCF65-81D9-F543-ACE8-4FDCA4590571}"/>
-              </a:ext>
-            </a:extLst>
-          </p:cNvPr>
-          <p:cNvSpPr>
-            <a:spLocks noGrp="1"/>
-          </p:cNvSpPr>
-          <p:nvPr>
-            <p:ph type="title"/>
-          </p:nvPr>
-        </p:nvSpPr>
-        <p:spPr>
-          <a:xfrm>
-            <a:off x="2555631" y="1441938"/>
-            <a:ext cx="7080738" cy="3974124"/>
-          </a:xfrm>
-        </p:spPr>
-        <p:txBody>
-          <a:bodyPr vert="horz" lIns="91440" tIns="45720" rIns="91440" bIns="45720" rtlCol="0" anchor="ctr">
-            <a:normAutofit/>
-          </a:bodyPr>
-          <a:lstStyle/>
-          <a:p>
-            <a:pPr algn="ctr"/>
-            <a:r>
-              <a:rPr lang="en-US" sz="5400">
-                <a:solidFill>
-                  <a:schemeClr val="bg1">
-                    <a:lumMod val="95000"/>
-                    <a:lumOff val="5000"/>
-                  </a:schemeClr>
-                </a:solidFill>
-              </a:rPr>
-              <a:t>Chapter 12: Summary and Outlook</a:t>
-            </a:r>
-          </a:p>
-        </p:txBody>
-      </p:sp>
-    </p:spTree>
-    <p:extLst>
-      <p:ext uri="{BB962C8B-B14F-4D97-AF65-F5344CB8AC3E}">
-        <p14:creationId xmlns:p14="http://schemas.microsoft.com/office/powerpoint/2010/main" val="3198986930"/>
-      </p:ext>
-    </p:extLst>
-  </p:cSld>
-  <p:clrMapOvr>
-    <a:overrideClrMapping bg1="dk1" tx1="lt1" bg2="dk2" tx2="lt2" accent1="accent1" accent2="accent2" accent3="accent3" accent4="accent4" accent5="accent5" accent6="accent6" hlink="hlink" folHlink="folHlink"/>
-  </p:clrMapOvr>
-</p:sld>
-</file>
-
-<file path=ppt/slides/slide32.xml><?xml version="1.0" encoding="utf-8"?>
-<p:sld xmlns:a="http://schemas.openxmlformats.org/drawingml/2006/main" xmlns:r="http://schemas.openxmlformats.org/officeDocument/2006/relationships" xmlns:p="http://schemas.openxmlformats.org/presentationml/2006/main">
-  <p:cSld>
-    <p:spTree>
-      <p:nvGrpSpPr>
-        <p:cNvPr id="1" name=""/>
-        <p:cNvGrpSpPr/>
-        <p:nvPr/>
-      </p:nvGrpSpPr>
-      <p:grpSpPr>
-        <a:xfrm>
-          <a:off x="0" y="0"/>
-          <a:ext cx="0" cy="0"/>
-          <a:chOff x="0" y="0"/>
-          <a:chExt cx="0" cy="0"/>
-        </a:xfrm>
-      </p:grpSpPr>
-      <p:sp>
-        <p:nvSpPr>
-          <p:cNvPr id="2" name="Title 1">
-            <a:extLst>
-              <a:ext uri="{FF2B5EF4-FFF2-40B4-BE49-F238E27FC236}">
-                <a16:creationId xmlns:a16="http://schemas.microsoft.com/office/drawing/2014/main" id="{1205307A-88FF-A148-92DD-67B6F926B4FF}"/>
-              </a:ext>
-            </a:extLst>
-          </p:cNvPr>
-          <p:cNvSpPr>
-            <a:spLocks noGrp="1"/>
-          </p:cNvSpPr>
-          <p:nvPr>
-            <p:ph type="title"/>
-          </p:nvPr>
-        </p:nvSpPr>
-        <p:spPr/>
-        <p:txBody>
-          <a:bodyPr/>
-          <a:lstStyle/>
-          <a:p>
-            <a:endParaRPr lang="en-US"/>
-          </a:p>
-        </p:txBody>
-      </p:sp>
-      <p:sp>
-        <p:nvSpPr>
-          <p:cNvPr id="3" name="Content Placeholder 2">
-            <a:extLst>
-              <a:ext uri="{FF2B5EF4-FFF2-40B4-BE49-F238E27FC236}">
-                <a16:creationId xmlns:a16="http://schemas.microsoft.com/office/drawing/2014/main" id="{38DFF432-90FF-BE4B-B706-5698F65D9383}"/>
-              </a:ext>
-            </a:extLst>
-          </p:cNvPr>
-          <p:cNvSpPr>
-            <a:spLocks noGrp="1"/>
-          </p:cNvSpPr>
-          <p:nvPr>
-            <p:ph idx="1"/>
-          </p:nvPr>
-        </p:nvSpPr>
-        <p:spPr/>
-        <p:txBody>
-          <a:bodyPr/>
-          <a:lstStyle/>
-          <a:p>
-            <a:endParaRPr lang="en-US"/>
-          </a:p>
-        </p:txBody>
-      </p:sp>
-    </p:spTree>
-    <p:extLst>
-      <p:ext uri="{BB962C8B-B14F-4D97-AF65-F5344CB8AC3E}">
-        <p14:creationId xmlns:p14="http://schemas.microsoft.com/office/powerpoint/2010/main" val="2950689444"/>
-      </p:ext>
-    </p:extLst>
-  </p:cSld>
-  <p:clrMapOvr>
-    <a:masterClrMapping/>
-  </p:clrMapOvr>
-</p:sld>
-</file>
-
-<file path=ppt/slides/slide33.xml><?xml version="1.0" encoding="utf-8"?>
 <p:sld xmlns:a="http://schemas.openxmlformats.org/drawingml/2006/main" xmlns:r="http://schemas.openxmlformats.org/officeDocument/2006/relationships" xmlns:p="http://schemas.openxmlformats.org/presentationml/2006/main">
   <p:cSld>
     <p:bg>
@@ -12318,12 +11923,12 @@
           <a:p>
             <a:pPr algn="ctr"/>
             <a:r>
-              <a:rPr lang="en-US" sz="2800">
+              <a:rPr lang="en-US" sz="2800" dirty="0">
                 <a:solidFill>
                   <a:schemeClr val="bg1"/>
                 </a:solidFill>
               </a:rPr>
-              <a:t>Resources</a:t>
+              <a:t>Online Resources</a:t>
             </a:r>
           </a:p>
         </p:txBody>
@@ -12362,7 +11967,7 @@
                   <a:schemeClr val="bg1"/>
                 </a:solidFill>
               </a:rPr>
-              <a:t>Visit </a:t>
+              <a:t>Visit: </a:t>
             </a:r>
             <a:r>
               <a:rPr lang="en-US" sz="2000" dirty="0">
@@ -13159,10 +12764,40 @@
         </p:nvSpPr>
         <p:spPr/>
         <p:txBody>
-          <a:bodyPr/>
-          <a:lstStyle/>
-          <a:p>
-            <a:endParaRPr lang="en-US"/>
+          <a:bodyPr>
+            <a:normAutofit lnSpcReduction="10000"/>
+          </a:bodyPr>
+          <a:lstStyle/>
+          <a:p>
+            <a:r>
+              <a:rPr lang="en-US" dirty="0"/>
+              <a:t>In seeking to understand the complexity of the world around us, we require methods that can capture and regenerate the characteristics of complex systems. </a:t>
+            </a:r>
+          </a:p>
+          <a:p>
+            <a:r>
+              <a:rPr lang="en-US" dirty="0"/>
+              <a:t>We do this through modelling.</a:t>
+            </a:r>
+          </a:p>
+          <a:p>
+            <a:pPr lvl="1"/>
+            <a:r>
+              <a:rPr lang="en-US" dirty="0"/>
+              <a:t>A model is a simplified representation of a complex reality, to the point that the reality is understandable and analytically manageable.</a:t>
+            </a:r>
+          </a:p>
+          <a:p>
+            <a:r>
+              <a:rPr lang="en-US" dirty="0"/>
+              <a:t>A model can be constructed as a computer program that uses a simplified digital representation of one or more aspects of the real world, transforming them to create a new representation.</a:t>
+            </a:r>
+          </a:p>
+          <a:p>
+            <a:r>
+              <a:rPr lang="en-US" dirty="0"/>
+              <a:t>There are many reasons and purposes for modelling, from description and explanation to prediction.</a:t>
+            </a:r>
           </a:p>
         </p:txBody>
       </p:sp>
@@ -13242,10 +12877,67 @@
         </p:nvSpPr>
         <p:spPr/>
         <p:txBody>
-          <a:bodyPr/>
-          <a:lstStyle/>
-          <a:p>
-            <a:endParaRPr lang="en-US"/>
+          <a:bodyPr>
+            <a:normAutofit fontScale="92500" lnSpcReduction="10000"/>
+          </a:bodyPr>
+          <a:lstStyle/>
+          <a:p>
+            <a:r>
+              <a:rPr lang="en-US" dirty="0"/>
+              <a:t>While models provide one route towards understanding geographical complexity, we are also rapidly gaining a richer understanding of the world through the vast amount of new data becoming available and enabling new veins of research.</a:t>
+            </a:r>
+          </a:p>
+          <a:p>
+            <a:pPr lvl="1"/>
+            <a:r>
+              <a:rPr lang="en-US" dirty="0"/>
+              <a:t>By the year 2020, many predict the global universe of accessible data to be of the order of 44 zettabytes or 44 trillion gigabytes</a:t>
+            </a:r>
+          </a:p>
+          <a:p>
+            <a:pPr lvl="1"/>
+            <a:r>
+              <a:rPr lang="en-US" dirty="0"/>
+              <a:t>Data now not only comes from government and commercial organizations (e.g. US Census Bureau) but also from individual users.</a:t>
+            </a:r>
+          </a:p>
+          <a:p>
+            <a:r>
+              <a:rPr lang="en-US" dirty="0"/>
+              <a:t>However, data alone does not give us the ‘</a:t>
+            </a:r>
+            <a:r>
+              <a:rPr lang="en-US" i="1" dirty="0"/>
+              <a:t>why</a:t>
+            </a:r>
+            <a:r>
+              <a:rPr lang="en-US" dirty="0"/>
+              <a:t>’, only the ‘</a:t>
+            </a:r>
+            <a:r>
+              <a:rPr lang="en-US" i="1" dirty="0"/>
+              <a:t>what</a:t>
+            </a:r>
+            <a:r>
+              <a:rPr lang="en-US" dirty="0"/>
+              <a:t>’, in the sense that it gives us the </a:t>
+            </a:r>
+            <a:r>
+              <a:rPr lang="en-US" i="1" dirty="0"/>
+              <a:t>patterns</a:t>
+            </a:r>
+            <a:r>
+              <a:rPr lang="en-US" dirty="0"/>
+              <a:t> but not the </a:t>
+            </a:r>
+            <a:r>
+              <a:rPr lang="en-US" i="1" dirty="0"/>
+              <a:t>processes</a:t>
+            </a:r>
+            <a:r>
+              <a:rPr lang="en-US" dirty="0"/>
+              <a:t> that cause them to emerge. For this, we need to model social interaction and the individuals involved in such interactions. </a:t>
+            </a:r>
           </a:p>
         </p:txBody>
       </p:sp>
@@ -13323,12 +13015,67 @@
             <p:ph idx="1"/>
           </p:nvPr>
         </p:nvSpPr>
-        <p:spPr/>
-        <p:txBody>
-          <a:bodyPr/>
-          <a:lstStyle/>
-          <a:p>
-            <a:endParaRPr lang="en-US"/>
+        <p:spPr>
+          <a:xfrm>
+            <a:off x="838200" y="1825624"/>
+            <a:ext cx="10515600" cy="4754079"/>
+          </a:xfrm>
+        </p:spPr>
+        <p:txBody>
+          <a:bodyPr>
+            <a:normAutofit fontScale="77500" lnSpcReduction="20000"/>
+          </a:bodyPr>
+          <a:lstStyle/>
+          <a:p>
+            <a:r>
+              <a:rPr lang="en-US" dirty="0"/>
+              <a:t>There has been a marked change over the past sixty years in how we simulate the individual within geographical systems. </a:t>
+            </a:r>
+          </a:p>
+          <a:p>
+            <a:r>
+              <a:rPr lang="en-US" dirty="0"/>
+              <a:t>Previous generations of researchers did not have either the computational power or access to data that today’s researchers do.</a:t>
+            </a:r>
+          </a:p>
+          <a:p>
+            <a:r>
+              <a:rPr lang="en-US" dirty="0"/>
+              <a:t>Lack of data and tools for simulating individuals meant that models examined the systems as a whole, based on aggregate analysis offering a limited way to examine the dynamics taking place within such systems</a:t>
+            </a:r>
+          </a:p>
+          <a:p>
+            <a:r>
+              <a:rPr lang="en-US" dirty="0"/>
+              <a:t>The increase in computation, individual-level data sources and the infusion of ideas from complexity theory allow us to look at how geographical systems  emerge from the “bottom up”</a:t>
+            </a:r>
+          </a:p>
+          <a:p>
+            <a:pPr lvl="1"/>
+            <a:r>
+              <a:rPr lang="en-US" dirty="0"/>
+              <a:t>E.g. , it is the local-scale interactive behavior (commuting, moving) of many individual objects (vehicles, people) from which structured and ordered patterns emerge, such as peak-hour traffic congestion and the large-scale spatial clustering of socio-economic groups by residence.</a:t>
+            </a:r>
+          </a:p>
+          <a:p>
+            <a:r>
+              <a:rPr lang="en-US" dirty="0"/>
+              <a:t>Understanding how geographical systems grow and evolve from the </a:t>
+            </a:r>
+            <a:r>
+              <a:rPr lang="en-US" i="1" dirty="0"/>
+              <a:t>bottom up </a:t>
+            </a:r>
+            <a:r>
+              <a:rPr lang="en-US" dirty="0"/>
+              <a:t>allows us to understand how uncoordinated local decision-making gives rise to coordinated global patterns which define the shape of the world around us and how these global patterns then influence the local decisions of individuals.</a:t>
+            </a:r>
+          </a:p>
+          <a:p>
+            <a:endParaRPr lang="en-US" dirty="0"/>
+          </a:p>
+          <a:p>
+            <a:endParaRPr lang="en-US" dirty="0"/>
           </a:p>
         </p:txBody>
       </p:sp>
